--- a/Presentazione Nebula16.pptx
+++ b/Presentazione Nebula16.pptx
@@ -6,7 +6,7 @@
     <p:sldMasterId id="2147483660" r:id="rId2"/>
   </p:sldMasterIdLst>
   <p:notesMasterIdLst>
-    <p:notesMasterId r:id="rId14"/>
+    <p:notesMasterId r:id="rId15"/>
   </p:notesMasterIdLst>
   <p:sldIdLst>
     <p:sldId id="342" r:id="rId3"/>
@@ -14,12 +14,13 @@
     <p:sldId id="373" r:id="rId5"/>
     <p:sldId id="365" r:id="rId6"/>
     <p:sldId id="376" r:id="rId7"/>
-    <p:sldId id="377" r:id="rId8"/>
-    <p:sldId id="378" r:id="rId9"/>
-    <p:sldId id="379" r:id="rId10"/>
-    <p:sldId id="380" r:id="rId11"/>
-    <p:sldId id="381" r:id="rId12"/>
-    <p:sldId id="372" r:id="rId13"/>
+    <p:sldId id="382" r:id="rId8"/>
+    <p:sldId id="377" r:id="rId9"/>
+    <p:sldId id="378" r:id="rId10"/>
+    <p:sldId id="379" r:id="rId11"/>
+    <p:sldId id="380" r:id="rId12"/>
+    <p:sldId id="381" r:id="rId13"/>
+    <p:sldId id="372" r:id="rId14"/>
   </p:sldIdLst>
   <p:sldSz cx="12192000" cy="6858000"/>
   <p:notesSz cx="6858000" cy="9144000"/>
@@ -766,7 +767,7 @@
     </p:spTree>
     <p:extLst>
       <p:ext uri="{BB962C8B-B14F-4D97-AF65-F5344CB8AC3E}">
-        <p14:creationId xmlns:p14="http://schemas.microsoft.com/office/powerpoint/2010/main" val="661510092"/>
+        <p14:creationId xmlns:p14="http://schemas.microsoft.com/office/powerpoint/2010/main" val="839213642"/>
       </p:ext>
     </p:extLst>
   </p:cSld>
@@ -898,6 +899,159 @@
                 <a:defRPr/>
               </a:pPr>
               <a:t>11</a:t>
+            </a:fld>
+            <a:endParaRPr kumimoji="0" lang="it-IT" sz="1200" b="0" i="0" u="none" strike="noStrike" kern="1200" cap="none" spc="0" normalizeH="0" baseline="0" noProof="0" dirty="0">
+              <a:ln>
+                <a:noFill/>
+              </a:ln>
+              <a:solidFill>
+                <a:prstClr val="black"/>
+              </a:solidFill>
+              <a:effectLst/>
+              <a:uLnTx/>
+              <a:uFillTx/>
+              <a:latin typeface="Calibri" panose="020F0502020204030204"/>
+              <a:ea typeface="+mn-ea"/>
+              <a:cs typeface="+mn-cs"/>
+            </a:endParaRPr>
+          </a:p>
+        </p:txBody>
+      </p:sp>
+    </p:spTree>
+    <p:extLst>
+      <p:ext uri="{BB962C8B-B14F-4D97-AF65-F5344CB8AC3E}">
+        <p14:creationId xmlns:p14="http://schemas.microsoft.com/office/powerpoint/2010/main" val="661510092"/>
+      </p:ext>
+    </p:extLst>
+  </p:cSld>
+  <p:clrMapOvr>
+    <a:masterClrMapping/>
+  </p:clrMapOvr>
+</p:notes>
+</file>
+
+<file path=ppt/notesSlides/notesSlide12.xml><?xml version="1.0" encoding="utf-8"?>
+<p:notes xmlns:a="http://schemas.openxmlformats.org/drawingml/2006/main" xmlns:r="http://schemas.openxmlformats.org/officeDocument/2006/relationships" xmlns:p="http://schemas.openxmlformats.org/presentationml/2006/main">
+  <p:cSld>
+    <p:spTree>
+      <p:nvGrpSpPr>
+        <p:cNvPr id="1" name=""/>
+        <p:cNvGrpSpPr/>
+        <p:nvPr/>
+      </p:nvGrpSpPr>
+      <p:grpSpPr>
+        <a:xfrm>
+          <a:off x="0" y="0"/>
+          <a:ext cx="0" cy="0"/>
+          <a:chOff x="0" y="0"/>
+          <a:chExt cx="0" cy="0"/>
+        </a:xfrm>
+      </p:grpSpPr>
+      <p:sp>
+        <p:nvSpPr>
+          <p:cNvPr id="2" name="Segnaposto immagine diapositiva 1"/>
+          <p:cNvSpPr>
+            <a:spLocks noGrp="1" noRot="1" noChangeAspect="1"/>
+          </p:cNvSpPr>
+          <p:nvPr>
+            <p:ph type="sldImg"/>
+          </p:nvPr>
+        </p:nvSpPr>
+        <p:spPr/>
+      </p:sp>
+      <p:sp>
+        <p:nvSpPr>
+          <p:cNvPr id="3" name="Segnaposto note 2"/>
+          <p:cNvSpPr>
+            <a:spLocks noGrp="1"/>
+          </p:cNvSpPr>
+          <p:nvPr>
+            <p:ph type="body" idx="1"/>
+          </p:nvPr>
+        </p:nvSpPr>
+        <p:spPr/>
+        <p:txBody>
+          <a:bodyPr rtlCol="0"/>
+          <a:lstStyle>
+            <a:defPPr>
+              <a:defRPr lang="it-IT"/>
+            </a:defPPr>
+          </a:lstStyle>
+          <a:p>
+            <a:pPr rtl="0"/>
+            <a:endParaRPr lang="it-IT" dirty="0"/>
+          </a:p>
+        </p:txBody>
+      </p:sp>
+      <p:sp>
+        <p:nvSpPr>
+          <p:cNvPr id="4" name="Segnaposto numero diapositiva 3"/>
+          <p:cNvSpPr>
+            <a:spLocks noGrp="1"/>
+          </p:cNvSpPr>
+          <p:nvPr>
+            <p:ph type="sldNum" sz="quarter" idx="5"/>
+          </p:nvPr>
+        </p:nvSpPr>
+        <p:spPr/>
+        <p:txBody>
+          <a:bodyPr rtlCol="0"/>
+          <a:lstStyle>
+            <a:defPPr>
+              <a:defRPr lang="it-IT"/>
+            </a:defPPr>
+          </a:lstStyle>
+          <a:p>
+            <a:pPr marL="0" marR="0" lvl="0" indent="0" algn="r" defTabSz="914400" rtl="0" eaLnBrk="1" fontAlgn="auto" latinLnBrk="0" hangingPunct="1">
+              <a:lnSpc>
+                <a:spcPct val="100000"/>
+              </a:lnSpc>
+              <a:spcBef>
+                <a:spcPts val="0"/>
+              </a:spcBef>
+              <a:spcAft>
+                <a:spcPts val="0"/>
+              </a:spcAft>
+              <a:buClrTx/>
+              <a:buSzTx/>
+              <a:buFontTx/>
+              <a:buNone/>
+              <a:tabLst/>
+              <a:defRPr/>
+            </a:pPr>
+            <a:fld id="{DEF75CB5-5666-5049-9AE0-38EFD385C21E}" type="slidenum">
+              <a:rPr kumimoji="0" lang="it-IT" sz="1200" b="0" i="0" u="none" strike="noStrike" kern="1200" cap="none" spc="0" normalizeH="0" baseline="0" noProof="0" smtClean="0">
+                <a:ln>
+                  <a:noFill/>
+                </a:ln>
+                <a:solidFill>
+                  <a:prstClr val="black"/>
+                </a:solidFill>
+                <a:effectLst/>
+                <a:uLnTx/>
+                <a:uFillTx/>
+                <a:latin typeface="Calibri" panose="020F0502020204030204"/>
+                <a:ea typeface="+mn-ea"/>
+                <a:cs typeface="+mn-cs"/>
+              </a:rPr>
+              <a:pPr marL="0" marR="0" lvl="0" indent="0" algn="r" defTabSz="914400" rtl="0" eaLnBrk="1" fontAlgn="auto" latinLnBrk="0" hangingPunct="1">
+                <a:lnSpc>
+                  <a:spcPct val="100000"/>
+                </a:lnSpc>
+                <a:spcBef>
+                  <a:spcPts val="0"/>
+                </a:spcBef>
+                <a:spcAft>
+                  <a:spcPts val="0"/>
+                </a:spcAft>
+                <a:buClrTx/>
+                <a:buSzTx/>
+                <a:buFontTx/>
+                <a:buNone/>
+                <a:tabLst/>
+                <a:defRPr/>
+              </a:pPr>
+              <a:t>12</a:t>
             </a:fld>
             <a:endParaRPr kumimoji="0" lang="it-IT" sz="1200" b="0" i="0" u="none" strike="noStrike" kern="1200" cap="none" spc="0" normalizeH="0" baseline="0" noProof="0" dirty="0">
               <a:ln>
@@ -1546,7 +1700,13 @@
   <p:cSld>
     <p:spTree>
       <p:nvGrpSpPr>
-        <p:cNvPr id="1" name=""/>
+        <p:cNvPr id="1" name="">
+          <a:extLst>
+            <a:ext uri="{FF2B5EF4-FFF2-40B4-BE49-F238E27FC236}">
+              <a16:creationId xmlns:a16="http://schemas.microsoft.com/office/drawing/2014/main" id="{83ADAB0B-B558-E7AD-ED9E-09215343D6EC}"/>
+            </a:ext>
+          </a:extLst>
+        </p:cNvPr>
         <p:cNvGrpSpPr/>
         <p:nvPr/>
       </p:nvGrpSpPr>
@@ -1560,7 +1720,13 @@
       </p:grpSpPr>
       <p:sp>
         <p:nvSpPr>
-          <p:cNvPr id="2" name="Segnaposto immagine diapositiva 1"/>
+          <p:cNvPr id="2" name="Segnaposto immagine diapositiva 1">
+            <a:extLst>
+              <a:ext uri="{FF2B5EF4-FFF2-40B4-BE49-F238E27FC236}">
+                <a16:creationId xmlns:a16="http://schemas.microsoft.com/office/drawing/2014/main" id="{FA1F2F7F-D0E5-890D-34F7-A1B35529AC69}"/>
+              </a:ext>
+            </a:extLst>
+          </p:cNvPr>
           <p:cNvSpPr>
             <a:spLocks noGrp="1" noRot="1" noChangeAspect="1"/>
           </p:cNvSpPr>
@@ -1572,7 +1738,13 @@
       </p:sp>
       <p:sp>
         <p:nvSpPr>
-          <p:cNvPr id="3" name="Segnaposto note 2"/>
+          <p:cNvPr id="3" name="Segnaposto note 2">
+            <a:extLst>
+              <a:ext uri="{FF2B5EF4-FFF2-40B4-BE49-F238E27FC236}">
+                <a16:creationId xmlns:a16="http://schemas.microsoft.com/office/drawing/2014/main" id="{963DA2CC-6CED-0895-4609-612533EF2784}"/>
+              </a:ext>
+            </a:extLst>
+          </p:cNvPr>
           <p:cNvSpPr>
             <a:spLocks noGrp="1"/>
           </p:cNvSpPr>
@@ -1596,7 +1768,13 @@
       </p:sp>
       <p:sp>
         <p:nvSpPr>
-          <p:cNvPr id="4" name="Segnaposto numero diapositiva 3"/>
+          <p:cNvPr id="4" name="Segnaposto numero diapositiva 3">
+            <a:extLst>
+              <a:ext uri="{FF2B5EF4-FFF2-40B4-BE49-F238E27FC236}">
+                <a16:creationId xmlns:a16="http://schemas.microsoft.com/office/drawing/2014/main" id="{421A3ACC-8C95-AAEC-79B8-FDA419D46D82}"/>
+              </a:ext>
+            </a:extLst>
+          </p:cNvPr>
           <p:cNvSpPr>
             <a:spLocks noGrp="1"/>
           </p:cNvSpPr>
@@ -1628,7 +1806,7 @@
               <a:buFontTx/>
               <a:buNone/>
               <a:tabLst/>
-              <a:defRPr/>
+              <a:defRPr lang="it-IT"/>
             </a:pPr>
             <a:fld id="{DEF75CB5-5666-5049-9AE0-38EFD385C21E}" type="slidenum">
               <a:rPr kumimoji="0" lang="it-IT" sz="1200" b="0" i="0" u="none" strike="noStrike" kern="1200" cap="none" spc="0" normalizeH="0" baseline="0" noProof="0" smtClean="0">
@@ -1660,7 +1838,7 @@
                 <a:buFontTx/>
                 <a:buNone/>
                 <a:tabLst/>
-                <a:defRPr/>
+                <a:defRPr lang="it-IT"/>
               </a:pPr>
               <a:t>6</a:t>
             </a:fld>
@@ -1684,7 +1862,7 @@
     </p:spTree>
     <p:extLst>
       <p:ext uri="{BB962C8B-B14F-4D97-AF65-F5344CB8AC3E}">
-        <p14:creationId xmlns:p14="http://schemas.microsoft.com/office/powerpoint/2010/main" val="712487217"/>
+        <p14:creationId xmlns:p14="http://schemas.microsoft.com/office/powerpoint/2010/main" val="3820206113"/>
       </p:ext>
     </p:extLst>
   </p:cSld>
@@ -1837,7 +2015,7 @@
     </p:spTree>
     <p:extLst>
       <p:ext uri="{BB962C8B-B14F-4D97-AF65-F5344CB8AC3E}">
-        <p14:creationId xmlns:p14="http://schemas.microsoft.com/office/powerpoint/2010/main" val="3765125580"/>
+        <p14:creationId xmlns:p14="http://schemas.microsoft.com/office/powerpoint/2010/main" val="712487217"/>
       </p:ext>
     </p:extLst>
   </p:cSld>
@@ -1990,7 +2168,7 @@
     </p:spTree>
     <p:extLst>
       <p:ext uri="{BB962C8B-B14F-4D97-AF65-F5344CB8AC3E}">
-        <p14:creationId xmlns:p14="http://schemas.microsoft.com/office/powerpoint/2010/main" val="178419945"/>
+        <p14:creationId xmlns:p14="http://schemas.microsoft.com/office/powerpoint/2010/main" val="3765125580"/>
       </p:ext>
     </p:extLst>
   </p:cSld>
@@ -2143,7 +2321,7 @@
     </p:spTree>
     <p:extLst>
       <p:ext uri="{BB962C8B-B14F-4D97-AF65-F5344CB8AC3E}">
-        <p14:creationId xmlns:p14="http://schemas.microsoft.com/office/powerpoint/2010/main" val="839213642"/>
+        <p14:creationId xmlns:p14="http://schemas.microsoft.com/office/powerpoint/2010/main" val="178419945"/>
       </p:ext>
     </p:extLst>
   </p:cSld>
@@ -14415,6 +14593,325 @@
       </p:grpSpPr>
       <p:sp>
         <p:nvSpPr>
+          <p:cNvPr id="2" name="Titolo 1">
+            <a:extLst>
+              <a:ext uri="{FF2B5EF4-FFF2-40B4-BE49-F238E27FC236}">
+                <a16:creationId xmlns:a16="http://schemas.microsoft.com/office/drawing/2014/main" id="{A2DE810E-8E37-1D8A-245B-020E4E4C0B9F}"/>
+              </a:ext>
+            </a:extLst>
+          </p:cNvPr>
+          <p:cNvSpPr>
+            <a:spLocks noGrp="1"/>
+          </p:cNvSpPr>
+          <p:nvPr>
+            <p:ph type="title"/>
+          </p:nvPr>
+        </p:nvSpPr>
+        <p:spPr>
+          <a:xfrm>
+            <a:off x="733562" y="433906"/>
+            <a:ext cx="10515601" cy="1327464"/>
+          </a:xfrm>
+        </p:spPr>
+        <p:txBody>
+          <a:bodyPr rtlCol="0"/>
+          <a:lstStyle>
+            <a:defPPr>
+              <a:defRPr lang="it-IT"/>
+            </a:defPPr>
+          </a:lstStyle>
+          <a:p>
+            <a:pPr rtl="0"/>
+            <a:r>
+              <a:rPr lang="it-IT"/>
+              <a:t>SUGGERIMENTI FINALI E CONSIDERAZIONI</a:t>
+            </a:r>
+          </a:p>
+        </p:txBody>
+      </p:sp>
+      <p:sp>
+        <p:nvSpPr>
+          <p:cNvPr id="3" name="Segnaposto contenuto 2">
+            <a:extLst>
+              <a:ext uri="{FF2B5EF4-FFF2-40B4-BE49-F238E27FC236}">
+                <a16:creationId xmlns:a16="http://schemas.microsoft.com/office/drawing/2014/main" id="{7D7CECA3-144C-CD4B-9246-81B4F2E65466}"/>
+              </a:ext>
+            </a:extLst>
+          </p:cNvPr>
+          <p:cNvSpPr>
+            <a:spLocks noGrp="1"/>
+          </p:cNvSpPr>
+          <p:nvPr>
+            <p:ph sz="quarter" idx="36"/>
+          </p:nvPr>
+        </p:nvSpPr>
+        <p:spPr>
+          <a:xfrm>
+            <a:off x="814302" y="2465535"/>
+            <a:ext cx="7303538" cy="3427265"/>
+          </a:xfrm>
+        </p:spPr>
+        <p:txBody>
+          <a:bodyPr rtlCol="0"/>
+          <a:lstStyle>
+            <a:defPPr>
+              <a:defRPr lang="it-IT"/>
+            </a:defPPr>
+          </a:lstStyle>
+          <a:p>
+            <a:pPr rtl="0"/>
+            <a:r>
+              <a:rPr lang="it-IT" dirty="0"/>
+              <a:t>Prove costanti</a:t>
+            </a:r>
+          </a:p>
+          <a:p>
+            <a:pPr lvl="1" rtl="0"/>
+            <a:r>
+              <a:rPr lang="it-IT" dirty="0"/>
+              <a:t>Rafforza la tua familiarità</a:t>
+            </a:r>
+          </a:p>
+          <a:p>
+            <a:pPr rtl="0"/>
+            <a:r>
+              <a:rPr lang="it-IT" dirty="0"/>
+              <a:t>Perfeziona il tuo stile di comunicazione</a:t>
+            </a:r>
+          </a:p>
+          <a:p>
+            <a:pPr lvl="1" rtl="0"/>
+            <a:r>
+              <a:rPr lang="it-IT" dirty="0"/>
+              <a:t>Ritmo, tono ed enfasi</a:t>
+            </a:r>
+          </a:p>
+          <a:p>
+            <a:pPr rtl="0"/>
+            <a:r>
+              <a:rPr lang="it-IT" dirty="0"/>
+              <a:t>Tempi e transizioni</a:t>
+            </a:r>
+          </a:p>
+          <a:p>
+            <a:pPr lvl="1" rtl="0"/>
+            <a:r>
+              <a:rPr lang="it-IT" dirty="0"/>
+              <a:t>Punta a una presentazione professionale e senza interruzioni</a:t>
+            </a:r>
+          </a:p>
+          <a:p>
+            <a:pPr rtl="0"/>
+            <a:r>
+              <a:rPr lang="it-IT" dirty="0"/>
+              <a:t>Gruppo di destinatari delle esercitazioni</a:t>
+            </a:r>
+          </a:p>
+          <a:p>
+            <a:pPr lvl="1" rtl="0"/>
+            <a:r>
+              <a:rPr lang="it-IT" dirty="0"/>
+              <a:t>Chiedi ai colleghi di ascoltarti e fornirti un feedback</a:t>
+            </a:r>
+          </a:p>
+        </p:txBody>
+      </p:sp>
+      <p:sp>
+        <p:nvSpPr>
+          <p:cNvPr id="5" name="Segnaposto contenuto 4">
+            <a:extLst>
+              <a:ext uri="{FF2B5EF4-FFF2-40B4-BE49-F238E27FC236}">
+                <a16:creationId xmlns:a16="http://schemas.microsoft.com/office/drawing/2014/main" id="{A33D1544-95D3-8A05-6E1B-C08C307C55D4}"/>
+              </a:ext>
+            </a:extLst>
+          </p:cNvPr>
+          <p:cNvSpPr>
+            <a:spLocks noGrp="1"/>
+          </p:cNvSpPr>
+          <p:nvPr>
+            <p:ph sz="quarter" idx="37"/>
+          </p:nvPr>
+        </p:nvSpPr>
+        <p:spPr>
+          <a:xfrm>
+            <a:off x="8392160" y="2465388"/>
+            <a:ext cx="2856865" cy="3427412"/>
+          </a:xfrm>
+        </p:spPr>
+        <p:txBody>
+          <a:bodyPr rtlCol="0"/>
+          <a:lstStyle>
+            <a:defPPr>
+              <a:defRPr lang="it-IT"/>
+            </a:defPPr>
+          </a:lstStyle>
+          <a:p>
+            <a:pPr rtl="0"/>
+            <a:r>
+              <a:rPr lang="it-IT" dirty="0"/>
+              <a:t>Richiedi un feedback</a:t>
+            </a:r>
+          </a:p>
+          <a:p>
+            <a:pPr rtl="0"/>
+            <a:r>
+              <a:rPr lang="it-IT" dirty="0"/>
+              <a:t>Rifletti sulle tue prestazioni</a:t>
+            </a:r>
+          </a:p>
+          <a:p>
+            <a:pPr rtl="0"/>
+            <a:r>
+              <a:rPr lang="it-IT" dirty="0"/>
+              <a:t>Esplora nuove tecniche</a:t>
+            </a:r>
+          </a:p>
+          <a:p>
+            <a:pPr rtl="0"/>
+            <a:r>
+              <a:rPr lang="it-IT" dirty="0"/>
+              <a:t>Imposta obiettivi personali</a:t>
+            </a:r>
+          </a:p>
+          <a:p>
+            <a:pPr rtl="0"/>
+            <a:r>
+              <a:rPr lang="it-IT" dirty="0"/>
+              <a:t>Ripeti e adatta</a:t>
+            </a:r>
+          </a:p>
+        </p:txBody>
+      </p:sp>
+      <p:sp>
+        <p:nvSpPr>
+          <p:cNvPr id="4" name="Segnaposto numero diapositiva 3">
+            <a:extLst>
+              <a:ext uri="{FF2B5EF4-FFF2-40B4-BE49-F238E27FC236}">
+                <a16:creationId xmlns:a16="http://schemas.microsoft.com/office/drawing/2014/main" id="{FD1E69EA-A9E8-C521-7C62-DA1F24879918}"/>
+              </a:ext>
+            </a:extLst>
+          </p:cNvPr>
+          <p:cNvSpPr>
+            <a:spLocks noGrp="1"/>
+          </p:cNvSpPr>
+          <p:nvPr>
+            <p:ph type="sldNum" sz="quarter" idx="12"/>
+          </p:nvPr>
+        </p:nvSpPr>
+        <p:spPr>
+          <a:xfrm>
+            <a:off x="9140971" y="6226198"/>
+            <a:ext cx="2743200" cy="365125"/>
+          </a:xfrm>
+        </p:spPr>
+        <p:txBody>
+          <a:bodyPr rtlCol="0"/>
+          <a:lstStyle>
+            <a:defPPr>
+              <a:defRPr lang="it-IT"/>
+            </a:defPPr>
+          </a:lstStyle>
+          <a:p>
+            <a:pPr marL="0" marR="0" lvl="0" indent="0" algn="r" defTabSz="914400" rtl="0" eaLnBrk="1" fontAlgn="auto" latinLnBrk="0" hangingPunct="1">
+              <a:lnSpc>
+                <a:spcPct val="100000"/>
+              </a:lnSpc>
+              <a:spcBef>
+                <a:spcPts val="0"/>
+              </a:spcBef>
+              <a:spcAft>
+                <a:spcPts val="0"/>
+              </a:spcAft>
+              <a:buClrTx/>
+              <a:buSzTx/>
+              <a:buFontTx/>
+              <a:buNone/>
+              <a:tabLst/>
+              <a:defRPr/>
+            </a:pPr>
+            <a:fld id="{FE024F78-56A6-7740-B68D-8D4D026EDF3F}" type="slidenum">
+              <a:rPr kumimoji="0" lang="it-IT" sz="1200" b="0" i="0" u="none" strike="noStrike" kern="1200" cap="none" spc="0" normalizeH="0" baseline="0" noProof="0" smtClean="0">
+                <a:ln>
+                  <a:noFill/>
+                </a:ln>
+                <a:solidFill>
+                  <a:srgbClr val="FFFFFF"/>
+                </a:solidFill>
+                <a:effectLst/>
+                <a:uLnTx/>
+                <a:uFillTx/>
+                <a:latin typeface="Biome"/>
+                <a:ea typeface="+mn-ea"/>
+                <a:cs typeface="Biome" panose="020B0503030204020804" pitchFamily="34" charset="0"/>
+              </a:rPr>
+              <a:pPr marL="0" marR="0" lvl="0" indent="0" algn="r" defTabSz="914400" rtl="0" eaLnBrk="1" fontAlgn="auto" latinLnBrk="0" hangingPunct="1">
+                <a:lnSpc>
+                  <a:spcPct val="100000"/>
+                </a:lnSpc>
+                <a:spcBef>
+                  <a:spcPts val="0"/>
+                </a:spcBef>
+                <a:spcAft>
+                  <a:spcPts val="0"/>
+                </a:spcAft>
+                <a:buClrTx/>
+                <a:buSzTx/>
+                <a:buFontTx/>
+                <a:buNone/>
+                <a:tabLst/>
+                <a:defRPr/>
+              </a:pPr>
+              <a:t>10</a:t>
+            </a:fld>
+            <a:endParaRPr kumimoji="0" lang="it-IT" sz="1200" b="0" i="0" u="none" strike="noStrike" kern="1200" cap="none" spc="0" normalizeH="0" baseline="0" noProof="0" dirty="0">
+              <a:ln>
+                <a:noFill/>
+              </a:ln>
+              <a:solidFill>
+                <a:srgbClr val="FFFFFF"/>
+              </a:solidFill>
+              <a:effectLst/>
+              <a:uLnTx/>
+              <a:uFillTx/>
+              <a:latin typeface="Biome"/>
+              <a:ea typeface="+mn-ea"/>
+              <a:cs typeface="Biome" panose="020B0503030204020804" pitchFamily="34" charset="0"/>
+            </a:endParaRPr>
+          </a:p>
+        </p:txBody>
+      </p:sp>
+    </p:spTree>
+    <p:extLst>
+      <p:ext uri="{BB962C8B-B14F-4D97-AF65-F5344CB8AC3E}">
+        <p14:creationId xmlns:p14="http://schemas.microsoft.com/office/powerpoint/2010/main" val="79695288"/>
+      </p:ext>
+    </p:extLst>
+  </p:cSld>
+  <p:clrMapOvr>
+    <a:masterClrMapping/>
+  </p:clrMapOvr>
+</p:sld>
+</file>
+
+<file path=ppt/slides/slide11.xml><?xml version="1.0" encoding="utf-8"?>
+<p:sld xmlns:a="http://schemas.openxmlformats.org/drawingml/2006/main" xmlns:r="http://schemas.openxmlformats.org/officeDocument/2006/relationships" xmlns:p="http://schemas.openxmlformats.org/presentationml/2006/main">
+  <p:cSld>
+    <p:spTree>
+      <p:nvGrpSpPr>
+        <p:cNvPr id="1" name=""/>
+        <p:cNvGrpSpPr/>
+        <p:nvPr/>
+      </p:nvGrpSpPr>
+      <p:grpSpPr>
+        <a:xfrm>
+          <a:off x="0" y="0"/>
+          <a:ext cx="0" cy="0"/>
+          <a:chOff x="0" y="0"/>
+          <a:chExt cx="0" cy="0"/>
+        </a:xfrm>
+      </p:grpSpPr>
+      <p:sp>
+        <p:nvSpPr>
           <p:cNvPr id="3" name="Titolo 2">
             <a:extLst>
               <a:ext uri="{FF2B5EF4-FFF2-40B4-BE49-F238E27FC236}">
@@ -15068,7 +15565,7 @@
                 <a:tabLst/>
                 <a:defRPr/>
               </a:pPr>
-              <a:t>10</a:t>
+              <a:t>11</a:t>
             </a:fld>
             <a:endParaRPr kumimoji="0" lang="it-IT" sz="1200" b="0" i="0" u="none" strike="noStrike" kern="1200" cap="none" spc="0" normalizeH="0" baseline="0" noProof="0" dirty="0">
               <a:ln>
@@ -15100,7 +15597,7 @@
 </p:sld>
 </file>
 
-<file path=ppt/slides/slide11.xml><?xml version="1.0" encoding="utf-8"?>
+<file path=ppt/slides/slide12.xml><?xml version="1.0" encoding="utf-8"?>
 <p:sld xmlns:a="http://schemas.openxmlformats.org/drawingml/2006/main" xmlns:r="http://schemas.openxmlformats.org/officeDocument/2006/relationships" xmlns:p="http://schemas.openxmlformats.org/presentationml/2006/main">
   <p:cSld>
     <p:bg>
@@ -18218,8 +18715,8 @@
         </p:nvSpPr>
         <p:spPr>
           <a:xfrm>
-            <a:off x="-185737" y="2191446"/>
-            <a:ext cx="4210050" cy="1654805"/>
+            <a:off x="190500" y="2338306"/>
+            <a:ext cx="3721893" cy="1433350"/>
           </a:xfrm>
           <a:prstGeom prst="triangle">
             <a:avLst/>
@@ -18371,8 +18868,8 @@
         </p:nvCxnSpPr>
         <p:spPr>
           <a:xfrm flipV="1">
-            <a:off x="1919288" y="1800240"/>
-            <a:ext cx="3259932" cy="391206"/>
+            <a:off x="2051447" y="1800240"/>
+            <a:ext cx="3127773" cy="538066"/>
           </a:xfrm>
           <a:prstGeom prst="line">
             <a:avLst/>
@@ -19036,133 +19533,8 @@
           <a:p>
             <a:pPr rtl="0"/>
             <a:r>
-              <a:rPr lang="it-IT"/>
-              <a:t>TECNICHE DI COMUNICAZIONE EFFICACI</a:t>
-            </a:r>
-          </a:p>
-        </p:txBody>
-      </p:sp>
-      <p:sp>
-        <p:nvSpPr>
-          <p:cNvPr id="3" name="Segnaposto contenuto 2">
-            <a:extLst>
-              <a:ext uri="{FF2B5EF4-FFF2-40B4-BE49-F238E27FC236}">
-                <a16:creationId xmlns:a16="http://schemas.microsoft.com/office/drawing/2014/main" id="{F09FEE91-E849-1CB0-9E51-A58B99C631C5}"/>
-              </a:ext>
-            </a:extLst>
-          </p:cNvPr>
-          <p:cNvSpPr>
-            <a:spLocks noGrp="1"/>
-          </p:cNvSpPr>
-          <p:nvPr>
-            <p:ph sz="quarter" idx="35"/>
-          </p:nvPr>
-        </p:nvSpPr>
-        <p:spPr>
-          <a:xfrm>
-            <a:off x="2373002" y="2474811"/>
-            <a:ext cx="4015098" cy="3528397"/>
-          </a:xfrm>
-        </p:spPr>
-        <p:txBody>
-          <a:bodyPr rtlCol="0"/>
-          <a:lstStyle>
-            <a:defPPr>
-              <a:defRPr lang="it-IT"/>
-            </a:defPPr>
-          </a:lstStyle>
-          <a:p>
-            <a:pPr rtl="0"/>
-            <a:r>
               <a:rPr lang="it-IT" dirty="0"/>
-              <a:t>Questo è un potente strumento per l'arte oratoria. Ti aiuterà a variare l'intonazione, il tono e il volume per trasmettere emozioni, enfatizzare punti e mantenere l'interesse.</a:t>
-            </a:r>
-          </a:p>
-          <a:p>
-            <a:pPr lvl="1" rtl="0"/>
-            <a:r>
-              <a:rPr lang="it-IT" dirty="0"/>
-              <a:t>Variazione intonazione</a:t>
-            </a:r>
-          </a:p>
-          <a:p>
-            <a:pPr lvl="1" rtl="0"/>
-            <a:r>
-              <a:rPr lang="it-IT" dirty="0"/>
-              <a:t>Inflessione del tono</a:t>
-            </a:r>
-          </a:p>
-          <a:p>
-            <a:pPr lvl="1" rtl="0"/>
-            <a:r>
-              <a:rPr lang="it-IT" dirty="0"/>
-              <a:t>Controllo del volume</a:t>
-            </a:r>
-          </a:p>
-        </p:txBody>
-      </p:sp>
-      <p:sp>
-        <p:nvSpPr>
-          <p:cNvPr id="4" name="Segnaposto contenuto 3">
-            <a:extLst>
-              <a:ext uri="{FF2B5EF4-FFF2-40B4-BE49-F238E27FC236}">
-                <a16:creationId xmlns:a16="http://schemas.microsoft.com/office/drawing/2014/main" id="{9B774F1A-D233-C240-B22D-F82C6161FAC1}"/>
-              </a:ext>
-            </a:extLst>
-          </p:cNvPr>
-          <p:cNvSpPr>
-            <a:spLocks noGrp="1"/>
-          </p:cNvSpPr>
-          <p:nvPr>
-            <p:ph sz="quarter" idx="36"/>
-          </p:nvPr>
-        </p:nvSpPr>
-        <p:spPr>
-          <a:xfrm>
-            <a:off x="6995159" y="2474811"/>
-            <a:ext cx="4227332" cy="3528397"/>
-          </a:xfrm>
-        </p:spPr>
-        <p:txBody>
-          <a:bodyPr rtlCol="0"/>
-          <a:lstStyle>
-            <a:defPPr>
-              <a:defRPr lang="it-IT"/>
-            </a:defPPr>
-          </a:lstStyle>
-          <a:p>
-            <a:pPr rtl="0"/>
-            <a:r>
-              <a:rPr lang="it-IT" dirty="0"/>
-              <a:t>Un linguaggio del corpo efficace valorizza il tuo messaggio, rendendolo più incisivo e memorabile.</a:t>
-            </a:r>
-          </a:p>
-          <a:p>
-            <a:pPr lvl="1" rtl="0"/>
-            <a:r>
-              <a:rPr lang="it-IT" dirty="0"/>
-              <a:t>Contatto visivo significativo</a:t>
-            </a:r>
-          </a:p>
-          <a:p>
-            <a:pPr lvl="1" rtl="0"/>
-            <a:r>
-              <a:rPr lang="it-IT" dirty="0"/>
-              <a:t>Movimenti intenzionali</a:t>
-            </a:r>
-          </a:p>
-          <a:p>
-            <a:pPr lvl="1" rtl="0"/>
-            <a:r>
-              <a:rPr lang="it-IT" dirty="0"/>
-              <a:t>Mantieni una buona postura</a:t>
-            </a:r>
-          </a:p>
-          <a:p>
-            <a:pPr lvl="1" rtl="0"/>
-            <a:r>
-              <a:rPr lang="it-IT" dirty="0"/>
-              <a:t>Controlla le espressioni</a:t>
+              <a:t>Ottenimento Della Password</a:t>
             </a:r>
           </a:p>
         </p:txBody>
@@ -19265,6 +19637,676 @@
           </a:p>
         </p:txBody>
       </p:sp>
+      <p:sp>
+        <p:nvSpPr>
+          <p:cNvPr id="9" name="Rectangle 4">
+            <a:extLst>
+              <a:ext uri="{FF2B5EF4-FFF2-40B4-BE49-F238E27FC236}">
+                <a16:creationId xmlns:a16="http://schemas.microsoft.com/office/drawing/2014/main" id="{DCA0AD90-7117-3F79-20AE-54EF5E1D089F}"/>
+              </a:ext>
+            </a:extLst>
+          </p:cNvPr>
+          <p:cNvSpPr>
+            <a:spLocks noChangeArrowheads="1"/>
+          </p:cNvSpPr>
+          <p:nvPr/>
+        </p:nvSpPr>
+        <p:spPr bwMode="auto">
+          <a:xfrm>
+            <a:off x="1885950" y="2173723"/>
+            <a:ext cx="10153650" cy="2339102"/>
+          </a:xfrm>
+          <a:prstGeom prst="rect">
+            <a:avLst/>
+          </a:prstGeom>
+          <a:noFill/>
+          <a:ln>
+            <a:noFill/>
+          </a:ln>
+          <a:effectLst/>
+          <a:extLst>
+            <a:ext uri="{909E8E84-426E-40DD-AFC4-6F175D3DCCD1}">
+              <a14:hiddenFill xmlns:a14="http://schemas.microsoft.com/office/drawing/2010/main">
+                <a:solidFill>
+                  <a:schemeClr val="accent1"/>
+                </a:solidFill>
+              </a14:hiddenFill>
+            </a:ext>
+            <a:ext uri="{91240B29-F687-4F45-9708-019B960494DF}">
+              <a14:hiddenLine xmlns:a14="http://schemas.microsoft.com/office/drawing/2010/main" w="9525">
+                <a:solidFill>
+                  <a:schemeClr val="tx1"/>
+                </a:solidFill>
+                <a:miter lim="800000"/>
+                <a:headEnd/>
+                <a:tailEnd/>
+              </a14:hiddenLine>
+            </a:ext>
+            <a:ext uri="{AF507438-7753-43E0-B8FC-AC1667EBCBE1}">
+              <a14:hiddenEffects xmlns:a14="http://schemas.microsoft.com/office/drawing/2010/main">
+                <a:effectLst>
+                  <a:outerShdw dist="35921" dir="2700000" algn="ctr" rotWithShape="0">
+                    <a:schemeClr val="bg2"/>
+                  </a:outerShdw>
+                </a:effectLst>
+              </a14:hiddenEffects>
+            </a:ext>
+          </a:extLst>
+        </p:spPr>
+        <p:txBody>
+          <a:bodyPr vert="horz" wrap="square" lIns="91440" tIns="45720" rIns="91440" bIns="45720" numCol="1" anchor="ctr" anchorCtr="0" compatLnSpc="1">
+            <a:prstTxWarp prst="textNoShape">
+              <a:avLst/>
+            </a:prstTxWarp>
+            <a:spAutoFit/>
+          </a:bodyPr>
+          <a:lstStyle/>
+          <a:p>
+            <a:pPr marL="0" marR="0" lvl="0" indent="0" algn="l" defTabSz="914400" rtl="0" eaLnBrk="0" fontAlgn="base" latinLnBrk="0" hangingPunct="0">
+              <a:lnSpc>
+                <a:spcPct val="100000"/>
+              </a:lnSpc>
+              <a:spcBef>
+                <a:spcPct val="0"/>
+              </a:spcBef>
+              <a:spcAft>
+                <a:spcPct val="0"/>
+              </a:spcAft>
+              <a:buClrTx/>
+              <a:buSzTx/>
+              <a:buFontTx/>
+              <a:buNone/>
+              <a:tabLst/>
+            </a:pPr>
+            <a:r>
+              <a:rPr lang="it-IT" sz="2000" dirty="0"/>
+              <a:t>❌ </a:t>
+            </a:r>
+            <a:r>
+              <a:rPr kumimoji="0" lang="it-IT" altLang="it-IT" sz="2000" b="1" i="0" u="none" strike="noStrike" cap="none" normalizeH="0" baseline="0" dirty="0">
+                <a:ln>
+                  <a:noFill/>
+                </a:ln>
+                <a:solidFill>
+                  <a:schemeClr val="bg1"/>
+                </a:solidFill>
+                <a:effectLst/>
+                <a:latin typeface="Arial" panose="020B0604020202020204" pitchFamily="34" charset="0"/>
+              </a:rPr>
+              <a:t>Richiesta della password dell’account </a:t>
+            </a:r>
+            <a:r>
+              <a:rPr kumimoji="0" lang="it-IT" altLang="it-IT" sz="2000" b="1" i="1" u="none" strike="noStrike" cap="none" normalizeH="0" baseline="0" dirty="0">
+                <a:ln>
+                  <a:noFill/>
+                </a:ln>
+                <a:solidFill>
+                  <a:schemeClr val="bg1"/>
+                </a:solidFill>
+                <a:effectLst/>
+                <a:latin typeface="Arial" panose="020B0604020202020204" pitchFamily="34" charset="0"/>
+              </a:rPr>
+              <a:t>flag02</a:t>
+            </a:r>
+          </a:p>
+          <a:p>
+            <a:pPr marL="0" marR="0" lvl="0" indent="0" algn="l" defTabSz="914400" rtl="0" eaLnBrk="0" fontAlgn="base" latinLnBrk="0" hangingPunct="0">
+              <a:lnSpc>
+                <a:spcPct val="100000"/>
+              </a:lnSpc>
+              <a:spcBef>
+                <a:spcPct val="0"/>
+              </a:spcBef>
+              <a:spcAft>
+                <a:spcPct val="0"/>
+              </a:spcAft>
+              <a:buClrTx/>
+              <a:buSzTx/>
+              <a:tabLst/>
+            </a:pPr>
+            <a:r>
+              <a:rPr kumimoji="0" lang="it-IT" altLang="it-IT" sz="1800" b="1" i="0" u="none" strike="noStrike" cap="none" normalizeH="0" baseline="0" dirty="0">
+                <a:ln>
+                  <a:noFill/>
+                </a:ln>
+                <a:solidFill>
+                  <a:schemeClr val="bg1"/>
+                </a:solidFill>
+                <a:effectLst/>
+                <a:latin typeface="Arial" panose="020B0604020202020204" pitchFamily="34" charset="0"/>
+              </a:rPr>
+              <a:t>A chi può essere richiesta la password dell’account </a:t>
+            </a:r>
+            <a:r>
+              <a:rPr kumimoji="0" lang="it-IT" altLang="it-IT" sz="1800" b="1" i="1" u="none" strike="noStrike" cap="none" normalizeH="0" baseline="0" dirty="0">
+                <a:ln>
+                  <a:noFill/>
+                </a:ln>
+                <a:solidFill>
+                  <a:schemeClr val="bg1"/>
+                </a:solidFill>
+                <a:effectLst/>
+                <a:latin typeface="Arial" panose="020B0604020202020204" pitchFamily="34" charset="0"/>
+              </a:rPr>
+              <a:t>flag02</a:t>
+            </a:r>
+            <a:r>
+              <a:rPr kumimoji="0" lang="it-IT" altLang="it-IT" sz="1800" b="1" i="0" u="none" strike="noStrike" cap="none" normalizeH="0" baseline="0" dirty="0">
+                <a:ln>
+                  <a:noFill/>
+                </a:ln>
+                <a:solidFill>
+                  <a:schemeClr val="bg1"/>
+                </a:solidFill>
+                <a:effectLst/>
+                <a:latin typeface="Arial" panose="020B0604020202020204" pitchFamily="34" charset="0"/>
+              </a:rPr>
+              <a:t>?</a:t>
+            </a:r>
+            <a:br>
+              <a:rPr kumimoji="0" lang="it-IT" altLang="it-IT" sz="1800" b="0" i="0" u="none" strike="noStrike" cap="none" normalizeH="0" baseline="0" dirty="0">
+                <a:ln>
+                  <a:noFill/>
+                </a:ln>
+                <a:solidFill>
+                  <a:schemeClr val="bg1"/>
+                </a:solidFill>
+                <a:effectLst/>
+                <a:latin typeface="Arial" panose="020B0604020202020204" pitchFamily="34" charset="0"/>
+              </a:rPr>
+            </a:br>
+            <a:r>
+              <a:rPr kumimoji="0" lang="it-IT" altLang="it-IT" sz="1800" b="0" i="0" u="none" strike="noStrike" cap="none" normalizeH="0" baseline="0" dirty="0">
+                <a:ln>
+                  <a:noFill/>
+                </a:ln>
+                <a:solidFill>
+                  <a:schemeClr val="bg1"/>
+                </a:solidFill>
+                <a:effectLst/>
+                <a:latin typeface="Arial" panose="020B0604020202020204" pitchFamily="34" charset="0"/>
+              </a:rPr>
+              <a:t>La password potrebbe essere richiesta al legittimo proprietario.</a:t>
+            </a:r>
+          </a:p>
+          <a:p>
+            <a:pPr marL="0" marR="0" lvl="0" indent="0" algn="l" defTabSz="914400" rtl="0" eaLnBrk="0" fontAlgn="base" latinLnBrk="0" hangingPunct="0">
+              <a:lnSpc>
+                <a:spcPct val="100000"/>
+              </a:lnSpc>
+              <a:spcBef>
+                <a:spcPct val="0"/>
+              </a:spcBef>
+              <a:spcAft>
+                <a:spcPct val="0"/>
+              </a:spcAft>
+              <a:buClrTx/>
+              <a:buSzTx/>
+              <a:tabLst/>
+            </a:pPr>
+            <a:r>
+              <a:rPr kumimoji="0" lang="it-IT" altLang="it-IT" sz="1800" b="1" i="0" u="none" strike="noStrike" cap="none" normalizeH="0" baseline="0" dirty="0">
+                <a:ln>
+                  <a:noFill/>
+                </a:ln>
+                <a:solidFill>
+                  <a:schemeClr val="bg1"/>
+                </a:solidFill>
+                <a:effectLst/>
+                <a:latin typeface="Arial" panose="020B0604020202020204" pitchFamily="34" charset="0"/>
+              </a:rPr>
+              <a:t>Il legittimo proprietario è disposto a fornire la password?</a:t>
+            </a:r>
+            <a:br>
+              <a:rPr kumimoji="0" lang="it-IT" altLang="it-IT" sz="1800" b="0" i="0" u="none" strike="noStrike" cap="none" normalizeH="0" baseline="0" dirty="0">
+                <a:ln>
+                  <a:noFill/>
+                </a:ln>
+                <a:solidFill>
+                  <a:schemeClr val="bg1"/>
+                </a:solidFill>
+                <a:effectLst/>
+                <a:latin typeface="Arial" panose="020B0604020202020204" pitchFamily="34" charset="0"/>
+              </a:rPr>
+            </a:br>
+            <a:r>
+              <a:rPr kumimoji="0" lang="it-IT" altLang="it-IT" sz="1800" b="0" i="0" u="none" strike="noStrike" cap="none" normalizeH="0" baseline="0" dirty="0">
+                <a:ln>
+                  <a:noFill/>
+                </a:ln>
+                <a:solidFill>
+                  <a:schemeClr val="bg1"/>
+                </a:solidFill>
+                <a:effectLst/>
+                <a:latin typeface="Arial" panose="020B0604020202020204" pitchFamily="34" charset="0"/>
+              </a:rPr>
+              <a:t>No, non lo è. Se fosse disposto a farlo, la sfida perderebbe di significato.</a:t>
+            </a:r>
+          </a:p>
+          <a:p>
+            <a:pPr marL="0" marR="0" lvl="0" indent="0" algn="l" defTabSz="914400" rtl="0" eaLnBrk="0" fontAlgn="base" latinLnBrk="0" hangingPunct="0">
+              <a:lnSpc>
+                <a:spcPct val="100000"/>
+              </a:lnSpc>
+              <a:spcBef>
+                <a:spcPct val="0"/>
+              </a:spcBef>
+              <a:spcAft>
+                <a:spcPct val="0"/>
+              </a:spcAft>
+              <a:buClrTx/>
+              <a:buSzTx/>
+              <a:tabLst/>
+            </a:pPr>
+            <a:r>
+              <a:rPr kumimoji="0" lang="it-IT" altLang="it-IT" sz="1800" b="1" i="0" u="none" strike="noStrike" cap="none" normalizeH="0" baseline="0" dirty="0">
+                <a:ln>
+                  <a:noFill/>
+                </a:ln>
+                <a:solidFill>
+                  <a:schemeClr val="bg1"/>
+                </a:solidFill>
+                <a:effectLst/>
+                <a:latin typeface="Arial" panose="020B0604020202020204" pitchFamily="34" charset="0"/>
+              </a:rPr>
+              <a:t>Conclusione:</a:t>
+            </a:r>
+            <a:br>
+              <a:rPr kumimoji="0" lang="it-IT" altLang="it-IT" sz="1800" b="0" i="0" u="none" strike="noStrike" cap="none" normalizeH="0" baseline="0" dirty="0">
+                <a:ln>
+                  <a:noFill/>
+                </a:ln>
+                <a:solidFill>
+                  <a:schemeClr val="bg1"/>
+                </a:solidFill>
+                <a:effectLst/>
+                <a:latin typeface="Arial" panose="020B0604020202020204" pitchFamily="34" charset="0"/>
+              </a:rPr>
+            </a:br>
+            <a:r>
+              <a:rPr kumimoji="0" lang="it-IT" altLang="it-IT" sz="1800" b="0" i="0" u="none" strike="noStrike" cap="none" normalizeH="0" baseline="0" dirty="0">
+                <a:ln>
+                  <a:noFill/>
+                </a:ln>
+                <a:solidFill>
+                  <a:schemeClr val="bg1"/>
+                </a:solidFill>
+                <a:effectLst/>
+                <a:latin typeface="Arial" panose="020B0604020202020204" pitchFamily="34" charset="0"/>
+              </a:rPr>
+              <a:t>Richiedere la password per vie legittime non rappresenta un’opzione praticabile.</a:t>
+            </a:r>
+          </a:p>
+          <a:p>
+            <a:pPr marL="0" marR="0" lvl="0" indent="0" algn="l" defTabSz="914400" rtl="0" eaLnBrk="0" fontAlgn="base" latinLnBrk="0" hangingPunct="0">
+              <a:lnSpc>
+                <a:spcPct val="100000"/>
+              </a:lnSpc>
+              <a:spcBef>
+                <a:spcPct val="0"/>
+              </a:spcBef>
+              <a:spcAft>
+                <a:spcPct val="0"/>
+              </a:spcAft>
+              <a:buClrTx/>
+              <a:buSzTx/>
+              <a:buFontTx/>
+              <a:buNone/>
+              <a:tabLst/>
+            </a:pPr>
+            <a:endParaRPr kumimoji="0" lang="it-IT" altLang="it-IT" sz="1800" b="0" i="0" u="none" strike="noStrike" cap="none" normalizeH="0" baseline="0" dirty="0">
+              <a:ln>
+                <a:noFill/>
+              </a:ln>
+              <a:solidFill>
+                <a:schemeClr val="bg1"/>
+              </a:solidFill>
+              <a:effectLst/>
+              <a:latin typeface="Arial" panose="020B0604020202020204" pitchFamily="34" charset="0"/>
+            </a:endParaRPr>
+          </a:p>
+        </p:txBody>
+      </p:sp>
+      <p:sp>
+        <p:nvSpPr>
+          <p:cNvPr id="10" name="Rectangle 5">
+            <a:extLst>
+              <a:ext uri="{FF2B5EF4-FFF2-40B4-BE49-F238E27FC236}">
+                <a16:creationId xmlns:a16="http://schemas.microsoft.com/office/drawing/2014/main" id="{FE924D72-3E38-CBB5-949B-E025DE346FA9}"/>
+              </a:ext>
+            </a:extLst>
+          </p:cNvPr>
+          <p:cNvSpPr>
+            <a:spLocks noChangeArrowheads="1"/>
+          </p:cNvSpPr>
+          <p:nvPr/>
+        </p:nvSpPr>
+        <p:spPr bwMode="auto">
+          <a:xfrm>
+            <a:off x="0" y="280472"/>
+            <a:ext cx="184731" cy="369332"/>
+          </a:xfrm>
+          <a:prstGeom prst="rect">
+            <a:avLst/>
+          </a:prstGeom>
+          <a:solidFill>
+            <a:srgbClr val="000000"/>
+          </a:solidFill>
+          <a:ln w="9525">
+            <a:solidFill>
+              <a:schemeClr val="tx1"/>
+            </a:solidFill>
+            <a:prstDash val="solid"/>
+            <a:miter lim="800000"/>
+            <a:headEnd/>
+            <a:tailEnd/>
+          </a:ln>
+          <a:effectLst/>
+          <a:extLst>
+            <a:ext uri="{AF507438-7753-43E0-B8FC-AC1667EBCBE1}">
+              <a14:hiddenEffects xmlns:a14="http://schemas.microsoft.com/office/drawing/2010/main">
+                <a:effectLst>
+                  <a:outerShdw dist="35921" dir="2700000" algn="ctr" rotWithShape="0">
+                    <a:schemeClr val="bg2"/>
+                  </a:outerShdw>
+                </a:effectLst>
+              </a14:hiddenEffects>
+            </a:ext>
+          </a:extLst>
+        </p:spPr>
+        <p:txBody>
+          <a:bodyPr vert="horz" wrap="none" lIns="91440" tIns="45720" rIns="91440" bIns="45720" numCol="1" anchor="ctr" anchorCtr="0" compatLnSpc="1">
+            <a:prstTxWarp prst="textNoShape">
+              <a:avLst/>
+            </a:prstTxWarp>
+            <a:spAutoFit/>
+          </a:bodyPr>
+          <a:lstStyle/>
+          <a:p>
+            <a:endParaRPr lang="it-IT">
+              <a:solidFill>
+                <a:schemeClr val="bg1"/>
+              </a:solidFill>
+            </a:endParaRPr>
+          </a:p>
+        </p:txBody>
+      </p:sp>
+      <p:sp>
+        <p:nvSpPr>
+          <p:cNvPr id="11" name="Rectangle 6">
+            <a:extLst>
+              <a:ext uri="{FF2B5EF4-FFF2-40B4-BE49-F238E27FC236}">
+                <a16:creationId xmlns:a16="http://schemas.microsoft.com/office/drawing/2014/main" id="{FBC8E295-ACEA-FF83-74BF-FA02D813CE74}"/>
+              </a:ext>
+            </a:extLst>
+          </p:cNvPr>
+          <p:cNvSpPr>
+            <a:spLocks noChangeArrowheads="1"/>
+          </p:cNvSpPr>
+          <p:nvPr/>
+        </p:nvSpPr>
+        <p:spPr bwMode="auto">
+          <a:xfrm>
+            <a:off x="1885950" y="4518898"/>
+            <a:ext cx="10153650" cy="2339102"/>
+          </a:xfrm>
+          <a:prstGeom prst="rect">
+            <a:avLst/>
+          </a:prstGeom>
+          <a:noFill/>
+          <a:ln>
+            <a:noFill/>
+          </a:ln>
+          <a:effectLst/>
+          <a:extLst>
+            <a:ext uri="{909E8E84-426E-40DD-AFC4-6F175D3DCCD1}">
+              <a14:hiddenFill xmlns:a14="http://schemas.microsoft.com/office/drawing/2010/main">
+                <a:solidFill>
+                  <a:schemeClr val="accent1"/>
+                </a:solidFill>
+              </a14:hiddenFill>
+            </a:ext>
+            <a:ext uri="{91240B29-F687-4F45-9708-019B960494DF}">
+              <a14:hiddenLine xmlns:a14="http://schemas.microsoft.com/office/drawing/2010/main" w="9525">
+                <a:solidFill>
+                  <a:schemeClr val="tx1"/>
+                </a:solidFill>
+                <a:miter lim="800000"/>
+                <a:headEnd/>
+                <a:tailEnd/>
+              </a14:hiddenLine>
+            </a:ext>
+            <a:ext uri="{AF507438-7753-43E0-B8FC-AC1667EBCBE1}">
+              <a14:hiddenEffects xmlns:a14="http://schemas.microsoft.com/office/drawing/2010/main">
+                <a:effectLst>
+                  <a:outerShdw dist="35921" dir="2700000" algn="ctr" rotWithShape="0">
+                    <a:schemeClr val="bg2"/>
+                  </a:outerShdw>
+                </a:effectLst>
+              </a14:hiddenEffects>
+            </a:ext>
+          </a:extLst>
+        </p:spPr>
+        <p:txBody>
+          <a:bodyPr vert="horz" wrap="square" lIns="91440" tIns="45720" rIns="91440" bIns="45720" numCol="1" anchor="ctr" anchorCtr="0" compatLnSpc="1">
+            <a:prstTxWarp prst="textNoShape">
+              <a:avLst/>
+            </a:prstTxWarp>
+            <a:spAutoFit/>
+          </a:bodyPr>
+          <a:lstStyle/>
+          <a:p>
+            <a:pPr marL="0" marR="0" lvl="0" indent="0" algn="l" defTabSz="914400" rtl="0" eaLnBrk="0" fontAlgn="base" latinLnBrk="0" hangingPunct="0">
+              <a:lnSpc>
+                <a:spcPct val="100000"/>
+              </a:lnSpc>
+              <a:spcBef>
+                <a:spcPct val="0"/>
+              </a:spcBef>
+              <a:spcAft>
+                <a:spcPct val="0"/>
+              </a:spcAft>
+              <a:buClrTx/>
+              <a:buSzTx/>
+              <a:buFontTx/>
+              <a:buNone/>
+              <a:tabLst/>
+            </a:pPr>
+            <a:r>
+              <a:rPr lang="it-IT" sz="2000" dirty="0"/>
+              <a:t>❌ </a:t>
+            </a:r>
+            <a:r>
+              <a:rPr kumimoji="0" lang="it-IT" altLang="it-IT" sz="2000" b="1" i="0" u="none" strike="noStrike" cap="none" normalizeH="0" baseline="0" dirty="0">
+                <a:ln>
+                  <a:noFill/>
+                </a:ln>
+                <a:solidFill>
+                  <a:schemeClr val="bg1"/>
+                </a:solidFill>
+                <a:effectLst/>
+                <a:latin typeface="Arial" panose="020B0604020202020204" pitchFamily="34" charset="0"/>
+              </a:rPr>
+              <a:t>Forzatura della password dell’account </a:t>
+            </a:r>
+            <a:r>
+              <a:rPr kumimoji="0" lang="it-IT" altLang="it-IT" sz="2000" b="1" i="1" u="none" strike="noStrike" cap="none" normalizeH="0" baseline="0" dirty="0">
+                <a:ln>
+                  <a:noFill/>
+                </a:ln>
+                <a:solidFill>
+                  <a:schemeClr val="bg1"/>
+                </a:solidFill>
+                <a:effectLst/>
+                <a:latin typeface="Arial" panose="020B0604020202020204" pitchFamily="34" charset="0"/>
+              </a:rPr>
+              <a:t>flag02</a:t>
+            </a:r>
+          </a:p>
+          <a:p>
+            <a:pPr marL="0" marR="0" lvl="0" indent="0" algn="l" defTabSz="914400" rtl="0" eaLnBrk="0" fontAlgn="base" latinLnBrk="0" hangingPunct="0">
+              <a:lnSpc>
+                <a:spcPct val="100000"/>
+              </a:lnSpc>
+              <a:spcBef>
+                <a:spcPct val="0"/>
+              </a:spcBef>
+              <a:spcAft>
+                <a:spcPct val="0"/>
+              </a:spcAft>
+              <a:buClrTx/>
+              <a:buSzTx/>
+              <a:tabLst/>
+            </a:pPr>
+            <a:r>
+              <a:rPr kumimoji="0" lang="it-IT" altLang="it-IT" sz="1800" b="1" i="0" u="none" strike="noStrike" cap="none" normalizeH="0" baseline="0" dirty="0">
+                <a:ln>
+                  <a:noFill/>
+                </a:ln>
+                <a:solidFill>
+                  <a:schemeClr val="bg1"/>
+                </a:solidFill>
+                <a:effectLst/>
+                <a:latin typeface="Arial" panose="020B0604020202020204" pitchFamily="34" charset="0"/>
+              </a:rPr>
+              <a:t>È possibile violare la password dell’account </a:t>
+            </a:r>
+            <a:r>
+              <a:rPr kumimoji="0" lang="it-IT" altLang="it-IT" sz="1800" b="1" i="1" u="none" strike="noStrike" cap="none" normalizeH="0" baseline="0" dirty="0">
+                <a:ln>
+                  <a:noFill/>
+                </a:ln>
+                <a:solidFill>
+                  <a:schemeClr val="bg1"/>
+                </a:solidFill>
+                <a:effectLst/>
+                <a:latin typeface="Arial" panose="020B0604020202020204" pitchFamily="34" charset="0"/>
+              </a:rPr>
+              <a:t>flag02</a:t>
+            </a:r>
+            <a:r>
+              <a:rPr kumimoji="0" lang="it-IT" altLang="it-IT" sz="1800" b="1" i="0" u="none" strike="noStrike" cap="none" normalizeH="0" baseline="0" dirty="0">
+                <a:ln>
+                  <a:noFill/>
+                </a:ln>
+                <a:solidFill>
+                  <a:schemeClr val="bg1"/>
+                </a:solidFill>
+                <a:effectLst/>
+                <a:latin typeface="Arial" panose="020B0604020202020204" pitchFamily="34" charset="0"/>
+              </a:rPr>
+              <a:t>?</a:t>
+            </a:r>
+            <a:br>
+              <a:rPr kumimoji="0" lang="it-IT" altLang="it-IT" sz="1800" b="0" i="0" u="none" strike="noStrike" cap="none" normalizeH="0" baseline="0" dirty="0">
+                <a:ln>
+                  <a:noFill/>
+                </a:ln>
+                <a:solidFill>
+                  <a:schemeClr val="bg1"/>
+                </a:solidFill>
+                <a:effectLst/>
+                <a:latin typeface="Arial" panose="020B0604020202020204" pitchFamily="34" charset="0"/>
+              </a:rPr>
+            </a:br>
+            <a:r>
+              <a:rPr kumimoji="0" lang="it-IT" altLang="it-IT" sz="1800" b="0" i="0" u="none" strike="noStrike" cap="none" normalizeH="0" baseline="0" dirty="0">
+                <a:ln>
+                  <a:noFill/>
+                </a:ln>
+                <a:solidFill>
+                  <a:schemeClr val="bg1"/>
+                </a:solidFill>
+                <a:effectLst/>
+                <a:latin typeface="Arial" panose="020B0604020202020204" pitchFamily="34" charset="0"/>
+              </a:rPr>
+              <a:t>Sebbene tecnicamente possibile, qualora la password sia sufficientemente robusta, riuscire a comprometterla risulta estremamente complesso.</a:t>
+            </a:r>
+          </a:p>
+          <a:p>
+            <a:pPr marL="0" marR="0" lvl="0" indent="0" algn="l" defTabSz="914400" rtl="0" eaLnBrk="0" fontAlgn="base" latinLnBrk="0" hangingPunct="0">
+              <a:lnSpc>
+                <a:spcPct val="100000"/>
+              </a:lnSpc>
+              <a:spcBef>
+                <a:spcPct val="0"/>
+              </a:spcBef>
+              <a:spcAft>
+                <a:spcPct val="0"/>
+              </a:spcAft>
+              <a:buClrTx/>
+              <a:buSzTx/>
+              <a:tabLst/>
+            </a:pPr>
+            <a:r>
+              <a:rPr kumimoji="0" lang="it-IT" altLang="it-IT" sz="1800" b="1" i="0" u="none" strike="noStrike" cap="none" normalizeH="0" baseline="0" dirty="0">
+                <a:ln>
+                  <a:noFill/>
+                </a:ln>
+                <a:solidFill>
+                  <a:schemeClr val="bg1"/>
+                </a:solidFill>
+                <a:effectLst/>
+                <a:latin typeface="Arial" panose="020B0604020202020204" pitchFamily="34" charset="0"/>
+              </a:rPr>
+              <a:t>Conclusione:</a:t>
+            </a:r>
+            <a:br>
+              <a:rPr kumimoji="0" lang="it-IT" altLang="it-IT" sz="1800" b="0" i="0" u="none" strike="noStrike" cap="none" normalizeH="0" baseline="0" dirty="0">
+                <a:ln>
+                  <a:noFill/>
+                </a:ln>
+                <a:solidFill>
+                  <a:schemeClr val="bg1"/>
+                </a:solidFill>
+                <a:effectLst/>
+                <a:latin typeface="Arial" panose="020B0604020202020204" pitchFamily="34" charset="0"/>
+              </a:rPr>
+            </a:br>
+            <a:r>
+              <a:rPr kumimoji="0" lang="it-IT" altLang="it-IT" sz="1800" b="0" i="0" u="none" strike="noStrike" cap="none" normalizeH="0" baseline="0" dirty="0">
+                <a:ln>
+                  <a:noFill/>
+                </a:ln>
+                <a:solidFill>
+                  <a:schemeClr val="bg1"/>
+                </a:solidFill>
+                <a:effectLst/>
+                <a:latin typeface="Arial" panose="020B0604020202020204" pitchFamily="34" charset="0"/>
+              </a:rPr>
+              <a:t>La violazione della password non costituisce una strada efficace o praticabile per accedere all’account.</a:t>
+            </a:r>
+          </a:p>
+          <a:p>
+            <a:pPr marL="0" marR="0" lvl="0" indent="0" algn="l" defTabSz="914400" rtl="0" eaLnBrk="0" fontAlgn="base" latinLnBrk="0" hangingPunct="0">
+              <a:lnSpc>
+                <a:spcPct val="100000"/>
+              </a:lnSpc>
+              <a:spcBef>
+                <a:spcPct val="0"/>
+              </a:spcBef>
+              <a:spcAft>
+                <a:spcPct val="0"/>
+              </a:spcAft>
+              <a:buClrTx/>
+              <a:buSzTx/>
+              <a:buFontTx/>
+              <a:buNone/>
+              <a:tabLst/>
+            </a:pPr>
+            <a:endParaRPr kumimoji="0" lang="it-IT" altLang="it-IT" sz="1800" b="0" i="0" u="none" strike="noStrike" cap="none" normalizeH="0" baseline="0" dirty="0">
+              <a:ln>
+                <a:noFill/>
+              </a:ln>
+              <a:solidFill>
+                <a:schemeClr val="bg1"/>
+              </a:solidFill>
+              <a:effectLst/>
+              <a:latin typeface="Arial" panose="020B0604020202020204" pitchFamily="34" charset="0"/>
+            </a:endParaRPr>
+          </a:p>
+        </p:txBody>
+      </p:sp>
     </p:spTree>
     <p:extLst>
       <p:ext uri="{BB962C8B-B14F-4D97-AF65-F5344CB8AC3E}">
@@ -19283,7 +20325,13 @@
   <p:cSld>
     <p:spTree>
       <p:nvGrpSpPr>
-        <p:cNvPr id="1" name=""/>
+        <p:cNvPr id="1" name="">
+          <a:extLst>
+            <a:ext uri="{FF2B5EF4-FFF2-40B4-BE49-F238E27FC236}">
+              <a16:creationId xmlns:a16="http://schemas.microsoft.com/office/drawing/2014/main" id="{4BF81557-4685-8DEB-3618-538D4740B77C}"/>
+            </a:ext>
+          </a:extLst>
+        </p:cNvPr>
         <p:cNvGrpSpPr/>
         <p:nvPr/>
       </p:nvGrpSpPr>
@@ -19297,191 +20345,63 @@
       </p:grpSpPr>
       <p:sp>
         <p:nvSpPr>
-          <p:cNvPr id="2" name="Titolo 1">
+          <p:cNvPr id="3" name="Rectangle 2" hidden="1">
             <a:extLst>
               <a:ext uri="{FF2B5EF4-FFF2-40B4-BE49-F238E27FC236}">
-                <a16:creationId xmlns:a16="http://schemas.microsoft.com/office/drawing/2014/main" id="{11883E06-8BEA-1DD3-D0D6-391C08880EBF}"/>
+                <a16:creationId xmlns:a16="http://schemas.microsoft.com/office/drawing/2014/main" id="{49770BDC-A2BA-64D5-89A6-F0764108EE71}"/>
+              </a:ext>
+              <a:ext uri="{C183D7F6-B498-43B3-948B-1728B52AA6E4}">
+                <adec:decorative xmlns:adec="http://schemas.microsoft.com/office/drawing/2017/decorative" val="1"/>
               </a:ext>
             </a:extLst>
           </p:cNvPr>
-          <p:cNvSpPr>
-            <a:spLocks noGrp="1"/>
-          </p:cNvSpPr>
-          <p:nvPr>
-            <p:ph type="title"/>
-          </p:nvPr>
+          <p:cNvSpPr/>
+          <p:nvPr/>
         </p:nvSpPr>
         <p:spPr>
           <a:xfrm>
-            <a:off x="741680" y="430482"/>
-            <a:ext cx="10500989" cy="1327464"/>
+            <a:off x="1" y="2"/>
+            <a:ext cx="12227942" cy="6857997"/>
           </a:xfrm>
+          <a:prstGeom prst="rect">
+            <a:avLst/>
+          </a:prstGeom>
+          <a:solidFill>
+            <a:schemeClr val="tx1">
+              <a:alpha val="70000"/>
+            </a:schemeClr>
+          </a:solidFill>
+          <a:ln>
+            <a:noFill/>
+          </a:ln>
         </p:spPr>
+        <p:style>
+          <a:lnRef idx="2">
+            <a:schemeClr val="accent1">
+              <a:shade val="50000"/>
+            </a:schemeClr>
+          </a:lnRef>
+          <a:fillRef idx="1">
+            <a:schemeClr val="accent1"/>
+          </a:fillRef>
+          <a:effectRef idx="0">
+            <a:schemeClr val="accent1"/>
+          </a:effectRef>
+          <a:fontRef idx="minor">
+            <a:schemeClr val="lt1"/>
+          </a:fontRef>
+        </p:style>
         <p:txBody>
-          <a:bodyPr rtlCol="0"/>
+          <a:bodyPr rtlCol="0" anchor="ctr">
+            <a:noAutofit/>
+          </a:bodyPr>
           <a:lstStyle>
             <a:defPPr>
               <a:defRPr lang="it-IT"/>
             </a:defPPr>
           </a:lstStyle>
           <a:p>
-            <a:pPr rtl="0"/>
-            <a:r>
-              <a:rPr lang="it-IT" dirty="0"/>
-              <a:t>GESTIONE DELLE SESSIONI DI DOMANDE E RISPOSTE</a:t>
-            </a:r>
-          </a:p>
-        </p:txBody>
-      </p:sp>
-      <p:sp>
-        <p:nvSpPr>
-          <p:cNvPr id="3" name="Segnaposto contenuto 2">
-            <a:extLst>
-              <a:ext uri="{FF2B5EF4-FFF2-40B4-BE49-F238E27FC236}">
-                <a16:creationId xmlns:a16="http://schemas.microsoft.com/office/drawing/2014/main" id="{1CF175D3-F3DC-695F-474B-346EDCA5D60F}"/>
-              </a:ext>
-            </a:extLst>
-          </p:cNvPr>
-          <p:cNvSpPr>
-            <a:spLocks noGrp="1"/>
-          </p:cNvSpPr>
-          <p:nvPr>
-            <p:ph sz="quarter" idx="35"/>
-          </p:nvPr>
-        </p:nvSpPr>
-        <p:spPr>
-          <a:xfrm>
-            <a:off x="807038" y="2465539"/>
-            <a:ext cx="3774587" cy="3723753"/>
-          </a:xfrm>
-        </p:spPr>
-        <p:txBody>
-          <a:bodyPr rtlCol="0"/>
-          <a:lstStyle>
-            <a:defPPr>
-              <a:defRPr lang="it-IT"/>
-            </a:defPPr>
-          </a:lstStyle>
-          <a:p>
-            <a:pPr rtl="0"/>
-            <a:r>
-              <a:rPr lang="it-IT" dirty="0"/>
-              <a:t>Conosci il materiale in anticipo</a:t>
-            </a:r>
-          </a:p>
-          <a:p>
-            <a:pPr rtl="0"/>
-            <a:r>
-              <a:rPr lang="it-IT" dirty="0"/>
-              <a:t>Prevedi le domande comuni</a:t>
-            </a:r>
-          </a:p>
-          <a:p>
-            <a:pPr rtl="0"/>
-            <a:r>
-              <a:rPr lang="it-IT" dirty="0"/>
-              <a:t>Prova le risposte</a:t>
-            </a:r>
-          </a:p>
-        </p:txBody>
-      </p:sp>
-      <p:sp>
-        <p:nvSpPr>
-          <p:cNvPr id="4" name="Segnaposto contenuto 3">
-            <a:extLst>
-              <a:ext uri="{FF2B5EF4-FFF2-40B4-BE49-F238E27FC236}">
-                <a16:creationId xmlns:a16="http://schemas.microsoft.com/office/drawing/2014/main" id="{3770D91C-D5C0-248C-26D3-DE7C7C72E632}"/>
-              </a:ext>
-            </a:extLst>
-          </p:cNvPr>
-          <p:cNvSpPr>
-            <a:spLocks noGrp="1"/>
-          </p:cNvSpPr>
-          <p:nvPr>
-            <p:ph sz="quarter" idx="36"/>
-          </p:nvPr>
-        </p:nvSpPr>
-        <p:spPr>
-          <a:xfrm>
-            <a:off x="4927600" y="2465539"/>
-            <a:ext cx="6315069" cy="3723753"/>
-          </a:xfrm>
-        </p:spPr>
-        <p:txBody>
-          <a:bodyPr rtlCol="0"/>
-          <a:lstStyle>
-            <a:defPPr>
-              <a:defRPr lang="it-IT"/>
-            </a:defPPr>
-          </a:lstStyle>
-          <a:p>
-            <a:pPr rtl="0"/>
-            <a:r>
-              <a:rPr lang="it-IT" dirty="0"/>
-              <a:t>Mantenere la compostezza durante la sessione di domande e risposte è essenziale per proiettare sicurezza e autorità. Considera i seguenti consigli per rimanere composto:</a:t>
-            </a:r>
-          </a:p>
-          <a:p>
-            <a:pPr lvl="1" rtl="0"/>
-            <a:r>
-              <a:rPr lang="it-IT" dirty="0"/>
-              <a:t>Mantieni la tranquillità</a:t>
-            </a:r>
-          </a:p>
-          <a:p>
-            <a:pPr lvl="1" rtl="0"/>
-            <a:r>
-              <a:rPr lang="it-IT" dirty="0"/>
-              <a:t>Ascolta in modo attivo</a:t>
-            </a:r>
-          </a:p>
-          <a:p>
-            <a:pPr lvl="1" rtl="0"/>
-            <a:r>
-              <a:rPr lang="it-IT" dirty="0"/>
-              <a:t>Fermati e rifletti</a:t>
-            </a:r>
-          </a:p>
-          <a:p>
-            <a:pPr lvl="1" rtl="0"/>
-            <a:r>
-              <a:rPr lang="it-IT" dirty="0"/>
-              <a:t>Mantieni il contatto visivo</a:t>
-            </a:r>
-          </a:p>
-        </p:txBody>
-      </p:sp>
-      <p:sp>
-        <p:nvSpPr>
-          <p:cNvPr id="5" name="Segnaposto numero diapositiva 4">
-            <a:extLst>
-              <a:ext uri="{FF2B5EF4-FFF2-40B4-BE49-F238E27FC236}">
-                <a16:creationId xmlns:a16="http://schemas.microsoft.com/office/drawing/2014/main" id="{E87B8B6A-2B28-5C38-80E7-0EBE705FFBBF}"/>
-              </a:ext>
-            </a:extLst>
-          </p:cNvPr>
-          <p:cNvSpPr>
-            <a:spLocks noGrp="1"/>
-          </p:cNvSpPr>
-          <p:nvPr>
-            <p:ph type="sldNum" sz="quarter" idx="12"/>
-          </p:nvPr>
-        </p:nvSpPr>
-        <p:spPr>
-          <a:xfrm>
-            <a:off x="9140971" y="6226198"/>
-            <a:ext cx="2743200" cy="365125"/>
-          </a:xfrm>
-        </p:spPr>
-        <p:txBody>
-          <a:bodyPr rtlCol="0"/>
-          <a:lstStyle>
-            <a:defPPr>
-              <a:defRPr lang="it-IT"/>
-            </a:defPPr>
-          </a:lstStyle>
-          <a:p>
-            <a:pPr marL="0" marR="0" lvl="0" indent="0" algn="r" defTabSz="914400" rtl="0" eaLnBrk="1" fontAlgn="auto" latinLnBrk="0" hangingPunct="1">
+            <a:pPr marL="0" marR="0" lvl="0" indent="0" algn="ctr" defTabSz="914400" rtl="0" eaLnBrk="1" fontAlgn="auto" latinLnBrk="0" hangingPunct="1">
               <a:lnSpc>
                 <a:spcPct val="100000"/>
               </a:lnSpc>
@@ -19498,41 +20418,7 @@
               <a:tabLst/>
               <a:defRPr/>
             </a:pPr>
-            <a:fld id="{FE024F78-56A6-7740-B68D-8D4D026EDF3F}" type="slidenum">
-              <a:rPr kumimoji="0" lang="it-IT" sz="1200" b="0" i="0" u="none" strike="noStrike" kern="1200" cap="none" spc="0" normalizeH="0" baseline="0" noProof="0" smtClean="0">
-                <a:ln>
-                  <a:noFill/>
-                </a:ln>
-                <a:solidFill>
-                  <a:srgbClr val="FFFFFF"/>
-                </a:solidFill>
-                <a:effectLst/>
-                <a:uLnTx/>
-                <a:uFillTx/>
-                <a:latin typeface="Biome"/>
-                <a:ea typeface="+mn-ea"/>
-                <a:cs typeface="Biome" panose="020B0503030204020804" pitchFamily="34" charset="0"/>
-              </a:rPr>
-              <a:pPr marL="0" marR="0" lvl="0" indent="0" algn="r" defTabSz="914400" rtl="0" eaLnBrk="1" fontAlgn="auto" latinLnBrk="0" hangingPunct="1">
-                <a:lnSpc>
-                  <a:spcPct val="100000"/>
-                </a:lnSpc>
-                <a:spcBef>
-                  <a:spcPts val="0"/>
-                </a:spcBef>
-                <a:spcAft>
-                  <a:spcPts val="0"/>
-                </a:spcAft>
-                <a:buClrTx/>
-                <a:buSzTx/>
-                <a:buFontTx/>
-                <a:buNone/>
-                <a:tabLst/>
-                <a:defRPr/>
-              </a:pPr>
-              <a:t>6</a:t>
-            </a:fld>
-            <a:endParaRPr kumimoji="0" lang="it-IT" sz="1200" b="0" i="0" u="none" strike="noStrike" kern="1200" cap="none" spc="0" normalizeH="0" baseline="0" noProof="0" dirty="0">
+            <a:endParaRPr kumimoji="0" lang="it-IT" sz="1800" b="0" i="0" u="none" strike="noStrike" kern="1200" cap="none" spc="0" normalizeH="0" baseline="0" noProof="0" dirty="0">
               <a:ln>
                 <a:noFill/>
               </a:ln>
@@ -19542,17 +20428,1671 @@
               <a:effectLst/>
               <a:uLnTx/>
               <a:uFillTx/>
-              <a:latin typeface="Biome"/>
+              <a:latin typeface="Arial Nova"/>
               <a:ea typeface="+mn-ea"/>
-              <a:cs typeface="Biome" panose="020B0503030204020804" pitchFamily="34" charset="0"/>
+              <a:cs typeface="+mn-cs"/>
             </a:endParaRPr>
+          </a:p>
+        </p:txBody>
+      </p:sp>
+      <p:sp>
+        <p:nvSpPr>
+          <p:cNvPr id="5" name="Rettangolo 4">
+            <a:extLst>
+              <a:ext uri="{FF2B5EF4-FFF2-40B4-BE49-F238E27FC236}">
+                <a16:creationId xmlns:a16="http://schemas.microsoft.com/office/drawing/2014/main" id="{35E10E7B-EAB4-EC5E-512A-607F2822E1AC}"/>
+              </a:ext>
+            </a:extLst>
+          </p:cNvPr>
+          <p:cNvSpPr/>
+          <p:nvPr/>
+        </p:nvSpPr>
+        <p:spPr>
+          <a:xfrm>
+            <a:off x="3264695" y="914415"/>
+            <a:ext cx="3829050" cy="885825"/>
+          </a:xfrm>
+          <a:prstGeom prst="rect">
+            <a:avLst/>
+          </a:prstGeom>
+          <a:noFill/>
+          <a:ln>
+            <a:solidFill>
+              <a:schemeClr val="bg1"/>
+            </a:solidFill>
+          </a:ln>
+        </p:spPr>
+        <p:style>
+          <a:lnRef idx="2">
+            <a:schemeClr val="accent6"/>
+          </a:lnRef>
+          <a:fillRef idx="1">
+            <a:schemeClr val="lt1"/>
+          </a:fillRef>
+          <a:effectRef idx="0">
+            <a:schemeClr val="accent6"/>
+          </a:effectRef>
+          <a:fontRef idx="minor">
+            <a:schemeClr val="dk1"/>
+          </a:fontRef>
+        </p:style>
+        <p:txBody>
+          <a:bodyPr rtlCol="0" anchor="ctr"/>
+          <a:lstStyle/>
+          <a:p>
+            <a:pPr algn="ctr"/>
+            <a:endParaRPr lang="it-IT"/>
+          </a:p>
+        </p:txBody>
+      </p:sp>
+      <p:sp>
+        <p:nvSpPr>
+          <p:cNvPr id="7" name="CasellaDiTesto 6">
+            <a:extLst>
+              <a:ext uri="{FF2B5EF4-FFF2-40B4-BE49-F238E27FC236}">
+                <a16:creationId xmlns:a16="http://schemas.microsoft.com/office/drawing/2014/main" id="{CC2D0B0B-7280-1EAD-921F-16D18656255E}"/>
+              </a:ext>
+            </a:extLst>
+          </p:cNvPr>
+          <p:cNvSpPr txBox="1"/>
+          <p:nvPr/>
+        </p:nvSpPr>
+        <p:spPr>
+          <a:xfrm>
+            <a:off x="4400550" y="1151437"/>
+            <a:ext cx="2524125" cy="523220"/>
+          </a:xfrm>
+          <a:prstGeom prst="rect">
+            <a:avLst/>
+          </a:prstGeom>
+          <a:noFill/>
+        </p:spPr>
+        <p:txBody>
+          <a:bodyPr wrap="square" rtlCol="0">
+            <a:spAutoFit/>
+          </a:bodyPr>
+          <a:lstStyle/>
+          <a:p>
+            <a:r>
+              <a:rPr lang="it-IT" sz="2800" dirty="0">
+                <a:solidFill>
+                  <a:schemeClr val="bg1"/>
+                </a:solidFill>
+              </a:rPr>
+              <a:t>FLAG</a:t>
+            </a:r>
+          </a:p>
+        </p:txBody>
+      </p:sp>
+      <p:sp>
+        <p:nvSpPr>
+          <p:cNvPr id="8" name="Rettangolo 7">
+            <a:extLst>
+              <a:ext uri="{FF2B5EF4-FFF2-40B4-BE49-F238E27FC236}">
+                <a16:creationId xmlns:a16="http://schemas.microsoft.com/office/drawing/2014/main" id="{1D3A79AB-8431-2AED-2201-917F37CDA1FC}"/>
+              </a:ext>
+            </a:extLst>
+          </p:cNvPr>
+          <p:cNvSpPr/>
+          <p:nvPr/>
+        </p:nvSpPr>
+        <p:spPr>
+          <a:xfrm>
+            <a:off x="6334126" y="2357187"/>
+            <a:ext cx="3657600" cy="766077"/>
+          </a:xfrm>
+          <a:prstGeom prst="rect">
+            <a:avLst/>
+          </a:prstGeom>
+          <a:noFill/>
+          <a:ln>
+            <a:solidFill>
+              <a:schemeClr val="bg1"/>
+            </a:solidFill>
+          </a:ln>
+        </p:spPr>
+        <p:style>
+          <a:lnRef idx="2">
+            <a:schemeClr val="accent6"/>
+          </a:lnRef>
+          <a:fillRef idx="1">
+            <a:schemeClr val="lt1"/>
+          </a:fillRef>
+          <a:effectRef idx="0">
+            <a:schemeClr val="accent6"/>
+          </a:effectRef>
+          <a:fontRef idx="minor">
+            <a:schemeClr val="dk1"/>
+          </a:fontRef>
+        </p:style>
+        <p:txBody>
+          <a:bodyPr rtlCol="0" anchor="ctr"/>
+          <a:lstStyle/>
+          <a:p>
+            <a:pPr algn="ctr"/>
+            <a:endParaRPr lang="it-IT"/>
+          </a:p>
+        </p:txBody>
+      </p:sp>
+      <p:sp>
+        <p:nvSpPr>
+          <p:cNvPr id="10" name="CasellaDiTesto 9">
+            <a:extLst>
+              <a:ext uri="{FF2B5EF4-FFF2-40B4-BE49-F238E27FC236}">
+                <a16:creationId xmlns:a16="http://schemas.microsoft.com/office/drawing/2014/main" id="{F138A59D-23B7-0218-5F00-5146A3E01D6E}"/>
+              </a:ext>
+            </a:extLst>
+          </p:cNvPr>
+          <p:cNvSpPr txBox="1"/>
+          <p:nvPr/>
+        </p:nvSpPr>
+        <p:spPr>
+          <a:xfrm>
+            <a:off x="6596063" y="2522972"/>
+            <a:ext cx="3657600" cy="584775"/>
+          </a:xfrm>
+          <a:prstGeom prst="rect">
+            <a:avLst/>
+          </a:prstGeom>
+          <a:noFill/>
+        </p:spPr>
+        <p:txBody>
+          <a:bodyPr wrap="square" rtlCol="0">
+            <a:spAutoFit/>
+          </a:bodyPr>
+          <a:lstStyle/>
+          <a:p>
+            <a:r>
+              <a:rPr lang="it-IT" sz="1600" dirty="0">
+                <a:solidFill>
+                  <a:schemeClr val="bg1"/>
+                </a:solidFill>
+              </a:rPr>
+              <a:t>Esecuzione diretta di /bin/</a:t>
+            </a:r>
+            <a:r>
+              <a:rPr lang="it-IT" sz="1600" dirty="0" err="1">
+                <a:solidFill>
+                  <a:schemeClr val="bg1"/>
+                </a:solidFill>
+              </a:rPr>
+              <a:t>getflag</a:t>
+            </a:r>
+            <a:r>
+              <a:rPr lang="it-IT" sz="1600" dirty="0">
+                <a:solidFill>
+                  <a:schemeClr val="bg1"/>
+                </a:solidFill>
+              </a:rPr>
+              <a:t> come </a:t>
+            </a:r>
+            <a:r>
+              <a:rPr lang="it-IT" sz="1600" dirty="0" err="1">
+                <a:solidFill>
+                  <a:schemeClr val="bg1"/>
+                </a:solidFill>
+              </a:rPr>
+              <a:t>utetente</a:t>
+            </a:r>
+            <a:r>
+              <a:rPr lang="it-IT" sz="1600" dirty="0">
+                <a:solidFill>
+                  <a:schemeClr val="bg1"/>
+                </a:solidFill>
+              </a:rPr>
+              <a:t> Flag16</a:t>
+            </a:r>
+          </a:p>
+        </p:txBody>
+      </p:sp>
+      <p:sp>
+        <p:nvSpPr>
+          <p:cNvPr id="11" name="Rettangolo 10">
+            <a:extLst>
+              <a:ext uri="{FF2B5EF4-FFF2-40B4-BE49-F238E27FC236}">
+                <a16:creationId xmlns:a16="http://schemas.microsoft.com/office/drawing/2014/main" id="{4DAE7DA9-437E-F392-1834-57D6F57B299C}"/>
+              </a:ext>
+            </a:extLst>
+          </p:cNvPr>
+          <p:cNvSpPr/>
+          <p:nvPr/>
+        </p:nvSpPr>
+        <p:spPr>
+          <a:xfrm>
+            <a:off x="4286250" y="3724603"/>
+            <a:ext cx="3114676" cy="543267"/>
+          </a:xfrm>
+          <a:prstGeom prst="rect">
+            <a:avLst/>
+          </a:prstGeom>
+          <a:noFill/>
+          <a:ln>
+            <a:solidFill>
+              <a:schemeClr val="bg1"/>
+            </a:solidFill>
+          </a:ln>
+        </p:spPr>
+        <p:style>
+          <a:lnRef idx="2">
+            <a:schemeClr val="accent6"/>
+          </a:lnRef>
+          <a:fillRef idx="1">
+            <a:schemeClr val="lt1"/>
+          </a:fillRef>
+          <a:effectRef idx="0">
+            <a:schemeClr val="accent6"/>
+          </a:effectRef>
+          <a:fontRef idx="minor">
+            <a:schemeClr val="dk1"/>
+          </a:fontRef>
+        </p:style>
+        <p:txBody>
+          <a:bodyPr rtlCol="0" anchor="ctr"/>
+          <a:lstStyle/>
+          <a:p>
+            <a:pPr algn="ctr"/>
+            <a:endParaRPr lang="it-IT"/>
+          </a:p>
+        </p:txBody>
+      </p:sp>
+      <p:sp>
+        <p:nvSpPr>
+          <p:cNvPr id="21" name="CasellaDiTesto 20">
+            <a:extLst>
+              <a:ext uri="{FF2B5EF4-FFF2-40B4-BE49-F238E27FC236}">
+                <a16:creationId xmlns:a16="http://schemas.microsoft.com/office/drawing/2014/main" id="{19F3793A-F6FC-3B87-7E2F-D000ED7F19A7}"/>
+              </a:ext>
+            </a:extLst>
+          </p:cNvPr>
+          <p:cNvSpPr txBox="1"/>
+          <p:nvPr/>
+        </p:nvSpPr>
+        <p:spPr>
+          <a:xfrm>
+            <a:off x="4400550" y="3796120"/>
+            <a:ext cx="3657600" cy="338554"/>
+          </a:xfrm>
+          <a:prstGeom prst="rect">
+            <a:avLst/>
+          </a:prstGeom>
+          <a:noFill/>
+        </p:spPr>
+        <p:txBody>
+          <a:bodyPr wrap="square" rtlCol="0">
+            <a:spAutoFit/>
+          </a:bodyPr>
+          <a:lstStyle/>
+          <a:p>
+            <a:r>
+              <a:rPr lang="it-IT" sz="1600" dirty="0">
+                <a:solidFill>
+                  <a:schemeClr val="bg1"/>
+                </a:solidFill>
+              </a:rPr>
+              <a:t>Login come utente </a:t>
+            </a:r>
+            <a:r>
+              <a:rPr lang="it-IT" sz="1600" b="1" dirty="0">
+                <a:solidFill>
+                  <a:schemeClr val="bg1"/>
+                </a:solidFill>
+              </a:rPr>
+              <a:t>level16</a:t>
+            </a:r>
+          </a:p>
+        </p:txBody>
+      </p:sp>
+      <p:sp>
+        <p:nvSpPr>
+          <p:cNvPr id="24" name="CasellaDiTesto 23">
+            <a:extLst>
+              <a:ext uri="{FF2B5EF4-FFF2-40B4-BE49-F238E27FC236}">
+                <a16:creationId xmlns:a16="http://schemas.microsoft.com/office/drawing/2014/main" id="{8CEDB99F-D715-7778-08B8-EA3A758D31A3}"/>
+              </a:ext>
+            </a:extLst>
+          </p:cNvPr>
+          <p:cNvSpPr txBox="1"/>
+          <p:nvPr/>
+        </p:nvSpPr>
+        <p:spPr>
+          <a:xfrm>
+            <a:off x="8086725" y="3815255"/>
+            <a:ext cx="3657600" cy="338554"/>
+          </a:xfrm>
+          <a:prstGeom prst="rect">
+            <a:avLst/>
+          </a:prstGeom>
+          <a:noFill/>
+        </p:spPr>
+        <p:txBody>
+          <a:bodyPr wrap="square" rtlCol="0">
+            <a:spAutoFit/>
+          </a:bodyPr>
+          <a:lstStyle/>
+          <a:p>
+            <a:r>
+              <a:rPr lang="it-IT" sz="1600" dirty="0">
+                <a:solidFill>
+                  <a:schemeClr val="bg1"/>
+                </a:solidFill>
+              </a:rPr>
+              <a:t>Esecuzione di </a:t>
+            </a:r>
+            <a:r>
+              <a:rPr lang="it-IT" sz="1600" b="1" dirty="0">
+                <a:solidFill>
+                  <a:schemeClr val="bg1"/>
+                </a:solidFill>
+              </a:rPr>
+              <a:t>/bin/</a:t>
+            </a:r>
+            <a:r>
+              <a:rPr lang="it-IT" sz="1600" b="1" dirty="0" err="1">
+                <a:solidFill>
+                  <a:schemeClr val="bg1"/>
+                </a:solidFill>
+              </a:rPr>
+              <a:t>getflag</a:t>
+            </a:r>
+            <a:endParaRPr lang="it-IT" sz="1600" b="1" dirty="0">
+              <a:solidFill>
+                <a:schemeClr val="bg1"/>
+              </a:solidFill>
+            </a:endParaRPr>
+          </a:p>
+        </p:txBody>
+      </p:sp>
+      <p:sp>
+        <p:nvSpPr>
+          <p:cNvPr id="26" name="Rettangolo 25">
+            <a:extLst>
+              <a:ext uri="{FF2B5EF4-FFF2-40B4-BE49-F238E27FC236}">
+                <a16:creationId xmlns:a16="http://schemas.microsoft.com/office/drawing/2014/main" id="{F2EC2828-A57D-4A95-484D-27B97F99CE11}"/>
+              </a:ext>
+            </a:extLst>
+          </p:cNvPr>
+          <p:cNvSpPr/>
+          <p:nvPr/>
+        </p:nvSpPr>
+        <p:spPr>
+          <a:xfrm>
+            <a:off x="7867650" y="3724603"/>
+            <a:ext cx="3114676" cy="543267"/>
+          </a:xfrm>
+          <a:prstGeom prst="rect">
+            <a:avLst/>
+          </a:prstGeom>
+          <a:noFill/>
+          <a:ln>
+            <a:solidFill>
+              <a:schemeClr val="bg1"/>
+            </a:solidFill>
+          </a:ln>
+        </p:spPr>
+        <p:style>
+          <a:lnRef idx="2">
+            <a:schemeClr val="accent6"/>
+          </a:lnRef>
+          <a:fillRef idx="1">
+            <a:schemeClr val="lt1"/>
+          </a:fillRef>
+          <a:effectRef idx="0">
+            <a:schemeClr val="accent6"/>
+          </a:effectRef>
+          <a:fontRef idx="minor">
+            <a:schemeClr val="dk1"/>
+          </a:fontRef>
+        </p:style>
+        <p:txBody>
+          <a:bodyPr rtlCol="0" anchor="ctr"/>
+          <a:lstStyle/>
+          <a:p>
+            <a:pPr algn="ctr"/>
+            <a:endParaRPr lang="it-IT"/>
+          </a:p>
+        </p:txBody>
+      </p:sp>
+      <p:sp>
+        <p:nvSpPr>
+          <p:cNvPr id="27" name="Rettangolo 26">
+            <a:extLst>
+              <a:ext uri="{FF2B5EF4-FFF2-40B4-BE49-F238E27FC236}">
+                <a16:creationId xmlns:a16="http://schemas.microsoft.com/office/drawing/2014/main" id="{5B5FDE6F-6041-96A8-0E9E-8A8A3FBD0C4E}"/>
+              </a:ext>
+            </a:extLst>
+          </p:cNvPr>
+          <p:cNvSpPr/>
+          <p:nvPr/>
+        </p:nvSpPr>
+        <p:spPr>
+          <a:xfrm>
+            <a:off x="2362200" y="6167266"/>
+            <a:ext cx="3114676" cy="543267"/>
+          </a:xfrm>
+          <a:prstGeom prst="rect">
+            <a:avLst/>
+          </a:prstGeom>
+          <a:noFill/>
+          <a:ln>
+            <a:solidFill>
+              <a:schemeClr val="bg1"/>
+            </a:solidFill>
+          </a:ln>
+        </p:spPr>
+        <p:style>
+          <a:lnRef idx="2">
+            <a:schemeClr val="accent6"/>
+          </a:lnRef>
+          <a:fillRef idx="1">
+            <a:schemeClr val="lt1"/>
+          </a:fillRef>
+          <a:effectRef idx="0">
+            <a:schemeClr val="accent6"/>
+          </a:effectRef>
+          <a:fontRef idx="minor">
+            <a:schemeClr val="dk1"/>
+          </a:fontRef>
+        </p:style>
+        <p:txBody>
+          <a:bodyPr rtlCol="0" anchor="ctr"/>
+          <a:lstStyle/>
+          <a:p>
+            <a:pPr algn="ctr"/>
+            <a:endParaRPr lang="it-IT"/>
+          </a:p>
+        </p:txBody>
+      </p:sp>
+      <p:sp>
+        <p:nvSpPr>
+          <p:cNvPr id="28" name="CasellaDiTesto 27">
+            <a:extLst>
+              <a:ext uri="{FF2B5EF4-FFF2-40B4-BE49-F238E27FC236}">
+                <a16:creationId xmlns:a16="http://schemas.microsoft.com/office/drawing/2014/main" id="{5DFFE6FF-2BE6-B1DA-D3C1-3EA2552B3846}"/>
+              </a:ext>
+            </a:extLst>
+          </p:cNvPr>
+          <p:cNvSpPr txBox="1"/>
+          <p:nvPr/>
+        </p:nvSpPr>
+        <p:spPr>
+          <a:xfrm>
+            <a:off x="4400550" y="4936650"/>
+            <a:ext cx="3657600" cy="584775"/>
+          </a:xfrm>
+          <a:prstGeom prst="rect">
+            <a:avLst/>
+          </a:prstGeom>
+          <a:noFill/>
+        </p:spPr>
+        <p:txBody>
+          <a:bodyPr wrap="square" rtlCol="0">
+            <a:spAutoFit/>
+          </a:bodyPr>
+          <a:lstStyle/>
+          <a:p>
+            <a:r>
+              <a:rPr lang="it-IT" sz="1600" dirty="0">
+                <a:solidFill>
+                  <a:schemeClr val="bg1"/>
+                </a:solidFill>
+              </a:rPr>
+              <a:t>Ottenimento della password dell’utente </a:t>
+            </a:r>
+            <a:r>
+              <a:rPr lang="it-IT" sz="1600" b="1" dirty="0">
+                <a:solidFill>
+                  <a:schemeClr val="bg1"/>
+                </a:solidFill>
+              </a:rPr>
+              <a:t>Flag16</a:t>
+            </a:r>
+          </a:p>
+        </p:txBody>
+      </p:sp>
+      <p:sp>
+        <p:nvSpPr>
+          <p:cNvPr id="29" name="Rettangolo 28">
+            <a:extLst>
+              <a:ext uri="{FF2B5EF4-FFF2-40B4-BE49-F238E27FC236}">
+                <a16:creationId xmlns:a16="http://schemas.microsoft.com/office/drawing/2014/main" id="{80E4AFAF-E2F9-46CF-A027-5B0D250652A9}"/>
+              </a:ext>
+            </a:extLst>
+          </p:cNvPr>
+          <p:cNvSpPr/>
+          <p:nvPr/>
+        </p:nvSpPr>
+        <p:spPr>
+          <a:xfrm>
+            <a:off x="4286250" y="4957405"/>
+            <a:ext cx="3114676" cy="543267"/>
+          </a:xfrm>
+          <a:prstGeom prst="rect">
+            <a:avLst/>
+          </a:prstGeom>
+          <a:noFill/>
+          <a:ln>
+            <a:solidFill>
+              <a:schemeClr val="bg1"/>
+            </a:solidFill>
+          </a:ln>
+        </p:spPr>
+        <p:style>
+          <a:lnRef idx="2">
+            <a:schemeClr val="accent6"/>
+          </a:lnRef>
+          <a:fillRef idx="1">
+            <a:schemeClr val="lt1"/>
+          </a:fillRef>
+          <a:effectRef idx="0">
+            <a:schemeClr val="accent6"/>
+          </a:effectRef>
+          <a:fontRef idx="minor">
+            <a:schemeClr val="dk1"/>
+          </a:fontRef>
+        </p:style>
+        <p:txBody>
+          <a:bodyPr rtlCol="0" anchor="ctr"/>
+          <a:lstStyle/>
+          <a:p>
+            <a:pPr algn="ctr"/>
+            <a:endParaRPr lang="it-IT"/>
+          </a:p>
+        </p:txBody>
+      </p:sp>
+      <p:sp>
+        <p:nvSpPr>
+          <p:cNvPr id="30" name="Rettangolo 29">
+            <a:extLst>
+              <a:ext uri="{FF2B5EF4-FFF2-40B4-BE49-F238E27FC236}">
+                <a16:creationId xmlns:a16="http://schemas.microsoft.com/office/drawing/2014/main" id="{E2235FEE-AB33-F8B1-47C5-2A22A0117C0E}"/>
+              </a:ext>
+            </a:extLst>
+          </p:cNvPr>
+          <p:cNvSpPr/>
+          <p:nvPr/>
+        </p:nvSpPr>
+        <p:spPr>
+          <a:xfrm>
+            <a:off x="6019800" y="6167266"/>
+            <a:ext cx="3114676" cy="543267"/>
+          </a:xfrm>
+          <a:prstGeom prst="rect">
+            <a:avLst/>
+          </a:prstGeom>
+          <a:noFill/>
+          <a:ln>
+            <a:solidFill>
+              <a:schemeClr val="bg1"/>
+            </a:solidFill>
+          </a:ln>
+        </p:spPr>
+        <p:style>
+          <a:lnRef idx="2">
+            <a:schemeClr val="accent6"/>
+          </a:lnRef>
+          <a:fillRef idx="1">
+            <a:schemeClr val="lt1"/>
+          </a:fillRef>
+          <a:effectRef idx="0">
+            <a:schemeClr val="accent6"/>
+          </a:effectRef>
+          <a:fontRef idx="minor">
+            <a:schemeClr val="dk1"/>
+          </a:fontRef>
+        </p:style>
+        <p:txBody>
+          <a:bodyPr rtlCol="0" anchor="ctr"/>
+          <a:lstStyle/>
+          <a:p>
+            <a:pPr algn="ctr"/>
+            <a:endParaRPr lang="it-IT"/>
+          </a:p>
+        </p:txBody>
+      </p:sp>
+      <p:sp>
+        <p:nvSpPr>
+          <p:cNvPr id="31" name="CasellaDiTesto 30">
+            <a:extLst>
+              <a:ext uri="{FF2B5EF4-FFF2-40B4-BE49-F238E27FC236}">
+                <a16:creationId xmlns:a16="http://schemas.microsoft.com/office/drawing/2014/main" id="{F82DD17B-F903-CAAD-6879-2F264CFA247E}"/>
+              </a:ext>
+            </a:extLst>
+          </p:cNvPr>
+          <p:cNvSpPr txBox="1"/>
+          <p:nvPr/>
+        </p:nvSpPr>
+        <p:spPr>
+          <a:xfrm>
+            <a:off x="6115050" y="6199731"/>
+            <a:ext cx="3657600" cy="338554"/>
+          </a:xfrm>
+          <a:prstGeom prst="rect">
+            <a:avLst/>
+          </a:prstGeom>
+          <a:noFill/>
+        </p:spPr>
+        <p:txBody>
+          <a:bodyPr wrap="square" rtlCol="0">
+            <a:spAutoFit/>
+          </a:bodyPr>
+          <a:lstStyle/>
+          <a:p>
+            <a:r>
+              <a:rPr lang="it-IT" sz="1600" dirty="0">
+                <a:solidFill>
+                  <a:schemeClr val="bg1"/>
+                </a:solidFill>
+              </a:rPr>
+              <a:t>Crack della password</a:t>
+            </a:r>
+            <a:endParaRPr lang="it-IT" sz="1600" b="1" dirty="0">
+              <a:solidFill>
+                <a:schemeClr val="bg1"/>
+              </a:solidFill>
+            </a:endParaRPr>
+          </a:p>
+        </p:txBody>
+      </p:sp>
+      <p:sp>
+        <p:nvSpPr>
+          <p:cNvPr id="32" name="CasellaDiTesto 31">
+            <a:extLst>
+              <a:ext uri="{FF2B5EF4-FFF2-40B4-BE49-F238E27FC236}">
+                <a16:creationId xmlns:a16="http://schemas.microsoft.com/office/drawing/2014/main" id="{9073F36D-A861-A9A8-B082-BA01BCE2B64F}"/>
+              </a:ext>
+            </a:extLst>
+          </p:cNvPr>
+          <p:cNvSpPr txBox="1"/>
+          <p:nvPr/>
+        </p:nvSpPr>
+        <p:spPr>
+          <a:xfrm>
+            <a:off x="2476500" y="6156150"/>
+            <a:ext cx="2905126" cy="584775"/>
+          </a:xfrm>
+          <a:prstGeom prst="rect">
+            <a:avLst/>
+          </a:prstGeom>
+          <a:noFill/>
+        </p:spPr>
+        <p:txBody>
+          <a:bodyPr wrap="square" rtlCol="0">
+            <a:spAutoFit/>
+          </a:bodyPr>
+          <a:lstStyle/>
+          <a:p>
+            <a:r>
+              <a:rPr lang="it-IT" sz="1600" dirty="0">
+                <a:solidFill>
+                  <a:schemeClr val="bg1"/>
+                </a:solidFill>
+              </a:rPr>
+              <a:t>Richiesta legittima della password</a:t>
+            </a:r>
+            <a:endParaRPr lang="it-IT" sz="1600" b="1" dirty="0">
+              <a:solidFill>
+                <a:schemeClr val="bg1"/>
+              </a:solidFill>
+            </a:endParaRPr>
+          </a:p>
+        </p:txBody>
+      </p:sp>
+      <p:sp>
+        <p:nvSpPr>
+          <p:cNvPr id="33" name="Triangolo isoscele 32">
+            <a:extLst>
+              <a:ext uri="{FF2B5EF4-FFF2-40B4-BE49-F238E27FC236}">
+                <a16:creationId xmlns:a16="http://schemas.microsoft.com/office/drawing/2014/main" id="{7443315E-88D2-79CF-2C81-53B774CCECFC}"/>
+              </a:ext>
+            </a:extLst>
+          </p:cNvPr>
+          <p:cNvSpPr/>
+          <p:nvPr/>
+        </p:nvSpPr>
+        <p:spPr>
+          <a:xfrm>
+            <a:off x="86915" y="2215112"/>
+            <a:ext cx="3919537" cy="1517707"/>
+          </a:xfrm>
+          <a:prstGeom prst="triangle">
+            <a:avLst/>
+          </a:prstGeom>
+          <a:noFill/>
+          <a:ln>
+            <a:solidFill>
+              <a:schemeClr val="bg1"/>
+            </a:solidFill>
+          </a:ln>
+        </p:spPr>
+        <p:style>
+          <a:lnRef idx="2">
+            <a:schemeClr val="accent1">
+              <a:shade val="15000"/>
+            </a:schemeClr>
+          </a:lnRef>
+          <a:fillRef idx="1">
+            <a:schemeClr val="accent1"/>
+          </a:fillRef>
+          <a:effectRef idx="0">
+            <a:schemeClr val="accent1"/>
+          </a:effectRef>
+          <a:fontRef idx="minor">
+            <a:schemeClr val="lt1"/>
+          </a:fontRef>
+        </p:style>
+        <p:txBody>
+          <a:bodyPr rtlCol="0" anchor="ctr"/>
+          <a:lstStyle/>
+          <a:p>
+            <a:pPr algn="ctr"/>
+            <a:endParaRPr lang="it-IT"/>
+          </a:p>
+        </p:txBody>
+      </p:sp>
+      <p:sp>
+        <p:nvSpPr>
+          <p:cNvPr id="34" name="CasellaDiTesto 33">
+            <a:extLst>
+              <a:ext uri="{FF2B5EF4-FFF2-40B4-BE49-F238E27FC236}">
+                <a16:creationId xmlns:a16="http://schemas.microsoft.com/office/drawing/2014/main" id="{3911F0CE-6C0C-D721-9492-355897B522B2}"/>
+              </a:ext>
+            </a:extLst>
+          </p:cNvPr>
+          <p:cNvSpPr txBox="1"/>
+          <p:nvPr/>
+        </p:nvSpPr>
+        <p:spPr>
+          <a:xfrm>
+            <a:off x="1395411" y="2751522"/>
+            <a:ext cx="1609725" cy="646331"/>
+          </a:xfrm>
+          <a:prstGeom prst="rect">
+            <a:avLst/>
+          </a:prstGeom>
+          <a:noFill/>
+        </p:spPr>
+        <p:txBody>
+          <a:bodyPr wrap="square" rtlCol="0">
+            <a:spAutoFit/>
+          </a:bodyPr>
+          <a:lstStyle/>
+          <a:p>
+            <a:r>
+              <a:rPr lang="it-IT" dirty="0">
+                <a:solidFill>
+                  <a:schemeClr val="bg1"/>
+                </a:solidFill>
+              </a:rPr>
+              <a:t>Attacchi impraticabili</a:t>
+            </a:r>
+          </a:p>
+        </p:txBody>
+      </p:sp>
+      <p:sp>
+        <p:nvSpPr>
+          <p:cNvPr id="36" name="Title 1">
+            <a:extLst>
+              <a:ext uri="{FF2B5EF4-FFF2-40B4-BE49-F238E27FC236}">
+                <a16:creationId xmlns:a16="http://schemas.microsoft.com/office/drawing/2014/main" id="{BC185880-6763-7AD8-B7CD-2C92721CAE0B}"/>
+              </a:ext>
+            </a:extLst>
+          </p:cNvPr>
+          <p:cNvSpPr>
+            <a:spLocks noGrp="1"/>
+          </p:cNvSpPr>
+          <p:nvPr/>
+        </p:nvSpPr>
+        <p:spPr>
+          <a:xfrm>
+            <a:off x="177800" y="-66162"/>
+            <a:ext cx="11874500" cy="1143000"/>
+          </a:xfrm>
+          <a:prstGeom prst="rect">
+            <a:avLst/>
+          </a:prstGeom>
+        </p:spPr>
+        <p:txBody>
+          <a:bodyPr vert="horz" lIns="91440" tIns="45720" rIns="91440" bIns="45720" rtlCol="0" anchor="ctr">
+            <a:normAutofit/>
+          </a:bodyPr>
+          <a:lstStyle>
+            <a:lvl1pPr algn="ctr" defTabSz="457200" rtl="0" eaLnBrk="1" latinLnBrk="0" hangingPunct="1">
+              <a:spcBef>
+                <a:spcPct val="0"/>
+              </a:spcBef>
+              <a:buNone/>
+              <a:defRPr sz="4400" kern="1200">
+                <a:solidFill>
+                  <a:schemeClr val="tx1"/>
+                </a:solidFill>
+                <a:latin typeface="+mj-lt"/>
+                <a:ea typeface="+mj-ea"/>
+                <a:cs typeface="+mj-cs"/>
+              </a:defRPr>
+            </a:lvl1pPr>
+          </a:lstStyle>
+          <a:p>
+            <a:pPr>
+              <a:defRPr sz="3200" b="1"/>
+            </a:pPr>
+            <a:r>
+              <a:rPr lang="it-IT" sz="3600" spc="300" dirty="0">
+                <a:solidFill>
+                  <a:schemeClr val="bg1"/>
+                </a:solidFill>
+              </a:rPr>
+              <a:t>ALBERO D’ATTACCO</a:t>
+            </a:r>
+          </a:p>
+        </p:txBody>
+      </p:sp>
+      <p:cxnSp>
+        <p:nvCxnSpPr>
+          <p:cNvPr id="38" name="Connettore diritto 37">
+            <a:extLst>
+              <a:ext uri="{FF2B5EF4-FFF2-40B4-BE49-F238E27FC236}">
+                <a16:creationId xmlns:a16="http://schemas.microsoft.com/office/drawing/2014/main" id="{072FBC30-268A-541E-5DA3-6B2418B77ADB}"/>
+              </a:ext>
+            </a:extLst>
+          </p:cNvPr>
+          <p:cNvCxnSpPr>
+            <a:cxnSpLocks/>
+            <a:stCxn id="33" idx="0"/>
+            <a:endCxn id="5" idx="2"/>
+          </p:cNvCxnSpPr>
+          <p:nvPr/>
+        </p:nvCxnSpPr>
+        <p:spPr>
+          <a:xfrm flipV="1">
+            <a:off x="2046684" y="1800240"/>
+            <a:ext cx="3132536" cy="414872"/>
+          </a:xfrm>
+          <a:prstGeom prst="line">
+            <a:avLst/>
+          </a:prstGeom>
+          <a:ln>
+            <a:solidFill>
+              <a:schemeClr val="bg1"/>
+            </a:solidFill>
+          </a:ln>
+        </p:spPr>
+        <p:style>
+          <a:lnRef idx="1">
+            <a:schemeClr val="accent1"/>
+          </a:lnRef>
+          <a:fillRef idx="0">
+            <a:schemeClr val="accent1"/>
+          </a:fillRef>
+          <a:effectRef idx="0">
+            <a:schemeClr val="accent1"/>
+          </a:effectRef>
+          <a:fontRef idx="minor">
+            <a:schemeClr val="tx1"/>
+          </a:fontRef>
+        </p:style>
+      </p:cxnSp>
+      <p:cxnSp>
+        <p:nvCxnSpPr>
+          <p:cNvPr id="40" name="Connettore diritto 39">
+            <a:extLst>
+              <a:ext uri="{FF2B5EF4-FFF2-40B4-BE49-F238E27FC236}">
+                <a16:creationId xmlns:a16="http://schemas.microsoft.com/office/drawing/2014/main" id="{5BB29E6C-40EB-A05A-C325-8F468B8B3609}"/>
+              </a:ext>
+            </a:extLst>
+          </p:cNvPr>
+          <p:cNvCxnSpPr>
+            <a:stCxn id="5" idx="2"/>
+          </p:cNvCxnSpPr>
+          <p:nvPr/>
+        </p:nvCxnSpPr>
+        <p:spPr>
+          <a:xfrm>
+            <a:off x="5179220" y="1800240"/>
+            <a:ext cx="1914525" cy="545427"/>
+          </a:xfrm>
+          <a:prstGeom prst="line">
+            <a:avLst/>
+          </a:prstGeom>
+          <a:ln>
+            <a:solidFill>
+              <a:schemeClr val="bg1"/>
+            </a:solidFill>
+          </a:ln>
+        </p:spPr>
+        <p:style>
+          <a:lnRef idx="1">
+            <a:schemeClr val="accent1"/>
+          </a:lnRef>
+          <a:fillRef idx="0">
+            <a:schemeClr val="accent1"/>
+          </a:fillRef>
+          <a:effectRef idx="0">
+            <a:schemeClr val="accent1"/>
+          </a:effectRef>
+          <a:fontRef idx="minor">
+            <a:schemeClr val="tx1"/>
+          </a:fontRef>
+        </p:style>
+      </p:cxnSp>
+      <p:cxnSp>
+        <p:nvCxnSpPr>
+          <p:cNvPr id="45" name="Connettore diritto 44">
+            <a:extLst>
+              <a:ext uri="{FF2B5EF4-FFF2-40B4-BE49-F238E27FC236}">
+                <a16:creationId xmlns:a16="http://schemas.microsoft.com/office/drawing/2014/main" id="{E8471578-6FE0-849C-B561-746C7A89A9E2}"/>
+              </a:ext>
+            </a:extLst>
+          </p:cNvPr>
+          <p:cNvCxnSpPr>
+            <a:cxnSpLocks/>
+            <a:endCxn id="10" idx="2"/>
+          </p:cNvCxnSpPr>
+          <p:nvPr/>
+        </p:nvCxnSpPr>
+        <p:spPr>
+          <a:xfrm flipV="1">
+            <a:off x="5705476" y="3107747"/>
+            <a:ext cx="2719387" cy="625072"/>
+          </a:xfrm>
+          <a:prstGeom prst="line">
+            <a:avLst/>
+          </a:prstGeom>
+          <a:ln>
+            <a:solidFill>
+              <a:schemeClr val="bg1"/>
+            </a:solidFill>
+          </a:ln>
+        </p:spPr>
+        <p:style>
+          <a:lnRef idx="1">
+            <a:schemeClr val="accent1"/>
+          </a:lnRef>
+          <a:fillRef idx="0">
+            <a:schemeClr val="accent1"/>
+          </a:fillRef>
+          <a:effectRef idx="0">
+            <a:schemeClr val="accent1"/>
+          </a:effectRef>
+          <a:fontRef idx="minor">
+            <a:schemeClr val="tx1"/>
+          </a:fontRef>
+        </p:style>
+      </p:cxnSp>
+      <p:cxnSp>
+        <p:nvCxnSpPr>
+          <p:cNvPr id="47" name="Connettore diritto 46">
+            <a:extLst>
+              <a:ext uri="{FF2B5EF4-FFF2-40B4-BE49-F238E27FC236}">
+                <a16:creationId xmlns:a16="http://schemas.microsoft.com/office/drawing/2014/main" id="{D561E980-2ED9-8DF2-00A9-9601E07AAC2F}"/>
+              </a:ext>
+            </a:extLst>
+          </p:cNvPr>
+          <p:cNvCxnSpPr>
+            <a:cxnSpLocks/>
+            <a:stCxn id="26" idx="0"/>
+          </p:cNvCxnSpPr>
+          <p:nvPr/>
+        </p:nvCxnSpPr>
+        <p:spPr>
+          <a:xfrm flipH="1" flipV="1">
+            <a:off x="8424863" y="3103639"/>
+            <a:ext cx="1000125" cy="620964"/>
+          </a:xfrm>
+          <a:prstGeom prst="line">
+            <a:avLst/>
+          </a:prstGeom>
+          <a:ln>
+            <a:solidFill>
+              <a:schemeClr val="bg1"/>
+            </a:solidFill>
+          </a:ln>
+        </p:spPr>
+        <p:style>
+          <a:lnRef idx="1">
+            <a:schemeClr val="accent1"/>
+          </a:lnRef>
+          <a:fillRef idx="0">
+            <a:schemeClr val="accent1"/>
+          </a:fillRef>
+          <a:effectRef idx="0">
+            <a:schemeClr val="accent1"/>
+          </a:effectRef>
+          <a:fontRef idx="minor">
+            <a:schemeClr val="tx1"/>
+          </a:fontRef>
+        </p:style>
+      </p:cxnSp>
+      <p:cxnSp>
+        <p:nvCxnSpPr>
+          <p:cNvPr id="50" name="Connettore diritto 49">
+            <a:extLst>
+              <a:ext uri="{FF2B5EF4-FFF2-40B4-BE49-F238E27FC236}">
+                <a16:creationId xmlns:a16="http://schemas.microsoft.com/office/drawing/2014/main" id="{03F0BE54-C501-D636-EF71-503F0226DCC0}"/>
+              </a:ext>
+            </a:extLst>
+          </p:cNvPr>
+          <p:cNvCxnSpPr>
+            <a:cxnSpLocks/>
+            <a:stCxn id="29" idx="0"/>
+            <a:endCxn id="11" idx="2"/>
+          </p:cNvCxnSpPr>
+          <p:nvPr/>
+        </p:nvCxnSpPr>
+        <p:spPr>
+          <a:xfrm flipV="1">
+            <a:off x="5843588" y="4267870"/>
+            <a:ext cx="0" cy="689535"/>
+          </a:xfrm>
+          <a:prstGeom prst="line">
+            <a:avLst/>
+          </a:prstGeom>
+          <a:ln>
+            <a:solidFill>
+              <a:schemeClr val="bg1"/>
+            </a:solidFill>
+          </a:ln>
+        </p:spPr>
+        <p:style>
+          <a:lnRef idx="1">
+            <a:schemeClr val="accent1"/>
+          </a:lnRef>
+          <a:fillRef idx="0">
+            <a:schemeClr val="accent1"/>
+          </a:fillRef>
+          <a:effectRef idx="0">
+            <a:schemeClr val="accent1"/>
+          </a:effectRef>
+          <a:fontRef idx="minor">
+            <a:schemeClr val="tx1"/>
+          </a:fontRef>
+        </p:style>
+      </p:cxnSp>
+      <p:cxnSp>
+        <p:nvCxnSpPr>
+          <p:cNvPr id="53" name="Connettore diritto 52">
+            <a:extLst>
+              <a:ext uri="{FF2B5EF4-FFF2-40B4-BE49-F238E27FC236}">
+                <a16:creationId xmlns:a16="http://schemas.microsoft.com/office/drawing/2014/main" id="{2ED5C7C1-79CF-3436-2800-7B07E17DD0C1}"/>
+              </a:ext>
+            </a:extLst>
+          </p:cNvPr>
+          <p:cNvCxnSpPr>
+            <a:cxnSpLocks/>
+            <a:endCxn id="29" idx="2"/>
+          </p:cNvCxnSpPr>
+          <p:nvPr/>
+        </p:nvCxnSpPr>
+        <p:spPr>
+          <a:xfrm flipV="1">
+            <a:off x="3614739" y="5500672"/>
+            <a:ext cx="2228849" cy="679538"/>
+          </a:xfrm>
+          <a:prstGeom prst="line">
+            <a:avLst/>
+          </a:prstGeom>
+          <a:ln>
+            <a:solidFill>
+              <a:schemeClr val="bg1"/>
+            </a:solidFill>
+          </a:ln>
+        </p:spPr>
+        <p:style>
+          <a:lnRef idx="1">
+            <a:schemeClr val="accent1"/>
+          </a:lnRef>
+          <a:fillRef idx="0">
+            <a:schemeClr val="accent1"/>
+          </a:fillRef>
+          <a:effectRef idx="0">
+            <a:schemeClr val="accent1"/>
+          </a:effectRef>
+          <a:fontRef idx="minor">
+            <a:schemeClr val="tx1"/>
+          </a:fontRef>
+        </p:style>
+      </p:cxnSp>
+      <p:cxnSp>
+        <p:nvCxnSpPr>
+          <p:cNvPr id="55" name="Connettore diritto 54">
+            <a:extLst>
+              <a:ext uri="{FF2B5EF4-FFF2-40B4-BE49-F238E27FC236}">
+                <a16:creationId xmlns:a16="http://schemas.microsoft.com/office/drawing/2014/main" id="{56FE208F-44EC-9286-15A1-293EFCA0D605}"/>
+              </a:ext>
+            </a:extLst>
+          </p:cNvPr>
+          <p:cNvCxnSpPr>
+            <a:cxnSpLocks/>
+            <a:stCxn id="30" idx="0"/>
+          </p:cNvCxnSpPr>
+          <p:nvPr/>
+        </p:nvCxnSpPr>
+        <p:spPr>
+          <a:xfrm flipH="1" flipV="1">
+            <a:off x="5843588" y="5509395"/>
+            <a:ext cx="1733550" cy="657871"/>
+          </a:xfrm>
+          <a:prstGeom prst="line">
+            <a:avLst/>
+          </a:prstGeom>
+          <a:ln>
+            <a:solidFill>
+              <a:schemeClr val="bg1"/>
+            </a:solidFill>
+          </a:ln>
+        </p:spPr>
+        <p:style>
+          <a:lnRef idx="1">
+            <a:schemeClr val="accent1"/>
+          </a:lnRef>
+          <a:fillRef idx="0">
+            <a:schemeClr val="accent1"/>
+          </a:fillRef>
+          <a:effectRef idx="0">
+            <a:schemeClr val="accent1"/>
+          </a:effectRef>
+          <a:fontRef idx="minor">
+            <a:schemeClr val="tx1"/>
+          </a:fontRef>
+        </p:style>
+      </p:cxnSp>
+      <p:sp>
+        <p:nvSpPr>
+          <p:cNvPr id="58" name="CasellaDiTesto 57">
+            <a:extLst>
+              <a:ext uri="{FF2B5EF4-FFF2-40B4-BE49-F238E27FC236}">
+                <a16:creationId xmlns:a16="http://schemas.microsoft.com/office/drawing/2014/main" id="{7A0F98B2-C3AE-F27B-D9EF-32259544FB7B}"/>
+              </a:ext>
+            </a:extLst>
+          </p:cNvPr>
+          <p:cNvSpPr txBox="1"/>
+          <p:nvPr/>
+        </p:nvSpPr>
+        <p:spPr>
+          <a:xfrm>
+            <a:off x="7958139" y="3144456"/>
+            <a:ext cx="1023937" cy="369332"/>
+          </a:xfrm>
+          <a:prstGeom prst="rect">
+            <a:avLst/>
+          </a:prstGeom>
+          <a:noFill/>
+        </p:spPr>
+        <p:txBody>
+          <a:bodyPr wrap="square" rtlCol="0">
+            <a:spAutoFit/>
+          </a:bodyPr>
+          <a:lstStyle/>
+          <a:p>
+            <a:r>
+              <a:rPr lang="it-IT" dirty="0">
+                <a:solidFill>
+                  <a:schemeClr val="bg1"/>
+                </a:solidFill>
+              </a:rPr>
+              <a:t>AND</a:t>
+            </a:r>
+          </a:p>
+        </p:txBody>
+      </p:sp>
+      <p:sp>
+        <p:nvSpPr>
+          <p:cNvPr id="59" name="CasellaDiTesto 58">
+            <a:extLst>
+              <a:ext uri="{FF2B5EF4-FFF2-40B4-BE49-F238E27FC236}">
+                <a16:creationId xmlns:a16="http://schemas.microsoft.com/office/drawing/2014/main" id="{51A79A1E-B646-0807-35B7-A971263756DA}"/>
+              </a:ext>
+            </a:extLst>
+          </p:cNvPr>
+          <p:cNvSpPr txBox="1"/>
+          <p:nvPr/>
+        </p:nvSpPr>
+        <p:spPr>
+          <a:xfrm>
+            <a:off x="947738" y="2273724"/>
+            <a:ext cx="904875" cy="369332"/>
+          </a:xfrm>
+          <a:prstGeom prst="rect">
+            <a:avLst/>
+          </a:prstGeom>
+          <a:noFill/>
+        </p:spPr>
+        <p:txBody>
+          <a:bodyPr wrap="square" rtlCol="0">
+            <a:spAutoFit/>
+          </a:bodyPr>
+          <a:lstStyle/>
+          <a:p>
+            <a:r>
+              <a:rPr lang="it-IT" dirty="0">
+                <a:solidFill>
+                  <a:schemeClr val="bg1"/>
+                </a:solidFill>
+              </a:rPr>
+              <a:t>I</a:t>
+            </a:r>
+          </a:p>
+        </p:txBody>
+      </p:sp>
+      <p:sp>
+        <p:nvSpPr>
+          <p:cNvPr id="61" name="Rettangolo 60">
+            <a:extLst>
+              <a:ext uri="{FF2B5EF4-FFF2-40B4-BE49-F238E27FC236}">
+                <a16:creationId xmlns:a16="http://schemas.microsoft.com/office/drawing/2014/main" id="{65001860-C88B-8B8D-E3D7-B33675B8D810}"/>
+              </a:ext>
+            </a:extLst>
+          </p:cNvPr>
+          <p:cNvSpPr/>
+          <p:nvPr/>
+        </p:nvSpPr>
+        <p:spPr>
+          <a:xfrm>
+            <a:off x="819150" y="2191446"/>
+            <a:ext cx="504825" cy="560076"/>
+          </a:xfrm>
+          <a:prstGeom prst="rect">
+            <a:avLst/>
+          </a:prstGeom>
+          <a:noFill/>
+          <a:ln>
+            <a:solidFill>
+              <a:schemeClr val="bg1"/>
+            </a:solidFill>
+          </a:ln>
+        </p:spPr>
+        <p:style>
+          <a:lnRef idx="2">
+            <a:schemeClr val="accent1">
+              <a:shade val="15000"/>
+            </a:schemeClr>
+          </a:lnRef>
+          <a:fillRef idx="1">
+            <a:schemeClr val="accent1"/>
+          </a:fillRef>
+          <a:effectRef idx="0">
+            <a:schemeClr val="accent1"/>
+          </a:effectRef>
+          <a:fontRef idx="minor">
+            <a:schemeClr val="lt1"/>
+          </a:fontRef>
+        </p:style>
+        <p:txBody>
+          <a:bodyPr rtlCol="0" anchor="ctr"/>
+          <a:lstStyle/>
+          <a:p>
+            <a:pPr algn="ctr"/>
+            <a:endParaRPr lang="it-IT"/>
+          </a:p>
+        </p:txBody>
+      </p:sp>
+      <p:sp>
+        <p:nvSpPr>
+          <p:cNvPr id="64" name="Rettangolo 63">
+            <a:extLst>
+              <a:ext uri="{FF2B5EF4-FFF2-40B4-BE49-F238E27FC236}">
+                <a16:creationId xmlns:a16="http://schemas.microsoft.com/office/drawing/2014/main" id="{B7BFC0A7-EAA4-15D3-45C7-A2F6DA83BA72}"/>
+              </a:ext>
+            </a:extLst>
+          </p:cNvPr>
+          <p:cNvSpPr/>
+          <p:nvPr/>
+        </p:nvSpPr>
+        <p:spPr>
+          <a:xfrm>
+            <a:off x="4845845" y="3244449"/>
+            <a:ext cx="504825" cy="560076"/>
+          </a:xfrm>
+          <a:prstGeom prst="rect">
+            <a:avLst/>
+          </a:prstGeom>
+          <a:noFill/>
+          <a:ln>
+            <a:solidFill>
+              <a:schemeClr val="bg1"/>
+            </a:solidFill>
+          </a:ln>
+        </p:spPr>
+        <p:style>
+          <a:lnRef idx="2">
+            <a:schemeClr val="accent1">
+              <a:shade val="15000"/>
+            </a:schemeClr>
+          </a:lnRef>
+          <a:fillRef idx="1">
+            <a:schemeClr val="accent1"/>
+          </a:fillRef>
+          <a:effectRef idx="0">
+            <a:schemeClr val="accent1"/>
+          </a:effectRef>
+          <a:fontRef idx="minor">
+            <a:schemeClr val="lt1"/>
+          </a:fontRef>
+        </p:style>
+        <p:txBody>
+          <a:bodyPr rtlCol="0" anchor="ctr"/>
+          <a:lstStyle/>
+          <a:p>
+            <a:pPr algn="ctr"/>
+            <a:endParaRPr lang="it-IT"/>
+          </a:p>
+        </p:txBody>
+      </p:sp>
+      <p:sp>
+        <p:nvSpPr>
+          <p:cNvPr id="65" name="CasellaDiTesto 64">
+            <a:extLst>
+              <a:ext uri="{FF2B5EF4-FFF2-40B4-BE49-F238E27FC236}">
+                <a16:creationId xmlns:a16="http://schemas.microsoft.com/office/drawing/2014/main" id="{1DADFBAE-EA7E-B214-B5A3-8CF18A77538B}"/>
+              </a:ext>
+            </a:extLst>
+          </p:cNvPr>
+          <p:cNvSpPr txBox="1"/>
+          <p:nvPr/>
+        </p:nvSpPr>
+        <p:spPr>
+          <a:xfrm>
+            <a:off x="4938713" y="3269995"/>
+            <a:ext cx="904875" cy="369332"/>
+          </a:xfrm>
+          <a:prstGeom prst="rect">
+            <a:avLst/>
+          </a:prstGeom>
+          <a:noFill/>
+        </p:spPr>
+        <p:txBody>
+          <a:bodyPr wrap="square" rtlCol="0">
+            <a:spAutoFit/>
+          </a:bodyPr>
+          <a:lstStyle/>
+          <a:p>
+            <a:r>
+              <a:rPr lang="it-IT" dirty="0">
+                <a:solidFill>
+                  <a:schemeClr val="bg1"/>
+                </a:solidFill>
+              </a:rPr>
+              <a:t>P</a:t>
+            </a:r>
+          </a:p>
+        </p:txBody>
+      </p:sp>
+      <p:sp>
+        <p:nvSpPr>
+          <p:cNvPr id="66" name="Rettangolo 65">
+            <a:extLst>
+              <a:ext uri="{FF2B5EF4-FFF2-40B4-BE49-F238E27FC236}">
+                <a16:creationId xmlns:a16="http://schemas.microsoft.com/office/drawing/2014/main" id="{BB201BF8-A5BE-9B42-B33F-366D84C82B0D}"/>
+              </a:ext>
+            </a:extLst>
+          </p:cNvPr>
+          <p:cNvSpPr/>
+          <p:nvPr/>
+        </p:nvSpPr>
+        <p:spPr>
+          <a:xfrm>
+            <a:off x="10172701" y="3286175"/>
+            <a:ext cx="504825" cy="560076"/>
+          </a:xfrm>
+          <a:prstGeom prst="rect">
+            <a:avLst/>
+          </a:prstGeom>
+          <a:noFill/>
+          <a:ln>
+            <a:solidFill>
+              <a:schemeClr val="bg1"/>
+            </a:solidFill>
+          </a:ln>
+        </p:spPr>
+        <p:style>
+          <a:lnRef idx="2">
+            <a:schemeClr val="accent1">
+              <a:shade val="15000"/>
+            </a:schemeClr>
+          </a:lnRef>
+          <a:fillRef idx="1">
+            <a:schemeClr val="accent1"/>
+          </a:fillRef>
+          <a:effectRef idx="0">
+            <a:schemeClr val="accent1"/>
+          </a:effectRef>
+          <a:fontRef idx="minor">
+            <a:schemeClr val="lt1"/>
+          </a:fontRef>
+        </p:style>
+        <p:txBody>
+          <a:bodyPr rtlCol="0" anchor="ctr"/>
+          <a:lstStyle/>
+          <a:p>
+            <a:pPr algn="ctr"/>
+            <a:endParaRPr lang="it-IT"/>
+          </a:p>
+        </p:txBody>
+      </p:sp>
+      <p:sp>
+        <p:nvSpPr>
+          <p:cNvPr id="68" name="CasellaDiTesto 67">
+            <a:extLst>
+              <a:ext uri="{FF2B5EF4-FFF2-40B4-BE49-F238E27FC236}">
+                <a16:creationId xmlns:a16="http://schemas.microsoft.com/office/drawing/2014/main" id="{1DE95094-278A-EC52-CE63-769E5E451E15}"/>
+              </a:ext>
+            </a:extLst>
+          </p:cNvPr>
+          <p:cNvSpPr txBox="1"/>
+          <p:nvPr/>
+        </p:nvSpPr>
+        <p:spPr>
+          <a:xfrm>
+            <a:off x="10294143" y="3339821"/>
+            <a:ext cx="357189" cy="369332"/>
+          </a:xfrm>
+          <a:prstGeom prst="rect">
+            <a:avLst/>
+          </a:prstGeom>
+          <a:noFill/>
+        </p:spPr>
+        <p:txBody>
+          <a:bodyPr wrap="square">
+            <a:spAutoFit/>
+          </a:bodyPr>
+          <a:lstStyle/>
+          <a:p>
+            <a:r>
+              <a:rPr lang="it-IT" dirty="0">
+                <a:solidFill>
+                  <a:schemeClr val="bg1"/>
+                </a:solidFill>
+              </a:rPr>
+              <a:t>P</a:t>
+            </a:r>
+          </a:p>
+        </p:txBody>
+      </p:sp>
+      <p:sp>
+        <p:nvSpPr>
+          <p:cNvPr id="6" name="Rettangolo 5">
+            <a:extLst>
+              <a:ext uri="{FF2B5EF4-FFF2-40B4-BE49-F238E27FC236}">
+                <a16:creationId xmlns:a16="http://schemas.microsoft.com/office/drawing/2014/main" id="{214B8A61-57B0-CE59-EE00-9ACF2FEB2736}"/>
+              </a:ext>
+            </a:extLst>
+          </p:cNvPr>
+          <p:cNvSpPr/>
+          <p:nvPr/>
+        </p:nvSpPr>
+        <p:spPr>
+          <a:xfrm>
+            <a:off x="2450905" y="5552882"/>
+            <a:ext cx="504825" cy="560076"/>
+          </a:xfrm>
+          <a:prstGeom prst="rect">
+            <a:avLst/>
+          </a:prstGeom>
+          <a:noFill/>
+          <a:ln>
+            <a:solidFill>
+              <a:schemeClr val="bg1"/>
+            </a:solidFill>
+          </a:ln>
+        </p:spPr>
+        <p:style>
+          <a:lnRef idx="2">
+            <a:schemeClr val="accent1">
+              <a:shade val="15000"/>
+            </a:schemeClr>
+          </a:lnRef>
+          <a:fillRef idx="1">
+            <a:schemeClr val="accent1"/>
+          </a:fillRef>
+          <a:effectRef idx="0">
+            <a:schemeClr val="accent1"/>
+          </a:effectRef>
+          <a:fontRef idx="minor">
+            <a:schemeClr val="lt1"/>
+          </a:fontRef>
+        </p:style>
+        <p:txBody>
+          <a:bodyPr rtlCol="0" anchor="ctr"/>
+          <a:lstStyle/>
+          <a:p>
+            <a:pPr algn="ctr"/>
+            <a:endParaRPr lang="it-IT"/>
+          </a:p>
+        </p:txBody>
+      </p:sp>
+      <p:sp>
+        <p:nvSpPr>
+          <p:cNvPr id="9" name="Rettangolo 8">
+            <a:extLst>
+              <a:ext uri="{FF2B5EF4-FFF2-40B4-BE49-F238E27FC236}">
+                <a16:creationId xmlns:a16="http://schemas.microsoft.com/office/drawing/2014/main" id="{A82028DC-B491-AF06-C986-C3CEB40F8247}"/>
+              </a:ext>
+            </a:extLst>
+          </p:cNvPr>
+          <p:cNvSpPr/>
+          <p:nvPr/>
+        </p:nvSpPr>
+        <p:spPr>
+          <a:xfrm>
+            <a:off x="8548093" y="5552882"/>
+            <a:ext cx="504825" cy="560076"/>
+          </a:xfrm>
+          <a:prstGeom prst="rect">
+            <a:avLst/>
+          </a:prstGeom>
+          <a:noFill/>
+          <a:ln>
+            <a:solidFill>
+              <a:schemeClr val="bg1"/>
+            </a:solidFill>
+          </a:ln>
+        </p:spPr>
+        <p:style>
+          <a:lnRef idx="2">
+            <a:schemeClr val="accent1">
+              <a:shade val="15000"/>
+            </a:schemeClr>
+          </a:lnRef>
+          <a:fillRef idx="1">
+            <a:schemeClr val="accent1"/>
+          </a:fillRef>
+          <a:effectRef idx="0">
+            <a:schemeClr val="accent1"/>
+          </a:effectRef>
+          <a:fontRef idx="minor">
+            <a:schemeClr val="lt1"/>
+          </a:fontRef>
+        </p:style>
+        <p:txBody>
+          <a:bodyPr rtlCol="0" anchor="ctr"/>
+          <a:lstStyle/>
+          <a:p>
+            <a:pPr algn="ctr"/>
+            <a:endParaRPr lang="it-IT"/>
+          </a:p>
+        </p:txBody>
+      </p:sp>
+      <p:sp>
+        <p:nvSpPr>
+          <p:cNvPr id="12" name="CasellaDiTesto 11">
+            <a:extLst>
+              <a:ext uri="{FF2B5EF4-FFF2-40B4-BE49-F238E27FC236}">
+                <a16:creationId xmlns:a16="http://schemas.microsoft.com/office/drawing/2014/main" id="{5D0F10BF-9BB1-B59F-F0B7-D4AEA6B7A2C1}"/>
+              </a:ext>
+            </a:extLst>
+          </p:cNvPr>
+          <p:cNvSpPr txBox="1"/>
+          <p:nvPr/>
+        </p:nvSpPr>
+        <p:spPr>
+          <a:xfrm>
+            <a:off x="2552698" y="5655775"/>
+            <a:ext cx="904875" cy="369332"/>
+          </a:xfrm>
+          <a:prstGeom prst="rect">
+            <a:avLst/>
+          </a:prstGeom>
+          <a:noFill/>
+        </p:spPr>
+        <p:txBody>
+          <a:bodyPr wrap="square" rtlCol="0">
+            <a:spAutoFit/>
+          </a:bodyPr>
+          <a:lstStyle/>
+          <a:p>
+            <a:r>
+              <a:rPr lang="it-IT" dirty="0">
+                <a:solidFill>
+                  <a:schemeClr val="bg1"/>
+                </a:solidFill>
+              </a:rPr>
+              <a:t>I</a:t>
+            </a:r>
+          </a:p>
+        </p:txBody>
+      </p:sp>
+      <p:sp>
+        <p:nvSpPr>
+          <p:cNvPr id="13" name="CasellaDiTesto 12">
+            <a:extLst>
+              <a:ext uri="{FF2B5EF4-FFF2-40B4-BE49-F238E27FC236}">
+                <a16:creationId xmlns:a16="http://schemas.microsoft.com/office/drawing/2014/main" id="{1E061B7D-6E84-1498-4864-4F1615DF1AE5}"/>
+              </a:ext>
+            </a:extLst>
+          </p:cNvPr>
+          <p:cNvSpPr txBox="1"/>
+          <p:nvPr/>
+        </p:nvSpPr>
+        <p:spPr>
+          <a:xfrm>
+            <a:off x="8682038" y="5683873"/>
+            <a:ext cx="904875" cy="369332"/>
+          </a:xfrm>
+          <a:prstGeom prst="rect">
+            <a:avLst/>
+          </a:prstGeom>
+          <a:noFill/>
+        </p:spPr>
+        <p:txBody>
+          <a:bodyPr wrap="square" rtlCol="0">
+            <a:spAutoFit/>
+          </a:bodyPr>
+          <a:lstStyle/>
+          <a:p>
+            <a:r>
+              <a:rPr lang="it-IT" dirty="0">
+                <a:solidFill>
+                  <a:schemeClr val="bg1"/>
+                </a:solidFill>
+              </a:rPr>
+              <a:t>I</a:t>
+            </a:r>
           </a:p>
         </p:txBody>
       </p:sp>
     </p:spTree>
     <p:extLst>
       <p:ext uri="{BB962C8B-B14F-4D97-AF65-F5344CB8AC3E}">
-        <p14:creationId xmlns:p14="http://schemas.microsoft.com/office/powerpoint/2010/main" val="2728059627"/>
+        <p14:creationId xmlns:p14="http://schemas.microsoft.com/office/powerpoint/2010/main" val="3242793293"/>
       </p:ext>
     </p:extLst>
   </p:cSld>
@@ -19584,7 +22124,7 @@
           <p:cNvPr id="2" name="Titolo 1">
             <a:extLst>
               <a:ext uri="{FF2B5EF4-FFF2-40B4-BE49-F238E27FC236}">
-                <a16:creationId xmlns:a16="http://schemas.microsoft.com/office/drawing/2014/main" id="{D543EB8B-0AB9-7554-AEEA-E8D744959E9A}"/>
+                <a16:creationId xmlns:a16="http://schemas.microsoft.com/office/drawing/2014/main" id="{11883E06-8BEA-1DD3-D0D6-391C08880EBF}"/>
               </a:ext>
             </a:extLst>
           </p:cNvPr>
@@ -19597,8 +22137,8 @@
         </p:nvSpPr>
         <p:spPr>
           <a:xfrm>
-            <a:off x="6889627" y="173736"/>
-            <a:ext cx="4352662" cy="2203704"/>
+            <a:off x="741680" y="430482"/>
+            <a:ext cx="10500989" cy="1327464"/>
           </a:xfrm>
         </p:spPr>
         <p:txBody>
@@ -19609,54 +22149,72 @@
             </a:defPPr>
           </a:lstStyle>
           <a:p>
-            <a:pPr lvl="0" rtl="0"/>
-            <a:r>
-              <a:rPr lang="it-IT" noProof="0" dirty="0"/>
-              <a:t>IMPATTO COMUNICATIVO</a:t>
+            <a:pPr rtl="0"/>
+            <a:r>
+              <a:rPr lang="it-IT" dirty="0"/>
+              <a:t>GESTIONE DELLE SESSIONI DI DOMANDE E RISPOSTE</a:t>
             </a:r>
           </a:p>
         </p:txBody>
       </p:sp>
-      <p:pic>
-        <p:nvPicPr>
-          <p:cNvPr id="6" name="Segnaposto immagine 5" descr="Spirale blu e viola">
-            <a:extLst>
-              <a:ext uri="{FF2B5EF4-FFF2-40B4-BE49-F238E27FC236}">
-                <a16:creationId xmlns:a16="http://schemas.microsoft.com/office/drawing/2014/main" id="{05B64636-376E-96D4-B550-D764B2C6A6A7}"/>
-              </a:ext>
-            </a:extLst>
-          </p:cNvPr>
-          <p:cNvPicPr>
-            <a:picLocks noGrp="1" noChangeAspect="1"/>
-          </p:cNvPicPr>
-          <p:nvPr>
-            <p:ph type="pic" sz="quarter" idx="37"/>
-          </p:nvPr>
-        </p:nvPicPr>
-        <p:blipFill rotWithShape="1">
-          <a:blip r:embed="rId3" cstate="screen">
-            <a:extLst>
-              <a:ext uri="{28A0092B-C50C-407E-A947-70E740481C1C}">
-                <a14:useLocalDpi xmlns:a14="http://schemas.microsoft.com/office/drawing/2010/main"/>
-              </a:ext>
-            </a:extLst>
-          </a:blip>
-          <a:srcRect t="202" b="202"/>
-          <a:stretch/>
-        </p:blipFill>
-        <p:spPr>
-          <a:xfrm>
-            <a:off x="336550" y="336550"/>
-            <a:ext cx="5303640" cy="6184900"/>
-          </a:xfrm>
-        </p:spPr>
-      </p:pic>
       <p:sp>
         <p:nvSpPr>
           <p:cNvPr id="3" name="Segnaposto contenuto 2">
             <a:extLst>
               <a:ext uri="{FF2B5EF4-FFF2-40B4-BE49-F238E27FC236}">
-                <a16:creationId xmlns:a16="http://schemas.microsoft.com/office/drawing/2014/main" id="{FB2F5F9A-B16D-CA49-7F40-A0142E41DC56}"/>
+                <a16:creationId xmlns:a16="http://schemas.microsoft.com/office/drawing/2014/main" id="{1CF175D3-F3DC-695F-474B-346EDCA5D60F}"/>
+              </a:ext>
+            </a:extLst>
+          </p:cNvPr>
+          <p:cNvSpPr>
+            <a:spLocks noGrp="1"/>
+          </p:cNvSpPr>
+          <p:nvPr>
+            <p:ph sz="quarter" idx="35"/>
+          </p:nvPr>
+        </p:nvSpPr>
+        <p:spPr>
+          <a:xfrm>
+            <a:off x="807038" y="2465539"/>
+            <a:ext cx="3774587" cy="3723753"/>
+          </a:xfrm>
+        </p:spPr>
+        <p:txBody>
+          <a:bodyPr rtlCol="0"/>
+          <a:lstStyle>
+            <a:defPPr>
+              <a:defRPr lang="it-IT"/>
+            </a:defPPr>
+          </a:lstStyle>
+          <a:p>
+            <a:pPr rtl="0"/>
+            <a:r>
+              <a:rPr lang="it-IT" dirty="0"/>
+              <a:t>Conosci il materiale in anticipo</a:t>
+            </a:r>
+          </a:p>
+          <a:p>
+            <a:pPr rtl="0"/>
+            <a:r>
+              <a:rPr lang="it-IT" dirty="0"/>
+              <a:t>Prevedi le domande comuni</a:t>
+            </a:r>
+          </a:p>
+          <a:p>
+            <a:pPr rtl="0"/>
+            <a:r>
+              <a:rPr lang="it-IT" dirty="0"/>
+              <a:t>Prova le risposte</a:t>
+            </a:r>
+          </a:p>
+        </p:txBody>
+      </p:sp>
+      <p:sp>
+        <p:nvSpPr>
+          <p:cNvPr id="4" name="Segnaposto contenuto 3">
+            <a:extLst>
+              <a:ext uri="{FF2B5EF4-FFF2-40B4-BE49-F238E27FC236}">
+                <a16:creationId xmlns:a16="http://schemas.microsoft.com/office/drawing/2014/main" id="{3770D91C-D5C0-248C-26D3-DE7C7C72E632}"/>
               </a:ext>
             </a:extLst>
           </p:cNvPr>
@@ -19669,8 +22227,8 @@
         </p:nvSpPr>
         <p:spPr>
           <a:xfrm>
-            <a:off x="6889627" y="3104277"/>
-            <a:ext cx="4371560" cy="3022201"/>
+            <a:off x="4927600" y="2465539"/>
+            <a:ext cx="6315069" cy="3723753"/>
           </a:xfrm>
         </p:spPr>
         <p:txBody>
@@ -19684,24 +22242,45 @@
             <a:pPr rtl="0"/>
             <a:r>
               <a:rPr lang="it-IT" dirty="0"/>
-              <a:t>La tua capacità di comunicare in modo efficace lascerà un impatto duraturo sul tuo pubblico</a:t>
-            </a:r>
-          </a:p>
-          <a:p>
-            <a:pPr rtl="0"/>
+              <a:t>Mantenere la compostezza durante la sessione di domande e risposte è essenziale per proiettare sicurezza e autorità. Considera i seguenti consigli per rimanere composto:</a:t>
+            </a:r>
+          </a:p>
+          <a:p>
+            <a:pPr lvl="1" rtl="0"/>
             <a:r>
               <a:rPr lang="it-IT" dirty="0"/>
-              <a:t>Comunicare in modo efficace significa non solo trasmettere un messaggio, ma anche entrare in risonanza con le esperienze, i valori e le emozioni di chi ascolta </a:t>
+              <a:t>Mantieni la tranquillità</a:t>
+            </a:r>
+          </a:p>
+          <a:p>
+            <a:pPr lvl="1" rtl="0"/>
+            <a:r>
+              <a:rPr lang="it-IT" dirty="0"/>
+              <a:t>Ascolta in modo attivo</a:t>
+            </a:r>
+          </a:p>
+          <a:p>
+            <a:pPr lvl="1" rtl="0"/>
+            <a:r>
+              <a:rPr lang="it-IT" dirty="0"/>
+              <a:t>Fermati e rifletti</a:t>
+            </a:r>
+          </a:p>
+          <a:p>
+            <a:pPr lvl="1" rtl="0"/>
+            <a:r>
+              <a:rPr lang="it-IT" dirty="0"/>
+              <a:t>Mantieni il contatto visivo</a:t>
             </a:r>
           </a:p>
         </p:txBody>
       </p:sp>
       <p:sp>
         <p:nvSpPr>
-          <p:cNvPr id="4" name="Segnaposto numero diapositiva 3">
+          <p:cNvPr id="5" name="Segnaposto numero diapositiva 4">
             <a:extLst>
               <a:ext uri="{FF2B5EF4-FFF2-40B4-BE49-F238E27FC236}">
-                <a16:creationId xmlns:a16="http://schemas.microsoft.com/office/drawing/2014/main" id="{921DB868-BEE2-49F7-9AC5-A3B143880250}"/>
+                <a16:creationId xmlns:a16="http://schemas.microsoft.com/office/drawing/2014/main" id="{E87B8B6A-2B28-5C38-80E7-0EBE705FFBBF}"/>
               </a:ext>
             </a:extLst>
           </p:cNvPr>
@@ -19797,6 +22376,251 @@
     </p:spTree>
     <p:extLst>
       <p:ext uri="{BB962C8B-B14F-4D97-AF65-F5344CB8AC3E}">
+        <p14:creationId xmlns:p14="http://schemas.microsoft.com/office/powerpoint/2010/main" val="2728059627"/>
+      </p:ext>
+    </p:extLst>
+  </p:cSld>
+  <p:clrMapOvr>
+    <a:masterClrMapping/>
+  </p:clrMapOvr>
+</p:sld>
+</file>
+
+<file path=ppt/slides/slide8.xml><?xml version="1.0" encoding="utf-8"?>
+<p:sld xmlns:a="http://schemas.openxmlformats.org/drawingml/2006/main" xmlns:r="http://schemas.openxmlformats.org/officeDocument/2006/relationships" xmlns:p="http://schemas.openxmlformats.org/presentationml/2006/main">
+  <p:cSld>
+    <p:spTree>
+      <p:nvGrpSpPr>
+        <p:cNvPr id="1" name=""/>
+        <p:cNvGrpSpPr/>
+        <p:nvPr/>
+      </p:nvGrpSpPr>
+      <p:grpSpPr>
+        <a:xfrm>
+          <a:off x="0" y="0"/>
+          <a:ext cx="0" cy="0"/>
+          <a:chOff x="0" y="0"/>
+          <a:chExt cx="0" cy="0"/>
+        </a:xfrm>
+      </p:grpSpPr>
+      <p:sp>
+        <p:nvSpPr>
+          <p:cNvPr id="2" name="Titolo 1">
+            <a:extLst>
+              <a:ext uri="{FF2B5EF4-FFF2-40B4-BE49-F238E27FC236}">
+                <a16:creationId xmlns:a16="http://schemas.microsoft.com/office/drawing/2014/main" id="{D543EB8B-0AB9-7554-AEEA-E8D744959E9A}"/>
+              </a:ext>
+            </a:extLst>
+          </p:cNvPr>
+          <p:cNvSpPr>
+            <a:spLocks noGrp="1"/>
+          </p:cNvSpPr>
+          <p:nvPr>
+            <p:ph type="title"/>
+          </p:nvPr>
+        </p:nvSpPr>
+        <p:spPr>
+          <a:xfrm>
+            <a:off x="6889627" y="173736"/>
+            <a:ext cx="4352662" cy="2203704"/>
+          </a:xfrm>
+        </p:spPr>
+        <p:txBody>
+          <a:bodyPr rtlCol="0"/>
+          <a:lstStyle>
+            <a:defPPr>
+              <a:defRPr lang="it-IT"/>
+            </a:defPPr>
+          </a:lstStyle>
+          <a:p>
+            <a:pPr lvl="0" rtl="0"/>
+            <a:r>
+              <a:rPr lang="it-IT" noProof="0" dirty="0"/>
+              <a:t>IMPATTO COMUNICATIVO</a:t>
+            </a:r>
+          </a:p>
+        </p:txBody>
+      </p:sp>
+      <p:pic>
+        <p:nvPicPr>
+          <p:cNvPr id="6" name="Segnaposto immagine 5" descr="Spirale blu e viola">
+            <a:extLst>
+              <a:ext uri="{FF2B5EF4-FFF2-40B4-BE49-F238E27FC236}">
+                <a16:creationId xmlns:a16="http://schemas.microsoft.com/office/drawing/2014/main" id="{05B64636-376E-96D4-B550-D764B2C6A6A7}"/>
+              </a:ext>
+            </a:extLst>
+          </p:cNvPr>
+          <p:cNvPicPr>
+            <a:picLocks noGrp="1" noChangeAspect="1"/>
+          </p:cNvPicPr>
+          <p:nvPr>
+            <p:ph type="pic" sz="quarter" idx="37"/>
+          </p:nvPr>
+        </p:nvPicPr>
+        <p:blipFill rotWithShape="1">
+          <a:blip r:embed="rId3" cstate="screen">
+            <a:extLst>
+              <a:ext uri="{28A0092B-C50C-407E-A947-70E740481C1C}">
+                <a14:useLocalDpi xmlns:a14="http://schemas.microsoft.com/office/drawing/2010/main"/>
+              </a:ext>
+            </a:extLst>
+          </a:blip>
+          <a:srcRect t="202" b="202"/>
+          <a:stretch/>
+        </p:blipFill>
+        <p:spPr>
+          <a:xfrm>
+            <a:off x="336550" y="336550"/>
+            <a:ext cx="5303640" cy="6184900"/>
+          </a:xfrm>
+        </p:spPr>
+      </p:pic>
+      <p:sp>
+        <p:nvSpPr>
+          <p:cNvPr id="3" name="Segnaposto contenuto 2">
+            <a:extLst>
+              <a:ext uri="{FF2B5EF4-FFF2-40B4-BE49-F238E27FC236}">
+                <a16:creationId xmlns:a16="http://schemas.microsoft.com/office/drawing/2014/main" id="{FB2F5F9A-B16D-CA49-7F40-A0142E41DC56}"/>
+              </a:ext>
+            </a:extLst>
+          </p:cNvPr>
+          <p:cNvSpPr>
+            <a:spLocks noGrp="1"/>
+          </p:cNvSpPr>
+          <p:nvPr>
+            <p:ph sz="quarter" idx="36"/>
+          </p:nvPr>
+        </p:nvSpPr>
+        <p:spPr>
+          <a:xfrm>
+            <a:off x="6889627" y="3104277"/>
+            <a:ext cx="4371560" cy="3022201"/>
+          </a:xfrm>
+        </p:spPr>
+        <p:txBody>
+          <a:bodyPr rtlCol="0"/>
+          <a:lstStyle>
+            <a:defPPr>
+              <a:defRPr lang="it-IT"/>
+            </a:defPPr>
+          </a:lstStyle>
+          <a:p>
+            <a:pPr rtl="0"/>
+            <a:r>
+              <a:rPr lang="it-IT" dirty="0"/>
+              <a:t>La tua capacità di comunicare in modo efficace lascerà un impatto duraturo sul tuo pubblico</a:t>
+            </a:r>
+          </a:p>
+          <a:p>
+            <a:pPr rtl="0"/>
+            <a:r>
+              <a:rPr lang="it-IT" dirty="0"/>
+              <a:t>Comunicare in modo efficace significa non solo trasmettere un messaggio, ma anche entrare in risonanza con le esperienze, i valori e le emozioni di chi ascolta </a:t>
+            </a:r>
+          </a:p>
+        </p:txBody>
+      </p:sp>
+      <p:sp>
+        <p:nvSpPr>
+          <p:cNvPr id="4" name="Segnaposto numero diapositiva 3">
+            <a:extLst>
+              <a:ext uri="{FF2B5EF4-FFF2-40B4-BE49-F238E27FC236}">
+                <a16:creationId xmlns:a16="http://schemas.microsoft.com/office/drawing/2014/main" id="{921DB868-BEE2-49F7-9AC5-A3B143880250}"/>
+              </a:ext>
+            </a:extLst>
+          </p:cNvPr>
+          <p:cNvSpPr>
+            <a:spLocks noGrp="1"/>
+          </p:cNvSpPr>
+          <p:nvPr>
+            <p:ph type="sldNum" sz="quarter" idx="12"/>
+          </p:nvPr>
+        </p:nvSpPr>
+        <p:spPr>
+          <a:xfrm>
+            <a:off x="9140971" y="6226198"/>
+            <a:ext cx="2743200" cy="365125"/>
+          </a:xfrm>
+        </p:spPr>
+        <p:txBody>
+          <a:bodyPr rtlCol="0"/>
+          <a:lstStyle>
+            <a:defPPr>
+              <a:defRPr lang="it-IT"/>
+            </a:defPPr>
+          </a:lstStyle>
+          <a:p>
+            <a:pPr marL="0" marR="0" lvl="0" indent="0" algn="r" defTabSz="914400" rtl="0" eaLnBrk="1" fontAlgn="auto" latinLnBrk="0" hangingPunct="1">
+              <a:lnSpc>
+                <a:spcPct val="100000"/>
+              </a:lnSpc>
+              <a:spcBef>
+                <a:spcPts val="0"/>
+              </a:spcBef>
+              <a:spcAft>
+                <a:spcPts val="0"/>
+              </a:spcAft>
+              <a:buClrTx/>
+              <a:buSzTx/>
+              <a:buFontTx/>
+              <a:buNone/>
+              <a:tabLst/>
+              <a:defRPr/>
+            </a:pPr>
+            <a:fld id="{FE024F78-56A6-7740-B68D-8D4D026EDF3F}" type="slidenum">
+              <a:rPr kumimoji="0" lang="it-IT" sz="1200" b="0" i="0" u="none" strike="noStrike" kern="1200" cap="none" spc="0" normalizeH="0" baseline="0" noProof="0" smtClean="0">
+                <a:ln>
+                  <a:noFill/>
+                </a:ln>
+                <a:solidFill>
+                  <a:srgbClr val="FFFFFF"/>
+                </a:solidFill>
+                <a:effectLst/>
+                <a:uLnTx/>
+                <a:uFillTx/>
+                <a:latin typeface="Biome"/>
+                <a:ea typeface="+mn-ea"/>
+                <a:cs typeface="Biome" panose="020B0503030204020804" pitchFamily="34" charset="0"/>
+              </a:rPr>
+              <a:pPr marL="0" marR="0" lvl="0" indent="0" algn="r" defTabSz="914400" rtl="0" eaLnBrk="1" fontAlgn="auto" latinLnBrk="0" hangingPunct="1">
+                <a:lnSpc>
+                  <a:spcPct val="100000"/>
+                </a:lnSpc>
+                <a:spcBef>
+                  <a:spcPts val="0"/>
+                </a:spcBef>
+                <a:spcAft>
+                  <a:spcPts val="0"/>
+                </a:spcAft>
+                <a:buClrTx/>
+                <a:buSzTx/>
+                <a:buFontTx/>
+                <a:buNone/>
+                <a:tabLst/>
+                <a:defRPr/>
+              </a:pPr>
+              <a:t>8</a:t>
+            </a:fld>
+            <a:endParaRPr kumimoji="0" lang="it-IT" sz="1200" b="0" i="0" u="none" strike="noStrike" kern="1200" cap="none" spc="0" normalizeH="0" baseline="0" noProof="0" dirty="0">
+              <a:ln>
+                <a:noFill/>
+              </a:ln>
+              <a:solidFill>
+                <a:srgbClr val="FFFFFF"/>
+              </a:solidFill>
+              <a:effectLst/>
+              <a:uLnTx/>
+              <a:uFillTx/>
+              <a:latin typeface="Biome"/>
+              <a:ea typeface="+mn-ea"/>
+              <a:cs typeface="Biome" panose="020B0503030204020804" pitchFamily="34" charset="0"/>
+            </a:endParaRPr>
+          </a:p>
+        </p:txBody>
+      </p:sp>
+    </p:spTree>
+    <p:extLst>
+      <p:ext uri="{BB962C8B-B14F-4D97-AF65-F5344CB8AC3E}">
         <p14:creationId xmlns:p14="http://schemas.microsoft.com/office/powerpoint/2010/main" val="910315636"/>
       </p:ext>
     </p:extLst>
@@ -19807,7 +22631,7 @@
 </p:sld>
 </file>
 
-<file path=ppt/slides/slide8.xml><?xml version="1.0" encoding="utf-8"?>
+<file path=ppt/slides/slide9.xml><?xml version="1.0" encoding="utf-8"?>
 <p:sld xmlns:a="http://schemas.openxmlformats.org/drawingml/2006/main" xmlns:r="http://schemas.openxmlformats.org/officeDocument/2006/relationships" xmlns:p="http://schemas.openxmlformats.org/presentationml/2006/main">
   <p:cSld>
     <p:spTree>
@@ -22170,325 +24994,6 @@
 </p:sld>
 </file>
 
-<file path=ppt/slides/slide9.xml><?xml version="1.0" encoding="utf-8"?>
-<p:sld xmlns:a="http://schemas.openxmlformats.org/drawingml/2006/main" xmlns:r="http://schemas.openxmlformats.org/officeDocument/2006/relationships" xmlns:p="http://schemas.openxmlformats.org/presentationml/2006/main">
-  <p:cSld>
-    <p:spTree>
-      <p:nvGrpSpPr>
-        <p:cNvPr id="1" name=""/>
-        <p:cNvGrpSpPr/>
-        <p:nvPr/>
-      </p:nvGrpSpPr>
-      <p:grpSpPr>
-        <a:xfrm>
-          <a:off x="0" y="0"/>
-          <a:ext cx="0" cy="0"/>
-          <a:chOff x="0" y="0"/>
-          <a:chExt cx="0" cy="0"/>
-        </a:xfrm>
-      </p:grpSpPr>
-      <p:sp>
-        <p:nvSpPr>
-          <p:cNvPr id="2" name="Titolo 1">
-            <a:extLst>
-              <a:ext uri="{FF2B5EF4-FFF2-40B4-BE49-F238E27FC236}">
-                <a16:creationId xmlns:a16="http://schemas.microsoft.com/office/drawing/2014/main" id="{A2DE810E-8E37-1D8A-245B-020E4E4C0B9F}"/>
-              </a:ext>
-            </a:extLst>
-          </p:cNvPr>
-          <p:cNvSpPr>
-            <a:spLocks noGrp="1"/>
-          </p:cNvSpPr>
-          <p:nvPr>
-            <p:ph type="title"/>
-          </p:nvPr>
-        </p:nvSpPr>
-        <p:spPr>
-          <a:xfrm>
-            <a:off x="733562" y="433906"/>
-            <a:ext cx="10515601" cy="1327464"/>
-          </a:xfrm>
-        </p:spPr>
-        <p:txBody>
-          <a:bodyPr rtlCol="0"/>
-          <a:lstStyle>
-            <a:defPPr>
-              <a:defRPr lang="it-IT"/>
-            </a:defPPr>
-          </a:lstStyle>
-          <a:p>
-            <a:pPr rtl="0"/>
-            <a:r>
-              <a:rPr lang="it-IT"/>
-              <a:t>SUGGERIMENTI FINALI E CONSIDERAZIONI</a:t>
-            </a:r>
-          </a:p>
-        </p:txBody>
-      </p:sp>
-      <p:sp>
-        <p:nvSpPr>
-          <p:cNvPr id="3" name="Segnaposto contenuto 2">
-            <a:extLst>
-              <a:ext uri="{FF2B5EF4-FFF2-40B4-BE49-F238E27FC236}">
-                <a16:creationId xmlns:a16="http://schemas.microsoft.com/office/drawing/2014/main" id="{7D7CECA3-144C-CD4B-9246-81B4F2E65466}"/>
-              </a:ext>
-            </a:extLst>
-          </p:cNvPr>
-          <p:cNvSpPr>
-            <a:spLocks noGrp="1"/>
-          </p:cNvSpPr>
-          <p:nvPr>
-            <p:ph sz="quarter" idx="36"/>
-          </p:nvPr>
-        </p:nvSpPr>
-        <p:spPr>
-          <a:xfrm>
-            <a:off x="814302" y="2465535"/>
-            <a:ext cx="7303538" cy="3427265"/>
-          </a:xfrm>
-        </p:spPr>
-        <p:txBody>
-          <a:bodyPr rtlCol="0"/>
-          <a:lstStyle>
-            <a:defPPr>
-              <a:defRPr lang="it-IT"/>
-            </a:defPPr>
-          </a:lstStyle>
-          <a:p>
-            <a:pPr rtl="0"/>
-            <a:r>
-              <a:rPr lang="it-IT" dirty="0"/>
-              <a:t>Prove costanti</a:t>
-            </a:r>
-          </a:p>
-          <a:p>
-            <a:pPr lvl="1" rtl="0"/>
-            <a:r>
-              <a:rPr lang="it-IT" dirty="0"/>
-              <a:t>Rafforza la tua familiarità</a:t>
-            </a:r>
-          </a:p>
-          <a:p>
-            <a:pPr rtl="0"/>
-            <a:r>
-              <a:rPr lang="it-IT" dirty="0"/>
-              <a:t>Perfeziona il tuo stile di comunicazione</a:t>
-            </a:r>
-          </a:p>
-          <a:p>
-            <a:pPr lvl="1" rtl="0"/>
-            <a:r>
-              <a:rPr lang="it-IT" dirty="0"/>
-              <a:t>Ritmo, tono ed enfasi</a:t>
-            </a:r>
-          </a:p>
-          <a:p>
-            <a:pPr rtl="0"/>
-            <a:r>
-              <a:rPr lang="it-IT" dirty="0"/>
-              <a:t>Tempi e transizioni</a:t>
-            </a:r>
-          </a:p>
-          <a:p>
-            <a:pPr lvl="1" rtl="0"/>
-            <a:r>
-              <a:rPr lang="it-IT" dirty="0"/>
-              <a:t>Punta a una presentazione professionale e senza interruzioni</a:t>
-            </a:r>
-          </a:p>
-          <a:p>
-            <a:pPr rtl="0"/>
-            <a:r>
-              <a:rPr lang="it-IT" dirty="0"/>
-              <a:t>Gruppo di destinatari delle esercitazioni</a:t>
-            </a:r>
-          </a:p>
-          <a:p>
-            <a:pPr lvl="1" rtl="0"/>
-            <a:r>
-              <a:rPr lang="it-IT" dirty="0"/>
-              <a:t>Chiedi ai colleghi di ascoltarti e fornirti un feedback</a:t>
-            </a:r>
-          </a:p>
-        </p:txBody>
-      </p:sp>
-      <p:sp>
-        <p:nvSpPr>
-          <p:cNvPr id="5" name="Segnaposto contenuto 4">
-            <a:extLst>
-              <a:ext uri="{FF2B5EF4-FFF2-40B4-BE49-F238E27FC236}">
-                <a16:creationId xmlns:a16="http://schemas.microsoft.com/office/drawing/2014/main" id="{A33D1544-95D3-8A05-6E1B-C08C307C55D4}"/>
-              </a:ext>
-            </a:extLst>
-          </p:cNvPr>
-          <p:cNvSpPr>
-            <a:spLocks noGrp="1"/>
-          </p:cNvSpPr>
-          <p:nvPr>
-            <p:ph sz="quarter" idx="37"/>
-          </p:nvPr>
-        </p:nvSpPr>
-        <p:spPr>
-          <a:xfrm>
-            <a:off x="8392160" y="2465388"/>
-            <a:ext cx="2856865" cy="3427412"/>
-          </a:xfrm>
-        </p:spPr>
-        <p:txBody>
-          <a:bodyPr rtlCol="0"/>
-          <a:lstStyle>
-            <a:defPPr>
-              <a:defRPr lang="it-IT"/>
-            </a:defPPr>
-          </a:lstStyle>
-          <a:p>
-            <a:pPr rtl="0"/>
-            <a:r>
-              <a:rPr lang="it-IT" dirty="0"/>
-              <a:t>Richiedi un feedback</a:t>
-            </a:r>
-          </a:p>
-          <a:p>
-            <a:pPr rtl="0"/>
-            <a:r>
-              <a:rPr lang="it-IT" dirty="0"/>
-              <a:t>Rifletti sulle tue prestazioni</a:t>
-            </a:r>
-          </a:p>
-          <a:p>
-            <a:pPr rtl="0"/>
-            <a:r>
-              <a:rPr lang="it-IT" dirty="0"/>
-              <a:t>Esplora nuove tecniche</a:t>
-            </a:r>
-          </a:p>
-          <a:p>
-            <a:pPr rtl="0"/>
-            <a:r>
-              <a:rPr lang="it-IT" dirty="0"/>
-              <a:t>Imposta obiettivi personali</a:t>
-            </a:r>
-          </a:p>
-          <a:p>
-            <a:pPr rtl="0"/>
-            <a:r>
-              <a:rPr lang="it-IT" dirty="0"/>
-              <a:t>Ripeti e adatta</a:t>
-            </a:r>
-          </a:p>
-        </p:txBody>
-      </p:sp>
-      <p:sp>
-        <p:nvSpPr>
-          <p:cNvPr id="4" name="Segnaposto numero diapositiva 3">
-            <a:extLst>
-              <a:ext uri="{FF2B5EF4-FFF2-40B4-BE49-F238E27FC236}">
-                <a16:creationId xmlns:a16="http://schemas.microsoft.com/office/drawing/2014/main" id="{FD1E69EA-A9E8-C521-7C62-DA1F24879918}"/>
-              </a:ext>
-            </a:extLst>
-          </p:cNvPr>
-          <p:cNvSpPr>
-            <a:spLocks noGrp="1"/>
-          </p:cNvSpPr>
-          <p:nvPr>
-            <p:ph type="sldNum" sz="quarter" idx="12"/>
-          </p:nvPr>
-        </p:nvSpPr>
-        <p:spPr>
-          <a:xfrm>
-            <a:off x="9140971" y="6226198"/>
-            <a:ext cx="2743200" cy="365125"/>
-          </a:xfrm>
-        </p:spPr>
-        <p:txBody>
-          <a:bodyPr rtlCol="0"/>
-          <a:lstStyle>
-            <a:defPPr>
-              <a:defRPr lang="it-IT"/>
-            </a:defPPr>
-          </a:lstStyle>
-          <a:p>
-            <a:pPr marL="0" marR="0" lvl="0" indent="0" algn="r" defTabSz="914400" rtl="0" eaLnBrk="1" fontAlgn="auto" latinLnBrk="0" hangingPunct="1">
-              <a:lnSpc>
-                <a:spcPct val="100000"/>
-              </a:lnSpc>
-              <a:spcBef>
-                <a:spcPts val="0"/>
-              </a:spcBef>
-              <a:spcAft>
-                <a:spcPts val="0"/>
-              </a:spcAft>
-              <a:buClrTx/>
-              <a:buSzTx/>
-              <a:buFontTx/>
-              <a:buNone/>
-              <a:tabLst/>
-              <a:defRPr/>
-            </a:pPr>
-            <a:fld id="{FE024F78-56A6-7740-B68D-8D4D026EDF3F}" type="slidenum">
-              <a:rPr kumimoji="0" lang="it-IT" sz="1200" b="0" i="0" u="none" strike="noStrike" kern="1200" cap="none" spc="0" normalizeH="0" baseline="0" noProof="0" smtClean="0">
-                <a:ln>
-                  <a:noFill/>
-                </a:ln>
-                <a:solidFill>
-                  <a:srgbClr val="FFFFFF"/>
-                </a:solidFill>
-                <a:effectLst/>
-                <a:uLnTx/>
-                <a:uFillTx/>
-                <a:latin typeface="Biome"/>
-                <a:ea typeface="+mn-ea"/>
-                <a:cs typeface="Biome" panose="020B0503030204020804" pitchFamily="34" charset="0"/>
-              </a:rPr>
-              <a:pPr marL="0" marR="0" lvl="0" indent="0" algn="r" defTabSz="914400" rtl="0" eaLnBrk="1" fontAlgn="auto" latinLnBrk="0" hangingPunct="1">
-                <a:lnSpc>
-                  <a:spcPct val="100000"/>
-                </a:lnSpc>
-                <a:spcBef>
-                  <a:spcPts val="0"/>
-                </a:spcBef>
-                <a:spcAft>
-                  <a:spcPts val="0"/>
-                </a:spcAft>
-                <a:buClrTx/>
-                <a:buSzTx/>
-                <a:buFontTx/>
-                <a:buNone/>
-                <a:tabLst/>
-                <a:defRPr/>
-              </a:pPr>
-              <a:t>9</a:t>
-            </a:fld>
-            <a:endParaRPr kumimoji="0" lang="it-IT" sz="1200" b="0" i="0" u="none" strike="noStrike" kern="1200" cap="none" spc="0" normalizeH="0" baseline="0" noProof="0" dirty="0">
-              <a:ln>
-                <a:noFill/>
-              </a:ln>
-              <a:solidFill>
-                <a:srgbClr val="FFFFFF"/>
-              </a:solidFill>
-              <a:effectLst/>
-              <a:uLnTx/>
-              <a:uFillTx/>
-              <a:latin typeface="Biome"/>
-              <a:ea typeface="+mn-ea"/>
-              <a:cs typeface="Biome" panose="020B0503030204020804" pitchFamily="34" charset="0"/>
-            </a:endParaRPr>
-          </a:p>
-        </p:txBody>
-      </p:sp>
-    </p:spTree>
-    <p:extLst>
-      <p:ext uri="{BB962C8B-B14F-4D97-AF65-F5344CB8AC3E}">
-        <p14:creationId xmlns:p14="http://schemas.microsoft.com/office/powerpoint/2010/main" val="79695288"/>
-      </p:ext>
-    </p:extLst>
-  </p:cSld>
-  <p:clrMapOvr>
-    <a:masterClrMapping/>
-  </p:clrMapOvr>
-</p:sld>
-</file>
-
 <file path=ppt/theme/theme1.xml><?xml version="1.0" encoding="utf-8"?>
 <a:theme xmlns:a="http://schemas.openxmlformats.org/drawingml/2006/main" name="Tema di Office">
   <a:themeElements>

--- a/Presentazione Nebula16.pptx
+++ b/Presentazione Nebula16.pptx
@@ -6,7 +6,7 @@
     <p:sldMasterId id="2147483660" r:id="rId2"/>
   </p:sldMasterIdLst>
   <p:notesMasterIdLst>
-    <p:notesMasterId r:id="rId15"/>
+    <p:notesMasterId r:id="rId19"/>
   </p:notesMasterIdLst>
   <p:sldIdLst>
     <p:sldId id="342" r:id="rId3"/>
@@ -16,11 +16,15 @@
     <p:sldId id="376" r:id="rId7"/>
     <p:sldId id="382" r:id="rId8"/>
     <p:sldId id="377" r:id="rId9"/>
-    <p:sldId id="378" r:id="rId10"/>
-    <p:sldId id="379" r:id="rId11"/>
-    <p:sldId id="380" r:id="rId12"/>
-    <p:sldId id="381" r:id="rId13"/>
-    <p:sldId id="372" r:id="rId14"/>
+    <p:sldId id="383" r:id="rId10"/>
+    <p:sldId id="378" r:id="rId11"/>
+    <p:sldId id="384" r:id="rId12"/>
+    <p:sldId id="380" r:id="rId13"/>
+    <p:sldId id="385" r:id="rId14"/>
+    <p:sldId id="386" r:id="rId15"/>
+    <p:sldId id="379" r:id="rId16"/>
+    <p:sldId id="381" r:id="rId17"/>
+    <p:sldId id="372" r:id="rId18"/>
   </p:sldIdLst>
   <p:sldSz cx="12192000" cy="6858000"/>
   <p:notesSz cx="6858000" cy="9144000"/>
@@ -119,6 +123,11 @@
       </a:defRPr>
     </a:lvl9pPr>
   </p:defaultTextStyle>
+  <p:extLst>
+    <p:ext uri="{EFAFB233-063F-42B5-8137-9DF3F51BA10A}">
+      <p15:sldGuideLst xmlns:p15="http://schemas.microsoft.com/office/powerpoint/2012/main"/>
+    </p:ext>
+  </p:extLst>
 </p:presentation>
 </file>
 
@@ -204,7 +213,7 @@
           <a:p>
             <a:fld id="{239B8597-0BE9-4EC1-A089-7778E907C0F0}" type="datetimeFigureOut">
               <a:rPr lang="it-IT" smtClean="0"/>
-              <a:t>14/04/2025</a:t>
+              <a:t>15/04/2025</a:t>
             </a:fld>
             <a:endParaRPr lang="it-IT"/>
           </a:p>
@@ -629,7 +638,13 @@
   <p:cSld>
     <p:spTree>
       <p:nvGrpSpPr>
-        <p:cNvPr id="1" name=""/>
+        <p:cNvPr id="1" name="">
+          <a:extLst>
+            <a:ext uri="{FF2B5EF4-FFF2-40B4-BE49-F238E27FC236}">
+              <a16:creationId xmlns:a16="http://schemas.microsoft.com/office/drawing/2014/main" id="{D0549F6A-852C-F2DE-8C5D-39F0286FDF9B}"/>
+            </a:ext>
+          </a:extLst>
+        </p:cNvPr>
         <p:cNvGrpSpPr/>
         <p:nvPr/>
       </p:nvGrpSpPr>
@@ -643,7 +658,13 @@
       </p:grpSpPr>
       <p:sp>
         <p:nvSpPr>
-          <p:cNvPr id="2" name="Segnaposto immagine diapositiva 1"/>
+          <p:cNvPr id="2" name="Segnaposto immagine diapositiva 1">
+            <a:extLst>
+              <a:ext uri="{FF2B5EF4-FFF2-40B4-BE49-F238E27FC236}">
+                <a16:creationId xmlns:a16="http://schemas.microsoft.com/office/drawing/2014/main" id="{AEC2F6FB-14BE-D8AF-206E-51DBB9D1A91C}"/>
+              </a:ext>
+            </a:extLst>
+          </p:cNvPr>
           <p:cNvSpPr>
             <a:spLocks noGrp="1" noRot="1" noChangeAspect="1"/>
           </p:cNvSpPr>
@@ -655,7 +676,13 @@
       </p:sp>
       <p:sp>
         <p:nvSpPr>
-          <p:cNvPr id="3" name="Segnaposto note 2"/>
+          <p:cNvPr id="3" name="Segnaposto note 2">
+            <a:extLst>
+              <a:ext uri="{FF2B5EF4-FFF2-40B4-BE49-F238E27FC236}">
+                <a16:creationId xmlns:a16="http://schemas.microsoft.com/office/drawing/2014/main" id="{8774F217-4DB6-7ACF-4F5A-0A1E5750B49E}"/>
+              </a:ext>
+            </a:extLst>
+          </p:cNvPr>
           <p:cNvSpPr>
             <a:spLocks noGrp="1"/>
           </p:cNvSpPr>
@@ -679,7 +706,13 @@
       </p:sp>
       <p:sp>
         <p:nvSpPr>
-          <p:cNvPr id="4" name="Segnaposto numero diapositiva 3"/>
+          <p:cNvPr id="4" name="Segnaposto numero diapositiva 3">
+            <a:extLst>
+              <a:ext uri="{FF2B5EF4-FFF2-40B4-BE49-F238E27FC236}">
+                <a16:creationId xmlns:a16="http://schemas.microsoft.com/office/drawing/2014/main" id="{91386E30-CDD3-6856-1D7B-D7DBEB5B7113}"/>
+              </a:ext>
+            </a:extLst>
+          </p:cNvPr>
           <p:cNvSpPr>
             <a:spLocks noGrp="1"/>
           </p:cNvSpPr>
@@ -767,7 +800,7 @@
     </p:spTree>
     <p:extLst>
       <p:ext uri="{BB962C8B-B14F-4D97-AF65-F5344CB8AC3E}">
-        <p14:creationId xmlns:p14="http://schemas.microsoft.com/office/powerpoint/2010/main" val="839213642"/>
+        <p14:creationId xmlns:p14="http://schemas.microsoft.com/office/powerpoint/2010/main" val="3133350693"/>
       </p:ext>
     </p:extLst>
   </p:cSld>
@@ -920,7 +953,7 @@
     </p:spTree>
     <p:extLst>
       <p:ext uri="{BB962C8B-B14F-4D97-AF65-F5344CB8AC3E}">
-        <p14:creationId xmlns:p14="http://schemas.microsoft.com/office/powerpoint/2010/main" val="661510092"/>
+        <p14:creationId xmlns:p14="http://schemas.microsoft.com/office/powerpoint/2010/main" val="839213642"/>
       </p:ext>
     </p:extLst>
   </p:cSld>
@@ -935,7 +968,13 @@
   <p:cSld>
     <p:spTree>
       <p:nvGrpSpPr>
-        <p:cNvPr id="1" name=""/>
+        <p:cNvPr id="1" name="">
+          <a:extLst>
+            <a:ext uri="{FF2B5EF4-FFF2-40B4-BE49-F238E27FC236}">
+              <a16:creationId xmlns:a16="http://schemas.microsoft.com/office/drawing/2014/main" id="{31856EFA-E88C-AEC4-CA3A-7B3104D0FD9B}"/>
+            </a:ext>
+          </a:extLst>
+        </p:cNvPr>
         <p:cNvGrpSpPr/>
         <p:nvPr/>
       </p:nvGrpSpPr>
@@ -949,7 +988,13 @@
       </p:grpSpPr>
       <p:sp>
         <p:nvSpPr>
-          <p:cNvPr id="2" name="Segnaposto immagine diapositiva 1"/>
+          <p:cNvPr id="2" name="Segnaposto immagine diapositiva 1">
+            <a:extLst>
+              <a:ext uri="{FF2B5EF4-FFF2-40B4-BE49-F238E27FC236}">
+                <a16:creationId xmlns:a16="http://schemas.microsoft.com/office/drawing/2014/main" id="{22E1F06C-3EC0-4091-3B24-7404AFCD3DA8}"/>
+              </a:ext>
+            </a:extLst>
+          </p:cNvPr>
           <p:cNvSpPr>
             <a:spLocks noGrp="1" noRot="1" noChangeAspect="1"/>
           </p:cNvSpPr>
@@ -961,7 +1006,13 @@
       </p:sp>
       <p:sp>
         <p:nvSpPr>
-          <p:cNvPr id="3" name="Segnaposto note 2"/>
+          <p:cNvPr id="3" name="Segnaposto note 2">
+            <a:extLst>
+              <a:ext uri="{FF2B5EF4-FFF2-40B4-BE49-F238E27FC236}">
+                <a16:creationId xmlns:a16="http://schemas.microsoft.com/office/drawing/2014/main" id="{526C1698-3F8F-FA88-2AF9-501EC70C38E7}"/>
+              </a:ext>
+            </a:extLst>
+          </p:cNvPr>
           <p:cNvSpPr>
             <a:spLocks noGrp="1"/>
           </p:cNvSpPr>
@@ -985,7 +1036,13 @@
       </p:sp>
       <p:sp>
         <p:nvSpPr>
-          <p:cNvPr id="4" name="Segnaposto numero diapositiva 3"/>
+          <p:cNvPr id="4" name="Segnaposto numero diapositiva 3">
+            <a:extLst>
+              <a:ext uri="{FF2B5EF4-FFF2-40B4-BE49-F238E27FC236}">
+                <a16:creationId xmlns:a16="http://schemas.microsoft.com/office/drawing/2014/main" id="{E0AB97D8-AF04-4FE4-0826-9FC452FE5DD7}"/>
+              </a:ext>
+            </a:extLst>
+          </p:cNvPr>
           <p:cNvSpPr>
             <a:spLocks noGrp="1"/>
           </p:cNvSpPr>
@@ -1052,6 +1109,642 @@
                 <a:defRPr/>
               </a:pPr>
               <a:t>12</a:t>
+            </a:fld>
+            <a:endParaRPr kumimoji="0" lang="it-IT" sz="1200" b="0" i="0" u="none" strike="noStrike" kern="1200" cap="none" spc="0" normalizeH="0" baseline="0" noProof="0" dirty="0">
+              <a:ln>
+                <a:noFill/>
+              </a:ln>
+              <a:solidFill>
+                <a:prstClr val="black"/>
+              </a:solidFill>
+              <a:effectLst/>
+              <a:uLnTx/>
+              <a:uFillTx/>
+              <a:latin typeface="Calibri" panose="020F0502020204030204"/>
+              <a:ea typeface="+mn-ea"/>
+              <a:cs typeface="+mn-cs"/>
+            </a:endParaRPr>
+          </a:p>
+        </p:txBody>
+      </p:sp>
+    </p:spTree>
+    <p:extLst>
+      <p:ext uri="{BB962C8B-B14F-4D97-AF65-F5344CB8AC3E}">
+        <p14:creationId xmlns:p14="http://schemas.microsoft.com/office/powerpoint/2010/main" val="3094051970"/>
+      </p:ext>
+    </p:extLst>
+  </p:cSld>
+  <p:clrMapOvr>
+    <a:masterClrMapping/>
+  </p:clrMapOvr>
+</p:notes>
+</file>
+
+<file path=ppt/notesSlides/notesSlide13.xml><?xml version="1.0" encoding="utf-8"?>
+<p:notes xmlns:a="http://schemas.openxmlformats.org/drawingml/2006/main" xmlns:r="http://schemas.openxmlformats.org/officeDocument/2006/relationships" xmlns:p="http://schemas.openxmlformats.org/presentationml/2006/main">
+  <p:cSld>
+    <p:spTree>
+      <p:nvGrpSpPr>
+        <p:cNvPr id="1" name="">
+          <a:extLst>
+            <a:ext uri="{FF2B5EF4-FFF2-40B4-BE49-F238E27FC236}">
+              <a16:creationId xmlns:a16="http://schemas.microsoft.com/office/drawing/2014/main" id="{A2E6885C-559A-F461-BD3B-90198A541BBB}"/>
+            </a:ext>
+          </a:extLst>
+        </p:cNvPr>
+        <p:cNvGrpSpPr/>
+        <p:nvPr/>
+      </p:nvGrpSpPr>
+      <p:grpSpPr>
+        <a:xfrm>
+          <a:off x="0" y="0"/>
+          <a:ext cx="0" cy="0"/>
+          <a:chOff x="0" y="0"/>
+          <a:chExt cx="0" cy="0"/>
+        </a:xfrm>
+      </p:grpSpPr>
+      <p:sp>
+        <p:nvSpPr>
+          <p:cNvPr id="2" name="Segnaposto immagine diapositiva 1">
+            <a:extLst>
+              <a:ext uri="{FF2B5EF4-FFF2-40B4-BE49-F238E27FC236}">
+                <a16:creationId xmlns:a16="http://schemas.microsoft.com/office/drawing/2014/main" id="{4BF93D9D-CCCB-EC9C-383D-5FF6910DA2F9}"/>
+              </a:ext>
+            </a:extLst>
+          </p:cNvPr>
+          <p:cNvSpPr>
+            <a:spLocks noGrp="1" noRot="1" noChangeAspect="1"/>
+          </p:cNvSpPr>
+          <p:nvPr>
+            <p:ph type="sldImg"/>
+          </p:nvPr>
+        </p:nvSpPr>
+        <p:spPr/>
+      </p:sp>
+      <p:sp>
+        <p:nvSpPr>
+          <p:cNvPr id="3" name="Segnaposto note 2">
+            <a:extLst>
+              <a:ext uri="{FF2B5EF4-FFF2-40B4-BE49-F238E27FC236}">
+                <a16:creationId xmlns:a16="http://schemas.microsoft.com/office/drawing/2014/main" id="{30BA4FB7-20F8-44B0-A8CD-B61ADF06DDB6}"/>
+              </a:ext>
+            </a:extLst>
+          </p:cNvPr>
+          <p:cNvSpPr>
+            <a:spLocks noGrp="1"/>
+          </p:cNvSpPr>
+          <p:nvPr>
+            <p:ph type="body" idx="1"/>
+          </p:nvPr>
+        </p:nvSpPr>
+        <p:spPr/>
+        <p:txBody>
+          <a:bodyPr rtlCol="0"/>
+          <a:lstStyle>
+            <a:defPPr>
+              <a:defRPr lang="it-IT"/>
+            </a:defPPr>
+          </a:lstStyle>
+          <a:p>
+            <a:pPr rtl="0"/>
+            <a:endParaRPr lang="it-IT" dirty="0"/>
+          </a:p>
+        </p:txBody>
+      </p:sp>
+      <p:sp>
+        <p:nvSpPr>
+          <p:cNvPr id="4" name="Segnaposto numero diapositiva 3">
+            <a:extLst>
+              <a:ext uri="{FF2B5EF4-FFF2-40B4-BE49-F238E27FC236}">
+                <a16:creationId xmlns:a16="http://schemas.microsoft.com/office/drawing/2014/main" id="{5A30DEE2-2180-E898-F118-DF232D2B1C00}"/>
+              </a:ext>
+            </a:extLst>
+          </p:cNvPr>
+          <p:cNvSpPr>
+            <a:spLocks noGrp="1"/>
+          </p:cNvSpPr>
+          <p:nvPr>
+            <p:ph type="sldNum" sz="quarter" idx="5"/>
+          </p:nvPr>
+        </p:nvSpPr>
+        <p:spPr/>
+        <p:txBody>
+          <a:bodyPr rtlCol="0"/>
+          <a:lstStyle>
+            <a:defPPr>
+              <a:defRPr lang="it-IT"/>
+            </a:defPPr>
+          </a:lstStyle>
+          <a:p>
+            <a:pPr marL="0" marR="0" lvl="0" indent="0" algn="r" defTabSz="914400" rtl="0" eaLnBrk="1" fontAlgn="auto" latinLnBrk="0" hangingPunct="1">
+              <a:lnSpc>
+                <a:spcPct val="100000"/>
+              </a:lnSpc>
+              <a:spcBef>
+                <a:spcPts val="0"/>
+              </a:spcBef>
+              <a:spcAft>
+                <a:spcPts val="0"/>
+              </a:spcAft>
+              <a:buClrTx/>
+              <a:buSzTx/>
+              <a:buFontTx/>
+              <a:buNone/>
+              <a:tabLst/>
+              <a:defRPr/>
+            </a:pPr>
+            <a:fld id="{DEF75CB5-5666-5049-9AE0-38EFD385C21E}" type="slidenum">
+              <a:rPr kumimoji="0" lang="it-IT" sz="1200" b="0" i="0" u="none" strike="noStrike" kern="1200" cap="none" spc="0" normalizeH="0" baseline="0" noProof="0" smtClean="0">
+                <a:ln>
+                  <a:noFill/>
+                </a:ln>
+                <a:solidFill>
+                  <a:prstClr val="black"/>
+                </a:solidFill>
+                <a:effectLst/>
+                <a:uLnTx/>
+                <a:uFillTx/>
+                <a:latin typeface="Calibri" panose="020F0502020204030204"/>
+                <a:ea typeface="+mn-ea"/>
+                <a:cs typeface="+mn-cs"/>
+              </a:rPr>
+              <a:pPr marL="0" marR="0" lvl="0" indent="0" algn="r" defTabSz="914400" rtl="0" eaLnBrk="1" fontAlgn="auto" latinLnBrk="0" hangingPunct="1">
+                <a:lnSpc>
+                  <a:spcPct val="100000"/>
+                </a:lnSpc>
+                <a:spcBef>
+                  <a:spcPts val="0"/>
+                </a:spcBef>
+                <a:spcAft>
+                  <a:spcPts val="0"/>
+                </a:spcAft>
+                <a:buClrTx/>
+                <a:buSzTx/>
+                <a:buFontTx/>
+                <a:buNone/>
+                <a:tabLst/>
+                <a:defRPr/>
+              </a:pPr>
+              <a:t>13</a:t>
+            </a:fld>
+            <a:endParaRPr kumimoji="0" lang="it-IT" sz="1200" b="0" i="0" u="none" strike="noStrike" kern="1200" cap="none" spc="0" normalizeH="0" baseline="0" noProof="0" dirty="0">
+              <a:ln>
+                <a:noFill/>
+              </a:ln>
+              <a:solidFill>
+                <a:prstClr val="black"/>
+              </a:solidFill>
+              <a:effectLst/>
+              <a:uLnTx/>
+              <a:uFillTx/>
+              <a:latin typeface="Calibri" panose="020F0502020204030204"/>
+              <a:ea typeface="+mn-ea"/>
+              <a:cs typeface="+mn-cs"/>
+            </a:endParaRPr>
+          </a:p>
+        </p:txBody>
+      </p:sp>
+    </p:spTree>
+    <p:extLst>
+      <p:ext uri="{BB962C8B-B14F-4D97-AF65-F5344CB8AC3E}">
+        <p14:creationId xmlns:p14="http://schemas.microsoft.com/office/powerpoint/2010/main" val="4038464611"/>
+      </p:ext>
+    </p:extLst>
+  </p:cSld>
+  <p:clrMapOvr>
+    <a:masterClrMapping/>
+  </p:clrMapOvr>
+</p:notes>
+</file>
+
+<file path=ppt/notesSlides/notesSlide14.xml><?xml version="1.0" encoding="utf-8"?>
+<p:notes xmlns:a="http://schemas.openxmlformats.org/drawingml/2006/main" xmlns:r="http://schemas.openxmlformats.org/officeDocument/2006/relationships" xmlns:p="http://schemas.openxmlformats.org/presentationml/2006/main">
+  <p:cSld>
+    <p:spTree>
+      <p:nvGrpSpPr>
+        <p:cNvPr id="1" name=""/>
+        <p:cNvGrpSpPr/>
+        <p:nvPr/>
+      </p:nvGrpSpPr>
+      <p:grpSpPr>
+        <a:xfrm>
+          <a:off x="0" y="0"/>
+          <a:ext cx="0" cy="0"/>
+          <a:chOff x="0" y="0"/>
+          <a:chExt cx="0" cy="0"/>
+        </a:xfrm>
+      </p:grpSpPr>
+      <p:sp>
+        <p:nvSpPr>
+          <p:cNvPr id="2" name="Segnaposto immagine diapositiva 1"/>
+          <p:cNvSpPr>
+            <a:spLocks noGrp="1" noRot="1" noChangeAspect="1"/>
+          </p:cNvSpPr>
+          <p:nvPr>
+            <p:ph type="sldImg"/>
+          </p:nvPr>
+        </p:nvSpPr>
+        <p:spPr/>
+      </p:sp>
+      <p:sp>
+        <p:nvSpPr>
+          <p:cNvPr id="3" name="Segnaposto note 2"/>
+          <p:cNvSpPr>
+            <a:spLocks noGrp="1"/>
+          </p:cNvSpPr>
+          <p:nvPr>
+            <p:ph type="body" idx="1"/>
+          </p:nvPr>
+        </p:nvSpPr>
+        <p:spPr/>
+        <p:txBody>
+          <a:bodyPr rtlCol="0"/>
+          <a:lstStyle>
+            <a:defPPr>
+              <a:defRPr lang="it-IT"/>
+            </a:defPPr>
+          </a:lstStyle>
+          <a:p>
+            <a:pPr rtl="0"/>
+            <a:endParaRPr lang="it-IT" dirty="0"/>
+          </a:p>
+        </p:txBody>
+      </p:sp>
+      <p:sp>
+        <p:nvSpPr>
+          <p:cNvPr id="4" name="Segnaposto numero diapositiva 3"/>
+          <p:cNvSpPr>
+            <a:spLocks noGrp="1"/>
+          </p:cNvSpPr>
+          <p:nvPr>
+            <p:ph type="sldNum" sz="quarter" idx="5"/>
+          </p:nvPr>
+        </p:nvSpPr>
+        <p:spPr/>
+        <p:txBody>
+          <a:bodyPr rtlCol="0"/>
+          <a:lstStyle>
+            <a:defPPr>
+              <a:defRPr lang="it-IT"/>
+            </a:defPPr>
+          </a:lstStyle>
+          <a:p>
+            <a:pPr marL="0" marR="0" lvl="0" indent="0" algn="r" defTabSz="914400" rtl="0" eaLnBrk="1" fontAlgn="auto" latinLnBrk="0" hangingPunct="1">
+              <a:lnSpc>
+                <a:spcPct val="100000"/>
+              </a:lnSpc>
+              <a:spcBef>
+                <a:spcPts val="0"/>
+              </a:spcBef>
+              <a:spcAft>
+                <a:spcPts val="0"/>
+              </a:spcAft>
+              <a:buClrTx/>
+              <a:buSzTx/>
+              <a:buFontTx/>
+              <a:buNone/>
+              <a:tabLst/>
+              <a:defRPr/>
+            </a:pPr>
+            <a:fld id="{DEF75CB5-5666-5049-9AE0-38EFD385C21E}" type="slidenum">
+              <a:rPr kumimoji="0" lang="it-IT" sz="1200" b="0" i="0" u="none" strike="noStrike" kern="1200" cap="none" spc="0" normalizeH="0" baseline="0" noProof="0" smtClean="0">
+                <a:ln>
+                  <a:noFill/>
+                </a:ln>
+                <a:solidFill>
+                  <a:prstClr val="black"/>
+                </a:solidFill>
+                <a:effectLst/>
+                <a:uLnTx/>
+                <a:uFillTx/>
+                <a:latin typeface="Calibri" panose="020F0502020204030204"/>
+                <a:ea typeface="+mn-ea"/>
+                <a:cs typeface="+mn-cs"/>
+              </a:rPr>
+              <a:pPr marL="0" marR="0" lvl="0" indent="0" algn="r" defTabSz="914400" rtl="0" eaLnBrk="1" fontAlgn="auto" latinLnBrk="0" hangingPunct="1">
+                <a:lnSpc>
+                  <a:spcPct val="100000"/>
+                </a:lnSpc>
+                <a:spcBef>
+                  <a:spcPts val="0"/>
+                </a:spcBef>
+                <a:spcAft>
+                  <a:spcPts val="0"/>
+                </a:spcAft>
+                <a:buClrTx/>
+                <a:buSzTx/>
+                <a:buFontTx/>
+                <a:buNone/>
+                <a:tabLst/>
+                <a:defRPr/>
+              </a:pPr>
+              <a:t>14</a:t>
+            </a:fld>
+            <a:endParaRPr kumimoji="0" lang="it-IT" sz="1200" b="0" i="0" u="none" strike="noStrike" kern="1200" cap="none" spc="0" normalizeH="0" baseline="0" noProof="0" dirty="0">
+              <a:ln>
+                <a:noFill/>
+              </a:ln>
+              <a:solidFill>
+                <a:prstClr val="black"/>
+              </a:solidFill>
+              <a:effectLst/>
+              <a:uLnTx/>
+              <a:uFillTx/>
+              <a:latin typeface="Calibri" panose="020F0502020204030204"/>
+              <a:ea typeface="+mn-ea"/>
+              <a:cs typeface="+mn-cs"/>
+            </a:endParaRPr>
+          </a:p>
+        </p:txBody>
+      </p:sp>
+    </p:spTree>
+    <p:extLst>
+      <p:ext uri="{BB962C8B-B14F-4D97-AF65-F5344CB8AC3E}">
+        <p14:creationId xmlns:p14="http://schemas.microsoft.com/office/powerpoint/2010/main" val="178419945"/>
+      </p:ext>
+    </p:extLst>
+  </p:cSld>
+  <p:clrMapOvr>
+    <a:masterClrMapping/>
+  </p:clrMapOvr>
+</p:notes>
+</file>
+
+<file path=ppt/notesSlides/notesSlide15.xml><?xml version="1.0" encoding="utf-8"?>
+<p:notes xmlns:a="http://schemas.openxmlformats.org/drawingml/2006/main" xmlns:r="http://schemas.openxmlformats.org/officeDocument/2006/relationships" xmlns:p="http://schemas.openxmlformats.org/presentationml/2006/main">
+  <p:cSld>
+    <p:spTree>
+      <p:nvGrpSpPr>
+        <p:cNvPr id="1" name=""/>
+        <p:cNvGrpSpPr/>
+        <p:nvPr/>
+      </p:nvGrpSpPr>
+      <p:grpSpPr>
+        <a:xfrm>
+          <a:off x="0" y="0"/>
+          <a:ext cx="0" cy="0"/>
+          <a:chOff x="0" y="0"/>
+          <a:chExt cx="0" cy="0"/>
+        </a:xfrm>
+      </p:grpSpPr>
+      <p:sp>
+        <p:nvSpPr>
+          <p:cNvPr id="2" name="Segnaposto immagine diapositiva 1"/>
+          <p:cNvSpPr>
+            <a:spLocks noGrp="1" noRot="1" noChangeAspect="1"/>
+          </p:cNvSpPr>
+          <p:nvPr>
+            <p:ph type="sldImg"/>
+          </p:nvPr>
+        </p:nvSpPr>
+        <p:spPr/>
+      </p:sp>
+      <p:sp>
+        <p:nvSpPr>
+          <p:cNvPr id="3" name="Segnaposto note 2"/>
+          <p:cNvSpPr>
+            <a:spLocks noGrp="1"/>
+          </p:cNvSpPr>
+          <p:nvPr>
+            <p:ph type="body" idx="1"/>
+          </p:nvPr>
+        </p:nvSpPr>
+        <p:spPr/>
+        <p:txBody>
+          <a:bodyPr rtlCol="0"/>
+          <a:lstStyle>
+            <a:defPPr>
+              <a:defRPr lang="it-IT"/>
+            </a:defPPr>
+          </a:lstStyle>
+          <a:p>
+            <a:pPr rtl="0"/>
+            <a:endParaRPr lang="it-IT" dirty="0"/>
+          </a:p>
+        </p:txBody>
+      </p:sp>
+      <p:sp>
+        <p:nvSpPr>
+          <p:cNvPr id="4" name="Segnaposto numero diapositiva 3"/>
+          <p:cNvSpPr>
+            <a:spLocks noGrp="1"/>
+          </p:cNvSpPr>
+          <p:nvPr>
+            <p:ph type="sldNum" sz="quarter" idx="5"/>
+          </p:nvPr>
+        </p:nvSpPr>
+        <p:spPr/>
+        <p:txBody>
+          <a:bodyPr rtlCol="0"/>
+          <a:lstStyle>
+            <a:defPPr>
+              <a:defRPr lang="it-IT"/>
+            </a:defPPr>
+          </a:lstStyle>
+          <a:p>
+            <a:pPr marL="0" marR="0" lvl="0" indent="0" algn="r" defTabSz="914400" rtl="0" eaLnBrk="1" fontAlgn="auto" latinLnBrk="0" hangingPunct="1">
+              <a:lnSpc>
+                <a:spcPct val="100000"/>
+              </a:lnSpc>
+              <a:spcBef>
+                <a:spcPts val="0"/>
+              </a:spcBef>
+              <a:spcAft>
+                <a:spcPts val="0"/>
+              </a:spcAft>
+              <a:buClrTx/>
+              <a:buSzTx/>
+              <a:buFontTx/>
+              <a:buNone/>
+              <a:tabLst/>
+              <a:defRPr/>
+            </a:pPr>
+            <a:fld id="{DEF75CB5-5666-5049-9AE0-38EFD385C21E}" type="slidenum">
+              <a:rPr kumimoji="0" lang="it-IT" sz="1200" b="0" i="0" u="none" strike="noStrike" kern="1200" cap="none" spc="0" normalizeH="0" baseline="0" noProof="0" smtClean="0">
+                <a:ln>
+                  <a:noFill/>
+                </a:ln>
+                <a:solidFill>
+                  <a:prstClr val="black"/>
+                </a:solidFill>
+                <a:effectLst/>
+                <a:uLnTx/>
+                <a:uFillTx/>
+                <a:latin typeface="Calibri" panose="020F0502020204030204"/>
+                <a:ea typeface="+mn-ea"/>
+                <a:cs typeface="+mn-cs"/>
+              </a:rPr>
+              <a:pPr marL="0" marR="0" lvl="0" indent="0" algn="r" defTabSz="914400" rtl="0" eaLnBrk="1" fontAlgn="auto" latinLnBrk="0" hangingPunct="1">
+                <a:lnSpc>
+                  <a:spcPct val="100000"/>
+                </a:lnSpc>
+                <a:spcBef>
+                  <a:spcPts val="0"/>
+                </a:spcBef>
+                <a:spcAft>
+                  <a:spcPts val="0"/>
+                </a:spcAft>
+                <a:buClrTx/>
+                <a:buSzTx/>
+                <a:buFontTx/>
+                <a:buNone/>
+                <a:tabLst/>
+                <a:defRPr/>
+              </a:pPr>
+              <a:t>15</a:t>
+            </a:fld>
+            <a:endParaRPr kumimoji="0" lang="it-IT" sz="1200" b="0" i="0" u="none" strike="noStrike" kern="1200" cap="none" spc="0" normalizeH="0" baseline="0" noProof="0" dirty="0">
+              <a:ln>
+                <a:noFill/>
+              </a:ln>
+              <a:solidFill>
+                <a:prstClr val="black"/>
+              </a:solidFill>
+              <a:effectLst/>
+              <a:uLnTx/>
+              <a:uFillTx/>
+              <a:latin typeface="Calibri" panose="020F0502020204030204"/>
+              <a:ea typeface="+mn-ea"/>
+              <a:cs typeface="+mn-cs"/>
+            </a:endParaRPr>
+          </a:p>
+        </p:txBody>
+      </p:sp>
+    </p:spTree>
+    <p:extLst>
+      <p:ext uri="{BB962C8B-B14F-4D97-AF65-F5344CB8AC3E}">
+        <p14:creationId xmlns:p14="http://schemas.microsoft.com/office/powerpoint/2010/main" val="661510092"/>
+      </p:ext>
+    </p:extLst>
+  </p:cSld>
+  <p:clrMapOvr>
+    <a:masterClrMapping/>
+  </p:clrMapOvr>
+</p:notes>
+</file>
+
+<file path=ppt/notesSlides/notesSlide16.xml><?xml version="1.0" encoding="utf-8"?>
+<p:notes xmlns:a="http://schemas.openxmlformats.org/drawingml/2006/main" xmlns:r="http://schemas.openxmlformats.org/officeDocument/2006/relationships" xmlns:p="http://schemas.openxmlformats.org/presentationml/2006/main">
+  <p:cSld>
+    <p:spTree>
+      <p:nvGrpSpPr>
+        <p:cNvPr id="1" name=""/>
+        <p:cNvGrpSpPr/>
+        <p:nvPr/>
+      </p:nvGrpSpPr>
+      <p:grpSpPr>
+        <a:xfrm>
+          <a:off x="0" y="0"/>
+          <a:ext cx="0" cy="0"/>
+          <a:chOff x="0" y="0"/>
+          <a:chExt cx="0" cy="0"/>
+        </a:xfrm>
+      </p:grpSpPr>
+      <p:sp>
+        <p:nvSpPr>
+          <p:cNvPr id="2" name="Segnaposto immagine diapositiva 1"/>
+          <p:cNvSpPr>
+            <a:spLocks noGrp="1" noRot="1" noChangeAspect="1"/>
+          </p:cNvSpPr>
+          <p:nvPr>
+            <p:ph type="sldImg"/>
+          </p:nvPr>
+        </p:nvSpPr>
+        <p:spPr/>
+      </p:sp>
+      <p:sp>
+        <p:nvSpPr>
+          <p:cNvPr id="3" name="Segnaposto note 2"/>
+          <p:cNvSpPr>
+            <a:spLocks noGrp="1"/>
+          </p:cNvSpPr>
+          <p:nvPr>
+            <p:ph type="body" idx="1"/>
+          </p:nvPr>
+        </p:nvSpPr>
+        <p:spPr/>
+        <p:txBody>
+          <a:bodyPr rtlCol="0"/>
+          <a:lstStyle>
+            <a:defPPr>
+              <a:defRPr lang="it-IT"/>
+            </a:defPPr>
+          </a:lstStyle>
+          <a:p>
+            <a:pPr rtl="0"/>
+            <a:endParaRPr lang="it-IT" dirty="0"/>
+          </a:p>
+        </p:txBody>
+      </p:sp>
+      <p:sp>
+        <p:nvSpPr>
+          <p:cNvPr id="4" name="Segnaposto numero diapositiva 3"/>
+          <p:cNvSpPr>
+            <a:spLocks noGrp="1"/>
+          </p:cNvSpPr>
+          <p:nvPr>
+            <p:ph type="sldNum" sz="quarter" idx="5"/>
+          </p:nvPr>
+        </p:nvSpPr>
+        <p:spPr/>
+        <p:txBody>
+          <a:bodyPr rtlCol="0"/>
+          <a:lstStyle>
+            <a:defPPr>
+              <a:defRPr lang="it-IT"/>
+            </a:defPPr>
+          </a:lstStyle>
+          <a:p>
+            <a:pPr marL="0" marR="0" lvl="0" indent="0" algn="r" defTabSz="914400" rtl="0" eaLnBrk="1" fontAlgn="auto" latinLnBrk="0" hangingPunct="1">
+              <a:lnSpc>
+                <a:spcPct val="100000"/>
+              </a:lnSpc>
+              <a:spcBef>
+                <a:spcPts val="0"/>
+              </a:spcBef>
+              <a:spcAft>
+                <a:spcPts val="0"/>
+              </a:spcAft>
+              <a:buClrTx/>
+              <a:buSzTx/>
+              <a:buFontTx/>
+              <a:buNone/>
+              <a:tabLst/>
+              <a:defRPr/>
+            </a:pPr>
+            <a:fld id="{DEF75CB5-5666-5049-9AE0-38EFD385C21E}" type="slidenum">
+              <a:rPr kumimoji="0" lang="it-IT" sz="1200" b="0" i="0" u="none" strike="noStrike" kern="1200" cap="none" spc="0" normalizeH="0" baseline="0" noProof="0" smtClean="0">
+                <a:ln>
+                  <a:noFill/>
+                </a:ln>
+                <a:solidFill>
+                  <a:prstClr val="black"/>
+                </a:solidFill>
+                <a:effectLst/>
+                <a:uLnTx/>
+                <a:uFillTx/>
+                <a:latin typeface="Calibri" panose="020F0502020204030204"/>
+                <a:ea typeface="+mn-ea"/>
+                <a:cs typeface="+mn-cs"/>
+              </a:rPr>
+              <a:pPr marL="0" marR="0" lvl="0" indent="0" algn="r" defTabSz="914400" rtl="0" eaLnBrk="1" fontAlgn="auto" latinLnBrk="0" hangingPunct="1">
+                <a:lnSpc>
+                  <a:spcPct val="100000"/>
+                </a:lnSpc>
+                <a:spcBef>
+                  <a:spcPts val="0"/>
+                </a:spcBef>
+                <a:spcAft>
+                  <a:spcPts val="0"/>
+                </a:spcAft>
+                <a:buClrTx/>
+                <a:buSzTx/>
+                <a:buFontTx/>
+                <a:buNone/>
+                <a:tabLst/>
+                <a:defRPr/>
+              </a:pPr>
+              <a:t>16</a:t>
             </a:fld>
             <a:endParaRPr kumimoji="0" lang="it-IT" sz="1200" b="0" i="0" u="none" strike="noStrike" kern="1200" cap="none" spc="0" normalizeH="0" baseline="0" noProof="0" dirty="0">
               <a:ln>
@@ -2030,7 +2723,13 @@
   <p:cSld>
     <p:spTree>
       <p:nvGrpSpPr>
-        <p:cNvPr id="1" name=""/>
+        <p:cNvPr id="1" name="">
+          <a:extLst>
+            <a:ext uri="{FF2B5EF4-FFF2-40B4-BE49-F238E27FC236}">
+              <a16:creationId xmlns:a16="http://schemas.microsoft.com/office/drawing/2014/main" id="{8E60BC8F-3CFF-0C90-6B76-FA511C9E0C92}"/>
+            </a:ext>
+          </a:extLst>
+        </p:cNvPr>
         <p:cNvGrpSpPr/>
         <p:nvPr/>
       </p:nvGrpSpPr>
@@ -2044,7 +2743,13 @@
       </p:grpSpPr>
       <p:sp>
         <p:nvSpPr>
-          <p:cNvPr id="2" name="Segnaposto immagine diapositiva 1"/>
+          <p:cNvPr id="2" name="Segnaposto immagine diapositiva 1">
+            <a:extLst>
+              <a:ext uri="{FF2B5EF4-FFF2-40B4-BE49-F238E27FC236}">
+                <a16:creationId xmlns:a16="http://schemas.microsoft.com/office/drawing/2014/main" id="{AF91FD72-17BD-0F6B-5697-A20F73DE450C}"/>
+              </a:ext>
+            </a:extLst>
+          </p:cNvPr>
           <p:cNvSpPr>
             <a:spLocks noGrp="1" noRot="1" noChangeAspect="1"/>
           </p:cNvSpPr>
@@ -2056,7 +2761,13 @@
       </p:sp>
       <p:sp>
         <p:nvSpPr>
-          <p:cNvPr id="3" name="Segnaposto note 2"/>
+          <p:cNvPr id="3" name="Segnaposto note 2">
+            <a:extLst>
+              <a:ext uri="{FF2B5EF4-FFF2-40B4-BE49-F238E27FC236}">
+                <a16:creationId xmlns:a16="http://schemas.microsoft.com/office/drawing/2014/main" id="{61F895C6-C5C8-F760-64C3-17D108A24404}"/>
+              </a:ext>
+            </a:extLst>
+          </p:cNvPr>
           <p:cNvSpPr>
             <a:spLocks noGrp="1"/>
           </p:cNvSpPr>
@@ -2080,7 +2791,13 @@
       </p:sp>
       <p:sp>
         <p:nvSpPr>
-          <p:cNvPr id="4" name="Segnaposto numero diapositiva 3"/>
+          <p:cNvPr id="4" name="Segnaposto numero diapositiva 3">
+            <a:extLst>
+              <a:ext uri="{FF2B5EF4-FFF2-40B4-BE49-F238E27FC236}">
+                <a16:creationId xmlns:a16="http://schemas.microsoft.com/office/drawing/2014/main" id="{6F99089F-8EBF-E600-7F2A-128498FA4497}"/>
+              </a:ext>
+            </a:extLst>
+          </p:cNvPr>
           <p:cNvSpPr>
             <a:spLocks noGrp="1"/>
           </p:cNvSpPr>
@@ -2168,7 +2885,7 @@
     </p:spTree>
     <p:extLst>
       <p:ext uri="{BB962C8B-B14F-4D97-AF65-F5344CB8AC3E}">
-        <p14:creationId xmlns:p14="http://schemas.microsoft.com/office/powerpoint/2010/main" val="3765125580"/>
+        <p14:creationId xmlns:p14="http://schemas.microsoft.com/office/powerpoint/2010/main" val="115908611"/>
       </p:ext>
     </p:extLst>
   </p:cSld>
@@ -2321,7 +3038,7 @@
     </p:spTree>
     <p:extLst>
       <p:ext uri="{BB962C8B-B14F-4D97-AF65-F5344CB8AC3E}">
-        <p14:creationId xmlns:p14="http://schemas.microsoft.com/office/powerpoint/2010/main" val="178419945"/>
+        <p14:creationId xmlns:p14="http://schemas.microsoft.com/office/powerpoint/2010/main" val="3765125580"/>
       </p:ext>
     </p:extLst>
   </p:cSld>
@@ -2478,7 +3195,7 @@
           <a:p>
             <a:fld id="{A68DA405-31E9-44C3-A33B-013AC39763DD}" type="datetimeFigureOut">
               <a:rPr lang="it-IT" smtClean="0"/>
-              <a:t>14/04/2025</a:t>
+              <a:t>15/04/2025</a:t>
             </a:fld>
             <a:endParaRPr lang="it-IT"/>
           </a:p>
@@ -2676,7 +3393,7 @@
           <a:p>
             <a:fld id="{A68DA405-31E9-44C3-A33B-013AC39763DD}" type="datetimeFigureOut">
               <a:rPr lang="it-IT" smtClean="0"/>
-              <a:t>14/04/2025</a:t>
+              <a:t>15/04/2025</a:t>
             </a:fld>
             <a:endParaRPr lang="it-IT"/>
           </a:p>
@@ -2884,7 +3601,7 @@
           <a:p>
             <a:fld id="{A68DA405-31E9-44C3-A33B-013AC39763DD}" type="datetimeFigureOut">
               <a:rPr lang="it-IT" smtClean="0"/>
-              <a:t>14/04/2025</a:t>
+              <a:t>15/04/2025</a:t>
             </a:fld>
             <a:endParaRPr lang="it-IT"/>
           </a:p>
@@ -7733,7 +8450,7 @@
           <a:p>
             <a:fld id="{A68DA405-31E9-44C3-A33B-013AC39763DD}" type="datetimeFigureOut">
               <a:rPr lang="it-IT" smtClean="0"/>
-              <a:t>14/04/2025</a:t>
+              <a:t>15/04/2025</a:t>
             </a:fld>
             <a:endParaRPr lang="it-IT"/>
           </a:p>
@@ -11556,7 +12273,7 @@
           <a:p>
             <a:fld id="{A68DA405-31E9-44C3-A33B-013AC39763DD}" type="datetimeFigureOut">
               <a:rPr lang="it-IT" smtClean="0"/>
-              <a:t>14/04/2025</a:t>
+              <a:t>15/04/2025</a:t>
             </a:fld>
             <a:endParaRPr lang="it-IT"/>
           </a:p>
@@ -11821,7 +12538,7 @@
           <a:p>
             <a:fld id="{A68DA405-31E9-44C3-A33B-013AC39763DD}" type="datetimeFigureOut">
               <a:rPr lang="it-IT" smtClean="0"/>
-              <a:t>14/04/2025</a:t>
+              <a:t>15/04/2025</a:t>
             </a:fld>
             <a:endParaRPr lang="it-IT"/>
           </a:p>
@@ -12233,7 +12950,7 @@
           <a:p>
             <a:fld id="{A68DA405-31E9-44C3-A33B-013AC39763DD}" type="datetimeFigureOut">
               <a:rPr lang="it-IT" smtClean="0"/>
-              <a:t>14/04/2025</a:t>
+              <a:t>15/04/2025</a:t>
             </a:fld>
             <a:endParaRPr lang="it-IT"/>
           </a:p>
@@ -12374,7 +13091,7 @@
           <a:p>
             <a:fld id="{A68DA405-31E9-44C3-A33B-013AC39763DD}" type="datetimeFigureOut">
               <a:rPr lang="it-IT" smtClean="0"/>
-              <a:t>14/04/2025</a:t>
+              <a:t>15/04/2025</a:t>
             </a:fld>
             <a:endParaRPr lang="it-IT"/>
           </a:p>
@@ -12487,7 +13204,7 @@
           <a:p>
             <a:fld id="{A68DA405-31E9-44C3-A33B-013AC39763DD}" type="datetimeFigureOut">
               <a:rPr lang="it-IT" smtClean="0"/>
-              <a:t>14/04/2025</a:t>
+              <a:t>15/04/2025</a:t>
             </a:fld>
             <a:endParaRPr lang="it-IT"/>
           </a:p>
@@ -12798,7 +13515,7 @@
           <a:p>
             <a:fld id="{A68DA405-31E9-44C3-A33B-013AC39763DD}" type="datetimeFigureOut">
               <a:rPr lang="it-IT" smtClean="0"/>
-              <a:t>14/04/2025</a:t>
+              <a:t>15/04/2025</a:t>
             </a:fld>
             <a:endParaRPr lang="it-IT"/>
           </a:p>
@@ -13086,7 +13803,7 @@
           <a:p>
             <a:fld id="{A68DA405-31E9-44C3-A33B-013AC39763DD}" type="datetimeFigureOut">
               <a:rPr lang="it-IT" smtClean="0"/>
-              <a:t>14/04/2025</a:t>
+              <a:t>15/04/2025</a:t>
             </a:fld>
             <a:endParaRPr lang="it-IT"/>
           </a:p>
@@ -13327,7 +14044,7 @@
           <a:p>
             <a:fld id="{A68DA405-31E9-44C3-A33B-013AC39763DD}" type="datetimeFigureOut">
               <a:rPr lang="it-IT" smtClean="0"/>
-              <a:t>14/04/2025</a:t>
+              <a:t>15/04/2025</a:t>
             </a:fld>
             <a:endParaRPr lang="it-IT"/>
           </a:p>
@@ -14579,6 +15296,991 @@
   <p:cSld>
     <p:spTree>
       <p:nvGrpSpPr>
+        <p:cNvPr id="1" name="">
+          <a:extLst>
+            <a:ext uri="{FF2B5EF4-FFF2-40B4-BE49-F238E27FC236}">
+              <a16:creationId xmlns:a16="http://schemas.microsoft.com/office/drawing/2014/main" id="{47ED46D3-0305-FE5A-2355-8EB003166BAB}"/>
+            </a:ext>
+          </a:extLst>
+        </p:cNvPr>
+        <p:cNvGrpSpPr/>
+        <p:nvPr/>
+      </p:nvGrpSpPr>
+      <p:grpSpPr>
+        <a:xfrm>
+          <a:off x="0" y="0"/>
+          <a:ext cx="0" cy="0"/>
+          <a:chOff x="0" y="0"/>
+          <a:chExt cx="0" cy="0"/>
+        </a:xfrm>
+      </p:grpSpPr>
+      <p:sp>
+        <p:nvSpPr>
+          <p:cNvPr id="13" name="PlaceHolder 2">
+            <a:extLst>
+              <a:ext uri="{FF2B5EF4-FFF2-40B4-BE49-F238E27FC236}">
+                <a16:creationId xmlns:a16="http://schemas.microsoft.com/office/drawing/2014/main" id="{08377903-817C-A77D-F0E1-DB7615B74EA6}"/>
+              </a:ext>
+            </a:extLst>
+          </p:cNvPr>
+          <p:cNvSpPr>
+            <a:spLocks noGrp="1"/>
+          </p:cNvSpPr>
+          <p:nvPr/>
+        </p:nvSpPr>
+        <p:spPr>
+          <a:xfrm>
+            <a:off x="9110460" y="6156360"/>
+            <a:ext cx="2742840" cy="364680"/>
+          </a:xfrm>
+          <a:prstGeom prst="rect">
+            <a:avLst/>
+          </a:prstGeom>
+          <a:noFill/>
+          <a:ln w="0">
+            <a:noFill/>
+          </a:ln>
+        </p:spPr>
+        <p:txBody>
+          <a:bodyPr anchor="ctr">
+            <a:noAutofit/>
+          </a:bodyPr>
+          <a:lstStyle>
+            <a:defPPr>
+              <a:defRPr lang="it-IT"/>
+            </a:defPPr>
+            <a:lvl1pPr marL="0" indent="0" algn="r" defTabSz="914400" rtl="0" eaLnBrk="1" latinLnBrk="0" hangingPunct="1">
+              <a:lnSpc>
+                <a:spcPct val="100000"/>
+              </a:lnSpc>
+              <a:buNone/>
+              <a:tabLst>
+                <a:tab pos="0" algn="l"/>
+              </a:tabLst>
+              <a:defRPr lang="it-IT" sz="1200" b="0" strike="noStrike" kern="1200" spc="-1">
+                <a:solidFill>
+                  <a:srgbClr val="FFFFFF"/>
+                </a:solidFill>
+                <a:latin typeface="Biome"/>
+                <a:ea typeface="+mn-ea"/>
+                <a:cs typeface="+mn-cs"/>
+              </a:defRPr>
+            </a:lvl1pPr>
+            <a:lvl2pPr marL="457200" algn="l" defTabSz="914400" rtl="0" eaLnBrk="1" latinLnBrk="0" hangingPunct="1">
+              <a:defRPr sz="1800" kern="1200">
+                <a:solidFill>
+                  <a:schemeClr val="tx1"/>
+                </a:solidFill>
+                <a:latin typeface="+mn-lt"/>
+                <a:ea typeface="+mn-ea"/>
+                <a:cs typeface="+mn-cs"/>
+              </a:defRPr>
+            </a:lvl2pPr>
+            <a:lvl3pPr marL="914400" algn="l" defTabSz="914400" rtl="0" eaLnBrk="1" latinLnBrk="0" hangingPunct="1">
+              <a:defRPr sz="1800" kern="1200">
+                <a:solidFill>
+                  <a:schemeClr val="tx1"/>
+                </a:solidFill>
+                <a:latin typeface="+mn-lt"/>
+                <a:ea typeface="+mn-ea"/>
+                <a:cs typeface="+mn-cs"/>
+              </a:defRPr>
+            </a:lvl3pPr>
+            <a:lvl4pPr marL="1371600" algn="l" defTabSz="914400" rtl="0" eaLnBrk="1" latinLnBrk="0" hangingPunct="1">
+              <a:defRPr sz="1800" kern="1200">
+                <a:solidFill>
+                  <a:schemeClr val="tx1"/>
+                </a:solidFill>
+                <a:latin typeface="+mn-lt"/>
+                <a:ea typeface="+mn-ea"/>
+                <a:cs typeface="+mn-cs"/>
+              </a:defRPr>
+            </a:lvl4pPr>
+            <a:lvl5pPr marL="1828800" algn="l" defTabSz="914400" rtl="0" eaLnBrk="1" latinLnBrk="0" hangingPunct="1">
+              <a:defRPr sz="1800" kern="1200">
+                <a:solidFill>
+                  <a:schemeClr val="tx1"/>
+                </a:solidFill>
+                <a:latin typeface="+mn-lt"/>
+                <a:ea typeface="+mn-ea"/>
+                <a:cs typeface="+mn-cs"/>
+              </a:defRPr>
+            </a:lvl5pPr>
+            <a:lvl6pPr marL="2286000" algn="l" defTabSz="914400" rtl="0" eaLnBrk="1" latinLnBrk="0" hangingPunct="1">
+              <a:defRPr sz="1800" kern="1200">
+                <a:solidFill>
+                  <a:schemeClr val="tx1"/>
+                </a:solidFill>
+                <a:latin typeface="+mn-lt"/>
+                <a:ea typeface="+mn-ea"/>
+                <a:cs typeface="+mn-cs"/>
+              </a:defRPr>
+            </a:lvl6pPr>
+            <a:lvl7pPr marL="2743200" algn="l" defTabSz="914400" rtl="0" eaLnBrk="1" latinLnBrk="0" hangingPunct="1">
+              <a:defRPr sz="1800" kern="1200">
+                <a:solidFill>
+                  <a:schemeClr val="tx1"/>
+                </a:solidFill>
+                <a:latin typeface="+mn-lt"/>
+                <a:ea typeface="+mn-ea"/>
+                <a:cs typeface="+mn-cs"/>
+              </a:defRPr>
+            </a:lvl7pPr>
+            <a:lvl8pPr marL="3200400" algn="l" defTabSz="914400" rtl="0" eaLnBrk="1" latinLnBrk="0" hangingPunct="1">
+              <a:defRPr sz="1800" kern="1200">
+                <a:solidFill>
+                  <a:schemeClr val="tx1"/>
+                </a:solidFill>
+                <a:latin typeface="+mn-lt"/>
+                <a:ea typeface="+mn-ea"/>
+                <a:cs typeface="+mn-cs"/>
+              </a:defRPr>
+            </a:lvl8pPr>
+            <a:lvl9pPr marL="3657600" algn="l" defTabSz="914400" rtl="0" eaLnBrk="1" latinLnBrk="0" hangingPunct="1">
+              <a:defRPr sz="1800" kern="1200">
+                <a:solidFill>
+                  <a:schemeClr val="tx1"/>
+                </a:solidFill>
+                <a:latin typeface="+mn-lt"/>
+                <a:ea typeface="+mn-ea"/>
+                <a:cs typeface="+mn-cs"/>
+              </a:defRPr>
+            </a:lvl9pPr>
+          </a:lstStyle>
+          <a:p>
+            <a:pPr indent="0" algn="r">
+              <a:lnSpc>
+                <a:spcPct val="100000"/>
+              </a:lnSpc>
+              <a:buNone/>
+              <a:tabLst>
+                <a:tab pos="0" algn="l"/>
+              </a:tabLst>
+            </a:pPr>
+            <a:fld id="{5201338C-D669-485B-9C47-989C4976233B}" type="slidenum">
+              <a:rPr lang="it-IT" sz="1200" b="0" strike="noStrike" spc="-1">
+                <a:solidFill>
+                  <a:srgbClr val="FFFFFF"/>
+                </a:solidFill>
+                <a:latin typeface="Biome"/>
+              </a:rPr>
+              <a:pPr indent="0" algn="r">
+                <a:lnSpc>
+                  <a:spcPct val="100000"/>
+                </a:lnSpc>
+                <a:buNone/>
+                <a:tabLst>
+                  <a:tab pos="0" algn="l"/>
+                </a:tabLst>
+              </a:pPr>
+              <a:t>10</a:t>
+            </a:fld>
+            <a:endParaRPr lang="it-IT" sz="1200" b="0" strike="noStrike" spc="-1">
+              <a:solidFill>
+                <a:srgbClr val="FFFFFF"/>
+              </a:solidFill>
+              <a:latin typeface="Times New Roman"/>
+            </a:endParaRPr>
+          </a:p>
+        </p:txBody>
+      </p:sp>
+      <p:pic>
+        <p:nvPicPr>
+          <p:cNvPr id="19" name="Immagine 18">
+            <a:extLst>
+              <a:ext uri="{FF2B5EF4-FFF2-40B4-BE49-F238E27FC236}">
+                <a16:creationId xmlns:a16="http://schemas.microsoft.com/office/drawing/2014/main" id="{B1D7F08C-E284-D719-07D1-5D8C4D8F8628}"/>
+              </a:ext>
+            </a:extLst>
+          </p:cNvPr>
+          <p:cNvPicPr>
+            <a:picLocks noChangeAspect="1"/>
+          </p:cNvPicPr>
+          <p:nvPr/>
+        </p:nvPicPr>
+        <p:blipFill>
+          <a:blip r:embed="rId3"/>
+          <a:stretch>
+            <a:fillRect/>
+          </a:stretch>
+        </p:blipFill>
+        <p:spPr>
+          <a:xfrm>
+            <a:off x="6350233" y="64454"/>
+            <a:ext cx="5629324" cy="6729093"/>
+          </a:xfrm>
+          <a:prstGeom prst="rect">
+            <a:avLst/>
+          </a:prstGeom>
+        </p:spPr>
+      </p:pic>
+      <p:sp>
+        <p:nvSpPr>
+          <p:cNvPr id="9" name="CasellaDiTesto 8">
+            <a:extLst>
+              <a:ext uri="{FF2B5EF4-FFF2-40B4-BE49-F238E27FC236}">
+                <a16:creationId xmlns:a16="http://schemas.microsoft.com/office/drawing/2014/main" id="{ECE77420-9D45-E68A-66BE-EA3DDE4F15C2}"/>
+              </a:ext>
+            </a:extLst>
+          </p:cNvPr>
+          <p:cNvSpPr txBox="1"/>
+          <p:nvPr/>
+        </p:nvSpPr>
+        <p:spPr>
+          <a:xfrm>
+            <a:off x="749639" y="1049274"/>
+            <a:ext cx="5280821" cy="1200329"/>
+          </a:xfrm>
+          <a:prstGeom prst="rect">
+            <a:avLst/>
+          </a:prstGeom>
+          <a:noFill/>
+        </p:spPr>
+        <p:txBody>
+          <a:bodyPr wrap="square" rtlCol="0">
+            <a:spAutoFit/>
+          </a:bodyPr>
+          <a:lstStyle/>
+          <a:p>
+            <a:r>
+              <a:rPr lang="it-IT" dirty="0">
+                <a:solidFill>
+                  <a:schemeClr val="bg1"/>
+                </a:solidFill>
+              </a:rPr>
+              <a:t>Il codice alla riga 11 converte ogni carattere minuscolo in </a:t>
+            </a:r>
+            <a:r>
+              <a:rPr lang="it-IT" b="1" dirty="0">
+                <a:solidFill>
+                  <a:schemeClr val="bg1"/>
+                </a:solidFill>
+              </a:rPr>
+              <a:t>maiuscolo</a:t>
+            </a:r>
+            <a:endParaRPr lang="it-IT" dirty="0">
+              <a:solidFill>
+                <a:schemeClr val="bg1"/>
+              </a:solidFill>
+            </a:endParaRPr>
+          </a:p>
+          <a:p>
+            <a:r>
+              <a:rPr lang="it-IT" dirty="0">
+                <a:solidFill>
+                  <a:schemeClr val="bg1"/>
+                </a:solidFill>
+              </a:rPr>
+              <a:t>Di fatto normalizza l’input utente a livello </a:t>
+            </a:r>
+            <a:r>
+              <a:rPr lang="it-IT" b="1" dirty="0">
+                <a:solidFill>
+                  <a:schemeClr val="bg1"/>
+                </a:solidFill>
+              </a:rPr>
+              <a:t>case-insensitive</a:t>
+            </a:r>
+            <a:endParaRPr lang="it-IT" dirty="0">
+              <a:solidFill>
+                <a:schemeClr val="bg1"/>
+              </a:solidFill>
+            </a:endParaRPr>
+          </a:p>
+        </p:txBody>
+      </p:sp>
+      <p:sp>
+        <p:nvSpPr>
+          <p:cNvPr id="10" name="Rettangolo 9">
+            <a:extLst>
+              <a:ext uri="{FF2B5EF4-FFF2-40B4-BE49-F238E27FC236}">
+                <a16:creationId xmlns:a16="http://schemas.microsoft.com/office/drawing/2014/main" id="{088E1279-C770-230C-8A7E-7F26E7F06114}"/>
+              </a:ext>
+            </a:extLst>
+          </p:cNvPr>
+          <p:cNvSpPr/>
+          <p:nvPr/>
+        </p:nvSpPr>
+        <p:spPr>
+          <a:xfrm>
+            <a:off x="706118" y="991764"/>
+            <a:ext cx="5043577" cy="1200329"/>
+          </a:xfrm>
+          <a:prstGeom prst="rect">
+            <a:avLst/>
+          </a:prstGeom>
+          <a:noFill/>
+          <a:ln>
+            <a:solidFill>
+              <a:schemeClr val="bg1"/>
+            </a:solidFill>
+          </a:ln>
+        </p:spPr>
+        <p:style>
+          <a:lnRef idx="2">
+            <a:schemeClr val="accent1">
+              <a:shade val="15000"/>
+            </a:schemeClr>
+          </a:lnRef>
+          <a:fillRef idx="1">
+            <a:schemeClr val="accent1"/>
+          </a:fillRef>
+          <a:effectRef idx="0">
+            <a:schemeClr val="accent1"/>
+          </a:effectRef>
+          <a:fontRef idx="minor">
+            <a:schemeClr val="lt1"/>
+          </a:fontRef>
+        </p:style>
+        <p:txBody>
+          <a:bodyPr rtlCol="0" anchor="ctr"/>
+          <a:lstStyle/>
+          <a:p>
+            <a:pPr algn="ctr"/>
+            <a:endParaRPr lang="it-IT"/>
+          </a:p>
+        </p:txBody>
+      </p:sp>
+      <p:cxnSp>
+        <p:nvCxnSpPr>
+          <p:cNvPr id="15" name="Connettore 2 14">
+            <a:extLst>
+              <a:ext uri="{FF2B5EF4-FFF2-40B4-BE49-F238E27FC236}">
+                <a16:creationId xmlns:a16="http://schemas.microsoft.com/office/drawing/2014/main" id="{480160B9-50C8-3E35-85D6-63B8E5A2C301}"/>
+              </a:ext>
+            </a:extLst>
+          </p:cNvPr>
+          <p:cNvCxnSpPr>
+            <a:cxnSpLocks/>
+          </p:cNvCxnSpPr>
+          <p:nvPr/>
+        </p:nvCxnSpPr>
+        <p:spPr>
+          <a:xfrm>
+            <a:off x="5749695" y="1591928"/>
+            <a:ext cx="1582758" cy="328887"/>
+          </a:xfrm>
+          <a:prstGeom prst="straightConnector1">
+            <a:avLst/>
+          </a:prstGeom>
+          <a:ln>
+            <a:solidFill>
+              <a:schemeClr val="bg1"/>
+            </a:solidFill>
+            <a:tailEnd type="triangle"/>
+          </a:ln>
+        </p:spPr>
+        <p:style>
+          <a:lnRef idx="1">
+            <a:schemeClr val="accent1"/>
+          </a:lnRef>
+          <a:fillRef idx="0">
+            <a:schemeClr val="accent1"/>
+          </a:fillRef>
+          <a:effectRef idx="0">
+            <a:schemeClr val="accent1"/>
+          </a:effectRef>
+          <a:fontRef idx="minor">
+            <a:schemeClr val="tx1"/>
+          </a:fontRef>
+        </p:style>
+      </p:cxnSp>
+      <p:sp>
+        <p:nvSpPr>
+          <p:cNvPr id="16" name="CasellaDiTesto 15">
+            <a:extLst>
+              <a:ext uri="{FF2B5EF4-FFF2-40B4-BE49-F238E27FC236}">
+                <a16:creationId xmlns:a16="http://schemas.microsoft.com/office/drawing/2014/main" id="{F5B6F2E7-E87B-2337-3A75-65EE93F4F497}"/>
+              </a:ext>
+            </a:extLst>
+          </p:cNvPr>
+          <p:cNvSpPr txBox="1"/>
+          <p:nvPr/>
+        </p:nvSpPr>
+        <p:spPr>
+          <a:xfrm>
+            <a:off x="353348" y="3045965"/>
+            <a:ext cx="5280821" cy="923330"/>
+          </a:xfrm>
+          <a:prstGeom prst="rect">
+            <a:avLst/>
+          </a:prstGeom>
+          <a:noFill/>
+        </p:spPr>
+        <p:txBody>
+          <a:bodyPr wrap="square" rtlCol="0">
+            <a:spAutoFit/>
+          </a:bodyPr>
+          <a:lstStyle/>
+          <a:p>
+            <a:r>
+              <a:rPr lang="it-IT" dirty="0">
+                <a:solidFill>
+                  <a:schemeClr val="bg1"/>
+                </a:solidFill>
+              </a:rPr>
+              <a:t>L’input dell’utente </a:t>
+            </a:r>
+            <a:r>
+              <a:rPr lang="it-IT" b="1" dirty="0">
+                <a:solidFill>
+                  <a:schemeClr val="bg1"/>
+                </a:solidFill>
+              </a:rPr>
+              <a:t>($username) </a:t>
+            </a:r>
+            <a:r>
+              <a:rPr lang="it-IT" dirty="0">
+                <a:solidFill>
+                  <a:schemeClr val="bg1"/>
+                </a:solidFill>
+              </a:rPr>
+              <a:t>viene inserito direttamente in un comando di shell senza alcun</a:t>
+            </a:r>
+          </a:p>
+          <a:p>
+            <a:r>
+              <a:rPr lang="it-IT" dirty="0">
+                <a:solidFill>
+                  <a:schemeClr val="bg1"/>
+                </a:solidFill>
+              </a:rPr>
+              <a:t>controllo, </a:t>
+            </a:r>
+            <a:r>
+              <a:rPr lang="it-IT" dirty="0" err="1">
+                <a:solidFill>
+                  <a:schemeClr val="bg1"/>
+                </a:solidFill>
+              </a:rPr>
+              <a:t>escape</a:t>
+            </a:r>
+            <a:r>
+              <a:rPr lang="it-IT" dirty="0">
+                <a:solidFill>
+                  <a:schemeClr val="bg1"/>
+                </a:solidFill>
+              </a:rPr>
+              <a:t> o validazione</a:t>
+            </a:r>
+          </a:p>
+        </p:txBody>
+      </p:sp>
+      <p:sp>
+        <p:nvSpPr>
+          <p:cNvPr id="17" name="Rettangolo 16">
+            <a:extLst>
+              <a:ext uri="{FF2B5EF4-FFF2-40B4-BE49-F238E27FC236}">
+                <a16:creationId xmlns:a16="http://schemas.microsoft.com/office/drawing/2014/main" id="{AEA47B71-87B5-8067-2DD1-FD05B812AF17}"/>
+              </a:ext>
+            </a:extLst>
+          </p:cNvPr>
+          <p:cNvSpPr/>
+          <p:nvPr/>
+        </p:nvSpPr>
+        <p:spPr>
+          <a:xfrm>
+            <a:off x="353348" y="3017347"/>
+            <a:ext cx="5043577" cy="951948"/>
+          </a:xfrm>
+          <a:prstGeom prst="rect">
+            <a:avLst/>
+          </a:prstGeom>
+          <a:noFill/>
+          <a:ln>
+            <a:solidFill>
+              <a:schemeClr val="bg1"/>
+            </a:solidFill>
+          </a:ln>
+        </p:spPr>
+        <p:style>
+          <a:lnRef idx="2">
+            <a:schemeClr val="accent1">
+              <a:shade val="15000"/>
+            </a:schemeClr>
+          </a:lnRef>
+          <a:fillRef idx="1">
+            <a:schemeClr val="accent1"/>
+          </a:fillRef>
+          <a:effectRef idx="0">
+            <a:schemeClr val="accent1"/>
+          </a:effectRef>
+          <a:fontRef idx="minor">
+            <a:schemeClr val="lt1"/>
+          </a:fontRef>
+        </p:style>
+        <p:txBody>
+          <a:bodyPr rtlCol="0" anchor="ctr"/>
+          <a:lstStyle/>
+          <a:p>
+            <a:pPr algn="ctr"/>
+            <a:endParaRPr lang="it-IT"/>
+          </a:p>
+        </p:txBody>
+      </p:sp>
+      <p:cxnSp>
+        <p:nvCxnSpPr>
+          <p:cNvPr id="18" name="Connettore 2 17">
+            <a:extLst>
+              <a:ext uri="{FF2B5EF4-FFF2-40B4-BE49-F238E27FC236}">
+                <a16:creationId xmlns:a16="http://schemas.microsoft.com/office/drawing/2014/main" id="{53B88BBD-32B8-A460-6A2A-F2C16EEC1014}"/>
+              </a:ext>
+            </a:extLst>
+          </p:cNvPr>
+          <p:cNvCxnSpPr>
+            <a:cxnSpLocks/>
+            <a:stCxn id="17" idx="3"/>
+          </p:cNvCxnSpPr>
+          <p:nvPr/>
+        </p:nvCxnSpPr>
+        <p:spPr>
+          <a:xfrm flipV="1">
+            <a:off x="5396925" y="2484408"/>
+            <a:ext cx="1935528" cy="1008913"/>
+          </a:xfrm>
+          <a:prstGeom prst="straightConnector1">
+            <a:avLst/>
+          </a:prstGeom>
+          <a:ln>
+            <a:solidFill>
+              <a:schemeClr val="bg1"/>
+            </a:solidFill>
+            <a:tailEnd type="triangle"/>
+          </a:ln>
+        </p:spPr>
+        <p:style>
+          <a:lnRef idx="1">
+            <a:schemeClr val="accent1"/>
+          </a:lnRef>
+          <a:fillRef idx="0">
+            <a:schemeClr val="accent1"/>
+          </a:fillRef>
+          <a:effectRef idx="0">
+            <a:schemeClr val="accent1"/>
+          </a:effectRef>
+          <a:fontRef idx="minor">
+            <a:schemeClr val="tx1"/>
+          </a:fontRef>
+        </p:style>
+      </p:cxnSp>
+      <p:sp>
+        <p:nvSpPr>
+          <p:cNvPr id="28" name="Rectangle 9">
+            <a:extLst>
+              <a:ext uri="{FF2B5EF4-FFF2-40B4-BE49-F238E27FC236}">
+                <a16:creationId xmlns:a16="http://schemas.microsoft.com/office/drawing/2014/main" id="{E45AF734-3D93-FFC7-1B87-D6062C269A6E}"/>
+              </a:ext>
+            </a:extLst>
+          </p:cNvPr>
+          <p:cNvSpPr>
+            <a:spLocks noChangeArrowheads="1"/>
+          </p:cNvSpPr>
+          <p:nvPr/>
+        </p:nvSpPr>
+        <p:spPr bwMode="auto">
+          <a:xfrm>
+            <a:off x="212443" y="4574254"/>
+            <a:ext cx="5676523" cy="2031325"/>
+          </a:xfrm>
+          <a:prstGeom prst="rect">
+            <a:avLst/>
+          </a:prstGeom>
+          <a:noFill/>
+          <a:ln>
+            <a:noFill/>
+          </a:ln>
+          <a:effectLst/>
+          <a:extLst>
+            <a:ext uri="{909E8E84-426E-40DD-AFC4-6F175D3DCCD1}">
+              <a14:hiddenFill xmlns:a14="http://schemas.microsoft.com/office/drawing/2010/main">
+                <a:solidFill>
+                  <a:schemeClr val="accent1"/>
+                </a:solidFill>
+              </a14:hiddenFill>
+            </a:ext>
+            <a:ext uri="{91240B29-F687-4F45-9708-019B960494DF}">
+              <a14:hiddenLine xmlns:a14="http://schemas.microsoft.com/office/drawing/2010/main" w="9525">
+                <a:solidFill>
+                  <a:schemeClr val="tx1"/>
+                </a:solidFill>
+                <a:miter lim="800000"/>
+                <a:headEnd/>
+                <a:tailEnd/>
+              </a14:hiddenLine>
+            </a:ext>
+            <a:ext uri="{AF507438-7753-43E0-B8FC-AC1667EBCBE1}">
+              <a14:hiddenEffects xmlns:a14="http://schemas.microsoft.com/office/drawing/2010/main">
+                <a:effectLst>
+                  <a:outerShdw dist="35921" dir="2700000" algn="ctr" rotWithShape="0">
+                    <a:schemeClr val="bg2"/>
+                  </a:outerShdw>
+                </a:effectLst>
+              </a14:hiddenEffects>
+            </a:ext>
+          </a:extLst>
+        </p:spPr>
+        <p:txBody>
+          <a:bodyPr vert="horz" wrap="square" lIns="91440" tIns="45720" rIns="91440" bIns="45720" numCol="1" anchor="ctr" anchorCtr="0" compatLnSpc="1">
+            <a:prstTxWarp prst="textNoShape">
+              <a:avLst/>
+            </a:prstTxWarp>
+            <a:spAutoFit/>
+          </a:bodyPr>
+          <a:lstStyle/>
+          <a:p>
+            <a:pPr marL="0" marR="0" lvl="0" indent="0" algn="l" defTabSz="914400" rtl="0" eaLnBrk="0" fontAlgn="base" latinLnBrk="0" hangingPunct="0">
+              <a:lnSpc>
+                <a:spcPct val="100000"/>
+              </a:lnSpc>
+              <a:spcBef>
+                <a:spcPct val="0"/>
+              </a:spcBef>
+              <a:spcAft>
+                <a:spcPct val="0"/>
+              </a:spcAft>
+              <a:buClrTx/>
+              <a:buSzTx/>
+              <a:buFontTx/>
+              <a:buNone/>
+              <a:tabLst/>
+            </a:pPr>
+            <a:r>
+              <a:rPr lang="it-IT" altLang="it-IT" dirty="0">
+                <a:solidFill>
+                  <a:schemeClr val="bg1"/>
+                </a:solidFill>
+                <a:latin typeface="Arial" panose="020B0604020202020204" pitchFamily="34" charset="0"/>
+              </a:rPr>
+              <a:t>E</a:t>
+            </a:r>
+            <a:r>
+              <a:rPr kumimoji="0" lang="it-IT" altLang="it-IT" b="0" i="0" u="none" strike="noStrike" cap="none" normalizeH="0" baseline="0" dirty="0">
+                <a:ln>
+                  <a:noFill/>
+                </a:ln>
+                <a:solidFill>
+                  <a:schemeClr val="bg1"/>
+                </a:solidFill>
+                <a:effectLst/>
+                <a:latin typeface="Arial" panose="020B0604020202020204" pitchFamily="34" charset="0"/>
+              </a:rPr>
+              <a:t>seguendo un comando di sistema </a:t>
+            </a:r>
+            <a:r>
+              <a:rPr kumimoji="0" lang="it-IT" altLang="it-IT" b="1" i="0" u="none" strike="noStrike" cap="none" normalizeH="0" baseline="0" dirty="0">
+                <a:ln>
+                  <a:noFill/>
+                </a:ln>
+                <a:solidFill>
+                  <a:schemeClr val="bg1"/>
+                </a:solidFill>
+                <a:effectLst/>
+                <a:latin typeface="Arial" panose="020B0604020202020204" pitchFamily="34" charset="0"/>
+              </a:rPr>
+              <a:t>(</a:t>
+            </a:r>
+            <a:r>
+              <a:rPr kumimoji="0" lang="it-IT" altLang="it-IT" b="1" i="0" u="none" strike="noStrike" cap="none" normalizeH="0" baseline="0" dirty="0" err="1">
+                <a:ln>
+                  <a:noFill/>
+                </a:ln>
+                <a:solidFill>
+                  <a:schemeClr val="bg1"/>
+                </a:solidFill>
+                <a:effectLst/>
+                <a:latin typeface="Arial Unicode MS"/>
+              </a:rPr>
+              <a:t>egrep</a:t>
+            </a:r>
+            <a:r>
+              <a:rPr kumimoji="0" lang="it-IT" altLang="it-IT" b="1" i="0" u="none" strike="noStrike" cap="none" normalizeH="0" baseline="0" dirty="0">
+                <a:ln>
+                  <a:noFill/>
+                </a:ln>
+                <a:solidFill>
+                  <a:schemeClr val="bg1"/>
+                </a:solidFill>
+                <a:effectLst/>
+              </a:rPr>
+              <a:t>)</a:t>
+            </a:r>
+            <a:r>
+              <a:rPr kumimoji="0" lang="it-IT" altLang="it-IT" b="0" i="0" u="none" strike="noStrike" cap="none" normalizeH="0" baseline="0" dirty="0">
+                <a:ln>
+                  <a:noFill/>
+                </a:ln>
+                <a:solidFill>
+                  <a:schemeClr val="bg1"/>
+                </a:solidFill>
+                <a:effectLst/>
+              </a:rPr>
+              <a:t> utilizzando direttamente il valore inserito dall’utente nel campo </a:t>
+            </a:r>
+            <a:r>
+              <a:rPr kumimoji="0" lang="it-IT" altLang="it-IT" b="0" i="0" u="none" strike="noStrike" cap="none" normalizeH="0" baseline="0" dirty="0">
+                <a:ln>
+                  <a:noFill/>
+                </a:ln>
+                <a:solidFill>
+                  <a:schemeClr val="bg1"/>
+                </a:solidFill>
+                <a:effectLst/>
+                <a:latin typeface="Arial Unicode MS"/>
+              </a:rPr>
+              <a:t>username</a:t>
+            </a:r>
+            <a:r>
+              <a:rPr lang="it-IT" altLang="it-IT" dirty="0">
+                <a:solidFill>
+                  <a:schemeClr val="bg1"/>
+                </a:solidFill>
+                <a:latin typeface="Arial Unicode MS"/>
+              </a:rPr>
+              <a:t> si potrebbe incorrere </a:t>
+            </a:r>
+            <a:r>
+              <a:rPr lang="it-IT" altLang="it-IT" dirty="0">
+                <a:solidFill>
+                  <a:schemeClr val="bg1"/>
+                </a:solidFill>
+                <a:latin typeface="Arial" panose="020B0604020202020204" pitchFamily="34" charset="0"/>
+              </a:rPr>
+              <a:t>i</a:t>
+            </a:r>
+            <a:r>
+              <a:rPr kumimoji="0" lang="it-IT" altLang="it-IT" b="0" i="0" u="none" strike="noStrike" cap="none" normalizeH="0" baseline="0" dirty="0">
+                <a:ln>
+                  <a:noFill/>
+                </a:ln>
+                <a:solidFill>
+                  <a:schemeClr val="bg1"/>
+                </a:solidFill>
+                <a:effectLst/>
+                <a:latin typeface="Arial" panose="020B0604020202020204" pitchFamily="34" charset="0"/>
+              </a:rPr>
+              <a:t>n un classico caso di </a:t>
+            </a:r>
+            <a:r>
+              <a:rPr kumimoji="0" lang="it-IT" altLang="it-IT" b="1" i="0" u="none" strike="noStrike" cap="none" normalizeH="0" baseline="0" dirty="0" err="1">
+                <a:ln>
+                  <a:noFill/>
+                </a:ln>
+                <a:solidFill>
+                  <a:schemeClr val="bg1"/>
+                </a:solidFill>
+                <a:effectLst/>
+                <a:latin typeface="Arial" panose="020B0604020202020204" pitchFamily="34" charset="0"/>
+              </a:rPr>
+              <a:t>Command</a:t>
+            </a:r>
+            <a:r>
+              <a:rPr kumimoji="0" lang="it-IT" altLang="it-IT" b="1" i="0" u="none" strike="noStrike" cap="none" normalizeH="0" baseline="0" dirty="0">
+                <a:ln>
+                  <a:noFill/>
+                </a:ln>
+                <a:solidFill>
+                  <a:schemeClr val="bg1"/>
+                </a:solidFill>
+                <a:effectLst/>
+                <a:latin typeface="Arial" panose="020B0604020202020204" pitchFamily="34" charset="0"/>
+              </a:rPr>
+              <a:t> Injection</a:t>
+            </a:r>
+            <a:r>
+              <a:rPr kumimoji="0" lang="it-IT" altLang="it-IT" b="0" i="0" u="none" strike="noStrike" cap="none" normalizeH="0" baseline="0" dirty="0">
+                <a:ln>
+                  <a:noFill/>
+                </a:ln>
+                <a:solidFill>
+                  <a:schemeClr val="bg1"/>
+                </a:solidFill>
+                <a:effectLst/>
+                <a:latin typeface="Arial" panose="020B0604020202020204" pitchFamily="34" charset="0"/>
+              </a:rPr>
+              <a:t>, ovvero quando input controllabile da un utente viene passato direttamente al sistema operativo, permettendo potenzialmente di eseguire comandi arbitrari.</a:t>
+            </a:r>
+          </a:p>
+        </p:txBody>
+      </p:sp>
+      <p:sp>
+        <p:nvSpPr>
+          <p:cNvPr id="29" name="Titolo 4">
+            <a:extLst>
+              <a:ext uri="{FF2B5EF4-FFF2-40B4-BE49-F238E27FC236}">
+                <a16:creationId xmlns:a16="http://schemas.microsoft.com/office/drawing/2014/main" id="{7391576A-8283-155C-1E3F-910D245927F6}"/>
+              </a:ext>
+            </a:extLst>
+          </p:cNvPr>
+          <p:cNvSpPr txBox="1"/>
+          <p:nvPr/>
+        </p:nvSpPr>
+        <p:spPr>
+          <a:xfrm>
+            <a:off x="608145" y="120907"/>
+            <a:ext cx="5280821" cy="609372"/>
+          </a:xfrm>
+          <a:prstGeom prst="rect">
+            <a:avLst/>
+          </a:prstGeom>
+          <a:noFill/>
+          <a:ln w="0">
+            <a:noFill/>
+          </a:ln>
+        </p:spPr>
+        <p:txBody>
+          <a:bodyPr lIns="0" anchor="b">
+            <a:noAutofit/>
+          </a:bodyPr>
+          <a:lstStyle>
+            <a:defPPr>
+              <a:defRPr lang="it-IT"/>
+            </a:defPPr>
+            <a:lvl1pPr marL="0" algn="l" defTabSz="914400" rtl="0" eaLnBrk="1" latinLnBrk="0" hangingPunct="1">
+              <a:defRPr sz="1800" kern="1200">
+                <a:solidFill>
+                  <a:schemeClr val="tx1"/>
+                </a:solidFill>
+                <a:latin typeface="+mn-lt"/>
+                <a:ea typeface="+mn-ea"/>
+                <a:cs typeface="+mn-cs"/>
+              </a:defRPr>
+            </a:lvl1pPr>
+            <a:lvl2pPr marL="457200" algn="l" defTabSz="914400" rtl="0" eaLnBrk="1" latinLnBrk="0" hangingPunct="1">
+              <a:defRPr sz="1800" kern="1200">
+                <a:solidFill>
+                  <a:schemeClr val="tx1"/>
+                </a:solidFill>
+                <a:latin typeface="+mn-lt"/>
+                <a:ea typeface="+mn-ea"/>
+                <a:cs typeface="+mn-cs"/>
+              </a:defRPr>
+            </a:lvl2pPr>
+            <a:lvl3pPr marL="914400" algn="l" defTabSz="914400" rtl="0" eaLnBrk="1" latinLnBrk="0" hangingPunct="1">
+              <a:defRPr sz="1800" kern="1200">
+                <a:solidFill>
+                  <a:schemeClr val="tx1"/>
+                </a:solidFill>
+                <a:latin typeface="+mn-lt"/>
+                <a:ea typeface="+mn-ea"/>
+                <a:cs typeface="+mn-cs"/>
+              </a:defRPr>
+            </a:lvl3pPr>
+            <a:lvl4pPr marL="1371600" algn="l" defTabSz="914400" rtl="0" eaLnBrk="1" latinLnBrk="0" hangingPunct="1">
+              <a:defRPr sz="1800" kern="1200">
+                <a:solidFill>
+                  <a:schemeClr val="tx1"/>
+                </a:solidFill>
+                <a:latin typeface="+mn-lt"/>
+                <a:ea typeface="+mn-ea"/>
+                <a:cs typeface="+mn-cs"/>
+              </a:defRPr>
+            </a:lvl4pPr>
+            <a:lvl5pPr marL="1828800" algn="l" defTabSz="914400" rtl="0" eaLnBrk="1" latinLnBrk="0" hangingPunct="1">
+              <a:defRPr sz="1800" kern="1200">
+                <a:solidFill>
+                  <a:schemeClr val="tx1"/>
+                </a:solidFill>
+                <a:latin typeface="+mn-lt"/>
+                <a:ea typeface="+mn-ea"/>
+                <a:cs typeface="+mn-cs"/>
+              </a:defRPr>
+            </a:lvl5pPr>
+            <a:lvl6pPr marL="2286000" algn="l" defTabSz="914400" rtl="0" eaLnBrk="1" latinLnBrk="0" hangingPunct="1">
+              <a:defRPr sz="1800" kern="1200">
+                <a:solidFill>
+                  <a:schemeClr val="tx1"/>
+                </a:solidFill>
+                <a:latin typeface="+mn-lt"/>
+                <a:ea typeface="+mn-ea"/>
+                <a:cs typeface="+mn-cs"/>
+              </a:defRPr>
+            </a:lvl6pPr>
+            <a:lvl7pPr marL="2743200" algn="l" defTabSz="914400" rtl="0" eaLnBrk="1" latinLnBrk="0" hangingPunct="1">
+              <a:defRPr sz="1800" kern="1200">
+                <a:solidFill>
+                  <a:schemeClr val="tx1"/>
+                </a:solidFill>
+                <a:latin typeface="+mn-lt"/>
+                <a:ea typeface="+mn-ea"/>
+                <a:cs typeface="+mn-cs"/>
+              </a:defRPr>
+            </a:lvl7pPr>
+            <a:lvl8pPr marL="3200400" algn="l" defTabSz="914400" rtl="0" eaLnBrk="1" latinLnBrk="0" hangingPunct="1">
+              <a:defRPr sz="1800" kern="1200">
+                <a:solidFill>
+                  <a:schemeClr val="tx1"/>
+                </a:solidFill>
+                <a:latin typeface="+mn-lt"/>
+                <a:ea typeface="+mn-ea"/>
+                <a:cs typeface="+mn-cs"/>
+              </a:defRPr>
+            </a:lvl8pPr>
+            <a:lvl9pPr marL="3657600" algn="l" defTabSz="914400" rtl="0" eaLnBrk="1" latinLnBrk="0" hangingPunct="1">
+              <a:defRPr sz="1800" kern="1200">
+                <a:solidFill>
+                  <a:schemeClr val="tx1"/>
+                </a:solidFill>
+                <a:latin typeface="+mn-lt"/>
+                <a:ea typeface="+mn-ea"/>
+                <a:cs typeface="+mn-cs"/>
+              </a:defRPr>
+            </a:lvl9pPr>
+          </a:lstStyle>
+          <a:p>
+            <a:pPr>
+              <a:lnSpc>
+                <a:spcPct val="90000"/>
+              </a:lnSpc>
+            </a:pPr>
+            <a:r>
+              <a:rPr lang="it-IT" sz="3200" b="1" strike="noStrike" cap="all" spc="300" dirty="0">
+                <a:solidFill>
+                  <a:schemeClr val="accent3">
+                    <a:lumMod val="75000"/>
+                  </a:schemeClr>
+                </a:solidFill>
+                <a:latin typeface="+mj-lt"/>
+              </a:rPr>
+              <a:t>Analisi di </a:t>
+            </a:r>
+            <a:r>
+              <a:rPr lang="it-IT" sz="3200" b="1" strike="noStrike" cap="all" spc="300" dirty="0" err="1">
+                <a:solidFill>
+                  <a:schemeClr val="accent3">
+                    <a:lumMod val="75000"/>
+                  </a:schemeClr>
+                </a:solidFill>
+                <a:latin typeface="+mj-lt"/>
+              </a:rPr>
+              <a:t>index.cgi</a:t>
+            </a:r>
+            <a:endParaRPr lang="it-IT" sz="3200" b="1" strike="noStrike" spc="300" dirty="0">
+              <a:solidFill>
+                <a:srgbClr val="000000"/>
+              </a:solidFill>
+              <a:latin typeface="+mj-lt"/>
+            </a:endParaRPr>
+          </a:p>
+        </p:txBody>
+      </p:sp>
+    </p:spTree>
+    <p:extLst>
+      <p:ext uri="{BB962C8B-B14F-4D97-AF65-F5344CB8AC3E}">
+        <p14:creationId xmlns:p14="http://schemas.microsoft.com/office/powerpoint/2010/main" val="4182038802"/>
+      </p:ext>
+    </p:extLst>
+  </p:cSld>
+  <p:clrMapOvr>
+    <a:masterClrMapping/>
+  </p:clrMapOvr>
+</p:sld>
+</file>
+
+<file path=ppt/slides/slide11.xml><?xml version="1.0" encoding="utf-8"?>
+<p:sld xmlns:a="http://schemas.openxmlformats.org/drawingml/2006/main" xmlns:r="http://schemas.openxmlformats.org/officeDocument/2006/relationships" xmlns:p="http://schemas.openxmlformats.org/presentationml/2006/main">
+  <p:cSld>
+    <p:spTree>
+      <p:nvGrpSpPr>
         <p:cNvPr id="1" name=""/>
         <p:cNvGrpSpPr/>
         <p:nvPr/>
@@ -14593,290 +16295,440 @@
       </p:grpSpPr>
       <p:sp>
         <p:nvSpPr>
-          <p:cNvPr id="2" name="Titolo 1">
-            <a:extLst>
-              <a:ext uri="{FF2B5EF4-FFF2-40B4-BE49-F238E27FC236}">
-                <a16:creationId xmlns:a16="http://schemas.microsoft.com/office/drawing/2014/main" id="{A2DE810E-8E37-1D8A-245B-020E4E4C0B9F}"/>
-              </a:ext>
-            </a:extLst>
-          </p:cNvPr>
-          <p:cNvSpPr>
-            <a:spLocks noGrp="1"/>
-          </p:cNvSpPr>
-          <p:nvPr>
-            <p:ph type="title"/>
-          </p:nvPr>
+          <p:cNvPr id="13" name="CasellaDiTesto 12">
+            <a:extLst>
+              <a:ext uri="{FF2B5EF4-FFF2-40B4-BE49-F238E27FC236}">
+                <a16:creationId xmlns:a16="http://schemas.microsoft.com/office/drawing/2014/main" id="{7629B6EC-851E-C7FD-33E6-F3CA90FD9A68}"/>
+              </a:ext>
+            </a:extLst>
+          </p:cNvPr>
+          <p:cNvSpPr txBox="1"/>
+          <p:nvPr/>
         </p:nvSpPr>
         <p:spPr>
           <a:xfrm>
-            <a:off x="733562" y="433906"/>
-            <a:ext cx="10515601" cy="1327464"/>
+            <a:off x="762000" y="1943819"/>
+            <a:ext cx="10668000" cy="4801314"/>
           </a:xfrm>
+          <a:prstGeom prst="rect">
+            <a:avLst/>
+          </a:prstGeom>
+          <a:noFill/>
         </p:spPr>
         <p:txBody>
-          <a:bodyPr rtlCol="0"/>
+          <a:bodyPr wrap="square">
+            <a:spAutoFit/>
+          </a:bodyPr>
+          <a:lstStyle/>
+          <a:p>
+            <a:r>
+              <a:rPr lang="it-IT" dirty="0">
+                <a:solidFill>
+                  <a:schemeClr val="bg1"/>
+                </a:solidFill>
+              </a:rPr>
+              <a:t>Eseguire localmente il file vulnerabile (/home/flag16/</a:t>
+            </a:r>
+            <a:r>
+              <a:rPr lang="it-IT" dirty="0" err="1">
+                <a:solidFill>
+                  <a:schemeClr val="bg1"/>
+                </a:solidFill>
+              </a:rPr>
+              <a:t>index.cgi</a:t>
+            </a:r>
+            <a:r>
+              <a:rPr lang="it-IT" dirty="0">
+                <a:solidFill>
+                  <a:schemeClr val="bg1"/>
+                </a:solidFill>
+              </a:rPr>
+              <a:t>) come utente level16, nel tentativo di sfruttarne la vulnerabilità, risulta un approccio inefficace o non funzionante. </a:t>
+            </a:r>
+          </a:p>
+          <a:p>
+            <a:endParaRPr lang="it-IT" dirty="0">
+              <a:solidFill>
+                <a:schemeClr val="bg1"/>
+              </a:solidFill>
+            </a:endParaRPr>
+          </a:p>
+          <a:p>
+            <a:r>
+              <a:rPr lang="it-IT" dirty="0">
+                <a:solidFill>
+                  <a:schemeClr val="bg1"/>
+                </a:solidFill>
+              </a:rPr>
+              <a:t>Sebbene l’utente level16 abbia i permessi per leggere ed eseguire il file </a:t>
+            </a:r>
+            <a:r>
+              <a:rPr lang="it-IT" dirty="0" err="1">
+                <a:solidFill>
+                  <a:schemeClr val="bg1"/>
+                </a:solidFill>
+              </a:rPr>
+              <a:t>index.cgi</a:t>
+            </a:r>
+            <a:r>
+              <a:rPr lang="it-IT" dirty="0">
+                <a:solidFill>
+                  <a:schemeClr val="bg1"/>
+                </a:solidFill>
+              </a:rPr>
+              <a:t>, l'esecuzione non avviene con i privilegi dell'utente flag16 (obiettivo della sfida), a meno che non venga gestita tramite un server web.</a:t>
+            </a:r>
+          </a:p>
+          <a:p>
+            <a:endParaRPr lang="it-IT" dirty="0">
+              <a:solidFill>
+                <a:schemeClr val="bg1"/>
+              </a:solidFill>
+            </a:endParaRPr>
+          </a:p>
+          <a:p>
+            <a:r>
+              <a:rPr lang="it-IT" dirty="0">
+                <a:solidFill>
+                  <a:schemeClr val="bg1"/>
+                </a:solidFill>
+              </a:rPr>
+              <a:t>Per questo motivo, è utile analizzare il file di configurazione </a:t>
+            </a:r>
+            <a:r>
+              <a:rPr lang="it-IT" dirty="0" err="1">
+                <a:solidFill>
+                  <a:schemeClr val="bg1"/>
+                </a:solidFill>
+              </a:rPr>
+              <a:t>thttpd.conf</a:t>
+            </a:r>
+            <a:r>
+              <a:rPr lang="it-IT" dirty="0">
+                <a:solidFill>
+                  <a:schemeClr val="bg1"/>
+                </a:solidFill>
+              </a:rPr>
+              <a:t>, presente nella directory accessibile /home/flag16/.</a:t>
+            </a:r>
+          </a:p>
+          <a:p>
+            <a:r>
+              <a:rPr lang="it-IT" dirty="0">
+                <a:solidFill>
+                  <a:schemeClr val="bg1"/>
+                </a:solidFill>
+              </a:rPr>
+              <a:t>Il file </a:t>
+            </a:r>
+            <a:r>
+              <a:rPr lang="it-IT" dirty="0" err="1">
+                <a:solidFill>
+                  <a:schemeClr val="bg1"/>
+                </a:solidFill>
+              </a:rPr>
+              <a:t>thttpd.conf</a:t>
+            </a:r>
+            <a:r>
+              <a:rPr lang="it-IT" dirty="0">
+                <a:solidFill>
+                  <a:schemeClr val="bg1"/>
+                </a:solidFill>
+              </a:rPr>
+              <a:t> è utilizzato dal server web </a:t>
+            </a:r>
+            <a:r>
+              <a:rPr lang="it-IT" dirty="0" err="1">
+                <a:solidFill>
+                  <a:schemeClr val="bg1"/>
+                </a:solidFill>
+              </a:rPr>
+              <a:t>thttpd</a:t>
+            </a:r>
+            <a:r>
+              <a:rPr lang="it-IT" dirty="0">
+                <a:solidFill>
+                  <a:schemeClr val="bg1"/>
+                </a:solidFill>
+              </a:rPr>
+              <a:t> (</a:t>
+            </a:r>
+            <a:r>
+              <a:rPr lang="it-IT" dirty="0" err="1">
+                <a:solidFill>
+                  <a:schemeClr val="bg1"/>
+                </a:solidFill>
+              </a:rPr>
+              <a:t>tiny</a:t>
+            </a:r>
+            <a:r>
+              <a:rPr lang="it-IT" dirty="0">
+                <a:solidFill>
+                  <a:schemeClr val="bg1"/>
+                </a:solidFill>
+              </a:rPr>
+              <a:t>/turbo/</a:t>
+            </a:r>
+            <a:r>
+              <a:rPr lang="it-IT" dirty="0" err="1">
+                <a:solidFill>
+                  <a:schemeClr val="bg1"/>
+                </a:solidFill>
+              </a:rPr>
+              <a:t>throttling</a:t>
+            </a:r>
+            <a:r>
+              <a:rPr lang="it-IT" dirty="0">
+                <a:solidFill>
+                  <a:schemeClr val="bg1"/>
+                </a:solidFill>
+              </a:rPr>
+              <a:t> HTTP server), un server HTTP leggero progettato per essere semplice, veloce e a basso consumo di risorse. Questo file permette di configurare il comportamento del server, specificando parametri come:</a:t>
+            </a:r>
+          </a:p>
+          <a:p>
+            <a:pPr marL="285750" indent="-285750">
+              <a:buFont typeface="Arial" panose="020B0604020202020204" pitchFamily="34" charset="0"/>
+              <a:buChar char="•"/>
+            </a:pPr>
+            <a:r>
+              <a:rPr lang="it-IT" dirty="0">
+                <a:solidFill>
+                  <a:schemeClr val="bg1"/>
+                </a:solidFill>
+              </a:rPr>
+              <a:t>la directory da cui servire i file (dir o </a:t>
+            </a:r>
+            <a:r>
+              <a:rPr lang="it-IT" dirty="0" err="1">
+                <a:solidFill>
+                  <a:schemeClr val="bg1"/>
+                </a:solidFill>
+              </a:rPr>
+              <a:t>chroot</a:t>
+            </a:r>
+            <a:r>
+              <a:rPr lang="it-IT" dirty="0">
+                <a:solidFill>
+                  <a:schemeClr val="bg1"/>
+                </a:solidFill>
+              </a:rPr>
+              <a:t>);</a:t>
+            </a:r>
+          </a:p>
+          <a:p>
+            <a:pPr marL="285750" indent="-285750">
+              <a:buFont typeface="Arial" panose="020B0604020202020204" pitchFamily="34" charset="0"/>
+              <a:buChar char="•"/>
+            </a:pPr>
+            <a:r>
+              <a:rPr lang="it-IT" dirty="0">
+                <a:solidFill>
+                  <a:schemeClr val="bg1"/>
+                </a:solidFill>
+              </a:rPr>
+              <a:t>la porta sulla quale il server deve ascoltare (port);</a:t>
+            </a:r>
+          </a:p>
+          <a:p>
+            <a:pPr marL="285750" indent="-285750">
+              <a:buFont typeface="Arial" panose="020B0604020202020204" pitchFamily="34" charset="0"/>
+              <a:buChar char="•"/>
+            </a:pPr>
+            <a:r>
+              <a:rPr lang="it-IT" dirty="0">
+                <a:solidFill>
+                  <a:schemeClr val="bg1"/>
+                </a:solidFill>
+              </a:rPr>
+              <a:t>il file di log da utilizzare (</a:t>
+            </a:r>
+            <a:r>
+              <a:rPr lang="it-IT" dirty="0" err="1">
+                <a:solidFill>
+                  <a:schemeClr val="bg1"/>
+                </a:solidFill>
+              </a:rPr>
+              <a:t>logfile</a:t>
+            </a:r>
+            <a:r>
+              <a:rPr lang="it-IT" dirty="0">
+                <a:solidFill>
+                  <a:schemeClr val="bg1"/>
+                </a:solidFill>
+              </a:rPr>
+              <a:t>);</a:t>
+            </a:r>
+          </a:p>
+          <a:p>
+            <a:pPr marL="285750" indent="-285750">
+              <a:buFont typeface="Arial" panose="020B0604020202020204" pitchFamily="34" charset="0"/>
+              <a:buChar char="•"/>
+            </a:pPr>
+            <a:r>
+              <a:rPr lang="it-IT" dirty="0">
+                <a:solidFill>
+                  <a:schemeClr val="bg1"/>
+                </a:solidFill>
+              </a:rPr>
+              <a:t>l’utente con cui il server deve essere eseguito (user);</a:t>
+            </a:r>
+          </a:p>
+          <a:p>
+            <a:pPr marL="285750" indent="-285750">
+              <a:buFont typeface="Arial" panose="020B0604020202020204" pitchFamily="34" charset="0"/>
+              <a:buChar char="•"/>
+            </a:pPr>
+            <a:r>
+              <a:rPr lang="it-IT" dirty="0">
+                <a:solidFill>
+                  <a:schemeClr val="bg1"/>
+                </a:solidFill>
+              </a:rPr>
+              <a:t>altri parametri, come la gestione dei file CGI o le estensioni MIME.</a:t>
+            </a:r>
+          </a:p>
+        </p:txBody>
+      </p:sp>
+      <p:sp>
+        <p:nvSpPr>
+          <p:cNvPr id="16" name="Titolo 4">
+            <a:extLst>
+              <a:ext uri="{FF2B5EF4-FFF2-40B4-BE49-F238E27FC236}">
+                <a16:creationId xmlns:a16="http://schemas.microsoft.com/office/drawing/2014/main" id="{4D2FDFFF-5907-A661-2183-B6C594D4EA7F}"/>
+              </a:ext>
+            </a:extLst>
+          </p:cNvPr>
+          <p:cNvSpPr txBox="1"/>
+          <p:nvPr/>
+        </p:nvSpPr>
+        <p:spPr>
+          <a:xfrm>
+            <a:off x="815179" y="1161828"/>
+            <a:ext cx="10278391" cy="609372"/>
+          </a:xfrm>
+          <a:prstGeom prst="rect">
+            <a:avLst/>
+          </a:prstGeom>
+          <a:noFill/>
+          <a:ln w="0">
+            <a:noFill/>
+          </a:ln>
+        </p:spPr>
+        <p:txBody>
+          <a:bodyPr lIns="0" anchor="b">
+            <a:noAutofit/>
+          </a:bodyPr>
           <a:lstStyle>
             <a:defPPr>
               <a:defRPr lang="it-IT"/>
             </a:defPPr>
+            <a:lvl1pPr marL="0" algn="l" defTabSz="914400" rtl="0" eaLnBrk="1" latinLnBrk="0" hangingPunct="1">
+              <a:defRPr sz="1800" kern="1200">
+                <a:solidFill>
+                  <a:schemeClr val="tx1"/>
+                </a:solidFill>
+                <a:latin typeface="+mn-lt"/>
+                <a:ea typeface="+mn-ea"/>
+                <a:cs typeface="+mn-cs"/>
+              </a:defRPr>
+            </a:lvl1pPr>
+            <a:lvl2pPr marL="457200" algn="l" defTabSz="914400" rtl="0" eaLnBrk="1" latinLnBrk="0" hangingPunct="1">
+              <a:defRPr sz="1800" kern="1200">
+                <a:solidFill>
+                  <a:schemeClr val="tx1"/>
+                </a:solidFill>
+                <a:latin typeface="+mn-lt"/>
+                <a:ea typeface="+mn-ea"/>
+                <a:cs typeface="+mn-cs"/>
+              </a:defRPr>
+            </a:lvl2pPr>
+            <a:lvl3pPr marL="914400" algn="l" defTabSz="914400" rtl="0" eaLnBrk="1" latinLnBrk="0" hangingPunct="1">
+              <a:defRPr sz="1800" kern="1200">
+                <a:solidFill>
+                  <a:schemeClr val="tx1"/>
+                </a:solidFill>
+                <a:latin typeface="+mn-lt"/>
+                <a:ea typeface="+mn-ea"/>
+                <a:cs typeface="+mn-cs"/>
+              </a:defRPr>
+            </a:lvl3pPr>
+            <a:lvl4pPr marL="1371600" algn="l" defTabSz="914400" rtl="0" eaLnBrk="1" latinLnBrk="0" hangingPunct="1">
+              <a:defRPr sz="1800" kern="1200">
+                <a:solidFill>
+                  <a:schemeClr val="tx1"/>
+                </a:solidFill>
+                <a:latin typeface="+mn-lt"/>
+                <a:ea typeface="+mn-ea"/>
+                <a:cs typeface="+mn-cs"/>
+              </a:defRPr>
+            </a:lvl4pPr>
+            <a:lvl5pPr marL="1828800" algn="l" defTabSz="914400" rtl="0" eaLnBrk="1" latinLnBrk="0" hangingPunct="1">
+              <a:defRPr sz="1800" kern="1200">
+                <a:solidFill>
+                  <a:schemeClr val="tx1"/>
+                </a:solidFill>
+                <a:latin typeface="+mn-lt"/>
+                <a:ea typeface="+mn-ea"/>
+                <a:cs typeface="+mn-cs"/>
+              </a:defRPr>
+            </a:lvl5pPr>
+            <a:lvl6pPr marL="2286000" algn="l" defTabSz="914400" rtl="0" eaLnBrk="1" latinLnBrk="0" hangingPunct="1">
+              <a:defRPr sz="1800" kern="1200">
+                <a:solidFill>
+                  <a:schemeClr val="tx1"/>
+                </a:solidFill>
+                <a:latin typeface="+mn-lt"/>
+                <a:ea typeface="+mn-ea"/>
+                <a:cs typeface="+mn-cs"/>
+              </a:defRPr>
+            </a:lvl6pPr>
+            <a:lvl7pPr marL="2743200" algn="l" defTabSz="914400" rtl="0" eaLnBrk="1" latinLnBrk="0" hangingPunct="1">
+              <a:defRPr sz="1800" kern="1200">
+                <a:solidFill>
+                  <a:schemeClr val="tx1"/>
+                </a:solidFill>
+                <a:latin typeface="+mn-lt"/>
+                <a:ea typeface="+mn-ea"/>
+                <a:cs typeface="+mn-cs"/>
+              </a:defRPr>
+            </a:lvl7pPr>
+            <a:lvl8pPr marL="3200400" algn="l" defTabSz="914400" rtl="0" eaLnBrk="1" latinLnBrk="0" hangingPunct="1">
+              <a:defRPr sz="1800" kern="1200">
+                <a:solidFill>
+                  <a:schemeClr val="tx1"/>
+                </a:solidFill>
+                <a:latin typeface="+mn-lt"/>
+                <a:ea typeface="+mn-ea"/>
+                <a:cs typeface="+mn-cs"/>
+              </a:defRPr>
+            </a:lvl8pPr>
+            <a:lvl9pPr marL="3657600" algn="l" defTabSz="914400" rtl="0" eaLnBrk="1" latinLnBrk="0" hangingPunct="1">
+              <a:defRPr sz="1800" kern="1200">
+                <a:solidFill>
+                  <a:schemeClr val="tx1"/>
+                </a:solidFill>
+                <a:latin typeface="+mn-lt"/>
+                <a:ea typeface="+mn-ea"/>
+                <a:cs typeface="+mn-cs"/>
+              </a:defRPr>
+            </a:lvl9pPr>
           </a:lstStyle>
           <a:p>
-            <a:pPr rtl="0"/>
-            <a:r>
-              <a:rPr lang="it-IT"/>
-              <a:t>SUGGERIMENTI FINALI E CONSIDERAZIONI</a:t>
-            </a:r>
-          </a:p>
-        </p:txBody>
-      </p:sp>
-      <p:sp>
-        <p:nvSpPr>
-          <p:cNvPr id="3" name="Segnaposto contenuto 2">
-            <a:extLst>
-              <a:ext uri="{FF2B5EF4-FFF2-40B4-BE49-F238E27FC236}">
-                <a16:creationId xmlns:a16="http://schemas.microsoft.com/office/drawing/2014/main" id="{7D7CECA3-144C-CD4B-9246-81B4F2E65466}"/>
-              </a:ext>
-            </a:extLst>
-          </p:cNvPr>
-          <p:cNvSpPr>
-            <a:spLocks noGrp="1"/>
-          </p:cNvSpPr>
-          <p:nvPr>
-            <p:ph sz="quarter" idx="36"/>
-          </p:nvPr>
-        </p:nvSpPr>
-        <p:spPr>
-          <a:xfrm>
-            <a:off x="814302" y="2465535"/>
-            <a:ext cx="7303538" cy="3427265"/>
-          </a:xfrm>
-        </p:spPr>
-        <p:txBody>
-          <a:bodyPr rtlCol="0"/>
-          <a:lstStyle>
-            <a:defPPr>
-              <a:defRPr lang="it-IT"/>
-            </a:defPPr>
-          </a:lstStyle>
-          <a:p>
-            <a:pPr rtl="0"/>
-            <a:r>
-              <a:rPr lang="it-IT" dirty="0"/>
-              <a:t>Prove costanti</a:t>
-            </a:r>
-          </a:p>
-          <a:p>
-            <a:pPr lvl="1" rtl="0"/>
-            <a:r>
-              <a:rPr lang="it-IT" dirty="0"/>
-              <a:t>Rafforza la tua familiarità</a:t>
-            </a:r>
-          </a:p>
-          <a:p>
-            <a:pPr rtl="0"/>
-            <a:r>
-              <a:rPr lang="it-IT" dirty="0"/>
-              <a:t>Perfeziona il tuo stile di comunicazione</a:t>
-            </a:r>
-          </a:p>
-          <a:p>
-            <a:pPr lvl="1" rtl="0"/>
-            <a:r>
-              <a:rPr lang="it-IT" dirty="0"/>
-              <a:t>Ritmo, tono ed enfasi</a:t>
-            </a:r>
-          </a:p>
-          <a:p>
-            <a:pPr rtl="0"/>
-            <a:r>
-              <a:rPr lang="it-IT" dirty="0"/>
-              <a:t>Tempi e transizioni</a:t>
-            </a:r>
-          </a:p>
-          <a:p>
-            <a:pPr lvl="1" rtl="0"/>
-            <a:r>
-              <a:rPr lang="it-IT" dirty="0"/>
-              <a:t>Punta a una presentazione professionale e senza interruzioni</a:t>
-            </a:r>
-          </a:p>
-          <a:p>
-            <a:pPr rtl="0"/>
-            <a:r>
-              <a:rPr lang="it-IT" dirty="0"/>
-              <a:t>Gruppo di destinatari delle esercitazioni</a:t>
-            </a:r>
-          </a:p>
-          <a:p>
-            <a:pPr lvl="1" rtl="0"/>
-            <a:r>
-              <a:rPr lang="it-IT" dirty="0"/>
-              <a:t>Chiedi ai colleghi di ascoltarti e fornirti un feedback</a:t>
-            </a:r>
-          </a:p>
-        </p:txBody>
-      </p:sp>
-      <p:sp>
-        <p:nvSpPr>
-          <p:cNvPr id="5" name="Segnaposto contenuto 4">
-            <a:extLst>
-              <a:ext uri="{FF2B5EF4-FFF2-40B4-BE49-F238E27FC236}">
-                <a16:creationId xmlns:a16="http://schemas.microsoft.com/office/drawing/2014/main" id="{A33D1544-95D3-8A05-6E1B-C08C307C55D4}"/>
-              </a:ext>
-            </a:extLst>
-          </p:cNvPr>
-          <p:cNvSpPr>
-            <a:spLocks noGrp="1"/>
-          </p:cNvSpPr>
-          <p:nvPr>
-            <p:ph sz="quarter" idx="37"/>
-          </p:nvPr>
-        </p:nvSpPr>
-        <p:spPr>
-          <a:xfrm>
-            <a:off x="8392160" y="2465388"/>
-            <a:ext cx="2856865" cy="3427412"/>
-          </a:xfrm>
-        </p:spPr>
-        <p:txBody>
-          <a:bodyPr rtlCol="0"/>
-          <a:lstStyle>
-            <a:defPPr>
-              <a:defRPr lang="it-IT"/>
-            </a:defPPr>
-          </a:lstStyle>
-          <a:p>
-            <a:pPr rtl="0"/>
-            <a:r>
-              <a:rPr lang="it-IT" dirty="0"/>
-              <a:t>Richiedi un feedback</a:t>
-            </a:r>
-          </a:p>
-          <a:p>
-            <a:pPr rtl="0"/>
-            <a:r>
-              <a:rPr lang="it-IT" dirty="0"/>
-              <a:t>Rifletti sulle tue prestazioni</a:t>
-            </a:r>
-          </a:p>
-          <a:p>
-            <a:pPr rtl="0"/>
-            <a:r>
-              <a:rPr lang="it-IT" dirty="0"/>
-              <a:t>Esplora nuove tecniche</a:t>
-            </a:r>
-          </a:p>
-          <a:p>
-            <a:pPr rtl="0"/>
-            <a:r>
-              <a:rPr lang="it-IT" dirty="0"/>
-              <a:t>Imposta obiettivi personali</a:t>
-            </a:r>
-          </a:p>
-          <a:p>
-            <a:pPr rtl="0"/>
-            <a:r>
-              <a:rPr lang="it-IT" dirty="0"/>
-              <a:t>Ripeti e adatta</a:t>
-            </a:r>
-          </a:p>
-        </p:txBody>
-      </p:sp>
-      <p:sp>
-        <p:nvSpPr>
-          <p:cNvPr id="4" name="Segnaposto numero diapositiva 3">
-            <a:extLst>
-              <a:ext uri="{FF2B5EF4-FFF2-40B4-BE49-F238E27FC236}">
-                <a16:creationId xmlns:a16="http://schemas.microsoft.com/office/drawing/2014/main" id="{FD1E69EA-A9E8-C521-7C62-DA1F24879918}"/>
-              </a:ext>
-            </a:extLst>
-          </p:cNvPr>
-          <p:cNvSpPr>
-            <a:spLocks noGrp="1"/>
-          </p:cNvSpPr>
-          <p:nvPr>
-            <p:ph type="sldNum" sz="quarter" idx="12"/>
-          </p:nvPr>
-        </p:nvSpPr>
-        <p:spPr>
-          <a:xfrm>
-            <a:off x="9140971" y="6226198"/>
-            <a:ext cx="2743200" cy="365125"/>
-          </a:xfrm>
-        </p:spPr>
-        <p:txBody>
-          <a:bodyPr rtlCol="0"/>
-          <a:lstStyle>
-            <a:defPPr>
-              <a:defRPr lang="it-IT"/>
-            </a:defPPr>
-          </a:lstStyle>
-          <a:p>
-            <a:pPr marL="0" marR="0" lvl="0" indent="0" algn="r" defTabSz="914400" rtl="0" eaLnBrk="1" fontAlgn="auto" latinLnBrk="0" hangingPunct="1">
+            <a:pPr>
               <a:lnSpc>
-                <a:spcPct val="100000"/>
+                <a:spcPct val="90000"/>
               </a:lnSpc>
-              <a:spcBef>
-                <a:spcPts val="0"/>
-              </a:spcBef>
-              <a:spcAft>
-                <a:spcPts val="0"/>
-              </a:spcAft>
-              <a:buClrTx/>
-              <a:buSzTx/>
-              <a:buFontTx/>
-              <a:buNone/>
-              <a:tabLst/>
-              <a:defRPr/>
             </a:pPr>
-            <a:fld id="{FE024F78-56A6-7740-B68D-8D4D026EDF3F}" type="slidenum">
-              <a:rPr kumimoji="0" lang="it-IT" sz="1200" b="0" i="0" u="none" strike="noStrike" kern="1200" cap="none" spc="0" normalizeH="0" baseline="0" noProof="0" smtClean="0">
-                <a:ln>
-                  <a:noFill/>
-                </a:ln>
-                <a:solidFill>
-                  <a:srgbClr val="FFFFFF"/>
-                </a:solidFill>
-                <a:effectLst/>
-                <a:uLnTx/>
-                <a:uFillTx/>
-                <a:latin typeface="Biome"/>
-                <a:ea typeface="+mn-ea"/>
-                <a:cs typeface="Biome" panose="020B0503030204020804" pitchFamily="34" charset="0"/>
-              </a:rPr>
-              <a:pPr marL="0" marR="0" lvl="0" indent="0" algn="r" defTabSz="914400" rtl="0" eaLnBrk="1" fontAlgn="auto" latinLnBrk="0" hangingPunct="1">
-                <a:lnSpc>
-                  <a:spcPct val="100000"/>
-                </a:lnSpc>
-                <a:spcBef>
-                  <a:spcPts val="0"/>
-                </a:spcBef>
-                <a:spcAft>
-                  <a:spcPts val="0"/>
-                </a:spcAft>
-                <a:buClrTx/>
-                <a:buSzTx/>
-                <a:buFontTx/>
-                <a:buNone/>
-                <a:tabLst/>
-                <a:defRPr/>
-              </a:pPr>
-              <a:t>10</a:t>
-            </a:fld>
-            <a:endParaRPr kumimoji="0" lang="it-IT" sz="1200" b="0" i="0" u="none" strike="noStrike" kern="1200" cap="none" spc="0" normalizeH="0" baseline="0" noProof="0" dirty="0">
-              <a:ln>
-                <a:noFill/>
-              </a:ln>
-              <a:solidFill>
-                <a:srgbClr val="FFFFFF"/>
-              </a:solidFill>
-              <a:effectLst/>
-              <a:uLnTx/>
-              <a:uFillTx/>
-              <a:latin typeface="Biome"/>
-              <a:ea typeface="+mn-ea"/>
-              <a:cs typeface="Biome" panose="020B0503030204020804" pitchFamily="34" charset="0"/>
-            </a:endParaRPr>
+            <a:r>
+              <a:rPr lang="it-IT" sz="3200" b="1" strike="noStrike" spc="300" dirty="0">
+                <a:solidFill>
+                  <a:schemeClr val="bg1"/>
+                </a:solidFill>
+                <a:latin typeface="+mj-lt"/>
+              </a:rPr>
+              <a:t>LIMITAZIONI DELL’ESECUZIONE LOCALE: STUDIO DEL COMPORTAMENTO DI INDEX.CGI TRAMITE THTTPD</a:t>
+            </a:r>
           </a:p>
         </p:txBody>
       </p:sp>
@@ -14893,7 +16745,980 @@
 </p:sld>
 </file>
 
-<file path=ppt/slides/slide11.xml><?xml version="1.0" encoding="utf-8"?>
+<file path=ppt/slides/slide12.xml><?xml version="1.0" encoding="utf-8"?>
+<p:sld xmlns:a="http://schemas.openxmlformats.org/drawingml/2006/main" xmlns:r="http://schemas.openxmlformats.org/officeDocument/2006/relationships" xmlns:p="http://schemas.openxmlformats.org/presentationml/2006/main">
+  <p:cSld>
+    <p:spTree>
+      <p:nvGrpSpPr>
+        <p:cNvPr id="1" name="">
+          <a:extLst>
+            <a:ext uri="{FF2B5EF4-FFF2-40B4-BE49-F238E27FC236}">
+              <a16:creationId xmlns:a16="http://schemas.microsoft.com/office/drawing/2014/main" id="{0D3D9308-C5DF-C66D-C6A3-67104E1F3D15}"/>
+            </a:ext>
+          </a:extLst>
+        </p:cNvPr>
+        <p:cNvGrpSpPr/>
+        <p:nvPr/>
+      </p:nvGrpSpPr>
+      <p:grpSpPr>
+        <a:xfrm>
+          <a:off x="0" y="0"/>
+          <a:ext cx="0" cy="0"/>
+          <a:chOff x="0" y="0"/>
+          <a:chExt cx="0" cy="0"/>
+        </a:xfrm>
+      </p:grpSpPr>
+      <p:sp>
+        <p:nvSpPr>
+          <p:cNvPr id="16" name="Titolo 4">
+            <a:extLst>
+              <a:ext uri="{FF2B5EF4-FFF2-40B4-BE49-F238E27FC236}">
+                <a16:creationId xmlns:a16="http://schemas.microsoft.com/office/drawing/2014/main" id="{7119969C-D891-CE87-D13A-A0F080C54473}"/>
+              </a:ext>
+            </a:extLst>
+          </p:cNvPr>
+          <p:cNvSpPr txBox="1"/>
+          <p:nvPr/>
+        </p:nvSpPr>
+        <p:spPr>
+          <a:xfrm>
+            <a:off x="3903436" y="0"/>
+            <a:ext cx="10278391" cy="609372"/>
+          </a:xfrm>
+          <a:prstGeom prst="rect">
+            <a:avLst/>
+          </a:prstGeom>
+          <a:noFill/>
+          <a:ln w="0">
+            <a:noFill/>
+          </a:ln>
+        </p:spPr>
+        <p:txBody>
+          <a:bodyPr lIns="0" anchor="b">
+            <a:noAutofit/>
+          </a:bodyPr>
+          <a:lstStyle>
+            <a:defPPr>
+              <a:defRPr lang="it-IT"/>
+            </a:defPPr>
+            <a:lvl1pPr marL="0" algn="l" defTabSz="914400" rtl="0" eaLnBrk="1" latinLnBrk="0" hangingPunct="1">
+              <a:defRPr sz="1800" kern="1200">
+                <a:solidFill>
+                  <a:schemeClr val="tx1"/>
+                </a:solidFill>
+                <a:latin typeface="+mn-lt"/>
+                <a:ea typeface="+mn-ea"/>
+                <a:cs typeface="+mn-cs"/>
+              </a:defRPr>
+            </a:lvl1pPr>
+            <a:lvl2pPr marL="457200" algn="l" defTabSz="914400" rtl="0" eaLnBrk="1" latinLnBrk="0" hangingPunct="1">
+              <a:defRPr sz="1800" kern="1200">
+                <a:solidFill>
+                  <a:schemeClr val="tx1"/>
+                </a:solidFill>
+                <a:latin typeface="+mn-lt"/>
+                <a:ea typeface="+mn-ea"/>
+                <a:cs typeface="+mn-cs"/>
+              </a:defRPr>
+            </a:lvl2pPr>
+            <a:lvl3pPr marL="914400" algn="l" defTabSz="914400" rtl="0" eaLnBrk="1" latinLnBrk="0" hangingPunct="1">
+              <a:defRPr sz="1800" kern="1200">
+                <a:solidFill>
+                  <a:schemeClr val="tx1"/>
+                </a:solidFill>
+                <a:latin typeface="+mn-lt"/>
+                <a:ea typeface="+mn-ea"/>
+                <a:cs typeface="+mn-cs"/>
+              </a:defRPr>
+            </a:lvl3pPr>
+            <a:lvl4pPr marL="1371600" algn="l" defTabSz="914400" rtl="0" eaLnBrk="1" latinLnBrk="0" hangingPunct="1">
+              <a:defRPr sz="1800" kern="1200">
+                <a:solidFill>
+                  <a:schemeClr val="tx1"/>
+                </a:solidFill>
+                <a:latin typeface="+mn-lt"/>
+                <a:ea typeface="+mn-ea"/>
+                <a:cs typeface="+mn-cs"/>
+              </a:defRPr>
+            </a:lvl4pPr>
+            <a:lvl5pPr marL="1828800" algn="l" defTabSz="914400" rtl="0" eaLnBrk="1" latinLnBrk="0" hangingPunct="1">
+              <a:defRPr sz="1800" kern="1200">
+                <a:solidFill>
+                  <a:schemeClr val="tx1"/>
+                </a:solidFill>
+                <a:latin typeface="+mn-lt"/>
+                <a:ea typeface="+mn-ea"/>
+                <a:cs typeface="+mn-cs"/>
+              </a:defRPr>
+            </a:lvl5pPr>
+            <a:lvl6pPr marL="2286000" algn="l" defTabSz="914400" rtl="0" eaLnBrk="1" latinLnBrk="0" hangingPunct="1">
+              <a:defRPr sz="1800" kern="1200">
+                <a:solidFill>
+                  <a:schemeClr val="tx1"/>
+                </a:solidFill>
+                <a:latin typeface="+mn-lt"/>
+                <a:ea typeface="+mn-ea"/>
+                <a:cs typeface="+mn-cs"/>
+              </a:defRPr>
+            </a:lvl6pPr>
+            <a:lvl7pPr marL="2743200" algn="l" defTabSz="914400" rtl="0" eaLnBrk="1" latinLnBrk="0" hangingPunct="1">
+              <a:defRPr sz="1800" kern="1200">
+                <a:solidFill>
+                  <a:schemeClr val="tx1"/>
+                </a:solidFill>
+                <a:latin typeface="+mn-lt"/>
+                <a:ea typeface="+mn-ea"/>
+                <a:cs typeface="+mn-cs"/>
+              </a:defRPr>
+            </a:lvl7pPr>
+            <a:lvl8pPr marL="3200400" algn="l" defTabSz="914400" rtl="0" eaLnBrk="1" latinLnBrk="0" hangingPunct="1">
+              <a:defRPr sz="1800" kern="1200">
+                <a:solidFill>
+                  <a:schemeClr val="tx1"/>
+                </a:solidFill>
+                <a:latin typeface="+mn-lt"/>
+                <a:ea typeface="+mn-ea"/>
+                <a:cs typeface="+mn-cs"/>
+              </a:defRPr>
+            </a:lvl8pPr>
+            <a:lvl9pPr marL="3657600" algn="l" defTabSz="914400" rtl="0" eaLnBrk="1" latinLnBrk="0" hangingPunct="1">
+              <a:defRPr sz="1800" kern="1200">
+                <a:solidFill>
+                  <a:schemeClr val="tx1"/>
+                </a:solidFill>
+                <a:latin typeface="+mn-lt"/>
+                <a:ea typeface="+mn-ea"/>
+                <a:cs typeface="+mn-cs"/>
+              </a:defRPr>
+            </a:lvl9pPr>
+          </a:lstStyle>
+          <a:p>
+            <a:pPr>
+              <a:lnSpc>
+                <a:spcPct val="90000"/>
+              </a:lnSpc>
+            </a:pPr>
+            <a:r>
+              <a:rPr lang="it-IT" sz="3200" b="1" spc="300" dirty="0">
+                <a:solidFill>
+                  <a:schemeClr val="bg1"/>
+                </a:solidFill>
+                <a:latin typeface="+mj-lt"/>
+              </a:rPr>
+              <a:t>IL FILE </a:t>
+            </a:r>
+            <a:r>
+              <a:rPr lang="it-IT" sz="3200" b="1" strike="noStrike" spc="300" dirty="0">
+                <a:solidFill>
+                  <a:schemeClr val="bg1"/>
+                </a:solidFill>
+                <a:latin typeface="+mj-lt"/>
+              </a:rPr>
+              <a:t>THTTPD.CONF</a:t>
+            </a:r>
+          </a:p>
+        </p:txBody>
+      </p:sp>
+      <p:pic>
+        <p:nvPicPr>
+          <p:cNvPr id="3" name="Immagine 2">
+            <a:extLst>
+              <a:ext uri="{FF2B5EF4-FFF2-40B4-BE49-F238E27FC236}">
+                <a16:creationId xmlns:a16="http://schemas.microsoft.com/office/drawing/2014/main" id="{9ABFE9DA-13B2-CA6B-0127-B5838CBA72F0}"/>
+              </a:ext>
+            </a:extLst>
+          </p:cNvPr>
+          <p:cNvPicPr>
+            <a:picLocks noChangeAspect="1"/>
+          </p:cNvPicPr>
+          <p:nvPr/>
+        </p:nvPicPr>
+        <p:blipFill>
+          <a:blip r:embed="rId3"/>
+          <a:stretch>
+            <a:fillRect/>
+          </a:stretch>
+        </p:blipFill>
+        <p:spPr>
+          <a:xfrm>
+            <a:off x="5688968" y="981146"/>
+            <a:ext cx="5721682" cy="481026"/>
+          </a:xfrm>
+          <a:prstGeom prst="rect">
+            <a:avLst/>
+          </a:prstGeom>
+        </p:spPr>
+      </p:pic>
+      <p:sp>
+        <p:nvSpPr>
+          <p:cNvPr id="4" name="CasellaDiTesto 3">
+            <a:extLst>
+              <a:ext uri="{FF2B5EF4-FFF2-40B4-BE49-F238E27FC236}">
+                <a16:creationId xmlns:a16="http://schemas.microsoft.com/office/drawing/2014/main" id="{40387EEA-F9E3-CE99-14D1-0D0489A7716B}"/>
+              </a:ext>
+            </a:extLst>
+          </p:cNvPr>
+          <p:cNvSpPr txBox="1"/>
+          <p:nvPr/>
+        </p:nvSpPr>
+        <p:spPr>
+          <a:xfrm>
+            <a:off x="781350" y="743801"/>
+            <a:ext cx="4014158" cy="1200329"/>
+          </a:xfrm>
+          <a:prstGeom prst="rect">
+            <a:avLst/>
+          </a:prstGeom>
+          <a:noFill/>
+        </p:spPr>
+        <p:txBody>
+          <a:bodyPr wrap="square" rtlCol="0">
+            <a:spAutoFit/>
+          </a:bodyPr>
+          <a:lstStyle/>
+          <a:p>
+            <a:r>
+              <a:rPr lang="it-IT" dirty="0">
+                <a:solidFill>
+                  <a:schemeClr val="bg1"/>
+                </a:solidFill>
+              </a:rPr>
+              <a:t>Il file </a:t>
+            </a:r>
+            <a:r>
+              <a:rPr lang="it-IT" dirty="0" err="1">
+                <a:solidFill>
+                  <a:schemeClr val="bg1"/>
+                </a:solidFill>
+              </a:rPr>
+              <a:t>thttpd.conf</a:t>
+            </a:r>
+            <a:r>
+              <a:rPr lang="it-IT" dirty="0">
+                <a:solidFill>
+                  <a:schemeClr val="bg1"/>
+                </a:solidFill>
+              </a:rPr>
+              <a:t> è leggibile da tutti gli utenti e modificabile solo da root </a:t>
+            </a:r>
+          </a:p>
+          <a:p>
+            <a:r>
+              <a:rPr lang="it-IT" dirty="0">
+                <a:solidFill>
+                  <a:schemeClr val="bg1"/>
+                </a:solidFill>
+              </a:rPr>
+              <a:t>Identifica il server Web con il quale viene eseguito </a:t>
+            </a:r>
+            <a:r>
+              <a:rPr lang="it-IT" dirty="0" err="1">
+                <a:solidFill>
+                  <a:schemeClr val="bg1"/>
+                </a:solidFill>
+              </a:rPr>
+              <a:t>index.cgi</a:t>
+            </a:r>
+            <a:endParaRPr lang="it-IT" dirty="0">
+              <a:solidFill>
+                <a:schemeClr val="bg1"/>
+              </a:solidFill>
+            </a:endParaRPr>
+          </a:p>
+        </p:txBody>
+      </p:sp>
+      <p:pic>
+        <p:nvPicPr>
+          <p:cNvPr id="6" name="Immagine 5">
+            <a:extLst>
+              <a:ext uri="{FF2B5EF4-FFF2-40B4-BE49-F238E27FC236}">
+                <a16:creationId xmlns:a16="http://schemas.microsoft.com/office/drawing/2014/main" id="{EE92485A-D01B-265B-DEE1-E9C160B825AE}"/>
+              </a:ext>
+            </a:extLst>
+          </p:cNvPr>
+          <p:cNvPicPr>
+            <a:picLocks noChangeAspect="1"/>
+          </p:cNvPicPr>
+          <p:nvPr/>
+        </p:nvPicPr>
+        <p:blipFill>
+          <a:blip r:embed="rId4"/>
+          <a:stretch>
+            <a:fillRect/>
+          </a:stretch>
+        </p:blipFill>
+        <p:spPr>
+          <a:xfrm>
+            <a:off x="5906573" y="2181126"/>
+            <a:ext cx="5113422" cy="4195787"/>
+          </a:xfrm>
+          <a:prstGeom prst="rect">
+            <a:avLst/>
+          </a:prstGeom>
+        </p:spPr>
+      </p:pic>
+      <p:sp>
+        <p:nvSpPr>
+          <p:cNvPr id="11" name="CasellaDiTesto 10">
+            <a:extLst>
+              <a:ext uri="{FF2B5EF4-FFF2-40B4-BE49-F238E27FC236}">
+                <a16:creationId xmlns:a16="http://schemas.microsoft.com/office/drawing/2014/main" id="{2B1D7A48-1CA4-490E-9ADC-0BA133784806}"/>
+              </a:ext>
+            </a:extLst>
+          </p:cNvPr>
+          <p:cNvSpPr txBox="1"/>
+          <p:nvPr/>
+        </p:nvSpPr>
+        <p:spPr>
+          <a:xfrm>
+            <a:off x="781350" y="2660799"/>
+            <a:ext cx="4548638" cy="2585323"/>
+          </a:xfrm>
+          <a:prstGeom prst="rect">
+            <a:avLst/>
+          </a:prstGeom>
+          <a:noFill/>
+        </p:spPr>
+        <p:txBody>
+          <a:bodyPr wrap="square" rtlCol="0">
+            <a:spAutoFit/>
+          </a:bodyPr>
+          <a:lstStyle/>
+          <a:p>
+            <a:pPr marL="285750" indent="-285750">
+              <a:buFont typeface="Arial" panose="020B0604020202020204" pitchFamily="34" charset="0"/>
+              <a:buChar char="•"/>
+            </a:pPr>
+            <a:r>
+              <a:rPr lang="it-IT" dirty="0">
+                <a:solidFill>
+                  <a:schemeClr val="bg1"/>
+                </a:solidFill>
+              </a:rPr>
+              <a:t>port = 1616: il server Web </a:t>
+            </a:r>
+            <a:r>
+              <a:rPr lang="it-IT" dirty="0" err="1">
+                <a:solidFill>
+                  <a:schemeClr val="bg1"/>
+                </a:solidFill>
+              </a:rPr>
+              <a:t>thttpd</a:t>
+            </a:r>
+            <a:r>
+              <a:rPr lang="it-IT" dirty="0">
+                <a:solidFill>
+                  <a:schemeClr val="bg1"/>
+                </a:solidFill>
+              </a:rPr>
+              <a:t> ascolta sulla porta 1616</a:t>
+            </a:r>
+          </a:p>
+          <a:p>
+            <a:pPr marL="285750" indent="-285750">
+              <a:buFont typeface="Arial" panose="020B0604020202020204" pitchFamily="34" charset="0"/>
+              <a:buChar char="•"/>
+            </a:pPr>
+            <a:r>
+              <a:rPr lang="it-IT" dirty="0">
+                <a:solidFill>
+                  <a:schemeClr val="bg1"/>
+                </a:solidFill>
+              </a:rPr>
+              <a:t>dir = /home/flag16: la directory radice del server Web è /home/flag16</a:t>
+            </a:r>
+          </a:p>
+          <a:p>
+            <a:pPr marL="285750" indent="-285750">
+              <a:buFont typeface="Arial" panose="020B0604020202020204" pitchFamily="34" charset="0"/>
+              <a:buChar char="•"/>
+            </a:pPr>
+            <a:r>
+              <a:rPr lang="it-IT" dirty="0" err="1">
+                <a:solidFill>
+                  <a:schemeClr val="bg1"/>
+                </a:solidFill>
+              </a:rPr>
+              <a:t>nochroot</a:t>
+            </a:r>
+            <a:r>
+              <a:rPr lang="it-IT" dirty="0">
+                <a:solidFill>
+                  <a:schemeClr val="bg1"/>
+                </a:solidFill>
+              </a:rPr>
+              <a:t>: il server Web “vede” l’intero file system </a:t>
+            </a:r>
+            <a:r>
+              <a:rPr lang="it-IT" dirty="0" err="1">
+                <a:solidFill>
+                  <a:schemeClr val="bg1"/>
+                </a:solidFill>
+              </a:rPr>
+              <a:t>dell’host</a:t>
+            </a:r>
+            <a:r>
+              <a:rPr lang="it-IT" dirty="0">
+                <a:solidFill>
+                  <a:schemeClr val="bg1"/>
+                </a:solidFill>
+              </a:rPr>
+              <a:t> ➔ user = flag16: il server Web esegue con i diritti dell’utente flag16</a:t>
+            </a:r>
+          </a:p>
+          <a:p>
+            <a:pPr marL="285750" indent="-285750">
+              <a:buFont typeface="Arial" panose="020B0604020202020204" pitchFamily="34" charset="0"/>
+              <a:buChar char="•"/>
+            </a:pPr>
+            <a:endParaRPr lang="it-IT" dirty="0">
+              <a:solidFill>
+                <a:schemeClr val="bg1"/>
+              </a:solidFill>
+            </a:endParaRPr>
+          </a:p>
+        </p:txBody>
+      </p:sp>
+    </p:spTree>
+    <p:extLst>
+      <p:ext uri="{BB962C8B-B14F-4D97-AF65-F5344CB8AC3E}">
+        <p14:creationId xmlns:p14="http://schemas.microsoft.com/office/powerpoint/2010/main" val="3258024463"/>
+      </p:ext>
+    </p:extLst>
+  </p:cSld>
+  <p:clrMapOvr>
+    <a:masterClrMapping/>
+  </p:clrMapOvr>
+</p:sld>
+</file>
+
+<file path=ppt/slides/slide13.xml><?xml version="1.0" encoding="utf-8"?>
+<p:sld xmlns:a="http://schemas.openxmlformats.org/drawingml/2006/main" xmlns:r="http://schemas.openxmlformats.org/officeDocument/2006/relationships" xmlns:p="http://schemas.openxmlformats.org/presentationml/2006/main">
+  <p:cSld>
+    <p:spTree>
+      <p:nvGrpSpPr>
+        <p:cNvPr id="1" name="">
+          <a:extLst>
+            <a:ext uri="{FF2B5EF4-FFF2-40B4-BE49-F238E27FC236}">
+              <a16:creationId xmlns:a16="http://schemas.microsoft.com/office/drawing/2014/main" id="{02F374F8-585B-A912-5192-DB88AB330E67}"/>
+            </a:ext>
+          </a:extLst>
+        </p:cNvPr>
+        <p:cNvGrpSpPr/>
+        <p:nvPr/>
+      </p:nvGrpSpPr>
+      <p:grpSpPr>
+        <a:xfrm>
+          <a:off x="0" y="0"/>
+          <a:ext cx="0" cy="0"/>
+          <a:chOff x="0" y="0"/>
+          <a:chExt cx="0" cy="0"/>
+        </a:xfrm>
+      </p:grpSpPr>
+      <p:sp>
+        <p:nvSpPr>
+          <p:cNvPr id="13" name="CasellaDiTesto 12">
+            <a:extLst>
+              <a:ext uri="{FF2B5EF4-FFF2-40B4-BE49-F238E27FC236}">
+                <a16:creationId xmlns:a16="http://schemas.microsoft.com/office/drawing/2014/main" id="{FB23F7D2-7111-66D7-9AA7-C890F05A4325}"/>
+              </a:ext>
+            </a:extLst>
+          </p:cNvPr>
+          <p:cNvSpPr txBox="1"/>
+          <p:nvPr/>
+        </p:nvSpPr>
+        <p:spPr>
+          <a:xfrm>
+            <a:off x="762000" y="1943819"/>
+            <a:ext cx="10668000" cy="4247317"/>
+          </a:xfrm>
+          <a:prstGeom prst="rect">
+            <a:avLst/>
+          </a:prstGeom>
+          <a:noFill/>
+        </p:spPr>
+        <p:txBody>
+          <a:bodyPr wrap="square">
+            <a:spAutoFit/>
+          </a:bodyPr>
+          <a:lstStyle/>
+          <a:p>
+            <a:r>
+              <a:rPr lang="it-IT" dirty="0">
+                <a:solidFill>
+                  <a:schemeClr val="bg1"/>
+                </a:solidFill>
+              </a:rPr>
+              <a:t>È fondamentale individuare un server web che esegua il file </a:t>
+            </a:r>
+            <a:r>
+              <a:rPr lang="it-IT" dirty="0" err="1">
+                <a:solidFill>
+                  <a:schemeClr val="bg1"/>
+                </a:solidFill>
+              </a:rPr>
+              <a:t>index.cgi</a:t>
+            </a:r>
+            <a:r>
+              <a:rPr lang="it-IT" dirty="0">
+                <a:solidFill>
+                  <a:schemeClr val="bg1"/>
+                </a:solidFill>
+              </a:rPr>
+              <a:t> con i privilegi </a:t>
+            </a:r>
+            <a:r>
+              <a:rPr lang="it-IT" b="1" dirty="0">
+                <a:solidFill>
+                  <a:schemeClr val="bg1"/>
+                </a:solidFill>
+              </a:rPr>
+              <a:t>SETUID </a:t>
+            </a:r>
+            <a:r>
+              <a:rPr lang="it-IT" dirty="0">
+                <a:solidFill>
+                  <a:schemeClr val="bg1"/>
+                </a:solidFill>
+              </a:rPr>
+              <a:t>dell’utente </a:t>
+            </a:r>
+            <a:r>
+              <a:rPr lang="it-IT" b="1" dirty="0">
+                <a:solidFill>
+                  <a:schemeClr val="bg1"/>
+                </a:solidFill>
+              </a:rPr>
+              <a:t>flag16</a:t>
+            </a:r>
+            <a:r>
+              <a:rPr lang="it-IT" dirty="0">
+                <a:solidFill>
+                  <a:schemeClr val="bg1"/>
+                </a:solidFill>
+              </a:rPr>
+              <a:t>. </a:t>
+            </a:r>
+          </a:p>
+          <a:p>
+            <a:r>
+              <a:rPr lang="it-IT" dirty="0">
+                <a:solidFill>
+                  <a:schemeClr val="bg1"/>
+                </a:solidFill>
+              </a:rPr>
+              <a:t>Se tale server esiste, potremmo manipolare l’input inviato a </a:t>
+            </a:r>
+            <a:r>
+              <a:rPr lang="it-IT" dirty="0" err="1">
+                <a:solidFill>
+                  <a:schemeClr val="bg1"/>
+                </a:solidFill>
+              </a:rPr>
+              <a:t>index.cgi</a:t>
+            </a:r>
+            <a:r>
+              <a:rPr lang="it-IT" dirty="0">
+                <a:solidFill>
+                  <a:schemeClr val="bg1"/>
+                </a:solidFill>
+              </a:rPr>
+              <a:t> in modo da indurre l’esecuzione del comando </a:t>
+            </a:r>
+            <a:r>
+              <a:rPr lang="it-IT" b="1" dirty="0">
+                <a:solidFill>
+                  <a:schemeClr val="bg1"/>
+                </a:solidFill>
+              </a:rPr>
+              <a:t>/bin/</a:t>
+            </a:r>
+            <a:r>
+              <a:rPr lang="it-IT" b="1" dirty="0" err="1">
+                <a:solidFill>
+                  <a:schemeClr val="bg1"/>
+                </a:solidFill>
+              </a:rPr>
+              <a:t>getflag</a:t>
+            </a:r>
+            <a:r>
+              <a:rPr lang="it-IT" dirty="0">
+                <a:solidFill>
+                  <a:schemeClr val="bg1"/>
+                </a:solidFill>
+              </a:rPr>
+              <a:t>, sfruttando i privilegi di </a:t>
+            </a:r>
+            <a:r>
+              <a:rPr lang="it-IT" b="1" dirty="0">
+                <a:solidFill>
+                  <a:schemeClr val="bg1"/>
+                </a:solidFill>
+              </a:rPr>
+              <a:t>flag16 </a:t>
+            </a:r>
+            <a:r>
+              <a:rPr lang="it-IT" dirty="0">
+                <a:solidFill>
+                  <a:schemeClr val="bg1"/>
+                </a:solidFill>
+              </a:rPr>
+              <a:t>e ottenendo così il flag.</a:t>
+            </a:r>
+          </a:p>
+          <a:p>
+            <a:endParaRPr lang="it-IT" dirty="0">
+              <a:solidFill>
+                <a:schemeClr val="bg1"/>
+              </a:solidFill>
+            </a:endParaRPr>
+          </a:p>
+          <a:p>
+            <a:r>
+              <a:rPr lang="it-IT" dirty="0">
+                <a:solidFill>
+                  <a:schemeClr val="bg1"/>
+                </a:solidFill>
+              </a:rPr>
+              <a:t>L’analisi ha confermato la presenza di un server web in ascolto sulla porta TCP 1616, che rappresenta il </a:t>
+            </a:r>
+            <a:r>
+              <a:rPr lang="it-IT" b="1" dirty="0">
+                <a:solidFill>
+                  <a:schemeClr val="bg1"/>
+                </a:solidFill>
+              </a:rPr>
+              <a:t>punto di accesso remoto</a:t>
+            </a:r>
+            <a:r>
+              <a:rPr lang="it-IT" dirty="0">
+                <a:solidFill>
+                  <a:schemeClr val="bg1"/>
+                </a:solidFill>
+              </a:rPr>
+              <a:t>. </a:t>
+            </a:r>
+          </a:p>
+          <a:p>
+            <a:r>
+              <a:rPr lang="it-IT" dirty="0">
+                <a:solidFill>
+                  <a:schemeClr val="bg1"/>
+                </a:solidFill>
+              </a:rPr>
+              <a:t>Inoltre, il server ha visibilità sull’intero file system, compreso il file eseguibile </a:t>
+            </a:r>
+            <a:r>
+              <a:rPr lang="it-IT" b="1" dirty="0">
+                <a:solidFill>
+                  <a:schemeClr val="bg1"/>
+                </a:solidFill>
+              </a:rPr>
+              <a:t>/bin/</a:t>
+            </a:r>
+            <a:r>
+              <a:rPr lang="it-IT" b="1" dirty="0" err="1">
+                <a:solidFill>
+                  <a:schemeClr val="bg1"/>
+                </a:solidFill>
+              </a:rPr>
+              <a:t>getflag</a:t>
+            </a:r>
+            <a:r>
+              <a:rPr lang="it-IT" dirty="0">
+                <a:solidFill>
+                  <a:schemeClr val="bg1"/>
+                </a:solidFill>
+              </a:rPr>
+              <a:t>, e viene eseguito direttamente con i privilegi dell’utente </a:t>
+            </a:r>
+            <a:r>
+              <a:rPr lang="it-IT" b="1" dirty="0">
+                <a:solidFill>
+                  <a:schemeClr val="bg1"/>
+                </a:solidFill>
+              </a:rPr>
+              <a:t>flag16</a:t>
+            </a:r>
+            <a:r>
+              <a:rPr lang="it-IT" dirty="0">
+                <a:solidFill>
+                  <a:schemeClr val="bg1"/>
+                </a:solidFill>
+              </a:rPr>
+              <a:t>.</a:t>
+            </a:r>
+          </a:p>
+          <a:p>
+            <a:endParaRPr lang="it-IT" dirty="0">
+              <a:solidFill>
+                <a:schemeClr val="bg1"/>
+              </a:solidFill>
+            </a:endParaRPr>
+          </a:p>
+          <a:p>
+            <a:r>
+              <a:rPr lang="it-IT" dirty="0">
+                <a:solidFill>
+                  <a:schemeClr val="bg1"/>
+                </a:solidFill>
+              </a:rPr>
+              <a:t>Queste condizioni rendono possibile sfruttare </a:t>
+            </a:r>
+            <a:r>
+              <a:rPr lang="it-IT" b="1" dirty="0" err="1">
+                <a:solidFill>
+                  <a:schemeClr val="bg1"/>
+                </a:solidFill>
+              </a:rPr>
+              <a:t>index.cgi</a:t>
+            </a:r>
+            <a:r>
+              <a:rPr lang="it-IT" b="1" dirty="0">
+                <a:solidFill>
+                  <a:schemeClr val="bg1"/>
+                </a:solidFill>
+              </a:rPr>
+              <a:t> </a:t>
+            </a:r>
+            <a:r>
+              <a:rPr lang="it-IT" dirty="0">
+                <a:solidFill>
+                  <a:schemeClr val="bg1"/>
+                </a:solidFill>
+              </a:rPr>
+              <a:t>da remoto. </a:t>
+            </a:r>
+          </a:p>
+          <a:p>
+            <a:endParaRPr lang="it-IT" dirty="0">
+              <a:solidFill>
+                <a:schemeClr val="bg1"/>
+              </a:solidFill>
+            </a:endParaRPr>
+          </a:p>
+          <a:p>
+            <a:r>
+              <a:rPr lang="it-IT" dirty="0">
+                <a:solidFill>
+                  <a:schemeClr val="bg1"/>
+                </a:solidFill>
+              </a:rPr>
+              <a:t>Poiché l’esecuzione locale del file non garantisce i privilegi necessari, la strategia più promettente diventa quindi l’iniezione remota, tramite una richiesta mirata al server web, con l’obiettivo di eseguire </a:t>
+            </a:r>
+            <a:r>
+              <a:rPr lang="it-IT" b="1" dirty="0">
+                <a:solidFill>
+                  <a:schemeClr val="bg1"/>
+                </a:solidFill>
+              </a:rPr>
+              <a:t>/bin/</a:t>
+            </a:r>
+            <a:r>
+              <a:rPr lang="it-IT" b="1" dirty="0" err="1">
+                <a:solidFill>
+                  <a:schemeClr val="bg1"/>
+                </a:solidFill>
+              </a:rPr>
+              <a:t>getflag</a:t>
+            </a:r>
+            <a:r>
+              <a:rPr lang="it-IT" dirty="0">
+                <a:solidFill>
+                  <a:schemeClr val="bg1"/>
+                </a:solidFill>
+              </a:rPr>
+              <a:t> nel contesto privilegiato.</a:t>
+            </a:r>
+          </a:p>
+        </p:txBody>
+      </p:sp>
+      <p:sp>
+        <p:nvSpPr>
+          <p:cNvPr id="16" name="Titolo 4">
+            <a:extLst>
+              <a:ext uri="{FF2B5EF4-FFF2-40B4-BE49-F238E27FC236}">
+                <a16:creationId xmlns:a16="http://schemas.microsoft.com/office/drawing/2014/main" id="{4DD3F281-48D7-B38A-BFC8-9CF54204B14A}"/>
+              </a:ext>
+            </a:extLst>
+          </p:cNvPr>
+          <p:cNvSpPr txBox="1"/>
+          <p:nvPr/>
+        </p:nvSpPr>
+        <p:spPr>
+          <a:xfrm>
+            <a:off x="815179" y="1161828"/>
+            <a:ext cx="10278391" cy="609372"/>
+          </a:xfrm>
+          <a:prstGeom prst="rect">
+            <a:avLst/>
+          </a:prstGeom>
+          <a:noFill/>
+          <a:ln w="0">
+            <a:noFill/>
+          </a:ln>
+        </p:spPr>
+        <p:txBody>
+          <a:bodyPr lIns="0" anchor="b">
+            <a:noAutofit/>
+          </a:bodyPr>
+          <a:lstStyle>
+            <a:defPPr>
+              <a:defRPr lang="it-IT"/>
+            </a:defPPr>
+            <a:lvl1pPr marL="0" algn="l" defTabSz="914400" rtl="0" eaLnBrk="1" latinLnBrk="0" hangingPunct="1">
+              <a:defRPr sz="1800" kern="1200">
+                <a:solidFill>
+                  <a:schemeClr val="tx1"/>
+                </a:solidFill>
+                <a:latin typeface="+mn-lt"/>
+                <a:ea typeface="+mn-ea"/>
+                <a:cs typeface="+mn-cs"/>
+              </a:defRPr>
+            </a:lvl1pPr>
+            <a:lvl2pPr marL="457200" algn="l" defTabSz="914400" rtl="0" eaLnBrk="1" latinLnBrk="0" hangingPunct="1">
+              <a:defRPr sz="1800" kern="1200">
+                <a:solidFill>
+                  <a:schemeClr val="tx1"/>
+                </a:solidFill>
+                <a:latin typeface="+mn-lt"/>
+                <a:ea typeface="+mn-ea"/>
+                <a:cs typeface="+mn-cs"/>
+              </a:defRPr>
+            </a:lvl2pPr>
+            <a:lvl3pPr marL="914400" algn="l" defTabSz="914400" rtl="0" eaLnBrk="1" latinLnBrk="0" hangingPunct="1">
+              <a:defRPr sz="1800" kern="1200">
+                <a:solidFill>
+                  <a:schemeClr val="tx1"/>
+                </a:solidFill>
+                <a:latin typeface="+mn-lt"/>
+                <a:ea typeface="+mn-ea"/>
+                <a:cs typeface="+mn-cs"/>
+              </a:defRPr>
+            </a:lvl3pPr>
+            <a:lvl4pPr marL="1371600" algn="l" defTabSz="914400" rtl="0" eaLnBrk="1" latinLnBrk="0" hangingPunct="1">
+              <a:defRPr sz="1800" kern="1200">
+                <a:solidFill>
+                  <a:schemeClr val="tx1"/>
+                </a:solidFill>
+                <a:latin typeface="+mn-lt"/>
+                <a:ea typeface="+mn-ea"/>
+                <a:cs typeface="+mn-cs"/>
+              </a:defRPr>
+            </a:lvl4pPr>
+            <a:lvl5pPr marL="1828800" algn="l" defTabSz="914400" rtl="0" eaLnBrk="1" latinLnBrk="0" hangingPunct="1">
+              <a:defRPr sz="1800" kern="1200">
+                <a:solidFill>
+                  <a:schemeClr val="tx1"/>
+                </a:solidFill>
+                <a:latin typeface="+mn-lt"/>
+                <a:ea typeface="+mn-ea"/>
+                <a:cs typeface="+mn-cs"/>
+              </a:defRPr>
+            </a:lvl5pPr>
+            <a:lvl6pPr marL="2286000" algn="l" defTabSz="914400" rtl="0" eaLnBrk="1" latinLnBrk="0" hangingPunct="1">
+              <a:defRPr sz="1800" kern="1200">
+                <a:solidFill>
+                  <a:schemeClr val="tx1"/>
+                </a:solidFill>
+                <a:latin typeface="+mn-lt"/>
+                <a:ea typeface="+mn-ea"/>
+                <a:cs typeface="+mn-cs"/>
+              </a:defRPr>
+            </a:lvl6pPr>
+            <a:lvl7pPr marL="2743200" algn="l" defTabSz="914400" rtl="0" eaLnBrk="1" latinLnBrk="0" hangingPunct="1">
+              <a:defRPr sz="1800" kern="1200">
+                <a:solidFill>
+                  <a:schemeClr val="tx1"/>
+                </a:solidFill>
+                <a:latin typeface="+mn-lt"/>
+                <a:ea typeface="+mn-ea"/>
+                <a:cs typeface="+mn-cs"/>
+              </a:defRPr>
+            </a:lvl7pPr>
+            <a:lvl8pPr marL="3200400" algn="l" defTabSz="914400" rtl="0" eaLnBrk="1" latinLnBrk="0" hangingPunct="1">
+              <a:defRPr sz="1800" kern="1200">
+                <a:solidFill>
+                  <a:schemeClr val="tx1"/>
+                </a:solidFill>
+                <a:latin typeface="+mn-lt"/>
+                <a:ea typeface="+mn-ea"/>
+                <a:cs typeface="+mn-cs"/>
+              </a:defRPr>
+            </a:lvl8pPr>
+            <a:lvl9pPr marL="3657600" algn="l" defTabSz="914400" rtl="0" eaLnBrk="1" latinLnBrk="0" hangingPunct="1">
+              <a:defRPr sz="1800" kern="1200">
+                <a:solidFill>
+                  <a:schemeClr val="tx1"/>
+                </a:solidFill>
+                <a:latin typeface="+mn-lt"/>
+                <a:ea typeface="+mn-ea"/>
+                <a:cs typeface="+mn-cs"/>
+              </a:defRPr>
+            </a:lvl9pPr>
+          </a:lstStyle>
+          <a:p>
+            <a:pPr>
+              <a:lnSpc>
+                <a:spcPct val="90000"/>
+              </a:lnSpc>
+            </a:pPr>
+            <a:r>
+              <a:rPr lang="it-IT" sz="3200" b="1" strike="noStrike" spc="300" dirty="0">
+                <a:solidFill>
+                  <a:schemeClr val="bg1"/>
+                </a:solidFill>
+                <a:latin typeface="+mj-lt"/>
+              </a:rPr>
+              <a:t>INIEZIONE REMOTA</a:t>
+            </a:r>
+          </a:p>
+        </p:txBody>
+      </p:sp>
+    </p:spTree>
+    <p:extLst>
+      <p:ext uri="{BB962C8B-B14F-4D97-AF65-F5344CB8AC3E}">
+        <p14:creationId xmlns:p14="http://schemas.microsoft.com/office/powerpoint/2010/main" val="509109186"/>
+      </p:ext>
+    </p:extLst>
+  </p:cSld>
+  <p:clrMapOvr>
+    <a:masterClrMapping/>
+  </p:clrMapOvr>
+</p:sld>
+</file>
+
+<file path=ppt/slides/slide14.xml><?xml version="1.0" encoding="utf-8"?>
+<p:sld xmlns:a="http://schemas.openxmlformats.org/drawingml/2006/main" xmlns:r="http://schemas.openxmlformats.org/officeDocument/2006/relationships" xmlns:p="http://schemas.openxmlformats.org/presentationml/2006/main">
+  <p:cSld>
+    <p:spTree>
+      <p:nvGrpSpPr>
+        <p:cNvPr id="1" name=""/>
+        <p:cNvGrpSpPr/>
+        <p:nvPr/>
+      </p:nvGrpSpPr>
+      <p:grpSpPr>
+        <a:xfrm>
+          <a:off x="0" y="0"/>
+          <a:ext cx="0" cy="0"/>
+          <a:chOff x="0" y="0"/>
+          <a:chExt cx="0" cy="0"/>
+        </a:xfrm>
+      </p:grpSpPr>
+    </p:spTree>
+    <p:extLst>
+      <p:ext uri="{BB962C8B-B14F-4D97-AF65-F5344CB8AC3E}">
+        <p14:creationId xmlns:p14="http://schemas.microsoft.com/office/powerpoint/2010/main" val="2170071140"/>
+      </p:ext>
+    </p:extLst>
+  </p:cSld>
+  <p:clrMapOvr>
+    <a:masterClrMapping/>
+  </p:clrMapOvr>
+</p:sld>
+</file>
+
+<file path=ppt/slides/slide15.xml><?xml version="1.0" encoding="utf-8"?>
 <p:sld xmlns:a="http://schemas.openxmlformats.org/drawingml/2006/main" xmlns:r="http://schemas.openxmlformats.org/officeDocument/2006/relationships" xmlns:p="http://schemas.openxmlformats.org/presentationml/2006/main">
   <p:cSld>
     <p:spTree>
@@ -15565,7 +18390,7 @@
                 <a:tabLst/>
                 <a:defRPr/>
               </a:pPr>
-              <a:t>11</a:t>
+              <a:t>15</a:t>
             </a:fld>
             <a:endParaRPr kumimoji="0" lang="it-IT" sz="1200" b="0" i="0" u="none" strike="noStrike" kern="1200" cap="none" spc="0" normalizeH="0" baseline="0" noProof="0" dirty="0">
               <a:ln>
@@ -15597,7 +18422,7 @@
 </p:sld>
 </file>
 
-<file path=ppt/slides/slide12.xml><?xml version="1.0" encoding="utf-8"?>
+<file path=ppt/slides/slide16.xml><?xml version="1.0" encoding="utf-8"?>
 <p:sld xmlns:a="http://schemas.openxmlformats.org/drawingml/2006/main" xmlns:r="http://schemas.openxmlformats.org/officeDocument/2006/relationships" xmlns:p="http://schemas.openxmlformats.org/presentationml/2006/main">
   <p:cSld>
     <p:bg>
@@ -19533,7 +22358,7 @@
           <a:p>
             <a:pPr rtl="0"/>
             <a:r>
-              <a:rPr lang="it-IT" dirty="0"/>
+              <a:rPr lang="it-IT" b="1" spc="300" dirty="0"/>
               <a:t>Ottenimento Della Password</a:t>
             </a:r>
           </a:p>
@@ -22121,258 +24946,749 @@
       </p:grpSpPr>
       <p:sp>
         <p:nvSpPr>
-          <p:cNvPr id="2" name="Titolo 1">
-            <a:extLst>
-              <a:ext uri="{FF2B5EF4-FFF2-40B4-BE49-F238E27FC236}">
-                <a16:creationId xmlns:a16="http://schemas.microsoft.com/office/drawing/2014/main" id="{11883E06-8BEA-1DD3-D0D6-391C08880EBF}"/>
+          <p:cNvPr id="22" name="PlaceHolder 1">
+            <a:extLst>
+              <a:ext uri="{FF2B5EF4-FFF2-40B4-BE49-F238E27FC236}">
+                <a16:creationId xmlns:a16="http://schemas.microsoft.com/office/drawing/2014/main" id="{AE20D597-1EAC-8A91-E9AD-F4F4C32F73E4}"/>
               </a:ext>
             </a:extLst>
           </p:cNvPr>
           <p:cNvSpPr>
             <a:spLocks noGrp="1"/>
           </p:cNvSpPr>
-          <p:nvPr>
-            <p:ph type="title"/>
-          </p:nvPr>
+          <p:nvPr/>
         </p:nvSpPr>
         <p:spPr>
           <a:xfrm>
-            <a:off x="741680" y="430482"/>
-            <a:ext cx="10500989" cy="1327464"/>
+            <a:off x="1231484" y="412920"/>
+            <a:ext cx="10500480" cy="1326960"/>
           </a:xfrm>
+          <a:prstGeom prst="rect">
+            <a:avLst/>
+          </a:prstGeom>
+          <a:noFill/>
+          <a:ln w="0">
+            <a:noFill/>
+          </a:ln>
         </p:spPr>
         <p:txBody>
-          <a:bodyPr rtlCol="0"/>
+          <a:bodyPr anchor="b">
+            <a:noAutofit/>
+          </a:bodyPr>
+          <a:lstStyle>
+            <a:lvl1pPr algn="l" defTabSz="914400" rtl="0" eaLnBrk="1" latinLnBrk="0" hangingPunct="1">
+              <a:lnSpc>
+                <a:spcPct val="90000"/>
+              </a:lnSpc>
+              <a:spcBef>
+                <a:spcPct val="0"/>
+              </a:spcBef>
+              <a:buNone/>
+              <a:defRPr sz="4400" kern="1200">
+                <a:solidFill>
+                  <a:schemeClr val="tx1"/>
+                </a:solidFill>
+                <a:latin typeface="+mj-lt"/>
+                <a:ea typeface="+mj-ea"/>
+                <a:cs typeface="+mj-cs"/>
+              </a:defRPr>
+            </a:lvl1pPr>
+          </a:lstStyle>
+          <a:p>
+            <a:pPr indent="0">
+              <a:lnSpc>
+                <a:spcPct val="90000"/>
+              </a:lnSpc>
+              <a:buNone/>
+            </a:pPr>
+            <a:r>
+              <a:rPr lang="it-IT" sz="3200" b="1" strike="noStrike" cap="all" spc="300" dirty="0">
+                <a:solidFill>
+                  <a:schemeClr val="accent3">
+                    <a:lumMod val="75000"/>
+                  </a:schemeClr>
+                </a:solidFill>
+              </a:rPr>
+              <a:t>Analisi delle directory accessibili</a:t>
+            </a:r>
+            <a:endParaRPr lang="it-IT" sz="3200" b="1" strike="noStrike" spc="300" dirty="0">
+              <a:solidFill>
+                <a:srgbClr val="000000"/>
+              </a:solidFill>
+            </a:endParaRPr>
+          </a:p>
+        </p:txBody>
+      </p:sp>
+      <p:sp>
+        <p:nvSpPr>
+          <p:cNvPr id="23" name="PlaceHolder 2">
+            <a:extLst>
+              <a:ext uri="{FF2B5EF4-FFF2-40B4-BE49-F238E27FC236}">
+                <a16:creationId xmlns:a16="http://schemas.microsoft.com/office/drawing/2014/main" id="{3FE49AA7-6D32-A178-5EC8-4632ED7AC7A3}"/>
+              </a:ext>
+            </a:extLst>
+          </p:cNvPr>
+          <p:cNvSpPr>
+            <a:spLocks noGrp="1"/>
+          </p:cNvSpPr>
+          <p:nvPr/>
+        </p:nvSpPr>
+        <p:spPr>
+          <a:xfrm>
+            <a:off x="8935140" y="6144480"/>
+            <a:ext cx="2742840" cy="364680"/>
+          </a:xfrm>
+          <a:prstGeom prst="rect">
+            <a:avLst/>
+          </a:prstGeom>
+          <a:noFill/>
+          <a:ln w="0">
+            <a:noFill/>
+          </a:ln>
+        </p:spPr>
+        <p:txBody>
+          <a:bodyPr anchor="ctr">
+            <a:noAutofit/>
+          </a:bodyPr>
           <a:lstStyle>
             <a:defPPr>
               <a:defRPr lang="it-IT"/>
             </a:defPPr>
+            <a:lvl1pPr marL="0" indent="0" algn="r" defTabSz="914400" rtl="0" eaLnBrk="1" latinLnBrk="0" hangingPunct="1">
+              <a:lnSpc>
+                <a:spcPct val="100000"/>
+              </a:lnSpc>
+              <a:buNone/>
+              <a:tabLst>
+                <a:tab pos="0" algn="l"/>
+              </a:tabLst>
+              <a:defRPr lang="it-IT" sz="1200" b="0" strike="noStrike" kern="1200" spc="-1">
+                <a:solidFill>
+                  <a:srgbClr val="FFFFFF"/>
+                </a:solidFill>
+                <a:latin typeface="Biome"/>
+                <a:ea typeface="+mn-ea"/>
+                <a:cs typeface="+mn-cs"/>
+              </a:defRPr>
+            </a:lvl1pPr>
+            <a:lvl2pPr marL="457200" algn="l" defTabSz="914400" rtl="0" eaLnBrk="1" latinLnBrk="0" hangingPunct="1">
+              <a:defRPr sz="1800" kern="1200">
+                <a:solidFill>
+                  <a:schemeClr val="tx1"/>
+                </a:solidFill>
+                <a:latin typeface="+mn-lt"/>
+                <a:ea typeface="+mn-ea"/>
+                <a:cs typeface="+mn-cs"/>
+              </a:defRPr>
+            </a:lvl2pPr>
+            <a:lvl3pPr marL="914400" algn="l" defTabSz="914400" rtl="0" eaLnBrk="1" latinLnBrk="0" hangingPunct="1">
+              <a:defRPr sz="1800" kern="1200">
+                <a:solidFill>
+                  <a:schemeClr val="tx1"/>
+                </a:solidFill>
+                <a:latin typeface="+mn-lt"/>
+                <a:ea typeface="+mn-ea"/>
+                <a:cs typeface="+mn-cs"/>
+              </a:defRPr>
+            </a:lvl3pPr>
+            <a:lvl4pPr marL="1371600" algn="l" defTabSz="914400" rtl="0" eaLnBrk="1" latinLnBrk="0" hangingPunct="1">
+              <a:defRPr sz="1800" kern="1200">
+                <a:solidFill>
+                  <a:schemeClr val="tx1"/>
+                </a:solidFill>
+                <a:latin typeface="+mn-lt"/>
+                <a:ea typeface="+mn-ea"/>
+                <a:cs typeface="+mn-cs"/>
+              </a:defRPr>
+            </a:lvl4pPr>
+            <a:lvl5pPr marL="1828800" algn="l" defTabSz="914400" rtl="0" eaLnBrk="1" latinLnBrk="0" hangingPunct="1">
+              <a:defRPr sz="1800" kern="1200">
+                <a:solidFill>
+                  <a:schemeClr val="tx1"/>
+                </a:solidFill>
+                <a:latin typeface="+mn-lt"/>
+                <a:ea typeface="+mn-ea"/>
+                <a:cs typeface="+mn-cs"/>
+              </a:defRPr>
+            </a:lvl5pPr>
+            <a:lvl6pPr marL="2286000" algn="l" defTabSz="914400" rtl="0" eaLnBrk="1" latinLnBrk="0" hangingPunct="1">
+              <a:defRPr sz="1800" kern="1200">
+                <a:solidFill>
+                  <a:schemeClr val="tx1"/>
+                </a:solidFill>
+                <a:latin typeface="+mn-lt"/>
+                <a:ea typeface="+mn-ea"/>
+                <a:cs typeface="+mn-cs"/>
+              </a:defRPr>
+            </a:lvl6pPr>
+            <a:lvl7pPr marL="2743200" algn="l" defTabSz="914400" rtl="0" eaLnBrk="1" latinLnBrk="0" hangingPunct="1">
+              <a:defRPr sz="1800" kern="1200">
+                <a:solidFill>
+                  <a:schemeClr val="tx1"/>
+                </a:solidFill>
+                <a:latin typeface="+mn-lt"/>
+                <a:ea typeface="+mn-ea"/>
+                <a:cs typeface="+mn-cs"/>
+              </a:defRPr>
+            </a:lvl7pPr>
+            <a:lvl8pPr marL="3200400" algn="l" defTabSz="914400" rtl="0" eaLnBrk="1" latinLnBrk="0" hangingPunct="1">
+              <a:defRPr sz="1800" kern="1200">
+                <a:solidFill>
+                  <a:schemeClr val="tx1"/>
+                </a:solidFill>
+                <a:latin typeface="+mn-lt"/>
+                <a:ea typeface="+mn-ea"/>
+                <a:cs typeface="+mn-cs"/>
+              </a:defRPr>
+            </a:lvl8pPr>
+            <a:lvl9pPr marL="3657600" algn="l" defTabSz="914400" rtl="0" eaLnBrk="1" latinLnBrk="0" hangingPunct="1">
+              <a:defRPr sz="1800" kern="1200">
+                <a:solidFill>
+                  <a:schemeClr val="tx1"/>
+                </a:solidFill>
+                <a:latin typeface="+mn-lt"/>
+                <a:ea typeface="+mn-ea"/>
+                <a:cs typeface="+mn-cs"/>
+              </a:defRPr>
+            </a:lvl9pPr>
           </a:lstStyle>
           <a:p>
-            <a:pPr rtl="0"/>
-            <a:r>
-              <a:rPr lang="it-IT" dirty="0"/>
-              <a:t>GESTIONE DELLE SESSIONI DI DOMANDE E RISPOSTE</a:t>
-            </a:r>
+            <a:pPr indent="0" algn="r">
+              <a:lnSpc>
+                <a:spcPct val="100000"/>
+              </a:lnSpc>
+              <a:buNone/>
+              <a:tabLst>
+                <a:tab pos="0" algn="l"/>
+              </a:tabLst>
+            </a:pPr>
+            <a:fld id="{31C8FE4F-48D9-47C0-A5CB-6CB02C81AE5A}" type="slidenum">
+              <a:rPr lang="it-IT" sz="1200" b="0" strike="noStrike" spc="-1">
+                <a:solidFill>
+                  <a:srgbClr val="FFFFFF"/>
+                </a:solidFill>
+                <a:latin typeface="Biome"/>
+              </a:rPr>
+              <a:pPr indent="0" algn="r">
+                <a:lnSpc>
+                  <a:spcPct val="100000"/>
+                </a:lnSpc>
+                <a:buNone/>
+                <a:tabLst>
+                  <a:tab pos="0" algn="l"/>
+                </a:tabLst>
+              </a:pPr>
+              <a:t>7</a:t>
+            </a:fld>
+            <a:endParaRPr lang="it-IT" sz="1200" b="0" strike="noStrike" spc="-1">
+              <a:solidFill>
+                <a:srgbClr val="FFFFFF"/>
+              </a:solidFill>
+              <a:latin typeface="Times New Roman"/>
+            </a:endParaRPr>
           </a:p>
         </p:txBody>
       </p:sp>
       <p:sp>
         <p:nvSpPr>
-          <p:cNvPr id="3" name="Segnaposto contenuto 2">
-            <a:extLst>
-              <a:ext uri="{FF2B5EF4-FFF2-40B4-BE49-F238E27FC236}">
-                <a16:creationId xmlns:a16="http://schemas.microsoft.com/office/drawing/2014/main" id="{1CF175D3-F3DC-695F-474B-346EDCA5D60F}"/>
-              </a:ext>
-            </a:extLst>
-          </p:cNvPr>
-          <p:cNvSpPr>
-            <a:spLocks noGrp="1"/>
-          </p:cNvSpPr>
-          <p:nvPr>
-            <p:ph sz="quarter" idx="35"/>
-          </p:nvPr>
+          <p:cNvPr id="24" name="CasellaDiTesto 577">
+            <a:extLst>
+              <a:ext uri="{FF2B5EF4-FFF2-40B4-BE49-F238E27FC236}">
+                <a16:creationId xmlns:a16="http://schemas.microsoft.com/office/drawing/2014/main" id="{C69AA601-8D21-06CD-FA1E-130223E6C95B}"/>
+              </a:ext>
+            </a:extLst>
+          </p:cNvPr>
+          <p:cNvSpPr txBox="1"/>
+          <p:nvPr/>
         </p:nvSpPr>
         <p:spPr>
           <a:xfrm>
-            <a:off x="807038" y="2465539"/>
-            <a:ext cx="3774587" cy="3723753"/>
+            <a:off x="514020" y="2121164"/>
+            <a:ext cx="4497120" cy="2138400"/>
           </a:xfrm>
+          <a:prstGeom prst="rect">
+            <a:avLst/>
+          </a:prstGeom>
+          <a:noFill/>
+          <a:ln w="0">
+            <a:noFill/>
+          </a:ln>
         </p:spPr>
         <p:txBody>
-          <a:bodyPr rtlCol="0"/>
+          <a:bodyPr lIns="90000" tIns="45000" rIns="90000" bIns="45000" anchor="t">
+            <a:noAutofit/>
+          </a:bodyPr>
           <a:lstStyle>
             <a:defPPr>
               <a:defRPr lang="it-IT"/>
             </a:defPPr>
+            <a:lvl1pPr marL="0" algn="l" defTabSz="914400" rtl="0" eaLnBrk="1" latinLnBrk="0" hangingPunct="1">
+              <a:defRPr sz="1800" kern="1200">
+                <a:solidFill>
+                  <a:schemeClr val="tx1"/>
+                </a:solidFill>
+                <a:latin typeface="+mn-lt"/>
+                <a:ea typeface="+mn-ea"/>
+                <a:cs typeface="+mn-cs"/>
+              </a:defRPr>
+            </a:lvl1pPr>
+            <a:lvl2pPr marL="457200" algn="l" defTabSz="914400" rtl="0" eaLnBrk="1" latinLnBrk="0" hangingPunct="1">
+              <a:defRPr sz="1800" kern="1200">
+                <a:solidFill>
+                  <a:schemeClr val="tx1"/>
+                </a:solidFill>
+                <a:latin typeface="+mn-lt"/>
+                <a:ea typeface="+mn-ea"/>
+                <a:cs typeface="+mn-cs"/>
+              </a:defRPr>
+            </a:lvl2pPr>
+            <a:lvl3pPr marL="914400" algn="l" defTabSz="914400" rtl="0" eaLnBrk="1" latinLnBrk="0" hangingPunct="1">
+              <a:defRPr sz="1800" kern="1200">
+                <a:solidFill>
+                  <a:schemeClr val="tx1"/>
+                </a:solidFill>
+                <a:latin typeface="+mn-lt"/>
+                <a:ea typeface="+mn-ea"/>
+                <a:cs typeface="+mn-cs"/>
+              </a:defRPr>
+            </a:lvl3pPr>
+            <a:lvl4pPr marL="1371600" algn="l" defTabSz="914400" rtl="0" eaLnBrk="1" latinLnBrk="0" hangingPunct="1">
+              <a:defRPr sz="1800" kern="1200">
+                <a:solidFill>
+                  <a:schemeClr val="tx1"/>
+                </a:solidFill>
+                <a:latin typeface="+mn-lt"/>
+                <a:ea typeface="+mn-ea"/>
+                <a:cs typeface="+mn-cs"/>
+              </a:defRPr>
+            </a:lvl4pPr>
+            <a:lvl5pPr marL="1828800" algn="l" defTabSz="914400" rtl="0" eaLnBrk="1" latinLnBrk="0" hangingPunct="1">
+              <a:defRPr sz="1800" kern="1200">
+                <a:solidFill>
+                  <a:schemeClr val="tx1"/>
+                </a:solidFill>
+                <a:latin typeface="+mn-lt"/>
+                <a:ea typeface="+mn-ea"/>
+                <a:cs typeface="+mn-cs"/>
+              </a:defRPr>
+            </a:lvl5pPr>
+            <a:lvl6pPr marL="2286000" algn="l" defTabSz="914400" rtl="0" eaLnBrk="1" latinLnBrk="0" hangingPunct="1">
+              <a:defRPr sz="1800" kern="1200">
+                <a:solidFill>
+                  <a:schemeClr val="tx1"/>
+                </a:solidFill>
+                <a:latin typeface="+mn-lt"/>
+                <a:ea typeface="+mn-ea"/>
+                <a:cs typeface="+mn-cs"/>
+              </a:defRPr>
+            </a:lvl6pPr>
+            <a:lvl7pPr marL="2743200" algn="l" defTabSz="914400" rtl="0" eaLnBrk="1" latinLnBrk="0" hangingPunct="1">
+              <a:defRPr sz="1800" kern="1200">
+                <a:solidFill>
+                  <a:schemeClr val="tx1"/>
+                </a:solidFill>
+                <a:latin typeface="+mn-lt"/>
+                <a:ea typeface="+mn-ea"/>
+                <a:cs typeface="+mn-cs"/>
+              </a:defRPr>
+            </a:lvl7pPr>
+            <a:lvl8pPr marL="3200400" algn="l" defTabSz="914400" rtl="0" eaLnBrk="1" latinLnBrk="0" hangingPunct="1">
+              <a:defRPr sz="1800" kern="1200">
+                <a:solidFill>
+                  <a:schemeClr val="tx1"/>
+                </a:solidFill>
+                <a:latin typeface="+mn-lt"/>
+                <a:ea typeface="+mn-ea"/>
+                <a:cs typeface="+mn-cs"/>
+              </a:defRPr>
+            </a:lvl8pPr>
+            <a:lvl9pPr marL="3657600" algn="l" defTabSz="914400" rtl="0" eaLnBrk="1" latinLnBrk="0" hangingPunct="1">
+              <a:defRPr sz="1800" kern="1200">
+                <a:solidFill>
+                  <a:schemeClr val="tx1"/>
+                </a:solidFill>
+                <a:latin typeface="+mn-lt"/>
+                <a:ea typeface="+mn-ea"/>
+                <a:cs typeface="+mn-cs"/>
+              </a:defRPr>
+            </a:lvl9pPr>
           </a:lstStyle>
           <a:p>
-            <a:pPr rtl="0"/>
-            <a:r>
-              <a:rPr lang="it-IT" dirty="0"/>
-              <a:t>Conosci il materiale in anticipo</a:t>
-            </a:r>
-          </a:p>
-          <a:p>
-            <a:pPr rtl="0"/>
-            <a:r>
-              <a:rPr lang="it-IT" dirty="0"/>
-              <a:t>Prevedi le domande comuni</a:t>
-            </a:r>
-          </a:p>
-          <a:p>
-            <a:pPr rtl="0"/>
-            <a:r>
-              <a:rPr lang="it-IT" dirty="0"/>
-              <a:t>Prova le risposte</a:t>
+            <a:endParaRPr lang="it-IT" sz="1800" b="0" strike="noStrike" spc="-1" dirty="0">
+              <a:solidFill>
+                <a:srgbClr val="FFFFFF"/>
+              </a:solidFill>
+              <a:latin typeface="Arial"/>
+            </a:endParaRPr>
+          </a:p>
+          <a:p>
+            <a:pPr>
+              <a:lnSpc>
+                <a:spcPct val="100000"/>
+              </a:lnSpc>
+            </a:pPr>
+            <a:r>
+              <a:rPr lang="it-IT" sz="1800" b="0" strike="noStrike" spc="-1" dirty="0">
+                <a:solidFill>
+                  <a:srgbClr val="FFFFFF"/>
+                </a:solidFill>
+                <a:latin typeface="Arial"/>
+              </a:rPr>
+              <a:t>Tra le directory esistenti l’utente level16 </a:t>
+            </a:r>
+          </a:p>
+          <a:p>
+            <a:pPr>
+              <a:lnSpc>
+                <a:spcPct val="100000"/>
+              </a:lnSpc>
+            </a:pPr>
+            <a:r>
+              <a:rPr lang="it-IT" sz="1800" b="0" strike="noStrike" spc="-1" dirty="0">
+                <a:solidFill>
+                  <a:srgbClr val="FFFFFF"/>
+                </a:solidFill>
+                <a:latin typeface="Arial"/>
+              </a:rPr>
+              <a:t>può accedere solamente a : </a:t>
+            </a:r>
+          </a:p>
+          <a:p>
+            <a:pPr marL="216000" indent="-216000">
+              <a:lnSpc>
+                <a:spcPct val="100000"/>
+              </a:lnSpc>
+              <a:buClr>
+                <a:srgbClr val="FFFFFF"/>
+              </a:buClr>
+              <a:buSzPct val="45000"/>
+              <a:buFont typeface="Wingdings" charset="2"/>
+              <a:buChar char=""/>
+            </a:pPr>
+            <a:r>
+              <a:rPr lang="it-IT" sz="1800" b="0" strike="noStrike" spc="-1" dirty="0">
+                <a:solidFill>
+                  <a:srgbClr val="FFFFFF"/>
+                </a:solidFill>
+                <a:latin typeface="Arial"/>
+              </a:rPr>
+              <a:t>/home/level07</a:t>
+            </a:r>
+          </a:p>
+          <a:p>
+            <a:pPr marL="216000" indent="-216000">
+              <a:lnSpc>
+                <a:spcPct val="100000"/>
+              </a:lnSpc>
+              <a:buClr>
+                <a:srgbClr val="FFFFFF"/>
+              </a:buClr>
+              <a:buSzPct val="45000"/>
+              <a:buFont typeface="Wingdings" charset="2"/>
+              <a:buChar char=""/>
+            </a:pPr>
+            <a:r>
+              <a:rPr lang="it-IT" sz="1800" b="0" strike="noStrike" spc="-1" dirty="0">
+                <a:solidFill>
+                  <a:srgbClr val="FFFFFF"/>
+                </a:solidFill>
+                <a:latin typeface="Arial"/>
+              </a:rPr>
+              <a:t>/home/flag07</a:t>
             </a:r>
           </a:p>
         </p:txBody>
       </p:sp>
-      <p:sp>
-        <p:nvSpPr>
-          <p:cNvPr id="4" name="Segnaposto contenuto 3">
-            <a:extLst>
-              <a:ext uri="{FF2B5EF4-FFF2-40B4-BE49-F238E27FC236}">
-                <a16:creationId xmlns:a16="http://schemas.microsoft.com/office/drawing/2014/main" id="{3770D91C-D5C0-248C-26D3-DE7C7C72E632}"/>
-              </a:ext>
-            </a:extLst>
-          </p:cNvPr>
-          <p:cNvSpPr>
-            <a:spLocks noGrp="1"/>
-          </p:cNvSpPr>
-          <p:nvPr>
-            <p:ph sz="quarter" idx="36"/>
-          </p:nvPr>
-        </p:nvSpPr>
+      <p:pic>
+        <p:nvPicPr>
+          <p:cNvPr id="25" name="Immagine 24">
+            <a:extLst>
+              <a:ext uri="{FF2B5EF4-FFF2-40B4-BE49-F238E27FC236}">
+                <a16:creationId xmlns:a16="http://schemas.microsoft.com/office/drawing/2014/main" id="{C45707B2-30C2-26E3-7E5D-694CD5A7A6B0}"/>
+              </a:ext>
+            </a:extLst>
+          </p:cNvPr>
+          <p:cNvPicPr/>
+          <p:nvPr/>
+        </p:nvPicPr>
+        <p:blipFill>
+          <a:blip r:embed="rId3"/>
+          <a:srcRect t="1266"/>
+          <a:stretch/>
+        </p:blipFill>
         <p:spPr>
           <a:xfrm>
-            <a:off x="4927600" y="2465539"/>
-            <a:ext cx="6315069" cy="3723753"/>
+            <a:off x="5194020" y="2311878"/>
+            <a:ext cx="5329800" cy="1421767"/>
           </a:xfrm>
+          <a:prstGeom prst="rect">
+            <a:avLst/>
+          </a:prstGeom>
+          <a:ln w="0">
+            <a:noFill/>
+          </a:ln>
+        </p:spPr>
+      </p:pic>
+      <p:sp>
+        <p:nvSpPr>
+          <p:cNvPr id="26" name="CasellaDiTesto 579">
+            <a:extLst>
+              <a:ext uri="{FF2B5EF4-FFF2-40B4-BE49-F238E27FC236}">
+                <a16:creationId xmlns:a16="http://schemas.microsoft.com/office/drawing/2014/main" id="{7AB57A65-E60E-A4DA-0D8D-F316C53624D0}"/>
+              </a:ext>
+            </a:extLst>
+          </p:cNvPr>
+          <p:cNvSpPr txBox="1"/>
+          <p:nvPr/>
+        </p:nvSpPr>
+        <p:spPr>
+          <a:xfrm>
+            <a:off x="514020" y="4058280"/>
+            <a:ext cx="4497120" cy="2138400"/>
+          </a:xfrm>
+          <a:prstGeom prst="rect">
+            <a:avLst/>
+          </a:prstGeom>
+          <a:noFill/>
+          <a:ln w="0">
+            <a:noFill/>
+          </a:ln>
         </p:spPr>
         <p:txBody>
-          <a:bodyPr rtlCol="0"/>
+          <a:bodyPr lIns="90000" tIns="45000" rIns="90000" bIns="45000" anchor="t">
+            <a:noAutofit/>
+          </a:bodyPr>
           <a:lstStyle>
             <a:defPPr>
               <a:defRPr lang="it-IT"/>
             </a:defPPr>
+            <a:lvl1pPr marL="0" algn="l" defTabSz="914400" rtl="0" eaLnBrk="1" latinLnBrk="0" hangingPunct="1">
+              <a:defRPr sz="1800" kern="1200">
+                <a:solidFill>
+                  <a:schemeClr val="tx1"/>
+                </a:solidFill>
+                <a:latin typeface="+mn-lt"/>
+                <a:ea typeface="+mn-ea"/>
+                <a:cs typeface="+mn-cs"/>
+              </a:defRPr>
+            </a:lvl1pPr>
+            <a:lvl2pPr marL="457200" algn="l" defTabSz="914400" rtl="0" eaLnBrk="1" latinLnBrk="0" hangingPunct="1">
+              <a:defRPr sz="1800" kern="1200">
+                <a:solidFill>
+                  <a:schemeClr val="tx1"/>
+                </a:solidFill>
+                <a:latin typeface="+mn-lt"/>
+                <a:ea typeface="+mn-ea"/>
+                <a:cs typeface="+mn-cs"/>
+              </a:defRPr>
+            </a:lvl2pPr>
+            <a:lvl3pPr marL="914400" algn="l" defTabSz="914400" rtl="0" eaLnBrk="1" latinLnBrk="0" hangingPunct="1">
+              <a:defRPr sz="1800" kern="1200">
+                <a:solidFill>
+                  <a:schemeClr val="tx1"/>
+                </a:solidFill>
+                <a:latin typeface="+mn-lt"/>
+                <a:ea typeface="+mn-ea"/>
+                <a:cs typeface="+mn-cs"/>
+              </a:defRPr>
+            </a:lvl3pPr>
+            <a:lvl4pPr marL="1371600" algn="l" defTabSz="914400" rtl="0" eaLnBrk="1" latinLnBrk="0" hangingPunct="1">
+              <a:defRPr sz="1800" kern="1200">
+                <a:solidFill>
+                  <a:schemeClr val="tx1"/>
+                </a:solidFill>
+                <a:latin typeface="+mn-lt"/>
+                <a:ea typeface="+mn-ea"/>
+                <a:cs typeface="+mn-cs"/>
+              </a:defRPr>
+            </a:lvl4pPr>
+            <a:lvl5pPr marL="1828800" algn="l" defTabSz="914400" rtl="0" eaLnBrk="1" latinLnBrk="0" hangingPunct="1">
+              <a:defRPr sz="1800" kern="1200">
+                <a:solidFill>
+                  <a:schemeClr val="tx1"/>
+                </a:solidFill>
+                <a:latin typeface="+mn-lt"/>
+                <a:ea typeface="+mn-ea"/>
+                <a:cs typeface="+mn-cs"/>
+              </a:defRPr>
+            </a:lvl5pPr>
+            <a:lvl6pPr marL="2286000" algn="l" defTabSz="914400" rtl="0" eaLnBrk="1" latinLnBrk="0" hangingPunct="1">
+              <a:defRPr sz="1800" kern="1200">
+                <a:solidFill>
+                  <a:schemeClr val="tx1"/>
+                </a:solidFill>
+                <a:latin typeface="+mn-lt"/>
+                <a:ea typeface="+mn-ea"/>
+                <a:cs typeface="+mn-cs"/>
+              </a:defRPr>
+            </a:lvl6pPr>
+            <a:lvl7pPr marL="2743200" algn="l" defTabSz="914400" rtl="0" eaLnBrk="1" latinLnBrk="0" hangingPunct="1">
+              <a:defRPr sz="1800" kern="1200">
+                <a:solidFill>
+                  <a:schemeClr val="tx1"/>
+                </a:solidFill>
+                <a:latin typeface="+mn-lt"/>
+                <a:ea typeface="+mn-ea"/>
+                <a:cs typeface="+mn-cs"/>
+              </a:defRPr>
+            </a:lvl7pPr>
+            <a:lvl8pPr marL="3200400" algn="l" defTabSz="914400" rtl="0" eaLnBrk="1" latinLnBrk="0" hangingPunct="1">
+              <a:defRPr sz="1800" kern="1200">
+                <a:solidFill>
+                  <a:schemeClr val="tx1"/>
+                </a:solidFill>
+                <a:latin typeface="+mn-lt"/>
+                <a:ea typeface="+mn-ea"/>
+                <a:cs typeface="+mn-cs"/>
+              </a:defRPr>
+            </a:lvl8pPr>
+            <a:lvl9pPr marL="3657600" algn="l" defTabSz="914400" rtl="0" eaLnBrk="1" latinLnBrk="0" hangingPunct="1">
+              <a:defRPr sz="1800" kern="1200">
+                <a:solidFill>
+                  <a:schemeClr val="tx1"/>
+                </a:solidFill>
+                <a:latin typeface="+mn-lt"/>
+                <a:ea typeface="+mn-ea"/>
+                <a:cs typeface="+mn-cs"/>
+              </a:defRPr>
+            </a:lvl9pPr>
           </a:lstStyle>
           <a:p>
-            <a:pPr rtl="0"/>
-            <a:r>
-              <a:rPr lang="it-IT" dirty="0"/>
-              <a:t>Mantenere la compostezza durante la sessione di domande e risposte è essenziale per proiettare sicurezza e autorità. Considera i seguenti consigli per rimanere composto:</a:t>
-            </a:r>
-          </a:p>
-          <a:p>
-            <a:pPr lvl="1" rtl="0"/>
-            <a:r>
-              <a:rPr lang="it-IT" dirty="0"/>
-              <a:t>Mantieni la tranquillità</a:t>
-            </a:r>
-          </a:p>
-          <a:p>
-            <a:pPr lvl="1" rtl="0"/>
-            <a:r>
-              <a:rPr lang="it-IT" dirty="0"/>
-              <a:t>Ascolta in modo attivo</a:t>
-            </a:r>
-          </a:p>
-          <a:p>
-            <a:pPr lvl="1" rtl="0"/>
-            <a:r>
-              <a:rPr lang="it-IT" dirty="0"/>
-              <a:t>Fermati e rifletti</a:t>
-            </a:r>
-          </a:p>
-          <a:p>
-            <a:pPr lvl="1" rtl="0"/>
-            <a:r>
-              <a:rPr lang="it-IT" dirty="0"/>
-              <a:t>Mantieni il contatto visivo</a:t>
-            </a:r>
-          </a:p>
-        </p:txBody>
-      </p:sp>
-      <p:sp>
-        <p:nvSpPr>
-          <p:cNvPr id="5" name="Segnaposto numero diapositiva 4">
-            <a:extLst>
-              <a:ext uri="{FF2B5EF4-FFF2-40B4-BE49-F238E27FC236}">
-                <a16:creationId xmlns:a16="http://schemas.microsoft.com/office/drawing/2014/main" id="{E87B8B6A-2B28-5C38-80E7-0EBE705FFBBF}"/>
-              </a:ext>
-            </a:extLst>
-          </p:cNvPr>
-          <p:cNvSpPr>
-            <a:spLocks noGrp="1"/>
-          </p:cNvSpPr>
-          <p:nvPr>
-            <p:ph type="sldNum" sz="quarter" idx="12"/>
-          </p:nvPr>
-        </p:nvSpPr>
-        <p:spPr>
-          <a:xfrm>
-            <a:off x="9140971" y="6226198"/>
-            <a:ext cx="2743200" cy="365125"/>
-          </a:xfrm>
-        </p:spPr>
-        <p:txBody>
-          <a:bodyPr rtlCol="0"/>
-          <a:lstStyle>
-            <a:defPPr>
-              <a:defRPr lang="it-IT"/>
-            </a:defPPr>
-          </a:lstStyle>
-          <a:p>
-            <a:pPr marL="0" marR="0" lvl="0" indent="0" algn="r" defTabSz="914400" rtl="0" eaLnBrk="1" fontAlgn="auto" latinLnBrk="0" hangingPunct="1">
+            <a:pPr>
               <a:lnSpc>
                 <a:spcPct val="100000"/>
               </a:lnSpc>
-              <a:spcBef>
-                <a:spcPts val="0"/>
-              </a:spcBef>
-              <a:spcAft>
-                <a:spcPts val="0"/>
-              </a:spcAft>
-              <a:buClrTx/>
-              <a:buSzTx/>
-              <a:buFontTx/>
-              <a:buNone/>
-              <a:tabLst/>
-              <a:defRPr/>
             </a:pPr>
-            <a:fld id="{FE024F78-56A6-7740-B68D-8D4D026EDF3F}" type="slidenum">
-              <a:rPr kumimoji="0" lang="it-IT" sz="1200" b="0" i="0" u="none" strike="noStrike" kern="1200" cap="none" spc="0" normalizeH="0" baseline="0" noProof="0" smtClean="0">
-                <a:ln>
-                  <a:noFill/>
-                </a:ln>
+            <a:r>
+              <a:rPr lang="it-IT" sz="1800" b="0" strike="noStrike" spc="-1" dirty="0">
                 <a:solidFill>
                   <a:srgbClr val="FFFFFF"/>
                 </a:solidFill>
-                <a:effectLst/>
-                <a:uLnTx/>
-                <a:uFillTx/>
-                <a:latin typeface="Biome"/>
-                <a:ea typeface="+mn-ea"/>
-                <a:cs typeface="Biome" panose="020B0503030204020804" pitchFamily="34" charset="0"/>
-              </a:rPr>
-              <a:pPr marL="0" marR="0" lvl="0" indent="0" algn="r" defTabSz="914400" rtl="0" eaLnBrk="1" fontAlgn="auto" latinLnBrk="0" hangingPunct="1">
-                <a:lnSpc>
-                  <a:spcPct val="100000"/>
-                </a:lnSpc>
-                <a:spcBef>
-                  <a:spcPts val="0"/>
-                </a:spcBef>
-                <a:spcAft>
-                  <a:spcPts val="0"/>
-                </a:spcAft>
-                <a:buClrTx/>
-                <a:buSzTx/>
-                <a:buFontTx/>
-                <a:buNone/>
-                <a:tabLst/>
-                <a:defRPr/>
-              </a:pPr>
-              <a:t>7</a:t>
-            </a:fld>
-            <a:endParaRPr kumimoji="0" lang="it-IT" sz="1200" b="0" i="0" u="none" strike="noStrike" kern="1200" cap="none" spc="0" normalizeH="0" baseline="0" noProof="0" dirty="0">
-              <a:ln>
-                <a:noFill/>
-              </a:ln>
-              <a:solidFill>
+                <a:latin typeface="Arial"/>
+              </a:rPr>
+              <a:t>Elenchiamo tutti i file e le directory, mostrando dettagli completi per ciascuno, come:</a:t>
+            </a:r>
+          </a:p>
+          <a:p>
+            <a:pPr marL="216000" indent="-216000">
+              <a:lnSpc>
+                <a:spcPct val="100000"/>
+              </a:lnSpc>
+              <a:buClr>
                 <a:srgbClr val="FFFFFF"/>
-              </a:solidFill>
-              <a:effectLst/>
-              <a:uLnTx/>
-              <a:uFillTx/>
-              <a:latin typeface="Biome"/>
-              <a:ea typeface="+mn-ea"/>
-              <a:cs typeface="Biome" panose="020B0503030204020804" pitchFamily="34" charset="0"/>
-            </a:endParaRPr>
+              </a:buClr>
+              <a:buSzPct val="45000"/>
+              <a:buFont typeface="Wingdings" charset="2"/>
+              <a:buChar char=""/>
+            </a:pPr>
+            <a:r>
+              <a:rPr lang="it-IT" sz="1800" b="0" strike="noStrike" spc="-1" dirty="0">
+                <a:solidFill>
+                  <a:srgbClr val="FFFFFF"/>
+                </a:solidFill>
+                <a:latin typeface="Arial"/>
+              </a:rPr>
+              <a:t>permessi di accesso</a:t>
+            </a:r>
+          </a:p>
+          <a:p>
+            <a:pPr marL="216000" indent="-216000">
+              <a:lnSpc>
+                <a:spcPct val="100000"/>
+              </a:lnSpc>
+              <a:buClr>
+                <a:srgbClr val="FFFFFF"/>
+              </a:buClr>
+              <a:buSzPct val="45000"/>
+              <a:buFont typeface="Wingdings" charset="2"/>
+              <a:buChar char=""/>
+            </a:pPr>
+            <a:r>
+              <a:rPr lang="it-IT" sz="1800" b="0" strike="noStrike" spc="-1" dirty="0">
+                <a:solidFill>
+                  <a:srgbClr val="FFFFFF"/>
+                </a:solidFill>
+                <a:latin typeface="Arial"/>
+              </a:rPr>
+              <a:t>numero di link</a:t>
+            </a:r>
+          </a:p>
+          <a:p>
+            <a:pPr marL="216000" indent="-216000">
+              <a:lnSpc>
+                <a:spcPct val="100000"/>
+              </a:lnSpc>
+              <a:buClr>
+                <a:srgbClr val="FFFFFF"/>
+              </a:buClr>
+              <a:buSzPct val="45000"/>
+              <a:buFont typeface="Wingdings" charset="2"/>
+              <a:buChar char=""/>
+            </a:pPr>
+            <a:r>
+              <a:rPr lang="it-IT" sz="1800" b="0" strike="noStrike" spc="-1" dirty="0">
+                <a:solidFill>
+                  <a:srgbClr val="FFFFFF"/>
+                </a:solidFill>
+                <a:latin typeface="Arial"/>
+              </a:rPr>
+              <a:t>proprietario e gruppo</a:t>
+            </a:r>
+          </a:p>
+          <a:p>
+            <a:pPr marL="216000" indent="-216000">
+              <a:lnSpc>
+                <a:spcPct val="100000"/>
+              </a:lnSpc>
+              <a:buClr>
+                <a:srgbClr val="FFFFFF"/>
+              </a:buClr>
+              <a:buSzPct val="45000"/>
+              <a:buFont typeface="Wingdings" charset="2"/>
+              <a:buChar char=""/>
+            </a:pPr>
+            <a:r>
+              <a:rPr lang="it-IT" sz="1800" b="0" strike="noStrike" spc="-1" dirty="0">
+                <a:solidFill>
+                  <a:srgbClr val="FFFFFF"/>
+                </a:solidFill>
+                <a:latin typeface="Arial"/>
+              </a:rPr>
+              <a:t>dimensione </a:t>
+            </a:r>
           </a:p>
         </p:txBody>
       </p:sp>
+      <p:pic>
+        <p:nvPicPr>
+          <p:cNvPr id="27" name="Immagine 26">
+            <a:extLst>
+              <a:ext uri="{FF2B5EF4-FFF2-40B4-BE49-F238E27FC236}">
+                <a16:creationId xmlns:a16="http://schemas.microsoft.com/office/drawing/2014/main" id="{F54B5F59-DB7D-FFF4-0448-90A2B1DA0286}"/>
+              </a:ext>
+            </a:extLst>
+          </p:cNvPr>
+          <p:cNvPicPr/>
+          <p:nvPr/>
+        </p:nvPicPr>
+        <p:blipFill>
+          <a:blip r:embed="rId4"/>
+          <a:srcRect l="446"/>
+          <a:stretch/>
+        </p:blipFill>
+        <p:spPr>
+          <a:xfrm>
+            <a:off x="5216526" y="3878280"/>
+            <a:ext cx="5017494" cy="2473920"/>
+          </a:xfrm>
+          <a:prstGeom prst="rect">
+            <a:avLst/>
+          </a:prstGeom>
+          <a:ln w="0">
+            <a:noFill/>
+          </a:ln>
+        </p:spPr>
+      </p:pic>
     </p:spTree>
     <p:extLst>
       <p:ext uri="{BB962C8B-B14F-4D97-AF65-F5344CB8AC3E}">
@@ -22391,7 +25707,13 @@
   <p:cSld>
     <p:spTree>
       <p:nvGrpSpPr>
-        <p:cNvPr id="1" name=""/>
+        <p:cNvPr id="1" name="">
+          <a:extLst>
+            <a:ext uri="{FF2B5EF4-FFF2-40B4-BE49-F238E27FC236}">
+              <a16:creationId xmlns:a16="http://schemas.microsoft.com/office/drawing/2014/main" id="{15848FF9-77A7-0ACC-7BD0-EAB967394C05}"/>
+            </a:ext>
+          </a:extLst>
+        </p:cNvPr>
         <p:cNvGrpSpPr/>
         <p:nvPr/>
       </p:nvGrpSpPr>
@@ -22405,223 +25727,798 @@
       </p:grpSpPr>
       <p:sp>
         <p:nvSpPr>
-          <p:cNvPr id="2" name="Titolo 1">
-            <a:extLst>
-              <a:ext uri="{FF2B5EF4-FFF2-40B4-BE49-F238E27FC236}">
-                <a16:creationId xmlns:a16="http://schemas.microsoft.com/office/drawing/2014/main" id="{D543EB8B-0AB9-7554-AEEA-E8D744959E9A}"/>
+          <p:cNvPr id="8" name="PlaceHolder 1">
+            <a:extLst>
+              <a:ext uri="{FF2B5EF4-FFF2-40B4-BE49-F238E27FC236}">
+                <a16:creationId xmlns:a16="http://schemas.microsoft.com/office/drawing/2014/main" id="{49AF40C3-E152-9C71-C83D-ADF7DE2012FC}"/>
               </a:ext>
             </a:extLst>
           </p:cNvPr>
           <p:cNvSpPr>
             <a:spLocks noGrp="1"/>
           </p:cNvSpPr>
-          <p:nvPr>
-            <p:ph type="title"/>
-          </p:nvPr>
+          <p:nvPr/>
         </p:nvSpPr>
         <p:spPr>
           <a:xfrm>
-            <a:off x="6889627" y="173736"/>
-            <a:ext cx="4352662" cy="2203704"/>
+            <a:off x="625620" y="314280"/>
+            <a:ext cx="10500480" cy="1326960"/>
           </a:xfrm>
+          <a:prstGeom prst="rect">
+            <a:avLst/>
+          </a:prstGeom>
+          <a:noFill/>
+          <a:ln w="0">
+            <a:noFill/>
+          </a:ln>
         </p:spPr>
         <p:txBody>
-          <a:bodyPr rtlCol="0"/>
+          <a:bodyPr anchor="b">
+            <a:noAutofit/>
+          </a:bodyPr>
+          <a:lstStyle>
+            <a:lvl1pPr algn="l" defTabSz="914400" rtl="0" eaLnBrk="1" latinLnBrk="0" hangingPunct="1">
+              <a:lnSpc>
+                <a:spcPct val="90000"/>
+              </a:lnSpc>
+              <a:spcBef>
+                <a:spcPct val="0"/>
+              </a:spcBef>
+              <a:buNone/>
+              <a:defRPr sz="4400" kern="1200">
+                <a:solidFill>
+                  <a:schemeClr val="tx1"/>
+                </a:solidFill>
+                <a:latin typeface="+mj-lt"/>
+                <a:ea typeface="+mj-ea"/>
+                <a:cs typeface="+mj-cs"/>
+              </a:defRPr>
+            </a:lvl1pPr>
+          </a:lstStyle>
+          <a:p>
+            <a:pPr indent="0">
+              <a:lnSpc>
+                <a:spcPct val="90000"/>
+              </a:lnSpc>
+              <a:buNone/>
+            </a:pPr>
+            <a:r>
+              <a:rPr lang="it-IT" sz="3200" b="0" strike="noStrike" cap="all" spc="-1" dirty="0">
+                <a:solidFill>
+                  <a:schemeClr val="accent3">
+                    <a:lumMod val="75000"/>
+                  </a:schemeClr>
+                </a:solidFill>
+                <a:latin typeface="Biome"/>
+              </a:rPr>
+              <a:t>Analisi delle directory accessibili</a:t>
+            </a:r>
+            <a:endParaRPr lang="it-IT" sz="3200" b="0" strike="noStrike" spc="-1" dirty="0">
+              <a:solidFill>
+                <a:srgbClr val="000000"/>
+              </a:solidFill>
+              <a:latin typeface="Arial Nova"/>
+            </a:endParaRPr>
+          </a:p>
+        </p:txBody>
+      </p:sp>
+      <p:sp>
+        <p:nvSpPr>
+          <p:cNvPr id="9" name="PlaceHolder 2">
+            <a:extLst>
+              <a:ext uri="{FF2B5EF4-FFF2-40B4-BE49-F238E27FC236}">
+                <a16:creationId xmlns:a16="http://schemas.microsoft.com/office/drawing/2014/main" id="{3BBE7AFD-5A71-7D58-86B1-864066717DE1}"/>
+              </a:ext>
+            </a:extLst>
+          </p:cNvPr>
+          <p:cNvSpPr>
+            <a:spLocks noGrp="1"/>
+          </p:cNvSpPr>
+          <p:nvPr/>
+        </p:nvSpPr>
+        <p:spPr>
+          <a:xfrm>
+            <a:off x="9025140" y="6109920"/>
+            <a:ext cx="2742840" cy="364680"/>
+          </a:xfrm>
+          <a:prstGeom prst="rect">
+            <a:avLst/>
+          </a:prstGeom>
+          <a:noFill/>
+          <a:ln w="0">
+            <a:noFill/>
+          </a:ln>
+        </p:spPr>
+        <p:txBody>
+          <a:bodyPr anchor="ctr">
+            <a:noAutofit/>
+          </a:bodyPr>
           <a:lstStyle>
             <a:defPPr>
               <a:defRPr lang="it-IT"/>
             </a:defPPr>
+            <a:lvl1pPr marL="0" indent="0" algn="r" defTabSz="914400" rtl="0" eaLnBrk="1" latinLnBrk="0" hangingPunct="1">
+              <a:lnSpc>
+                <a:spcPct val="100000"/>
+              </a:lnSpc>
+              <a:buNone/>
+              <a:tabLst>
+                <a:tab pos="0" algn="l"/>
+              </a:tabLst>
+              <a:defRPr lang="it-IT" sz="1200" b="0" strike="noStrike" kern="1200" spc="-1">
+                <a:solidFill>
+                  <a:srgbClr val="FFFFFF"/>
+                </a:solidFill>
+                <a:latin typeface="Biome"/>
+                <a:ea typeface="+mn-ea"/>
+                <a:cs typeface="+mn-cs"/>
+              </a:defRPr>
+            </a:lvl1pPr>
+            <a:lvl2pPr marL="457200" algn="l" defTabSz="914400" rtl="0" eaLnBrk="1" latinLnBrk="0" hangingPunct="1">
+              <a:defRPr sz="1800" kern="1200">
+                <a:solidFill>
+                  <a:schemeClr val="tx1"/>
+                </a:solidFill>
+                <a:latin typeface="+mn-lt"/>
+                <a:ea typeface="+mn-ea"/>
+                <a:cs typeface="+mn-cs"/>
+              </a:defRPr>
+            </a:lvl2pPr>
+            <a:lvl3pPr marL="914400" algn="l" defTabSz="914400" rtl="0" eaLnBrk="1" latinLnBrk="0" hangingPunct="1">
+              <a:defRPr sz="1800" kern="1200">
+                <a:solidFill>
+                  <a:schemeClr val="tx1"/>
+                </a:solidFill>
+                <a:latin typeface="+mn-lt"/>
+                <a:ea typeface="+mn-ea"/>
+                <a:cs typeface="+mn-cs"/>
+              </a:defRPr>
+            </a:lvl3pPr>
+            <a:lvl4pPr marL="1371600" algn="l" defTabSz="914400" rtl="0" eaLnBrk="1" latinLnBrk="0" hangingPunct="1">
+              <a:defRPr sz="1800" kern="1200">
+                <a:solidFill>
+                  <a:schemeClr val="tx1"/>
+                </a:solidFill>
+                <a:latin typeface="+mn-lt"/>
+                <a:ea typeface="+mn-ea"/>
+                <a:cs typeface="+mn-cs"/>
+              </a:defRPr>
+            </a:lvl4pPr>
+            <a:lvl5pPr marL="1828800" algn="l" defTabSz="914400" rtl="0" eaLnBrk="1" latinLnBrk="0" hangingPunct="1">
+              <a:defRPr sz="1800" kern="1200">
+                <a:solidFill>
+                  <a:schemeClr val="tx1"/>
+                </a:solidFill>
+                <a:latin typeface="+mn-lt"/>
+                <a:ea typeface="+mn-ea"/>
+                <a:cs typeface="+mn-cs"/>
+              </a:defRPr>
+            </a:lvl5pPr>
+            <a:lvl6pPr marL="2286000" algn="l" defTabSz="914400" rtl="0" eaLnBrk="1" latinLnBrk="0" hangingPunct="1">
+              <a:defRPr sz="1800" kern="1200">
+                <a:solidFill>
+                  <a:schemeClr val="tx1"/>
+                </a:solidFill>
+                <a:latin typeface="+mn-lt"/>
+                <a:ea typeface="+mn-ea"/>
+                <a:cs typeface="+mn-cs"/>
+              </a:defRPr>
+            </a:lvl6pPr>
+            <a:lvl7pPr marL="2743200" algn="l" defTabSz="914400" rtl="0" eaLnBrk="1" latinLnBrk="0" hangingPunct="1">
+              <a:defRPr sz="1800" kern="1200">
+                <a:solidFill>
+                  <a:schemeClr val="tx1"/>
+                </a:solidFill>
+                <a:latin typeface="+mn-lt"/>
+                <a:ea typeface="+mn-ea"/>
+                <a:cs typeface="+mn-cs"/>
+              </a:defRPr>
+            </a:lvl7pPr>
+            <a:lvl8pPr marL="3200400" algn="l" defTabSz="914400" rtl="0" eaLnBrk="1" latinLnBrk="0" hangingPunct="1">
+              <a:defRPr sz="1800" kern="1200">
+                <a:solidFill>
+                  <a:schemeClr val="tx1"/>
+                </a:solidFill>
+                <a:latin typeface="+mn-lt"/>
+                <a:ea typeface="+mn-ea"/>
+                <a:cs typeface="+mn-cs"/>
+              </a:defRPr>
+            </a:lvl8pPr>
+            <a:lvl9pPr marL="3657600" algn="l" defTabSz="914400" rtl="0" eaLnBrk="1" latinLnBrk="0" hangingPunct="1">
+              <a:defRPr sz="1800" kern="1200">
+                <a:solidFill>
+                  <a:schemeClr val="tx1"/>
+                </a:solidFill>
+                <a:latin typeface="+mn-lt"/>
+                <a:ea typeface="+mn-ea"/>
+                <a:cs typeface="+mn-cs"/>
+              </a:defRPr>
+            </a:lvl9pPr>
           </a:lstStyle>
           <a:p>
-            <a:pPr lvl="0" rtl="0"/>
-            <a:r>
-              <a:rPr lang="it-IT" noProof="0" dirty="0"/>
-              <a:t>IMPATTO COMUNICATIVO</a:t>
+            <a:pPr indent="0" algn="r">
+              <a:lnSpc>
+                <a:spcPct val="100000"/>
+              </a:lnSpc>
+              <a:buNone/>
+              <a:tabLst>
+                <a:tab pos="0" algn="l"/>
+              </a:tabLst>
+            </a:pPr>
+            <a:fld id="{33BABA1A-7A49-4DB1-B1B6-CE604773A1DA}" type="slidenum">
+              <a:rPr lang="it-IT" sz="1200" b="0" strike="noStrike" spc="-1">
+                <a:solidFill>
+                  <a:srgbClr val="FFFFFF"/>
+                </a:solidFill>
+                <a:latin typeface="Biome"/>
+              </a:rPr>
+              <a:pPr indent="0" algn="r">
+                <a:lnSpc>
+                  <a:spcPct val="100000"/>
+                </a:lnSpc>
+                <a:buNone/>
+                <a:tabLst>
+                  <a:tab pos="0" algn="l"/>
+                </a:tabLst>
+              </a:pPr>
+              <a:t>8</a:t>
+            </a:fld>
+            <a:endParaRPr lang="it-IT" sz="1200" b="0" strike="noStrike" spc="-1">
+              <a:solidFill>
+                <a:srgbClr val="FFFFFF"/>
+              </a:solidFill>
+              <a:latin typeface="Times New Roman"/>
+            </a:endParaRPr>
+          </a:p>
+        </p:txBody>
+      </p:sp>
+      <p:sp>
+        <p:nvSpPr>
+          <p:cNvPr id="10" name="CasellaDiTesto 583">
+            <a:extLst>
+              <a:ext uri="{FF2B5EF4-FFF2-40B4-BE49-F238E27FC236}">
+                <a16:creationId xmlns:a16="http://schemas.microsoft.com/office/drawing/2014/main" id="{BF3B3FAD-DBA6-790A-F957-B3B5CAF8FA4C}"/>
+              </a:ext>
+            </a:extLst>
+          </p:cNvPr>
+          <p:cNvSpPr txBox="1"/>
+          <p:nvPr/>
+        </p:nvSpPr>
+        <p:spPr>
+          <a:xfrm>
+            <a:off x="464277" y="2057848"/>
+            <a:ext cx="5760000" cy="2138400"/>
+          </a:xfrm>
+          <a:prstGeom prst="rect">
+            <a:avLst/>
+          </a:prstGeom>
+          <a:noFill/>
+          <a:ln w="0">
+            <a:noFill/>
+          </a:ln>
+        </p:spPr>
+        <p:txBody>
+          <a:bodyPr lIns="90000" tIns="45000" rIns="90000" bIns="45000" anchor="t">
+            <a:noAutofit/>
+          </a:bodyPr>
+          <a:lstStyle>
+            <a:defPPr>
+              <a:defRPr lang="it-IT"/>
+            </a:defPPr>
+            <a:lvl1pPr marL="0" algn="l" defTabSz="914400" rtl="0" eaLnBrk="1" latinLnBrk="0" hangingPunct="1">
+              <a:defRPr sz="1800" kern="1200">
+                <a:solidFill>
+                  <a:schemeClr val="tx1"/>
+                </a:solidFill>
+                <a:latin typeface="+mn-lt"/>
+                <a:ea typeface="+mn-ea"/>
+                <a:cs typeface="+mn-cs"/>
+              </a:defRPr>
+            </a:lvl1pPr>
+            <a:lvl2pPr marL="457200" algn="l" defTabSz="914400" rtl="0" eaLnBrk="1" latinLnBrk="0" hangingPunct="1">
+              <a:defRPr sz="1800" kern="1200">
+                <a:solidFill>
+                  <a:schemeClr val="tx1"/>
+                </a:solidFill>
+                <a:latin typeface="+mn-lt"/>
+                <a:ea typeface="+mn-ea"/>
+                <a:cs typeface="+mn-cs"/>
+              </a:defRPr>
+            </a:lvl2pPr>
+            <a:lvl3pPr marL="914400" algn="l" defTabSz="914400" rtl="0" eaLnBrk="1" latinLnBrk="0" hangingPunct="1">
+              <a:defRPr sz="1800" kern="1200">
+                <a:solidFill>
+                  <a:schemeClr val="tx1"/>
+                </a:solidFill>
+                <a:latin typeface="+mn-lt"/>
+                <a:ea typeface="+mn-ea"/>
+                <a:cs typeface="+mn-cs"/>
+              </a:defRPr>
+            </a:lvl3pPr>
+            <a:lvl4pPr marL="1371600" algn="l" defTabSz="914400" rtl="0" eaLnBrk="1" latinLnBrk="0" hangingPunct="1">
+              <a:defRPr sz="1800" kern="1200">
+                <a:solidFill>
+                  <a:schemeClr val="tx1"/>
+                </a:solidFill>
+                <a:latin typeface="+mn-lt"/>
+                <a:ea typeface="+mn-ea"/>
+                <a:cs typeface="+mn-cs"/>
+              </a:defRPr>
+            </a:lvl4pPr>
+            <a:lvl5pPr marL="1828800" algn="l" defTabSz="914400" rtl="0" eaLnBrk="1" latinLnBrk="0" hangingPunct="1">
+              <a:defRPr sz="1800" kern="1200">
+                <a:solidFill>
+                  <a:schemeClr val="tx1"/>
+                </a:solidFill>
+                <a:latin typeface="+mn-lt"/>
+                <a:ea typeface="+mn-ea"/>
+                <a:cs typeface="+mn-cs"/>
+              </a:defRPr>
+            </a:lvl5pPr>
+            <a:lvl6pPr marL="2286000" algn="l" defTabSz="914400" rtl="0" eaLnBrk="1" latinLnBrk="0" hangingPunct="1">
+              <a:defRPr sz="1800" kern="1200">
+                <a:solidFill>
+                  <a:schemeClr val="tx1"/>
+                </a:solidFill>
+                <a:latin typeface="+mn-lt"/>
+                <a:ea typeface="+mn-ea"/>
+                <a:cs typeface="+mn-cs"/>
+              </a:defRPr>
+            </a:lvl6pPr>
+            <a:lvl7pPr marL="2743200" algn="l" defTabSz="914400" rtl="0" eaLnBrk="1" latinLnBrk="0" hangingPunct="1">
+              <a:defRPr sz="1800" kern="1200">
+                <a:solidFill>
+                  <a:schemeClr val="tx1"/>
+                </a:solidFill>
+                <a:latin typeface="+mn-lt"/>
+                <a:ea typeface="+mn-ea"/>
+                <a:cs typeface="+mn-cs"/>
+              </a:defRPr>
+            </a:lvl7pPr>
+            <a:lvl8pPr marL="3200400" algn="l" defTabSz="914400" rtl="0" eaLnBrk="1" latinLnBrk="0" hangingPunct="1">
+              <a:defRPr sz="1800" kern="1200">
+                <a:solidFill>
+                  <a:schemeClr val="tx1"/>
+                </a:solidFill>
+                <a:latin typeface="+mn-lt"/>
+                <a:ea typeface="+mn-ea"/>
+                <a:cs typeface="+mn-cs"/>
+              </a:defRPr>
+            </a:lvl8pPr>
+            <a:lvl9pPr marL="3657600" algn="l" defTabSz="914400" rtl="0" eaLnBrk="1" latinLnBrk="0" hangingPunct="1">
+              <a:defRPr sz="1800" kern="1200">
+                <a:solidFill>
+                  <a:schemeClr val="tx1"/>
+                </a:solidFill>
+                <a:latin typeface="+mn-lt"/>
+                <a:ea typeface="+mn-ea"/>
+                <a:cs typeface="+mn-cs"/>
+              </a:defRPr>
+            </a:lvl9pPr>
+          </a:lstStyle>
+          <a:p>
+            <a:r>
+              <a:rPr lang="it-IT" sz="1800" b="0" strike="noStrike" spc="-1">
+                <a:solidFill>
+                  <a:srgbClr val="FFFFFF"/>
+                </a:solidFill>
+                <a:latin typeface="Arial"/>
+              </a:rPr>
+              <a:t>La directory /home/level16 non sembra contenere materiale interessante.</a:t>
+            </a:r>
+          </a:p>
+          <a:p>
+            <a:r>
+              <a:rPr lang="it-IT" sz="1800" b="0" strike="noStrike" spc="-1">
+                <a:solidFill>
+                  <a:srgbClr val="FFFFFF"/>
+                </a:solidFill>
+                <a:latin typeface="Arial"/>
+              </a:rPr>
+              <a:t>La directory /home/flag16 contiene file di configurazione di BASH e altri due file molto interessanti</a:t>
+            </a:r>
+          </a:p>
+          <a:p>
+            <a:pPr marL="216000" indent="-216000">
+              <a:buClr>
+                <a:srgbClr val="FFFFFF"/>
+              </a:buClr>
+              <a:buSzPct val="45000"/>
+              <a:buFont typeface="Wingdings" charset="2"/>
+              <a:buChar char=""/>
+            </a:pPr>
+            <a:r>
+              <a:rPr lang="it-IT" sz="1800" b="0" strike="noStrike" spc="-1">
+                <a:solidFill>
+                  <a:srgbClr val="FFFFFF"/>
+                </a:solidFill>
+                <a:latin typeface="Arial"/>
+              </a:rPr>
+              <a:t>index.cgi</a:t>
+            </a:r>
+          </a:p>
+          <a:p>
+            <a:pPr marL="216000" indent="-216000">
+              <a:buClr>
+                <a:srgbClr val="FFFFFF"/>
+              </a:buClr>
+              <a:buSzPct val="45000"/>
+              <a:buFont typeface="Wingdings" charset="2"/>
+              <a:buChar char=""/>
+            </a:pPr>
+            <a:r>
+              <a:rPr lang="it-IT" sz="1800" b="0" strike="noStrike" spc="-1">
+                <a:solidFill>
+                  <a:srgbClr val="FFFFFF"/>
+                </a:solidFill>
+                <a:latin typeface="Arial"/>
+              </a:rPr>
+              <a:t>thttpd.conf</a:t>
+            </a:r>
+          </a:p>
+        </p:txBody>
+      </p:sp>
+      <p:sp>
+        <p:nvSpPr>
+          <p:cNvPr id="11" name="CasellaDiTesto 584">
+            <a:extLst>
+              <a:ext uri="{FF2B5EF4-FFF2-40B4-BE49-F238E27FC236}">
+                <a16:creationId xmlns:a16="http://schemas.microsoft.com/office/drawing/2014/main" id="{6AEB3CC0-4470-2C96-0C1F-82F711201F4B}"/>
+              </a:ext>
+            </a:extLst>
+          </p:cNvPr>
+          <p:cNvSpPr txBox="1"/>
+          <p:nvPr/>
+        </p:nvSpPr>
+        <p:spPr>
+          <a:xfrm>
+            <a:off x="424020" y="4196248"/>
+            <a:ext cx="4497120" cy="1114200"/>
+          </a:xfrm>
+          <a:prstGeom prst="rect">
+            <a:avLst/>
+          </a:prstGeom>
+          <a:noFill/>
+          <a:ln w="0">
+            <a:noFill/>
+          </a:ln>
+        </p:spPr>
+        <p:txBody>
+          <a:bodyPr lIns="90000" tIns="45000" rIns="90000" bIns="45000" anchor="t">
+            <a:noAutofit/>
+          </a:bodyPr>
+          <a:lstStyle>
+            <a:defPPr>
+              <a:defRPr lang="it-IT"/>
+            </a:defPPr>
+            <a:lvl1pPr marL="0" algn="l" defTabSz="914400" rtl="0" eaLnBrk="1" latinLnBrk="0" hangingPunct="1">
+              <a:defRPr sz="1800" kern="1200">
+                <a:solidFill>
+                  <a:schemeClr val="tx1"/>
+                </a:solidFill>
+                <a:latin typeface="+mn-lt"/>
+                <a:ea typeface="+mn-ea"/>
+                <a:cs typeface="+mn-cs"/>
+              </a:defRPr>
+            </a:lvl1pPr>
+            <a:lvl2pPr marL="457200" algn="l" defTabSz="914400" rtl="0" eaLnBrk="1" latinLnBrk="0" hangingPunct="1">
+              <a:defRPr sz="1800" kern="1200">
+                <a:solidFill>
+                  <a:schemeClr val="tx1"/>
+                </a:solidFill>
+                <a:latin typeface="+mn-lt"/>
+                <a:ea typeface="+mn-ea"/>
+                <a:cs typeface="+mn-cs"/>
+              </a:defRPr>
+            </a:lvl2pPr>
+            <a:lvl3pPr marL="914400" algn="l" defTabSz="914400" rtl="0" eaLnBrk="1" latinLnBrk="0" hangingPunct="1">
+              <a:defRPr sz="1800" kern="1200">
+                <a:solidFill>
+                  <a:schemeClr val="tx1"/>
+                </a:solidFill>
+                <a:latin typeface="+mn-lt"/>
+                <a:ea typeface="+mn-ea"/>
+                <a:cs typeface="+mn-cs"/>
+              </a:defRPr>
+            </a:lvl3pPr>
+            <a:lvl4pPr marL="1371600" algn="l" defTabSz="914400" rtl="0" eaLnBrk="1" latinLnBrk="0" hangingPunct="1">
+              <a:defRPr sz="1800" kern="1200">
+                <a:solidFill>
+                  <a:schemeClr val="tx1"/>
+                </a:solidFill>
+                <a:latin typeface="+mn-lt"/>
+                <a:ea typeface="+mn-ea"/>
+                <a:cs typeface="+mn-cs"/>
+              </a:defRPr>
+            </a:lvl4pPr>
+            <a:lvl5pPr marL="1828800" algn="l" defTabSz="914400" rtl="0" eaLnBrk="1" latinLnBrk="0" hangingPunct="1">
+              <a:defRPr sz="1800" kern="1200">
+                <a:solidFill>
+                  <a:schemeClr val="tx1"/>
+                </a:solidFill>
+                <a:latin typeface="+mn-lt"/>
+                <a:ea typeface="+mn-ea"/>
+                <a:cs typeface="+mn-cs"/>
+              </a:defRPr>
+            </a:lvl5pPr>
+            <a:lvl6pPr marL="2286000" algn="l" defTabSz="914400" rtl="0" eaLnBrk="1" latinLnBrk="0" hangingPunct="1">
+              <a:defRPr sz="1800" kern="1200">
+                <a:solidFill>
+                  <a:schemeClr val="tx1"/>
+                </a:solidFill>
+                <a:latin typeface="+mn-lt"/>
+                <a:ea typeface="+mn-ea"/>
+                <a:cs typeface="+mn-cs"/>
+              </a:defRPr>
+            </a:lvl6pPr>
+            <a:lvl7pPr marL="2743200" algn="l" defTabSz="914400" rtl="0" eaLnBrk="1" latinLnBrk="0" hangingPunct="1">
+              <a:defRPr sz="1800" kern="1200">
+                <a:solidFill>
+                  <a:schemeClr val="tx1"/>
+                </a:solidFill>
+                <a:latin typeface="+mn-lt"/>
+                <a:ea typeface="+mn-ea"/>
+                <a:cs typeface="+mn-cs"/>
+              </a:defRPr>
+            </a:lvl7pPr>
+            <a:lvl8pPr marL="3200400" algn="l" defTabSz="914400" rtl="0" eaLnBrk="1" latinLnBrk="0" hangingPunct="1">
+              <a:defRPr sz="1800" kern="1200">
+                <a:solidFill>
+                  <a:schemeClr val="tx1"/>
+                </a:solidFill>
+                <a:latin typeface="+mn-lt"/>
+                <a:ea typeface="+mn-ea"/>
+                <a:cs typeface="+mn-cs"/>
+              </a:defRPr>
+            </a:lvl8pPr>
+            <a:lvl9pPr marL="3657600" algn="l" defTabSz="914400" rtl="0" eaLnBrk="1" latinLnBrk="0" hangingPunct="1">
+              <a:defRPr sz="1800" kern="1200">
+                <a:solidFill>
+                  <a:schemeClr val="tx1"/>
+                </a:solidFill>
+                <a:latin typeface="+mn-lt"/>
+                <a:ea typeface="+mn-ea"/>
+                <a:cs typeface="+mn-cs"/>
+              </a:defRPr>
+            </a:lvl9pPr>
+          </a:lstStyle>
+          <a:p>
+            <a:r>
+              <a:rPr lang="it-IT" sz="1800" b="0" strike="noStrike" spc="-1" dirty="0">
+                <a:solidFill>
+                  <a:srgbClr val="FFFFFF"/>
+                </a:solidFill>
+                <a:latin typeface="Arial"/>
+              </a:rPr>
+              <a:t>Il file </a:t>
+            </a:r>
+            <a:r>
+              <a:rPr lang="it-IT" sz="1800" b="0" strike="noStrike" spc="-1" dirty="0" err="1">
+                <a:solidFill>
+                  <a:srgbClr val="FFFFFF"/>
+                </a:solidFill>
+                <a:latin typeface="Arial"/>
+              </a:rPr>
+              <a:t>index.cgi</a:t>
+            </a:r>
+            <a:endParaRPr lang="it-IT" sz="1800" b="0" strike="noStrike" spc="-1" dirty="0">
+              <a:solidFill>
+                <a:srgbClr val="FFFFFF"/>
+              </a:solidFill>
+              <a:latin typeface="Arial"/>
+            </a:endParaRPr>
+          </a:p>
+          <a:p>
+            <a:pPr marL="216000" indent="-216000">
+              <a:buClr>
+                <a:srgbClr val="FFFFFF"/>
+              </a:buClr>
+              <a:buSzPct val="45000"/>
+              <a:buFont typeface="Wingdings" charset="2"/>
+              <a:buChar char=""/>
+            </a:pPr>
+            <a:r>
+              <a:rPr lang="it-IT" sz="1800" b="0" strike="noStrike" spc="-1" dirty="0">
+                <a:solidFill>
+                  <a:srgbClr val="FFFFFF"/>
+                </a:solidFill>
+                <a:latin typeface="Arial"/>
+              </a:rPr>
+              <a:t>E’ leggibile ed eseguibile da tutti gli utenti e modificabile solo da root</a:t>
+            </a:r>
+          </a:p>
+          <a:p>
+            <a:pPr marL="216000" indent="-216000">
+              <a:buClr>
+                <a:srgbClr val="FFFFFF"/>
+              </a:buClr>
+              <a:buSzPct val="45000"/>
+              <a:buFont typeface="Wingdings" charset="2"/>
+              <a:buChar char=""/>
+            </a:pPr>
+            <a:r>
+              <a:rPr lang="it-IT" sz="1800" b="0" strike="noStrike" spc="-1" dirty="0">
+                <a:solidFill>
+                  <a:srgbClr val="FFFFFF"/>
+                </a:solidFill>
+                <a:latin typeface="Arial"/>
+              </a:rPr>
+              <a:t>Non è SETUID</a:t>
             </a:r>
           </a:p>
         </p:txBody>
       </p:sp>
       <p:pic>
         <p:nvPicPr>
-          <p:cNvPr id="6" name="Segnaposto immagine 5" descr="Spirale blu e viola">
-            <a:extLst>
-              <a:ext uri="{FF2B5EF4-FFF2-40B4-BE49-F238E27FC236}">
-                <a16:creationId xmlns:a16="http://schemas.microsoft.com/office/drawing/2014/main" id="{05B64636-376E-96D4-B550-D764B2C6A6A7}"/>
-              </a:ext>
-            </a:extLst>
-          </p:cNvPr>
-          <p:cNvPicPr>
-            <a:picLocks noGrp="1" noChangeAspect="1"/>
-          </p:cNvPicPr>
-          <p:nvPr>
-            <p:ph type="pic" sz="quarter" idx="37"/>
-          </p:nvPr>
+          <p:cNvPr id="12" name="Immagine 11">
+            <a:extLst>
+              <a:ext uri="{FF2B5EF4-FFF2-40B4-BE49-F238E27FC236}">
+                <a16:creationId xmlns:a16="http://schemas.microsoft.com/office/drawing/2014/main" id="{B2372467-7F14-5426-FD43-DC425D9A7EB7}"/>
+              </a:ext>
+            </a:extLst>
+          </p:cNvPr>
+          <p:cNvPicPr/>
+          <p:nvPr/>
         </p:nvPicPr>
-        <p:blipFill rotWithShape="1">
-          <a:blip r:embed="rId3" cstate="screen">
-            <a:extLst>
-              <a:ext uri="{28A0092B-C50C-407E-A947-70E740481C1C}">
-                <a14:useLocalDpi xmlns:a14="http://schemas.microsoft.com/office/drawing/2010/main"/>
-              </a:ext>
-            </a:extLst>
-          </a:blip>
-          <a:srcRect t="202" b="202"/>
+        <p:blipFill>
+          <a:blip r:embed="rId3"/>
+          <a:srcRect l="571"/>
           <a:stretch/>
         </p:blipFill>
         <p:spPr>
           <a:xfrm>
-            <a:off x="336550" y="336550"/>
-            <a:ext cx="5303640" cy="6184900"/>
+            <a:off x="5497902" y="2548080"/>
+            <a:ext cx="5906118" cy="2915640"/>
           </a:xfrm>
+          <a:prstGeom prst="rect">
+            <a:avLst/>
+          </a:prstGeom>
+          <a:ln w="0">
+            <a:noFill/>
+          </a:ln>
         </p:spPr>
       </p:pic>
       <p:sp>
         <p:nvSpPr>
-          <p:cNvPr id="3" name="Segnaposto contenuto 2">
-            <a:extLst>
-              <a:ext uri="{FF2B5EF4-FFF2-40B4-BE49-F238E27FC236}">
-                <a16:creationId xmlns:a16="http://schemas.microsoft.com/office/drawing/2014/main" id="{FB2F5F9A-B16D-CA49-7F40-A0142E41DC56}"/>
-              </a:ext>
-            </a:extLst>
-          </p:cNvPr>
-          <p:cNvSpPr>
-            <a:spLocks noGrp="1"/>
-          </p:cNvSpPr>
-          <p:nvPr>
-            <p:ph sz="quarter" idx="36"/>
-          </p:nvPr>
+          <p:cNvPr id="13" name="CasellaDiTesto 586">
+            <a:extLst>
+              <a:ext uri="{FF2B5EF4-FFF2-40B4-BE49-F238E27FC236}">
+                <a16:creationId xmlns:a16="http://schemas.microsoft.com/office/drawing/2014/main" id="{1E23A0A2-2B13-B4B4-5FE2-8C9990BEEB1B}"/>
+              </a:ext>
+            </a:extLst>
+          </p:cNvPr>
+          <p:cNvSpPr txBox="1"/>
+          <p:nvPr/>
         </p:nvSpPr>
         <p:spPr>
           <a:xfrm>
-            <a:off x="6889627" y="3104277"/>
-            <a:ext cx="4371560" cy="3022201"/>
+            <a:off x="424020" y="5580720"/>
+            <a:ext cx="4497120" cy="1058400"/>
           </a:xfrm>
+          <a:prstGeom prst="rect">
+            <a:avLst/>
+          </a:prstGeom>
+          <a:noFill/>
+          <a:ln w="0">
+            <a:noFill/>
+          </a:ln>
         </p:spPr>
         <p:txBody>
-          <a:bodyPr rtlCol="0"/>
+          <a:bodyPr lIns="90000" tIns="45000" rIns="90000" bIns="45000" anchor="t">
+            <a:noAutofit/>
+          </a:bodyPr>
           <a:lstStyle>
             <a:defPPr>
               <a:defRPr lang="it-IT"/>
             </a:defPPr>
+            <a:lvl1pPr marL="0" algn="l" defTabSz="914400" rtl="0" eaLnBrk="1" latinLnBrk="0" hangingPunct="1">
+              <a:defRPr sz="1800" kern="1200">
+                <a:solidFill>
+                  <a:schemeClr val="tx1"/>
+                </a:solidFill>
+                <a:latin typeface="+mn-lt"/>
+                <a:ea typeface="+mn-ea"/>
+                <a:cs typeface="+mn-cs"/>
+              </a:defRPr>
+            </a:lvl1pPr>
+            <a:lvl2pPr marL="457200" algn="l" defTabSz="914400" rtl="0" eaLnBrk="1" latinLnBrk="0" hangingPunct="1">
+              <a:defRPr sz="1800" kern="1200">
+                <a:solidFill>
+                  <a:schemeClr val="tx1"/>
+                </a:solidFill>
+                <a:latin typeface="+mn-lt"/>
+                <a:ea typeface="+mn-ea"/>
+                <a:cs typeface="+mn-cs"/>
+              </a:defRPr>
+            </a:lvl2pPr>
+            <a:lvl3pPr marL="914400" algn="l" defTabSz="914400" rtl="0" eaLnBrk="1" latinLnBrk="0" hangingPunct="1">
+              <a:defRPr sz="1800" kern="1200">
+                <a:solidFill>
+                  <a:schemeClr val="tx1"/>
+                </a:solidFill>
+                <a:latin typeface="+mn-lt"/>
+                <a:ea typeface="+mn-ea"/>
+                <a:cs typeface="+mn-cs"/>
+              </a:defRPr>
+            </a:lvl3pPr>
+            <a:lvl4pPr marL="1371600" algn="l" defTabSz="914400" rtl="0" eaLnBrk="1" latinLnBrk="0" hangingPunct="1">
+              <a:defRPr sz="1800" kern="1200">
+                <a:solidFill>
+                  <a:schemeClr val="tx1"/>
+                </a:solidFill>
+                <a:latin typeface="+mn-lt"/>
+                <a:ea typeface="+mn-ea"/>
+                <a:cs typeface="+mn-cs"/>
+              </a:defRPr>
+            </a:lvl4pPr>
+            <a:lvl5pPr marL="1828800" algn="l" defTabSz="914400" rtl="0" eaLnBrk="1" latinLnBrk="0" hangingPunct="1">
+              <a:defRPr sz="1800" kern="1200">
+                <a:solidFill>
+                  <a:schemeClr val="tx1"/>
+                </a:solidFill>
+                <a:latin typeface="+mn-lt"/>
+                <a:ea typeface="+mn-ea"/>
+                <a:cs typeface="+mn-cs"/>
+              </a:defRPr>
+            </a:lvl5pPr>
+            <a:lvl6pPr marL="2286000" algn="l" defTabSz="914400" rtl="0" eaLnBrk="1" latinLnBrk="0" hangingPunct="1">
+              <a:defRPr sz="1800" kern="1200">
+                <a:solidFill>
+                  <a:schemeClr val="tx1"/>
+                </a:solidFill>
+                <a:latin typeface="+mn-lt"/>
+                <a:ea typeface="+mn-ea"/>
+                <a:cs typeface="+mn-cs"/>
+              </a:defRPr>
+            </a:lvl6pPr>
+            <a:lvl7pPr marL="2743200" algn="l" defTabSz="914400" rtl="0" eaLnBrk="1" latinLnBrk="0" hangingPunct="1">
+              <a:defRPr sz="1800" kern="1200">
+                <a:solidFill>
+                  <a:schemeClr val="tx1"/>
+                </a:solidFill>
+                <a:latin typeface="+mn-lt"/>
+                <a:ea typeface="+mn-ea"/>
+                <a:cs typeface="+mn-cs"/>
+              </a:defRPr>
+            </a:lvl7pPr>
+            <a:lvl8pPr marL="3200400" algn="l" defTabSz="914400" rtl="0" eaLnBrk="1" latinLnBrk="0" hangingPunct="1">
+              <a:defRPr sz="1800" kern="1200">
+                <a:solidFill>
+                  <a:schemeClr val="tx1"/>
+                </a:solidFill>
+                <a:latin typeface="+mn-lt"/>
+                <a:ea typeface="+mn-ea"/>
+                <a:cs typeface="+mn-cs"/>
+              </a:defRPr>
+            </a:lvl8pPr>
+            <a:lvl9pPr marL="3657600" algn="l" defTabSz="914400" rtl="0" eaLnBrk="1" latinLnBrk="0" hangingPunct="1">
+              <a:defRPr sz="1800" kern="1200">
+                <a:solidFill>
+                  <a:schemeClr val="tx1"/>
+                </a:solidFill>
+                <a:latin typeface="+mn-lt"/>
+                <a:ea typeface="+mn-ea"/>
+                <a:cs typeface="+mn-cs"/>
+              </a:defRPr>
+            </a:lvl9pPr>
           </a:lstStyle>
           <a:p>
-            <a:pPr rtl="0"/>
-            <a:r>
-              <a:rPr lang="it-IT" dirty="0"/>
-              <a:t>La tua capacità di comunicare in modo efficace lascerà un impatto duraturo sul tuo pubblico</a:t>
-            </a:r>
-          </a:p>
-          <a:p>
-            <a:pPr rtl="0"/>
-            <a:r>
-              <a:rPr lang="it-IT" dirty="0"/>
-              <a:t>Comunicare in modo efficace significa non solo trasmettere un messaggio, ma anche entrare in risonanza con le esperienze, i valori e le emozioni di chi ascolta </a:t>
-            </a:r>
-          </a:p>
-        </p:txBody>
-      </p:sp>
-      <p:sp>
-        <p:nvSpPr>
-          <p:cNvPr id="4" name="Segnaposto numero diapositiva 3">
-            <a:extLst>
-              <a:ext uri="{FF2B5EF4-FFF2-40B4-BE49-F238E27FC236}">
-                <a16:creationId xmlns:a16="http://schemas.microsoft.com/office/drawing/2014/main" id="{921DB868-BEE2-49F7-9AC5-A3B143880250}"/>
-              </a:ext>
-            </a:extLst>
-          </p:cNvPr>
-          <p:cNvSpPr>
-            <a:spLocks noGrp="1"/>
-          </p:cNvSpPr>
-          <p:nvPr>
-            <p:ph type="sldNum" sz="quarter" idx="12"/>
-          </p:nvPr>
-        </p:nvSpPr>
-        <p:spPr>
-          <a:xfrm>
-            <a:off x="9140971" y="6226198"/>
-            <a:ext cx="2743200" cy="365125"/>
-          </a:xfrm>
-        </p:spPr>
-        <p:txBody>
-          <a:bodyPr rtlCol="0"/>
-          <a:lstStyle>
-            <a:defPPr>
-              <a:defRPr lang="it-IT"/>
-            </a:defPPr>
-          </a:lstStyle>
-          <a:p>
-            <a:pPr marL="0" marR="0" lvl="0" indent="0" algn="r" defTabSz="914400" rtl="0" eaLnBrk="1" fontAlgn="auto" latinLnBrk="0" hangingPunct="1">
-              <a:lnSpc>
-                <a:spcPct val="100000"/>
-              </a:lnSpc>
-              <a:spcBef>
-                <a:spcPts val="0"/>
-              </a:spcBef>
-              <a:spcAft>
-                <a:spcPts val="0"/>
-              </a:spcAft>
-              <a:buClrTx/>
-              <a:buSzTx/>
-              <a:buFontTx/>
-              <a:buNone/>
-              <a:tabLst/>
-              <a:defRPr/>
-            </a:pPr>
-            <a:fld id="{FE024F78-56A6-7740-B68D-8D4D026EDF3F}" type="slidenum">
-              <a:rPr kumimoji="0" lang="it-IT" sz="1200" b="0" i="0" u="none" strike="noStrike" kern="1200" cap="none" spc="0" normalizeH="0" baseline="0" noProof="0" smtClean="0">
-                <a:ln>
-                  <a:noFill/>
-                </a:ln>
+            <a:r>
+              <a:rPr lang="it-IT" sz="1800" b="0" strike="noStrike" spc="-1">
                 <a:solidFill>
                   <a:srgbClr val="FFFFFF"/>
                 </a:solidFill>
-                <a:effectLst/>
-                <a:uLnTx/>
-                <a:uFillTx/>
-                <a:latin typeface="Biome"/>
-                <a:ea typeface="+mn-ea"/>
-                <a:cs typeface="Biome" panose="020B0503030204020804" pitchFamily="34" charset="0"/>
-              </a:rPr>
-              <a:pPr marL="0" marR="0" lvl="0" indent="0" algn="r" defTabSz="914400" rtl="0" eaLnBrk="1" fontAlgn="auto" latinLnBrk="0" hangingPunct="1">
-                <a:lnSpc>
-                  <a:spcPct val="100000"/>
-                </a:lnSpc>
-                <a:spcBef>
-                  <a:spcPts val="0"/>
-                </a:spcBef>
-                <a:spcAft>
-                  <a:spcPts val="0"/>
-                </a:spcAft>
-                <a:buClrTx/>
-                <a:buSzTx/>
-                <a:buFontTx/>
-                <a:buNone/>
-                <a:tabLst/>
-                <a:defRPr/>
-              </a:pPr>
-              <a:t>8</a:t>
-            </a:fld>
-            <a:endParaRPr kumimoji="0" lang="it-IT" sz="1200" b="0" i="0" u="none" strike="noStrike" kern="1200" cap="none" spc="0" normalizeH="0" baseline="0" noProof="0" dirty="0">
-              <a:ln>
-                <a:noFill/>
-              </a:ln>
-              <a:solidFill>
-                <a:srgbClr val="FFFFFF"/>
-              </a:solidFill>
-              <a:effectLst/>
-              <a:uLnTx/>
-              <a:uFillTx/>
-              <a:latin typeface="Biome"/>
-              <a:ea typeface="+mn-ea"/>
-              <a:cs typeface="Biome" panose="020B0503030204020804" pitchFamily="34" charset="0"/>
-            </a:endParaRPr>
+                <a:latin typeface="Arial"/>
+              </a:rPr>
+              <a:t>Il file userdb.txt ha dimensione uguale a 0.</a:t>
+            </a:r>
           </a:p>
         </p:txBody>
       </p:sp>
     </p:spTree>
     <p:extLst>
       <p:ext uri="{BB962C8B-B14F-4D97-AF65-F5344CB8AC3E}">
-        <p14:creationId xmlns:p14="http://schemas.microsoft.com/office/powerpoint/2010/main" val="910315636"/>
+        <p14:creationId xmlns:p14="http://schemas.microsoft.com/office/powerpoint/2010/main" val="2646948162"/>
       </p:ext>
     </p:extLst>
   </p:cSld>
@@ -22650,2341 +26547,716 @@
       </p:grpSpPr>
       <p:sp>
         <p:nvSpPr>
-          <p:cNvPr id="3" name="Titolo 2">
-            <a:extLst>
-              <a:ext uri="{FF2B5EF4-FFF2-40B4-BE49-F238E27FC236}">
-                <a16:creationId xmlns:a16="http://schemas.microsoft.com/office/drawing/2014/main" id="{06DE3104-398C-EF95-D86E-630F512487F9}"/>
+          <p:cNvPr id="12" name="PlaceHolder 1">
+            <a:extLst>
+              <a:ext uri="{FF2B5EF4-FFF2-40B4-BE49-F238E27FC236}">
+                <a16:creationId xmlns:a16="http://schemas.microsoft.com/office/drawing/2014/main" id="{3BC95E22-F778-D3D4-8FE3-B8A7CD27807B}"/>
               </a:ext>
             </a:extLst>
           </p:cNvPr>
           <p:cNvSpPr>
             <a:spLocks noGrp="1"/>
           </p:cNvSpPr>
-          <p:nvPr>
-            <p:ph type="title"/>
-          </p:nvPr>
+          <p:nvPr/>
         </p:nvSpPr>
         <p:spPr>
           <a:xfrm>
-            <a:off x="835369" y="171396"/>
-            <a:ext cx="3867259" cy="2202350"/>
+            <a:off x="6093300" y="2910240"/>
+            <a:ext cx="5760000" cy="3246120"/>
           </a:xfrm>
+          <a:prstGeom prst="rect">
+            <a:avLst/>
+          </a:prstGeom>
+          <a:noFill/>
+          <a:ln w="0">
+            <a:noFill/>
+          </a:ln>
         </p:spPr>
         <p:txBody>
-          <a:bodyPr rtlCol="0"/>
+          <a:bodyPr anchor="t">
+            <a:noAutofit/>
+          </a:bodyPr>
+          <a:lstStyle>
+            <a:lvl1pPr marL="228600" indent="-228600" algn="l" defTabSz="914400" rtl="0" eaLnBrk="1" latinLnBrk="0" hangingPunct="1">
+              <a:lnSpc>
+                <a:spcPct val="90000"/>
+              </a:lnSpc>
+              <a:spcBef>
+                <a:spcPts val="1000"/>
+              </a:spcBef>
+              <a:buFont typeface="Arial" panose="020B0604020202020204" pitchFamily="34" charset="0"/>
+              <a:buChar char="•"/>
+              <a:defRPr sz="2800" kern="1200">
+                <a:solidFill>
+                  <a:schemeClr val="tx1"/>
+                </a:solidFill>
+                <a:latin typeface="+mn-lt"/>
+                <a:ea typeface="+mn-ea"/>
+                <a:cs typeface="+mn-cs"/>
+              </a:defRPr>
+            </a:lvl1pPr>
+            <a:lvl2pPr marL="685800" indent="-228600" algn="l" defTabSz="914400" rtl="0" eaLnBrk="1" latinLnBrk="0" hangingPunct="1">
+              <a:lnSpc>
+                <a:spcPct val="90000"/>
+              </a:lnSpc>
+              <a:spcBef>
+                <a:spcPts val="500"/>
+              </a:spcBef>
+              <a:buFont typeface="Arial" panose="020B0604020202020204" pitchFamily="34" charset="0"/>
+              <a:buChar char="•"/>
+              <a:defRPr sz="2400" kern="1200">
+                <a:solidFill>
+                  <a:schemeClr val="tx1"/>
+                </a:solidFill>
+                <a:latin typeface="+mn-lt"/>
+                <a:ea typeface="+mn-ea"/>
+                <a:cs typeface="+mn-cs"/>
+              </a:defRPr>
+            </a:lvl2pPr>
+            <a:lvl3pPr marL="1143000" indent="-228600" algn="l" defTabSz="914400" rtl="0" eaLnBrk="1" latinLnBrk="0" hangingPunct="1">
+              <a:lnSpc>
+                <a:spcPct val="90000"/>
+              </a:lnSpc>
+              <a:spcBef>
+                <a:spcPts val="500"/>
+              </a:spcBef>
+              <a:buFont typeface="Arial" panose="020B0604020202020204" pitchFamily="34" charset="0"/>
+              <a:buChar char="•"/>
+              <a:defRPr sz="2000" kern="1200">
+                <a:solidFill>
+                  <a:schemeClr val="tx1"/>
+                </a:solidFill>
+                <a:latin typeface="+mn-lt"/>
+                <a:ea typeface="+mn-ea"/>
+                <a:cs typeface="+mn-cs"/>
+              </a:defRPr>
+            </a:lvl3pPr>
+            <a:lvl4pPr marL="1600200" indent="-228600" algn="l" defTabSz="914400" rtl="0" eaLnBrk="1" latinLnBrk="0" hangingPunct="1">
+              <a:lnSpc>
+                <a:spcPct val="90000"/>
+              </a:lnSpc>
+              <a:spcBef>
+                <a:spcPts val="500"/>
+              </a:spcBef>
+              <a:buFont typeface="Arial" panose="020B0604020202020204" pitchFamily="34" charset="0"/>
+              <a:buChar char="•"/>
+              <a:defRPr sz="1800" kern="1200">
+                <a:solidFill>
+                  <a:schemeClr val="tx1"/>
+                </a:solidFill>
+                <a:latin typeface="+mn-lt"/>
+                <a:ea typeface="+mn-ea"/>
+                <a:cs typeface="+mn-cs"/>
+              </a:defRPr>
+            </a:lvl4pPr>
+            <a:lvl5pPr marL="2057400" indent="-228600" algn="l" defTabSz="914400" rtl="0" eaLnBrk="1" latinLnBrk="0" hangingPunct="1">
+              <a:lnSpc>
+                <a:spcPct val="90000"/>
+              </a:lnSpc>
+              <a:spcBef>
+                <a:spcPts val="500"/>
+              </a:spcBef>
+              <a:buFont typeface="Arial" panose="020B0604020202020204" pitchFamily="34" charset="0"/>
+              <a:buChar char="•"/>
+              <a:defRPr sz="1800" kern="1200">
+                <a:solidFill>
+                  <a:schemeClr val="tx1"/>
+                </a:solidFill>
+                <a:latin typeface="+mn-lt"/>
+                <a:ea typeface="+mn-ea"/>
+                <a:cs typeface="+mn-cs"/>
+              </a:defRPr>
+            </a:lvl5pPr>
+            <a:lvl6pPr marL="2514600" indent="-228600" algn="l" defTabSz="914400" rtl="0" eaLnBrk="1" latinLnBrk="0" hangingPunct="1">
+              <a:lnSpc>
+                <a:spcPct val="90000"/>
+              </a:lnSpc>
+              <a:spcBef>
+                <a:spcPts val="500"/>
+              </a:spcBef>
+              <a:buFont typeface="Arial" panose="020B0604020202020204" pitchFamily="34" charset="0"/>
+              <a:buChar char="•"/>
+              <a:defRPr sz="1800" kern="1200">
+                <a:solidFill>
+                  <a:schemeClr val="tx1"/>
+                </a:solidFill>
+                <a:latin typeface="+mn-lt"/>
+                <a:ea typeface="+mn-ea"/>
+                <a:cs typeface="+mn-cs"/>
+              </a:defRPr>
+            </a:lvl6pPr>
+            <a:lvl7pPr marL="2971800" indent="-228600" algn="l" defTabSz="914400" rtl="0" eaLnBrk="1" latinLnBrk="0" hangingPunct="1">
+              <a:lnSpc>
+                <a:spcPct val="90000"/>
+              </a:lnSpc>
+              <a:spcBef>
+                <a:spcPts val="500"/>
+              </a:spcBef>
+              <a:buFont typeface="Arial" panose="020B0604020202020204" pitchFamily="34" charset="0"/>
+              <a:buChar char="•"/>
+              <a:defRPr sz="1800" kern="1200">
+                <a:solidFill>
+                  <a:schemeClr val="tx1"/>
+                </a:solidFill>
+                <a:latin typeface="+mn-lt"/>
+                <a:ea typeface="+mn-ea"/>
+                <a:cs typeface="+mn-cs"/>
+              </a:defRPr>
+            </a:lvl7pPr>
+            <a:lvl8pPr marL="3429000" indent="-228600" algn="l" defTabSz="914400" rtl="0" eaLnBrk="1" latinLnBrk="0" hangingPunct="1">
+              <a:lnSpc>
+                <a:spcPct val="90000"/>
+              </a:lnSpc>
+              <a:spcBef>
+                <a:spcPts val="500"/>
+              </a:spcBef>
+              <a:buFont typeface="Arial" panose="020B0604020202020204" pitchFamily="34" charset="0"/>
+              <a:buChar char="•"/>
+              <a:defRPr sz="1800" kern="1200">
+                <a:solidFill>
+                  <a:schemeClr val="tx1"/>
+                </a:solidFill>
+                <a:latin typeface="+mn-lt"/>
+                <a:ea typeface="+mn-ea"/>
+                <a:cs typeface="+mn-cs"/>
+              </a:defRPr>
+            </a:lvl8pPr>
+            <a:lvl9pPr marL="3886200" indent="-228600" algn="l" defTabSz="914400" rtl="0" eaLnBrk="1" latinLnBrk="0" hangingPunct="1">
+              <a:lnSpc>
+                <a:spcPct val="90000"/>
+              </a:lnSpc>
+              <a:spcBef>
+                <a:spcPts val="500"/>
+              </a:spcBef>
+              <a:buFont typeface="Arial" panose="020B0604020202020204" pitchFamily="34" charset="0"/>
+              <a:buChar char="•"/>
+              <a:defRPr sz="1800" kern="1200">
+                <a:solidFill>
+                  <a:schemeClr val="tx1"/>
+                </a:solidFill>
+                <a:latin typeface="+mn-lt"/>
+                <a:ea typeface="+mn-ea"/>
+                <a:cs typeface="+mn-cs"/>
+              </a:defRPr>
+            </a:lvl9pPr>
+          </a:lstStyle>
+          <a:p>
+            <a:pPr indent="0">
+              <a:lnSpc>
+                <a:spcPct val="120000"/>
+              </a:lnSpc>
+              <a:spcBef>
+                <a:spcPts val="1001"/>
+              </a:spcBef>
+              <a:spcAft>
+                <a:spcPts val="601"/>
+              </a:spcAft>
+              <a:buNone/>
+              <a:tabLst>
+                <a:tab pos="0" algn="l"/>
+              </a:tabLst>
+            </a:pPr>
+            <a:r>
+              <a:rPr lang="it-IT" sz="1600" b="0" strike="noStrike" spc="-1" dirty="0">
+                <a:solidFill>
+                  <a:srgbClr val="FFFFFF"/>
+                </a:solidFill>
+                <a:latin typeface="Arial Nova"/>
+              </a:rPr>
+              <a:t>Questo script </a:t>
+            </a:r>
+            <a:r>
+              <a:rPr lang="it-IT" sz="1600" b="0" strike="noStrike" spc="-1" dirty="0" err="1">
+                <a:solidFill>
+                  <a:srgbClr val="FFFFFF"/>
+                </a:solidFill>
+                <a:latin typeface="Arial Nova"/>
+              </a:rPr>
+              <a:t>Perl</a:t>
+            </a:r>
+            <a:r>
+              <a:rPr lang="it-IT" sz="1600" b="0" strike="noStrike" spc="-1" dirty="0">
+                <a:solidFill>
+                  <a:srgbClr val="FFFFFF"/>
+                </a:solidFill>
+                <a:latin typeface="Arial Nova"/>
+              </a:rPr>
+              <a:t> è un CGI (Common Gateway Interface) per gestire un </a:t>
+            </a:r>
+            <a:r>
+              <a:rPr lang="it-IT" sz="1600" b="0" strike="noStrike" spc="-1" dirty="0" err="1">
+                <a:solidFill>
+                  <a:srgbClr val="FFFFFF"/>
+                </a:solidFill>
+                <a:latin typeface="Arial Nova"/>
+              </a:rPr>
+              <a:t>form</a:t>
+            </a:r>
+            <a:r>
+              <a:rPr lang="it-IT" sz="1600" b="0" strike="noStrike" spc="-1" dirty="0">
+                <a:solidFill>
+                  <a:srgbClr val="FFFFFF"/>
+                </a:solidFill>
+                <a:latin typeface="Arial Nova"/>
+              </a:rPr>
+              <a:t> di login, ma contiene numerose vulnerabilità gravi, specialmente in termini di sicurezza.</a:t>
+            </a:r>
+            <a:endParaRPr lang="it-IT" sz="1600" b="0" strike="noStrike" spc="-1" dirty="0">
+              <a:solidFill>
+                <a:schemeClr val="accent3"/>
+              </a:solidFill>
+              <a:latin typeface="Biome"/>
+            </a:endParaRPr>
+          </a:p>
+          <a:p>
+            <a:pPr indent="0">
+              <a:lnSpc>
+                <a:spcPct val="120000"/>
+              </a:lnSpc>
+              <a:spcBef>
+                <a:spcPts val="1001"/>
+              </a:spcBef>
+              <a:spcAft>
+                <a:spcPts val="601"/>
+              </a:spcAft>
+              <a:buNone/>
+              <a:tabLst>
+                <a:tab pos="0" algn="l"/>
+              </a:tabLst>
+            </a:pPr>
+            <a:r>
+              <a:rPr lang="it-IT" sz="1600" b="0" strike="noStrike" spc="-1" dirty="0">
+                <a:solidFill>
+                  <a:srgbClr val="FFFFFF"/>
+                </a:solidFill>
+                <a:latin typeface="Arial Nova"/>
+              </a:rPr>
+              <a:t>Riceve un username e una password tramite un </a:t>
+            </a:r>
+            <a:r>
+              <a:rPr lang="it-IT" sz="1600" b="0" strike="noStrike" spc="-1" dirty="0" err="1">
+                <a:solidFill>
+                  <a:srgbClr val="FFFFFF"/>
+                </a:solidFill>
+                <a:latin typeface="Arial Nova"/>
+              </a:rPr>
+              <a:t>form</a:t>
+            </a:r>
+            <a:r>
+              <a:rPr lang="it-IT" sz="1600" b="0" strike="noStrike" spc="-1" dirty="0">
+                <a:solidFill>
+                  <a:srgbClr val="FFFFFF"/>
+                </a:solidFill>
+                <a:latin typeface="Arial Nova"/>
+              </a:rPr>
+              <a:t> HTML (metodo GET o POST). Cerca l’utente in un file locale chiamato /home/flag16/userdb.txt.</a:t>
+            </a:r>
+            <a:endParaRPr lang="it-IT" sz="1600" b="0" strike="noStrike" spc="-1" dirty="0">
+              <a:solidFill>
+                <a:schemeClr val="accent3"/>
+              </a:solidFill>
+              <a:latin typeface="Biome"/>
+            </a:endParaRPr>
+          </a:p>
+          <a:p>
+            <a:pPr indent="0">
+              <a:lnSpc>
+                <a:spcPct val="120000"/>
+              </a:lnSpc>
+              <a:spcBef>
+                <a:spcPts val="1001"/>
+              </a:spcBef>
+              <a:spcAft>
+                <a:spcPts val="601"/>
+              </a:spcAft>
+              <a:buNone/>
+              <a:tabLst>
+                <a:tab pos="0" algn="l"/>
+              </a:tabLst>
+            </a:pPr>
+            <a:r>
+              <a:rPr lang="it-IT" sz="1600" b="0" strike="noStrike" spc="-1" dirty="0">
+                <a:solidFill>
+                  <a:srgbClr val="FFFFFF"/>
+                </a:solidFill>
+                <a:latin typeface="Arial Nova"/>
+              </a:rPr>
+              <a:t>Controlla se la password fornita corrisponde a quella trovata nel file. Mostra un messaggio HTML di successo o fallimento del login.</a:t>
+            </a:r>
+            <a:endParaRPr lang="it-IT" sz="1600" b="0" strike="noStrike" spc="-1" dirty="0">
+              <a:solidFill>
+                <a:schemeClr val="accent3"/>
+              </a:solidFill>
+              <a:latin typeface="Biome"/>
+            </a:endParaRPr>
+          </a:p>
+        </p:txBody>
+      </p:sp>
+      <p:sp>
+        <p:nvSpPr>
+          <p:cNvPr id="13" name="PlaceHolder 2">
+            <a:extLst>
+              <a:ext uri="{FF2B5EF4-FFF2-40B4-BE49-F238E27FC236}">
+                <a16:creationId xmlns:a16="http://schemas.microsoft.com/office/drawing/2014/main" id="{1A60DBA1-D29C-06D6-9296-42BA163F8B9D}"/>
+              </a:ext>
+            </a:extLst>
+          </p:cNvPr>
+          <p:cNvSpPr>
+            <a:spLocks noGrp="1"/>
+          </p:cNvSpPr>
+          <p:nvPr/>
+        </p:nvSpPr>
+        <p:spPr>
+          <a:xfrm>
+            <a:off x="9110460" y="6156360"/>
+            <a:ext cx="2742840" cy="364680"/>
+          </a:xfrm>
+          <a:prstGeom prst="rect">
+            <a:avLst/>
+          </a:prstGeom>
+          <a:noFill/>
+          <a:ln w="0">
+            <a:noFill/>
+          </a:ln>
+        </p:spPr>
+        <p:txBody>
+          <a:bodyPr anchor="ctr">
+            <a:noAutofit/>
+          </a:bodyPr>
           <a:lstStyle>
             <a:defPPr>
               <a:defRPr lang="it-IT"/>
             </a:defPPr>
+            <a:lvl1pPr marL="0" indent="0" algn="r" defTabSz="914400" rtl="0" eaLnBrk="1" latinLnBrk="0" hangingPunct="1">
+              <a:lnSpc>
+                <a:spcPct val="100000"/>
+              </a:lnSpc>
+              <a:buNone/>
+              <a:tabLst>
+                <a:tab pos="0" algn="l"/>
+              </a:tabLst>
+              <a:defRPr lang="it-IT" sz="1200" b="0" strike="noStrike" kern="1200" spc="-1">
+                <a:solidFill>
+                  <a:srgbClr val="FFFFFF"/>
+                </a:solidFill>
+                <a:latin typeface="Biome"/>
+                <a:ea typeface="+mn-ea"/>
+                <a:cs typeface="+mn-cs"/>
+              </a:defRPr>
+            </a:lvl1pPr>
+            <a:lvl2pPr marL="457200" algn="l" defTabSz="914400" rtl="0" eaLnBrk="1" latinLnBrk="0" hangingPunct="1">
+              <a:defRPr sz="1800" kern="1200">
+                <a:solidFill>
+                  <a:schemeClr val="tx1"/>
+                </a:solidFill>
+                <a:latin typeface="+mn-lt"/>
+                <a:ea typeface="+mn-ea"/>
+                <a:cs typeface="+mn-cs"/>
+              </a:defRPr>
+            </a:lvl2pPr>
+            <a:lvl3pPr marL="914400" algn="l" defTabSz="914400" rtl="0" eaLnBrk="1" latinLnBrk="0" hangingPunct="1">
+              <a:defRPr sz="1800" kern="1200">
+                <a:solidFill>
+                  <a:schemeClr val="tx1"/>
+                </a:solidFill>
+                <a:latin typeface="+mn-lt"/>
+                <a:ea typeface="+mn-ea"/>
+                <a:cs typeface="+mn-cs"/>
+              </a:defRPr>
+            </a:lvl3pPr>
+            <a:lvl4pPr marL="1371600" algn="l" defTabSz="914400" rtl="0" eaLnBrk="1" latinLnBrk="0" hangingPunct="1">
+              <a:defRPr sz="1800" kern="1200">
+                <a:solidFill>
+                  <a:schemeClr val="tx1"/>
+                </a:solidFill>
+                <a:latin typeface="+mn-lt"/>
+                <a:ea typeface="+mn-ea"/>
+                <a:cs typeface="+mn-cs"/>
+              </a:defRPr>
+            </a:lvl4pPr>
+            <a:lvl5pPr marL="1828800" algn="l" defTabSz="914400" rtl="0" eaLnBrk="1" latinLnBrk="0" hangingPunct="1">
+              <a:defRPr sz="1800" kern="1200">
+                <a:solidFill>
+                  <a:schemeClr val="tx1"/>
+                </a:solidFill>
+                <a:latin typeface="+mn-lt"/>
+                <a:ea typeface="+mn-ea"/>
+                <a:cs typeface="+mn-cs"/>
+              </a:defRPr>
+            </a:lvl5pPr>
+            <a:lvl6pPr marL="2286000" algn="l" defTabSz="914400" rtl="0" eaLnBrk="1" latinLnBrk="0" hangingPunct="1">
+              <a:defRPr sz="1800" kern="1200">
+                <a:solidFill>
+                  <a:schemeClr val="tx1"/>
+                </a:solidFill>
+                <a:latin typeface="+mn-lt"/>
+                <a:ea typeface="+mn-ea"/>
+                <a:cs typeface="+mn-cs"/>
+              </a:defRPr>
+            </a:lvl6pPr>
+            <a:lvl7pPr marL="2743200" algn="l" defTabSz="914400" rtl="0" eaLnBrk="1" latinLnBrk="0" hangingPunct="1">
+              <a:defRPr sz="1800" kern="1200">
+                <a:solidFill>
+                  <a:schemeClr val="tx1"/>
+                </a:solidFill>
+                <a:latin typeface="+mn-lt"/>
+                <a:ea typeface="+mn-ea"/>
+                <a:cs typeface="+mn-cs"/>
+              </a:defRPr>
+            </a:lvl7pPr>
+            <a:lvl8pPr marL="3200400" algn="l" defTabSz="914400" rtl="0" eaLnBrk="1" latinLnBrk="0" hangingPunct="1">
+              <a:defRPr sz="1800" kern="1200">
+                <a:solidFill>
+                  <a:schemeClr val="tx1"/>
+                </a:solidFill>
+                <a:latin typeface="+mn-lt"/>
+                <a:ea typeface="+mn-ea"/>
+                <a:cs typeface="+mn-cs"/>
+              </a:defRPr>
+            </a:lvl8pPr>
+            <a:lvl9pPr marL="3657600" algn="l" defTabSz="914400" rtl="0" eaLnBrk="1" latinLnBrk="0" hangingPunct="1">
+              <a:defRPr sz="1800" kern="1200">
+                <a:solidFill>
+                  <a:schemeClr val="tx1"/>
+                </a:solidFill>
+                <a:latin typeface="+mn-lt"/>
+                <a:ea typeface="+mn-ea"/>
+                <a:cs typeface="+mn-cs"/>
+              </a:defRPr>
+            </a:lvl9pPr>
           </a:lstStyle>
           <a:p>
-            <a:pPr lvl="0" rtl="0"/>
-            <a:r>
-              <a:rPr lang="it-IT" noProof="0" dirty="0"/>
-              <a:t>COMUNICAZIONE DINAMICA</a:t>
-            </a:r>
+            <a:pPr indent="0" algn="r">
+              <a:lnSpc>
+                <a:spcPct val="100000"/>
+              </a:lnSpc>
+              <a:buNone/>
+              <a:tabLst>
+                <a:tab pos="0" algn="l"/>
+              </a:tabLst>
+            </a:pPr>
+            <a:fld id="{5201338C-D669-485B-9C47-989C4976233B}" type="slidenum">
+              <a:rPr lang="it-IT" sz="1200" b="0" strike="noStrike" spc="-1">
+                <a:solidFill>
+                  <a:srgbClr val="FFFFFF"/>
+                </a:solidFill>
+                <a:latin typeface="Biome"/>
+              </a:rPr>
+              <a:pPr indent="0" algn="r">
+                <a:lnSpc>
+                  <a:spcPct val="100000"/>
+                </a:lnSpc>
+                <a:buNone/>
+                <a:tabLst>
+                  <a:tab pos="0" algn="l"/>
+                </a:tabLst>
+              </a:pPr>
+              <a:t>9</a:t>
+            </a:fld>
+            <a:endParaRPr lang="it-IT" sz="1200" b="0" strike="noStrike" spc="-1">
+              <a:solidFill>
+                <a:srgbClr val="FFFFFF"/>
+              </a:solidFill>
+              <a:latin typeface="Times New Roman"/>
+            </a:endParaRPr>
           </a:p>
         </p:txBody>
       </p:sp>
       <p:sp>
         <p:nvSpPr>
-          <p:cNvPr id="4" name="Segnaposto contenuto 3">
-            <a:extLst>
-              <a:ext uri="{FF2B5EF4-FFF2-40B4-BE49-F238E27FC236}">
-                <a16:creationId xmlns:a16="http://schemas.microsoft.com/office/drawing/2014/main" id="{67328E6B-D306-C2F9-54E9-FD35599AC24B}"/>
-              </a:ext>
-            </a:extLst>
-          </p:cNvPr>
-          <p:cNvSpPr>
-            <a:spLocks noGrp="1"/>
-          </p:cNvSpPr>
-          <p:nvPr>
-            <p:ph sz="quarter" idx="36"/>
-          </p:nvPr>
+          <p:cNvPr id="14" name="Titolo 4">
+            <a:extLst>
+              <a:ext uri="{FF2B5EF4-FFF2-40B4-BE49-F238E27FC236}">
+                <a16:creationId xmlns:a16="http://schemas.microsoft.com/office/drawing/2014/main" id="{B404CA0B-A71E-043B-F0AB-7BFD4F8D104C}"/>
+              </a:ext>
+            </a:extLst>
+          </p:cNvPr>
+          <p:cNvSpPr txBox="1"/>
+          <p:nvPr/>
         </p:nvSpPr>
         <p:spPr>
           <a:xfrm>
-            <a:off x="841716" y="3078480"/>
-            <a:ext cx="3108193" cy="3047997"/>
+            <a:off x="6798540" y="573840"/>
+            <a:ext cx="4870800" cy="1876320"/>
           </a:xfrm>
+          <a:prstGeom prst="rect">
+            <a:avLst/>
+          </a:prstGeom>
+          <a:noFill/>
+          <a:ln w="0">
+            <a:noFill/>
+          </a:ln>
         </p:spPr>
         <p:txBody>
-          <a:bodyPr rtlCol="0"/>
+          <a:bodyPr lIns="0" anchor="b">
+            <a:noAutofit/>
+          </a:bodyPr>
           <a:lstStyle>
             <a:defPPr>
               <a:defRPr lang="it-IT"/>
             </a:defPPr>
+            <a:lvl1pPr marL="0" algn="l" defTabSz="914400" rtl="0" eaLnBrk="1" latinLnBrk="0" hangingPunct="1">
+              <a:defRPr sz="1800" kern="1200">
+                <a:solidFill>
+                  <a:schemeClr val="tx1"/>
+                </a:solidFill>
+                <a:latin typeface="+mn-lt"/>
+                <a:ea typeface="+mn-ea"/>
+                <a:cs typeface="+mn-cs"/>
+              </a:defRPr>
+            </a:lvl1pPr>
+            <a:lvl2pPr marL="457200" algn="l" defTabSz="914400" rtl="0" eaLnBrk="1" latinLnBrk="0" hangingPunct="1">
+              <a:defRPr sz="1800" kern="1200">
+                <a:solidFill>
+                  <a:schemeClr val="tx1"/>
+                </a:solidFill>
+                <a:latin typeface="+mn-lt"/>
+                <a:ea typeface="+mn-ea"/>
+                <a:cs typeface="+mn-cs"/>
+              </a:defRPr>
+            </a:lvl2pPr>
+            <a:lvl3pPr marL="914400" algn="l" defTabSz="914400" rtl="0" eaLnBrk="1" latinLnBrk="0" hangingPunct="1">
+              <a:defRPr sz="1800" kern="1200">
+                <a:solidFill>
+                  <a:schemeClr val="tx1"/>
+                </a:solidFill>
+                <a:latin typeface="+mn-lt"/>
+                <a:ea typeface="+mn-ea"/>
+                <a:cs typeface="+mn-cs"/>
+              </a:defRPr>
+            </a:lvl3pPr>
+            <a:lvl4pPr marL="1371600" algn="l" defTabSz="914400" rtl="0" eaLnBrk="1" latinLnBrk="0" hangingPunct="1">
+              <a:defRPr sz="1800" kern="1200">
+                <a:solidFill>
+                  <a:schemeClr val="tx1"/>
+                </a:solidFill>
+                <a:latin typeface="+mn-lt"/>
+                <a:ea typeface="+mn-ea"/>
+                <a:cs typeface="+mn-cs"/>
+              </a:defRPr>
+            </a:lvl4pPr>
+            <a:lvl5pPr marL="1828800" algn="l" defTabSz="914400" rtl="0" eaLnBrk="1" latinLnBrk="0" hangingPunct="1">
+              <a:defRPr sz="1800" kern="1200">
+                <a:solidFill>
+                  <a:schemeClr val="tx1"/>
+                </a:solidFill>
+                <a:latin typeface="+mn-lt"/>
+                <a:ea typeface="+mn-ea"/>
+                <a:cs typeface="+mn-cs"/>
+              </a:defRPr>
+            </a:lvl5pPr>
+            <a:lvl6pPr marL="2286000" algn="l" defTabSz="914400" rtl="0" eaLnBrk="1" latinLnBrk="0" hangingPunct="1">
+              <a:defRPr sz="1800" kern="1200">
+                <a:solidFill>
+                  <a:schemeClr val="tx1"/>
+                </a:solidFill>
+                <a:latin typeface="+mn-lt"/>
+                <a:ea typeface="+mn-ea"/>
+                <a:cs typeface="+mn-cs"/>
+              </a:defRPr>
+            </a:lvl6pPr>
+            <a:lvl7pPr marL="2743200" algn="l" defTabSz="914400" rtl="0" eaLnBrk="1" latinLnBrk="0" hangingPunct="1">
+              <a:defRPr sz="1800" kern="1200">
+                <a:solidFill>
+                  <a:schemeClr val="tx1"/>
+                </a:solidFill>
+                <a:latin typeface="+mn-lt"/>
+                <a:ea typeface="+mn-ea"/>
+                <a:cs typeface="+mn-cs"/>
+              </a:defRPr>
+            </a:lvl7pPr>
+            <a:lvl8pPr marL="3200400" algn="l" defTabSz="914400" rtl="0" eaLnBrk="1" latinLnBrk="0" hangingPunct="1">
+              <a:defRPr sz="1800" kern="1200">
+                <a:solidFill>
+                  <a:schemeClr val="tx1"/>
+                </a:solidFill>
+                <a:latin typeface="+mn-lt"/>
+                <a:ea typeface="+mn-ea"/>
+                <a:cs typeface="+mn-cs"/>
+              </a:defRPr>
+            </a:lvl8pPr>
+            <a:lvl9pPr marL="3657600" algn="l" defTabSz="914400" rtl="0" eaLnBrk="1" latinLnBrk="0" hangingPunct="1">
+              <a:defRPr sz="1800" kern="1200">
+                <a:solidFill>
+                  <a:schemeClr val="tx1"/>
+                </a:solidFill>
+                <a:latin typeface="+mn-lt"/>
+                <a:ea typeface="+mn-ea"/>
+                <a:cs typeface="+mn-cs"/>
+              </a:defRPr>
+            </a:lvl9pPr>
           </a:lstStyle>
           <a:p>
-            <a:pPr rtl="0"/>
-            <a:r>
-              <a:rPr lang="it-IT" dirty="0"/>
-              <a:t>Impara a infondere energia nella tua presentazione per lasciare un'impressione duratura</a:t>
-            </a:r>
-          </a:p>
-          <a:p>
-            <a:pPr rtl="0"/>
-            <a:r>
-              <a:rPr lang="it-IT" dirty="0"/>
-              <a:t>Uno degli obiettivi di una comunicazione efficace è quello di motivare il tuo pubblico</a:t>
-            </a:r>
+            <a:pPr>
+              <a:lnSpc>
+                <a:spcPct val="90000"/>
+              </a:lnSpc>
+            </a:pPr>
+            <a:r>
+              <a:rPr lang="it-IT" sz="3200" b="0" strike="noStrike" cap="all" spc="-1" dirty="0">
+                <a:solidFill>
+                  <a:schemeClr val="accent3">
+                    <a:lumMod val="75000"/>
+                  </a:schemeClr>
+                </a:solidFill>
+                <a:latin typeface="Biome"/>
+              </a:rPr>
+              <a:t>Analisi di </a:t>
+            </a:r>
+            <a:r>
+              <a:rPr lang="it-IT" sz="3200" b="0" strike="noStrike" cap="all" spc="-1" dirty="0" err="1">
+                <a:solidFill>
+                  <a:schemeClr val="accent3">
+                    <a:lumMod val="75000"/>
+                  </a:schemeClr>
+                </a:solidFill>
+                <a:latin typeface="Biome"/>
+              </a:rPr>
+              <a:t>index.cgi</a:t>
+            </a:r>
+            <a:endParaRPr lang="it-IT" sz="3200" b="0" strike="noStrike" spc="-1" dirty="0">
+              <a:solidFill>
+                <a:srgbClr val="000000"/>
+              </a:solidFill>
+              <a:latin typeface="Arial Nova"/>
+            </a:endParaRPr>
           </a:p>
         </p:txBody>
       </p:sp>
-      <p:graphicFrame>
-        <p:nvGraphicFramePr>
-          <p:cNvPr id="5" name="Segnaposto tabella 2">
-            <a:extLst>
-              <a:ext uri="{FF2B5EF4-FFF2-40B4-BE49-F238E27FC236}">
-                <a16:creationId xmlns:a16="http://schemas.microsoft.com/office/drawing/2014/main" id="{67588EB3-ED1D-6AD3-5960-55BD64293774}"/>
-              </a:ext>
-            </a:extLst>
-          </p:cNvPr>
-          <p:cNvGraphicFramePr>
-            <a:graphicFrameLocks noGrp="1"/>
-          </p:cNvGraphicFramePr>
-          <p:nvPr>
-            <p:ph type="tbl" sz="quarter" idx="37"/>
-          </p:nvPr>
-        </p:nvGraphicFramePr>
-        <p:xfrm>
-          <a:off x="5067300" y="404813"/>
-          <a:ext cx="6705602" cy="6173356"/>
-        </p:xfrm>
-        <a:graphic>
-          <a:graphicData uri="http://schemas.openxmlformats.org/drawingml/2006/table">
-            <a:tbl>
-              <a:tblPr firstRow="1" bandRow="1">
-                <a:tableStyleId>{10A1B5D5-9B99-4C35-A422-299274C87663}</a:tableStyleId>
-              </a:tblPr>
-              <a:tblGrid>
-                <a:gridCol w="1865345">
-                  <a:extLst>
-                    <a:ext uri="{9D8B030D-6E8A-4147-A177-3AD203B41FA5}">
-                      <a16:colId xmlns:a16="http://schemas.microsoft.com/office/drawing/2014/main" val="127040821"/>
-                    </a:ext>
-                  </a:extLst>
-                </a:gridCol>
-                <a:gridCol w="1828800">
-                  <a:extLst>
-                    <a:ext uri="{9D8B030D-6E8A-4147-A177-3AD203B41FA5}">
-                      <a16:colId xmlns:a16="http://schemas.microsoft.com/office/drawing/2014/main" val="149845700"/>
-                    </a:ext>
-                  </a:extLst>
-                </a:gridCol>
-                <a:gridCol w="1446245">
-                  <a:extLst>
-                    <a:ext uri="{9D8B030D-6E8A-4147-A177-3AD203B41FA5}">
-                      <a16:colId xmlns:a16="http://schemas.microsoft.com/office/drawing/2014/main" val="3119692462"/>
-                    </a:ext>
-                  </a:extLst>
-                </a:gridCol>
-                <a:gridCol w="1565212">
-                  <a:extLst>
-                    <a:ext uri="{9D8B030D-6E8A-4147-A177-3AD203B41FA5}">
-                      <a16:colId xmlns:a16="http://schemas.microsoft.com/office/drawing/2014/main" val="3472639139"/>
-                    </a:ext>
-                  </a:extLst>
-                </a:gridCol>
-              </a:tblGrid>
-              <a:tr h="924240">
-                <a:tc>
-                  <a:txBody>
-                    <a:bodyPr/>
-                    <a:lstStyle>
-                      <a:lvl1pPr marL="0" algn="l" defTabSz="914400" rtl="0" eaLnBrk="1" latinLnBrk="0" hangingPunct="1">
-                        <a:defRPr lang="it-IT" sz="1800" b="1" kern="1200">
-                          <a:solidFill>
-                            <a:schemeClr val="lt1"/>
-                          </a:solidFill>
-                          <a:latin typeface="Tenorite "/>
-                        </a:defRPr>
-                      </a:lvl1pPr>
-                      <a:lvl2pPr marL="457200" algn="l" defTabSz="914400" rtl="0" eaLnBrk="1" latinLnBrk="0" hangingPunct="1">
-                        <a:defRPr lang="it-IT" sz="1800" b="1" kern="1200">
-                          <a:solidFill>
-                            <a:schemeClr val="lt1"/>
-                          </a:solidFill>
-                          <a:latin typeface="Tenorite "/>
-                        </a:defRPr>
-                      </a:lvl2pPr>
-                      <a:lvl3pPr marL="914400" algn="l" defTabSz="914400" rtl="0" eaLnBrk="1" latinLnBrk="0" hangingPunct="1">
-                        <a:defRPr lang="it-IT" sz="1800" b="1" kern="1200">
-                          <a:solidFill>
-                            <a:schemeClr val="lt1"/>
-                          </a:solidFill>
-                          <a:latin typeface="Tenorite "/>
-                        </a:defRPr>
-                      </a:lvl3pPr>
-                      <a:lvl4pPr marL="1371600" algn="l" defTabSz="914400" rtl="0" eaLnBrk="1" latinLnBrk="0" hangingPunct="1">
-                        <a:defRPr lang="it-IT" sz="1800" b="1" kern="1200">
-                          <a:solidFill>
-                            <a:schemeClr val="lt1"/>
-                          </a:solidFill>
-                          <a:latin typeface="Tenorite "/>
-                        </a:defRPr>
-                      </a:lvl4pPr>
-                      <a:lvl5pPr marL="1828800" algn="l" defTabSz="914400" rtl="0" eaLnBrk="1" latinLnBrk="0" hangingPunct="1">
-                        <a:defRPr lang="it-IT" sz="1800" b="1" kern="1200">
-                          <a:solidFill>
-                            <a:schemeClr val="lt1"/>
-                          </a:solidFill>
-                          <a:latin typeface="Tenorite "/>
-                        </a:defRPr>
-                      </a:lvl5pPr>
-                      <a:lvl6pPr marL="2286000" algn="l" defTabSz="914400" rtl="0" eaLnBrk="1" latinLnBrk="0" hangingPunct="1">
-                        <a:defRPr lang="it-IT" sz="1800" b="1" kern="1200">
-                          <a:solidFill>
-                            <a:schemeClr val="lt1"/>
-                          </a:solidFill>
-                          <a:latin typeface="Tenorite "/>
-                        </a:defRPr>
-                      </a:lvl6pPr>
-                      <a:lvl7pPr marL="2743200" algn="l" defTabSz="914400" rtl="0" eaLnBrk="1" latinLnBrk="0" hangingPunct="1">
-                        <a:defRPr lang="it-IT" sz="1800" b="1" kern="1200">
-                          <a:solidFill>
-                            <a:schemeClr val="lt1"/>
-                          </a:solidFill>
-                          <a:latin typeface="Tenorite "/>
-                        </a:defRPr>
-                      </a:lvl7pPr>
-                      <a:lvl8pPr marL="3200400" algn="l" defTabSz="914400" rtl="0" eaLnBrk="1" latinLnBrk="0" hangingPunct="1">
-                        <a:defRPr lang="it-IT" sz="1800" b="1" kern="1200">
-                          <a:solidFill>
-                            <a:schemeClr val="lt1"/>
-                          </a:solidFill>
-                          <a:latin typeface="Tenorite "/>
-                        </a:defRPr>
-                      </a:lvl8pPr>
-                      <a:lvl9pPr marL="3657600" algn="l" defTabSz="914400" rtl="0" eaLnBrk="1" latinLnBrk="0" hangingPunct="1">
-                        <a:defRPr lang="it-IT" sz="1800" b="1" kern="1200">
-                          <a:solidFill>
-                            <a:schemeClr val="lt1"/>
-                          </a:solidFill>
-                          <a:latin typeface="Tenorite "/>
-                        </a:defRPr>
-                      </a:lvl9pPr>
-                    </a:lstStyle>
-                    <a:p>
-                      <a:pPr algn="ctr" rtl="0"/>
-                      <a:r>
-                        <a:rPr lang="it-IT">
-                          <a:latin typeface="+mn-lt"/>
-                        </a:rPr>
-                        <a:t>METRICA</a:t>
-                      </a:r>
-                      <a:endParaRPr lang="it-IT" b="0" dirty="0">
-                        <a:latin typeface="+mn-lt"/>
-                      </a:endParaRPr>
-                    </a:p>
-                  </a:txBody>
-                  <a:tcPr anchor="ctr"/>
-                </a:tc>
-                <a:tc>
-                  <a:txBody>
-                    <a:bodyPr/>
-                    <a:lstStyle>
-                      <a:lvl1pPr marL="0" algn="l" defTabSz="914400" rtl="0" eaLnBrk="1" latinLnBrk="0" hangingPunct="1">
-                        <a:defRPr lang="it-IT" sz="1800" b="1" kern="1200">
-                          <a:solidFill>
-                            <a:schemeClr val="lt1"/>
-                          </a:solidFill>
-                          <a:latin typeface="Tenorite "/>
-                        </a:defRPr>
-                      </a:lvl1pPr>
-                      <a:lvl2pPr marL="457200" algn="l" defTabSz="914400" rtl="0" eaLnBrk="1" latinLnBrk="0" hangingPunct="1">
-                        <a:defRPr lang="it-IT" sz="1800" b="1" kern="1200">
-                          <a:solidFill>
-                            <a:schemeClr val="lt1"/>
-                          </a:solidFill>
-                          <a:latin typeface="Tenorite "/>
-                        </a:defRPr>
-                      </a:lvl2pPr>
-                      <a:lvl3pPr marL="914400" algn="l" defTabSz="914400" rtl="0" eaLnBrk="1" latinLnBrk="0" hangingPunct="1">
-                        <a:defRPr lang="it-IT" sz="1800" b="1" kern="1200">
-                          <a:solidFill>
-                            <a:schemeClr val="lt1"/>
-                          </a:solidFill>
-                          <a:latin typeface="Tenorite "/>
-                        </a:defRPr>
-                      </a:lvl3pPr>
-                      <a:lvl4pPr marL="1371600" algn="l" defTabSz="914400" rtl="0" eaLnBrk="1" latinLnBrk="0" hangingPunct="1">
-                        <a:defRPr lang="it-IT" sz="1800" b="1" kern="1200">
-                          <a:solidFill>
-                            <a:schemeClr val="lt1"/>
-                          </a:solidFill>
-                          <a:latin typeface="Tenorite "/>
-                        </a:defRPr>
-                      </a:lvl4pPr>
-                      <a:lvl5pPr marL="1828800" algn="l" defTabSz="914400" rtl="0" eaLnBrk="1" latinLnBrk="0" hangingPunct="1">
-                        <a:defRPr lang="it-IT" sz="1800" b="1" kern="1200">
-                          <a:solidFill>
-                            <a:schemeClr val="lt1"/>
-                          </a:solidFill>
-                          <a:latin typeface="Tenorite "/>
-                        </a:defRPr>
-                      </a:lvl5pPr>
-                      <a:lvl6pPr marL="2286000" algn="l" defTabSz="914400" rtl="0" eaLnBrk="1" latinLnBrk="0" hangingPunct="1">
-                        <a:defRPr lang="it-IT" sz="1800" b="1" kern="1200">
-                          <a:solidFill>
-                            <a:schemeClr val="lt1"/>
-                          </a:solidFill>
-                          <a:latin typeface="Tenorite "/>
-                        </a:defRPr>
-                      </a:lvl6pPr>
-                      <a:lvl7pPr marL="2743200" algn="l" defTabSz="914400" rtl="0" eaLnBrk="1" latinLnBrk="0" hangingPunct="1">
-                        <a:defRPr lang="it-IT" sz="1800" b="1" kern="1200">
-                          <a:solidFill>
-                            <a:schemeClr val="lt1"/>
-                          </a:solidFill>
-                          <a:latin typeface="Tenorite "/>
-                        </a:defRPr>
-                      </a:lvl7pPr>
-                      <a:lvl8pPr marL="3200400" algn="l" defTabSz="914400" rtl="0" eaLnBrk="1" latinLnBrk="0" hangingPunct="1">
-                        <a:defRPr lang="it-IT" sz="1800" b="1" kern="1200">
-                          <a:solidFill>
-                            <a:schemeClr val="lt1"/>
-                          </a:solidFill>
-                          <a:latin typeface="Tenorite "/>
-                        </a:defRPr>
-                      </a:lvl8pPr>
-                      <a:lvl9pPr marL="3657600" algn="l" defTabSz="914400" rtl="0" eaLnBrk="1" latinLnBrk="0" hangingPunct="1">
-                        <a:defRPr lang="it-IT" sz="1800" b="1" kern="1200">
-                          <a:solidFill>
-                            <a:schemeClr val="lt1"/>
-                          </a:solidFill>
-                          <a:latin typeface="Tenorite "/>
-                        </a:defRPr>
-                      </a:lvl9pPr>
-                    </a:lstStyle>
-                    <a:p>
-                      <a:pPr algn="ctr" rtl="0"/>
-                      <a:r>
-                        <a:rPr lang="it-IT" dirty="0">
-                          <a:latin typeface="+mn-lt"/>
-                        </a:rPr>
-                        <a:t>MISURA</a:t>
-                      </a:r>
-                      <a:endParaRPr lang="it-IT" b="0" dirty="0">
-                        <a:latin typeface="+mn-lt"/>
-                      </a:endParaRPr>
-                    </a:p>
-                  </a:txBody>
-                  <a:tcPr anchor="ctr"/>
-                </a:tc>
-                <a:tc>
-                  <a:txBody>
-                    <a:bodyPr/>
-                    <a:lstStyle>
-                      <a:lvl1pPr marL="0" algn="l" defTabSz="914400" rtl="0" eaLnBrk="1" latinLnBrk="0" hangingPunct="1">
-                        <a:defRPr lang="it-IT" sz="1800" b="1" kern="1200">
-                          <a:solidFill>
-                            <a:schemeClr val="lt1"/>
-                          </a:solidFill>
-                          <a:latin typeface="Tenorite "/>
-                        </a:defRPr>
-                      </a:lvl1pPr>
-                      <a:lvl2pPr marL="457200" algn="l" defTabSz="914400" rtl="0" eaLnBrk="1" latinLnBrk="0" hangingPunct="1">
-                        <a:defRPr lang="it-IT" sz="1800" b="1" kern="1200">
-                          <a:solidFill>
-                            <a:schemeClr val="lt1"/>
-                          </a:solidFill>
-                          <a:latin typeface="Tenorite "/>
-                        </a:defRPr>
-                      </a:lvl2pPr>
-                      <a:lvl3pPr marL="914400" algn="l" defTabSz="914400" rtl="0" eaLnBrk="1" latinLnBrk="0" hangingPunct="1">
-                        <a:defRPr lang="it-IT" sz="1800" b="1" kern="1200">
-                          <a:solidFill>
-                            <a:schemeClr val="lt1"/>
-                          </a:solidFill>
-                          <a:latin typeface="Tenorite "/>
-                        </a:defRPr>
-                      </a:lvl3pPr>
-                      <a:lvl4pPr marL="1371600" algn="l" defTabSz="914400" rtl="0" eaLnBrk="1" latinLnBrk="0" hangingPunct="1">
-                        <a:defRPr lang="it-IT" sz="1800" b="1" kern="1200">
-                          <a:solidFill>
-                            <a:schemeClr val="lt1"/>
-                          </a:solidFill>
-                          <a:latin typeface="Tenorite "/>
-                        </a:defRPr>
-                      </a:lvl4pPr>
-                      <a:lvl5pPr marL="1828800" algn="l" defTabSz="914400" rtl="0" eaLnBrk="1" latinLnBrk="0" hangingPunct="1">
-                        <a:defRPr lang="it-IT" sz="1800" b="1" kern="1200">
-                          <a:solidFill>
-                            <a:schemeClr val="lt1"/>
-                          </a:solidFill>
-                          <a:latin typeface="Tenorite "/>
-                        </a:defRPr>
-                      </a:lvl5pPr>
-                      <a:lvl6pPr marL="2286000" algn="l" defTabSz="914400" rtl="0" eaLnBrk="1" latinLnBrk="0" hangingPunct="1">
-                        <a:defRPr lang="it-IT" sz="1800" b="1" kern="1200">
-                          <a:solidFill>
-                            <a:schemeClr val="lt1"/>
-                          </a:solidFill>
-                          <a:latin typeface="Tenorite "/>
-                        </a:defRPr>
-                      </a:lvl6pPr>
-                      <a:lvl7pPr marL="2743200" algn="l" defTabSz="914400" rtl="0" eaLnBrk="1" latinLnBrk="0" hangingPunct="1">
-                        <a:defRPr lang="it-IT" sz="1800" b="1" kern="1200">
-                          <a:solidFill>
-                            <a:schemeClr val="lt1"/>
-                          </a:solidFill>
-                          <a:latin typeface="Tenorite "/>
-                        </a:defRPr>
-                      </a:lvl7pPr>
-                      <a:lvl8pPr marL="3200400" algn="l" defTabSz="914400" rtl="0" eaLnBrk="1" latinLnBrk="0" hangingPunct="1">
-                        <a:defRPr lang="it-IT" sz="1800" b="1" kern="1200">
-                          <a:solidFill>
-                            <a:schemeClr val="lt1"/>
-                          </a:solidFill>
-                          <a:latin typeface="Tenorite "/>
-                        </a:defRPr>
-                      </a:lvl8pPr>
-                      <a:lvl9pPr marL="3657600" algn="l" defTabSz="914400" rtl="0" eaLnBrk="1" latinLnBrk="0" hangingPunct="1">
-                        <a:defRPr lang="it-IT" sz="1800" b="1" kern="1200">
-                          <a:solidFill>
-                            <a:schemeClr val="lt1"/>
-                          </a:solidFill>
-                          <a:latin typeface="Tenorite "/>
-                        </a:defRPr>
-                      </a:lvl9pPr>
-                    </a:lstStyle>
-                    <a:p>
-                      <a:pPr algn="ctr" rtl="0"/>
-                      <a:r>
-                        <a:rPr lang="it-IT">
-                          <a:latin typeface="+mn-lt"/>
-                        </a:rPr>
-                        <a:t>OBIETTIVO</a:t>
-                      </a:r>
-                      <a:endParaRPr lang="it-IT" b="0" dirty="0">
-                        <a:latin typeface="+mn-lt"/>
-                      </a:endParaRPr>
-                    </a:p>
-                  </a:txBody>
-                  <a:tcPr anchor="ctr"/>
-                </a:tc>
-                <a:tc>
-                  <a:txBody>
-                    <a:bodyPr/>
-                    <a:lstStyle>
-                      <a:lvl1pPr marL="0" algn="l" defTabSz="914400" rtl="0" eaLnBrk="1" latinLnBrk="0" hangingPunct="1">
-                        <a:defRPr lang="it-IT" sz="1800" b="1" kern="1200">
-                          <a:solidFill>
-                            <a:schemeClr val="lt1"/>
-                          </a:solidFill>
-                          <a:latin typeface="Tenorite "/>
-                        </a:defRPr>
-                      </a:lvl1pPr>
-                      <a:lvl2pPr marL="457200" algn="l" defTabSz="914400" rtl="0" eaLnBrk="1" latinLnBrk="0" hangingPunct="1">
-                        <a:defRPr lang="it-IT" sz="1800" b="1" kern="1200">
-                          <a:solidFill>
-                            <a:schemeClr val="lt1"/>
-                          </a:solidFill>
-                          <a:latin typeface="Tenorite "/>
-                        </a:defRPr>
-                      </a:lvl2pPr>
-                      <a:lvl3pPr marL="914400" algn="l" defTabSz="914400" rtl="0" eaLnBrk="1" latinLnBrk="0" hangingPunct="1">
-                        <a:defRPr lang="it-IT" sz="1800" b="1" kern="1200">
-                          <a:solidFill>
-                            <a:schemeClr val="lt1"/>
-                          </a:solidFill>
-                          <a:latin typeface="Tenorite "/>
-                        </a:defRPr>
-                      </a:lvl3pPr>
-                      <a:lvl4pPr marL="1371600" algn="l" defTabSz="914400" rtl="0" eaLnBrk="1" latinLnBrk="0" hangingPunct="1">
-                        <a:defRPr lang="it-IT" sz="1800" b="1" kern="1200">
-                          <a:solidFill>
-                            <a:schemeClr val="lt1"/>
-                          </a:solidFill>
-                          <a:latin typeface="Tenorite "/>
-                        </a:defRPr>
-                      </a:lvl4pPr>
-                      <a:lvl5pPr marL="1828800" algn="l" defTabSz="914400" rtl="0" eaLnBrk="1" latinLnBrk="0" hangingPunct="1">
-                        <a:defRPr lang="it-IT" sz="1800" b="1" kern="1200">
-                          <a:solidFill>
-                            <a:schemeClr val="lt1"/>
-                          </a:solidFill>
-                          <a:latin typeface="Tenorite "/>
-                        </a:defRPr>
-                      </a:lvl5pPr>
-                      <a:lvl6pPr marL="2286000" algn="l" defTabSz="914400" rtl="0" eaLnBrk="1" latinLnBrk="0" hangingPunct="1">
-                        <a:defRPr lang="it-IT" sz="1800" b="1" kern="1200">
-                          <a:solidFill>
-                            <a:schemeClr val="lt1"/>
-                          </a:solidFill>
-                          <a:latin typeface="Tenorite "/>
-                        </a:defRPr>
-                      </a:lvl6pPr>
-                      <a:lvl7pPr marL="2743200" algn="l" defTabSz="914400" rtl="0" eaLnBrk="1" latinLnBrk="0" hangingPunct="1">
-                        <a:defRPr lang="it-IT" sz="1800" b="1" kern="1200">
-                          <a:solidFill>
-                            <a:schemeClr val="lt1"/>
-                          </a:solidFill>
-                          <a:latin typeface="Tenorite "/>
-                        </a:defRPr>
-                      </a:lvl7pPr>
-                      <a:lvl8pPr marL="3200400" algn="l" defTabSz="914400" rtl="0" eaLnBrk="1" latinLnBrk="0" hangingPunct="1">
-                        <a:defRPr lang="it-IT" sz="1800" b="1" kern="1200">
-                          <a:solidFill>
-                            <a:schemeClr val="lt1"/>
-                          </a:solidFill>
-                          <a:latin typeface="Tenorite "/>
-                        </a:defRPr>
-                      </a:lvl8pPr>
-                      <a:lvl9pPr marL="3657600" algn="l" defTabSz="914400" rtl="0" eaLnBrk="1" latinLnBrk="0" hangingPunct="1">
-                        <a:defRPr lang="it-IT" sz="1800" b="1" kern="1200">
-                          <a:solidFill>
-                            <a:schemeClr val="lt1"/>
-                          </a:solidFill>
-                          <a:latin typeface="Tenorite "/>
-                        </a:defRPr>
-                      </a:lvl9pPr>
-                    </a:lstStyle>
-                    <a:p>
-                      <a:pPr algn="ctr" rtl="0"/>
-                      <a:r>
-                        <a:rPr lang="it-IT">
-                          <a:latin typeface="+mn-lt"/>
-                        </a:rPr>
-                        <a:t>EFFETTIVO</a:t>
-                      </a:r>
-                      <a:endParaRPr lang="it-IT" b="0" dirty="0">
-                        <a:latin typeface="+mn-lt"/>
-                      </a:endParaRPr>
-                    </a:p>
-                  </a:txBody>
-                  <a:tcPr anchor="ctr"/>
-                </a:tc>
-                <a:extLst>
-                  <a:ext uri="{0D108BD9-81ED-4DB2-BD59-A6C34878D82A}">
-                    <a16:rowId xmlns:a16="http://schemas.microsoft.com/office/drawing/2014/main" val="3298013591"/>
-                  </a:ext>
-                </a:extLst>
-              </a:tr>
-              <a:tr h="1015099">
-                <a:tc>
-                  <a:txBody>
-                    <a:bodyPr/>
-                    <a:lstStyle>
-                      <a:lvl1pPr marL="0" algn="l" defTabSz="914400" rtl="0" eaLnBrk="1" latinLnBrk="0" hangingPunct="1">
-                        <a:defRPr lang="it-IT" sz="1800" kern="1200">
-                          <a:solidFill>
-                            <a:schemeClr val="dk1"/>
-                          </a:solidFill>
-                          <a:latin typeface="Tenorite "/>
-                        </a:defRPr>
-                      </a:lvl1pPr>
-                      <a:lvl2pPr marL="457200" algn="l" defTabSz="914400" rtl="0" eaLnBrk="1" latinLnBrk="0" hangingPunct="1">
-                        <a:defRPr lang="it-IT" sz="1800" kern="1200">
-                          <a:solidFill>
-                            <a:schemeClr val="dk1"/>
-                          </a:solidFill>
-                          <a:latin typeface="Tenorite "/>
-                        </a:defRPr>
-                      </a:lvl2pPr>
-                      <a:lvl3pPr marL="914400" algn="l" defTabSz="914400" rtl="0" eaLnBrk="1" latinLnBrk="0" hangingPunct="1">
-                        <a:defRPr lang="it-IT" sz="1800" kern="1200">
-                          <a:solidFill>
-                            <a:schemeClr val="dk1"/>
-                          </a:solidFill>
-                          <a:latin typeface="Tenorite "/>
-                        </a:defRPr>
-                      </a:lvl3pPr>
-                      <a:lvl4pPr marL="1371600" algn="l" defTabSz="914400" rtl="0" eaLnBrk="1" latinLnBrk="0" hangingPunct="1">
-                        <a:defRPr lang="it-IT" sz="1800" kern="1200">
-                          <a:solidFill>
-                            <a:schemeClr val="dk1"/>
-                          </a:solidFill>
-                          <a:latin typeface="Tenorite "/>
-                        </a:defRPr>
-                      </a:lvl4pPr>
-                      <a:lvl5pPr marL="1828800" algn="l" defTabSz="914400" rtl="0" eaLnBrk="1" latinLnBrk="0" hangingPunct="1">
-                        <a:defRPr lang="it-IT" sz="1800" kern="1200">
-                          <a:solidFill>
-                            <a:schemeClr val="dk1"/>
-                          </a:solidFill>
-                          <a:latin typeface="Tenorite "/>
-                        </a:defRPr>
-                      </a:lvl5pPr>
-                      <a:lvl6pPr marL="2286000" algn="l" defTabSz="914400" rtl="0" eaLnBrk="1" latinLnBrk="0" hangingPunct="1">
-                        <a:defRPr lang="it-IT" sz="1800" kern="1200">
-                          <a:solidFill>
-                            <a:schemeClr val="dk1"/>
-                          </a:solidFill>
-                          <a:latin typeface="Tenorite "/>
-                        </a:defRPr>
-                      </a:lvl6pPr>
-                      <a:lvl7pPr marL="2743200" algn="l" defTabSz="914400" rtl="0" eaLnBrk="1" latinLnBrk="0" hangingPunct="1">
-                        <a:defRPr lang="it-IT" sz="1800" kern="1200">
-                          <a:solidFill>
-                            <a:schemeClr val="dk1"/>
-                          </a:solidFill>
-                          <a:latin typeface="Tenorite "/>
-                        </a:defRPr>
-                      </a:lvl7pPr>
-                      <a:lvl8pPr marL="3200400" algn="l" defTabSz="914400" rtl="0" eaLnBrk="1" latinLnBrk="0" hangingPunct="1">
-                        <a:defRPr lang="it-IT" sz="1800" kern="1200">
-                          <a:solidFill>
-                            <a:schemeClr val="dk1"/>
-                          </a:solidFill>
-                          <a:latin typeface="Tenorite "/>
-                        </a:defRPr>
-                      </a:lvl8pPr>
-                      <a:lvl9pPr marL="3657600" algn="l" defTabSz="914400" rtl="0" eaLnBrk="1" latinLnBrk="0" hangingPunct="1">
-                        <a:defRPr lang="it-IT" sz="1800" kern="1200">
-                          <a:solidFill>
-                            <a:schemeClr val="dk1"/>
-                          </a:solidFill>
-                          <a:latin typeface="Tenorite "/>
-                        </a:defRPr>
-                      </a:lvl9pPr>
-                    </a:lstStyle>
-                    <a:p>
-                      <a:pPr algn="ctr" rtl="0"/>
-                      <a:r>
-                        <a:rPr lang="it-IT" dirty="0">
-                          <a:latin typeface="+mn-lt"/>
-                        </a:rPr>
-                        <a:t>Partecipazione del pubblico</a:t>
-                      </a:r>
-                    </a:p>
-                  </a:txBody>
-                  <a:tcPr anchor="ctr"/>
-                </a:tc>
-                <a:tc>
-                  <a:txBody>
-                    <a:bodyPr/>
-                    <a:lstStyle>
-                      <a:lvl1pPr marL="0" algn="l" defTabSz="914400" rtl="0" eaLnBrk="1" latinLnBrk="0" hangingPunct="1">
-                        <a:defRPr lang="it-IT" sz="1800" kern="1200">
-                          <a:solidFill>
-                            <a:schemeClr val="dk1"/>
-                          </a:solidFill>
-                          <a:latin typeface="Tenorite "/>
-                        </a:defRPr>
-                      </a:lvl1pPr>
-                      <a:lvl2pPr marL="457200" algn="l" defTabSz="914400" rtl="0" eaLnBrk="1" latinLnBrk="0" hangingPunct="1">
-                        <a:defRPr lang="it-IT" sz="1800" kern="1200">
-                          <a:solidFill>
-                            <a:schemeClr val="dk1"/>
-                          </a:solidFill>
-                          <a:latin typeface="Tenorite "/>
-                        </a:defRPr>
-                      </a:lvl2pPr>
-                      <a:lvl3pPr marL="914400" algn="l" defTabSz="914400" rtl="0" eaLnBrk="1" latinLnBrk="0" hangingPunct="1">
-                        <a:defRPr lang="it-IT" sz="1800" kern="1200">
-                          <a:solidFill>
-                            <a:schemeClr val="dk1"/>
-                          </a:solidFill>
-                          <a:latin typeface="Tenorite "/>
-                        </a:defRPr>
-                      </a:lvl3pPr>
-                      <a:lvl4pPr marL="1371600" algn="l" defTabSz="914400" rtl="0" eaLnBrk="1" latinLnBrk="0" hangingPunct="1">
-                        <a:defRPr lang="it-IT" sz="1800" kern="1200">
-                          <a:solidFill>
-                            <a:schemeClr val="dk1"/>
-                          </a:solidFill>
-                          <a:latin typeface="Tenorite "/>
-                        </a:defRPr>
-                      </a:lvl4pPr>
-                      <a:lvl5pPr marL="1828800" algn="l" defTabSz="914400" rtl="0" eaLnBrk="1" latinLnBrk="0" hangingPunct="1">
-                        <a:defRPr lang="it-IT" sz="1800" kern="1200">
-                          <a:solidFill>
-                            <a:schemeClr val="dk1"/>
-                          </a:solidFill>
-                          <a:latin typeface="Tenorite "/>
-                        </a:defRPr>
-                      </a:lvl5pPr>
-                      <a:lvl6pPr marL="2286000" algn="l" defTabSz="914400" rtl="0" eaLnBrk="1" latinLnBrk="0" hangingPunct="1">
-                        <a:defRPr lang="it-IT" sz="1800" kern="1200">
-                          <a:solidFill>
-                            <a:schemeClr val="dk1"/>
-                          </a:solidFill>
-                          <a:latin typeface="Tenorite "/>
-                        </a:defRPr>
-                      </a:lvl6pPr>
-                      <a:lvl7pPr marL="2743200" algn="l" defTabSz="914400" rtl="0" eaLnBrk="1" latinLnBrk="0" hangingPunct="1">
-                        <a:defRPr lang="it-IT" sz="1800" kern="1200">
-                          <a:solidFill>
-                            <a:schemeClr val="dk1"/>
-                          </a:solidFill>
-                          <a:latin typeface="Tenorite "/>
-                        </a:defRPr>
-                      </a:lvl7pPr>
-                      <a:lvl8pPr marL="3200400" algn="l" defTabSz="914400" rtl="0" eaLnBrk="1" latinLnBrk="0" hangingPunct="1">
-                        <a:defRPr lang="it-IT" sz="1800" kern="1200">
-                          <a:solidFill>
-                            <a:schemeClr val="dk1"/>
-                          </a:solidFill>
-                          <a:latin typeface="Tenorite "/>
-                        </a:defRPr>
-                      </a:lvl8pPr>
-                      <a:lvl9pPr marL="3657600" algn="l" defTabSz="914400" rtl="0" eaLnBrk="1" latinLnBrk="0" hangingPunct="1">
-                        <a:defRPr lang="it-IT" sz="1800" kern="1200">
-                          <a:solidFill>
-                            <a:schemeClr val="dk1"/>
-                          </a:solidFill>
-                          <a:latin typeface="Tenorite "/>
-                        </a:defRPr>
-                      </a:lvl9pPr>
-                    </a:lstStyle>
-                    <a:p>
-                      <a:pPr algn="ctr" rtl="0"/>
-                      <a:r>
-                        <a:rPr lang="it-IT">
-                          <a:latin typeface="+mn-lt"/>
-                        </a:rPr>
-                        <a:t>N. di partecipanti</a:t>
-                      </a:r>
-                    </a:p>
-                  </a:txBody>
-                  <a:tcPr anchor="ctr"/>
-                </a:tc>
-                <a:tc>
-                  <a:txBody>
-                    <a:bodyPr/>
-                    <a:lstStyle>
-                      <a:lvl1pPr marL="0" algn="l" defTabSz="914400" rtl="0" eaLnBrk="1" latinLnBrk="0" hangingPunct="1">
-                        <a:defRPr lang="it-IT" sz="1800" kern="1200">
-                          <a:solidFill>
-                            <a:schemeClr val="dk1"/>
-                          </a:solidFill>
-                          <a:latin typeface="Tenorite "/>
-                        </a:defRPr>
-                      </a:lvl1pPr>
-                      <a:lvl2pPr marL="457200" algn="l" defTabSz="914400" rtl="0" eaLnBrk="1" latinLnBrk="0" hangingPunct="1">
-                        <a:defRPr lang="it-IT" sz="1800" kern="1200">
-                          <a:solidFill>
-                            <a:schemeClr val="dk1"/>
-                          </a:solidFill>
-                          <a:latin typeface="Tenorite "/>
-                        </a:defRPr>
-                      </a:lvl2pPr>
-                      <a:lvl3pPr marL="914400" algn="l" defTabSz="914400" rtl="0" eaLnBrk="1" latinLnBrk="0" hangingPunct="1">
-                        <a:defRPr lang="it-IT" sz="1800" kern="1200">
-                          <a:solidFill>
-                            <a:schemeClr val="dk1"/>
-                          </a:solidFill>
-                          <a:latin typeface="Tenorite "/>
-                        </a:defRPr>
-                      </a:lvl3pPr>
-                      <a:lvl4pPr marL="1371600" algn="l" defTabSz="914400" rtl="0" eaLnBrk="1" latinLnBrk="0" hangingPunct="1">
-                        <a:defRPr lang="it-IT" sz="1800" kern="1200">
-                          <a:solidFill>
-                            <a:schemeClr val="dk1"/>
-                          </a:solidFill>
-                          <a:latin typeface="Tenorite "/>
-                        </a:defRPr>
-                      </a:lvl4pPr>
-                      <a:lvl5pPr marL="1828800" algn="l" defTabSz="914400" rtl="0" eaLnBrk="1" latinLnBrk="0" hangingPunct="1">
-                        <a:defRPr lang="it-IT" sz="1800" kern="1200">
-                          <a:solidFill>
-                            <a:schemeClr val="dk1"/>
-                          </a:solidFill>
-                          <a:latin typeface="Tenorite "/>
-                        </a:defRPr>
-                      </a:lvl5pPr>
-                      <a:lvl6pPr marL="2286000" algn="l" defTabSz="914400" rtl="0" eaLnBrk="1" latinLnBrk="0" hangingPunct="1">
-                        <a:defRPr lang="it-IT" sz="1800" kern="1200">
-                          <a:solidFill>
-                            <a:schemeClr val="dk1"/>
-                          </a:solidFill>
-                          <a:latin typeface="Tenorite "/>
-                        </a:defRPr>
-                      </a:lvl6pPr>
-                      <a:lvl7pPr marL="2743200" algn="l" defTabSz="914400" rtl="0" eaLnBrk="1" latinLnBrk="0" hangingPunct="1">
-                        <a:defRPr lang="it-IT" sz="1800" kern="1200">
-                          <a:solidFill>
-                            <a:schemeClr val="dk1"/>
-                          </a:solidFill>
-                          <a:latin typeface="Tenorite "/>
-                        </a:defRPr>
-                      </a:lvl7pPr>
-                      <a:lvl8pPr marL="3200400" algn="l" defTabSz="914400" rtl="0" eaLnBrk="1" latinLnBrk="0" hangingPunct="1">
-                        <a:defRPr lang="it-IT" sz="1800" kern="1200">
-                          <a:solidFill>
-                            <a:schemeClr val="dk1"/>
-                          </a:solidFill>
-                          <a:latin typeface="Tenorite "/>
-                        </a:defRPr>
-                      </a:lvl8pPr>
-                      <a:lvl9pPr marL="3657600" algn="l" defTabSz="914400" rtl="0" eaLnBrk="1" latinLnBrk="0" hangingPunct="1">
-                        <a:defRPr lang="it-IT" sz="1800" kern="1200">
-                          <a:solidFill>
-                            <a:schemeClr val="dk1"/>
-                          </a:solidFill>
-                          <a:latin typeface="Tenorite "/>
-                        </a:defRPr>
-                      </a:lvl9pPr>
-                    </a:lstStyle>
-                    <a:p>
-                      <a:pPr algn="ctr" rtl="0"/>
-                      <a:r>
-                        <a:rPr lang="it-IT">
-                          <a:latin typeface="+mn-lt"/>
-                        </a:rPr>
-                        <a:t>150</a:t>
-                      </a:r>
-                    </a:p>
-                  </a:txBody>
-                  <a:tcPr anchor="ctr"/>
-                </a:tc>
-                <a:tc>
-                  <a:txBody>
-                    <a:bodyPr/>
-                    <a:lstStyle>
-                      <a:lvl1pPr marL="0" algn="l" defTabSz="914400" rtl="0" eaLnBrk="1" latinLnBrk="0" hangingPunct="1">
-                        <a:defRPr lang="it-IT" sz="1800" kern="1200">
-                          <a:solidFill>
-                            <a:schemeClr val="dk1"/>
-                          </a:solidFill>
-                          <a:latin typeface="Tenorite "/>
-                        </a:defRPr>
-                      </a:lvl1pPr>
-                      <a:lvl2pPr marL="457200" algn="l" defTabSz="914400" rtl="0" eaLnBrk="1" latinLnBrk="0" hangingPunct="1">
-                        <a:defRPr lang="it-IT" sz="1800" kern="1200">
-                          <a:solidFill>
-                            <a:schemeClr val="dk1"/>
-                          </a:solidFill>
-                          <a:latin typeface="Tenorite "/>
-                        </a:defRPr>
-                      </a:lvl2pPr>
-                      <a:lvl3pPr marL="914400" algn="l" defTabSz="914400" rtl="0" eaLnBrk="1" latinLnBrk="0" hangingPunct="1">
-                        <a:defRPr lang="it-IT" sz="1800" kern="1200">
-                          <a:solidFill>
-                            <a:schemeClr val="dk1"/>
-                          </a:solidFill>
-                          <a:latin typeface="Tenorite "/>
-                        </a:defRPr>
-                      </a:lvl3pPr>
-                      <a:lvl4pPr marL="1371600" algn="l" defTabSz="914400" rtl="0" eaLnBrk="1" latinLnBrk="0" hangingPunct="1">
-                        <a:defRPr lang="it-IT" sz="1800" kern="1200">
-                          <a:solidFill>
-                            <a:schemeClr val="dk1"/>
-                          </a:solidFill>
-                          <a:latin typeface="Tenorite "/>
-                        </a:defRPr>
-                      </a:lvl4pPr>
-                      <a:lvl5pPr marL="1828800" algn="l" defTabSz="914400" rtl="0" eaLnBrk="1" latinLnBrk="0" hangingPunct="1">
-                        <a:defRPr lang="it-IT" sz="1800" kern="1200">
-                          <a:solidFill>
-                            <a:schemeClr val="dk1"/>
-                          </a:solidFill>
-                          <a:latin typeface="Tenorite "/>
-                        </a:defRPr>
-                      </a:lvl5pPr>
-                      <a:lvl6pPr marL="2286000" algn="l" defTabSz="914400" rtl="0" eaLnBrk="1" latinLnBrk="0" hangingPunct="1">
-                        <a:defRPr lang="it-IT" sz="1800" kern="1200">
-                          <a:solidFill>
-                            <a:schemeClr val="dk1"/>
-                          </a:solidFill>
-                          <a:latin typeface="Tenorite "/>
-                        </a:defRPr>
-                      </a:lvl6pPr>
-                      <a:lvl7pPr marL="2743200" algn="l" defTabSz="914400" rtl="0" eaLnBrk="1" latinLnBrk="0" hangingPunct="1">
-                        <a:defRPr lang="it-IT" sz="1800" kern="1200">
-                          <a:solidFill>
-                            <a:schemeClr val="dk1"/>
-                          </a:solidFill>
-                          <a:latin typeface="Tenorite "/>
-                        </a:defRPr>
-                      </a:lvl7pPr>
-                      <a:lvl8pPr marL="3200400" algn="l" defTabSz="914400" rtl="0" eaLnBrk="1" latinLnBrk="0" hangingPunct="1">
-                        <a:defRPr lang="it-IT" sz="1800" kern="1200">
-                          <a:solidFill>
-                            <a:schemeClr val="dk1"/>
-                          </a:solidFill>
-                          <a:latin typeface="Tenorite "/>
-                        </a:defRPr>
-                      </a:lvl8pPr>
-                      <a:lvl9pPr marL="3657600" algn="l" defTabSz="914400" rtl="0" eaLnBrk="1" latinLnBrk="0" hangingPunct="1">
-                        <a:defRPr lang="it-IT" sz="1800" kern="1200">
-                          <a:solidFill>
-                            <a:schemeClr val="dk1"/>
-                          </a:solidFill>
-                          <a:latin typeface="Tenorite "/>
-                        </a:defRPr>
-                      </a:lvl9pPr>
-                    </a:lstStyle>
-                    <a:p>
-                      <a:pPr algn="ctr" rtl="0"/>
-                      <a:r>
-                        <a:rPr lang="it-IT">
-                          <a:latin typeface="+mn-lt"/>
-                        </a:rPr>
-                        <a:t>120</a:t>
-                      </a:r>
-                    </a:p>
-                  </a:txBody>
-                  <a:tcPr anchor="ctr"/>
-                </a:tc>
-                <a:extLst>
-                  <a:ext uri="{0D108BD9-81ED-4DB2-BD59-A6C34878D82A}">
-                    <a16:rowId xmlns:a16="http://schemas.microsoft.com/office/drawing/2014/main" val="3873867931"/>
-                  </a:ext>
-                </a:extLst>
-              </a:tr>
-              <a:tr h="1015099">
-                <a:tc>
-                  <a:txBody>
-                    <a:bodyPr/>
-                    <a:lstStyle>
-                      <a:lvl1pPr marL="0" algn="l" defTabSz="914400" rtl="0" eaLnBrk="1" latinLnBrk="0" hangingPunct="1">
-                        <a:defRPr lang="it-IT" sz="1800" kern="1200">
-                          <a:solidFill>
-                            <a:schemeClr val="dk1"/>
-                          </a:solidFill>
-                          <a:latin typeface="Tenorite "/>
-                        </a:defRPr>
-                      </a:lvl1pPr>
-                      <a:lvl2pPr marL="457200" algn="l" defTabSz="914400" rtl="0" eaLnBrk="1" latinLnBrk="0" hangingPunct="1">
-                        <a:defRPr lang="it-IT" sz="1800" kern="1200">
-                          <a:solidFill>
-                            <a:schemeClr val="dk1"/>
-                          </a:solidFill>
-                          <a:latin typeface="Tenorite "/>
-                        </a:defRPr>
-                      </a:lvl2pPr>
-                      <a:lvl3pPr marL="914400" algn="l" defTabSz="914400" rtl="0" eaLnBrk="1" latinLnBrk="0" hangingPunct="1">
-                        <a:defRPr lang="it-IT" sz="1800" kern="1200">
-                          <a:solidFill>
-                            <a:schemeClr val="dk1"/>
-                          </a:solidFill>
-                          <a:latin typeface="Tenorite "/>
-                        </a:defRPr>
-                      </a:lvl3pPr>
-                      <a:lvl4pPr marL="1371600" algn="l" defTabSz="914400" rtl="0" eaLnBrk="1" latinLnBrk="0" hangingPunct="1">
-                        <a:defRPr lang="it-IT" sz="1800" kern="1200">
-                          <a:solidFill>
-                            <a:schemeClr val="dk1"/>
-                          </a:solidFill>
-                          <a:latin typeface="Tenorite "/>
-                        </a:defRPr>
-                      </a:lvl4pPr>
-                      <a:lvl5pPr marL="1828800" algn="l" defTabSz="914400" rtl="0" eaLnBrk="1" latinLnBrk="0" hangingPunct="1">
-                        <a:defRPr lang="it-IT" sz="1800" kern="1200">
-                          <a:solidFill>
-                            <a:schemeClr val="dk1"/>
-                          </a:solidFill>
-                          <a:latin typeface="Tenorite "/>
-                        </a:defRPr>
-                      </a:lvl5pPr>
-                      <a:lvl6pPr marL="2286000" algn="l" defTabSz="914400" rtl="0" eaLnBrk="1" latinLnBrk="0" hangingPunct="1">
-                        <a:defRPr lang="it-IT" sz="1800" kern="1200">
-                          <a:solidFill>
-                            <a:schemeClr val="dk1"/>
-                          </a:solidFill>
-                          <a:latin typeface="Tenorite "/>
-                        </a:defRPr>
-                      </a:lvl6pPr>
-                      <a:lvl7pPr marL="2743200" algn="l" defTabSz="914400" rtl="0" eaLnBrk="1" latinLnBrk="0" hangingPunct="1">
-                        <a:defRPr lang="it-IT" sz="1800" kern="1200">
-                          <a:solidFill>
-                            <a:schemeClr val="dk1"/>
-                          </a:solidFill>
-                          <a:latin typeface="Tenorite "/>
-                        </a:defRPr>
-                      </a:lvl7pPr>
-                      <a:lvl8pPr marL="3200400" algn="l" defTabSz="914400" rtl="0" eaLnBrk="1" latinLnBrk="0" hangingPunct="1">
-                        <a:defRPr lang="it-IT" sz="1800" kern="1200">
-                          <a:solidFill>
-                            <a:schemeClr val="dk1"/>
-                          </a:solidFill>
-                          <a:latin typeface="Tenorite "/>
-                        </a:defRPr>
-                      </a:lvl8pPr>
-                      <a:lvl9pPr marL="3657600" algn="l" defTabSz="914400" rtl="0" eaLnBrk="1" latinLnBrk="0" hangingPunct="1">
-                        <a:defRPr lang="it-IT" sz="1800" kern="1200">
-                          <a:solidFill>
-                            <a:schemeClr val="dk1"/>
-                          </a:solidFill>
-                          <a:latin typeface="Tenorite "/>
-                        </a:defRPr>
-                      </a:lvl9pPr>
-                    </a:lstStyle>
-                    <a:p>
-                      <a:pPr algn="ctr" rtl="0"/>
-                      <a:r>
-                        <a:rPr lang="it-IT" dirty="0">
-                          <a:latin typeface="+mn-lt"/>
-                        </a:rPr>
-                        <a:t>Durata dell'impegno</a:t>
-                      </a:r>
-                    </a:p>
-                  </a:txBody>
-                  <a:tcPr anchor="ctr"/>
-                </a:tc>
-                <a:tc>
-                  <a:txBody>
-                    <a:bodyPr/>
-                    <a:lstStyle>
-                      <a:lvl1pPr marL="0" algn="l" defTabSz="914400" rtl="0" eaLnBrk="1" latinLnBrk="0" hangingPunct="1">
-                        <a:defRPr lang="it-IT" sz="1800" kern="1200">
-                          <a:solidFill>
-                            <a:schemeClr val="dk1"/>
-                          </a:solidFill>
-                          <a:latin typeface="Tenorite "/>
-                        </a:defRPr>
-                      </a:lvl1pPr>
-                      <a:lvl2pPr marL="457200" algn="l" defTabSz="914400" rtl="0" eaLnBrk="1" latinLnBrk="0" hangingPunct="1">
-                        <a:defRPr lang="it-IT" sz="1800" kern="1200">
-                          <a:solidFill>
-                            <a:schemeClr val="dk1"/>
-                          </a:solidFill>
-                          <a:latin typeface="Tenorite "/>
-                        </a:defRPr>
-                      </a:lvl2pPr>
-                      <a:lvl3pPr marL="914400" algn="l" defTabSz="914400" rtl="0" eaLnBrk="1" latinLnBrk="0" hangingPunct="1">
-                        <a:defRPr lang="it-IT" sz="1800" kern="1200">
-                          <a:solidFill>
-                            <a:schemeClr val="dk1"/>
-                          </a:solidFill>
-                          <a:latin typeface="Tenorite "/>
-                        </a:defRPr>
-                      </a:lvl3pPr>
-                      <a:lvl4pPr marL="1371600" algn="l" defTabSz="914400" rtl="0" eaLnBrk="1" latinLnBrk="0" hangingPunct="1">
-                        <a:defRPr lang="it-IT" sz="1800" kern="1200">
-                          <a:solidFill>
-                            <a:schemeClr val="dk1"/>
-                          </a:solidFill>
-                          <a:latin typeface="Tenorite "/>
-                        </a:defRPr>
-                      </a:lvl4pPr>
-                      <a:lvl5pPr marL="1828800" algn="l" defTabSz="914400" rtl="0" eaLnBrk="1" latinLnBrk="0" hangingPunct="1">
-                        <a:defRPr lang="it-IT" sz="1800" kern="1200">
-                          <a:solidFill>
-                            <a:schemeClr val="dk1"/>
-                          </a:solidFill>
-                          <a:latin typeface="Tenorite "/>
-                        </a:defRPr>
-                      </a:lvl5pPr>
-                      <a:lvl6pPr marL="2286000" algn="l" defTabSz="914400" rtl="0" eaLnBrk="1" latinLnBrk="0" hangingPunct="1">
-                        <a:defRPr lang="it-IT" sz="1800" kern="1200">
-                          <a:solidFill>
-                            <a:schemeClr val="dk1"/>
-                          </a:solidFill>
-                          <a:latin typeface="Tenorite "/>
-                        </a:defRPr>
-                      </a:lvl6pPr>
-                      <a:lvl7pPr marL="2743200" algn="l" defTabSz="914400" rtl="0" eaLnBrk="1" latinLnBrk="0" hangingPunct="1">
-                        <a:defRPr lang="it-IT" sz="1800" kern="1200">
-                          <a:solidFill>
-                            <a:schemeClr val="dk1"/>
-                          </a:solidFill>
-                          <a:latin typeface="Tenorite "/>
-                        </a:defRPr>
-                      </a:lvl7pPr>
-                      <a:lvl8pPr marL="3200400" algn="l" defTabSz="914400" rtl="0" eaLnBrk="1" latinLnBrk="0" hangingPunct="1">
-                        <a:defRPr lang="it-IT" sz="1800" kern="1200">
-                          <a:solidFill>
-                            <a:schemeClr val="dk1"/>
-                          </a:solidFill>
-                          <a:latin typeface="Tenorite "/>
-                        </a:defRPr>
-                      </a:lvl8pPr>
-                      <a:lvl9pPr marL="3657600" algn="l" defTabSz="914400" rtl="0" eaLnBrk="1" latinLnBrk="0" hangingPunct="1">
-                        <a:defRPr lang="it-IT" sz="1800" kern="1200">
-                          <a:solidFill>
-                            <a:schemeClr val="dk1"/>
-                          </a:solidFill>
-                          <a:latin typeface="Tenorite "/>
-                        </a:defRPr>
-                      </a:lvl9pPr>
-                    </a:lstStyle>
-                    <a:p>
-                      <a:pPr algn="ctr" rtl="0"/>
-                      <a:r>
-                        <a:rPr lang="it-IT">
-                          <a:latin typeface="+mn-lt"/>
-                        </a:rPr>
-                        <a:t>Verbale</a:t>
-                      </a:r>
-                    </a:p>
-                  </a:txBody>
-                  <a:tcPr anchor="ctr"/>
-                </a:tc>
-                <a:tc>
-                  <a:txBody>
-                    <a:bodyPr/>
-                    <a:lstStyle>
-                      <a:lvl1pPr marL="0" algn="l" defTabSz="914400" rtl="0" eaLnBrk="1" latinLnBrk="0" hangingPunct="1">
-                        <a:defRPr lang="it-IT" sz="1800" kern="1200">
-                          <a:solidFill>
-                            <a:schemeClr val="dk1"/>
-                          </a:solidFill>
-                          <a:latin typeface="Tenorite "/>
-                        </a:defRPr>
-                      </a:lvl1pPr>
-                      <a:lvl2pPr marL="457200" algn="l" defTabSz="914400" rtl="0" eaLnBrk="1" latinLnBrk="0" hangingPunct="1">
-                        <a:defRPr lang="it-IT" sz="1800" kern="1200">
-                          <a:solidFill>
-                            <a:schemeClr val="dk1"/>
-                          </a:solidFill>
-                          <a:latin typeface="Tenorite "/>
-                        </a:defRPr>
-                      </a:lvl2pPr>
-                      <a:lvl3pPr marL="914400" algn="l" defTabSz="914400" rtl="0" eaLnBrk="1" latinLnBrk="0" hangingPunct="1">
-                        <a:defRPr lang="it-IT" sz="1800" kern="1200">
-                          <a:solidFill>
-                            <a:schemeClr val="dk1"/>
-                          </a:solidFill>
-                          <a:latin typeface="Tenorite "/>
-                        </a:defRPr>
-                      </a:lvl3pPr>
-                      <a:lvl4pPr marL="1371600" algn="l" defTabSz="914400" rtl="0" eaLnBrk="1" latinLnBrk="0" hangingPunct="1">
-                        <a:defRPr lang="it-IT" sz="1800" kern="1200">
-                          <a:solidFill>
-                            <a:schemeClr val="dk1"/>
-                          </a:solidFill>
-                          <a:latin typeface="Tenorite "/>
-                        </a:defRPr>
-                      </a:lvl4pPr>
-                      <a:lvl5pPr marL="1828800" algn="l" defTabSz="914400" rtl="0" eaLnBrk="1" latinLnBrk="0" hangingPunct="1">
-                        <a:defRPr lang="it-IT" sz="1800" kern="1200">
-                          <a:solidFill>
-                            <a:schemeClr val="dk1"/>
-                          </a:solidFill>
-                          <a:latin typeface="Tenorite "/>
-                        </a:defRPr>
-                      </a:lvl5pPr>
-                      <a:lvl6pPr marL="2286000" algn="l" defTabSz="914400" rtl="0" eaLnBrk="1" latinLnBrk="0" hangingPunct="1">
-                        <a:defRPr lang="it-IT" sz="1800" kern="1200">
-                          <a:solidFill>
-                            <a:schemeClr val="dk1"/>
-                          </a:solidFill>
-                          <a:latin typeface="Tenorite "/>
-                        </a:defRPr>
-                      </a:lvl6pPr>
-                      <a:lvl7pPr marL="2743200" algn="l" defTabSz="914400" rtl="0" eaLnBrk="1" latinLnBrk="0" hangingPunct="1">
-                        <a:defRPr lang="it-IT" sz="1800" kern="1200">
-                          <a:solidFill>
-                            <a:schemeClr val="dk1"/>
-                          </a:solidFill>
-                          <a:latin typeface="Tenorite "/>
-                        </a:defRPr>
-                      </a:lvl7pPr>
-                      <a:lvl8pPr marL="3200400" algn="l" defTabSz="914400" rtl="0" eaLnBrk="1" latinLnBrk="0" hangingPunct="1">
-                        <a:defRPr lang="it-IT" sz="1800" kern="1200">
-                          <a:solidFill>
-                            <a:schemeClr val="dk1"/>
-                          </a:solidFill>
-                          <a:latin typeface="Tenorite "/>
-                        </a:defRPr>
-                      </a:lvl8pPr>
-                      <a:lvl9pPr marL="3657600" algn="l" defTabSz="914400" rtl="0" eaLnBrk="1" latinLnBrk="0" hangingPunct="1">
-                        <a:defRPr lang="it-IT" sz="1800" kern="1200">
-                          <a:solidFill>
-                            <a:schemeClr val="dk1"/>
-                          </a:solidFill>
-                          <a:latin typeface="Tenorite "/>
-                        </a:defRPr>
-                      </a:lvl9pPr>
-                    </a:lstStyle>
-                    <a:p>
-                      <a:pPr algn="ctr" rtl="0"/>
-                      <a:r>
-                        <a:rPr lang="it-IT">
-                          <a:latin typeface="+mn-lt"/>
-                        </a:rPr>
-                        <a:t>60</a:t>
-                      </a:r>
-                    </a:p>
-                  </a:txBody>
-                  <a:tcPr anchor="ctr"/>
-                </a:tc>
-                <a:tc>
-                  <a:txBody>
-                    <a:bodyPr/>
-                    <a:lstStyle>
-                      <a:lvl1pPr marL="0" algn="l" defTabSz="914400" rtl="0" eaLnBrk="1" latinLnBrk="0" hangingPunct="1">
-                        <a:defRPr lang="it-IT" sz="1800" kern="1200">
-                          <a:solidFill>
-                            <a:schemeClr val="dk1"/>
-                          </a:solidFill>
-                          <a:latin typeface="Tenorite "/>
-                        </a:defRPr>
-                      </a:lvl1pPr>
-                      <a:lvl2pPr marL="457200" algn="l" defTabSz="914400" rtl="0" eaLnBrk="1" latinLnBrk="0" hangingPunct="1">
-                        <a:defRPr lang="it-IT" sz="1800" kern="1200">
-                          <a:solidFill>
-                            <a:schemeClr val="dk1"/>
-                          </a:solidFill>
-                          <a:latin typeface="Tenorite "/>
-                        </a:defRPr>
-                      </a:lvl2pPr>
-                      <a:lvl3pPr marL="914400" algn="l" defTabSz="914400" rtl="0" eaLnBrk="1" latinLnBrk="0" hangingPunct="1">
-                        <a:defRPr lang="it-IT" sz="1800" kern="1200">
-                          <a:solidFill>
-                            <a:schemeClr val="dk1"/>
-                          </a:solidFill>
-                          <a:latin typeface="Tenorite "/>
-                        </a:defRPr>
-                      </a:lvl3pPr>
-                      <a:lvl4pPr marL="1371600" algn="l" defTabSz="914400" rtl="0" eaLnBrk="1" latinLnBrk="0" hangingPunct="1">
-                        <a:defRPr lang="it-IT" sz="1800" kern="1200">
-                          <a:solidFill>
-                            <a:schemeClr val="dk1"/>
-                          </a:solidFill>
-                          <a:latin typeface="Tenorite "/>
-                        </a:defRPr>
-                      </a:lvl4pPr>
-                      <a:lvl5pPr marL="1828800" algn="l" defTabSz="914400" rtl="0" eaLnBrk="1" latinLnBrk="0" hangingPunct="1">
-                        <a:defRPr lang="it-IT" sz="1800" kern="1200">
-                          <a:solidFill>
-                            <a:schemeClr val="dk1"/>
-                          </a:solidFill>
-                          <a:latin typeface="Tenorite "/>
-                        </a:defRPr>
-                      </a:lvl5pPr>
-                      <a:lvl6pPr marL="2286000" algn="l" defTabSz="914400" rtl="0" eaLnBrk="1" latinLnBrk="0" hangingPunct="1">
-                        <a:defRPr lang="it-IT" sz="1800" kern="1200">
-                          <a:solidFill>
-                            <a:schemeClr val="dk1"/>
-                          </a:solidFill>
-                          <a:latin typeface="Tenorite "/>
-                        </a:defRPr>
-                      </a:lvl6pPr>
-                      <a:lvl7pPr marL="2743200" algn="l" defTabSz="914400" rtl="0" eaLnBrk="1" latinLnBrk="0" hangingPunct="1">
-                        <a:defRPr lang="it-IT" sz="1800" kern="1200">
-                          <a:solidFill>
-                            <a:schemeClr val="dk1"/>
-                          </a:solidFill>
-                          <a:latin typeface="Tenorite "/>
-                        </a:defRPr>
-                      </a:lvl7pPr>
-                      <a:lvl8pPr marL="3200400" algn="l" defTabSz="914400" rtl="0" eaLnBrk="1" latinLnBrk="0" hangingPunct="1">
-                        <a:defRPr lang="it-IT" sz="1800" kern="1200">
-                          <a:solidFill>
-                            <a:schemeClr val="dk1"/>
-                          </a:solidFill>
-                          <a:latin typeface="Tenorite "/>
-                        </a:defRPr>
-                      </a:lvl8pPr>
-                      <a:lvl9pPr marL="3657600" algn="l" defTabSz="914400" rtl="0" eaLnBrk="1" latinLnBrk="0" hangingPunct="1">
-                        <a:defRPr lang="it-IT" sz="1800" kern="1200">
-                          <a:solidFill>
-                            <a:schemeClr val="dk1"/>
-                          </a:solidFill>
-                          <a:latin typeface="Tenorite "/>
-                        </a:defRPr>
-                      </a:lvl9pPr>
-                    </a:lstStyle>
-                    <a:p>
-                      <a:pPr algn="ctr" rtl="0"/>
-                      <a:r>
-                        <a:rPr lang="it-IT">
-                          <a:latin typeface="+mn-lt"/>
-                        </a:rPr>
-                        <a:t>75</a:t>
-                      </a:r>
-                    </a:p>
-                  </a:txBody>
-                  <a:tcPr anchor="ctr"/>
-                </a:tc>
-                <a:extLst>
-                  <a:ext uri="{0D108BD9-81ED-4DB2-BD59-A6C34878D82A}">
-                    <a16:rowId xmlns:a16="http://schemas.microsoft.com/office/drawing/2014/main" val="85209771"/>
-                  </a:ext>
-                </a:extLst>
-              </a:tr>
-              <a:tr h="1015099">
-                <a:tc>
-                  <a:txBody>
-                    <a:bodyPr/>
-                    <a:lstStyle>
-                      <a:lvl1pPr marL="0" algn="l" defTabSz="914400" rtl="0" eaLnBrk="1" latinLnBrk="0" hangingPunct="1">
-                        <a:defRPr lang="it-IT" sz="1800" kern="1200">
-                          <a:solidFill>
-                            <a:schemeClr val="dk1"/>
-                          </a:solidFill>
-                          <a:latin typeface="Tenorite "/>
-                        </a:defRPr>
-                      </a:lvl1pPr>
-                      <a:lvl2pPr marL="457200" algn="l" defTabSz="914400" rtl="0" eaLnBrk="1" latinLnBrk="0" hangingPunct="1">
-                        <a:defRPr lang="it-IT" sz="1800" kern="1200">
-                          <a:solidFill>
-                            <a:schemeClr val="dk1"/>
-                          </a:solidFill>
-                          <a:latin typeface="Tenorite "/>
-                        </a:defRPr>
-                      </a:lvl2pPr>
-                      <a:lvl3pPr marL="914400" algn="l" defTabSz="914400" rtl="0" eaLnBrk="1" latinLnBrk="0" hangingPunct="1">
-                        <a:defRPr lang="it-IT" sz="1800" kern="1200">
-                          <a:solidFill>
-                            <a:schemeClr val="dk1"/>
-                          </a:solidFill>
-                          <a:latin typeface="Tenorite "/>
-                        </a:defRPr>
-                      </a:lvl3pPr>
-                      <a:lvl4pPr marL="1371600" algn="l" defTabSz="914400" rtl="0" eaLnBrk="1" latinLnBrk="0" hangingPunct="1">
-                        <a:defRPr lang="it-IT" sz="1800" kern="1200">
-                          <a:solidFill>
-                            <a:schemeClr val="dk1"/>
-                          </a:solidFill>
-                          <a:latin typeface="Tenorite "/>
-                        </a:defRPr>
-                      </a:lvl4pPr>
-                      <a:lvl5pPr marL="1828800" algn="l" defTabSz="914400" rtl="0" eaLnBrk="1" latinLnBrk="0" hangingPunct="1">
-                        <a:defRPr lang="it-IT" sz="1800" kern="1200">
-                          <a:solidFill>
-                            <a:schemeClr val="dk1"/>
-                          </a:solidFill>
-                          <a:latin typeface="Tenorite "/>
-                        </a:defRPr>
-                      </a:lvl5pPr>
-                      <a:lvl6pPr marL="2286000" algn="l" defTabSz="914400" rtl="0" eaLnBrk="1" latinLnBrk="0" hangingPunct="1">
-                        <a:defRPr lang="it-IT" sz="1800" kern="1200">
-                          <a:solidFill>
-                            <a:schemeClr val="dk1"/>
-                          </a:solidFill>
-                          <a:latin typeface="Tenorite "/>
-                        </a:defRPr>
-                      </a:lvl6pPr>
-                      <a:lvl7pPr marL="2743200" algn="l" defTabSz="914400" rtl="0" eaLnBrk="1" latinLnBrk="0" hangingPunct="1">
-                        <a:defRPr lang="it-IT" sz="1800" kern="1200">
-                          <a:solidFill>
-                            <a:schemeClr val="dk1"/>
-                          </a:solidFill>
-                          <a:latin typeface="Tenorite "/>
-                        </a:defRPr>
-                      </a:lvl7pPr>
-                      <a:lvl8pPr marL="3200400" algn="l" defTabSz="914400" rtl="0" eaLnBrk="1" latinLnBrk="0" hangingPunct="1">
-                        <a:defRPr lang="it-IT" sz="1800" kern="1200">
-                          <a:solidFill>
-                            <a:schemeClr val="dk1"/>
-                          </a:solidFill>
-                          <a:latin typeface="Tenorite "/>
-                        </a:defRPr>
-                      </a:lvl8pPr>
-                      <a:lvl9pPr marL="3657600" algn="l" defTabSz="914400" rtl="0" eaLnBrk="1" latinLnBrk="0" hangingPunct="1">
-                        <a:defRPr lang="it-IT" sz="1800" kern="1200">
-                          <a:solidFill>
-                            <a:schemeClr val="dk1"/>
-                          </a:solidFill>
-                          <a:latin typeface="Tenorite "/>
-                        </a:defRPr>
-                      </a:lvl9pPr>
-                    </a:lstStyle>
-                    <a:p>
-                      <a:pPr algn="ctr" rtl="0"/>
-                      <a:r>
-                        <a:rPr lang="it-IT" dirty="0">
-                          <a:latin typeface="+mn-lt"/>
-                        </a:rPr>
-                        <a:t>Interazione di Domande e risposte</a:t>
-                      </a:r>
-                    </a:p>
-                  </a:txBody>
-                  <a:tcPr anchor="ctr"/>
-                </a:tc>
-                <a:tc>
-                  <a:txBody>
-                    <a:bodyPr/>
-                    <a:lstStyle>
-                      <a:lvl1pPr marL="0" algn="l" defTabSz="914400" rtl="0" eaLnBrk="1" latinLnBrk="0" hangingPunct="1">
-                        <a:defRPr lang="it-IT" sz="1800" kern="1200">
-                          <a:solidFill>
-                            <a:schemeClr val="dk1"/>
-                          </a:solidFill>
-                          <a:latin typeface="Tenorite "/>
-                        </a:defRPr>
-                      </a:lvl1pPr>
-                      <a:lvl2pPr marL="457200" algn="l" defTabSz="914400" rtl="0" eaLnBrk="1" latinLnBrk="0" hangingPunct="1">
-                        <a:defRPr lang="it-IT" sz="1800" kern="1200">
-                          <a:solidFill>
-                            <a:schemeClr val="dk1"/>
-                          </a:solidFill>
-                          <a:latin typeface="Tenorite "/>
-                        </a:defRPr>
-                      </a:lvl2pPr>
-                      <a:lvl3pPr marL="914400" algn="l" defTabSz="914400" rtl="0" eaLnBrk="1" latinLnBrk="0" hangingPunct="1">
-                        <a:defRPr lang="it-IT" sz="1800" kern="1200">
-                          <a:solidFill>
-                            <a:schemeClr val="dk1"/>
-                          </a:solidFill>
-                          <a:latin typeface="Tenorite "/>
-                        </a:defRPr>
-                      </a:lvl3pPr>
-                      <a:lvl4pPr marL="1371600" algn="l" defTabSz="914400" rtl="0" eaLnBrk="1" latinLnBrk="0" hangingPunct="1">
-                        <a:defRPr lang="it-IT" sz="1800" kern="1200">
-                          <a:solidFill>
-                            <a:schemeClr val="dk1"/>
-                          </a:solidFill>
-                          <a:latin typeface="Tenorite "/>
-                        </a:defRPr>
-                      </a:lvl4pPr>
-                      <a:lvl5pPr marL="1828800" algn="l" defTabSz="914400" rtl="0" eaLnBrk="1" latinLnBrk="0" hangingPunct="1">
-                        <a:defRPr lang="it-IT" sz="1800" kern="1200">
-                          <a:solidFill>
-                            <a:schemeClr val="dk1"/>
-                          </a:solidFill>
-                          <a:latin typeface="Tenorite "/>
-                        </a:defRPr>
-                      </a:lvl5pPr>
-                      <a:lvl6pPr marL="2286000" algn="l" defTabSz="914400" rtl="0" eaLnBrk="1" latinLnBrk="0" hangingPunct="1">
-                        <a:defRPr lang="it-IT" sz="1800" kern="1200">
-                          <a:solidFill>
-                            <a:schemeClr val="dk1"/>
-                          </a:solidFill>
-                          <a:latin typeface="Tenorite "/>
-                        </a:defRPr>
-                      </a:lvl6pPr>
-                      <a:lvl7pPr marL="2743200" algn="l" defTabSz="914400" rtl="0" eaLnBrk="1" latinLnBrk="0" hangingPunct="1">
-                        <a:defRPr lang="it-IT" sz="1800" kern="1200">
-                          <a:solidFill>
-                            <a:schemeClr val="dk1"/>
-                          </a:solidFill>
-                          <a:latin typeface="Tenorite "/>
-                        </a:defRPr>
-                      </a:lvl7pPr>
-                      <a:lvl8pPr marL="3200400" algn="l" defTabSz="914400" rtl="0" eaLnBrk="1" latinLnBrk="0" hangingPunct="1">
-                        <a:defRPr lang="it-IT" sz="1800" kern="1200">
-                          <a:solidFill>
-                            <a:schemeClr val="dk1"/>
-                          </a:solidFill>
-                          <a:latin typeface="Tenorite "/>
-                        </a:defRPr>
-                      </a:lvl8pPr>
-                      <a:lvl9pPr marL="3657600" algn="l" defTabSz="914400" rtl="0" eaLnBrk="1" latinLnBrk="0" hangingPunct="1">
-                        <a:defRPr lang="it-IT" sz="1800" kern="1200">
-                          <a:solidFill>
-                            <a:schemeClr val="dk1"/>
-                          </a:solidFill>
-                          <a:latin typeface="Tenorite "/>
-                        </a:defRPr>
-                      </a:lvl9pPr>
-                    </a:lstStyle>
-                    <a:p>
-                      <a:pPr algn="ctr" rtl="0"/>
-                      <a:r>
-                        <a:rPr lang="it-IT">
-                          <a:latin typeface="+mn-lt"/>
-                        </a:rPr>
-                        <a:t>N. di domande</a:t>
-                      </a:r>
-                    </a:p>
-                  </a:txBody>
-                  <a:tcPr anchor="ctr"/>
-                </a:tc>
-                <a:tc>
-                  <a:txBody>
-                    <a:bodyPr/>
-                    <a:lstStyle>
-                      <a:lvl1pPr marL="0" algn="l" defTabSz="914400" rtl="0" eaLnBrk="1" latinLnBrk="0" hangingPunct="1">
-                        <a:defRPr lang="it-IT" sz="1800" kern="1200">
-                          <a:solidFill>
-                            <a:schemeClr val="dk1"/>
-                          </a:solidFill>
-                          <a:latin typeface="Tenorite "/>
-                        </a:defRPr>
-                      </a:lvl1pPr>
-                      <a:lvl2pPr marL="457200" algn="l" defTabSz="914400" rtl="0" eaLnBrk="1" latinLnBrk="0" hangingPunct="1">
-                        <a:defRPr lang="it-IT" sz="1800" kern="1200">
-                          <a:solidFill>
-                            <a:schemeClr val="dk1"/>
-                          </a:solidFill>
-                          <a:latin typeface="Tenorite "/>
-                        </a:defRPr>
-                      </a:lvl2pPr>
-                      <a:lvl3pPr marL="914400" algn="l" defTabSz="914400" rtl="0" eaLnBrk="1" latinLnBrk="0" hangingPunct="1">
-                        <a:defRPr lang="it-IT" sz="1800" kern="1200">
-                          <a:solidFill>
-                            <a:schemeClr val="dk1"/>
-                          </a:solidFill>
-                          <a:latin typeface="Tenorite "/>
-                        </a:defRPr>
-                      </a:lvl3pPr>
-                      <a:lvl4pPr marL="1371600" algn="l" defTabSz="914400" rtl="0" eaLnBrk="1" latinLnBrk="0" hangingPunct="1">
-                        <a:defRPr lang="it-IT" sz="1800" kern="1200">
-                          <a:solidFill>
-                            <a:schemeClr val="dk1"/>
-                          </a:solidFill>
-                          <a:latin typeface="Tenorite "/>
-                        </a:defRPr>
-                      </a:lvl4pPr>
-                      <a:lvl5pPr marL="1828800" algn="l" defTabSz="914400" rtl="0" eaLnBrk="1" latinLnBrk="0" hangingPunct="1">
-                        <a:defRPr lang="it-IT" sz="1800" kern="1200">
-                          <a:solidFill>
-                            <a:schemeClr val="dk1"/>
-                          </a:solidFill>
-                          <a:latin typeface="Tenorite "/>
-                        </a:defRPr>
-                      </a:lvl5pPr>
-                      <a:lvl6pPr marL="2286000" algn="l" defTabSz="914400" rtl="0" eaLnBrk="1" latinLnBrk="0" hangingPunct="1">
-                        <a:defRPr lang="it-IT" sz="1800" kern="1200">
-                          <a:solidFill>
-                            <a:schemeClr val="dk1"/>
-                          </a:solidFill>
-                          <a:latin typeface="Tenorite "/>
-                        </a:defRPr>
-                      </a:lvl6pPr>
-                      <a:lvl7pPr marL="2743200" algn="l" defTabSz="914400" rtl="0" eaLnBrk="1" latinLnBrk="0" hangingPunct="1">
-                        <a:defRPr lang="it-IT" sz="1800" kern="1200">
-                          <a:solidFill>
-                            <a:schemeClr val="dk1"/>
-                          </a:solidFill>
-                          <a:latin typeface="Tenorite "/>
-                        </a:defRPr>
-                      </a:lvl7pPr>
-                      <a:lvl8pPr marL="3200400" algn="l" defTabSz="914400" rtl="0" eaLnBrk="1" latinLnBrk="0" hangingPunct="1">
-                        <a:defRPr lang="it-IT" sz="1800" kern="1200">
-                          <a:solidFill>
-                            <a:schemeClr val="dk1"/>
-                          </a:solidFill>
-                          <a:latin typeface="Tenorite "/>
-                        </a:defRPr>
-                      </a:lvl8pPr>
-                      <a:lvl9pPr marL="3657600" algn="l" defTabSz="914400" rtl="0" eaLnBrk="1" latinLnBrk="0" hangingPunct="1">
-                        <a:defRPr lang="it-IT" sz="1800" kern="1200">
-                          <a:solidFill>
-                            <a:schemeClr val="dk1"/>
-                          </a:solidFill>
-                          <a:latin typeface="Tenorite "/>
-                        </a:defRPr>
-                      </a:lvl9pPr>
-                    </a:lstStyle>
-                    <a:p>
-                      <a:pPr algn="ctr" rtl="0"/>
-                      <a:r>
-                        <a:rPr lang="it-IT">
-                          <a:latin typeface="+mn-lt"/>
-                        </a:rPr>
-                        <a:t>10</a:t>
-                      </a:r>
-                    </a:p>
-                  </a:txBody>
-                  <a:tcPr anchor="ctr"/>
-                </a:tc>
-                <a:tc>
-                  <a:txBody>
-                    <a:bodyPr/>
-                    <a:lstStyle>
-                      <a:lvl1pPr marL="0" algn="l" defTabSz="914400" rtl="0" eaLnBrk="1" latinLnBrk="0" hangingPunct="1">
-                        <a:defRPr lang="it-IT" sz="1800" kern="1200">
-                          <a:solidFill>
-                            <a:schemeClr val="dk1"/>
-                          </a:solidFill>
-                          <a:latin typeface="Tenorite "/>
-                        </a:defRPr>
-                      </a:lvl1pPr>
-                      <a:lvl2pPr marL="457200" algn="l" defTabSz="914400" rtl="0" eaLnBrk="1" latinLnBrk="0" hangingPunct="1">
-                        <a:defRPr lang="it-IT" sz="1800" kern="1200">
-                          <a:solidFill>
-                            <a:schemeClr val="dk1"/>
-                          </a:solidFill>
-                          <a:latin typeface="Tenorite "/>
-                        </a:defRPr>
-                      </a:lvl2pPr>
-                      <a:lvl3pPr marL="914400" algn="l" defTabSz="914400" rtl="0" eaLnBrk="1" latinLnBrk="0" hangingPunct="1">
-                        <a:defRPr lang="it-IT" sz="1800" kern="1200">
-                          <a:solidFill>
-                            <a:schemeClr val="dk1"/>
-                          </a:solidFill>
-                          <a:latin typeface="Tenorite "/>
-                        </a:defRPr>
-                      </a:lvl3pPr>
-                      <a:lvl4pPr marL="1371600" algn="l" defTabSz="914400" rtl="0" eaLnBrk="1" latinLnBrk="0" hangingPunct="1">
-                        <a:defRPr lang="it-IT" sz="1800" kern="1200">
-                          <a:solidFill>
-                            <a:schemeClr val="dk1"/>
-                          </a:solidFill>
-                          <a:latin typeface="Tenorite "/>
-                        </a:defRPr>
-                      </a:lvl4pPr>
-                      <a:lvl5pPr marL="1828800" algn="l" defTabSz="914400" rtl="0" eaLnBrk="1" latinLnBrk="0" hangingPunct="1">
-                        <a:defRPr lang="it-IT" sz="1800" kern="1200">
-                          <a:solidFill>
-                            <a:schemeClr val="dk1"/>
-                          </a:solidFill>
-                          <a:latin typeface="Tenorite "/>
-                        </a:defRPr>
-                      </a:lvl5pPr>
-                      <a:lvl6pPr marL="2286000" algn="l" defTabSz="914400" rtl="0" eaLnBrk="1" latinLnBrk="0" hangingPunct="1">
-                        <a:defRPr lang="it-IT" sz="1800" kern="1200">
-                          <a:solidFill>
-                            <a:schemeClr val="dk1"/>
-                          </a:solidFill>
-                          <a:latin typeface="Tenorite "/>
-                        </a:defRPr>
-                      </a:lvl6pPr>
-                      <a:lvl7pPr marL="2743200" algn="l" defTabSz="914400" rtl="0" eaLnBrk="1" latinLnBrk="0" hangingPunct="1">
-                        <a:defRPr lang="it-IT" sz="1800" kern="1200">
-                          <a:solidFill>
-                            <a:schemeClr val="dk1"/>
-                          </a:solidFill>
-                          <a:latin typeface="Tenorite "/>
-                        </a:defRPr>
-                      </a:lvl7pPr>
-                      <a:lvl8pPr marL="3200400" algn="l" defTabSz="914400" rtl="0" eaLnBrk="1" latinLnBrk="0" hangingPunct="1">
-                        <a:defRPr lang="it-IT" sz="1800" kern="1200">
-                          <a:solidFill>
-                            <a:schemeClr val="dk1"/>
-                          </a:solidFill>
-                          <a:latin typeface="Tenorite "/>
-                        </a:defRPr>
-                      </a:lvl8pPr>
-                      <a:lvl9pPr marL="3657600" algn="l" defTabSz="914400" rtl="0" eaLnBrk="1" latinLnBrk="0" hangingPunct="1">
-                        <a:defRPr lang="it-IT" sz="1800" kern="1200">
-                          <a:solidFill>
-                            <a:schemeClr val="dk1"/>
-                          </a:solidFill>
-                          <a:latin typeface="Tenorite "/>
-                        </a:defRPr>
-                      </a:lvl9pPr>
-                    </a:lstStyle>
-                    <a:p>
-                      <a:pPr algn="ctr" rtl="0"/>
-                      <a:r>
-                        <a:rPr lang="it-IT">
-                          <a:latin typeface="+mn-lt"/>
-                        </a:rPr>
-                        <a:t>15</a:t>
-                      </a:r>
-                    </a:p>
-                  </a:txBody>
-                  <a:tcPr anchor="ctr"/>
-                </a:tc>
-                <a:extLst>
-                  <a:ext uri="{0D108BD9-81ED-4DB2-BD59-A6C34878D82A}">
-                    <a16:rowId xmlns:a16="http://schemas.microsoft.com/office/drawing/2014/main" val="4061031278"/>
-                  </a:ext>
-                </a:extLst>
-              </a:tr>
-              <a:tr h="1015099">
-                <a:tc>
-                  <a:txBody>
-                    <a:bodyPr/>
-                    <a:lstStyle>
-                      <a:lvl1pPr marL="0" algn="l" defTabSz="914400" rtl="0" eaLnBrk="1" latinLnBrk="0" hangingPunct="1">
-                        <a:defRPr lang="it-IT" sz="1800" kern="1200">
-                          <a:solidFill>
-                            <a:schemeClr val="dk1"/>
-                          </a:solidFill>
-                          <a:latin typeface="Tenorite "/>
-                        </a:defRPr>
-                      </a:lvl1pPr>
-                      <a:lvl2pPr marL="457200" algn="l" defTabSz="914400" rtl="0" eaLnBrk="1" latinLnBrk="0" hangingPunct="1">
-                        <a:defRPr lang="it-IT" sz="1800" kern="1200">
-                          <a:solidFill>
-                            <a:schemeClr val="dk1"/>
-                          </a:solidFill>
-                          <a:latin typeface="Tenorite "/>
-                        </a:defRPr>
-                      </a:lvl2pPr>
-                      <a:lvl3pPr marL="914400" algn="l" defTabSz="914400" rtl="0" eaLnBrk="1" latinLnBrk="0" hangingPunct="1">
-                        <a:defRPr lang="it-IT" sz="1800" kern="1200">
-                          <a:solidFill>
-                            <a:schemeClr val="dk1"/>
-                          </a:solidFill>
-                          <a:latin typeface="Tenorite "/>
-                        </a:defRPr>
-                      </a:lvl3pPr>
-                      <a:lvl4pPr marL="1371600" algn="l" defTabSz="914400" rtl="0" eaLnBrk="1" latinLnBrk="0" hangingPunct="1">
-                        <a:defRPr lang="it-IT" sz="1800" kern="1200">
-                          <a:solidFill>
-                            <a:schemeClr val="dk1"/>
-                          </a:solidFill>
-                          <a:latin typeface="Tenorite "/>
-                        </a:defRPr>
-                      </a:lvl4pPr>
-                      <a:lvl5pPr marL="1828800" algn="l" defTabSz="914400" rtl="0" eaLnBrk="1" latinLnBrk="0" hangingPunct="1">
-                        <a:defRPr lang="it-IT" sz="1800" kern="1200">
-                          <a:solidFill>
-                            <a:schemeClr val="dk1"/>
-                          </a:solidFill>
-                          <a:latin typeface="Tenorite "/>
-                        </a:defRPr>
-                      </a:lvl5pPr>
-                      <a:lvl6pPr marL="2286000" algn="l" defTabSz="914400" rtl="0" eaLnBrk="1" latinLnBrk="0" hangingPunct="1">
-                        <a:defRPr lang="it-IT" sz="1800" kern="1200">
-                          <a:solidFill>
-                            <a:schemeClr val="dk1"/>
-                          </a:solidFill>
-                          <a:latin typeface="Tenorite "/>
-                        </a:defRPr>
-                      </a:lvl6pPr>
-                      <a:lvl7pPr marL="2743200" algn="l" defTabSz="914400" rtl="0" eaLnBrk="1" latinLnBrk="0" hangingPunct="1">
-                        <a:defRPr lang="it-IT" sz="1800" kern="1200">
-                          <a:solidFill>
-                            <a:schemeClr val="dk1"/>
-                          </a:solidFill>
-                          <a:latin typeface="Tenorite "/>
-                        </a:defRPr>
-                      </a:lvl7pPr>
-                      <a:lvl8pPr marL="3200400" algn="l" defTabSz="914400" rtl="0" eaLnBrk="1" latinLnBrk="0" hangingPunct="1">
-                        <a:defRPr lang="it-IT" sz="1800" kern="1200">
-                          <a:solidFill>
-                            <a:schemeClr val="dk1"/>
-                          </a:solidFill>
-                          <a:latin typeface="Tenorite "/>
-                        </a:defRPr>
-                      </a:lvl8pPr>
-                      <a:lvl9pPr marL="3657600" algn="l" defTabSz="914400" rtl="0" eaLnBrk="1" latinLnBrk="0" hangingPunct="1">
-                        <a:defRPr lang="it-IT" sz="1800" kern="1200">
-                          <a:solidFill>
-                            <a:schemeClr val="dk1"/>
-                          </a:solidFill>
-                          <a:latin typeface="Tenorite "/>
-                        </a:defRPr>
-                      </a:lvl9pPr>
-                    </a:lstStyle>
-                    <a:p>
-                      <a:pPr algn="ctr" rtl="0"/>
-                      <a:r>
-                        <a:rPr lang="it-IT" dirty="0">
-                          <a:latin typeface="+mn-lt"/>
-                        </a:rPr>
-                        <a:t>Feedback positivo</a:t>
-                      </a:r>
-                    </a:p>
-                  </a:txBody>
-                  <a:tcPr anchor="ctr"/>
-                </a:tc>
-                <a:tc>
-                  <a:txBody>
-                    <a:bodyPr/>
-                    <a:lstStyle>
-                      <a:lvl1pPr marL="0" algn="l" defTabSz="914400" rtl="0" eaLnBrk="1" latinLnBrk="0" hangingPunct="1">
-                        <a:defRPr lang="it-IT" sz="1800" kern="1200">
-                          <a:solidFill>
-                            <a:schemeClr val="dk1"/>
-                          </a:solidFill>
-                          <a:latin typeface="Tenorite "/>
-                        </a:defRPr>
-                      </a:lvl1pPr>
-                      <a:lvl2pPr marL="457200" algn="l" defTabSz="914400" rtl="0" eaLnBrk="1" latinLnBrk="0" hangingPunct="1">
-                        <a:defRPr lang="it-IT" sz="1800" kern="1200">
-                          <a:solidFill>
-                            <a:schemeClr val="dk1"/>
-                          </a:solidFill>
-                          <a:latin typeface="Tenorite "/>
-                        </a:defRPr>
-                      </a:lvl2pPr>
-                      <a:lvl3pPr marL="914400" algn="l" defTabSz="914400" rtl="0" eaLnBrk="1" latinLnBrk="0" hangingPunct="1">
-                        <a:defRPr lang="it-IT" sz="1800" kern="1200">
-                          <a:solidFill>
-                            <a:schemeClr val="dk1"/>
-                          </a:solidFill>
-                          <a:latin typeface="Tenorite "/>
-                        </a:defRPr>
-                      </a:lvl3pPr>
-                      <a:lvl4pPr marL="1371600" algn="l" defTabSz="914400" rtl="0" eaLnBrk="1" latinLnBrk="0" hangingPunct="1">
-                        <a:defRPr lang="it-IT" sz="1800" kern="1200">
-                          <a:solidFill>
-                            <a:schemeClr val="dk1"/>
-                          </a:solidFill>
-                          <a:latin typeface="Tenorite "/>
-                        </a:defRPr>
-                      </a:lvl4pPr>
-                      <a:lvl5pPr marL="1828800" algn="l" defTabSz="914400" rtl="0" eaLnBrk="1" latinLnBrk="0" hangingPunct="1">
-                        <a:defRPr lang="it-IT" sz="1800" kern="1200">
-                          <a:solidFill>
-                            <a:schemeClr val="dk1"/>
-                          </a:solidFill>
-                          <a:latin typeface="Tenorite "/>
-                        </a:defRPr>
-                      </a:lvl5pPr>
-                      <a:lvl6pPr marL="2286000" algn="l" defTabSz="914400" rtl="0" eaLnBrk="1" latinLnBrk="0" hangingPunct="1">
-                        <a:defRPr lang="it-IT" sz="1800" kern="1200">
-                          <a:solidFill>
-                            <a:schemeClr val="dk1"/>
-                          </a:solidFill>
-                          <a:latin typeface="Tenorite "/>
-                        </a:defRPr>
-                      </a:lvl6pPr>
-                      <a:lvl7pPr marL="2743200" algn="l" defTabSz="914400" rtl="0" eaLnBrk="1" latinLnBrk="0" hangingPunct="1">
-                        <a:defRPr lang="it-IT" sz="1800" kern="1200">
-                          <a:solidFill>
-                            <a:schemeClr val="dk1"/>
-                          </a:solidFill>
-                          <a:latin typeface="Tenorite "/>
-                        </a:defRPr>
-                      </a:lvl7pPr>
-                      <a:lvl8pPr marL="3200400" algn="l" defTabSz="914400" rtl="0" eaLnBrk="1" latinLnBrk="0" hangingPunct="1">
-                        <a:defRPr lang="it-IT" sz="1800" kern="1200">
-                          <a:solidFill>
-                            <a:schemeClr val="dk1"/>
-                          </a:solidFill>
-                          <a:latin typeface="Tenorite "/>
-                        </a:defRPr>
-                      </a:lvl8pPr>
-                      <a:lvl9pPr marL="3657600" algn="l" defTabSz="914400" rtl="0" eaLnBrk="1" latinLnBrk="0" hangingPunct="1">
-                        <a:defRPr lang="it-IT" sz="1800" kern="1200">
-                          <a:solidFill>
-                            <a:schemeClr val="dk1"/>
-                          </a:solidFill>
-                          <a:latin typeface="Tenorite "/>
-                        </a:defRPr>
-                      </a:lvl9pPr>
-                    </a:lstStyle>
-                    <a:p>
-                      <a:pPr algn="ctr" rtl="0"/>
-                      <a:r>
-                        <a:rPr lang="it-IT">
-                          <a:latin typeface="+mn-lt"/>
-                        </a:rPr>
-                        <a:t>Percentuale (%)</a:t>
-                      </a:r>
-                    </a:p>
-                  </a:txBody>
-                  <a:tcPr anchor="ctr"/>
-                </a:tc>
-                <a:tc>
-                  <a:txBody>
-                    <a:bodyPr/>
-                    <a:lstStyle>
-                      <a:lvl1pPr marL="0" algn="l" defTabSz="914400" rtl="0" eaLnBrk="1" latinLnBrk="0" hangingPunct="1">
-                        <a:defRPr lang="it-IT" sz="1800" kern="1200">
-                          <a:solidFill>
-                            <a:schemeClr val="dk1"/>
-                          </a:solidFill>
-                          <a:latin typeface="Tenorite "/>
-                        </a:defRPr>
-                      </a:lvl1pPr>
-                      <a:lvl2pPr marL="457200" algn="l" defTabSz="914400" rtl="0" eaLnBrk="1" latinLnBrk="0" hangingPunct="1">
-                        <a:defRPr lang="it-IT" sz="1800" kern="1200">
-                          <a:solidFill>
-                            <a:schemeClr val="dk1"/>
-                          </a:solidFill>
-                          <a:latin typeface="Tenorite "/>
-                        </a:defRPr>
-                      </a:lvl2pPr>
-                      <a:lvl3pPr marL="914400" algn="l" defTabSz="914400" rtl="0" eaLnBrk="1" latinLnBrk="0" hangingPunct="1">
-                        <a:defRPr lang="it-IT" sz="1800" kern="1200">
-                          <a:solidFill>
-                            <a:schemeClr val="dk1"/>
-                          </a:solidFill>
-                          <a:latin typeface="Tenorite "/>
-                        </a:defRPr>
-                      </a:lvl3pPr>
-                      <a:lvl4pPr marL="1371600" algn="l" defTabSz="914400" rtl="0" eaLnBrk="1" latinLnBrk="0" hangingPunct="1">
-                        <a:defRPr lang="it-IT" sz="1800" kern="1200">
-                          <a:solidFill>
-                            <a:schemeClr val="dk1"/>
-                          </a:solidFill>
-                          <a:latin typeface="Tenorite "/>
-                        </a:defRPr>
-                      </a:lvl4pPr>
-                      <a:lvl5pPr marL="1828800" algn="l" defTabSz="914400" rtl="0" eaLnBrk="1" latinLnBrk="0" hangingPunct="1">
-                        <a:defRPr lang="it-IT" sz="1800" kern="1200">
-                          <a:solidFill>
-                            <a:schemeClr val="dk1"/>
-                          </a:solidFill>
-                          <a:latin typeface="Tenorite "/>
-                        </a:defRPr>
-                      </a:lvl5pPr>
-                      <a:lvl6pPr marL="2286000" algn="l" defTabSz="914400" rtl="0" eaLnBrk="1" latinLnBrk="0" hangingPunct="1">
-                        <a:defRPr lang="it-IT" sz="1800" kern="1200">
-                          <a:solidFill>
-                            <a:schemeClr val="dk1"/>
-                          </a:solidFill>
-                          <a:latin typeface="Tenorite "/>
-                        </a:defRPr>
-                      </a:lvl6pPr>
-                      <a:lvl7pPr marL="2743200" algn="l" defTabSz="914400" rtl="0" eaLnBrk="1" latinLnBrk="0" hangingPunct="1">
-                        <a:defRPr lang="it-IT" sz="1800" kern="1200">
-                          <a:solidFill>
-                            <a:schemeClr val="dk1"/>
-                          </a:solidFill>
-                          <a:latin typeface="Tenorite "/>
-                        </a:defRPr>
-                      </a:lvl7pPr>
-                      <a:lvl8pPr marL="3200400" algn="l" defTabSz="914400" rtl="0" eaLnBrk="1" latinLnBrk="0" hangingPunct="1">
-                        <a:defRPr lang="it-IT" sz="1800" kern="1200">
-                          <a:solidFill>
-                            <a:schemeClr val="dk1"/>
-                          </a:solidFill>
-                          <a:latin typeface="Tenorite "/>
-                        </a:defRPr>
-                      </a:lvl8pPr>
-                      <a:lvl9pPr marL="3657600" algn="l" defTabSz="914400" rtl="0" eaLnBrk="1" latinLnBrk="0" hangingPunct="1">
-                        <a:defRPr lang="it-IT" sz="1800" kern="1200">
-                          <a:solidFill>
-                            <a:schemeClr val="dk1"/>
-                          </a:solidFill>
-                          <a:latin typeface="Tenorite "/>
-                        </a:defRPr>
-                      </a:lvl9pPr>
-                    </a:lstStyle>
-                    <a:p>
-                      <a:pPr algn="ctr" rtl="0"/>
-                      <a:r>
-                        <a:rPr lang="it-IT">
-                          <a:latin typeface="+mn-lt"/>
-                        </a:rPr>
-                        <a:t>90</a:t>
-                      </a:r>
-                    </a:p>
-                  </a:txBody>
-                  <a:tcPr anchor="ctr"/>
-                </a:tc>
-                <a:tc>
-                  <a:txBody>
-                    <a:bodyPr/>
-                    <a:lstStyle>
-                      <a:lvl1pPr marL="0" algn="l" defTabSz="914400" rtl="0" eaLnBrk="1" latinLnBrk="0" hangingPunct="1">
-                        <a:defRPr lang="it-IT" sz="1800" kern="1200">
-                          <a:solidFill>
-                            <a:schemeClr val="dk1"/>
-                          </a:solidFill>
-                          <a:latin typeface="Tenorite "/>
-                        </a:defRPr>
-                      </a:lvl1pPr>
-                      <a:lvl2pPr marL="457200" algn="l" defTabSz="914400" rtl="0" eaLnBrk="1" latinLnBrk="0" hangingPunct="1">
-                        <a:defRPr lang="it-IT" sz="1800" kern="1200">
-                          <a:solidFill>
-                            <a:schemeClr val="dk1"/>
-                          </a:solidFill>
-                          <a:latin typeface="Tenorite "/>
-                        </a:defRPr>
-                      </a:lvl2pPr>
-                      <a:lvl3pPr marL="914400" algn="l" defTabSz="914400" rtl="0" eaLnBrk="1" latinLnBrk="0" hangingPunct="1">
-                        <a:defRPr lang="it-IT" sz="1800" kern="1200">
-                          <a:solidFill>
-                            <a:schemeClr val="dk1"/>
-                          </a:solidFill>
-                          <a:latin typeface="Tenorite "/>
-                        </a:defRPr>
-                      </a:lvl3pPr>
-                      <a:lvl4pPr marL="1371600" algn="l" defTabSz="914400" rtl="0" eaLnBrk="1" latinLnBrk="0" hangingPunct="1">
-                        <a:defRPr lang="it-IT" sz="1800" kern="1200">
-                          <a:solidFill>
-                            <a:schemeClr val="dk1"/>
-                          </a:solidFill>
-                          <a:latin typeface="Tenorite "/>
-                        </a:defRPr>
-                      </a:lvl4pPr>
-                      <a:lvl5pPr marL="1828800" algn="l" defTabSz="914400" rtl="0" eaLnBrk="1" latinLnBrk="0" hangingPunct="1">
-                        <a:defRPr lang="it-IT" sz="1800" kern="1200">
-                          <a:solidFill>
-                            <a:schemeClr val="dk1"/>
-                          </a:solidFill>
-                          <a:latin typeface="Tenorite "/>
-                        </a:defRPr>
-                      </a:lvl5pPr>
-                      <a:lvl6pPr marL="2286000" algn="l" defTabSz="914400" rtl="0" eaLnBrk="1" latinLnBrk="0" hangingPunct="1">
-                        <a:defRPr lang="it-IT" sz="1800" kern="1200">
-                          <a:solidFill>
-                            <a:schemeClr val="dk1"/>
-                          </a:solidFill>
-                          <a:latin typeface="Tenorite "/>
-                        </a:defRPr>
-                      </a:lvl6pPr>
-                      <a:lvl7pPr marL="2743200" algn="l" defTabSz="914400" rtl="0" eaLnBrk="1" latinLnBrk="0" hangingPunct="1">
-                        <a:defRPr lang="it-IT" sz="1800" kern="1200">
-                          <a:solidFill>
-                            <a:schemeClr val="dk1"/>
-                          </a:solidFill>
-                          <a:latin typeface="Tenorite "/>
-                        </a:defRPr>
-                      </a:lvl7pPr>
-                      <a:lvl8pPr marL="3200400" algn="l" defTabSz="914400" rtl="0" eaLnBrk="1" latinLnBrk="0" hangingPunct="1">
-                        <a:defRPr lang="it-IT" sz="1800" kern="1200">
-                          <a:solidFill>
-                            <a:schemeClr val="dk1"/>
-                          </a:solidFill>
-                          <a:latin typeface="Tenorite "/>
-                        </a:defRPr>
-                      </a:lvl8pPr>
-                      <a:lvl9pPr marL="3657600" algn="l" defTabSz="914400" rtl="0" eaLnBrk="1" latinLnBrk="0" hangingPunct="1">
-                        <a:defRPr lang="it-IT" sz="1800" kern="1200">
-                          <a:solidFill>
-                            <a:schemeClr val="dk1"/>
-                          </a:solidFill>
-                          <a:latin typeface="Tenorite "/>
-                        </a:defRPr>
-                      </a:lvl9pPr>
-                    </a:lstStyle>
-                    <a:p>
-                      <a:pPr algn="ctr" rtl="0"/>
-                      <a:r>
-                        <a:rPr lang="it-IT">
-                          <a:latin typeface="+mn-lt"/>
-                        </a:rPr>
-                        <a:t>95</a:t>
-                      </a:r>
-                    </a:p>
-                  </a:txBody>
-                  <a:tcPr anchor="ctr"/>
-                </a:tc>
-                <a:extLst>
-                  <a:ext uri="{0D108BD9-81ED-4DB2-BD59-A6C34878D82A}">
-                    <a16:rowId xmlns:a16="http://schemas.microsoft.com/office/drawing/2014/main" val="3591840781"/>
-                  </a:ext>
-                </a:extLst>
-              </a:tr>
-              <a:tr h="1064844">
-                <a:tc>
-                  <a:txBody>
-                    <a:bodyPr/>
-                    <a:lstStyle>
-                      <a:lvl1pPr marL="0" algn="l" defTabSz="914400" rtl="0" eaLnBrk="1" latinLnBrk="0" hangingPunct="1">
-                        <a:defRPr lang="it-IT" sz="1800" kern="1200">
-                          <a:solidFill>
-                            <a:schemeClr val="dk1"/>
-                          </a:solidFill>
-                          <a:latin typeface="Tenorite "/>
-                        </a:defRPr>
-                      </a:lvl1pPr>
-                      <a:lvl2pPr marL="457200" algn="l" defTabSz="914400" rtl="0" eaLnBrk="1" latinLnBrk="0" hangingPunct="1">
-                        <a:defRPr lang="it-IT" sz="1800" kern="1200">
-                          <a:solidFill>
-                            <a:schemeClr val="dk1"/>
-                          </a:solidFill>
-                          <a:latin typeface="Tenorite "/>
-                        </a:defRPr>
-                      </a:lvl2pPr>
-                      <a:lvl3pPr marL="914400" algn="l" defTabSz="914400" rtl="0" eaLnBrk="1" latinLnBrk="0" hangingPunct="1">
-                        <a:defRPr lang="it-IT" sz="1800" kern="1200">
-                          <a:solidFill>
-                            <a:schemeClr val="dk1"/>
-                          </a:solidFill>
-                          <a:latin typeface="Tenorite "/>
-                        </a:defRPr>
-                      </a:lvl3pPr>
-                      <a:lvl4pPr marL="1371600" algn="l" defTabSz="914400" rtl="0" eaLnBrk="1" latinLnBrk="0" hangingPunct="1">
-                        <a:defRPr lang="it-IT" sz="1800" kern="1200">
-                          <a:solidFill>
-                            <a:schemeClr val="dk1"/>
-                          </a:solidFill>
-                          <a:latin typeface="Tenorite "/>
-                        </a:defRPr>
-                      </a:lvl4pPr>
-                      <a:lvl5pPr marL="1828800" algn="l" defTabSz="914400" rtl="0" eaLnBrk="1" latinLnBrk="0" hangingPunct="1">
-                        <a:defRPr lang="it-IT" sz="1800" kern="1200">
-                          <a:solidFill>
-                            <a:schemeClr val="dk1"/>
-                          </a:solidFill>
-                          <a:latin typeface="Tenorite "/>
-                        </a:defRPr>
-                      </a:lvl5pPr>
-                      <a:lvl6pPr marL="2286000" algn="l" defTabSz="914400" rtl="0" eaLnBrk="1" latinLnBrk="0" hangingPunct="1">
-                        <a:defRPr lang="it-IT" sz="1800" kern="1200">
-                          <a:solidFill>
-                            <a:schemeClr val="dk1"/>
-                          </a:solidFill>
-                          <a:latin typeface="Tenorite "/>
-                        </a:defRPr>
-                      </a:lvl6pPr>
-                      <a:lvl7pPr marL="2743200" algn="l" defTabSz="914400" rtl="0" eaLnBrk="1" latinLnBrk="0" hangingPunct="1">
-                        <a:defRPr lang="it-IT" sz="1800" kern="1200">
-                          <a:solidFill>
-                            <a:schemeClr val="dk1"/>
-                          </a:solidFill>
-                          <a:latin typeface="Tenorite "/>
-                        </a:defRPr>
-                      </a:lvl7pPr>
-                      <a:lvl8pPr marL="3200400" algn="l" defTabSz="914400" rtl="0" eaLnBrk="1" latinLnBrk="0" hangingPunct="1">
-                        <a:defRPr lang="it-IT" sz="1800" kern="1200">
-                          <a:solidFill>
-                            <a:schemeClr val="dk1"/>
-                          </a:solidFill>
-                          <a:latin typeface="Tenorite "/>
-                        </a:defRPr>
-                      </a:lvl8pPr>
-                      <a:lvl9pPr marL="3657600" algn="l" defTabSz="914400" rtl="0" eaLnBrk="1" latinLnBrk="0" hangingPunct="1">
-                        <a:defRPr lang="it-IT" sz="1800" kern="1200">
-                          <a:solidFill>
-                            <a:schemeClr val="dk1"/>
-                          </a:solidFill>
-                          <a:latin typeface="Tenorite "/>
-                        </a:defRPr>
-                      </a:lvl9pPr>
-                    </a:lstStyle>
-                    <a:p>
-                      <a:pPr algn="ctr" rtl="0"/>
-                      <a:r>
-                        <a:rPr lang="it-IT" dirty="0">
-                          <a:latin typeface="+mn-lt"/>
-                        </a:rPr>
-                        <a:t>Frequenza di conservazione delle informazioni</a:t>
-                      </a:r>
-                    </a:p>
-                  </a:txBody>
-                  <a:tcPr anchor="ctr"/>
-                </a:tc>
-                <a:tc>
-                  <a:txBody>
-                    <a:bodyPr/>
-                    <a:lstStyle>
-                      <a:lvl1pPr marL="0" algn="l" defTabSz="914400" rtl="0" eaLnBrk="1" latinLnBrk="0" hangingPunct="1">
-                        <a:defRPr lang="it-IT" sz="1800" kern="1200">
-                          <a:solidFill>
-                            <a:schemeClr val="dk1"/>
-                          </a:solidFill>
-                          <a:latin typeface="Tenorite "/>
-                        </a:defRPr>
-                      </a:lvl1pPr>
-                      <a:lvl2pPr marL="457200" algn="l" defTabSz="914400" rtl="0" eaLnBrk="1" latinLnBrk="0" hangingPunct="1">
-                        <a:defRPr lang="it-IT" sz="1800" kern="1200">
-                          <a:solidFill>
-                            <a:schemeClr val="dk1"/>
-                          </a:solidFill>
-                          <a:latin typeface="Tenorite "/>
-                        </a:defRPr>
-                      </a:lvl2pPr>
-                      <a:lvl3pPr marL="914400" algn="l" defTabSz="914400" rtl="0" eaLnBrk="1" latinLnBrk="0" hangingPunct="1">
-                        <a:defRPr lang="it-IT" sz="1800" kern="1200">
-                          <a:solidFill>
-                            <a:schemeClr val="dk1"/>
-                          </a:solidFill>
-                          <a:latin typeface="Tenorite "/>
-                        </a:defRPr>
-                      </a:lvl3pPr>
-                      <a:lvl4pPr marL="1371600" algn="l" defTabSz="914400" rtl="0" eaLnBrk="1" latinLnBrk="0" hangingPunct="1">
-                        <a:defRPr lang="it-IT" sz="1800" kern="1200">
-                          <a:solidFill>
-                            <a:schemeClr val="dk1"/>
-                          </a:solidFill>
-                          <a:latin typeface="Tenorite "/>
-                        </a:defRPr>
-                      </a:lvl4pPr>
-                      <a:lvl5pPr marL="1828800" algn="l" defTabSz="914400" rtl="0" eaLnBrk="1" latinLnBrk="0" hangingPunct="1">
-                        <a:defRPr lang="it-IT" sz="1800" kern="1200">
-                          <a:solidFill>
-                            <a:schemeClr val="dk1"/>
-                          </a:solidFill>
-                          <a:latin typeface="Tenorite "/>
-                        </a:defRPr>
-                      </a:lvl5pPr>
-                      <a:lvl6pPr marL="2286000" algn="l" defTabSz="914400" rtl="0" eaLnBrk="1" latinLnBrk="0" hangingPunct="1">
-                        <a:defRPr lang="it-IT" sz="1800" kern="1200">
-                          <a:solidFill>
-                            <a:schemeClr val="dk1"/>
-                          </a:solidFill>
-                          <a:latin typeface="Tenorite "/>
-                        </a:defRPr>
-                      </a:lvl6pPr>
-                      <a:lvl7pPr marL="2743200" algn="l" defTabSz="914400" rtl="0" eaLnBrk="1" latinLnBrk="0" hangingPunct="1">
-                        <a:defRPr lang="it-IT" sz="1800" kern="1200">
-                          <a:solidFill>
-                            <a:schemeClr val="dk1"/>
-                          </a:solidFill>
-                          <a:latin typeface="Tenorite "/>
-                        </a:defRPr>
-                      </a:lvl7pPr>
-                      <a:lvl8pPr marL="3200400" algn="l" defTabSz="914400" rtl="0" eaLnBrk="1" latinLnBrk="0" hangingPunct="1">
-                        <a:defRPr lang="it-IT" sz="1800" kern="1200">
-                          <a:solidFill>
-                            <a:schemeClr val="dk1"/>
-                          </a:solidFill>
-                          <a:latin typeface="Tenorite "/>
-                        </a:defRPr>
-                      </a:lvl8pPr>
-                      <a:lvl9pPr marL="3657600" algn="l" defTabSz="914400" rtl="0" eaLnBrk="1" latinLnBrk="0" hangingPunct="1">
-                        <a:defRPr lang="it-IT" sz="1800" kern="1200">
-                          <a:solidFill>
-                            <a:schemeClr val="dk1"/>
-                          </a:solidFill>
-                          <a:latin typeface="Tenorite "/>
-                        </a:defRPr>
-                      </a:lvl9pPr>
-                    </a:lstStyle>
-                    <a:p>
-                      <a:pPr algn="ctr" rtl="0"/>
-                      <a:r>
-                        <a:rPr lang="it-IT">
-                          <a:latin typeface="+mn-lt"/>
-                        </a:rPr>
-                        <a:t>Percentuale (%)</a:t>
-                      </a:r>
-                    </a:p>
-                  </a:txBody>
-                  <a:tcPr anchor="ctr"/>
-                </a:tc>
-                <a:tc>
-                  <a:txBody>
-                    <a:bodyPr/>
-                    <a:lstStyle>
-                      <a:lvl1pPr marL="0" algn="l" defTabSz="914400" rtl="0" eaLnBrk="1" latinLnBrk="0" hangingPunct="1">
-                        <a:defRPr lang="it-IT" sz="1800" kern="1200">
-                          <a:solidFill>
-                            <a:schemeClr val="dk1"/>
-                          </a:solidFill>
-                          <a:latin typeface="Tenorite "/>
-                        </a:defRPr>
-                      </a:lvl1pPr>
-                      <a:lvl2pPr marL="457200" algn="l" defTabSz="914400" rtl="0" eaLnBrk="1" latinLnBrk="0" hangingPunct="1">
-                        <a:defRPr lang="it-IT" sz="1800" kern="1200">
-                          <a:solidFill>
-                            <a:schemeClr val="dk1"/>
-                          </a:solidFill>
-                          <a:latin typeface="Tenorite "/>
-                        </a:defRPr>
-                      </a:lvl2pPr>
-                      <a:lvl3pPr marL="914400" algn="l" defTabSz="914400" rtl="0" eaLnBrk="1" latinLnBrk="0" hangingPunct="1">
-                        <a:defRPr lang="it-IT" sz="1800" kern="1200">
-                          <a:solidFill>
-                            <a:schemeClr val="dk1"/>
-                          </a:solidFill>
-                          <a:latin typeface="Tenorite "/>
-                        </a:defRPr>
-                      </a:lvl3pPr>
-                      <a:lvl4pPr marL="1371600" algn="l" defTabSz="914400" rtl="0" eaLnBrk="1" latinLnBrk="0" hangingPunct="1">
-                        <a:defRPr lang="it-IT" sz="1800" kern="1200">
-                          <a:solidFill>
-                            <a:schemeClr val="dk1"/>
-                          </a:solidFill>
-                          <a:latin typeface="Tenorite "/>
-                        </a:defRPr>
-                      </a:lvl4pPr>
-                      <a:lvl5pPr marL="1828800" algn="l" defTabSz="914400" rtl="0" eaLnBrk="1" latinLnBrk="0" hangingPunct="1">
-                        <a:defRPr lang="it-IT" sz="1800" kern="1200">
-                          <a:solidFill>
-                            <a:schemeClr val="dk1"/>
-                          </a:solidFill>
-                          <a:latin typeface="Tenorite "/>
-                        </a:defRPr>
-                      </a:lvl5pPr>
-                      <a:lvl6pPr marL="2286000" algn="l" defTabSz="914400" rtl="0" eaLnBrk="1" latinLnBrk="0" hangingPunct="1">
-                        <a:defRPr lang="it-IT" sz="1800" kern="1200">
-                          <a:solidFill>
-                            <a:schemeClr val="dk1"/>
-                          </a:solidFill>
-                          <a:latin typeface="Tenorite "/>
-                        </a:defRPr>
-                      </a:lvl6pPr>
-                      <a:lvl7pPr marL="2743200" algn="l" defTabSz="914400" rtl="0" eaLnBrk="1" latinLnBrk="0" hangingPunct="1">
-                        <a:defRPr lang="it-IT" sz="1800" kern="1200">
-                          <a:solidFill>
-                            <a:schemeClr val="dk1"/>
-                          </a:solidFill>
-                          <a:latin typeface="Tenorite "/>
-                        </a:defRPr>
-                      </a:lvl7pPr>
-                      <a:lvl8pPr marL="3200400" algn="l" defTabSz="914400" rtl="0" eaLnBrk="1" latinLnBrk="0" hangingPunct="1">
-                        <a:defRPr lang="it-IT" sz="1800" kern="1200">
-                          <a:solidFill>
-                            <a:schemeClr val="dk1"/>
-                          </a:solidFill>
-                          <a:latin typeface="Tenorite "/>
-                        </a:defRPr>
-                      </a:lvl8pPr>
-                      <a:lvl9pPr marL="3657600" algn="l" defTabSz="914400" rtl="0" eaLnBrk="1" latinLnBrk="0" hangingPunct="1">
-                        <a:defRPr lang="it-IT" sz="1800" kern="1200">
-                          <a:solidFill>
-                            <a:schemeClr val="dk1"/>
-                          </a:solidFill>
-                          <a:latin typeface="Tenorite "/>
-                        </a:defRPr>
-                      </a:lvl9pPr>
-                    </a:lstStyle>
-                    <a:p>
-                      <a:pPr algn="ctr" rtl="0"/>
-                      <a:r>
-                        <a:rPr lang="it-IT">
-                          <a:latin typeface="+mn-lt"/>
-                        </a:rPr>
-                        <a:t>80</a:t>
-                      </a:r>
-                    </a:p>
-                  </a:txBody>
-                  <a:tcPr anchor="ctr"/>
-                </a:tc>
-                <a:tc>
-                  <a:txBody>
-                    <a:bodyPr/>
-                    <a:lstStyle>
-                      <a:lvl1pPr marL="0" algn="l" defTabSz="914400" rtl="0" eaLnBrk="1" latinLnBrk="0" hangingPunct="1">
-                        <a:defRPr lang="it-IT" sz="1800" kern="1200">
-                          <a:solidFill>
-                            <a:schemeClr val="dk1"/>
-                          </a:solidFill>
-                          <a:latin typeface="Tenorite "/>
-                        </a:defRPr>
-                      </a:lvl1pPr>
-                      <a:lvl2pPr marL="457200" algn="l" defTabSz="914400" rtl="0" eaLnBrk="1" latinLnBrk="0" hangingPunct="1">
-                        <a:defRPr lang="it-IT" sz="1800" kern="1200">
-                          <a:solidFill>
-                            <a:schemeClr val="dk1"/>
-                          </a:solidFill>
-                          <a:latin typeface="Tenorite "/>
-                        </a:defRPr>
-                      </a:lvl2pPr>
-                      <a:lvl3pPr marL="914400" algn="l" defTabSz="914400" rtl="0" eaLnBrk="1" latinLnBrk="0" hangingPunct="1">
-                        <a:defRPr lang="it-IT" sz="1800" kern="1200">
-                          <a:solidFill>
-                            <a:schemeClr val="dk1"/>
-                          </a:solidFill>
-                          <a:latin typeface="Tenorite "/>
-                        </a:defRPr>
-                      </a:lvl3pPr>
-                      <a:lvl4pPr marL="1371600" algn="l" defTabSz="914400" rtl="0" eaLnBrk="1" latinLnBrk="0" hangingPunct="1">
-                        <a:defRPr lang="it-IT" sz="1800" kern="1200">
-                          <a:solidFill>
-                            <a:schemeClr val="dk1"/>
-                          </a:solidFill>
-                          <a:latin typeface="Tenorite "/>
-                        </a:defRPr>
-                      </a:lvl4pPr>
-                      <a:lvl5pPr marL="1828800" algn="l" defTabSz="914400" rtl="0" eaLnBrk="1" latinLnBrk="0" hangingPunct="1">
-                        <a:defRPr lang="it-IT" sz="1800" kern="1200">
-                          <a:solidFill>
-                            <a:schemeClr val="dk1"/>
-                          </a:solidFill>
-                          <a:latin typeface="Tenorite "/>
-                        </a:defRPr>
-                      </a:lvl5pPr>
-                      <a:lvl6pPr marL="2286000" algn="l" defTabSz="914400" rtl="0" eaLnBrk="1" latinLnBrk="0" hangingPunct="1">
-                        <a:defRPr lang="it-IT" sz="1800" kern="1200">
-                          <a:solidFill>
-                            <a:schemeClr val="dk1"/>
-                          </a:solidFill>
-                          <a:latin typeface="Tenorite "/>
-                        </a:defRPr>
-                      </a:lvl6pPr>
-                      <a:lvl7pPr marL="2743200" algn="l" defTabSz="914400" rtl="0" eaLnBrk="1" latinLnBrk="0" hangingPunct="1">
-                        <a:defRPr lang="it-IT" sz="1800" kern="1200">
-                          <a:solidFill>
-                            <a:schemeClr val="dk1"/>
-                          </a:solidFill>
-                          <a:latin typeface="Tenorite "/>
-                        </a:defRPr>
-                      </a:lvl7pPr>
-                      <a:lvl8pPr marL="3200400" algn="l" defTabSz="914400" rtl="0" eaLnBrk="1" latinLnBrk="0" hangingPunct="1">
-                        <a:defRPr lang="it-IT" sz="1800" kern="1200">
-                          <a:solidFill>
-                            <a:schemeClr val="dk1"/>
-                          </a:solidFill>
-                          <a:latin typeface="Tenorite "/>
-                        </a:defRPr>
-                      </a:lvl8pPr>
-                      <a:lvl9pPr marL="3657600" algn="l" defTabSz="914400" rtl="0" eaLnBrk="1" latinLnBrk="0" hangingPunct="1">
-                        <a:defRPr lang="it-IT" sz="1800" kern="1200">
-                          <a:solidFill>
-                            <a:schemeClr val="dk1"/>
-                          </a:solidFill>
-                          <a:latin typeface="Tenorite "/>
-                        </a:defRPr>
-                      </a:lvl9pPr>
-                    </a:lstStyle>
-                    <a:p>
-                      <a:pPr algn="ctr" rtl="0"/>
-                      <a:r>
-                        <a:rPr lang="it-IT" dirty="0">
-                          <a:latin typeface="+mn-lt"/>
-                        </a:rPr>
-                        <a:t>85</a:t>
-                      </a:r>
-                    </a:p>
-                  </a:txBody>
-                  <a:tcPr anchor="ctr"/>
-                </a:tc>
-                <a:extLst>
-                  <a:ext uri="{0D108BD9-81ED-4DB2-BD59-A6C34878D82A}">
-                    <a16:rowId xmlns:a16="http://schemas.microsoft.com/office/drawing/2014/main" val="335389741"/>
-                  </a:ext>
-                </a:extLst>
-              </a:tr>
-            </a:tbl>
-          </a:graphicData>
-        </a:graphic>
-      </p:graphicFrame>
+      <p:pic>
+        <p:nvPicPr>
+          <p:cNvPr id="19" name="Immagine 18">
+            <a:extLst>
+              <a:ext uri="{FF2B5EF4-FFF2-40B4-BE49-F238E27FC236}">
+                <a16:creationId xmlns:a16="http://schemas.microsoft.com/office/drawing/2014/main" id="{35255EA7-AFA4-C909-A19E-24DFFBE3A77E}"/>
+              </a:ext>
+            </a:extLst>
+          </p:cNvPr>
+          <p:cNvPicPr>
+            <a:picLocks noChangeAspect="1"/>
+          </p:cNvPicPr>
+          <p:nvPr/>
+        </p:nvPicPr>
+        <p:blipFill>
+          <a:blip r:embed="rId3"/>
+          <a:stretch>
+            <a:fillRect/>
+          </a:stretch>
+        </p:blipFill>
+        <p:spPr>
+          <a:xfrm>
+            <a:off x="190122" y="97766"/>
+            <a:ext cx="5573588" cy="6662468"/>
+          </a:xfrm>
+          <a:prstGeom prst="rect">
+            <a:avLst/>
+          </a:prstGeom>
+        </p:spPr>
+      </p:pic>
     </p:spTree>
     <p:extLst>
       <p:ext uri="{BB962C8B-B14F-4D97-AF65-F5344CB8AC3E}">
-        <p14:creationId xmlns:p14="http://schemas.microsoft.com/office/powerpoint/2010/main" val="2170071140"/>
+        <p14:creationId xmlns:p14="http://schemas.microsoft.com/office/powerpoint/2010/main" val="910315636"/>
       </p:ext>
     </p:extLst>
   </p:cSld>

--- a/Presentazione Nebula16.pptx
+++ b/Presentazione Nebula16.pptx
@@ -22040,7 +22040,7 @@
                   <a:schemeClr val="bg1"/>
                 </a:solidFill>
               </a:rPr>
-              <a:t>Digitiamo /home/flag07/</a:t>
+              <a:t>Digitiamo /home/flag16/</a:t>
             </a:r>
             <a:r>
               <a:rPr lang="it-IT" dirty="0" err="1">
@@ -24506,7 +24506,7 @@
                   <a:schemeClr val="bg1"/>
                 </a:solidFill>
               </a:rPr>
-              <a:t>Tentiamo nuovamente l’attacco digitando il comando /home/flag07/</a:t>
+              <a:t>Tentiamo nuovamente l’attacco digitando il comando /home/flag16/</a:t>
             </a:r>
             <a:r>
               <a:rPr lang="it-IT" dirty="0" err="1">
@@ -26426,23 +26426,17 @@
                   <a:schemeClr val="bg1"/>
                 </a:solidFill>
               </a:rPr>
-              <a:t>È possibile effettuare un'iniezione remota utilizzando lo stesso input dell'iniezione </a:t>
-            </a:r>
-            <a:r>
-              <a:rPr lang="it-IT" dirty="0" err="1">
-                <a:solidFill>
-                  <a:schemeClr val="bg1"/>
-                </a:solidFill>
-              </a:rPr>
-              <a:t>locale?Per</a:t>
-            </a:r>
+              <a:t>È possibile effettuare un'iniezione remota utilizzando lo stesso input dell'iniezione locale?</a:t>
+            </a:r>
+          </a:p>
+          <a:p>
             <a:r>
               <a:rPr lang="it-IT" dirty="0">
                 <a:solidFill>
                   <a:schemeClr val="bg1"/>
                 </a:solidFill>
               </a:rPr>
-              <a:t> farlo, è necessario individuare un server web che esegua lo script </a:t>
+              <a:t>Per farlo, è necessario individuare un server web che esegua lo script </a:t>
             </a:r>
             <a:r>
               <a:rPr lang="it-IT" dirty="0" err="1">
@@ -32823,7 +32817,7 @@
                   <a:schemeClr val="bg1"/>
                 </a:solidFill>
               </a:rPr>
-              <a:t>Anche se il login è fallito, il payload è stato eseguito in background</a:t>
+              <a:t>Anche se il login è fallito, il payload è stato eseguito in background.</a:t>
             </a:r>
           </a:p>
           <a:p>
@@ -33470,13 +33464,14 @@
           </p:cNvPr>
           <p:cNvCxnSpPr>
             <a:cxnSpLocks/>
+            <a:endCxn id="3" idx="1"/>
           </p:cNvCxnSpPr>
           <p:nvPr/>
         </p:nvCxnSpPr>
         <p:spPr>
           <a:xfrm flipV="1">
-            <a:off x="5601419" y="3681925"/>
-            <a:ext cx="5478965" cy="1578181"/>
+            <a:off x="5601419" y="4400056"/>
+            <a:ext cx="1541863" cy="860050"/>
           </a:xfrm>
           <a:prstGeom prst="straightConnector1">
             <a:avLst/>
@@ -33521,6 +33516,80 @@
           <a:xfrm flipV="1">
             <a:off x="5601418" y="5781417"/>
             <a:ext cx="2915729" cy="449634"/>
+          </a:xfrm>
+          <a:prstGeom prst="straightConnector1">
+            <a:avLst/>
+          </a:prstGeom>
+          <a:ln>
+            <a:solidFill>
+              <a:schemeClr val="bg1"/>
+            </a:solidFill>
+            <a:tailEnd type="triangle"/>
+          </a:ln>
+        </p:spPr>
+        <p:style>
+          <a:lnRef idx="1">
+            <a:schemeClr val="accent1"/>
+          </a:lnRef>
+          <a:fillRef idx="0">
+            <a:schemeClr val="accent1"/>
+          </a:fillRef>
+          <a:effectRef idx="0">
+            <a:schemeClr val="accent1"/>
+          </a:effectRef>
+          <a:fontRef idx="minor">
+            <a:schemeClr val="tx1"/>
+          </a:fontRef>
+        </p:style>
+      </p:cxnSp>
+      <p:pic>
+        <p:nvPicPr>
+          <p:cNvPr id="3" name="Immagine 2">
+            <a:extLst>
+              <a:ext uri="{FF2B5EF4-FFF2-40B4-BE49-F238E27FC236}">
+                <a16:creationId xmlns:a16="http://schemas.microsoft.com/office/drawing/2014/main" id="{8554A064-49F6-BF22-A14A-057C79FD8B73}"/>
+              </a:ext>
+            </a:extLst>
+          </p:cNvPr>
+          <p:cNvPicPr>
+            <a:picLocks noChangeAspect="1"/>
+          </p:cNvPicPr>
+          <p:nvPr/>
+        </p:nvPicPr>
+        <p:blipFill>
+          <a:blip r:embed="rId6"/>
+          <a:stretch>
+            <a:fillRect/>
+          </a:stretch>
+        </p:blipFill>
+        <p:spPr>
+          <a:xfrm>
+            <a:off x="7143282" y="4173138"/>
+            <a:ext cx="2395238" cy="453835"/>
+          </a:xfrm>
+          <a:prstGeom prst="rect">
+            <a:avLst/>
+          </a:prstGeom>
+        </p:spPr>
+      </p:pic>
+      <p:cxnSp>
+        <p:nvCxnSpPr>
+          <p:cNvPr id="5" name="Connettore 2 4">
+            <a:extLst>
+              <a:ext uri="{FF2B5EF4-FFF2-40B4-BE49-F238E27FC236}">
+                <a16:creationId xmlns:a16="http://schemas.microsoft.com/office/drawing/2014/main" id="{203E4295-60D0-A21A-A73B-F7C975424A74}"/>
+              </a:ext>
+            </a:extLst>
+          </p:cNvPr>
+          <p:cNvCxnSpPr>
+            <a:cxnSpLocks/>
+          </p:cNvCxnSpPr>
+          <p:nvPr/>
+        </p:nvCxnSpPr>
+        <p:spPr>
+          <a:xfrm flipV="1">
+            <a:off x="5620583" y="3751251"/>
+            <a:ext cx="1699525" cy="1495358"/>
           </a:xfrm>
           <a:prstGeom prst="straightConnector1">
             <a:avLst/>
@@ -39209,7 +39278,7 @@
                 <a:effectLst/>
                 <a:latin typeface="Arial" panose="020B0604020202020204" pitchFamily="34" charset="0"/>
               </a:rPr>
-              <a:t>flag02</a:t>
+              <a:t>flag16</a:t>
             </a:r>
           </a:p>
           <a:p>
@@ -39251,7 +39320,7 @@
                 <a:effectLst/>
                 <a:latin typeface="Arial" panose="020B0604020202020204" pitchFamily="34" charset="0"/>
               </a:rPr>
-              <a:t>flag02</a:t>
+              <a:t>flag16</a:t>
             </a:r>
             <a:r>
               <a:rPr kumimoji="0" lang="it-IT" altLang="it-IT" sz="1800" b="1" i="0" u="none" strike="noStrike" cap="none" normalizeH="0" baseline="0" dirty="0">
@@ -39603,7 +39672,7 @@
                 <a:effectLst/>
                 <a:latin typeface="Arial" panose="020B0604020202020204" pitchFamily="34" charset="0"/>
               </a:rPr>
-              <a:t>flag02</a:t>
+              <a:t>flag16</a:t>
             </a:r>
           </a:p>
           <a:p>
@@ -39645,7 +39714,7 @@
                 <a:effectLst/>
                 <a:latin typeface="Arial" panose="020B0604020202020204" pitchFamily="34" charset="0"/>
               </a:rPr>
-              <a:t>flag02</a:t>
+              <a:t>flag16</a:t>
             </a:r>
             <a:r>
               <a:rPr kumimoji="0" lang="it-IT" altLang="it-IT" sz="1800" b="1" i="0" u="none" strike="noStrike" cap="none" normalizeH="0" baseline="0" dirty="0">
@@ -42010,7 +42079,7 @@
                 </a:solidFill>
                 <a:latin typeface="Arial"/>
               </a:rPr>
-              <a:t>/home/level07</a:t>
+              <a:t>/home/level16</a:t>
             </a:r>
           </a:p>
           <a:p>
@@ -42032,7 +42101,7 @@
                 </a:solidFill>
                 <a:latin typeface="Arial"/>
               </a:rPr>
-              <a:t>/home/flag07</a:t>
+              <a:t>/home/flag16</a:t>
             </a:r>
           </a:p>
         </p:txBody>
@@ -42736,7 +42805,7 @@
           </a:lstStyle>
           <a:p>
             <a:r>
-              <a:rPr lang="it-IT" sz="1800" b="0" strike="noStrike" spc="-1">
+              <a:rPr lang="it-IT" sz="1800" b="0" strike="noStrike" spc="-1" dirty="0">
                 <a:solidFill>
                   <a:srgbClr val="FFFFFF"/>
                 </a:solidFill>
@@ -42747,7 +42816,7 @@
           </a:p>
           <a:p>
             <a:r>
-              <a:rPr lang="it-IT" sz="1800" b="0" strike="noStrike" spc="-1">
+              <a:rPr lang="it-IT" sz="1800" b="0" strike="noStrike" spc="-1" dirty="0">
                 <a:solidFill>
                   <a:srgbClr val="FFFFFF"/>
                 </a:solidFill>
@@ -42766,7 +42835,7 @@
               <a:buChar char=""/>
             </a:pPr>
             <a:r>
-              <a:rPr lang="it-IT" sz="1800" b="0" strike="noStrike" spc="-1">
+              <a:rPr lang="it-IT" sz="1800" b="0" strike="noStrike" spc="-1" dirty="0" err="1">
                 <a:solidFill>
                   <a:srgbClr val="FFFFFF"/>
                 </a:solidFill>
@@ -42774,6 +42843,12 @@
               </a:rPr>
               <a:t>index.cgi</a:t>
             </a:r>
+            <a:endParaRPr lang="it-IT" sz="1800" b="0" strike="noStrike" spc="-1" dirty="0">
+              <a:solidFill>
+                <a:srgbClr val="FFFFFF"/>
+              </a:solidFill>
+              <a:latin typeface="Arial"/>
+            </a:endParaRPr>
           </a:p>
           <a:p>
             <a:pPr marL="216000" indent="-216000">
@@ -42785,7 +42860,7 @@
               <a:buChar char=""/>
             </a:pPr>
             <a:r>
-              <a:rPr lang="it-IT" sz="1800" b="0" strike="noStrike" spc="-1">
+              <a:rPr lang="it-IT" sz="1800" b="0" strike="noStrike" spc="-1" dirty="0" err="1">
                 <a:solidFill>
                   <a:srgbClr val="FFFFFF"/>
                 </a:solidFill>
@@ -42793,6 +42868,12 @@
               </a:rPr>
               <a:t>thttpd.conf</a:t>
             </a:r>
+            <a:endParaRPr lang="it-IT" sz="1800" b="0" strike="noStrike" spc="-1" dirty="0">
+              <a:solidFill>
+                <a:srgbClr val="FFFFFF"/>
+              </a:solidFill>
+              <a:latin typeface="Arial"/>
+            </a:endParaRPr>
           </a:p>
         </p:txBody>
       </p:sp>

--- a/Presentazione Nebula16.pptx
+++ b/Presentazione Nebula16.pptx
@@ -6,7 +6,7 @@
     <p:sldMasterId id="2147483660" r:id="rId2"/>
   </p:sldMasterIdLst>
   <p:notesMasterIdLst>
-    <p:notesMasterId r:id="rId33"/>
+    <p:notesMasterId r:id="rId46"/>
   </p:notesMasterIdLst>
   <p:sldIdLst>
     <p:sldId id="342" r:id="rId3"/>
@@ -38,7 +38,20 @@
     <p:sldId id="402" r:id="rId29"/>
     <p:sldId id="403" r:id="rId30"/>
     <p:sldId id="372" r:id="rId31"/>
-    <p:sldId id="401" r:id="rId32"/>
+    <p:sldId id="404" r:id="rId32"/>
+    <p:sldId id="405" r:id="rId33"/>
+    <p:sldId id="407" r:id="rId34"/>
+    <p:sldId id="406" r:id="rId35"/>
+    <p:sldId id="408" r:id="rId36"/>
+    <p:sldId id="410" r:id="rId37"/>
+    <p:sldId id="409" r:id="rId38"/>
+    <p:sldId id="411" r:id="rId39"/>
+    <p:sldId id="412" r:id="rId40"/>
+    <p:sldId id="413" r:id="rId41"/>
+    <p:sldId id="414" r:id="rId42"/>
+    <p:sldId id="415" r:id="rId43"/>
+    <p:sldId id="416" r:id="rId44"/>
+    <p:sldId id="401" r:id="rId45"/>
   </p:sldIdLst>
   <p:sldSz cx="12192000" cy="6858000"/>
   <p:notesSz cx="6858000" cy="9144000"/>
@@ -3101,7 +3114,7 @@
           <a:p>
             <a:fld id="{239B8597-0BE9-4EC1-A089-7778E907C0F0}" type="datetimeFigureOut">
               <a:rPr lang="it-IT" smtClean="0"/>
-              <a:t>16/04/2025</a:t>
+              <a:t>28/04/2025</a:t>
             </a:fld>
             <a:endParaRPr lang="it-IT"/>
           </a:p>
@@ -7303,7 +7316,7 @@
         <p:cNvPr id="1" name="">
           <a:extLst>
             <a:ext uri="{FF2B5EF4-FFF2-40B4-BE49-F238E27FC236}">
-              <a16:creationId xmlns:a16="http://schemas.microsoft.com/office/drawing/2014/main" id="{6EEC2F62-BCB2-13CB-C3F0-23D5B4C1972B}"/>
+              <a16:creationId xmlns:a16="http://schemas.microsoft.com/office/drawing/2014/main" id="{5615FFB8-EDF4-B03B-3F86-8E49CF27D85E}"/>
             </a:ext>
           </a:extLst>
         </p:cNvPr>
@@ -7323,7 +7336,7 @@
           <p:cNvPr id="2" name="Segnaposto immagine diapositiva 1">
             <a:extLst>
               <a:ext uri="{FF2B5EF4-FFF2-40B4-BE49-F238E27FC236}">
-                <a16:creationId xmlns:a16="http://schemas.microsoft.com/office/drawing/2014/main" id="{9CC445CF-FAAD-D3DA-DC98-3B7AA5BEE9C8}"/>
+                <a16:creationId xmlns:a16="http://schemas.microsoft.com/office/drawing/2014/main" id="{4EA80B10-2DF1-8764-1E53-E890E5E63B46}"/>
               </a:ext>
             </a:extLst>
           </p:cNvPr>
@@ -7341,7 +7354,7 @@
           <p:cNvPr id="3" name="Segnaposto note 2">
             <a:extLst>
               <a:ext uri="{FF2B5EF4-FFF2-40B4-BE49-F238E27FC236}">
-                <a16:creationId xmlns:a16="http://schemas.microsoft.com/office/drawing/2014/main" id="{7122A70E-6DA8-BD2F-6184-2FC0C27EFF40}"/>
+                <a16:creationId xmlns:a16="http://schemas.microsoft.com/office/drawing/2014/main" id="{E218104A-AEC9-7719-18B6-7E55F57C58A3}"/>
               </a:ext>
             </a:extLst>
           </p:cNvPr>
@@ -7371,7 +7384,7 @@
           <p:cNvPr id="4" name="Segnaposto numero diapositiva 3">
             <a:extLst>
               <a:ext uri="{FF2B5EF4-FFF2-40B4-BE49-F238E27FC236}">
-                <a16:creationId xmlns:a16="http://schemas.microsoft.com/office/drawing/2014/main" id="{5683C167-FF15-4758-FD7A-0977098F9037}"/>
+                <a16:creationId xmlns:a16="http://schemas.microsoft.com/office/drawing/2014/main" id="{7CCB0D95-DBFE-D698-0182-A7E6B686F11D}"/>
               </a:ext>
             </a:extLst>
           </p:cNvPr>
@@ -7462,7 +7475,1600 @@
     </p:spTree>
     <p:extLst>
       <p:ext uri="{BB962C8B-B14F-4D97-AF65-F5344CB8AC3E}">
-        <p14:creationId xmlns:p14="http://schemas.microsoft.com/office/powerpoint/2010/main" val="78316168"/>
+        <p14:creationId xmlns:p14="http://schemas.microsoft.com/office/powerpoint/2010/main" val="3480167676"/>
+      </p:ext>
+    </p:extLst>
+  </p:cSld>
+  <p:clrMapOvr>
+    <a:masterClrMapping/>
+  </p:clrMapOvr>
+</p:notes>
+</file>
+
+<file path=ppt/notesSlides/notesSlide31.xml><?xml version="1.0" encoding="utf-8"?>
+<p:notes xmlns:a="http://schemas.openxmlformats.org/drawingml/2006/main" xmlns:r="http://schemas.openxmlformats.org/officeDocument/2006/relationships" xmlns:p="http://schemas.openxmlformats.org/presentationml/2006/main">
+  <p:cSld>
+    <p:spTree>
+      <p:nvGrpSpPr>
+        <p:cNvPr id="1" name="">
+          <a:extLst>
+            <a:ext uri="{FF2B5EF4-FFF2-40B4-BE49-F238E27FC236}">
+              <a16:creationId xmlns:a16="http://schemas.microsoft.com/office/drawing/2014/main" id="{72EC1157-C738-1B1B-C53D-768CC35C573F}"/>
+            </a:ext>
+          </a:extLst>
+        </p:cNvPr>
+        <p:cNvGrpSpPr/>
+        <p:nvPr/>
+      </p:nvGrpSpPr>
+      <p:grpSpPr>
+        <a:xfrm>
+          <a:off x="0" y="0"/>
+          <a:ext cx="0" cy="0"/>
+          <a:chOff x="0" y="0"/>
+          <a:chExt cx="0" cy="0"/>
+        </a:xfrm>
+      </p:grpSpPr>
+      <p:sp>
+        <p:nvSpPr>
+          <p:cNvPr id="2" name="Segnaposto immagine diapositiva 1">
+            <a:extLst>
+              <a:ext uri="{FF2B5EF4-FFF2-40B4-BE49-F238E27FC236}">
+                <a16:creationId xmlns:a16="http://schemas.microsoft.com/office/drawing/2014/main" id="{3DC6024C-8285-872B-E745-A180BA49F540}"/>
+              </a:ext>
+            </a:extLst>
+          </p:cNvPr>
+          <p:cNvSpPr>
+            <a:spLocks noGrp="1" noRot="1" noChangeAspect="1"/>
+          </p:cNvSpPr>
+          <p:nvPr>
+            <p:ph type="sldImg"/>
+          </p:nvPr>
+        </p:nvSpPr>
+        <p:spPr/>
+      </p:sp>
+      <p:sp>
+        <p:nvSpPr>
+          <p:cNvPr id="3" name="Segnaposto note 2">
+            <a:extLst>
+              <a:ext uri="{FF2B5EF4-FFF2-40B4-BE49-F238E27FC236}">
+                <a16:creationId xmlns:a16="http://schemas.microsoft.com/office/drawing/2014/main" id="{834E2140-EB98-951F-5241-63DB1D51F255}"/>
+              </a:ext>
+            </a:extLst>
+          </p:cNvPr>
+          <p:cNvSpPr>
+            <a:spLocks noGrp="1"/>
+          </p:cNvSpPr>
+          <p:nvPr>
+            <p:ph type="body" idx="1"/>
+          </p:nvPr>
+        </p:nvSpPr>
+        <p:spPr/>
+        <p:txBody>
+          <a:bodyPr rtlCol="0"/>
+          <a:lstStyle>
+            <a:defPPr>
+              <a:defRPr lang="it-IT"/>
+            </a:defPPr>
+          </a:lstStyle>
+          <a:p>
+            <a:pPr rtl="0"/>
+            <a:endParaRPr lang="it-IT" dirty="0"/>
+          </a:p>
+        </p:txBody>
+      </p:sp>
+      <p:sp>
+        <p:nvSpPr>
+          <p:cNvPr id="4" name="Segnaposto numero diapositiva 3">
+            <a:extLst>
+              <a:ext uri="{FF2B5EF4-FFF2-40B4-BE49-F238E27FC236}">
+                <a16:creationId xmlns:a16="http://schemas.microsoft.com/office/drawing/2014/main" id="{DA3D1DF5-B82E-1663-E3C5-35F2D01EB639}"/>
+              </a:ext>
+            </a:extLst>
+          </p:cNvPr>
+          <p:cNvSpPr>
+            <a:spLocks noGrp="1"/>
+          </p:cNvSpPr>
+          <p:nvPr>
+            <p:ph type="sldNum" sz="quarter" idx="5"/>
+          </p:nvPr>
+        </p:nvSpPr>
+        <p:spPr/>
+        <p:txBody>
+          <a:bodyPr rtlCol="0"/>
+          <a:lstStyle>
+            <a:defPPr>
+              <a:defRPr lang="it-IT"/>
+            </a:defPPr>
+          </a:lstStyle>
+          <a:p>
+            <a:pPr marL="0" marR="0" lvl="0" indent="0" algn="r" defTabSz="914400" rtl="0" eaLnBrk="1" fontAlgn="auto" latinLnBrk="0" hangingPunct="1">
+              <a:lnSpc>
+                <a:spcPct val="100000"/>
+              </a:lnSpc>
+              <a:spcBef>
+                <a:spcPts val="0"/>
+              </a:spcBef>
+              <a:spcAft>
+                <a:spcPts val="0"/>
+              </a:spcAft>
+              <a:buClrTx/>
+              <a:buSzTx/>
+              <a:buFontTx/>
+              <a:buNone/>
+              <a:tabLst/>
+              <a:defRPr/>
+            </a:pPr>
+            <a:fld id="{DEF75CB5-5666-5049-9AE0-38EFD385C21E}" type="slidenum">
+              <a:rPr kumimoji="0" lang="it-IT" sz="1200" b="0" i="0" u="none" strike="noStrike" kern="1200" cap="none" spc="0" normalizeH="0" baseline="0" noProof="0" smtClean="0">
+                <a:ln>
+                  <a:noFill/>
+                </a:ln>
+                <a:solidFill>
+                  <a:prstClr val="black"/>
+                </a:solidFill>
+                <a:effectLst/>
+                <a:uLnTx/>
+                <a:uFillTx/>
+                <a:latin typeface="Calibri" panose="020F0502020204030204"/>
+                <a:ea typeface="+mn-ea"/>
+                <a:cs typeface="+mn-cs"/>
+              </a:rPr>
+              <a:pPr marL="0" marR="0" lvl="0" indent="0" algn="r" defTabSz="914400" rtl="0" eaLnBrk="1" fontAlgn="auto" latinLnBrk="0" hangingPunct="1">
+                <a:lnSpc>
+                  <a:spcPct val="100000"/>
+                </a:lnSpc>
+                <a:spcBef>
+                  <a:spcPts val="0"/>
+                </a:spcBef>
+                <a:spcAft>
+                  <a:spcPts val="0"/>
+                </a:spcAft>
+                <a:buClrTx/>
+                <a:buSzTx/>
+                <a:buFontTx/>
+                <a:buNone/>
+                <a:tabLst/>
+                <a:defRPr/>
+              </a:pPr>
+              <a:t>31</a:t>
+            </a:fld>
+            <a:endParaRPr kumimoji="0" lang="it-IT" sz="1200" b="0" i="0" u="none" strike="noStrike" kern="1200" cap="none" spc="0" normalizeH="0" baseline="0" noProof="0" dirty="0">
+              <a:ln>
+                <a:noFill/>
+              </a:ln>
+              <a:solidFill>
+                <a:prstClr val="black"/>
+              </a:solidFill>
+              <a:effectLst/>
+              <a:uLnTx/>
+              <a:uFillTx/>
+              <a:latin typeface="Calibri" panose="020F0502020204030204"/>
+              <a:ea typeface="+mn-ea"/>
+              <a:cs typeface="+mn-cs"/>
+            </a:endParaRPr>
+          </a:p>
+        </p:txBody>
+      </p:sp>
+    </p:spTree>
+    <p:extLst>
+      <p:ext uri="{BB962C8B-B14F-4D97-AF65-F5344CB8AC3E}">
+        <p14:creationId xmlns:p14="http://schemas.microsoft.com/office/powerpoint/2010/main" val="3316966938"/>
+      </p:ext>
+    </p:extLst>
+  </p:cSld>
+  <p:clrMapOvr>
+    <a:masterClrMapping/>
+  </p:clrMapOvr>
+</p:notes>
+</file>
+
+<file path=ppt/notesSlides/notesSlide32.xml><?xml version="1.0" encoding="utf-8"?>
+<p:notes xmlns:a="http://schemas.openxmlformats.org/drawingml/2006/main" xmlns:r="http://schemas.openxmlformats.org/officeDocument/2006/relationships" xmlns:p="http://schemas.openxmlformats.org/presentationml/2006/main">
+  <p:cSld>
+    <p:spTree>
+      <p:nvGrpSpPr>
+        <p:cNvPr id="1" name="">
+          <a:extLst>
+            <a:ext uri="{FF2B5EF4-FFF2-40B4-BE49-F238E27FC236}">
+              <a16:creationId xmlns:a16="http://schemas.microsoft.com/office/drawing/2014/main" id="{BF906921-A7CE-401A-3931-268139760227}"/>
+            </a:ext>
+          </a:extLst>
+        </p:cNvPr>
+        <p:cNvGrpSpPr/>
+        <p:nvPr/>
+      </p:nvGrpSpPr>
+      <p:grpSpPr>
+        <a:xfrm>
+          <a:off x="0" y="0"/>
+          <a:ext cx="0" cy="0"/>
+          <a:chOff x="0" y="0"/>
+          <a:chExt cx="0" cy="0"/>
+        </a:xfrm>
+      </p:grpSpPr>
+      <p:sp>
+        <p:nvSpPr>
+          <p:cNvPr id="2" name="Segnaposto immagine diapositiva 1">
+            <a:extLst>
+              <a:ext uri="{FF2B5EF4-FFF2-40B4-BE49-F238E27FC236}">
+                <a16:creationId xmlns:a16="http://schemas.microsoft.com/office/drawing/2014/main" id="{950D18FF-50AF-4BD2-9102-B36E8183082E}"/>
+              </a:ext>
+            </a:extLst>
+          </p:cNvPr>
+          <p:cNvSpPr>
+            <a:spLocks noGrp="1" noRot="1" noChangeAspect="1"/>
+          </p:cNvSpPr>
+          <p:nvPr>
+            <p:ph type="sldImg"/>
+          </p:nvPr>
+        </p:nvSpPr>
+        <p:spPr/>
+      </p:sp>
+      <p:sp>
+        <p:nvSpPr>
+          <p:cNvPr id="3" name="Segnaposto note 2">
+            <a:extLst>
+              <a:ext uri="{FF2B5EF4-FFF2-40B4-BE49-F238E27FC236}">
+                <a16:creationId xmlns:a16="http://schemas.microsoft.com/office/drawing/2014/main" id="{4347309A-65A3-5896-931E-657D3ED432BA}"/>
+              </a:ext>
+            </a:extLst>
+          </p:cNvPr>
+          <p:cNvSpPr>
+            <a:spLocks noGrp="1"/>
+          </p:cNvSpPr>
+          <p:nvPr>
+            <p:ph type="body" idx="1"/>
+          </p:nvPr>
+        </p:nvSpPr>
+        <p:spPr/>
+        <p:txBody>
+          <a:bodyPr rtlCol="0"/>
+          <a:lstStyle>
+            <a:defPPr>
+              <a:defRPr lang="it-IT"/>
+            </a:defPPr>
+          </a:lstStyle>
+          <a:p>
+            <a:pPr rtl="0"/>
+            <a:endParaRPr lang="it-IT" dirty="0"/>
+          </a:p>
+        </p:txBody>
+      </p:sp>
+      <p:sp>
+        <p:nvSpPr>
+          <p:cNvPr id="4" name="Segnaposto numero diapositiva 3">
+            <a:extLst>
+              <a:ext uri="{FF2B5EF4-FFF2-40B4-BE49-F238E27FC236}">
+                <a16:creationId xmlns:a16="http://schemas.microsoft.com/office/drawing/2014/main" id="{47CC01E8-D15C-C773-280A-8016FBCDED81}"/>
+              </a:ext>
+            </a:extLst>
+          </p:cNvPr>
+          <p:cNvSpPr>
+            <a:spLocks noGrp="1"/>
+          </p:cNvSpPr>
+          <p:nvPr>
+            <p:ph type="sldNum" sz="quarter" idx="5"/>
+          </p:nvPr>
+        </p:nvSpPr>
+        <p:spPr/>
+        <p:txBody>
+          <a:bodyPr rtlCol="0"/>
+          <a:lstStyle>
+            <a:defPPr>
+              <a:defRPr lang="it-IT"/>
+            </a:defPPr>
+          </a:lstStyle>
+          <a:p>
+            <a:pPr marL="0" marR="0" lvl="0" indent="0" algn="r" defTabSz="914400" rtl="0" eaLnBrk="1" fontAlgn="auto" latinLnBrk="0" hangingPunct="1">
+              <a:lnSpc>
+                <a:spcPct val="100000"/>
+              </a:lnSpc>
+              <a:spcBef>
+                <a:spcPts val="0"/>
+              </a:spcBef>
+              <a:spcAft>
+                <a:spcPts val="0"/>
+              </a:spcAft>
+              <a:buClrTx/>
+              <a:buSzTx/>
+              <a:buFontTx/>
+              <a:buNone/>
+              <a:tabLst/>
+              <a:defRPr/>
+            </a:pPr>
+            <a:fld id="{DEF75CB5-5666-5049-9AE0-38EFD385C21E}" type="slidenum">
+              <a:rPr kumimoji="0" lang="it-IT" sz="1200" b="0" i="0" u="none" strike="noStrike" kern="1200" cap="none" spc="0" normalizeH="0" baseline="0" noProof="0" smtClean="0">
+                <a:ln>
+                  <a:noFill/>
+                </a:ln>
+                <a:solidFill>
+                  <a:prstClr val="black"/>
+                </a:solidFill>
+                <a:effectLst/>
+                <a:uLnTx/>
+                <a:uFillTx/>
+                <a:latin typeface="Calibri" panose="020F0502020204030204"/>
+                <a:ea typeface="+mn-ea"/>
+                <a:cs typeface="+mn-cs"/>
+              </a:rPr>
+              <a:pPr marL="0" marR="0" lvl="0" indent="0" algn="r" defTabSz="914400" rtl="0" eaLnBrk="1" fontAlgn="auto" latinLnBrk="0" hangingPunct="1">
+                <a:lnSpc>
+                  <a:spcPct val="100000"/>
+                </a:lnSpc>
+                <a:spcBef>
+                  <a:spcPts val="0"/>
+                </a:spcBef>
+                <a:spcAft>
+                  <a:spcPts val="0"/>
+                </a:spcAft>
+                <a:buClrTx/>
+                <a:buSzTx/>
+                <a:buFontTx/>
+                <a:buNone/>
+                <a:tabLst/>
+                <a:defRPr/>
+              </a:pPr>
+              <a:t>32</a:t>
+            </a:fld>
+            <a:endParaRPr kumimoji="0" lang="it-IT" sz="1200" b="0" i="0" u="none" strike="noStrike" kern="1200" cap="none" spc="0" normalizeH="0" baseline="0" noProof="0" dirty="0">
+              <a:ln>
+                <a:noFill/>
+              </a:ln>
+              <a:solidFill>
+                <a:prstClr val="black"/>
+              </a:solidFill>
+              <a:effectLst/>
+              <a:uLnTx/>
+              <a:uFillTx/>
+              <a:latin typeface="Calibri" panose="020F0502020204030204"/>
+              <a:ea typeface="+mn-ea"/>
+              <a:cs typeface="+mn-cs"/>
+            </a:endParaRPr>
+          </a:p>
+        </p:txBody>
+      </p:sp>
+    </p:spTree>
+    <p:extLst>
+      <p:ext uri="{BB962C8B-B14F-4D97-AF65-F5344CB8AC3E}">
+        <p14:creationId xmlns:p14="http://schemas.microsoft.com/office/powerpoint/2010/main" val="2067735015"/>
+      </p:ext>
+    </p:extLst>
+  </p:cSld>
+  <p:clrMapOvr>
+    <a:masterClrMapping/>
+  </p:clrMapOvr>
+</p:notes>
+</file>
+
+<file path=ppt/notesSlides/notesSlide33.xml><?xml version="1.0" encoding="utf-8"?>
+<p:notes xmlns:a="http://schemas.openxmlformats.org/drawingml/2006/main" xmlns:r="http://schemas.openxmlformats.org/officeDocument/2006/relationships" xmlns:p="http://schemas.openxmlformats.org/presentationml/2006/main">
+  <p:cSld>
+    <p:spTree>
+      <p:nvGrpSpPr>
+        <p:cNvPr id="1" name="">
+          <a:extLst>
+            <a:ext uri="{FF2B5EF4-FFF2-40B4-BE49-F238E27FC236}">
+              <a16:creationId xmlns:a16="http://schemas.microsoft.com/office/drawing/2014/main" id="{7417320D-3189-D21B-279E-FE7451511A1D}"/>
+            </a:ext>
+          </a:extLst>
+        </p:cNvPr>
+        <p:cNvGrpSpPr/>
+        <p:nvPr/>
+      </p:nvGrpSpPr>
+      <p:grpSpPr>
+        <a:xfrm>
+          <a:off x="0" y="0"/>
+          <a:ext cx="0" cy="0"/>
+          <a:chOff x="0" y="0"/>
+          <a:chExt cx="0" cy="0"/>
+        </a:xfrm>
+      </p:grpSpPr>
+      <p:sp>
+        <p:nvSpPr>
+          <p:cNvPr id="2" name="Segnaposto immagine diapositiva 1">
+            <a:extLst>
+              <a:ext uri="{FF2B5EF4-FFF2-40B4-BE49-F238E27FC236}">
+                <a16:creationId xmlns:a16="http://schemas.microsoft.com/office/drawing/2014/main" id="{026DFCC2-46EA-90BF-17E6-698A14003341}"/>
+              </a:ext>
+            </a:extLst>
+          </p:cNvPr>
+          <p:cNvSpPr>
+            <a:spLocks noGrp="1" noRot="1" noChangeAspect="1"/>
+          </p:cNvSpPr>
+          <p:nvPr>
+            <p:ph type="sldImg"/>
+          </p:nvPr>
+        </p:nvSpPr>
+        <p:spPr/>
+      </p:sp>
+      <p:sp>
+        <p:nvSpPr>
+          <p:cNvPr id="3" name="Segnaposto note 2">
+            <a:extLst>
+              <a:ext uri="{FF2B5EF4-FFF2-40B4-BE49-F238E27FC236}">
+                <a16:creationId xmlns:a16="http://schemas.microsoft.com/office/drawing/2014/main" id="{0900B9CA-40D0-939E-4ADB-C99AE3DB1658}"/>
+              </a:ext>
+            </a:extLst>
+          </p:cNvPr>
+          <p:cNvSpPr>
+            <a:spLocks noGrp="1"/>
+          </p:cNvSpPr>
+          <p:nvPr>
+            <p:ph type="body" idx="1"/>
+          </p:nvPr>
+        </p:nvSpPr>
+        <p:spPr/>
+        <p:txBody>
+          <a:bodyPr rtlCol="0"/>
+          <a:lstStyle>
+            <a:defPPr>
+              <a:defRPr lang="it-IT"/>
+            </a:defPPr>
+          </a:lstStyle>
+          <a:p>
+            <a:pPr rtl="0"/>
+            <a:endParaRPr lang="it-IT" dirty="0"/>
+          </a:p>
+        </p:txBody>
+      </p:sp>
+      <p:sp>
+        <p:nvSpPr>
+          <p:cNvPr id="4" name="Segnaposto numero diapositiva 3">
+            <a:extLst>
+              <a:ext uri="{FF2B5EF4-FFF2-40B4-BE49-F238E27FC236}">
+                <a16:creationId xmlns:a16="http://schemas.microsoft.com/office/drawing/2014/main" id="{B8E73D5C-703E-335C-BA8A-53BE570B682F}"/>
+              </a:ext>
+            </a:extLst>
+          </p:cNvPr>
+          <p:cNvSpPr>
+            <a:spLocks noGrp="1"/>
+          </p:cNvSpPr>
+          <p:nvPr>
+            <p:ph type="sldNum" sz="quarter" idx="5"/>
+          </p:nvPr>
+        </p:nvSpPr>
+        <p:spPr/>
+        <p:txBody>
+          <a:bodyPr rtlCol="0"/>
+          <a:lstStyle>
+            <a:defPPr>
+              <a:defRPr lang="it-IT"/>
+            </a:defPPr>
+          </a:lstStyle>
+          <a:p>
+            <a:pPr marL="0" marR="0" lvl="0" indent="0" algn="r" defTabSz="914400" rtl="0" eaLnBrk="1" fontAlgn="auto" latinLnBrk="0" hangingPunct="1">
+              <a:lnSpc>
+                <a:spcPct val="100000"/>
+              </a:lnSpc>
+              <a:spcBef>
+                <a:spcPts val="0"/>
+              </a:spcBef>
+              <a:spcAft>
+                <a:spcPts val="0"/>
+              </a:spcAft>
+              <a:buClrTx/>
+              <a:buSzTx/>
+              <a:buFontTx/>
+              <a:buNone/>
+              <a:tabLst/>
+              <a:defRPr/>
+            </a:pPr>
+            <a:fld id="{DEF75CB5-5666-5049-9AE0-38EFD385C21E}" type="slidenum">
+              <a:rPr kumimoji="0" lang="it-IT" sz="1200" b="0" i="0" u="none" strike="noStrike" kern="1200" cap="none" spc="0" normalizeH="0" baseline="0" noProof="0" smtClean="0">
+                <a:ln>
+                  <a:noFill/>
+                </a:ln>
+                <a:solidFill>
+                  <a:prstClr val="black"/>
+                </a:solidFill>
+                <a:effectLst/>
+                <a:uLnTx/>
+                <a:uFillTx/>
+                <a:latin typeface="Calibri" panose="020F0502020204030204"/>
+                <a:ea typeface="+mn-ea"/>
+                <a:cs typeface="+mn-cs"/>
+              </a:rPr>
+              <a:pPr marL="0" marR="0" lvl="0" indent="0" algn="r" defTabSz="914400" rtl="0" eaLnBrk="1" fontAlgn="auto" latinLnBrk="0" hangingPunct="1">
+                <a:lnSpc>
+                  <a:spcPct val="100000"/>
+                </a:lnSpc>
+                <a:spcBef>
+                  <a:spcPts val="0"/>
+                </a:spcBef>
+                <a:spcAft>
+                  <a:spcPts val="0"/>
+                </a:spcAft>
+                <a:buClrTx/>
+                <a:buSzTx/>
+                <a:buFontTx/>
+                <a:buNone/>
+                <a:tabLst/>
+                <a:defRPr/>
+              </a:pPr>
+              <a:t>33</a:t>
+            </a:fld>
+            <a:endParaRPr kumimoji="0" lang="it-IT" sz="1200" b="0" i="0" u="none" strike="noStrike" kern="1200" cap="none" spc="0" normalizeH="0" baseline="0" noProof="0" dirty="0">
+              <a:ln>
+                <a:noFill/>
+              </a:ln>
+              <a:solidFill>
+                <a:prstClr val="black"/>
+              </a:solidFill>
+              <a:effectLst/>
+              <a:uLnTx/>
+              <a:uFillTx/>
+              <a:latin typeface="Calibri" panose="020F0502020204030204"/>
+              <a:ea typeface="+mn-ea"/>
+              <a:cs typeface="+mn-cs"/>
+            </a:endParaRPr>
+          </a:p>
+        </p:txBody>
+      </p:sp>
+    </p:spTree>
+    <p:extLst>
+      <p:ext uri="{BB962C8B-B14F-4D97-AF65-F5344CB8AC3E}">
+        <p14:creationId xmlns:p14="http://schemas.microsoft.com/office/powerpoint/2010/main" val="386993760"/>
+      </p:ext>
+    </p:extLst>
+  </p:cSld>
+  <p:clrMapOvr>
+    <a:masterClrMapping/>
+  </p:clrMapOvr>
+</p:notes>
+</file>
+
+<file path=ppt/notesSlides/notesSlide34.xml><?xml version="1.0" encoding="utf-8"?>
+<p:notes xmlns:a="http://schemas.openxmlformats.org/drawingml/2006/main" xmlns:r="http://schemas.openxmlformats.org/officeDocument/2006/relationships" xmlns:p="http://schemas.openxmlformats.org/presentationml/2006/main">
+  <p:cSld>
+    <p:spTree>
+      <p:nvGrpSpPr>
+        <p:cNvPr id="1" name="">
+          <a:extLst>
+            <a:ext uri="{FF2B5EF4-FFF2-40B4-BE49-F238E27FC236}">
+              <a16:creationId xmlns:a16="http://schemas.microsoft.com/office/drawing/2014/main" id="{ACCE2EF3-1A9B-7043-CDE5-33ED511CDFE8}"/>
+            </a:ext>
+          </a:extLst>
+        </p:cNvPr>
+        <p:cNvGrpSpPr/>
+        <p:nvPr/>
+      </p:nvGrpSpPr>
+      <p:grpSpPr>
+        <a:xfrm>
+          <a:off x="0" y="0"/>
+          <a:ext cx="0" cy="0"/>
+          <a:chOff x="0" y="0"/>
+          <a:chExt cx="0" cy="0"/>
+        </a:xfrm>
+      </p:grpSpPr>
+      <p:sp>
+        <p:nvSpPr>
+          <p:cNvPr id="2" name="Segnaposto immagine diapositiva 1">
+            <a:extLst>
+              <a:ext uri="{FF2B5EF4-FFF2-40B4-BE49-F238E27FC236}">
+                <a16:creationId xmlns:a16="http://schemas.microsoft.com/office/drawing/2014/main" id="{94562EBF-4534-F924-8C0E-F4692D8C8000}"/>
+              </a:ext>
+            </a:extLst>
+          </p:cNvPr>
+          <p:cNvSpPr>
+            <a:spLocks noGrp="1" noRot="1" noChangeAspect="1"/>
+          </p:cNvSpPr>
+          <p:nvPr>
+            <p:ph type="sldImg"/>
+          </p:nvPr>
+        </p:nvSpPr>
+        <p:spPr/>
+      </p:sp>
+      <p:sp>
+        <p:nvSpPr>
+          <p:cNvPr id="3" name="Segnaposto note 2">
+            <a:extLst>
+              <a:ext uri="{FF2B5EF4-FFF2-40B4-BE49-F238E27FC236}">
+                <a16:creationId xmlns:a16="http://schemas.microsoft.com/office/drawing/2014/main" id="{C5B476E9-D2D8-A0DC-8D3F-ADD182AD9B54}"/>
+              </a:ext>
+            </a:extLst>
+          </p:cNvPr>
+          <p:cNvSpPr>
+            <a:spLocks noGrp="1"/>
+          </p:cNvSpPr>
+          <p:nvPr>
+            <p:ph type="body" idx="1"/>
+          </p:nvPr>
+        </p:nvSpPr>
+        <p:spPr/>
+        <p:txBody>
+          <a:bodyPr rtlCol="0"/>
+          <a:lstStyle>
+            <a:defPPr>
+              <a:defRPr lang="it-IT"/>
+            </a:defPPr>
+          </a:lstStyle>
+          <a:p>
+            <a:pPr rtl="0"/>
+            <a:endParaRPr lang="it-IT" dirty="0"/>
+          </a:p>
+        </p:txBody>
+      </p:sp>
+      <p:sp>
+        <p:nvSpPr>
+          <p:cNvPr id="4" name="Segnaposto numero diapositiva 3">
+            <a:extLst>
+              <a:ext uri="{FF2B5EF4-FFF2-40B4-BE49-F238E27FC236}">
+                <a16:creationId xmlns:a16="http://schemas.microsoft.com/office/drawing/2014/main" id="{321A4CB8-671B-1994-6B4C-BB8AF090E44F}"/>
+              </a:ext>
+            </a:extLst>
+          </p:cNvPr>
+          <p:cNvSpPr>
+            <a:spLocks noGrp="1"/>
+          </p:cNvSpPr>
+          <p:nvPr>
+            <p:ph type="sldNum" sz="quarter" idx="5"/>
+          </p:nvPr>
+        </p:nvSpPr>
+        <p:spPr/>
+        <p:txBody>
+          <a:bodyPr rtlCol="0"/>
+          <a:lstStyle>
+            <a:defPPr>
+              <a:defRPr lang="it-IT"/>
+            </a:defPPr>
+          </a:lstStyle>
+          <a:p>
+            <a:pPr marL="0" marR="0" lvl="0" indent="0" algn="r" defTabSz="914400" rtl="0" eaLnBrk="1" fontAlgn="auto" latinLnBrk="0" hangingPunct="1">
+              <a:lnSpc>
+                <a:spcPct val="100000"/>
+              </a:lnSpc>
+              <a:spcBef>
+                <a:spcPts val="0"/>
+              </a:spcBef>
+              <a:spcAft>
+                <a:spcPts val="0"/>
+              </a:spcAft>
+              <a:buClrTx/>
+              <a:buSzTx/>
+              <a:buFontTx/>
+              <a:buNone/>
+              <a:tabLst/>
+              <a:defRPr/>
+            </a:pPr>
+            <a:fld id="{DEF75CB5-5666-5049-9AE0-38EFD385C21E}" type="slidenum">
+              <a:rPr kumimoji="0" lang="it-IT" sz="1200" b="0" i="0" u="none" strike="noStrike" kern="1200" cap="none" spc="0" normalizeH="0" baseline="0" noProof="0" smtClean="0">
+                <a:ln>
+                  <a:noFill/>
+                </a:ln>
+                <a:solidFill>
+                  <a:prstClr val="black"/>
+                </a:solidFill>
+                <a:effectLst/>
+                <a:uLnTx/>
+                <a:uFillTx/>
+                <a:latin typeface="Calibri" panose="020F0502020204030204"/>
+                <a:ea typeface="+mn-ea"/>
+                <a:cs typeface="+mn-cs"/>
+              </a:rPr>
+              <a:pPr marL="0" marR="0" lvl="0" indent="0" algn="r" defTabSz="914400" rtl="0" eaLnBrk="1" fontAlgn="auto" latinLnBrk="0" hangingPunct="1">
+                <a:lnSpc>
+                  <a:spcPct val="100000"/>
+                </a:lnSpc>
+                <a:spcBef>
+                  <a:spcPts val="0"/>
+                </a:spcBef>
+                <a:spcAft>
+                  <a:spcPts val="0"/>
+                </a:spcAft>
+                <a:buClrTx/>
+                <a:buSzTx/>
+                <a:buFontTx/>
+                <a:buNone/>
+                <a:tabLst/>
+                <a:defRPr/>
+              </a:pPr>
+              <a:t>34</a:t>
+            </a:fld>
+            <a:endParaRPr kumimoji="0" lang="it-IT" sz="1200" b="0" i="0" u="none" strike="noStrike" kern="1200" cap="none" spc="0" normalizeH="0" baseline="0" noProof="0" dirty="0">
+              <a:ln>
+                <a:noFill/>
+              </a:ln>
+              <a:solidFill>
+                <a:prstClr val="black"/>
+              </a:solidFill>
+              <a:effectLst/>
+              <a:uLnTx/>
+              <a:uFillTx/>
+              <a:latin typeface="Calibri" panose="020F0502020204030204"/>
+              <a:ea typeface="+mn-ea"/>
+              <a:cs typeface="+mn-cs"/>
+            </a:endParaRPr>
+          </a:p>
+        </p:txBody>
+      </p:sp>
+    </p:spTree>
+    <p:extLst>
+      <p:ext uri="{BB962C8B-B14F-4D97-AF65-F5344CB8AC3E}">
+        <p14:creationId xmlns:p14="http://schemas.microsoft.com/office/powerpoint/2010/main" val="3242258019"/>
+      </p:ext>
+    </p:extLst>
+  </p:cSld>
+  <p:clrMapOvr>
+    <a:masterClrMapping/>
+  </p:clrMapOvr>
+</p:notes>
+</file>
+
+<file path=ppt/notesSlides/notesSlide35.xml><?xml version="1.0" encoding="utf-8"?>
+<p:notes xmlns:a="http://schemas.openxmlformats.org/drawingml/2006/main" xmlns:r="http://schemas.openxmlformats.org/officeDocument/2006/relationships" xmlns:p="http://schemas.openxmlformats.org/presentationml/2006/main">
+  <p:cSld>
+    <p:spTree>
+      <p:nvGrpSpPr>
+        <p:cNvPr id="1" name="">
+          <a:extLst>
+            <a:ext uri="{FF2B5EF4-FFF2-40B4-BE49-F238E27FC236}">
+              <a16:creationId xmlns:a16="http://schemas.microsoft.com/office/drawing/2014/main" id="{1045818E-CD9A-EB2A-A995-51D5C2FA6894}"/>
+            </a:ext>
+          </a:extLst>
+        </p:cNvPr>
+        <p:cNvGrpSpPr/>
+        <p:nvPr/>
+      </p:nvGrpSpPr>
+      <p:grpSpPr>
+        <a:xfrm>
+          <a:off x="0" y="0"/>
+          <a:ext cx="0" cy="0"/>
+          <a:chOff x="0" y="0"/>
+          <a:chExt cx="0" cy="0"/>
+        </a:xfrm>
+      </p:grpSpPr>
+      <p:sp>
+        <p:nvSpPr>
+          <p:cNvPr id="2" name="Segnaposto immagine diapositiva 1">
+            <a:extLst>
+              <a:ext uri="{FF2B5EF4-FFF2-40B4-BE49-F238E27FC236}">
+                <a16:creationId xmlns:a16="http://schemas.microsoft.com/office/drawing/2014/main" id="{B9DD9447-F4B3-116E-59F4-B3137FC16300}"/>
+              </a:ext>
+            </a:extLst>
+          </p:cNvPr>
+          <p:cNvSpPr>
+            <a:spLocks noGrp="1" noRot="1" noChangeAspect="1"/>
+          </p:cNvSpPr>
+          <p:nvPr>
+            <p:ph type="sldImg"/>
+          </p:nvPr>
+        </p:nvSpPr>
+        <p:spPr/>
+      </p:sp>
+      <p:sp>
+        <p:nvSpPr>
+          <p:cNvPr id="3" name="Segnaposto note 2">
+            <a:extLst>
+              <a:ext uri="{FF2B5EF4-FFF2-40B4-BE49-F238E27FC236}">
+                <a16:creationId xmlns:a16="http://schemas.microsoft.com/office/drawing/2014/main" id="{3DF4CE06-094E-3404-F28E-39037FD23647}"/>
+              </a:ext>
+            </a:extLst>
+          </p:cNvPr>
+          <p:cNvSpPr>
+            <a:spLocks noGrp="1"/>
+          </p:cNvSpPr>
+          <p:nvPr>
+            <p:ph type="body" idx="1"/>
+          </p:nvPr>
+        </p:nvSpPr>
+        <p:spPr/>
+        <p:txBody>
+          <a:bodyPr rtlCol="0"/>
+          <a:lstStyle>
+            <a:defPPr>
+              <a:defRPr lang="it-IT"/>
+            </a:defPPr>
+          </a:lstStyle>
+          <a:p>
+            <a:pPr rtl="0"/>
+            <a:endParaRPr lang="it-IT" dirty="0"/>
+          </a:p>
+        </p:txBody>
+      </p:sp>
+      <p:sp>
+        <p:nvSpPr>
+          <p:cNvPr id="4" name="Segnaposto numero diapositiva 3">
+            <a:extLst>
+              <a:ext uri="{FF2B5EF4-FFF2-40B4-BE49-F238E27FC236}">
+                <a16:creationId xmlns:a16="http://schemas.microsoft.com/office/drawing/2014/main" id="{623A469A-8CF5-13BA-E1A1-235F46C46434}"/>
+              </a:ext>
+            </a:extLst>
+          </p:cNvPr>
+          <p:cNvSpPr>
+            <a:spLocks noGrp="1"/>
+          </p:cNvSpPr>
+          <p:nvPr>
+            <p:ph type="sldNum" sz="quarter" idx="5"/>
+          </p:nvPr>
+        </p:nvSpPr>
+        <p:spPr/>
+        <p:txBody>
+          <a:bodyPr rtlCol="0"/>
+          <a:lstStyle>
+            <a:defPPr>
+              <a:defRPr lang="it-IT"/>
+            </a:defPPr>
+          </a:lstStyle>
+          <a:p>
+            <a:pPr marL="0" marR="0" lvl="0" indent="0" algn="r" defTabSz="914400" rtl="0" eaLnBrk="1" fontAlgn="auto" latinLnBrk="0" hangingPunct="1">
+              <a:lnSpc>
+                <a:spcPct val="100000"/>
+              </a:lnSpc>
+              <a:spcBef>
+                <a:spcPts val="0"/>
+              </a:spcBef>
+              <a:spcAft>
+                <a:spcPts val="0"/>
+              </a:spcAft>
+              <a:buClrTx/>
+              <a:buSzTx/>
+              <a:buFontTx/>
+              <a:buNone/>
+              <a:tabLst/>
+              <a:defRPr/>
+            </a:pPr>
+            <a:fld id="{DEF75CB5-5666-5049-9AE0-38EFD385C21E}" type="slidenum">
+              <a:rPr kumimoji="0" lang="it-IT" sz="1200" b="0" i="0" u="none" strike="noStrike" kern="1200" cap="none" spc="0" normalizeH="0" baseline="0" noProof="0" smtClean="0">
+                <a:ln>
+                  <a:noFill/>
+                </a:ln>
+                <a:solidFill>
+                  <a:prstClr val="black"/>
+                </a:solidFill>
+                <a:effectLst/>
+                <a:uLnTx/>
+                <a:uFillTx/>
+                <a:latin typeface="Calibri" panose="020F0502020204030204"/>
+                <a:ea typeface="+mn-ea"/>
+                <a:cs typeface="+mn-cs"/>
+              </a:rPr>
+              <a:pPr marL="0" marR="0" lvl="0" indent="0" algn="r" defTabSz="914400" rtl="0" eaLnBrk="1" fontAlgn="auto" latinLnBrk="0" hangingPunct="1">
+                <a:lnSpc>
+                  <a:spcPct val="100000"/>
+                </a:lnSpc>
+                <a:spcBef>
+                  <a:spcPts val="0"/>
+                </a:spcBef>
+                <a:spcAft>
+                  <a:spcPts val="0"/>
+                </a:spcAft>
+                <a:buClrTx/>
+                <a:buSzTx/>
+                <a:buFontTx/>
+                <a:buNone/>
+                <a:tabLst/>
+                <a:defRPr/>
+              </a:pPr>
+              <a:t>35</a:t>
+            </a:fld>
+            <a:endParaRPr kumimoji="0" lang="it-IT" sz="1200" b="0" i="0" u="none" strike="noStrike" kern="1200" cap="none" spc="0" normalizeH="0" baseline="0" noProof="0" dirty="0">
+              <a:ln>
+                <a:noFill/>
+              </a:ln>
+              <a:solidFill>
+                <a:prstClr val="black"/>
+              </a:solidFill>
+              <a:effectLst/>
+              <a:uLnTx/>
+              <a:uFillTx/>
+              <a:latin typeface="Calibri" panose="020F0502020204030204"/>
+              <a:ea typeface="+mn-ea"/>
+              <a:cs typeface="+mn-cs"/>
+            </a:endParaRPr>
+          </a:p>
+        </p:txBody>
+      </p:sp>
+    </p:spTree>
+    <p:extLst>
+      <p:ext uri="{BB962C8B-B14F-4D97-AF65-F5344CB8AC3E}">
+        <p14:creationId xmlns:p14="http://schemas.microsoft.com/office/powerpoint/2010/main" val="1031570148"/>
+      </p:ext>
+    </p:extLst>
+  </p:cSld>
+  <p:clrMapOvr>
+    <a:masterClrMapping/>
+  </p:clrMapOvr>
+</p:notes>
+</file>
+
+<file path=ppt/notesSlides/notesSlide36.xml><?xml version="1.0" encoding="utf-8"?>
+<p:notes xmlns:a="http://schemas.openxmlformats.org/drawingml/2006/main" xmlns:r="http://schemas.openxmlformats.org/officeDocument/2006/relationships" xmlns:p="http://schemas.openxmlformats.org/presentationml/2006/main">
+  <p:cSld>
+    <p:spTree>
+      <p:nvGrpSpPr>
+        <p:cNvPr id="1" name="">
+          <a:extLst>
+            <a:ext uri="{FF2B5EF4-FFF2-40B4-BE49-F238E27FC236}">
+              <a16:creationId xmlns:a16="http://schemas.microsoft.com/office/drawing/2014/main" id="{BD3FE6D6-7192-971C-9C00-335967FB65F0}"/>
+            </a:ext>
+          </a:extLst>
+        </p:cNvPr>
+        <p:cNvGrpSpPr/>
+        <p:nvPr/>
+      </p:nvGrpSpPr>
+      <p:grpSpPr>
+        <a:xfrm>
+          <a:off x="0" y="0"/>
+          <a:ext cx="0" cy="0"/>
+          <a:chOff x="0" y="0"/>
+          <a:chExt cx="0" cy="0"/>
+        </a:xfrm>
+      </p:grpSpPr>
+      <p:sp>
+        <p:nvSpPr>
+          <p:cNvPr id="2" name="Segnaposto immagine diapositiva 1">
+            <a:extLst>
+              <a:ext uri="{FF2B5EF4-FFF2-40B4-BE49-F238E27FC236}">
+                <a16:creationId xmlns:a16="http://schemas.microsoft.com/office/drawing/2014/main" id="{0DFB330F-2654-6C69-EE41-CEA2A382C49A}"/>
+              </a:ext>
+            </a:extLst>
+          </p:cNvPr>
+          <p:cNvSpPr>
+            <a:spLocks noGrp="1" noRot="1" noChangeAspect="1"/>
+          </p:cNvSpPr>
+          <p:nvPr>
+            <p:ph type="sldImg"/>
+          </p:nvPr>
+        </p:nvSpPr>
+        <p:spPr/>
+      </p:sp>
+      <p:sp>
+        <p:nvSpPr>
+          <p:cNvPr id="3" name="Segnaposto note 2">
+            <a:extLst>
+              <a:ext uri="{FF2B5EF4-FFF2-40B4-BE49-F238E27FC236}">
+                <a16:creationId xmlns:a16="http://schemas.microsoft.com/office/drawing/2014/main" id="{067AE60A-12C9-8C19-6C3A-46D6CC10FC8A}"/>
+              </a:ext>
+            </a:extLst>
+          </p:cNvPr>
+          <p:cNvSpPr>
+            <a:spLocks noGrp="1"/>
+          </p:cNvSpPr>
+          <p:nvPr>
+            <p:ph type="body" idx="1"/>
+          </p:nvPr>
+        </p:nvSpPr>
+        <p:spPr/>
+        <p:txBody>
+          <a:bodyPr rtlCol="0"/>
+          <a:lstStyle>
+            <a:defPPr>
+              <a:defRPr lang="it-IT"/>
+            </a:defPPr>
+          </a:lstStyle>
+          <a:p>
+            <a:pPr rtl="0"/>
+            <a:endParaRPr lang="it-IT" dirty="0"/>
+          </a:p>
+        </p:txBody>
+      </p:sp>
+      <p:sp>
+        <p:nvSpPr>
+          <p:cNvPr id="4" name="Segnaposto numero diapositiva 3">
+            <a:extLst>
+              <a:ext uri="{FF2B5EF4-FFF2-40B4-BE49-F238E27FC236}">
+                <a16:creationId xmlns:a16="http://schemas.microsoft.com/office/drawing/2014/main" id="{04B26787-522E-AC76-C845-ADE38A540C47}"/>
+              </a:ext>
+            </a:extLst>
+          </p:cNvPr>
+          <p:cNvSpPr>
+            <a:spLocks noGrp="1"/>
+          </p:cNvSpPr>
+          <p:nvPr>
+            <p:ph type="sldNum" sz="quarter" idx="5"/>
+          </p:nvPr>
+        </p:nvSpPr>
+        <p:spPr/>
+        <p:txBody>
+          <a:bodyPr rtlCol="0"/>
+          <a:lstStyle>
+            <a:defPPr>
+              <a:defRPr lang="it-IT"/>
+            </a:defPPr>
+          </a:lstStyle>
+          <a:p>
+            <a:pPr marL="0" marR="0" lvl="0" indent="0" algn="r" defTabSz="914400" rtl="0" eaLnBrk="1" fontAlgn="auto" latinLnBrk="0" hangingPunct="1">
+              <a:lnSpc>
+                <a:spcPct val="100000"/>
+              </a:lnSpc>
+              <a:spcBef>
+                <a:spcPts val="0"/>
+              </a:spcBef>
+              <a:spcAft>
+                <a:spcPts val="0"/>
+              </a:spcAft>
+              <a:buClrTx/>
+              <a:buSzTx/>
+              <a:buFontTx/>
+              <a:buNone/>
+              <a:tabLst/>
+              <a:defRPr/>
+            </a:pPr>
+            <a:fld id="{DEF75CB5-5666-5049-9AE0-38EFD385C21E}" type="slidenum">
+              <a:rPr kumimoji="0" lang="it-IT" sz="1200" b="0" i="0" u="none" strike="noStrike" kern="1200" cap="none" spc="0" normalizeH="0" baseline="0" noProof="0" smtClean="0">
+                <a:ln>
+                  <a:noFill/>
+                </a:ln>
+                <a:solidFill>
+                  <a:prstClr val="black"/>
+                </a:solidFill>
+                <a:effectLst/>
+                <a:uLnTx/>
+                <a:uFillTx/>
+                <a:latin typeface="Calibri" panose="020F0502020204030204"/>
+                <a:ea typeface="+mn-ea"/>
+                <a:cs typeface="+mn-cs"/>
+              </a:rPr>
+              <a:pPr marL="0" marR="0" lvl="0" indent="0" algn="r" defTabSz="914400" rtl="0" eaLnBrk="1" fontAlgn="auto" latinLnBrk="0" hangingPunct="1">
+                <a:lnSpc>
+                  <a:spcPct val="100000"/>
+                </a:lnSpc>
+                <a:spcBef>
+                  <a:spcPts val="0"/>
+                </a:spcBef>
+                <a:spcAft>
+                  <a:spcPts val="0"/>
+                </a:spcAft>
+                <a:buClrTx/>
+                <a:buSzTx/>
+                <a:buFontTx/>
+                <a:buNone/>
+                <a:tabLst/>
+                <a:defRPr/>
+              </a:pPr>
+              <a:t>36</a:t>
+            </a:fld>
+            <a:endParaRPr kumimoji="0" lang="it-IT" sz="1200" b="0" i="0" u="none" strike="noStrike" kern="1200" cap="none" spc="0" normalizeH="0" baseline="0" noProof="0" dirty="0">
+              <a:ln>
+                <a:noFill/>
+              </a:ln>
+              <a:solidFill>
+                <a:prstClr val="black"/>
+              </a:solidFill>
+              <a:effectLst/>
+              <a:uLnTx/>
+              <a:uFillTx/>
+              <a:latin typeface="Calibri" panose="020F0502020204030204"/>
+              <a:ea typeface="+mn-ea"/>
+              <a:cs typeface="+mn-cs"/>
+            </a:endParaRPr>
+          </a:p>
+        </p:txBody>
+      </p:sp>
+    </p:spTree>
+    <p:extLst>
+      <p:ext uri="{BB962C8B-B14F-4D97-AF65-F5344CB8AC3E}">
+        <p14:creationId xmlns:p14="http://schemas.microsoft.com/office/powerpoint/2010/main" val="2914570499"/>
+      </p:ext>
+    </p:extLst>
+  </p:cSld>
+  <p:clrMapOvr>
+    <a:masterClrMapping/>
+  </p:clrMapOvr>
+</p:notes>
+</file>
+
+<file path=ppt/notesSlides/notesSlide37.xml><?xml version="1.0" encoding="utf-8"?>
+<p:notes xmlns:a="http://schemas.openxmlformats.org/drawingml/2006/main" xmlns:r="http://schemas.openxmlformats.org/officeDocument/2006/relationships" xmlns:p="http://schemas.openxmlformats.org/presentationml/2006/main">
+  <p:cSld>
+    <p:spTree>
+      <p:nvGrpSpPr>
+        <p:cNvPr id="1" name="">
+          <a:extLst>
+            <a:ext uri="{FF2B5EF4-FFF2-40B4-BE49-F238E27FC236}">
+              <a16:creationId xmlns:a16="http://schemas.microsoft.com/office/drawing/2014/main" id="{BD96787E-1ADA-B162-61B6-19A365CED30C}"/>
+            </a:ext>
+          </a:extLst>
+        </p:cNvPr>
+        <p:cNvGrpSpPr/>
+        <p:nvPr/>
+      </p:nvGrpSpPr>
+      <p:grpSpPr>
+        <a:xfrm>
+          <a:off x="0" y="0"/>
+          <a:ext cx="0" cy="0"/>
+          <a:chOff x="0" y="0"/>
+          <a:chExt cx="0" cy="0"/>
+        </a:xfrm>
+      </p:grpSpPr>
+      <p:sp>
+        <p:nvSpPr>
+          <p:cNvPr id="2" name="Segnaposto immagine diapositiva 1">
+            <a:extLst>
+              <a:ext uri="{FF2B5EF4-FFF2-40B4-BE49-F238E27FC236}">
+                <a16:creationId xmlns:a16="http://schemas.microsoft.com/office/drawing/2014/main" id="{45EC1A64-1CDF-9F0E-7944-7B91E73B025B}"/>
+              </a:ext>
+            </a:extLst>
+          </p:cNvPr>
+          <p:cNvSpPr>
+            <a:spLocks noGrp="1" noRot="1" noChangeAspect="1"/>
+          </p:cNvSpPr>
+          <p:nvPr>
+            <p:ph type="sldImg"/>
+          </p:nvPr>
+        </p:nvSpPr>
+        <p:spPr/>
+      </p:sp>
+      <p:sp>
+        <p:nvSpPr>
+          <p:cNvPr id="3" name="Segnaposto note 2">
+            <a:extLst>
+              <a:ext uri="{FF2B5EF4-FFF2-40B4-BE49-F238E27FC236}">
+                <a16:creationId xmlns:a16="http://schemas.microsoft.com/office/drawing/2014/main" id="{F89BD488-0F37-583C-4A2A-0BFF38592180}"/>
+              </a:ext>
+            </a:extLst>
+          </p:cNvPr>
+          <p:cNvSpPr>
+            <a:spLocks noGrp="1"/>
+          </p:cNvSpPr>
+          <p:nvPr>
+            <p:ph type="body" idx="1"/>
+          </p:nvPr>
+        </p:nvSpPr>
+        <p:spPr/>
+        <p:txBody>
+          <a:bodyPr rtlCol="0"/>
+          <a:lstStyle>
+            <a:defPPr>
+              <a:defRPr lang="it-IT"/>
+            </a:defPPr>
+          </a:lstStyle>
+          <a:p>
+            <a:pPr rtl="0"/>
+            <a:endParaRPr lang="it-IT" dirty="0"/>
+          </a:p>
+        </p:txBody>
+      </p:sp>
+      <p:sp>
+        <p:nvSpPr>
+          <p:cNvPr id="4" name="Segnaposto numero diapositiva 3">
+            <a:extLst>
+              <a:ext uri="{FF2B5EF4-FFF2-40B4-BE49-F238E27FC236}">
+                <a16:creationId xmlns:a16="http://schemas.microsoft.com/office/drawing/2014/main" id="{A999ED78-297C-B622-2F28-B46809E24C10}"/>
+              </a:ext>
+            </a:extLst>
+          </p:cNvPr>
+          <p:cNvSpPr>
+            <a:spLocks noGrp="1"/>
+          </p:cNvSpPr>
+          <p:nvPr>
+            <p:ph type="sldNum" sz="quarter" idx="5"/>
+          </p:nvPr>
+        </p:nvSpPr>
+        <p:spPr/>
+        <p:txBody>
+          <a:bodyPr rtlCol="0"/>
+          <a:lstStyle>
+            <a:defPPr>
+              <a:defRPr lang="it-IT"/>
+            </a:defPPr>
+          </a:lstStyle>
+          <a:p>
+            <a:pPr marL="0" marR="0" lvl="0" indent="0" algn="r" defTabSz="914400" rtl="0" eaLnBrk="1" fontAlgn="auto" latinLnBrk="0" hangingPunct="1">
+              <a:lnSpc>
+                <a:spcPct val="100000"/>
+              </a:lnSpc>
+              <a:spcBef>
+                <a:spcPts val="0"/>
+              </a:spcBef>
+              <a:spcAft>
+                <a:spcPts val="0"/>
+              </a:spcAft>
+              <a:buClrTx/>
+              <a:buSzTx/>
+              <a:buFontTx/>
+              <a:buNone/>
+              <a:tabLst/>
+              <a:defRPr/>
+            </a:pPr>
+            <a:fld id="{DEF75CB5-5666-5049-9AE0-38EFD385C21E}" type="slidenum">
+              <a:rPr kumimoji="0" lang="it-IT" sz="1200" b="0" i="0" u="none" strike="noStrike" kern="1200" cap="none" spc="0" normalizeH="0" baseline="0" noProof="0" smtClean="0">
+                <a:ln>
+                  <a:noFill/>
+                </a:ln>
+                <a:solidFill>
+                  <a:prstClr val="black"/>
+                </a:solidFill>
+                <a:effectLst/>
+                <a:uLnTx/>
+                <a:uFillTx/>
+                <a:latin typeface="Calibri" panose="020F0502020204030204"/>
+                <a:ea typeface="+mn-ea"/>
+                <a:cs typeface="+mn-cs"/>
+              </a:rPr>
+              <a:pPr marL="0" marR="0" lvl="0" indent="0" algn="r" defTabSz="914400" rtl="0" eaLnBrk="1" fontAlgn="auto" latinLnBrk="0" hangingPunct="1">
+                <a:lnSpc>
+                  <a:spcPct val="100000"/>
+                </a:lnSpc>
+                <a:spcBef>
+                  <a:spcPts val="0"/>
+                </a:spcBef>
+                <a:spcAft>
+                  <a:spcPts val="0"/>
+                </a:spcAft>
+                <a:buClrTx/>
+                <a:buSzTx/>
+                <a:buFontTx/>
+                <a:buNone/>
+                <a:tabLst/>
+                <a:defRPr/>
+              </a:pPr>
+              <a:t>37</a:t>
+            </a:fld>
+            <a:endParaRPr kumimoji="0" lang="it-IT" sz="1200" b="0" i="0" u="none" strike="noStrike" kern="1200" cap="none" spc="0" normalizeH="0" baseline="0" noProof="0" dirty="0">
+              <a:ln>
+                <a:noFill/>
+              </a:ln>
+              <a:solidFill>
+                <a:prstClr val="black"/>
+              </a:solidFill>
+              <a:effectLst/>
+              <a:uLnTx/>
+              <a:uFillTx/>
+              <a:latin typeface="Calibri" panose="020F0502020204030204"/>
+              <a:ea typeface="+mn-ea"/>
+              <a:cs typeface="+mn-cs"/>
+            </a:endParaRPr>
+          </a:p>
+        </p:txBody>
+      </p:sp>
+    </p:spTree>
+    <p:extLst>
+      <p:ext uri="{BB962C8B-B14F-4D97-AF65-F5344CB8AC3E}">
+        <p14:creationId xmlns:p14="http://schemas.microsoft.com/office/powerpoint/2010/main" val="490591357"/>
+      </p:ext>
+    </p:extLst>
+  </p:cSld>
+  <p:clrMapOvr>
+    <a:masterClrMapping/>
+  </p:clrMapOvr>
+</p:notes>
+</file>
+
+<file path=ppt/notesSlides/notesSlide38.xml><?xml version="1.0" encoding="utf-8"?>
+<p:notes xmlns:a="http://schemas.openxmlformats.org/drawingml/2006/main" xmlns:r="http://schemas.openxmlformats.org/officeDocument/2006/relationships" xmlns:p="http://schemas.openxmlformats.org/presentationml/2006/main">
+  <p:cSld>
+    <p:spTree>
+      <p:nvGrpSpPr>
+        <p:cNvPr id="1" name="">
+          <a:extLst>
+            <a:ext uri="{FF2B5EF4-FFF2-40B4-BE49-F238E27FC236}">
+              <a16:creationId xmlns:a16="http://schemas.microsoft.com/office/drawing/2014/main" id="{D78537AE-1AA5-F516-BAC2-933B6D6CECC2}"/>
+            </a:ext>
+          </a:extLst>
+        </p:cNvPr>
+        <p:cNvGrpSpPr/>
+        <p:nvPr/>
+      </p:nvGrpSpPr>
+      <p:grpSpPr>
+        <a:xfrm>
+          <a:off x="0" y="0"/>
+          <a:ext cx="0" cy="0"/>
+          <a:chOff x="0" y="0"/>
+          <a:chExt cx="0" cy="0"/>
+        </a:xfrm>
+      </p:grpSpPr>
+      <p:sp>
+        <p:nvSpPr>
+          <p:cNvPr id="2" name="Segnaposto immagine diapositiva 1">
+            <a:extLst>
+              <a:ext uri="{FF2B5EF4-FFF2-40B4-BE49-F238E27FC236}">
+                <a16:creationId xmlns:a16="http://schemas.microsoft.com/office/drawing/2014/main" id="{0B6D42BE-DC86-C236-E2D0-E085705D2561}"/>
+              </a:ext>
+            </a:extLst>
+          </p:cNvPr>
+          <p:cNvSpPr>
+            <a:spLocks noGrp="1" noRot="1" noChangeAspect="1"/>
+          </p:cNvSpPr>
+          <p:nvPr>
+            <p:ph type="sldImg"/>
+          </p:nvPr>
+        </p:nvSpPr>
+        <p:spPr/>
+      </p:sp>
+      <p:sp>
+        <p:nvSpPr>
+          <p:cNvPr id="3" name="Segnaposto note 2">
+            <a:extLst>
+              <a:ext uri="{FF2B5EF4-FFF2-40B4-BE49-F238E27FC236}">
+                <a16:creationId xmlns:a16="http://schemas.microsoft.com/office/drawing/2014/main" id="{A4ED66FD-93FE-8210-45ED-290CCEDD1BDE}"/>
+              </a:ext>
+            </a:extLst>
+          </p:cNvPr>
+          <p:cNvSpPr>
+            <a:spLocks noGrp="1"/>
+          </p:cNvSpPr>
+          <p:nvPr>
+            <p:ph type="body" idx="1"/>
+          </p:nvPr>
+        </p:nvSpPr>
+        <p:spPr/>
+        <p:txBody>
+          <a:bodyPr rtlCol="0"/>
+          <a:lstStyle>
+            <a:defPPr>
+              <a:defRPr lang="it-IT"/>
+            </a:defPPr>
+          </a:lstStyle>
+          <a:p>
+            <a:pPr rtl="0"/>
+            <a:endParaRPr lang="it-IT" dirty="0"/>
+          </a:p>
+        </p:txBody>
+      </p:sp>
+      <p:sp>
+        <p:nvSpPr>
+          <p:cNvPr id="4" name="Segnaposto numero diapositiva 3">
+            <a:extLst>
+              <a:ext uri="{FF2B5EF4-FFF2-40B4-BE49-F238E27FC236}">
+                <a16:creationId xmlns:a16="http://schemas.microsoft.com/office/drawing/2014/main" id="{18196751-C227-77E5-6629-B2A84F7588E9}"/>
+              </a:ext>
+            </a:extLst>
+          </p:cNvPr>
+          <p:cNvSpPr>
+            <a:spLocks noGrp="1"/>
+          </p:cNvSpPr>
+          <p:nvPr>
+            <p:ph type="sldNum" sz="quarter" idx="5"/>
+          </p:nvPr>
+        </p:nvSpPr>
+        <p:spPr/>
+        <p:txBody>
+          <a:bodyPr rtlCol="0"/>
+          <a:lstStyle>
+            <a:defPPr>
+              <a:defRPr lang="it-IT"/>
+            </a:defPPr>
+          </a:lstStyle>
+          <a:p>
+            <a:pPr marL="0" marR="0" lvl="0" indent="0" algn="r" defTabSz="914400" rtl="0" eaLnBrk="1" fontAlgn="auto" latinLnBrk="0" hangingPunct="1">
+              <a:lnSpc>
+                <a:spcPct val="100000"/>
+              </a:lnSpc>
+              <a:spcBef>
+                <a:spcPts val="0"/>
+              </a:spcBef>
+              <a:spcAft>
+                <a:spcPts val="0"/>
+              </a:spcAft>
+              <a:buClrTx/>
+              <a:buSzTx/>
+              <a:buFontTx/>
+              <a:buNone/>
+              <a:tabLst/>
+              <a:defRPr/>
+            </a:pPr>
+            <a:fld id="{DEF75CB5-5666-5049-9AE0-38EFD385C21E}" type="slidenum">
+              <a:rPr kumimoji="0" lang="it-IT" sz="1200" b="0" i="0" u="none" strike="noStrike" kern="1200" cap="none" spc="0" normalizeH="0" baseline="0" noProof="0" smtClean="0">
+                <a:ln>
+                  <a:noFill/>
+                </a:ln>
+                <a:solidFill>
+                  <a:prstClr val="black"/>
+                </a:solidFill>
+                <a:effectLst/>
+                <a:uLnTx/>
+                <a:uFillTx/>
+                <a:latin typeface="Calibri" panose="020F0502020204030204"/>
+                <a:ea typeface="+mn-ea"/>
+                <a:cs typeface="+mn-cs"/>
+              </a:rPr>
+              <a:pPr marL="0" marR="0" lvl="0" indent="0" algn="r" defTabSz="914400" rtl="0" eaLnBrk="1" fontAlgn="auto" latinLnBrk="0" hangingPunct="1">
+                <a:lnSpc>
+                  <a:spcPct val="100000"/>
+                </a:lnSpc>
+                <a:spcBef>
+                  <a:spcPts val="0"/>
+                </a:spcBef>
+                <a:spcAft>
+                  <a:spcPts val="0"/>
+                </a:spcAft>
+                <a:buClrTx/>
+                <a:buSzTx/>
+                <a:buFontTx/>
+                <a:buNone/>
+                <a:tabLst/>
+                <a:defRPr/>
+              </a:pPr>
+              <a:t>38</a:t>
+            </a:fld>
+            <a:endParaRPr kumimoji="0" lang="it-IT" sz="1200" b="0" i="0" u="none" strike="noStrike" kern="1200" cap="none" spc="0" normalizeH="0" baseline="0" noProof="0" dirty="0">
+              <a:ln>
+                <a:noFill/>
+              </a:ln>
+              <a:solidFill>
+                <a:prstClr val="black"/>
+              </a:solidFill>
+              <a:effectLst/>
+              <a:uLnTx/>
+              <a:uFillTx/>
+              <a:latin typeface="Calibri" panose="020F0502020204030204"/>
+              <a:ea typeface="+mn-ea"/>
+              <a:cs typeface="+mn-cs"/>
+            </a:endParaRPr>
+          </a:p>
+        </p:txBody>
+      </p:sp>
+    </p:spTree>
+    <p:extLst>
+      <p:ext uri="{BB962C8B-B14F-4D97-AF65-F5344CB8AC3E}">
+        <p14:creationId xmlns:p14="http://schemas.microsoft.com/office/powerpoint/2010/main" val="753151813"/>
+      </p:ext>
+    </p:extLst>
+  </p:cSld>
+  <p:clrMapOvr>
+    <a:masterClrMapping/>
+  </p:clrMapOvr>
+</p:notes>
+</file>
+
+<file path=ppt/notesSlides/notesSlide39.xml><?xml version="1.0" encoding="utf-8"?>
+<p:notes xmlns:a="http://schemas.openxmlformats.org/drawingml/2006/main" xmlns:r="http://schemas.openxmlformats.org/officeDocument/2006/relationships" xmlns:p="http://schemas.openxmlformats.org/presentationml/2006/main">
+  <p:cSld>
+    <p:spTree>
+      <p:nvGrpSpPr>
+        <p:cNvPr id="1" name="">
+          <a:extLst>
+            <a:ext uri="{FF2B5EF4-FFF2-40B4-BE49-F238E27FC236}">
+              <a16:creationId xmlns:a16="http://schemas.microsoft.com/office/drawing/2014/main" id="{93858D2E-D1A6-1EAB-ABF4-53D842D121E8}"/>
+            </a:ext>
+          </a:extLst>
+        </p:cNvPr>
+        <p:cNvGrpSpPr/>
+        <p:nvPr/>
+      </p:nvGrpSpPr>
+      <p:grpSpPr>
+        <a:xfrm>
+          <a:off x="0" y="0"/>
+          <a:ext cx="0" cy="0"/>
+          <a:chOff x="0" y="0"/>
+          <a:chExt cx="0" cy="0"/>
+        </a:xfrm>
+      </p:grpSpPr>
+      <p:sp>
+        <p:nvSpPr>
+          <p:cNvPr id="2" name="Segnaposto immagine diapositiva 1">
+            <a:extLst>
+              <a:ext uri="{FF2B5EF4-FFF2-40B4-BE49-F238E27FC236}">
+                <a16:creationId xmlns:a16="http://schemas.microsoft.com/office/drawing/2014/main" id="{66E06A84-B45A-9856-AE11-4AE76DA66712}"/>
+              </a:ext>
+            </a:extLst>
+          </p:cNvPr>
+          <p:cNvSpPr>
+            <a:spLocks noGrp="1" noRot="1" noChangeAspect="1"/>
+          </p:cNvSpPr>
+          <p:nvPr>
+            <p:ph type="sldImg"/>
+          </p:nvPr>
+        </p:nvSpPr>
+        <p:spPr/>
+      </p:sp>
+      <p:sp>
+        <p:nvSpPr>
+          <p:cNvPr id="3" name="Segnaposto note 2">
+            <a:extLst>
+              <a:ext uri="{FF2B5EF4-FFF2-40B4-BE49-F238E27FC236}">
+                <a16:creationId xmlns:a16="http://schemas.microsoft.com/office/drawing/2014/main" id="{AC1BE128-0B48-C26A-EF2E-F48AA4EE70FA}"/>
+              </a:ext>
+            </a:extLst>
+          </p:cNvPr>
+          <p:cNvSpPr>
+            <a:spLocks noGrp="1"/>
+          </p:cNvSpPr>
+          <p:nvPr>
+            <p:ph type="body" idx="1"/>
+          </p:nvPr>
+        </p:nvSpPr>
+        <p:spPr/>
+        <p:txBody>
+          <a:bodyPr rtlCol="0"/>
+          <a:lstStyle>
+            <a:defPPr>
+              <a:defRPr lang="it-IT"/>
+            </a:defPPr>
+          </a:lstStyle>
+          <a:p>
+            <a:pPr rtl="0"/>
+            <a:endParaRPr lang="it-IT" dirty="0"/>
+          </a:p>
+        </p:txBody>
+      </p:sp>
+      <p:sp>
+        <p:nvSpPr>
+          <p:cNvPr id="4" name="Segnaposto numero diapositiva 3">
+            <a:extLst>
+              <a:ext uri="{FF2B5EF4-FFF2-40B4-BE49-F238E27FC236}">
+                <a16:creationId xmlns:a16="http://schemas.microsoft.com/office/drawing/2014/main" id="{702BF0F6-3CDE-9295-67E3-C0885FE0EFAA}"/>
+              </a:ext>
+            </a:extLst>
+          </p:cNvPr>
+          <p:cNvSpPr>
+            <a:spLocks noGrp="1"/>
+          </p:cNvSpPr>
+          <p:nvPr>
+            <p:ph type="sldNum" sz="quarter" idx="5"/>
+          </p:nvPr>
+        </p:nvSpPr>
+        <p:spPr/>
+        <p:txBody>
+          <a:bodyPr rtlCol="0"/>
+          <a:lstStyle>
+            <a:defPPr>
+              <a:defRPr lang="it-IT"/>
+            </a:defPPr>
+          </a:lstStyle>
+          <a:p>
+            <a:pPr marL="0" marR="0" lvl="0" indent="0" algn="r" defTabSz="914400" rtl="0" eaLnBrk="1" fontAlgn="auto" latinLnBrk="0" hangingPunct="1">
+              <a:lnSpc>
+                <a:spcPct val="100000"/>
+              </a:lnSpc>
+              <a:spcBef>
+                <a:spcPts val="0"/>
+              </a:spcBef>
+              <a:spcAft>
+                <a:spcPts val="0"/>
+              </a:spcAft>
+              <a:buClrTx/>
+              <a:buSzTx/>
+              <a:buFontTx/>
+              <a:buNone/>
+              <a:tabLst/>
+              <a:defRPr/>
+            </a:pPr>
+            <a:fld id="{DEF75CB5-5666-5049-9AE0-38EFD385C21E}" type="slidenum">
+              <a:rPr kumimoji="0" lang="it-IT" sz="1200" b="0" i="0" u="none" strike="noStrike" kern="1200" cap="none" spc="0" normalizeH="0" baseline="0" noProof="0" smtClean="0">
+                <a:ln>
+                  <a:noFill/>
+                </a:ln>
+                <a:solidFill>
+                  <a:prstClr val="black"/>
+                </a:solidFill>
+                <a:effectLst/>
+                <a:uLnTx/>
+                <a:uFillTx/>
+                <a:latin typeface="Calibri" panose="020F0502020204030204"/>
+                <a:ea typeface="+mn-ea"/>
+                <a:cs typeface="+mn-cs"/>
+              </a:rPr>
+              <a:pPr marL="0" marR="0" lvl="0" indent="0" algn="r" defTabSz="914400" rtl="0" eaLnBrk="1" fontAlgn="auto" latinLnBrk="0" hangingPunct="1">
+                <a:lnSpc>
+                  <a:spcPct val="100000"/>
+                </a:lnSpc>
+                <a:spcBef>
+                  <a:spcPts val="0"/>
+                </a:spcBef>
+                <a:spcAft>
+                  <a:spcPts val="0"/>
+                </a:spcAft>
+                <a:buClrTx/>
+                <a:buSzTx/>
+                <a:buFontTx/>
+                <a:buNone/>
+                <a:tabLst/>
+                <a:defRPr/>
+              </a:pPr>
+              <a:t>39</a:t>
+            </a:fld>
+            <a:endParaRPr kumimoji="0" lang="it-IT" sz="1200" b="0" i="0" u="none" strike="noStrike" kern="1200" cap="none" spc="0" normalizeH="0" baseline="0" noProof="0" dirty="0">
+              <a:ln>
+                <a:noFill/>
+              </a:ln>
+              <a:solidFill>
+                <a:prstClr val="black"/>
+              </a:solidFill>
+              <a:effectLst/>
+              <a:uLnTx/>
+              <a:uFillTx/>
+              <a:latin typeface="Calibri" panose="020F0502020204030204"/>
+              <a:ea typeface="+mn-ea"/>
+              <a:cs typeface="+mn-cs"/>
+            </a:endParaRPr>
+          </a:p>
+        </p:txBody>
+      </p:sp>
+    </p:spTree>
+    <p:extLst>
+      <p:ext uri="{BB962C8B-B14F-4D97-AF65-F5344CB8AC3E}">
+        <p14:creationId xmlns:p14="http://schemas.microsoft.com/office/powerpoint/2010/main" val="281217854"/>
       </p:ext>
     </p:extLst>
   </p:cSld>
@@ -7616,6 +9222,714 @@
     <p:extLst>
       <p:ext uri="{BB962C8B-B14F-4D97-AF65-F5344CB8AC3E}">
         <p14:creationId xmlns:p14="http://schemas.microsoft.com/office/powerpoint/2010/main" val="2745012378"/>
+      </p:ext>
+    </p:extLst>
+  </p:cSld>
+  <p:clrMapOvr>
+    <a:masterClrMapping/>
+  </p:clrMapOvr>
+</p:notes>
+</file>
+
+<file path=ppt/notesSlides/notesSlide40.xml><?xml version="1.0" encoding="utf-8"?>
+<p:notes xmlns:a="http://schemas.openxmlformats.org/drawingml/2006/main" xmlns:r="http://schemas.openxmlformats.org/officeDocument/2006/relationships" xmlns:p="http://schemas.openxmlformats.org/presentationml/2006/main">
+  <p:cSld>
+    <p:spTree>
+      <p:nvGrpSpPr>
+        <p:cNvPr id="1" name="">
+          <a:extLst>
+            <a:ext uri="{FF2B5EF4-FFF2-40B4-BE49-F238E27FC236}">
+              <a16:creationId xmlns:a16="http://schemas.microsoft.com/office/drawing/2014/main" id="{6EEFEEDE-8502-3B8C-159B-8E7B0E29B2EA}"/>
+            </a:ext>
+          </a:extLst>
+        </p:cNvPr>
+        <p:cNvGrpSpPr/>
+        <p:nvPr/>
+      </p:nvGrpSpPr>
+      <p:grpSpPr>
+        <a:xfrm>
+          <a:off x="0" y="0"/>
+          <a:ext cx="0" cy="0"/>
+          <a:chOff x="0" y="0"/>
+          <a:chExt cx="0" cy="0"/>
+        </a:xfrm>
+      </p:grpSpPr>
+      <p:sp>
+        <p:nvSpPr>
+          <p:cNvPr id="2" name="Segnaposto immagine diapositiva 1">
+            <a:extLst>
+              <a:ext uri="{FF2B5EF4-FFF2-40B4-BE49-F238E27FC236}">
+                <a16:creationId xmlns:a16="http://schemas.microsoft.com/office/drawing/2014/main" id="{D3DAD97A-7867-F38E-DB94-8589BB0FEA18}"/>
+              </a:ext>
+            </a:extLst>
+          </p:cNvPr>
+          <p:cNvSpPr>
+            <a:spLocks noGrp="1" noRot="1" noChangeAspect="1"/>
+          </p:cNvSpPr>
+          <p:nvPr>
+            <p:ph type="sldImg"/>
+          </p:nvPr>
+        </p:nvSpPr>
+        <p:spPr/>
+      </p:sp>
+      <p:sp>
+        <p:nvSpPr>
+          <p:cNvPr id="3" name="Segnaposto note 2">
+            <a:extLst>
+              <a:ext uri="{FF2B5EF4-FFF2-40B4-BE49-F238E27FC236}">
+                <a16:creationId xmlns:a16="http://schemas.microsoft.com/office/drawing/2014/main" id="{1979DAFB-0441-EA69-763B-CA34748FB176}"/>
+              </a:ext>
+            </a:extLst>
+          </p:cNvPr>
+          <p:cNvSpPr>
+            <a:spLocks noGrp="1"/>
+          </p:cNvSpPr>
+          <p:nvPr>
+            <p:ph type="body" idx="1"/>
+          </p:nvPr>
+        </p:nvSpPr>
+        <p:spPr/>
+        <p:txBody>
+          <a:bodyPr rtlCol="0"/>
+          <a:lstStyle>
+            <a:defPPr>
+              <a:defRPr lang="it-IT"/>
+            </a:defPPr>
+          </a:lstStyle>
+          <a:p>
+            <a:pPr rtl="0"/>
+            <a:endParaRPr lang="it-IT" dirty="0"/>
+          </a:p>
+        </p:txBody>
+      </p:sp>
+      <p:sp>
+        <p:nvSpPr>
+          <p:cNvPr id="4" name="Segnaposto numero diapositiva 3">
+            <a:extLst>
+              <a:ext uri="{FF2B5EF4-FFF2-40B4-BE49-F238E27FC236}">
+                <a16:creationId xmlns:a16="http://schemas.microsoft.com/office/drawing/2014/main" id="{C4BE1BE9-093F-0B6F-9328-4524BA45DAA3}"/>
+              </a:ext>
+            </a:extLst>
+          </p:cNvPr>
+          <p:cNvSpPr>
+            <a:spLocks noGrp="1"/>
+          </p:cNvSpPr>
+          <p:nvPr>
+            <p:ph type="sldNum" sz="quarter" idx="5"/>
+          </p:nvPr>
+        </p:nvSpPr>
+        <p:spPr/>
+        <p:txBody>
+          <a:bodyPr rtlCol="0"/>
+          <a:lstStyle>
+            <a:defPPr>
+              <a:defRPr lang="it-IT"/>
+            </a:defPPr>
+          </a:lstStyle>
+          <a:p>
+            <a:pPr marL="0" marR="0" lvl="0" indent="0" algn="r" defTabSz="914400" rtl="0" eaLnBrk="1" fontAlgn="auto" latinLnBrk="0" hangingPunct="1">
+              <a:lnSpc>
+                <a:spcPct val="100000"/>
+              </a:lnSpc>
+              <a:spcBef>
+                <a:spcPts val="0"/>
+              </a:spcBef>
+              <a:spcAft>
+                <a:spcPts val="0"/>
+              </a:spcAft>
+              <a:buClrTx/>
+              <a:buSzTx/>
+              <a:buFontTx/>
+              <a:buNone/>
+              <a:tabLst/>
+              <a:defRPr/>
+            </a:pPr>
+            <a:fld id="{DEF75CB5-5666-5049-9AE0-38EFD385C21E}" type="slidenum">
+              <a:rPr kumimoji="0" lang="it-IT" sz="1200" b="0" i="0" u="none" strike="noStrike" kern="1200" cap="none" spc="0" normalizeH="0" baseline="0" noProof="0" smtClean="0">
+                <a:ln>
+                  <a:noFill/>
+                </a:ln>
+                <a:solidFill>
+                  <a:prstClr val="black"/>
+                </a:solidFill>
+                <a:effectLst/>
+                <a:uLnTx/>
+                <a:uFillTx/>
+                <a:latin typeface="Calibri" panose="020F0502020204030204"/>
+                <a:ea typeface="+mn-ea"/>
+                <a:cs typeface="+mn-cs"/>
+              </a:rPr>
+              <a:pPr marL="0" marR="0" lvl="0" indent="0" algn="r" defTabSz="914400" rtl="0" eaLnBrk="1" fontAlgn="auto" latinLnBrk="0" hangingPunct="1">
+                <a:lnSpc>
+                  <a:spcPct val="100000"/>
+                </a:lnSpc>
+                <a:spcBef>
+                  <a:spcPts val="0"/>
+                </a:spcBef>
+                <a:spcAft>
+                  <a:spcPts val="0"/>
+                </a:spcAft>
+                <a:buClrTx/>
+                <a:buSzTx/>
+                <a:buFontTx/>
+                <a:buNone/>
+                <a:tabLst/>
+                <a:defRPr/>
+              </a:pPr>
+              <a:t>40</a:t>
+            </a:fld>
+            <a:endParaRPr kumimoji="0" lang="it-IT" sz="1200" b="0" i="0" u="none" strike="noStrike" kern="1200" cap="none" spc="0" normalizeH="0" baseline="0" noProof="0" dirty="0">
+              <a:ln>
+                <a:noFill/>
+              </a:ln>
+              <a:solidFill>
+                <a:prstClr val="black"/>
+              </a:solidFill>
+              <a:effectLst/>
+              <a:uLnTx/>
+              <a:uFillTx/>
+              <a:latin typeface="Calibri" panose="020F0502020204030204"/>
+              <a:ea typeface="+mn-ea"/>
+              <a:cs typeface="+mn-cs"/>
+            </a:endParaRPr>
+          </a:p>
+        </p:txBody>
+      </p:sp>
+    </p:spTree>
+    <p:extLst>
+      <p:ext uri="{BB962C8B-B14F-4D97-AF65-F5344CB8AC3E}">
+        <p14:creationId xmlns:p14="http://schemas.microsoft.com/office/powerpoint/2010/main" val="1375063386"/>
+      </p:ext>
+    </p:extLst>
+  </p:cSld>
+  <p:clrMapOvr>
+    <a:masterClrMapping/>
+  </p:clrMapOvr>
+</p:notes>
+</file>
+
+<file path=ppt/notesSlides/notesSlide41.xml><?xml version="1.0" encoding="utf-8"?>
+<p:notes xmlns:a="http://schemas.openxmlformats.org/drawingml/2006/main" xmlns:r="http://schemas.openxmlformats.org/officeDocument/2006/relationships" xmlns:p="http://schemas.openxmlformats.org/presentationml/2006/main">
+  <p:cSld>
+    <p:spTree>
+      <p:nvGrpSpPr>
+        <p:cNvPr id="1" name="">
+          <a:extLst>
+            <a:ext uri="{FF2B5EF4-FFF2-40B4-BE49-F238E27FC236}">
+              <a16:creationId xmlns:a16="http://schemas.microsoft.com/office/drawing/2014/main" id="{11372D9C-608D-3DD9-B09A-26438BD5C700}"/>
+            </a:ext>
+          </a:extLst>
+        </p:cNvPr>
+        <p:cNvGrpSpPr/>
+        <p:nvPr/>
+      </p:nvGrpSpPr>
+      <p:grpSpPr>
+        <a:xfrm>
+          <a:off x="0" y="0"/>
+          <a:ext cx="0" cy="0"/>
+          <a:chOff x="0" y="0"/>
+          <a:chExt cx="0" cy="0"/>
+        </a:xfrm>
+      </p:grpSpPr>
+      <p:sp>
+        <p:nvSpPr>
+          <p:cNvPr id="2" name="Segnaposto immagine diapositiva 1">
+            <a:extLst>
+              <a:ext uri="{FF2B5EF4-FFF2-40B4-BE49-F238E27FC236}">
+                <a16:creationId xmlns:a16="http://schemas.microsoft.com/office/drawing/2014/main" id="{FF9CB875-C75F-18A2-4184-E38D9C066D4C}"/>
+              </a:ext>
+            </a:extLst>
+          </p:cNvPr>
+          <p:cNvSpPr>
+            <a:spLocks noGrp="1" noRot="1" noChangeAspect="1"/>
+          </p:cNvSpPr>
+          <p:nvPr>
+            <p:ph type="sldImg"/>
+          </p:nvPr>
+        </p:nvSpPr>
+        <p:spPr/>
+      </p:sp>
+      <p:sp>
+        <p:nvSpPr>
+          <p:cNvPr id="3" name="Segnaposto note 2">
+            <a:extLst>
+              <a:ext uri="{FF2B5EF4-FFF2-40B4-BE49-F238E27FC236}">
+                <a16:creationId xmlns:a16="http://schemas.microsoft.com/office/drawing/2014/main" id="{4CFF1287-8C4E-113B-CD45-71363FACABFE}"/>
+              </a:ext>
+            </a:extLst>
+          </p:cNvPr>
+          <p:cNvSpPr>
+            <a:spLocks noGrp="1"/>
+          </p:cNvSpPr>
+          <p:nvPr>
+            <p:ph type="body" idx="1"/>
+          </p:nvPr>
+        </p:nvSpPr>
+        <p:spPr/>
+        <p:txBody>
+          <a:bodyPr rtlCol="0"/>
+          <a:lstStyle>
+            <a:defPPr>
+              <a:defRPr lang="it-IT"/>
+            </a:defPPr>
+          </a:lstStyle>
+          <a:p>
+            <a:pPr rtl="0"/>
+            <a:endParaRPr lang="it-IT" dirty="0"/>
+          </a:p>
+        </p:txBody>
+      </p:sp>
+      <p:sp>
+        <p:nvSpPr>
+          <p:cNvPr id="4" name="Segnaposto numero diapositiva 3">
+            <a:extLst>
+              <a:ext uri="{FF2B5EF4-FFF2-40B4-BE49-F238E27FC236}">
+                <a16:creationId xmlns:a16="http://schemas.microsoft.com/office/drawing/2014/main" id="{B6A4A0AD-63E1-1FCB-AABE-38AE628CFAE4}"/>
+              </a:ext>
+            </a:extLst>
+          </p:cNvPr>
+          <p:cNvSpPr>
+            <a:spLocks noGrp="1"/>
+          </p:cNvSpPr>
+          <p:nvPr>
+            <p:ph type="sldNum" sz="quarter" idx="5"/>
+          </p:nvPr>
+        </p:nvSpPr>
+        <p:spPr/>
+        <p:txBody>
+          <a:bodyPr rtlCol="0"/>
+          <a:lstStyle>
+            <a:defPPr>
+              <a:defRPr lang="it-IT"/>
+            </a:defPPr>
+          </a:lstStyle>
+          <a:p>
+            <a:pPr marL="0" marR="0" lvl="0" indent="0" algn="r" defTabSz="914400" rtl="0" eaLnBrk="1" fontAlgn="auto" latinLnBrk="0" hangingPunct="1">
+              <a:lnSpc>
+                <a:spcPct val="100000"/>
+              </a:lnSpc>
+              <a:spcBef>
+                <a:spcPts val="0"/>
+              </a:spcBef>
+              <a:spcAft>
+                <a:spcPts val="0"/>
+              </a:spcAft>
+              <a:buClrTx/>
+              <a:buSzTx/>
+              <a:buFontTx/>
+              <a:buNone/>
+              <a:tabLst/>
+              <a:defRPr/>
+            </a:pPr>
+            <a:fld id="{DEF75CB5-5666-5049-9AE0-38EFD385C21E}" type="slidenum">
+              <a:rPr kumimoji="0" lang="it-IT" sz="1200" b="0" i="0" u="none" strike="noStrike" kern="1200" cap="none" spc="0" normalizeH="0" baseline="0" noProof="0" smtClean="0">
+                <a:ln>
+                  <a:noFill/>
+                </a:ln>
+                <a:solidFill>
+                  <a:prstClr val="black"/>
+                </a:solidFill>
+                <a:effectLst/>
+                <a:uLnTx/>
+                <a:uFillTx/>
+                <a:latin typeface="Calibri" panose="020F0502020204030204"/>
+                <a:ea typeface="+mn-ea"/>
+                <a:cs typeface="+mn-cs"/>
+              </a:rPr>
+              <a:pPr marL="0" marR="0" lvl="0" indent="0" algn="r" defTabSz="914400" rtl="0" eaLnBrk="1" fontAlgn="auto" latinLnBrk="0" hangingPunct="1">
+                <a:lnSpc>
+                  <a:spcPct val="100000"/>
+                </a:lnSpc>
+                <a:spcBef>
+                  <a:spcPts val="0"/>
+                </a:spcBef>
+                <a:spcAft>
+                  <a:spcPts val="0"/>
+                </a:spcAft>
+                <a:buClrTx/>
+                <a:buSzTx/>
+                <a:buFontTx/>
+                <a:buNone/>
+                <a:tabLst/>
+                <a:defRPr/>
+              </a:pPr>
+              <a:t>41</a:t>
+            </a:fld>
+            <a:endParaRPr kumimoji="0" lang="it-IT" sz="1200" b="0" i="0" u="none" strike="noStrike" kern="1200" cap="none" spc="0" normalizeH="0" baseline="0" noProof="0" dirty="0">
+              <a:ln>
+                <a:noFill/>
+              </a:ln>
+              <a:solidFill>
+                <a:prstClr val="black"/>
+              </a:solidFill>
+              <a:effectLst/>
+              <a:uLnTx/>
+              <a:uFillTx/>
+              <a:latin typeface="Calibri" panose="020F0502020204030204"/>
+              <a:ea typeface="+mn-ea"/>
+              <a:cs typeface="+mn-cs"/>
+            </a:endParaRPr>
+          </a:p>
+        </p:txBody>
+      </p:sp>
+    </p:spTree>
+    <p:extLst>
+      <p:ext uri="{BB962C8B-B14F-4D97-AF65-F5344CB8AC3E}">
+        <p14:creationId xmlns:p14="http://schemas.microsoft.com/office/powerpoint/2010/main" val="1497175305"/>
+      </p:ext>
+    </p:extLst>
+  </p:cSld>
+  <p:clrMapOvr>
+    <a:masterClrMapping/>
+  </p:clrMapOvr>
+</p:notes>
+</file>
+
+<file path=ppt/notesSlides/notesSlide42.xml><?xml version="1.0" encoding="utf-8"?>
+<p:notes xmlns:a="http://schemas.openxmlformats.org/drawingml/2006/main" xmlns:r="http://schemas.openxmlformats.org/officeDocument/2006/relationships" xmlns:p="http://schemas.openxmlformats.org/presentationml/2006/main">
+  <p:cSld>
+    <p:spTree>
+      <p:nvGrpSpPr>
+        <p:cNvPr id="1" name="">
+          <a:extLst>
+            <a:ext uri="{FF2B5EF4-FFF2-40B4-BE49-F238E27FC236}">
+              <a16:creationId xmlns:a16="http://schemas.microsoft.com/office/drawing/2014/main" id="{C2E295E5-4AE8-8697-C9B5-5A0FF41210D0}"/>
+            </a:ext>
+          </a:extLst>
+        </p:cNvPr>
+        <p:cNvGrpSpPr/>
+        <p:nvPr/>
+      </p:nvGrpSpPr>
+      <p:grpSpPr>
+        <a:xfrm>
+          <a:off x="0" y="0"/>
+          <a:ext cx="0" cy="0"/>
+          <a:chOff x="0" y="0"/>
+          <a:chExt cx="0" cy="0"/>
+        </a:xfrm>
+      </p:grpSpPr>
+      <p:sp>
+        <p:nvSpPr>
+          <p:cNvPr id="2" name="Segnaposto immagine diapositiva 1">
+            <a:extLst>
+              <a:ext uri="{FF2B5EF4-FFF2-40B4-BE49-F238E27FC236}">
+                <a16:creationId xmlns:a16="http://schemas.microsoft.com/office/drawing/2014/main" id="{8AF7812B-D280-17A4-95D1-B549752533C2}"/>
+              </a:ext>
+            </a:extLst>
+          </p:cNvPr>
+          <p:cNvSpPr>
+            <a:spLocks noGrp="1" noRot="1" noChangeAspect="1"/>
+          </p:cNvSpPr>
+          <p:nvPr>
+            <p:ph type="sldImg"/>
+          </p:nvPr>
+        </p:nvSpPr>
+        <p:spPr/>
+      </p:sp>
+      <p:sp>
+        <p:nvSpPr>
+          <p:cNvPr id="3" name="Segnaposto note 2">
+            <a:extLst>
+              <a:ext uri="{FF2B5EF4-FFF2-40B4-BE49-F238E27FC236}">
+                <a16:creationId xmlns:a16="http://schemas.microsoft.com/office/drawing/2014/main" id="{5C9722E4-3E3A-F768-E364-871C8846FEDB}"/>
+              </a:ext>
+            </a:extLst>
+          </p:cNvPr>
+          <p:cNvSpPr>
+            <a:spLocks noGrp="1"/>
+          </p:cNvSpPr>
+          <p:nvPr>
+            <p:ph type="body" idx="1"/>
+          </p:nvPr>
+        </p:nvSpPr>
+        <p:spPr/>
+        <p:txBody>
+          <a:bodyPr rtlCol="0"/>
+          <a:lstStyle>
+            <a:defPPr>
+              <a:defRPr lang="it-IT"/>
+            </a:defPPr>
+          </a:lstStyle>
+          <a:p>
+            <a:pPr rtl="0"/>
+            <a:endParaRPr lang="it-IT" dirty="0"/>
+          </a:p>
+        </p:txBody>
+      </p:sp>
+      <p:sp>
+        <p:nvSpPr>
+          <p:cNvPr id="4" name="Segnaposto numero diapositiva 3">
+            <a:extLst>
+              <a:ext uri="{FF2B5EF4-FFF2-40B4-BE49-F238E27FC236}">
+                <a16:creationId xmlns:a16="http://schemas.microsoft.com/office/drawing/2014/main" id="{A43DA512-EFB1-FBC1-FC2D-597446F27EA9}"/>
+              </a:ext>
+            </a:extLst>
+          </p:cNvPr>
+          <p:cNvSpPr>
+            <a:spLocks noGrp="1"/>
+          </p:cNvSpPr>
+          <p:nvPr>
+            <p:ph type="sldNum" sz="quarter" idx="5"/>
+          </p:nvPr>
+        </p:nvSpPr>
+        <p:spPr/>
+        <p:txBody>
+          <a:bodyPr rtlCol="0"/>
+          <a:lstStyle>
+            <a:defPPr>
+              <a:defRPr lang="it-IT"/>
+            </a:defPPr>
+          </a:lstStyle>
+          <a:p>
+            <a:pPr marL="0" marR="0" lvl="0" indent="0" algn="r" defTabSz="914400" rtl="0" eaLnBrk="1" fontAlgn="auto" latinLnBrk="0" hangingPunct="1">
+              <a:lnSpc>
+                <a:spcPct val="100000"/>
+              </a:lnSpc>
+              <a:spcBef>
+                <a:spcPts val="0"/>
+              </a:spcBef>
+              <a:spcAft>
+                <a:spcPts val="0"/>
+              </a:spcAft>
+              <a:buClrTx/>
+              <a:buSzTx/>
+              <a:buFontTx/>
+              <a:buNone/>
+              <a:tabLst/>
+              <a:defRPr/>
+            </a:pPr>
+            <a:fld id="{DEF75CB5-5666-5049-9AE0-38EFD385C21E}" type="slidenum">
+              <a:rPr kumimoji="0" lang="it-IT" sz="1200" b="0" i="0" u="none" strike="noStrike" kern="1200" cap="none" spc="0" normalizeH="0" baseline="0" noProof="0" smtClean="0">
+                <a:ln>
+                  <a:noFill/>
+                </a:ln>
+                <a:solidFill>
+                  <a:prstClr val="black"/>
+                </a:solidFill>
+                <a:effectLst/>
+                <a:uLnTx/>
+                <a:uFillTx/>
+                <a:latin typeface="Calibri" panose="020F0502020204030204"/>
+                <a:ea typeface="+mn-ea"/>
+                <a:cs typeface="+mn-cs"/>
+              </a:rPr>
+              <a:pPr marL="0" marR="0" lvl="0" indent="0" algn="r" defTabSz="914400" rtl="0" eaLnBrk="1" fontAlgn="auto" latinLnBrk="0" hangingPunct="1">
+                <a:lnSpc>
+                  <a:spcPct val="100000"/>
+                </a:lnSpc>
+                <a:spcBef>
+                  <a:spcPts val="0"/>
+                </a:spcBef>
+                <a:spcAft>
+                  <a:spcPts val="0"/>
+                </a:spcAft>
+                <a:buClrTx/>
+                <a:buSzTx/>
+                <a:buFontTx/>
+                <a:buNone/>
+                <a:tabLst/>
+                <a:defRPr/>
+              </a:pPr>
+              <a:t>42</a:t>
+            </a:fld>
+            <a:endParaRPr kumimoji="0" lang="it-IT" sz="1200" b="0" i="0" u="none" strike="noStrike" kern="1200" cap="none" spc="0" normalizeH="0" baseline="0" noProof="0" dirty="0">
+              <a:ln>
+                <a:noFill/>
+              </a:ln>
+              <a:solidFill>
+                <a:prstClr val="black"/>
+              </a:solidFill>
+              <a:effectLst/>
+              <a:uLnTx/>
+              <a:uFillTx/>
+              <a:latin typeface="Calibri" panose="020F0502020204030204"/>
+              <a:ea typeface="+mn-ea"/>
+              <a:cs typeface="+mn-cs"/>
+            </a:endParaRPr>
+          </a:p>
+        </p:txBody>
+      </p:sp>
+    </p:spTree>
+    <p:extLst>
+      <p:ext uri="{BB962C8B-B14F-4D97-AF65-F5344CB8AC3E}">
+        <p14:creationId xmlns:p14="http://schemas.microsoft.com/office/powerpoint/2010/main" val="2335586459"/>
+      </p:ext>
+    </p:extLst>
+  </p:cSld>
+  <p:clrMapOvr>
+    <a:masterClrMapping/>
+  </p:clrMapOvr>
+</p:notes>
+</file>
+
+<file path=ppt/notesSlides/notesSlide43.xml><?xml version="1.0" encoding="utf-8"?>
+<p:notes xmlns:a="http://schemas.openxmlformats.org/drawingml/2006/main" xmlns:r="http://schemas.openxmlformats.org/officeDocument/2006/relationships" xmlns:p="http://schemas.openxmlformats.org/presentationml/2006/main">
+  <p:cSld>
+    <p:spTree>
+      <p:nvGrpSpPr>
+        <p:cNvPr id="1" name="">
+          <a:extLst>
+            <a:ext uri="{FF2B5EF4-FFF2-40B4-BE49-F238E27FC236}">
+              <a16:creationId xmlns:a16="http://schemas.microsoft.com/office/drawing/2014/main" id="{6EEC2F62-BCB2-13CB-C3F0-23D5B4C1972B}"/>
+            </a:ext>
+          </a:extLst>
+        </p:cNvPr>
+        <p:cNvGrpSpPr/>
+        <p:nvPr/>
+      </p:nvGrpSpPr>
+      <p:grpSpPr>
+        <a:xfrm>
+          <a:off x="0" y="0"/>
+          <a:ext cx="0" cy="0"/>
+          <a:chOff x="0" y="0"/>
+          <a:chExt cx="0" cy="0"/>
+        </a:xfrm>
+      </p:grpSpPr>
+      <p:sp>
+        <p:nvSpPr>
+          <p:cNvPr id="2" name="Segnaposto immagine diapositiva 1">
+            <a:extLst>
+              <a:ext uri="{FF2B5EF4-FFF2-40B4-BE49-F238E27FC236}">
+                <a16:creationId xmlns:a16="http://schemas.microsoft.com/office/drawing/2014/main" id="{9CC445CF-FAAD-D3DA-DC98-3B7AA5BEE9C8}"/>
+              </a:ext>
+            </a:extLst>
+          </p:cNvPr>
+          <p:cNvSpPr>
+            <a:spLocks noGrp="1" noRot="1" noChangeAspect="1"/>
+          </p:cNvSpPr>
+          <p:nvPr>
+            <p:ph type="sldImg"/>
+          </p:nvPr>
+        </p:nvSpPr>
+        <p:spPr/>
+      </p:sp>
+      <p:sp>
+        <p:nvSpPr>
+          <p:cNvPr id="3" name="Segnaposto note 2">
+            <a:extLst>
+              <a:ext uri="{FF2B5EF4-FFF2-40B4-BE49-F238E27FC236}">
+                <a16:creationId xmlns:a16="http://schemas.microsoft.com/office/drawing/2014/main" id="{7122A70E-6DA8-BD2F-6184-2FC0C27EFF40}"/>
+              </a:ext>
+            </a:extLst>
+          </p:cNvPr>
+          <p:cNvSpPr>
+            <a:spLocks noGrp="1"/>
+          </p:cNvSpPr>
+          <p:nvPr>
+            <p:ph type="body" idx="1"/>
+          </p:nvPr>
+        </p:nvSpPr>
+        <p:spPr/>
+        <p:txBody>
+          <a:bodyPr rtlCol="0"/>
+          <a:lstStyle>
+            <a:defPPr>
+              <a:defRPr lang="it-IT"/>
+            </a:defPPr>
+          </a:lstStyle>
+          <a:p>
+            <a:pPr rtl="0"/>
+            <a:endParaRPr lang="it-IT" dirty="0"/>
+          </a:p>
+        </p:txBody>
+      </p:sp>
+      <p:sp>
+        <p:nvSpPr>
+          <p:cNvPr id="4" name="Segnaposto numero diapositiva 3">
+            <a:extLst>
+              <a:ext uri="{FF2B5EF4-FFF2-40B4-BE49-F238E27FC236}">
+                <a16:creationId xmlns:a16="http://schemas.microsoft.com/office/drawing/2014/main" id="{5683C167-FF15-4758-FD7A-0977098F9037}"/>
+              </a:ext>
+            </a:extLst>
+          </p:cNvPr>
+          <p:cNvSpPr>
+            <a:spLocks noGrp="1"/>
+          </p:cNvSpPr>
+          <p:nvPr>
+            <p:ph type="sldNum" sz="quarter" idx="5"/>
+          </p:nvPr>
+        </p:nvSpPr>
+        <p:spPr/>
+        <p:txBody>
+          <a:bodyPr rtlCol="0"/>
+          <a:lstStyle>
+            <a:defPPr>
+              <a:defRPr lang="it-IT"/>
+            </a:defPPr>
+          </a:lstStyle>
+          <a:p>
+            <a:pPr marL="0" marR="0" lvl="0" indent="0" algn="r" defTabSz="914400" rtl="0" eaLnBrk="1" fontAlgn="auto" latinLnBrk="0" hangingPunct="1">
+              <a:lnSpc>
+                <a:spcPct val="100000"/>
+              </a:lnSpc>
+              <a:spcBef>
+                <a:spcPts val="0"/>
+              </a:spcBef>
+              <a:spcAft>
+                <a:spcPts val="0"/>
+              </a:spcAft>
+              <a:buClrTx/>
+              <a:buSzTx/>
+              <a:buFontTx/>
+              <a:buNone/>
+              <a:tabLst/>
+              <a:defRPr/>
+            </a:pPr>
+            <a:fld id="{DEF75CB5-5666-5049-9AE0-38EFD385C21E}" type="slidenum">
+              <a:rPr kumimoji="0" lang="it-IT" sz="1200" b="0" i="0" u="none" strike="noStrike" kern="1200" cap="none" spc="0" normalizeH="0" baseline="0" noProof="0" smtClean="0">
+                <a:ln>
+                  <a:noFill/>
+                </a:ln>
+                <a:solidFill>
+                  <a:prstClr val="black"/>
+                </a:solidFill>
+                <a:effectLst/>
+                <a:uLnTx/>
+                <a:uFillTx/>
+                <a:latin typeface="Calibri" panose="020F0502020204030204"/>
+                <a:ea typeface="+mn-ea"/>
+                <a:cs typeface="+mn-cs"/>
+              </a:rPr>
+              <a:pPr marL="0" marR="0" lvl="0" indent="0" algn="r" defTabSz="914400" rtl="0" eaLnBrk="1" fontAlgn="auto" latinLnBrk="0" hangingPunct="1">
+                <a:lnSpc>
+                  <a:spcPct val="100000"/>
+                </a:lnSpc>
+                <a:spcBef>
+                  <a:spcPts val="0"/>
+                </a:spcBef>
+                <a:spcAft>
+                  <a:spcPts val="0"/>
+                </a:spcAft>
+                <a:buClrTx/>
+                <a:buSzTx/>
+                <a:buFontTx/>
+                <a:buNone/>
+                <a:tabLst/>
+                <a:defRPr/>
+              </a:pPr>
+              <a:t>43</a:t>
+            </a:fld>
+            <a:endParaRPr kumimoji="0" lang="it-IT" sz="1200" b="0" i="0" u="none" strike="noStrike" kern="1200" cap="none" spc="0" normalizeH="0" baseline="0" noProof="0" dirty="0">
+              <a:ln>
+                <a:noFill/>
+              </a:ln>
+              <a:solidFill>
+                <a:prstClr val="black"/>
+              </a:solidFill>
+              <a:effectLst/>
+              <a:uLnTx/>
+              <a:uFillTx/>
+              <a:latin typeface="Calibri" panose="020F0502020204030204"/>
+              <a:ea typeface="+mn-ea"/>
+              <a:cs typeface="+mn-cs"/>
+            </a:endParaRPr>
+          </a:p>
+        </p:txBody>
+      </p:sp>
+    </p:spTree>
+    <p:extLst>
+      <p:ext uri="{BB962C8B-B14F-4D97-AF65-F5344CB8AC3E}">
+        <p14:creationId xmlns:p14="http://schemas.microsoft.com/office/powerpoint/2010/main" val="78316168"/>
       </p:ext>
     </p:extLst>
   </p:cSld>
@@ -8585,7 +10899,7 @@
           <a:p>
             <a:fld id="{A68DA405-31E9-44C3-A33B-013AC39763DD}" type="datetimeFigureOut">
               <a:rPr lang="it-IT" smtClean="0"/>
-              <a:t>16/04/2025</a:t>
+              <a:t>28/04/2025</a:t>
             </a:fld>
             <a:endParaRPr lang="it-IT"/>
           </a:p>
@@ -8783,7 +11097,7 @@
           <a:p>
             <a:fld id="{A68DA405-31E9-44C3-A33B-013AC39763DD}" type="datetimeFigureOut">
               <a:rPr lang="it-IT" smtClean="0"/>
-              <a:t>16/04/2025</a:t>
+              <a:t>28/04/2025</a:t>
             </a:fld>
             <a:endParaRPr lang="it-IT"/>
           </a:p>
@@ -8991,7 +11305,7 @@
           <a:p>
             <a:fld id="{A68DA405-31E9-44C3-A33B-013AC39763DD}" type="datetimeFigureOut">
               <a:rPr lang="it-IT" smtClean="0"/>
-              <a:t>16/04/2025</a:t>
+              <a:t>28/04/2025</a:t>
             </a:fld>
             <a:endParaRPr lang="it-IT"/>
           </a:p>
@@ -13840,7 +16154,7 @@
           <a:p>
             <a:fld id="{A68DA405-31E9-44C3-A33B-013AC39763DD}" type="datetimeFigureOut">
               <a:rPr lang="it-IT" smtClean="0"/>
-              <a:t>16/04/2025</a:t>
+              <a:t>28/04/2025</a:t>
             </a:fld>
             <a:endParaRPr lang="it-IT"/>
           </a:p>
@@ -17663,7 +19977,7 @@
           <a:p>
             <a:fld id="{A68DA405-31E9-44C3-A33B-013AC39763DD}" type="datetimeFigureOut">
               <a:rPr lang="it-IT" smtClean="0"/>
-              <a:t>16/04/2025</a:t>
+              <a:t>28/04/2025</a:t>
             </a:fld>
             <a:endParaRPr lang="it-IT"/>
           </a:p>
@@ -17928,7 +20242,7 @@
           <a:p>
             <a:fld id="{A68DA405-31E9-44C3-A33B-013AC39763DD}" type="datetimeFigureOut">
               <a:rPr lang="it-IT" smtClean="0"/>
-              <a:t>16/04/2025</a:t>
+              <a:t>28/04/2025</a:t>
             </a:fld>
             <a:endParaRPr lang="it-IT"/>
           </a:p>
@@ -18340,7 +20654,7 @@
           <a:p>
             <a:fld id="{A68DA405-31E9-44C3-A33B-013AC39763DD}" type="datetimeFigureOut">
               <a:rPr lang="it-IT" smtClean="0"/>
-              <a:t>16/04/2025</a:t>
+              <a:t>28/04/2025</a:t>
             </a:fld>
             <a:endParaRPr lang="it-IT"/>
           </a:p>
@@ -18481,7 +20795,7 @@
           <a:p>
             <a:fld id="{A68DA405-31E9-44C3-A33B-013AC39763DD}" type="datetimeFigureOut">
               <a:rPr lang="it-IT" smtClean="0"/>
-              <a:t>16/04/2025</a:t>
+              <a:t>28/04/2025</a:t>
             </a:fld>
             <a:endParaRPr lang="it-IT"/>
           </a:p>
@@ -18594,7 +20908,7 @@
           <a:p>
             <a:fld id="{A68DA405-31E9-44C3-A33B-013AC39763DD}" type="datetimeFigureOut">
               <a:rPr lang="it-IT" smtClean="0"/>
-              <a:t>16/04/2025</a:t>
+              <a:t>28/04/2025</a:t>
             </a:fld>
             <a:endParaRPr lang="it-IT"/>
           </a:p>
@@ -18905,7 +21219,7 @@
           <a:p>
             <a:fld id="{A68DA405-31E9-44C3-A33B-013AC39763DD}" type="datetimeFigureOut">
               <a:rPr lang="it-IT" smtClean="0"/>
-              <a:t>16/04/2025</a:t>
+              <a:t>28/04/2025</a:t>
             </a:fld>
             <a:endParaRPr lang="it-IT"/>
           </a:p>
@@ -19193,7 +21507,7 @@
           <a:p>
             <a:fld id="{A68DA405-31E9-44C3-A33B-013AC39763DD}" type="datetimeFigureOut">
               <a:rPr lang="it-IT" smtClean="0"/>
-              <a:t>16/04/2025</a:t>
+              <a:t>28/04/2025</a:t>
             </a:fld>
             <a:endParaRPr lang="it-IT"/>
           </a:p>
@@ -19434,7 +21748,7 @@
           <a:p>
             <a:fld id="{A68DA405-31E9-44C3-A33B-013AC39763DD}" type="datetimeFigureOut">
               <a:rPr lang="it-IT" smtClean="0"/>
-              <a:t>16/04/2025</a:t>
+              <a:t>28/04/2025</a:t>
             </a:fld>
             <a:endParaRPr lang="it-IT"/>
           </a:p>
@@ -20641,8 +22955,42 @@
                 </a:solidFill>
                 <a:latin typeface="+mj-lt"/>
               </a:rPr>
-              <a:t>Pasquale Casillo La Montagna</a:t>
-            </a:r>
+              <a:t>Pasquale Casillo La Montagna </a:t>
+            </a:r>
+            <a:r>
+              <a:rPr lang="it-IT" dirty="0" err="1">
+                <a:solidFill>
+                  <a:schemeClr val="bg1"/>
+                </a:solidFill>
+                <a:latin typeface="+mj-lt"/>
+              </a:rPr>
+              <a:t>mat</a:t>
+            </a:r>
+            <a:r>
+              <a:rPr lang="it-IT" dirty="0">
+                <a:solidFill>
+                  <a:schemeClr val="bg1"/>
+                </a:solidFill>
+                <a:latin typeface="+mj-lt"/>
+              </a:rPr>
+              <a:t>.</a:t>
+            </a:r>
+            <a:r>
+              <a:rPr lang="it-IT" b="0" i="0" dirty="0">
+                <a:solidFill>
+                  <a:schemeClr val="bg1"/>
+                </a:solidFill>
+                <a:effectLst/>
+                <a:latin typeface="+mj-lt"/>
+              </a:rPr>
+              <a:t> 0522501514</a:t>
+            </a:r>
+            <a:endParaRPr lang="it-IT" dirty="0">
+              <a:solidFill>
+                <a:schemeClr val="bg1"/>
+              </a:solidFill>
+              <a:latin typeface="+mj-lt"/>
+            </a:endParaRPr>
           </a:p>
           <a:p>
             <a:pPr rtl="0"/>
@@ -20662,9 +23010,24 @@
                 </a:solidFill>
                 <a:latin typeface="+mj-lt"/>
               </a:rPr>
-              <a:t>Giorgio Siniscalchi</a:t>
-            </a:r>
-            <a:endParaRPr lang="it-IT" dirty="0"/>
+              <a:t>Giorgio Siniscalchi </a:t>
+            </a:r>
+            <a:r>
+              <a:rPr lang="it-IT" b="0" i="0" dirty="0">
+                <a:solidFill>
+                  <a:schemeClr val="bg1"/>
+                </a:solidFill>
+                <a:effectLst/>
+                <a:latin typeface="+mj-lt"/>
+              </a:rPr>
+              <a:t>0522501720</a:t>
+            </a:r>
+            <a:endParaRPr lang="it-IT" dirty="0">
+              <a:solidFill>
+                <a:schemeClr val="bg1"/>
+              </a:solidFill>
+              <a:latin typeface="+mj-lt"/>
+            </a:endParaRPr>
           </a:p>
         </p:txBody>
       </p:sp>
@@ -22040,7 +24403,7 @@
                   <a:schemeClr val="bg1"/>
                 </a:solidFill>
               </a:rPr>
-              <a:t>Digitiamo /home/flag16/</a:t>
+              <a:t>Digitiamo /home/flag07/</a:t>
             </a:r>
             <a:r>
               <a:rPr lang="it-IT" dirty="0" err="1">
@@ -24506,7 +26869,7 @@
                   <a:schemeClr val="bg1"/>
                 </a:solidFill>
               </a:rPr>
-              <a:t>Tentiamo nuovamente l’attacco digitando il comando /home/flag16/</a:t>
+              <a:t>Tentiamo nuovamente l’attacco digitando il comando /home/flag07/</a:t>
             </a:r>
             <a:r>
               <a:rPr lang="it-IT" dirty="0" err="1">
@@ -26426,17 +28789,23 @@
                   <a:schemeClr val="bg1"/>
                 </a:solidFill>
               </a:rPr>
-              <a:t>È possibile effettuare un'iniezione remota utilizzando lo stesso input dell'iniezione locale?</a:t>
-            </a:r>
-          </a:p>
-          <a:p>
+              <a:t>È possibile effettuare un'iniezione remota utilizzando lo stesso input dell'iniezione </a:t>
+            </a:r>
+            <a:r>
+              <a:rPr lang="it-IT" dirty="0" err="1">
+                <a:solidFill>
+                  <a:schemeClr val="bg1"/>
+                </a:solidFill>
+              </a:rPr>
+              <a:t>locale?Per</a:t>
+            </a:r>
             <a:r>
               <a:rPr lang="it-IT" dirty="0">
                 <a:solidFill>
                   <a:schemeClr val="bg1"/>
                 </a:solidFill>
               </a:rPr>
-              <a:t>Per farlo, è necessario individuare un server web che esegua lo script </a:t>
+              <a:t> farlo, è necessario individuare un server web che esegua lo script </a:t>
             </a:r>
             <a:r>
               <a:rPr lang="it-IT" dirty="0" err="1">
@@ -32817,7 +35186,7 @@
                   <a:schemeClr val="bg1"/>
                 </a:solidFill>
               </a:rPr>
-              <a:t>Anche se il login è fallito, il payload è stato eseguito in background.</a:t>
+              <a:t>Anche se il login è fallito, il payload è stato eseguito in background</a:t>
             </a:r>
           </a:p>
           <a:p>
@@ -33464,14 +35833,13 @@
           </p:cNvPr>
           <p:cNvCxnSpPr>
             <a:cxnSpLocks/>
-            <a:endCxn id="3" idx="1"/>
           </p:cNvCxnSpPr>
           <p:nvPr/>
         </p:nvCxnSpPr>
         <p:spPr>
           <a:xfrm flipV="1">
-            <a:off x="5601419" y="4400056"/>
-            <a:ext cx="1541863" cy="860050"/>
+            <a:off x="5601419" y="3681925"/>
+            <a:ext cx="5478965" cy="1578181"/>
           </a:xfrm>
           <a:prstGeom prst="straightConnector1">
             <a:avLst/>
@@ -33516,80 +35884,6 @@
           <a:xfrm flipV="1">
             <a:off x="5601418" y="5781417"/>
             <a:ext cx="2915729" cy="449634"/>
-          </a:xfrm>
-          <a:prstGeom prst="straightConnector1">
-            <a:avLst/>
-          </a:prstGeom>
-          <a:ln>
-            <a:solidFill>
-              <a:schemeClr val="bg1"/>
-            </a:solidFill>
-            <a:tailEnd type="triangle"/>
-          </a:ln>
-        </p:spPr>
-        <p:style>
-          <a:lnRef idx="1">
-            <a:schemeClr val="accent1"/>
-          </a:lnRef>
-          <a:fillRef idx="0">
-            <a:schemeClr val="accent1"/>
-          </a:fillRef>
-          <a:effectRef idx="0">
-            <a:schemeClr val="accent1"/>
-          </a:effectRef>
-          <a:fontRef idx="minor">
-            <a:schemeClr val="tx1"/>
-          </a:fontRef>
-        </p:style>
-      </p:cxnSp>
-      <p:pic>
-        <p:nvPicPr>
-          <p:cNvPr id="3" name="Immagine 2">
-            <a:extLst>
-              <a:ext uri="{FF2B5EF4-FFF2-40B4-BE49-F238E27FC236}">
-                <a16:creationId xmlns:a16="http://schemas.microsoft.com/office/drawing/2014/main" id="{8554A064-49F6-BF22-A14A-057C79FD8B73}"/>
-              </a:ext>
-            </a:extLst>
-          </p:cNvPr>
-          <p:cNvPicPr>
-            <a:picLocks noChangeAspect="1"/>
-          </p:cNvPicPr>
-          <p:nvPr/>
-        </p:nvPicPr>
-        <p:blipFill>
-          <a:blip r:embed="rId6"/>
-          <a:stretch>
-            <a:fillRect/>
-          </a:stretch>
-        </p:blipFill>
-        <p:spPr>
-          <a:xfrm>
-            <a:off x="7143282" y="4173138"/>
-            <a:ext cx="2395238" cy="453835"/>
-          </a:xfrm>
-          <a:prstGeom prst="rect">
-            <a:avLst/>
-          </a:prstGeom>
-        </p:spPr>
-      </p:pic>
-      <p:cxnSp>
-        <p:nvCxnSpPr>
-          <p:cNvPr id="5" name="Connettore 2 4">
-            <a:extLst>
-              <a:ext uri="{FF2B5EF4-FFF2-40B4-BE49-F238E27FC236}">
-                <a16:creationId xmlns:a16="http://schemas.microsoft.com/office/drawing/2014/main" id="{203E4295-60D0-A21A-A73B-F7C975424A74}"/>
-              </a:ext>
-            </a:extLst>
-          </p:cNvPr>
-          <p:cNvCxnSpPr>
-            <a:cxnSpLocks/>
-          </p:cNvCxnSpPr>
-          <p:nvPr/>
-        </p:nvCxnSpPr>
-        <p:spPr>
-          <a:xfrm flipV="1">
-            <a:off x="5620583" y="3751251"/>
-            <a:ext cx="1699525" cy="1495358"/>
           </a:xfrm>
           <a:prstGeom prst="straightConnector1">
             <a:avLst/>
@@ -37297,7 +39591,7 @@
         <p:cNvPr id="1" name="">
           <a:extLst>
             <a:ext uri="{FF2B5EF4-FFF2-40B4-BE49-F238E27FC236}">
-              <a16:creationId xmlns:a16="http://schemas.microsoft.com/office/drawing/2014/main" id="{365BF656-DA66-B24C-1F04-76293D19917B}"/>
+              <a16:creationId xmlns:a16="http://schemas.microsoft.com/office/drawing/2014/main" id="{70714572-55D2-B52C-ADA7-D26EDA55A596}"/>
             </a:ext>
           </a:extLst>
         </p:cNvPr>
@@ -37317,7 +39611,7 @@
           <p:cNvPr id="24" name="Titolo 1">
             <a:extLst>
               <a:ext uri="{FF2B5EF4-FFF2-40B4-BE49-F238E27FC236}">
-                <a16:creationId xmlns:a16="http://schemas.microsoft.com/office/drawing/2014/main" id="{3F7466A4-C885-6726-BC68-E30A2DC07FC4}"/>
+                <a16:creationId xmlns:a16="http://schemas.microsoft.com/office/drawing/2014/main" id="{7289A274-2512-7102-8304-B7E5247008A5}"/>
               </a:ext>
             </a:extLst>
           </p:cNvPr>
@@ -37344,18 +39638,156 @@
           <a:p>
             <a:pPr rtl="0"/>
             <a:r>
-              <a:rPr lang="it-IT"/>
-              <a:t>GRAZIE</a:t>
+              <a:rPr lang="it-IT" dirty="0"/>
+              <a:t>Debolezza 1</a:t>
             </a:r>
           </a:p>
         </p:txBody>
       </p:sp>
       <p:sp>
         <p:nvSpPr>
-          <p:cNvPr id="14" name="Segnaposto testo 2">
-            <a:extLst>
-              <a:ext uri="{FF2B5EF4-FFF2-40B4-BE49-F238E27FC236}">
-                <a16:creationId xmlns:a16="http://schemas.microsoft.com/office/drawing/2014/main" id="{B13BA3AE-F013-2875-B755-FD6FE3AC47F4}"/>
+          <p:cNvPr id="2" name="CasellaDiTesto 1">
+            <a:extLst>
+              <a:ext uri="{FF2B5EF4-FFF2-40B4-BE49-F238E27FC236}">
+                <a16:creationId xmlns:a16="http://schemas.microsoft.com/office/drawing/2014/main" id="{E0A7B54F-43C6-F18E-F77C-FB36430C5E6A}"/>
+              </a:ext>
+            </a:extLst>
+          </p:cNvPr>
+          <p:cNvSpPr txBox="1"/>
+          <p:nvPr/>
+        </p:nvSpPr>
+        <p:spPr>
+          <a:xfrm>
+            <a:off x="835831" y="3236976"/>
+            <a:ext cx="3580721" cy="1200329"/>
+          </a:xfrm>
+          <a:prstGeom prst="rect">
+            <a:avLst/>
+          </a:prstGeom>
+          <a:noFill/>
+        </p:spPr>
+        <p:txBody>
+          <a:bodyPr wrap="square" rtlCol="0">
+            <a:spAutoFit/>
+          </a:bodyPr>
+          <a:lstStyle/>
+          <a:p>
+            <a:r>
+              <a:rPr lang="it-IT" dirty="0">
+                <a:solidFill>
+                  <a:schemeClr val="bg1"/>
+                </a:solidFill>
+              </a:rPr>
+              <a:t>Il Web server </a:t>
+            </a:r>
+            <a:r>
+              <a:rPr lang="it-IT" b="1" dirty="0" err="1">
+                <a:solidFill>
+                  <a:schemeClr val="bg1"/>
+                </a:solidFill>
+              </a:rPr>
+              <a:t>thttpd</a:t>
+            </a:r>
+            <a:r>
+              <a:rPr lang="it-IT" dirty="0">
+                <a:solidFill>
+                  <a:schemeClr val="bg1"/>
+                </a:solidFill>
+              </a:rPr>
+              <a:t> opera con privilegi di esecuzione superiori al necessario, utilizzando l'account "privilegiato" </a:t>
+            </a:r>
+            <a:r>
+              <a:rPr lang="it-IT" b="1" dirty="0">
+                <a:solidFill>
+                  <a:schemeClr val="bg1"/>
+                </a:solidFill>
+              </a:rPr>
+              <a:t>flag16</a:t>
+            </a:r>
+            <a:r>
+              <a:rPr lang="it-IT" dirty="0">
+                <a:solidFill>
+                  <a:schemeClr val="bg1"/>
+                </a:solidFill>
+              </a:rPr>
+              <a:t>.</a:t>
+            </a:r>
+          </a:p>
+        </p:txBody>
+      </p:sp>
+    </p:spTree>
+    <p:extLst>
+      <p:ext uri="{BB962C8B-B14F-4D97-AF65-F5344CB8AC3E}">
+        <p14:creationId xmlns:p14="http://schemas.microsoft.com/office/powerpoint/2010/main" val="2528632434"/>
+      </p:ext>
+    </p:extLst>
+  </p:cSld>
+  <p:clrMapOvr>
+    <a:masterClrMapping/>
+  </p:clrMapOvr>
+</p:sld>
+</file>
+
+<file path=ppt/slides/slide31.xml><?xml version="1.0" encoding="utf-8"?>
+<p:sld xmlns:a="http://schemas.openxmlformats.org/drawingml/2006/main" xmlns:r="http://schemas.openxmlformats.org/officeDocument/2006/relationships" xmlns:p="http://schemas.openxmlformats.org/presentationml/2006/main">
+  <p:cSld>
+    <p:bg>
+      <p:bgPr>
+        <a:gradFill>
+          <a:gsLst>
+            <a:gs pos="78000">
+              <a:schemeClr val="accent6">
+                <a:lumMod val="50000"/>
+              </a:schemeClr>
+            </a:gs>
+            <a:gs pos="35040">
+              <a:srgbClr val="020B11"/>
+            </a:gs>
+            <a:gs pos="11979">
+              <a:schemeClr val="accent4">
+                <a:lumMod val="50000"/>
+              </a:schemeClr>
+            </a:gs>
+            <a:gs pos="0">
+              <a:schemeClr val="accent4"/>
+            </a:gs>
+            <a:gs pos="99000">
+              <a:schemeClr val="tx2">
+                <a:lumMod val="50000"/>
+              </a:schemeClr>
+            </a:gs>
+          </a:gsLst>
+          <a:lin ang="7800000" scaled="0"/>
+        </a:gradFill>
+        <a:effectLst/>
+      </p:bgPr>
+    </p:bg>
+    <p:spTree>
+      <p:nvGrpSpPr>
+        <p:cNvPr id="1" name="">
+          <a:extLst>
+            <a:ext uri="{FF2B5EF4-FFF2-40B4-BE49-F238E27FC236}">
+              <a16:creationId xmlns:a16="http://schemas.microsoft.com/office/drawing/2014/main" id="{3B1D5F74-0C96-F977-AE57-1741FDA08CE4}"/>
+            </a:ext>
+          </a:extLst>
+        </p:cNvPr>
+        <p:cNvGrpSpPr/>
+        <p:nvPr/>
+      </p:nvGrpSpPr>
+      <p:grpSpPr>
+        <a:xfrm>
+          <a:off x="0" y="0"/>
+          <a:ext cx="0" cy="0"/>
+          <a:chOff x="0" y="0"/>
+          <a:chExt cx="0" cy="0"/>
+        </a:xfrm>
+      </p:grpSpPr>
+      <p:sp>
+        <p:nvSpPr>
+          <p:cNvPr id="24" name="Titolo 1">
+            <a:extLst>
+              <a:ext uri="{FF2B5EF4-FFF2-40B4-BE49-F238E27FC236}">
+                <a16:creationId xmlns:a16="http://schemas.microsoft.com/office/drawing/2014/main" id="{8807BEC8-DBD1-BB99-AF5C-DB7BF0886112}"/>
               </a:ext>
             </a:extLst>
           </p:cNvPr>
@@ -37363,13 +39795,13 @@
             <a:spLocks noGrp="1"/>
           </p:cNvSpPr>
           <p:nvPr>
-            <p:ph sz="quarter" idx="14"/>
+            <p:ph type="title"/>
           </p:nvPr>
         </p:nvSpPr>
         <p:spPr>
           <a:xfrm>
-            <a:off x="831850" y="3079119"/>
-            <a:ext cx="4413250" cy="2752725"/>
+            <a:off x="835831" y="173735"/>
+            <a:ext cx="4409514" cy="2203704"/>
           </a:xfrm>
         </p:spPr>
         <p:txBody>
@@ -37382,29 +39814,49 @@
           <a:p>
             <a:pPr rtl="0"/>
             <a:r>
-              <a:rPr lang="it-IT"/>
-              <a:t>Mirjam Nilsson​</a:t>
-            </a:r>
-          </a:p>
-          <a:p>
-            <a:pPr rtl="0"/>
-            <a:r>
-              <a:rPr lang="it-IT"/>
-              <a:t>206-555-0146</a:t>
-            </a:r>
-          </a:p>
-          <a:p>
-            <a:pPr rtl="0"/>
-            <a:r>
-              <a:rPr lang="it-IT"/>
-              <a:t>lelia@contoso.com</a:t>
-            </a:r>
-          </a:p>
-          <a:p>
-            <a:pPr rtl="0"/>
-            <a:r>
-              <a:rPr lang="it-IT"/>
-              <a:t>www.contoso.com</a:t>
+              <a:rPr lang="it-IT" dirty="0"/>
+              <a:t>Debolezza 2</a:t>
+            </a:r>
+          </a:p>
+        </p:txBody>
+      </p:sp>
+      <p:sp>
+        <p:nvSpPr>
+          <p:cNvPr id="2" name="CasellaDiTesto 1">
+            <a:extLst>
+              <a:ext uri="{FF2B5EF4-FFF2-40B4-BE49-F238E27FC236}">
+                <a16:creationId xmlns:a16="http://schemas.microsoft.com/office/drawing/2014/main" id="{61650954-DB8E-CA46-D300-7A3C3A5644F6}"/>
+              </a:ext>
+            </a:extLst>
+          </p:cNvPr>
+          <p:cNvSpPr txBox="1"/>
+          <p:nvPr/>
+        </p:nvSpPr>
+        <p:spPr>
+          <a:xfrm>
+            <a:off x="835831" y="3236976"/>
+            <a:ext cx="3580721" cy="1754326"/>
+          </a:xfrm>
+          <a:prstGeom prst="rect">
+            <a:avLst/>
+          </a:prstGeom>
+          <a:noFill/>
+        </p:spPr>
+        <p:txBody>
+          <a:bodyPr wrap="square" rtlCol="0">
+            <a:spAutoFit/>
+          </a:bodyPr>
+          <a:lstStyle/>
+          <a:p>
+            <a:r>
+              <a:rPr lang="it-IT" dirty="0">
+                <a:solidFill>
+                  <a:schemeClr val="bg1">
+                    <a:lumMod val="95000"/>
+                  </a:schemeClr>
+                </a:solidFill>
+              </a:rPr>
+              <a:t>Qualora un'applicazione Web che esegue comandi non neutralizzi adeguatamente i "caratteri speciali", un attaccante può iniettare nuovi caratteri concatenandoli ai precedenti.</a:t>
             </a:r>
           </a:p>
         </p:txBody>
@@ -37412,7 +39864,2904 @@
     </p:spTree>
     <p:extLst>
       <p:ext uri="{BB962C8B-B14F-4D97-AF65-F5344CB8AC3E}">
-        <p14:creationId xmlns:p14="http://schemas.microsoft.com/office/powerpoint/2010/main" val="1859048882"/>
+        <p14:creationId xmlns:p14="http://schemas.microsoft.com/office/powerpoint/2010/main" val="672184286"/>
+      </p:ext>
+    </p:extLst>
+  </p:cSld>
+  <p:clrMapOvr>
+    <a:masterClrMapping/>
+  </p:clrMapOvr>
+</p:sld>
+</file>
+
+<file path=ppt/slides/slide32.xml><?xml version="1.0" encoding="utf-8"?>
+<p:sld xmlns:a="http://schemas.openxmlformats.org/drawingml/2006/main" xmlns:r="http://schemas.openxmlformats.org/officeDocument/2006/relationships" xmlns:p="http://schemas.openxmlformats.org/presentationml/2006/main">
+  <p:cSld>
+    <p:bg>
+      <p:bgPr>
+        <a:gradFill>
+          <a:gsLst>
+            <a:gs pos="78000">
+              <a:schemeClr val="accent6">
+                <a:lumMod val="50000"/>
+              </a:schemeClr>
+            </a:gs>
+            <a:gs pos="35040">
+              <a:srgbClr val="020B11"/>
+            </a:gs>
+            <a:gs pos="11979">
+              <a:schemeClr val="accent4">
+                <a:lumMod val="50000"/>
+              </a:schemeClr>
+            </a:gs>
+            <a:gs pos="0">
+              <a:schemeClr val="accent4"/>
+            </a:gs>
+            <a:gs pos="99000">
+              <a:schemeClr val="tx2">
+                <a:lumMod val="50000"/>
+              </a:schemeClr>
+            </a:gs>
+          </a:gsLst>
+          <a:lin ang="7800000" scaled="0"/>
+        </a:gradFill>
+        <a:effectLst/>
+      </p:bgPr>
+    </p:bg>
+    <p:spTree>
+      <p:nvGrpSpPr>
+        <p:cNvPr id="1" name="">
+          <a:extLst>
+            <a:ext uri="{FF2B5EF4-FFF2-40B4-BE49-F238E27FC236}">
+              <a16:creationId xmlns:a16="http://schemas.microsoft.com/office/drawing/2014/main" id="{1A154C1E-D5C8-C053-741B-17EE359C1B35}"/>
+            </a:ext>
+          </a:extLst>
+        </p:cNvPr>
+        <p:cNvGrpSpPr/>
+        <p:nvPr/>
+      </p:nvGrpSpPr>
+      <p:grpSpPr>
+        <a:xfrm>
+          <a:off x="0" y="0"/>
+          <a:ext cx="0" cy="0"/>
+          <a:chOff x="0" y="0"/>
+          <a:chExt cx="0" cy="0"/>
+        </a:xfrm>
+      </p:grpSpPr>
+      <p:sp>
+        <p:nvSpPr>
+          <p:cNvPr id="24" name="Titolo 1">
+            <a:extLst>
+              <a:ext uri="{FF2B5EF4-FFF2-40B4-BE49-F238E27FC236}">
+                <a16:creationId xmlns:a16="http://schemas.microsoft.com/office/drawing/2014/main" id="{432A73AD-2A0D-816B-9FC1-1C2DA540D072}"/>
+              </a:ext>
+            </a:extLst>
+          </p:cNvPr>
+          <p:cNvSpPr>
+            <a:spLocks noGrp="1"/>
+          </p:cNvSpPr>
+          <p:nvPr>
+            <p:ph type="title"/>
+          </p:nvPr>
+        </p:nvSpPr>
+        <p:spPr>
+          <a:xfrm>
+            <a:off x="835831" y="173735"/>
+            <a:ext cx="4409514" cy="2203704"/>
+          </a:xfrm>
+        </p:spPr>
+        <p:txBody>
+          <a:bodyPr rtlCol="0"/>
+          <a:lstStyle>
+            <a:defPPr>
+              <a:defRPr lang="it-IT"/>
+            </a:defPPr>
+          </a:lstStyle>
+          <a:p>
+            <a:pPr rtl="0"/>
+            <a:r>
+              <a:rPr lang="it-IT" dirty="0"/>
+              <a:t>Mitigazione</a:t>
+            </a:r>
+          </a:p>
+        </p:txBody>
+      </p:sp>
+    </p:spTree>
+    <p:extLst>
+      <p:ext uri="{BB962C8B-B14F-4D97-AF65-F5344CB8AC3E}">
+        <p14:creationId xmlns:p14="http://schemas.microsoft.com/office/powerpoint/2010/main" val="3673041290"/>
+      </p:ext>
+    </p:extLst>
+  </p:cSld>
+  <p:clrMapOvr>
+    <a:masterClrMapping/>
+  </p:clrMapOvr>
+</p:sld>
+</file>
+
+<file path=ppt/slides/slide33.xml><?xml version="1.0" encoding="utf-8"?>
+<p:sld xmlns:a="http://schemas.openxmlformats.org/drawingml/2006/main" xmlns:r="http://schemas.openxmlformats.org/officeDocument/2006/relationships" xmlns:p="http://schemas.openxmlformats.org/presentationml/2006/main">
+  <p:cSld>
+    <p:bg>
+      <p:bgPr>
+        <a:gradFill>
+          <a:gsLst>
+            <a:gs pos="78000">
+              <a:schemeClr val="accent6">
+                <a:lumMod val="50000"/>
+              </a:schemeClr>
+            </a:gs>
+            <a:gs pos="35040">
+              <a:srgbClr val="020B11"/>
+            </a:gs>
+            <a:gs pos="11979">
+              <a:schemeClr val="accent4">
+                <a:lumMod val="50000"/>
+              </a:schemeClr>
+            </a:gs>
+            <a:gs pos="0">
+              <a:schemeClr val="accent4"/>
+            </a:gs>
+            <a:gs pos="99000">
+              <a:schemeClr val="tx2">
+                <a:lumMod val="50000"/>
+              </a:schemeClr>
+            </a:gs>
+          </a:gsLst>
+          <a:lin ang="7800000" scaled="0"/>
+        </a:gradFill>
+        <a:effectLst/>
+      </p:bgPr>
+    </p:bg>
+    <p:spTree>
+      <p:nvGrpSpPr>
+        <p:cNvPr id="1" name="">
+          <a:extLst>
+            <a:ext uri="{FF2B5EF4-FFF2-40B4-BE49-F238E27FC236}">
+              <a16:creationId xmlns:a16="http://schemas.microsoft.com/office/drawing/2014/main" id="{6D0926DB-55BD-51D9-EB38-A41BA2FBE2A8}"/>
+            </a:ext>
+          </a:extLst>
+        </p:cNvPr>
+        <p:cNvGrpSpPr/>
+        <p:nvPr/>
+      </p:nvGrpSpPr>
+      <p:grpSpPr>
+        <a:xfrm>
+          <a:off x="0" y="0"/>
+          <a:ext cx="0" cy="0"/>
+          <a:chOff x="0" y="0"/>
+          <a:chExt cx="0" cy="0"/>
+        </a:xfrm>
+      </p:grpSpPr>
+      <p:sp>
+        <p:nvSpPr>
+          <p:cNvPr id="24" name="Titolo 1">
+            <a:extLst>
+              <a:ext uri="{FF2B5EF4-FFF2-40B4-BE49-F238E27FC236}">
+                <a16:creationId xmlns:a16="http://schemas.microsoft.com/office/drawing/2014/main" id="{9E974134-A166-7F3A-D258-206BB6281BE3}"/>
+              </a:ext>
+            </a:extLst>
+          </p:cNvPr>
+          <p:cNvSpPr>
+            <a:spLocks noGrp="1"/>
+          </p:cNvSpPr>
+          <p:nvPr>
+            <p:ph type="title"/>
+          </p:nvPr>
+        </p:nvSpPr>
+        <p:spPr>
+          <a:xfrm>
+            <a:off x="835831" y="173735"/>
+            <a:ext cx="4409514" cy="2203704"/>
+          </a:xfrm>
+        </p:spPr>
+        <p:txBody>
+          <a:bodyPr rtlCol="0"/>
+          <a:lstStyle>
+            <a:defPPr>
+              <a:defRPr lang="it-IT"/>
+            </a:defPPr>
+          </a:lstStyle>
+          <a:p>
+            <a:pPr rtl="0"/>
+            <a:r>
+              <a:rPr lang="it-IT" dirty="0"/>
+              <a:t>Mitigazione 1</a:t>
+            </a:r>
+          </a:p>
+        </p:txBody>
+      </p:sp>
+      <p:sp>
+        <p:nvSpPr>
+          <p:cNvPr id="2" name="CasellaDiTesto 1">
+            <a:extLst>
+              <a:ext uri="{FF2B5EF4-FFF2-40B4-BE49-F238E27FC236}">
+                <a16:creationId xmlns:a16="http://schemas.microsoft.com/office/drawing/2014/main" id="{FD729096-212A-3278-0D33-66D421F14383}"/>
+              </a:ext>
+            </a:extLst>
+          </p:cNvPr>
+          <p:cNvSpPr txBox="1"/>
+          <p:nvPr/>
+        </p:nvSpPr>
+        <p:spPr>
+          <a:xfrm>
+            <a:off x="835831" y="3236976"/>
+            <a:ext cx="3580721" cy="2585323"/>
+          </a:xfrm>
+          <a:prstGeom prst="rect">
+            <a:avLst/>
+          </a:prstGeom>
+          <a:noFill/>
+        </p:spPr>
+        <p:txBody>
+          <a:bodyPr wrap="square" rtlCol="0">
+            <a:spAutoFit/>
+          </a:bodyPr>
+          <a:lstStyle/>
+          <a:p>
+            <a:r>
+              <a:rPr lang="it-IT" dirty="0">
+                <a:solidFill>
+                  <a:schemeClr val="bg1">
+                    <a:lumMod val="95000"/>
+                  </a:schemeClr>
+                </a:solidFill>
+              </a:rPr>
+              <a:t>Possiamo riconfigurare </a:t>
+            </a:r>
+            <a:r>
+              <a:rPr lang="it-IT" dirty="0" err="1">
+                <a:solidFill>
+                  <a:schemeClr val="bg1">
+                    <a:lumMod val="95000"/>
+                  </a:schemeClr>
+                </a:solidFill>
+              </a:rPr>
+              <a:t>thttpd</a:t>
+            </a:r>
+            <a:r>
+              <a:rPr lang="it-IT" dirty="0">
+                <a:solidFill>
+                  <a:schemeClr val="bg1">
+                    <a:lumMod val="95000"/>
+                  </a:schemeClr>
+                </a:solidFill>
+              </a:rPr>
+              <a:t> affinché venga eseguito con i privilegi di un utente con minori permessi, ad esempio level16 invece di flag16.Prima di procedere, verifichiamo che il file /home/flag16/</a:t>
+            </a:r>
+            <a:r>
+              <a:rPr lang="it-IT" dirty="0" err="1">
+                <a:solidFill>
+                  <a:schemeClr val="bg1">
+                    <a:lumMod val="95000"/>
+                  </a:schemeClr>
+                </a:solidFill>
+              </a:rPr>
+              <a:t>thttpd.conf</a:t>
+            </a:r>
+            <a:r>
+              <a:rPr lang="it-IT" dirty="0">
+                <a:solidFill>
+                  <a:schemeClr val="bg1">
+                    <a:lumMod val="95000"/>
+                  </a:schemeClr>
+                </a:solidFill>
+              </a:rPr>
+              <a:t> sia effettivamente quello utilizzato dal server Web.</a:t>
+            </a:r>
+          </a:p>
+        </p:txBody>
+      </p:sp>
+      <p:pic>
+        <p:nvPicPr>
+          <p:cNvPr id="5" name="Immagine 4">
+            <a:extLst>
+              <a:ext uri="{FF2B5EF4-FFF2-40B4-BE49-F238E27FC236}">
+                <a16:creationId xmlns:a16="http://schemas.microsoft.com/office/drawing/2014/main" id="{C35A6F68-6F31-FCE5-B2AC-42FBAF4E7CD9}"/>
+              </a:ext>
+            </a:extLst>
+          </p:cNvPr>
+          <p:cNvPicPr>
+            <a:picLocks noChangeAspect="1"/>
+          </p:cNvPicPr>
+          <p:nvPr/>
+        </p:nvPicPr>
+        <p:blipFill>
+          <a:blip r:embed="rId3">
+            <a:extLst>
+              <a:ext uri="{28A0092B-C50C-407E-A947-70E740481C1C}">
+                <a14:useLocalDpi xmlns:a14="http://schemas.microsoft.com/office/drawing/2010/main" val="0"/>
+              </a:ext>
+            </a:extLst>
+          </a:blip>
+          <a:stretch>
+            <a:fillRect/>
+          </a:stretch>
+        </p:blipFill>
+        <p:spPr>
+          <a:xfrm>
+            <a:off x="5245345" y="4633420"/>
+            <a:ext cx="5803900" cy="691035"/>
+          </a:xfrm>
+          <a:prstGeom prst="rect">
+            <a:avLst/>
+          </a:prstGeom>
+        </p:spPr>
+      </p:pic>
+    </p:spTree>
+    <p:extLst>
+      <p:ext uri="{BB962C8B-B14F-4D97-AF65-F5344CB8AC3E}">
+        <p14:creationId xmlns:p14="http://schemas.microsoft.com/office/powerpoint/2010/main" val="1441402582"/>
+      </p:ext>
+    </p:extLst>
+  </p:cSld>
+  <p:clrMapOvr>
+    <a:masterClrMapping/>
+  </p:clrMapOvr>
+</p:sld>
+</file>
+
+<file path=ppt/slides/slide34.xml><?xml version="1.0" encoding="utf-8"?>
+<p:sld xmlns:a="http://schemas.openxmlformats.org/drawingml/2006/main" xmlns:r="http://schemas.openxmlformats.org/officeDocument/2006/relationships" xmlns:p="http://schemas.openxmlformats.org/presentationml/2006/main">
+  <p:cSld>
+    <p:bg>
+      <p:bgPr>
+        <a:gradFill>
+          <a:gsLst>
+            <a:gs pos="78000">
+              <a:schemeClr val="accent6">
+                <a:lumMod val="50000"/>
+              </a:schemeClr>
+            </a:gs>
+            <a:gs pos="35040">
+              <a:srgbClr val="020B11"/>
+            </a:gs>
+            <a:gs pos="11979">
+              <a:schemeClr val="accent4">
+                <a:lumMod val="50000"/>
+              </a:schemeClr>
+            </a:gs>
+            <a:gs pos="0">
+              <a:schemeClr val="accent4"/>
+            </a:gs>
+            <a:gs pos="99000">
+              <a:schemeClr val="tx2">
+                <a:lumMod val="50000"/>
+              </a:schemeClr>
+            </a:gs>
+          </a:gsLst>
+          <a:lin ang="7800000" scaled="0"/>
+        </a:gradFill>
+        <a:effectLst/>
+      </p:bgPr>
+    </p:bg>
+    <p:spTree>
+      <p:nvGrpSpPr>
+        <p:cNvPr id="1" name="">
+          <a:extLst>
+            <a:ext uri="{FF2B5EF4-FFF2-40B4-BE49-F238E27FC236}">
+              <a16:creationId xmlns:a16="http://schemas.microsoft.com/office/drawing/2014/main" id="{343518C6-6EC2-D16A-BFB9-5C29A4299101}"/>
+            </a:ext>
+          </a:extLst>
+        </p:cNvPr>
+        <p:cNvGrpSpPr/>
+        <p:nvPr/>
+      </p:nvGrpSpPr>
+      <p:grpSpPr>
+        <a:xfrm>
+          <a:off x="0" y="0"/>
+          <a:ext cx="0" cy="0"/>
+          <a:chOff x="0" y="0"/>
+          <a:chExt cx="0" cy="0"/>
+        </a:xfrm>
+      </p:grpSpPr>
+      <p:sp>
+        <p:nvSpPr>
+          <p:cNvPr id="24" name="Titolo 1">
+            <a:extLst>
+              <a:ext uri="{FF2B5EF4-FFF2-40B4-BE49-F238E27FC236}">
+                <a16:creationId xmlns:a16="http://schemas.microsoft.com/office/drawing/2014/main" id="{FF4BA3FD-3BC3-8E2C-8C6F-8276FAA697A5}"/>
+              </a:ext>
+            </a:extLst>
+          </p:cNvPr>
+          <p:cNvSpPr>
+            <a:spLocks noGrp="1"/>
+          </p:cNvSpPr>
+          <p:nvPr>
+            <p:ph type="title"/>
+          </p:nvPr>
+        </p:nvSpPr>
+        <p:spPr>
+          <a:xfrm>
+            <a:off x="835831" y="173735"/>
+            <a:ext cx="4409514" cy="2203704"/>
+          </a:xfrm>
+        </p:spPr>
+        <p:txBody>
+          <a:bodyPr rtlCol="0"/>
+          <a:lstStyle>
+            <a:defPPr>
+              <a:defRPr lang="it-IT"/>
+            </a:defPPr>
+          </a:lstStyle>
+          <a:p>
+            <a:pPr rtl="0"/>
+            <a:r>
+              <a:rPr lang="it-IT" dirty="0"/>
+              <a:t>Mitigazione 1</a:t>
+            </a:r>
+          </a:p>
+        </p:txBody>
+      </p:sp>
+      <p:sp>
+        <p:nvSpPr>
+          <p:cNvPr id="2" name="CasellaDiTesto 1">
+            <a:extLst>
+              <a:ext uri="{FF2B5EF4-FFF2-40B4-BE49-F238E27FC236}">
+                <a16:creationId xmlns:a16="http://schemas.microsoft.com/office/drawing/2014/main" id="{5B17907D-BEEE-DAC6-1B9B-820E372E19BB}"/>
+              </a:ext>
+            </a:extLst>
+          </p:cNvPr>
+          <p:cNvSpPr txBox="1"/>
+          <p:nvPr/>
+        </p:nvSpPr>
+        <p:spPr>
+          <a:xfrm>
+            <a:off x="835831" y="3236976"/>
+            <a:ext cx="4875158" cy="2308324"/>
+          </a:xfrm>
+          <a:prstGeom prst="rect">
+            <a:avLst/>
+          </a:prstGeom>
+          <a:noFill/>
+        </p:spPr>
+        <p:txBody>
+          <a:bodyPr wrap="square" rtlCol="0">
+            <a:spAutoFit/>
+          </a:bodyPr>
+          <a:lstStyle/>
+          <a:p>
+            <a:pPr>
+              <a:buNone/>
+            </a:pPr>
+            <a:r>
+              <a:rPr lang="it-IT" dirty="0">
+                <a:solidFill>
+                  <a:schemeClr val="bg1"/>
+                </a:solidFill>
+              </a:rPr>
+              <a:t>Creiamo una nuova configurazione all'interno della home directory dell'utente </a:t>
+            </a:r>
+            <a:r>
+              <a:rPr lang="it-IT" b="1" dirty="0">
+                <a:solidFill>
+                  <a:schemeClr val="bg1"/>
+                </a:solidFill>
+              </a:rPr>
+              <a:t>level16</a:t>
+            </a:r>
+            <a:r>
+              <a:rPr lang="it-IT" dirty="0">
+                <a:solidFill>
+                  <a:schemeClr val="bg1"/>
+                </a:solidFill>
+              </a:rPr>
+              <a:t>:</a:t>
+            </a:r>
+          </a:p>
+          <a:p>
+            <a:pPr>
+              <a:buFont typeface="Arial" panose="020B0604020202020204" pitchFamily="34" charset="0"/>
+              <a:buChar char="•"/>
+            </a:pPr>
+            <a:r>
+              <a:rPr lang="it-IT" dirty="0">
+                <a:solidFill>
+                  <a:schemeClr val="bg1"/>
+                </a:solidFill>
+              </a:rPr>
+              <a:t>Acquisiamo i privilegi di root tramite l'utente </a:t>
+            </a:r>
+            <a:r>
+              <a:rPr lang="it-IT" b="1" dirty="0">
+                <a:solidFill>
+                  <a:schemeClr val="bg1"/>
+                </a:solidFill>
+              </a:rPr>
+              <a:t>nebula</a:t>
+            </a:r>
+            <a:r>
+              <a:rPr lang="it-IT" dirty="0">
+                <a:solidFill>
+                  <a:schemeClr val="bg1"/>
+                </a:solidFill>
+              </a:rPr>
+              <a:t>.</a:t>
+            </a:r>
+          </a:p>
+          <a:p>
+            <a:pPr>
+              <a:buFont typeface="Arial" panose="020B0604020202020204" pitchFamily="34" charset="0"/>
+              <a:buChar char="•"/>
+            </a:pPr>
+            <a:r>
+              <a:rPr lang="it-IT" dirty="0">
+                <a:solidFill>
+                  <a:schemeClr val="bg1"/>
+                </a:solidFill>
+              </a:rPr>
+              <a:t>Copiamo il file </a:t>
+            </a:r>
+            <a:r>
+              <a:rPr lang="it-IT" b="1" dirty="0" err="1">
+                <a:solidFill>
+                  <a:schemeClr val="bg1"/>
+                </a:solidFill>
+              </a:rPr>
+              <a:t>thttpd.conf</a:t>
+            </a:r>
+            <a:r>
+              <a:rPr lang="it-IT" dirty="0">
+                <a:solidFill>
+                  <a:schemeClr val="bg1"/>
+                </a:solidFill>
+              </a:rPr>
+              <a:t> nella home directory di </a:t>
+            </a:r>
+            <a:r>
+              <a:rPr lang="it-IT" b="1" dirty="0">
+                <a:solidFill>
+                  <a:schemeClr val="bg1"/>
+                </a:solidFill>
+              </a:rPr>
+              <a:t>level16</a:t>
+            </a:r>
+            <a:r>
+              <a:rPr lang="it-IT" dirty="0">
+                <a:solidFill>
+                  <a:schemeClr val="bg1"/>
+                </a:solidFill>
+              </a:rPr>
+              <a:t>.</a:t>
+            </a:r>
+          </a:p>
+          <a:p>
+            <a:pPr>
+              <a:buFont typeface="Arial" panose="020B0604020202020204" pitchFamily="34" charset="0"/>
+              <a:buChar char="•"/>
+            </a:pPr>
+            <a:r>
+              <a:rPr lang="it-IT" dirty="0">
+                <a:solidFill>
+                  <a:schemeClr val="bg1"/>
+                </a:solidFill>
+              </a:rPr>
+              <a:t>Aggiorniamo i permessi del file per garantirne l'accesso corretto.</a:t>
+            </a:r>
+          </a:p>
+        </p:txBody>
+      </p:sp>
+      <p:cxnSp>
+        <p:nvCxnSpPr>
+          <p:cNvPr id="5" name="Connettore 2 4">
+            <a:extLst>
+              <a:ext uri="{FF2B5EF4-FFF2-40B4-BE49-F238E27FC236}">
+                <a16:creationId xmlns:a16="http://schemas.microsoft.com/office/drawing/2014/main" id="{CCAE08BF-4FC6-0AC8-FEDC-25FEC257AFFC}"/>
+              </a:ext>
+            </a:extLst>
+          </p:cNvPr>
+          <p:cNvCxnSpPr/>
+          <p:nvPr/>
+        </p:nvCxnSpPr>
+        <p:spPr>
+          <a:xfrm>
+            <a:off x="5471160" y="3992880"/>
+            <a:ext cx="1508760" cy="0"/>
+          </a:xfrm>
+          <a:prstGeom prst="straightConnector1">
+            <a:avLst/>
+          </a:prstGeom>
+          <a:ln>
+            <a:solidFill>
+              <a:schemeClr val="bg1"/>
+            </a:solidFill>
+            <a:tailEnd type="triangle"/>
+          </a:ln>
+        </p:spPr>
+        <p:style>
+          <a:lnRef idx="1">
+            <a:schemeClr val="accent1"/>
+          </a:lnRef>
+          <a:fillRef idx="0">
+            <a:schemeClr val="accent1"/>
+          </a:fillRef>
+          <a:effectRef idx="0">
+            <a:schemeClr val="accent1"/>
+          </a:effectRef>
+          <a:fontRef idx="minor">
+            <a:schemeClr val="tx1"/>
+          </a:fontRef>
+        </p:style>
+      </p:cxnSp>
+      <p:cxnSp>
+        <p:nvCxnSpPr>
+          <p:cNvPr id="6" name="Connettore 2 5">
+            <a:extLst>
+              <a:ext uri="{FF2B5EF4-FFF2-40B4-BE49-F238E27FC236}">
+                <a16:creationId xmlns:a16="http://schemas.microsoft.com/office/drawing/2014/main" id="{4E593F29-F37E-51F3-C75B-70F4CEA345BE}"/>
+              </a:ext>
+            </a:extLst>
+          </p:cNvPr>
+          <p:cNvCxnSpPr/>
+          <p:nvPr/>
+        </p:nvCxnSpPr>
+        <p:spPr>
+          <a:xfrm>
+            <a:off x="5501640" y="4541520"/>
+            <a:ext cx="1508760" cy="0"/>
+          </a:xfrm>
+          <a:prstGeom prst="straightConnector1">
+            <a:avLst/>
+          </a:prstGeom>
+          <a:ln>
+            <a:solidFill>
+              <a:schemeClr val="bg1"/>
+            </a:solidFill>
+            <a:tailEnd type="triangle"/>
+          </a:ln>
+        </p:spPr>
+        <p:style>
+          <a:lnRef idx="1">
+            <a:schemeClr val="accent1"/>
+          </a:lnRef>
+          <a:fillRef idx="0">
+            <a:schemeClr val="accent1"/>
+          </a:fillRef>
+          <a:effectRef idx="0">
+            <a:schemeClr val="accent1"/>
+          </a:effectRef>
+          <a:fontRef idx="minor">
+            <a:schemeClr val="tx1"/>
+          </a:fontRef>
+        </p:style>
+      </p:cxnSp>
+      <p:cxnSp>
+        <p:nvCxnSpPr>
+          <p:cNvPr id="7" name="Connettore 2 6">
+            <a:extLst>
+              <a:ext uri="{FF2B5EF4-FFF2-40B4-BE49-F238E27FC236}">
+                <a16:creationId xmlns:a16="http://schemas.microsoft.com/office/drawing/2014/main" id="{3B18C724-E760-6445-DF5B-A09F66CE938D}"/>
+              </a:ext>
+            </a:extLst>
+          </p:cNvPr>
+          <p:cNvCxnSpPr/>
+          <p:nvPr/>
+        </p:nvCxnSpPr>
+        <p:spPr>
+          <a:xfrm>
+            <a:off x="5710989" y="5257800"/>
+            <a:ext cx="1508760" cy="0"/>
+          </a:xfrm>
+          <a:prstGeom prst="straightConnector1">
+            <a:avLst/>
+          </a:prstGeom>
+          <a:ln>
+            <a:solidFill>
+              <a:schemeClr val="bg1"/>
+            </a:solidFill>
+            <a:tailEnd type="triangle"/>
+          </a:ln>
+        </p:spPr>
+        <p:style>
+          <a:lnRef idx="1">
+            <a:schemeClr val="accent1"/>
+          </a:lnRef>
+          <a:fillRef idx="0">
+            <a:schemeClr val="accent1"/>
+          </a:fillRef>
+          <a:effectRef idx="0">
+            <a:schemeClr val="accent1"/>
+          </a:effectRef>
+          <a:fontRef idx="minor">
+            <a:schemeClr val="tx1"/>
+          </a:fontRef>
+        </p:style>
+      </p:cxnSp>
+      <p:sp>
+        <p:nvSpPr>
+          <p:cNvPr id="8" name="CasellaDiTesto 7">
+            <a:extLst>
+              <a:ext uri="{FF2B5EF4-FFF2-40B4-BE49-F238E27FC236}">
+                <a16:creationId xmlns:a16="http://schemas.microsoft.com/office/drawing/2014/main" id="{FDB28063-BEB5-C8A6-D9E3-67BFC77E9EA5}"/>
+              </a:ext>
+            </a:extLst>
+          </p:cNvPr>
+          <p:cNvSpPr txBox="1"/>
+          <p:nvPr/>
+        </p:nvSpPr>
+        <p:spPr>
+          <a:xfrm>
+            <a:off x="6979920" y="3721608"/>
+            <a:ext cx="3435096" cy="369332"/>
+          </a:xfrm>
+          <a:prstGeom prst="rect">
+            <a:avLst/>
+          </a:prstGeom>
+          <a:noFill/>
+        </p:spPr>
+        <p:txBody>
+          <a:bodyPr wrap="square" rtlCol="0">
+            <a:spAutoFit/>
+          </a:bodyPr>
+          <a:lstStyle/>
+          <a:p>
+            <a:pPr marL="0" lvl="0" indent="0" algn="l" rtl="0">
+              <a:spcBef>
+                <a:spcPts val="0"/>
+              </a:spcBef>
+              <a:spcAft>
+                <a:spcPts val="0"/>
+              </a:spcAft>
+              <a:buNone/>
+            </a:pPr>
+            <a:r>
+              <a:rPr lang="it-IT" sz="1800" dirty="0" err="1">
+                <a:solidFill>
+                  <a:srgbClr val="FFFFFF"/>
+                </a:solidFill>
+                <a:ea typeface="Roboto Condensed Light"/>
+                <a:cs typeface="Roboto Condensed Light"/>
+                <a:sym typeface="Roboto Condensed Light"/>
+              </a:rPr>
+              <a:t>user:nebula</a:t>
+            </a:r>
+            <a:r>
+              <a:rPr lang="it-IT" sz="1800" dirty="0">
+                <a:solidFill>
+                  <a:srgbClr val="FFFFFF"/>
+                </a:solidFill>
+                <a:ea typeface="Roboto Condensed Light"/>
+                <a:cs typeface="Roboto Condensed Light"/>
+                <a:sym typeface="Roboto Condensed Light"/>
+              </a:rPr>
+              <a:t> &amp; pass=nebula</a:t>
+            </a:r>
+          </a:p>
+        </p:txBody>
+      </p:sp>
+      <p:sp>
+        <p:nvSpPr>
+          <p:cNvPr id="9" name="CasellaDiTesto 8">
+            <a:extLst>
+              <a:ext uri="{FF2B5EF4-FFF2-40B4-BE49-F238E27FC236}">
+                <a16:creationId xmlns:a16="http://schemas.microsoft.com/office/drawing/2014/main" id="{19A97D19-157E-0F87-AF89-871C68D8E84B}"/>
+              </a:ext>
+            </a:extLst>
+          </p:cNvPr>
+          <p:cNvSpPr txBox="1"/>
+          <p:nvPr/>
+        </p:nvSpPr>
+        <p:spPr>
+          <a:xfrm>
+            <a:off x="7010399" y="4323970"/>
+            <a:ext cx="4345769" cy="646331"/>
+          </a:xfrm>
+          <a:prstGeom prst="rect">
+            <a:avLst/>
+          </a:prstGeom>
+          <a:noFill/>
+        </p:spPr>
+        <p:txBody>
+          <a:bodyPr wrap="square" rtlCol="0">
+            <a:spAutoFit/>
+          </a:bodyPr>
+          <a:lstStyle/>
+          <a:p>
+            <a:pPr marL="0" lvl="0" indent="0" algn="l" rtl="0">
+              <a:spcBef>
+                <a:spcPts val="0"/>
+              </a:spcBef>
+              <a:spcAft>
+                <a:spcPts val="0"/>
+              </a:spcAft>
+              <a:buNone/>
+            </a:pPr>
+            <a:r>
+              <a:rPr lang="en-US" sz="1800" dirty="0">
+                <a:solidFill>
+                  <a:srgbClr val="FFFFFF"/>
+                </a:solidFill>
+                <a:ea typeface="Roboto Condensed Light"/>
+                <a:cs typeface="Roboto Condensed Light"/>
+                <a:sym typeface="Roboto Condensed Light"/>
+              </a:rPr>
+              <a:t>cp /home/flag16/</a:t>
+            </a:r>
+            <a:r>
+              <a:rPr lang="en-US" sz="1800" dirty="0" err="1">
+                <a:solidFill>
+                  <a:srgbClr val="FFFFFF"/>
+                </a:solidFill>
+                <a:ea typeface="Roboto Condensed Light"/>
+                <a:cs typeface="Roboto Condensed Light"/>
+                <a:sym typeface="Roboto Condensed Light"/>
+              </a:rPr>
+              <a:t>thttpd.conf</a:t>
+            </a:r>
+            <a:r>
+              <a:rPr lang="en-US" sz="1800" dirty="0">
+                <a:solidFill>
+                  <a:srgbClr val="FFFFFF"/>
+                </a:solidFill>
+                <a:ea typeface="Roboto Condensed Light"/>
+                <a:cs typeface="Roboto Condensed Light"/>
+                <a:sym typeface="Roboto Condensed Light"/>
+              </a:rPr>
+              <a:t> /home/level16 </a:t>
+            </a:r>
+          </a:p>
+        </p:txBody>
+      </p:sp>
+      <p:sp>
+        <p:nvSpPr>
+          <p:cNvPr id="10" name="CasellaDiTesto 9">
+            <a:extLst>
+              <a:ext uri="{FF2B5EF4-FFF2-40B4-BE49-F238E27FC236}">
+                <a16:creationId xmlns:a16="http://schemas.microsoft.com/office/drawing/2014/main" id="{29B7738F-714D-304B-AE9A-5FF7D4F1C92F}"/>
+              </a:ext>
+            </a:extLst>
+          </p:cNvPr>
+          <p:cNvSpPr txBox="1"/>
+          <p:nvPr/>
+        </p:nvSpPr>
+        <p:spPr>
+          <a:xfrm>
+            <a:off x="7219749" y="5067300"/>
+            <a:ext cx="4616651" cy="923330"/>
+          </a:xfrm>
+          <a:prstGeom prst="rect">
+            <a:avLst/>
+          </a:prstGeom>
+          <a:noFill/>
+        </p:spPr>
+        <p:txBody>
+          <a:bodyPr wrap="square" rtlCol="0">
+            <a:spAutoFit/>
+          </a:bodyPr>
+          <a:lstStyle/>
+          <a:p>
+            <a:r>
+              <a:rPr lang="en-US" dirty="0" err="1">
+                <a:solidFill>
+                  <a:schemeClr val="bg1"/>
+                </a:solidFill>
+              </a:rPr>
+              <a:t>chown</a:t>
+            </a:r>
+            <a:r>
+              <a:rPr lang="en-US" dirty="0">
+                <a:solidFill>
+                  <a:schemeClr val="bg1"/>
+                </a:solidFill>
+              </a:rPr>
+              <a:t> level16:level16 /home/level16/</a:t>
+            </a:r>
+            <a:r>
+              <a:rPr lang="en-US" dirty="0" err="1">
+                <a:solidFill>
+                  <a:schemeClr val="bg1"/>
+                </a:solidFill>
+              </a:rPr>
+              <a:t>thttpd.conf</a:t>
+            </a:r>
+            <a:r>
+              <a:rPr lang="en-US" dirty="0">
+                <a:solidFill>
+                  <a:schemeClr val="bg1"/>
+                </a:solidFill>
+              </a:rPr>
+              <a:t> </a:t>
+            </a:r>
+            <a:r>
+              <a:rPr lang="en-US" dirty="0" err="1">
+                <a:solidFill>
+                  <a:schemeClr val="bg1"/>
+                </a:solidFill>
+              </a:rPr>
+              <a:t>chmod</a:t>
+            </a:r>
+            <a:r>
+              <a:rPr lang="en-US" dirty="0">
+                <a:solidFill>
+                  <a:schemeClr val="bg1"/>
+                </a:solidFill>
+              </a:rPr>
+              <a:t> 644 /home/level16/</a:t>
+            </a:r>
+            <a:r>
+              <a:rPr lang="en-US" dirty="0" err="1">
+                <a:solidFill>
+                  <a:schemeClr val="bg1"/>
+                </a:solidFill>
+              </a:rPr>
+              <a:t>thttpd.conf</a:t>
+            </a:r>
+            <a:endParaRPr lang="en-US" dirty="0">
+              <a:solidFill>
+                <a:schemeClr val="bg1"/>
+              </a:solidFill>
+            </a:endParaRPr>
+          </a:p>
+        </p:txBody>
+      </p:sp>
+    </p:spTree>
+    <p:extLst>
+      <p:ext uri="{BB962C8B-B14F-4D97-AF65-F5344CB8AC3E}">
+        <p14:creationId xmlns:p14="http://schemas.microsoft.com/office/powerpoint/2010/main" val="73222572"/>
+      </p:ext>
+    </p:extLst>
+  </p:cSld>
+  <p:clrMapOvr>
+    <a:masterClrMapping/>
+  </p:clrMapOvr>
+</p:sld>
+</file>
+
+<file path=ppt/slides/slide35.xml><?xml version="1.0" encoding="utf-8"?>
+<p:sld xmlns:a="http://schemas.openxmlformats.org/drawingml/2006/main" xmlns:r="http://schemas.openxmlformats.org/officeDocument/2006/relationships" xmlns:p="http://schemas.openxmlformats.org/presentationml/2006/main">
+  <p:cSld>
+    <p:bg>
+      <p:bgPr>
+        <a:gradFill>
+          <a:gsLst>
+            <a:gs pos="78000">
+              <a:schemeClr val="accent6">
+                <a:lumMod val="50000"/>
+              </a:schemeClr>
+            </a:gs>
+            <a:gs pos="35040">
+              <a:srgbClr val="020B11"/>
+            </a:gs>
+            <a:gs pos="11979">
+              <a:schemeClr val="accent4">
+                <a:lumMod val="50000"/>
+              </a:schemeClr>
+            </a:gs>
+            <a:gs pos="0">
+              <a:schemeClr val="accent4"/>
+            </a:gs>
+            <a:gs pos="99000">
+              <a:schemeClr val="tx2">
+                <a:lumMod val="50000"/>
+              </a:schemeClr>
+            </a:gs>
+          </a:gsLst>
+          <a:lin ang="7800000" scaled="0"/>
+        </a:gradFill>
+        <a:effectLst/>
+      </p:bgPr>
+    </p:bg>
+    <p:spTree>
+      <p:nvGrpSpPr>
+        <p:cNvPr id="1" name="">
+          <a:extLst>
+            <a:ext uri="{FF2B5EF4-FFF2-40B4-BE49-F238E27FC236}">
+              <a16:creationId xmlns:a16="http://schemas.microsoft.com/office/drawing/2014/main" id="{DF37D564-510A-F1FC-6789-A0DFF054023C}"/>
+            </a:ext>
+          </a:extLst>
+        </p:cNvPr>
+        <p:cNvGrpSpPr/>
+        <p:nvPr/>
+      </p:nvGrpSpPr>
+      <p:grpSpPr>
+        <a:xfrm>
+          <a:off x="0" y="0"/>
+          <a:ext cx="0" cy="0"/>
+          <a:chOff x="0" y="0"/>
+          <a:chExt cx="0" cy="0"/>
+        </a:xfrm>
+      </p:grpSpPr>
+      <p:sp>
+        <p:nvSpPr>
+          <p:cNvPr id="24" name="Titolo 1">
+            <a:extLst>
+              <a:ext uri="{FF2B5EF4-FFF2-40B4-BE49-F238E27FC236}">
+                <a16:creationId xmlns:a16="http://schemas.microsoft.com/office/drawing/2014/main" id="{80738CD9-C041-ADED-BAD3-D82ECE098141}"/>
+              </a:ext>
+            </a:extLst>
+          </p:cNvPr>
+          <p:cNvSpPr>
+            <a:spLocks noGrp="1"/>
+          </p:cNvSpPr>
+          <p:nvPr>
+            <p:ph type="title"/>
+          </p:nvPr>
+        </p:nvSpPr>
+        <p:spPr>
+          <a:xfrm>
+            <a:off x="835831" y="173735"/>
+            <a:ext cx="4409514" cy="2203704"/>
+          </a:xfrm>
+        </p:spPr>
+        <p:txBody>
+          <a:bodyPr rtlCol="0"/>
+          <a:lstStyle>
+            <a:defPPr>
+              <a:defRPr lang="it-IT"/>
+            </a:defPPr>
+          </a:lstStyle>
+          <a:p>
+            <a:pPr rtl="0"/>
+            <a:r>
+              <a:rPr lang="it-IT" dirty="0"/>
+              <a:t>Mitigazione 1</a:t>
+            </a:r>
+          </a:p>
+        </p:txBody>
+      </p:sp>
+      <p:sp>
+        <p:nvSpPr>
+          <p:cNvPr id="2" name="CasellaDiTesto 1">
+            <a:extLst>
+              <a:ext uri="{FF2B5EF4-FFF2-40B4-BE49-F238E27FC236}">
+                <a16:creationId xmlns:a16="http://schemas.microsoft.com/office/drawing/2014/main" id="{DF039FF8-B2A6-891A-C327-9C7AD5107AD2}"/>
+              </a:ext>
+            </a:extLst>
+          </p:cNvPr>
+          <p:cNvSpPr txBox="1"/>
+          <p:nvPr/>
+        </p:nvSpPr>
+        <p:spPr>
+          <a:xfrm>
+            <a:off x="835831" y="3236976"/>
+            <a:ext cx="4875158" cy="2585323"/>
+          </a:xfrm>
+          <a:prstGeom prst="rect">
+            <a:avLst/>
+          </a:prstGeom>
+          <a:noFill/>
+        </p:spPr>
+        <p:txBody>
+          <a:bodyPr wrap="square" rtlCol="0">
+            <a:spAutoFit/>
+          </a:bodyPr>
+          <a:lstStyle/>
+          <a:p>
+            <a:pPr>
+              <a:buNone/>
+            </a:pPr>
+            <a:r>
+              <a:rPr lang="it-IT" dirty="0">
+                <a:solidFill>
+                  <a:schemeClr val="bg1"/>
+                </a:solidFill>
+              </a:rPr>
+              <a:t>Apriamo il file </a:t>
+            </a:r>
+            <a:r>
+              <a:rPr lang="it-IT" b="1" dirty="0">
+                <a:solidFill>
+                  <a:schemeClr val="bg1"/>
+                </a:solidFill>
+              </a:rPr>
+              <a:t>/home/level16/</a:t>
+            </a:r>
+            <a:r>
+              <a:rPr lang="it-IT" b="1" dirty="0" err="1">
+                <a:solidFill>
+                  <a:schemeClr val="bg1"/>
+                </a:solidFill>
+              </a:rPr>
+              <a:t>thttpd.conf</a:t>
+            </a:r>
+            <a:r>
+              <a:rPr lang="it-IT" dirty="0">
+                <a:solidFill>
+                  <a:schemeClr val="bg1"/>
+                </a:solidFill>
+              </a:rPr>
+              <a:t> con un editor di testo:</a:t>
+            </a:r>
+          </a:p>
+          <a:p>
+            <a:pPr>
+              <a:buNone/>
+            </a:pPr>
+            <a:endParaRPr lang="it-IT" dirty="0">
+              <a:solidFill>
+                <a:schemeClr val="bg1"/>
+              </a:solidFill>
+            </a:endParaRPr>
+          </a:p>
+          <a:p>
+            <a:pPr>
+              <a:buNone/>
+            </a:pPr>
+            <a:r>
+              <a:rPr lang="it-IT" dirty="0">
+                <a:solidFill>
+                  <a:schemeClr val="bg1"/>
+                </a:solidFill>
+              </a:rPr>
+              <a:t>Impostiamo una porta TCP libera per l'ascolto.</a:t>
+            </a:r>
+          </a:p>
+          <a:p>
+            <a:pPr>
+              <a:buNone/>
+            </a:pPr>
+            <a:endParaRPr lang="it-IT" dirty="0">
+              <a:solidFill>
+                <a:schemeClr val="bg1"/>
+              </a:solidFill>
+            </a:endParaRPr>
+          </a:p>
+          <a:p>
+            <a:pPr>
+              <a:buNone/>
+            </a:pPr>
+            <a:r>
+              <a:rPr lang="it-IT" dirty="0">
+                <a:solidFill>
+                  <a:schemeClr val="bg1"/>
+                </a:solidFill>
+              </a:rPr>
+              <a:t>Definiamo la directory radice del server Web.</a:t>
+            </a:r>
+          </a:p>
+          <a:p>
+            <a:pPr>
+              <a:buNone/>
+            </a:pPr>
+            <a:endParaRPr lang="it-IT" dirty="0">
+              <a:solidFill>
+                <a:schemeClr val="bg1"/>
+              </a:solidFill>
+            </a:endParaRPr>
+          </a:p>
+          <a:p>
+            <a:pPr>
+              <a:buNone/>
+            </a:pPr>
+            <a:r>
+              <a:rPr lang="it-IT" dirty="0">
+                <a:solidFill>
+                  <a:schemeClr val="bg1"/>
+                </a:solidFill>
+              </a:rPr>
+              <a:t>Configuriamo l'esecuzione del server come utente level16.</a:t>
+            </a:r>
+          </a:p>
+        </p:txBody>
+      </p:sp>
+      <p:cxnSp>
+        <p:nvCxnSpPr>
+          <p:cNvPr id="5" name="Connettore 2 4">
+            <a:extLst>
+              <a:ext uri="{FF2B5EF4-FFF2-40B4-BE49-F238E27FC236}">
+                <a16:creationId xmlns:a16="http://schemas.microsoft.com/office/drawing/2014/main" id="{E8FC0B32-C8C5-C4D0-24B6-03CC330DDAE5}"/>
+              </a:ext>
+            </a:extLst>
+          </p:cNvPr>
+          <p:cNvCxnSpPr>
+            <a:cxnSpLocks/>
+          </p:cNvCxnSpPr>
+          <p:nvPr/>
+        </p:nvCxnSpPr>
+        <p:spPr>
+          <a:xfrm flipV="1">
+            <a:off x="5591075" y="825500"/>
+            <a:ext cx="830602" cy="2639624"/>
+          </a:xfrm>
+          <a:prstGeom prst="straightConnector1">
+            <a:avLst/>
+          </a:prstGeom>
+          <a:ln>
+            <a:solidFill>
+              <a:schemeClr val="bg1"/>
+            </a:solidFill>
+            <a:tailEnd type="triangle"/>
+          </a:ln>
+        </p:spPr>
+        <p:style>
+          <a:lnRef idx="1">
+            <a:schemeClr val="accent1"/>
+          </a:lnRef>
+          <a:fillRef idx="0">
+            <a:schemeClr val="accent1"/>
+          </a:fillRef>
+          <a:effectRef idx="0">
+            <a:schemeClr val="accent1"/>
+          </a:effectRef>
+          <a:fontRef idx="minor">
+            <a:schemeClr val="tx1"/>
+          </a:fontRef>
+        </p:style>
+      </p:cxnSp>
+      <p:cxnSp>
+        <p:nvCxnSpPr>
+          <p:cNvPr id="6" name="Connettore 2 5">
+            <a:extLst>
+              <a:ext uri="{FF2B5EF4-FFF2-40B4-BE49-F238E27FC236}">
+                <a16:creationId xmlns:a16="http://schemas.microsoft.com/office/drawing/2014/main" id="{47CDDFA8-3A52-3710-3F48-5FDFAE4D744D}"/>
+              </a:ext>
+            </a:extLst>
+          </p:cNvPr>
+          <p:cNvCxnSpPr>
+            <a:cxnSpLocks/>
+          </p:cNvCxnSpPr>
+          <p:nvPr/>
+        </p:nvCxnSpPr>
+        <p:spPr>
+          <a:xfrm flipV="1">
+            <a:off x="5501639" y="1275587"/>
+            <a:ext cx="920038" cy="2935733"/>
+          </a:xfrm>
+          <a:prstGeom prst="straightConnector1">
+            <a:avLst/>
+          </a:prstGeom>
+          <a:ln>
+            <a:solidFill>
+              <a:schemeClr val="bg1"/>
+            </a:solidFill>
+            <a:tailEnd type="triangle"/>
+          </a:ln>
+        </p:spPr>
+        <p:style>
+          <a:lnRef idx="1">
+            <a:schemeClr val="accent1"/>
+          </a:lnRef>
+          <a:fillRef idx="0">
+            <a:schemeClr val="accent1"/>
+          </a:fillRef>
+          <a:effectRef idx="0">
+            <a:schemeClr val="accent1"/>
+          </a:effectRef>
+          <a:fontRef idx="minor">
+            <a:schemeClr val="tx1"/>
+          </a:fontRef>
+        </p:style>
+      </p:cxnSp>
+      <p:cxnSp>
+        <p:nvCxnSpPr>
+          <p:cNvPr id="7" name="Connettore 2 6">
+            <a:extLst>
+              <a:ext uri="{FF2B5EF4-FFF2-40B4-BE49-F238E27FC236}">
+                <a16:creationId xmlns:a16="http://schemas.microsoft.com/office/drawing/2014/main" id="{E4227F80-CB01-99EE-4818-FEF2F738B6EA}"/>
+              </a:ext>
+            </a:extLst>
+          </p:cNvPr>
+          <p:cNvCxnSpPr>
+            <a:cxnSpLocks/>
+            <a:endCxn id="23" idx="1"/>
+          </p:cNvCxnSpPr>
+          <p:nvPr/>
+        </p:nvCxnSpPr>
+        <p:spPr>
+          <a:xfrm flipV="1">
+            <a:off x="5140492" y="4959794"/>
+            <a:ext cx="2836057" cy="539306"/>
+          </a:xfrm>
+          <a:prstGeom prst="straightConnector1">
+            <a:avLst/>
+          </a:prstGeom>
+          <a:ln>
+            <a:solidFill>
+              <a:schemeClr val="bg1"/>
+            </a:solidFill>
+            <a:tailEnd type="triangle"/>
+          </a:ln>
+        </p:spPr>
+        <p:style>
+          <a:lnRef idx="1">
+            <a:schemeClr val="accent1"/>
+          </a:lnRef>
+          <a:fillRef idx="0">
+            <a:schemeClr val="accent1"/>
+          </a:fillRef>
+          <a:effectRef idx="0">
+            <a:schemeClr val="accent1"/>
+          </a:effectRef>
+          <a:fontRef idx="minor">
+            <a:schemeClr val="tx1"/>
+          </a:fontRef>
+        </p:style>
+      </p:cxnSp>
+      <p:pic>
+        <p:nvPicPr>
+          <p:cNvPr id="19" name="Immagine 18" descr="Immagine che contiene testo, schermata, Carattere&#10;&#10;Il contenuto generato dall'IA potrebbe non essere corretto.">
+            <a:extLst>
+              <a:ext uri="{FF2B5EF4-FFF2-40B4-BE49-F238E27FC236}">
+                <a16:creationId xmlns:a16="http://schemas.microsoft.com/office/drawing/2014/main" id="{73F669BA-134D-E110-D1D6-2D6312ABC439}"/>
+              </a:ext>
+            </a:extLst>
+          </p:cNvPr>
+          <p:cNvPicPr>
+            <a:picLocks noChangeAspect="1"/>
+          </p:cNvPicPr>
+          <p:nvPr/>
+        </p:nvPicPr>
+        <p:blipFill>
+          <a:blip r:embed="rId3">
+            <a:extLst>
+              <a:ext uri="{28A0092B-C50C-407E-A947-70E740481C1C}">
+                <a14:useLocalDpi xmlns:a14="http://schemas.microsoft.com/office/drawing/2010/main" val="0"/>
+              </a:ext>
+            </a:extLst>
+          </a:blip>
+          <a:stretch>
+            <a:fillRect/>
+          </a:stretch>
+        </p:blipFill>
+        <p:spPr>
+          <a:xfrm>
+            <a:off x="6421677" y="58055"/>
+            <a:ext cx="3237431" cy="3662012"/>
+          </a:xfrm>
+          <a:prstGeom prst="rect">
+            <a:avLst/>
+          </a:prstGeom>
+        </p:spPr>
+      </p:pic>
+      <p:pic>
+        <p:nvPicPr>
+          <p:cNvPr id="23" name="Immagine 22" descr="Immagine che contiene testo, schermata, Carattere&#10;&#10;Il contenuto generato dall'IA potrebbe non essere corretto.">
+            <a:extLst>
+              <a:ext uri="{FF2B5EF4-FFF2-40B4-BE49-F238E27FC236}">
+                <a16:creationId xmlns:a16="http://schemas.microsoft.com/office/drawing/2014/main" id="{5BA0350E-9D5F-5AE1-1969-3BAB9E5BEE04}"/>
+              </a:ext>
+            </a:extLst>
+          </p:cNvPr>
+          <p:cNvPicPr>
+            <a:picLocks noChangeAspect="1"/>
+          </p:cNvPicPr>
+          <p:nvPr/>
+        </p:nvPicPr>
+        <p:blipFill>
+          <a:blip r:embed="rId4">
+            <a:extLst>
+              <a:ext uri="{28A0092B-C50C-407E-A947-70E740481C1C}">
+                <a14:useLocalDpi xmlns:a14="http://schemas.microsoft.com/office/drawing/2010/main" val="0"/>
+              </a:ext>
+            </a:extLst>
+          </a:blip>
+          <a:stretch>
+            <a:fillRect/>
+          </a:stretch>
+        </p:blipFill>
+        <p:spPr>
+          <a:xfrm>
+            <a:off x="7976549" y="3236976"/>
+            <a:ext cx="3810339" cy="3445635"/>
+          </a:xfrm>
+          <a:prstGeom prst="rect">
+            <a:avLst/>
+          </a:prstGeom>
+        </p:spPr>
+      </p:pic>
+    </p:spTree>
+    <p:extLst>
+      <p:ext uri="{BB962C8B-B14F-4D97-AF65-F5344CB8AC3E}">
+        <p14:creationId xmlns:p14="http://schemas.microsoft.com/office/powerpoint/2010/main" val="4125949221"/>
+      </p:ext>
+    </p:extLst>
+  </p:cSld>
+  <p:clrMapOvr>
+    <a:masterClrMapping/>
+  </p:clrMapOvr>
+</p:sld>
+</file>
+
+<file path=ppt/slides/slide36.xml><?xml version="1.0" encoding="utf-8"?>
+<p:sld xmlns:a="http://schemas.openxmlformats.org/drawingml/2006/main" xmlns:r="http://schemas.openxmlformats.org/officeDocument/2006/relationships" xmlns:p="http://schemas.openxmlformats.org/presentationml/2006/main">
+  <p:cSld>
+    <p:bg>
+      <p:bgPr>
+        <a:gradFill>
+          <a:gsLst>
+            <a:gs pos="78000">
+              <a:schemeClr val="accent6">
+                <a:lumMod val="50000"/>
+              </a:schemeClr>
+            </a:gs>
+            <a:gs pos="35040">
+              <a:srgbClr val="020B11"/>
+            </a:gs>
+            <a:gs pos="11979">
+              <a:schemeClr val="accent4">
+                <a:lumMod val="50000"/>
+              </a:schemeClr>
+            </a:gs>
+            <a:gs pos="0">
+              <a:schemeClr val="accent4"/>
+            </a:gs>
+            <a:gs pos="99000">
+              <a:schemeClr val="tx2">
+                <a:lumMod val="50000"/>
+              </a:schemeClr>
+            </a:gs>
+          </a:gsLst>
+          <a:lin ang="7800000" scaled="0"/>
+        </a:gradFill>
+        <a:effectLst/>
+      </p:bgPr>
+    </p:bg>
+    <p:spTree>
+      <p:nvGrpSpPr>
+        <p:cNvPr id="1" name="">
+          <a:extLst>
+            <a:ext uri="{FF2B5EF4-FFF2-40B4-BE49-F238E27FC236}">
+              <a16:creationId xmlns:a16="http://schemas.microsoft.com/office/drawing/2014/main" id="{01989D03-1BBC-52A7-F5E0-C4AAD7AB0D4E}"/>
+            </a:ext>
+          </a:extLst>
+        </p:cNvPr>
+        <p:cNvGrpSpPr/>
+        <p:nvPr/>
+      </p:nvGrpSpPr>
+      <p:grpSpPr>
+        <a:xfrm>
+          <a:off x="0" y="0"/>
+          <a:ext cx="0" cy="0"/>
+          <a:chOff x="0" y="0"/>
+          <a:chExt cx="0" cy="0"/>
+        </a:xfrm>
+      </p:grpSpPr>
+      <p:sp>
+        <p:nvSpPr>
+          <p:cNvPr id="24" name="Titolo 1">
+            <a:extLst>
+              <a:ext uri="{FF2B5EF4-FFF2-40B4-BE49-F238E27FC236}">
+                <a16:creationId xmlns:a16="http://schemas.microsoft.com/office/drawing/2014/main" id="{239AD122-C371-A262-4280-E32A0A051441}"/>
+              </a:ext>
+            </a:extLst>
+          </p:cNvPr>
+          <p:cNvSpPr>
+            <a:spLocks noGrp="1"/>
+          </p:cNvSpPr>
+          <p:nvPr>
+            <p:ph type="title"/>
+          </p:nvPr>
+        </p:nvSpPr>
+        <p:spPr>
+          <a:xfrm>
+            <a:off x="835831" y="173735"/>
+            <a:ext cx="4409514" cy="2203704"/>
+          </a:xfrm>
+        </p:spPr>
+        <p:txBody>
+          <a:bodyPr rtlCol="0"/>
+          <a:lstStyle>
+            <a:defPPr>
+              <a:defRPr lang="it-IT"/>
+            </a:defPPr>
+          </a:lstStyle>
+          <a:p>
+            <a:pPr rtl="0"/>
+            <a:r>
+              <a:rPr lang="it-IT" dirty="0"/>
+              <a:t>Mitigazione 1</a:t>
+            </a:r>
+          </a:p>
+        </p:txBody>
+      </p:sp>
+      <p:sp>
+        <p:nvSpPr>
+          <p:cNvPr id="2" name="CasellaDiTesto 1">
+            <a:extLst>
+              <a:ext uri="{FF2B5EF4-FFF2-40B4-BE49-F238E27FC236}">
+                <a16:creationId xmlns:a16="http://schemas.microsoft.com/office/drawing/2014/main" id="{6F4EADA4-F5BC-2C7D-DC52-9DB1F63906E7}"/>
+              </a:ext>
+            </a:extLst>
+          </p:cNvPr>
+          <p:cNvSpPr txBox="1"/>
+          <p:nvPr/>
+        </p:nvSpPr>
+        <p:spPr>
+          <a:xfrm>
+            <a:off x="721531" y="2713947"/>
+            <a:ext cx="4875158" cy="3970318"/>
+          </a:xfrm>
+          <a:prstGeom prst="rect">
+            <a:avLst/>
+          </a:prstGeom>
+          <a:noFill/>
+        </p:spPr>
+        <p:txBody>
+          <a:bodyPr wrap="square" rtlCol="0">
+            <a:spAutoFit/>
+          </a:bodyPr>
+          <a:lstStyle/>
+          <a:p>
+            <a:pPr marL="0" lvl="0" indent="0" algn="ctr" rtl="0">
+              <a:spcBef>
+                <a:spcPts val="0"/>
+              </a:spcBef>
+              <a:spcAft>
+                <a:spcPts val="0"/>
+              </a:spcAft>
+              <a:buNone/>
+            </a:pPr>
+            <a:r>
+              <a:rPr lang="it-IT" sz="1800" dirty="0">
+                <a:solidFill>
+                  <a:srgbClr val="FFFFFF"/>
+                </a:solidFill>
+                <a:ea typeface="Roboto Condensed Light"/>
+                <a:cs typeface="Roboto Condensed Light"/>
+                <a:sym typeface="Roboto Condensed Light"/>
+              </a:rPr>
+              <a:t>Copiamo /home/flag16/</a:t>
+            </a:r>
+            <a:r>
+              <a:rPr lang="it-IT" sz="1800" dirty="0" err="1">
+                <a:solidFill>
+                  <a:srgbClr val="FFFFFF"/>
+                </a:solidFill>
+                <a:ea typeface="Roboto Condensed Light"/>
+                <a:cs typeface="Roboto Condensed Light"/>
+                <a:sym typeface="Roboto Condensed Light"/>
+              </a:rPr>
+              <a:t>index.cgi</a:t>
+            </a:r>
+            <a:r>
+              <a:rPr lang="it-IT" sz="1800" dirty="0">
+                <a:solidFill>
+                  <a:srgbClr val="FFFFFF"/>
+                </a:solidFill>
+                <a:ea typeface="Roboto Condensed Light"/>
+                <a:cs typeface="Roboto Condensed Light"/>
+                <a:sym typeface="Roboto Condensed Light"/>
+              </a:rPr>
+              <a:t> nella home directory di level16:</a:t>
+            </a:r>
+          </a:p>
+          <a:p>
+            <a:pPr marL="0" lvl="0" indent="0" algn="ctr" rtl="0">
+              <a:spcBef>
+                <a:spcPts val="0"/>
+              </a:spcBef>
+              <a:spcAft>
+                <a:spcPts val="0"/>
+              </a:spcAft>
+              <a:buNone/>
+            </a:pPr>
+            <a:endParaRPr lang="it-IT" sz="1800" dirty="0">
+              <a:solidFill>
+                <a:srgbClr val="FFFFFF"/>
+              </a:solidFill>
+              <a:ea typeface="Roboto Condensed Light"/>
+              <a:cs typeface="Roboto Condensed Light"/>
+              <a:sym typeface="Roboto Condensed Light"/>
+            </a:endParaRPr>
+          </a:p>
+          <a:p>
+            <a:pPr marL="0" lvl="0" indent="0" algn="ctr" rtl="0">
+              <a:spcBef>
+                <a:spcPts val="0"/>
+              </a:spcBef>
+              <a:spcAft>
+                <a:spcPts val="0"/>
+              </a:spcAft>
+              <a:buNone/>
+            </a:pPr>
+            <a:endParaRPr lang="it-IT" sz="1800" dirty="0">
+              <a:solidFill>
+                <a:srgbClr val="FFFFFF"/>
+              </a:solidFill>
+              <a:ea typeface="Roboto Condensed Light"/>
+              <a:cs typeface="Roboto Condensed Light"/>
+              <a:sym typeface="Roboto Condensed Light"/>
+            </a:endParaRPr>
+          </a:p>
+          <a:p>
+            <a:pPr marL="0" lvl="0" indent="0" algn="ctr" rtl="0">
+              <a:spcBef>
+                <a:spcPts val="0"/>
+              </a:spcBef>
+              <a:spcAft>
+                <a:spcPts val="0"/>
+              </a:spcAft>
+              <a:buNone/>
+            </a:pPr>
+            <a:endParaRPr lang="it-IT" sz="1800" dirty="0">
+              <a:solidFill>
+                <a:srgbClr val="FFFFFF"/>
+              </a:solidFill>
+              <a:ea typeface="Roboto Condensed Light"/>
+              <a:cs typeface="Roboto Condensed Light"/>
+              <a:sym typeface="Roboto Condensed Light"/>
+            </a:endParaRPr>
+          </a:p>
+          <a:p>
+            <a:pPr marL="0" lvl="0" indent="0" algn="ctr" rtl="0">
+              <a:spcBef>
+                <a:spcPts val="0"/>
+              </a:spcBef>
+              <a:spcAft>
+                <a:spcPts val="0"/>
+              </a:spcAft>
+              <a:buNone/>
+            </a:pPr>
+            <a:endParaRPr lang="it-IT" sz="1800" dirty="0">
+              <a:solidFill>
+                <a:srgbClr val="FFFFFF"/>
+              </a:solidFill>
+              <a:ea typeface="Roboto Condensed Light"/>
+              <a:cs typeface="Roboto Condensed Light"/>
+              <a:sym typeface="Roboto Condensed Light"/>
+            </a:endParaRPr>
+          </a:p>
+          <a:p>
+            <a:pPr marL="0" lvl="0" indent="0" algn="ctr" rtl="0">
+              <a:spcBef>
+                <a:spcPts val="0"/>
+              </a:spcBef>
+              <a:spcAft>
+                <a:spcPts val="0"/>
+              </a:spcAft>
+              <a:buNone/>
+            </a:pPr>
+            <a:r>
+              <a:rPr lang="it-IT" sz="1800" dirty="0">
+                <a:solidFill>
+                  <a:srgbClr val="FFFFFF"/>
+                </a:solidFill>
+                <a:ea typeface="Roboto Condensed Light"/>
+                <a:cs typeface="Roboto Condensed Light"/>
+                <a:sym typeface="Roboto Condensed Light"/>
+              </a:rPr>
+              <a:t> Aggiorniamo i permessi dello script </a:t>
+            </a:r>
+          </a:p>
+          <a:p>
+            <a:pPr marL="0" lvl="0" indent="0" algn="ctr" rtl="0">
+              <a:spcBef>
+                <a:spcPts val="0"/>
+              </a:spcBef>
+              <a:spcAft>
+                <a:spcPts val="0"/>
+              </a:spcAft>
+              <a:buNone/>
+            </a:pPr>
+            <a:endParaRPr lang="it-IT" sz="1800" dirty="0">
+              <a:solidFill>
+                <a:srgbClr val="FFFFFF"/>
+              </a:solidFill>
+              <a:ea typeface="Roboto Condensed Light"/>
+              <a:cs typeface="Roboto Condensed Light"/>
+              <a:sym typeface="Roboto Condensed Light"/>
+            </a:endParaRPr>
+          </a:p>
+          <a:p>
+            <a:pPr marL="0" lvl="0" indent="0" algn="ctr" rtl="0">
+              <a:spcBef>
+                <a:spcPts val="0"/>
+              </a:spcBef>
+              <a:spcAft>
+                <a:spcPts val="0"/>
+              </a:spcAft>
+              <a:buNone/>
+            </a:pPr>
+            <a:endParaRPr lang="it-IT" sz="1800" dirty="0">
+              <a:solidFill>
+                <a:srgbClr val="FFFFFF"/>
+              </a:solidFill>
+              <a:ea typeface="Roboto Condensed Light"/>
+              <a:cs typeface="Roboto Condensed Light"/>
+              <a:sym typeface="Roboto Condensed Light"/>
+            </a:endParaRPr>
+          </a:p>
+          <a:p>
+            <a:pPr marL="0" lvl="0" indent="0" algn="ctr" rtl="0">
+              <a:spcBef>
+                <a:spcPts val="0"/>
+              </a:spcBef>
+              <a:spcAft>
+                <a:spcPts val="0"/>
+              </a:spcAft>
+              <a:buNone/>
+            </a:pPr>
+            <a:endParaRPr lang="it-IT" sz="1800" dirty="0">
+              <a:solidFill>
+                <a:srgbClr val="FFFFFF"/>
+              </a:solidFill>
+              <a:ea typeface="Roboto Condensed Light"/>
+              <a:cs typeface="Roboto Condensed Light"/>
+              <a:sym typeface="Roboto Condensed Light"/>
+            </a:endParaRPr>
+          </a:p>
+          <a:p>
+            <a:pPr marL="0" lvl="0" indent="0" algn="ctr" rtl="0">
+              <a:spcBef>
+                <a:spcPts val="0"/>
+              </a:spcBef>
+              <a:spcAft>
+                <a:spcPts val="0"/>
+              </a:spcAft>
+              <a:buNone/>
+            </a:pPr>
+            <a:endParaRPr lang="it-IT" sz="1800" dirty="0">
+              <a:solidFill>
+                <a:srgbClr val="FFFFFF"/>
+              </a:solidFill>
+              <a:ea typeface="Roboto Condensed Light"/>
+              <a:cs typeface="Roboto Condensed Light"/>
+              <a:sym typeface="Roboto Condensed Light"/>
+            </a:endParaRPr>
+          </a:p>
+          <a:p>
+            <a:pPr marL="0" lvl="0" indent="0" algn="ctr" rtl="0">
+              <a:spcBef>
+                <a:spcPts val="0"/>
+              </a:spcBef>
+              <a:spcAft>
+                <a:spcPts val="0"/>
+              </a:spcAft>
+              <a:buNone/>
+            </a:pPr>
+            <a:endParaRPr lang="it-IT" sz="1800" dirty="0">
+              <a:solidFill>
+                <a:srgbClr val="FFFFFF"/>
+              </a:solidFill>
+              <a:ea typeface="Roboto Condensed Light"/>
+              <a:cs typeface="Roboto Condensed Light"/>
+              <a:sym typeface="Roboto Condensed Light"/>
+            </a:endParaRPr>
+          </a:p>
+          <a:p>
+            <a:pPr marL="0" lvl="0" indent="0" algn="ctr" rtl="0">
+              <a:spcBef>
+                <a:spcPts val="0"/>
+              </a:spcBef>
+              <a:spcAft>
+                <a:spcPts val="0"/>
+              </a:spcAft>
+              <a:buNone/>
+            </a:pPr>
+            <a:r>
+              <a:rPr lang="it-IT" sz="1800" dirty="0">
+                <a:solidFill>
+                  <a:srgbClr val="FFFFFF"/>
+                </a:solidFill>
+                <a:ea typeface="Roboto Condensed Light"/>
+                <a:cs typeface="Roboto Condensed Light"/>
+                <a:sym typeface="Roboto Condensed Light"/>
+              </a:rPr>
+              <a:t>Eseguiamo manualmente una nuova istanza del server Web </a:t>
+            </a:r>
+            <a:r>
+              <a:rPr lang="it-IT" sz="1800" dirty="0" err="1">
+                <a:solidFill>
+                  <a:srgbClr val="FFFFFF"/>
+                </a:solidFill>
+                <a:ea typeface="Roboto Condensed Light"/>
+                <a:cs typeface="Roboto Condensed Light"/>
+                <a:sym typeface="Roboto Condensed Light"/>
+              </a:rPr>
+              <a:t>thttpd</a:t>
+            </a:r>
+            <a:r>
+              <a:rPr lang="it-IT" sz="1800" dirty="0">
+                <a:solidFill>
+                  <a:srgbClr val="FFFFFF"/>
+                </a:solidFill>
+                <a:ea typeface="Roboto Condensed Light"/>
+                <a:cs typeface="Roboto Condensed Light"/>
+                <a:sym typeface="Roboto Condensed Light"/>
+              </a:rPr>
+              <a:t>: </a:t>
+            </a:r>
+          </a:p>
+        </p:txBody>
+      </p:sp>
+      <p:cxnSp>
+        <p:nvCxnSpPr>
+          <p:cNvPr id="5" name="Connettore 2 4">
+            <a:extLst>
+              <a:ext uri="{FF2B5EF4-FFF2-40B4-BE49-F238E27FC236}">
+                <a16:creationId xmlns:a16="http://schemas.microsoft.com/office/drawing/2014/main" id="{B0DD7DEF-0D76-930B-ED4E-CB3DE87EEA71}"/>
+              </a:ext>
+            </a:extLst>
+          </p:cNvPr>
+          <p:cNvCxnSpPr/>
+          <p:nvPr/>
+        </p:nvCxnSpPr>
+        <p:spPr>
+          <a:xfrm>
+            <a:off x="5306060" y="3040380"/>
+            <a:ext cx="1508760" cy="0"/>
+          </a:xfrm>
+          <a:prstGeom prst="straightConnector1">
+            <a:avLst/>
+          </a:prstGeom>
+          <a:ln>
+            <a:solidFill>
+              <a:schemeClr val="bg1"/>
+            </a:solidFill>
+            <a:tailEnd type="triangle"/>
+          </a:ln>
+        </p:spPr>
+        <p:style>
+          <a:lnRef idx="1">
+            <a:schemeClr val="accent1"/>
+          </a:lnRef>
+          <a:fillRef idx="0">
+            <a:schemeClr val="accent1"/>
+          </a:fillRef>
+          <a:effectRef idx="0">
+            <a:schemeClr val="accent1"/>
+          </a:effectRef>
+          <a:fontRef idx="minor">
+            <a:schemeClr val="tx1"/>
+          </a:fontRef>
+        </p:style>
+      </p:cxnSp>
+      <p:cxnSp>
+        <p:nvCxnSpPr>
+          <p:cNvPr id="6" name="Connettore 2 5">
+            <a:extLst>
+              <a:ext uri="{FF2B5EF4-FFF2-40B4-BE49-F238E27FC236}">
+                <a16:creationId xmlns:a16="http://schemas.microsoft.com/office/drawing/2014/main" id="{A96EEBF2-44DD-6967-6E8B-00A2AE4807F6}"/>
+              </a:ext>
+            </a:extLst>
+          </p:cNvPr>
+          <p:cNvCxnSpPr/>
+          <p:nvPr/>
+        </p:nvCxnSpPr>
+        <p:spPr>
+          <a:xfrm>
+            <a:off x="5245345" y="4508636"/>
+            <a:ext cx="1508760" cy="0"/>
+          </a:xfrm>
+          <a:prstGeom prst="straightConnector1">
+            <a:avLst/>
+          </a:prstGeom>
+          <a:ln>
+            <a:solidFill>
+              <a:schemeClr val="bg1"/>
+            </a:solidFill>
+            <a:tailEnd type="triangle"/>
+          </a:ln>
+        </p:spPr>
+        <p:style>
+          <a:lnRef idx="1">
+            <a:schemeClr val="accent1"/>
+          </a:lnRef>
+          <a:fillRef idx="0">
+            <a:schemeClr val="accent1"/>
+          </a:fillRef>
+          <a:effectRef idx="0">
+            <a:schemeClr val="accent1"/>
+          </a:effectRef>
+          <a:fontRef idx="minor">
+            <a:schemeClr val="tx1"/>
+          </a:fontRef>
+        </p:style>
+      </p:cxnSp>
+      <p:cxnSp>
+        <p:nvCxnSpPr>
+          <p:cNvPr id="7" name="Connettore 2 6">
+            <a:extLst>
+              <a:ext uri="{FF2B5EF4-FFF2-40B4-BE49-F238E27FC236}">
+                <a16:creationId xmlns:a16="http://schemas.microsoft.com/office/drawing/2014/main" id="{F9083F34-372C-AECA-35A2-71A53C12FE0B}"/>
+              </a:ext>
+            </a:extLst>
+          </p:cNvPr>
+          <p:cNvCxnSpPr/>
+          <p:nvPr/>
+        </p:nvCxnSpPr>
+        <p:spPr>
+          <a:xfrm>
+            <a:off x="5513114" y="6159500"/>
+            <a:ext cx="1508760" cy="0"/>
+          </a:xfrm>
+          <a:prstGeom prst="straightConnector1">
+            <a:avLst/>
+          </a:prstGeom>
+          <a:ln>
+            <a:solidFill>
+              <a:schemeClr val="bg1"/>
+            </a:solidFill>
+            <a:tailEnd type="triangle"/>
+          </a:ln>
+        </p:spPr>
+        <p:style>
+          <a:lnRef idx="1">
+            <a:schemeClr val="accent1"/>
+          </a:lnRef>
+          <a:fillRef idx="0">
+            <a:schemeClr val="accent1"/>
+          </a:fillRef>
+          <a:effectRef idx="0">
+            <a:schemeClr val="accent1"/>
+          </a:effectRef>
+          <a:fontRef idx="minor">
+            <a:schemeClr val="tx1"/>
+          </a:fontRef>
+        </p:style>
+      </p:cxnSp>
+      <p:sp>
+        <p:nvSpPr>
+          <p:cNvPr id="8" name="CasellaDiTesto 7">
+            <a:extLst>
+              <a:ext uri="{FF2B5EF4-FFF2-40B4-BE49-F238E27FC236}">
+                <a16:creationId xmlns:a16="http://schemas.microsoft.com/office/drawing/2014/main" id="{C0A1245A-090E-4383-2C74-22BF80FEFB17}"/>
+              </a:ext>
+            </a:extLst>
+          </p:cNvPr>
+          <p:cNvSpPr txBox="1"/>
+          <p:nvPr/>
+        </p:nvSpPr>
+        <p:spPr>
+          <a:xfrm>
+            <a:off x="6814820" y="2790419"/>
+            <a:ext cx="3435096" cy="646331"/>
+          </a:xfrm>
+          <a:prstGeom prst="rect">
+            <a:avLst/>
+          </a:prstGeom>
+          <a:noFill/>
+        </p:spPr>
+        <p:txBody>
+          <a:bodyPr wrap="square" rtlCol="0">
+            <a:spAutoFit/>
+          </a:bodyPr>
+          <a:lstStyle/>
+          <a:p>
+            <a:pPr marL="0" lvl="0" indent="0" algn="l" rtl="0">
+              <a:spcBef>
+                <a:spcPts val="0"/>
+              </a:spcBef>
+              <a:spcAft>
+                <a:spcPts val="0"/>
+              </a:spcAft>
+              <a:buNone/>
+            </a:pPr>
+            <a:r>
+              <a:rPr lang="en-US" sz="1800" dirty="0">
+                <a:solidFill>
+                  <a:schemeClr val="bg1"/>
+                </a:solidFill>
+                <a:ea typeface="Roboto Condensed Light"/>
+                <a:cs typeface="Roboto Condensed Light"/>
+                <a:sym typeface="Roboto Condensed Light"/>
+              </a:rPr>
+              <a:t>cp /home/flag16/</a:t>
+            </a:r>
+            <a:r>
+              <a:rPr lang="en-US" sz="1800" dirty="0" err="1">
+                <a:solidFill>
+                  <a:schemeClr val="bg1"/>
+                </a:solidFill>
+                <a:ea typeface="Roboto Condensed Light"/>
+                <a:cs typeface="Roboto Condensed Light"/>
+                <a:sym typeface="Roboto Condensed Light"/>
+              </a:rPr>
+              <a:t>index.cgi</a:t>
+            </a:r>
+            <a:r>
+              <a:rPr lang="en-US" sz="1800" dirty="0">
+                <a:solidFill>
+                  <a:schemeClr val="bg1"/>
+                </a:solidFill>
+                <a:ea typeface="Roboto Condensed Light"/>
+                <a:cs typeface="Roboto Condensed Light"/>
+                <a:sym typeface="Roboto Condensed Light"/>
+              </a:rPr>
+              <a:t> /home/level16</a:t>
+            </a:r>
+          </a:p>
+        </p:txBody>
+      </p:sp>
+      <p:sp>
+        <p:nvSpPr>
+          <p:cNvPr id="9" name="CasellaDiTesto 8">
+            <a:extLst>
+              <a:ext uri="{FF2B5EF4-FFF2-40B4-BE49-F238E27FC236}">
+                <a16:creationId xmlns:a16="http://schemas.microsoft.com/office/drawing/2014/main" id="{6C9319E6-B11E-3836-7683-C5D38936D6E6}"/>
+              </a:ext>
+            </a:extLst>
+          </p:cNvPr>
+          <p:cNvSpPr txBox="1"/>
+          <p:nvPr/>
+        </p:nvSpPr>
+        <p:spPr>
+          <a:xfrm>
+            <a:off x="6754105" y="4185470"/>
+            <a:ext cx="4345769" cy="923330"/>
+          </a:xfrm>
+          <a:prstGeom prst="rect">
+            <a:avLst/>
+          </a:prstGeom>
+          <a:noFill/>
+        </p:spPr>
+        <p:txBody>
+          <a:bodyPr wrap="square" rtlCol="0">
+            <a:spAutoFit/>
+          </a:bodyPr>
+          <a:lstStyle/>
+          <a:p>
+            <a:pPr marL="0" lvl="0" indent="0" rtl="0">
+              <a:spcBef>
+                <a:spcPts val="0"/>
+              </a:spcBef>
+              <a:spcAft>
+                <a:spcPts val="0"/>
+              </a:spcAft>
+              <a:buNone/>
+            </a:pPr>
+            <a:r>
+              <a:rPr lang="en-US" sz="1800" dirty="0" err="1">
+                <a:ln>
+                  <a:solidFill>
+                    <a:schemeClr val="bg1"/>
+                  </a:solidFill>
+                </a:ln>
+                <a:solidFill>
+                  <a:schemeClr val="bg1"/>
+                </a:solidFill>
+                <a:ea typeface="Roboto Condensed Light"/>
+                <a:cs typeface="Roboto Condensed Light"/>
+                <a:sym typeface="Roboto Condensed Light"/>
+              </a:rPr>
+              <a:t>chown</a:t>
+            </a:r>
+            <a:r>
+              <a:rPr lang="en-US" sz="1800" dirty="0">
+                <a:ln>
+                  <a:solidFill>
+                    <a:schemeClr val="bg1"/>
+                  </a:solidFill>
+                </a:ln>
+                <a:solidFill>
+                  <a:schemeClr val="bg1"/>
+                </a:solidFill>
+                <a:ea typeface="Roboto Condensed Light"/>
+                <a:cs typeface="Roboto Condensed Light"/>
+                <a:sym typeface="Roboto Condensed Light"/>
+              </a:rPr>
+              <a:t> level16:level16 /home/level16/</a:t>
+            </a:r>
+            <a:r>
+              <a:rPr lang="en-US" sz="1800" dirty="0" err="1">
+                <a:ln>
+                  <a:solidFill>
+                    <a:schemeClr val="bg1"/>
+                  </a:solidFill>
+                </a:ln>
+                <a:solidFill>
+                  <a:schemeClr val="bg1"/>
+                </a:solidFill>
+                <a:ea typeface="Roboto Condensed Light"/>
+                <a:cs typeface="Roboto Condensed Light"/>
+                <a:sym typeface="Roboto Condensed Light"/>
+              </a:rPr>
+              <a:t>index.cgi</a:t>
+            </a:r>
+            <a:r>
+              <a:rPr lang="en-US" sz="1800" dirty="0">
+                <a:ln>
+                  <a:solidFill>
+                    <a:schemeClr val="bg1"/>
+                  </a:solidFill>
+                </a:ln>
+                <a:solidFill>
+                  <a:schemeClr val="bg1"/>
+                </a:solidFill>
+                <a:ea typeface="Roboto Condensed Light"/>
+                <a:cs typeface="Roboto Condensed Light"/>
+                <a:sym typeface="Roboto Condensed Light"/>
+              </a:rPr>
+              <a:t> </a:t>
+            </a:r>
+            <a:r>
+              <a:rPr lang="en-US" sz="1800" dirty="0" err="1">
+                <a:ln>
+                  <a:solidFill>
+                    <a:schemeClr val="bg1"/>
+                  </a:solidFill>
+                </a:ln>
+                <a:solidFill>
+                  <a:schemeClr val="bg1"/>
+                </a:solidFill>
+                <a:ea typeface="Roboto Condensed Light"/>
+                <a:cs typeface="Roboto Condensed Light"/>
+                <a:sym typeface="Roboto Condensed Light"/>
+              </a:rPr>
+              <a:t>chmod</a:t>
+            </a:r>
+            <a:r>
+              <a:rPr lang="en-US" sz="1800" dirty="0">
+                <a:ln>
+                  <a:solidFill>
+                    <a:schemeClr val="bg1"/>
+                  </a:solidFill>
+                </a:ln>
+                <a:solidFill>
+                  <a:schemeClr val="bg1"/>
+                </a:solidFill>
+                <a:ea typeface="Roboto Condensed Light"/>
+                <a:cs typeface="Roboto Condensed Light"/>
+                <a:sym typeface="Roboto Condensed Light"/>
+              </a:rPr>
+              <a:t> 0755 /home/level16/</a:t>
+            </a:r>
+            <a:r>
+              <a:rPr lang="en-US" sz="1800" dirty="0" err="1">
+                <a:ln>
+                  <a:solidFill>
+                    <a:schemeClr val="bg1"/>
+                  </a:solidFill>
+                </a:ln>
+                <a:solidFill>
+                  <a:schemeClr val="bg1"/>
+                </a:solidFill>
+                <a:ea typeface="Roboto Condensed Light"/>
+                <a:cs typeface="Roboto Condensed Light"/>
+                <a:sym typeface="Roboto Condensed Light"/>
+              </a:rPr>
+              <a:t>index.cgi</a:t>
+            </a:r>
+            <a:r>
+              <a:rPr lang="en-US" sz="1800" dirty="0">
+                <a:ln>
+                  <a:solidFill>
+                    <a:schemeClr val="bg1"/>
+                  </a:solidFill>
+                </a:ln>
+                <a:solidFill>
+                  <a:schemeClr val="bg1"/>
+                </a:solidFill>
+                <a:ea typeface="Roboto Condensed Light"/>
+                <a:cs typeface="Roboto Condensed Light"/>
+                <a:sym typeface="Roboto Condensed Light"/>
+              </a:rPr>
+              <a:t> </a:t>
+            </a:r>
+          </a:p>
+        </p:txBody>
+      </p:sp>
+      <p:sp>
+        <p:nvSpPr>
+          <p:cNvPr id="10" name="CasellaDiTesto 9">
+            <a:extLst>
+              <a:ext uri="{FF2B5EF4-FFF2-40B4-BE49-F238E27FC236}">
+                <a16:creationId xmlns:a16="http://schemas.microsoft.com/office/drawing/2014/main" id="{A4DB26B1-9F18-95C0-0E65-7E8C395772CE}"/>
+              </a:ext>
+            </a:extLst>
+          </p:cNvPr>
+          <p:cNvSpPr txBox="1"/>
+          <p:nvPr/>
+        </p:nvSpPr>
+        <p:spPr>
+          <a:xfrm>
+            <a:off x="6618663" y="5974834"/>
+            <a:ext cx="4616651" cy="369332"/>
+          </a:xfrm>
+          <a:prstGeom prst="rect">
+            <a:avLst/>
+          </a:prstGeom>
+          <a:noFill/>
+        </p:spPr>
+        <p:txBody>
+          <a:bodyPr wrap="square" rtlCol="0">
+            <a:spAutoFit/>
+          </a:bodyPr>
+          <a:lstStyle/>
+          <a:p>
+            <a:pPr marL="0" lvl="0" indent="0" algn="ctr" rtl="0">
+              <a:spcBef>
+                <a:spcPts val="0"/>
+              </a:spcBef>
+              <a:spcAft>
+                <a:spcPts val="0"/>
+              </a:spcAft>
+              <a:buNone/>
+            </a:pPr>
+            <a:r>
+              <a:rPr lang="it-IT" sz="1800" dirty="0" err="1">
+                <a:solidFill>
+                  <a:schemeClr val="bg1"/>
+                </a:solidFill>
+                <a:ea typeface="Roboto Condensed Light"/>
+                <a:cs typeface="Roboto Condensed Light"/>
+                <a:sym typeface="Roboto Condensed Light"/>
+              </a:rPr>
+              <a:t>thttpd</a:t>
+            </a:r>
+            <a:r>
+              <a:rPr lang="it-IT" sz="1800" dirty="0">
+                <a:solidFill>
+                  <a:schemeClr val="bg1"/>
+                </a:solidFill>
+                <a:ea typeface="Roboto Condensed Light"/>
+                <a:cs typeface="Roboto Condensed Light"/>
+                <a:sym typeface="Roboto Condensed Light"/>
+              </a:rPr>
+              <a:t> –C /home/level16/</a:t>
+            </a:r>
+            <a:r>
+              <a:rPr lang="it-IT" sz="1800" dirty="0" err="1">
+                <a:solidFill>
+                  <a:schemeClr val="bg1"/>
+                </a:solidFill>
+                <a:ea typeface="Roboto Condensed Light"/>
+                <a:cs typeface="Roboto Condensed Light"/>
+                <a:sym typeface="Roboto Condensed Light"/>
+              </a:rPr>
+              <a:t>thttpd.conf</a:t>
+            </a:r>
+            <a:endParaRPr lang="it-IT" sz="1800" dirty="0">
+              <a:solidFill>
+                <a:schemeClr val="bg1"/>
+              </a:solidFill>
+              <a:ea typeface="Roboto Condensed Light"/>
+              <a:cs typeface="Roboto Condensed Light"/>
+              <a:sym typeface="Roboto Condensed Light"/>
+            </a:endParaRPr>
+          </a:p>
+        </p:txBody>
+      </p:sp>
+    </p:spTree>
+    <p:extLst>
+      <p:ext uri="{BB962C8B-B14F-4D97-AF65-F5344CB8AC3E}">
+        <p14:creationId xmlns:p14="http://schemas.microsoft.com/office/powerpoint/2010/main" val="3660534862"/>
+      </p:ext>
+    </p:extLst>
+  </p:cSld>
+  <p:clrMapOvr>
+    <a:masterClrMapping/>
+  </p:clrMapOvr>
+</p:sld>
+</file>
+
+<file path=ppt/slides/slide37.xml><?xml version="1.0" encoding="utf-8"?>
+<p:sld xmlns:a="http://schemas.openxmlformats.org/drawingml/2006/main" xmlns:r="http://schemas.openxmlformats.org/officeDocument/2006/relationships" xmlns:p="http://schemas.openxmlformats.org/presentationml/2006/main">
+  <p:cSld>
+    <p:bg>
+      <p:bgPr>
+        <a:gradFill>
+          <a:gsLst>
+            <a:gs pos="78000">
+              <a:schemeClr val="accent6">
+                <a:lumMod val="50000"/>
+              </a:schemeClr>
+            </a:gs>
+            <a:gs pos="35040">
+              <a:srgbClr val="020B11"/>
+            </a:gs>
+            <a:gs pos="11979">
+              <a:schemeClr val="accent4">
+                <a:lumMod val="50000"/>
+              </a:schemeClr>
+            </a:gs>
+            <a:gs pos="0">
+              <a:schemeClr val="accent4"/>
+            </a:gs>
+            <a:gs pos="99000">
+              <a:schemeClr val="tx2">
+                <a:lumMod val="50000"/>
+              </a:schemeClr>
+            </a:gs>
+          </a:gsLst>
+          <a:lin ang="7800000" scaled="0"/>
+        </a:gradFill>
+        <a:effectLst/>
+      </p:bgPr>
+    </p:bg>
+    <p:spTree>
+      <p:nvGrpSpPr>
+        <p:cNvPr id="1" name="">
+          <a:extLst>
+            <a:ext uri="{FF2B5EF4-FFF2-40B4-BE49-F238E27FC236}">
+              <a16:creationId xmlns:a16="http://schemas.microsoft.com/office/drawing/2014/main" id="{AD3ACFCA-0E2F-A330-B09F-275698C743C4}"/>
+            </a:ext>
+          </a:extLst>
+        </p:cNvPr>
+        <p:cNvGrpSpPr/>
+        <p:nvPr/>
+      </p:nvGrpSpPr>
+      <p:grpSpPr>
+        <a:xfrm>
+          <a:off x="0" y="0"/>
+          <a:ext cx="0" cy="0"/>
+          <a:chOff x="0" y="0"/>
+          <a:chExt cx="0" cy="0"/>
+        </a:xfrm>
+      </p:grpSpPr>
+      <p:sp>
+        <p:nvSpPr>
+          <p:cNvPr id="24" name="Titolo 1">
+            <a:extLst>
+              <a:ext uri="{FF2B5EF4-FFF2-40B4-BE49-F238E27FC236}">
+                <a16:creationId xmlns:a16="http://schemas.microsoft.com/office/drawing/2014/main" id="{391F4638-05A7-DD17-171C-91AB692344FF}"/>
+              </a:ext>
+            </a:extLst>
+          </p:cNvPr>
+          <p:cNvSpPr>
+            <a:spLocks noGrp="1"/>
+          </p:cNvSpPr>
+          <p:nvPr>
+            <p:ph type="title"/>
+          </p:nvPr>
+        </p:nvSpPr>
+        <p:spPr>
+          <a:xfrm>
+            <a:off x="835831" y="173735"/>
+            <a:ext cx="4409514" cy="2203704"/>
+          </a:xfrm>
+        </p:spPr>
+        <p:txBody>
+          <a:bodyPr rtlCol="0"/>
+          <a:lstStyle>
+            <a:defPPr>
+              <a:defRPr lang="it-IT"/>
+            </a:defPPr>
+          </a:lstStyle>
+          <a:p>
+            <a:pPr rtl="0"/>
+            <a:r>
+              <a:rPr lang="it-IT" dirty="0"/>
+              <a:t>Mitigazione 1</a:t>
+            </a:r>
+          </a:p>
+        </p:txBody>
+      </p:sp>
+      <p:pic>
+        <p:nvPicPr>
+          <p:cNvPr id="3" name="Immagine 2">
+            <a:extLst>
+              <a:ext uri="{FF2B5EF4-FFF2-40B4-BE49-F238E27FC236}">
+                <a16:creationId xmlns:a16="http://schemas.microsoft.com/office/drawing/2014/main" id="{DF4ED494-7474-0B67-0991-1AC12E294068}"/>
+              </a:ext>
+            </a:extLst>
+          </p:cNvPr>
+          <p:cNvPicPr>
+            <a:picLocks noChangeAspect="1"/>
+          </p:cNvPicPr>
+          <p:nvPr/>
+        </p:nvPicPr>
+        <p:blipFill>
+          <a:blip r:embed="rId3"/>
+          <a:stretch>
+            <a:fillRect/>
+          </a:stretch>
+        </p:blipFill>
+        <p:spPr>
+          <a:xfrm>
+            <a:off x="353231" y="3632200"/>
+            <a:ext cx="5919729" cy="1072989"/>
+          </a:xfrm>
+          <a:prstGeom prst="rect">
+            <a:avLst/>
+          </a:prstGeom>
+        </p:spPr>
+      </p:pic>
+      <p:sp>
+        <p:nvSpPr>
+          <p:cNvPr id="4" name="CasellaDiTesto 3">
+            <a:extLst>
+              <a:ext uri="{FF2B5EF4-FFF2-40B4-BE49-F238E27FC236}">
+                <a16:creationId xmlns:a16="http://schemas.microsoft.com/office/drawing/2014/main" id="{85AD9FF4-D54B-1492-FC27-AEF06FB4B2BB}"/>
+              </a:ext>
+            </a:extLst>
+          </p:cNvPr>
+          <p:cNvSpPr txBox="1"/>
+          <p:nvPr/>
+        </p:nvSpPr>
+        <p:spPr>
+          <a:xfrm>
+            <a:off x="353231" y="3022600"/>
+            <a:ext cx="4536269" cy="369332"/>
+          </a:xfrm>
+          <a:prstGeom prst="rect">
+            <a:avLst/>
+          </a:prstGeom>
+          <a:noFill/>
+        </p:spPr>
+        <p:txBody>
+          <a:bodyPr wrap="square" rtlCol="0">
+            <a:spAutoFit/>
+          </a:bodyPr>
+          <a:lstStyle/>
+          <a:p>
+            <a:r>
+              <a:rPr lang="it-IT" dirty="0">
+                <a:solidFill>
+                  <a:schemeClr val="bg1"/>
+                </a:solidFill>
+              </a:rPr>
+              <a:t>Ripetiamo l’attacco sul server Web</a:t>
+            </a:r>
+          </a:p>
+        </p:txBody>
+      </p:sp>
+      <p:sp>
+        <p:nvSpPr>
+          <p:cNvPr id="11" name="CasellaDiTesto 10">
+            <a:extLst>
+              <a:ext uri="{FF2B5EF4-FFF2-40B4-BE49-F238E27FC236}">
+                <a16:creationId xmlns:a16="http://schemas.microsoft.com/office/drawing/2014/main" id="{B0F19339-A2B5-BB3C-2D20-ED0A5FDAD252}"/>
+              </a:ext>
+            </a:extLst>
+          </p:cNvPr>
+          <p:cNvSpPr txBox="1"/>
+          <p:nvPr/>
+        </p:nvSpPr>
+        <p:spPr>
+          <a:xfrm>
+            <a:off x="7023100" y="2654300"/>
+            <a:ext cx="3733800" cy="646331"/>
+          </a:xfrm>
+          <a:prstGeom prst="rect">
+            <a:avLst/>
+          </a:prstGeom>
+          <a:noFill/>
+        </p:spPr>
+        <p:txBody>
+          <a:bodyPr wrap="square" rtlCol="0">
+            <a:spAutoFit/>
+          </a:bodyPr>
+          <a:lstStyle/>
+          <a:p>
+            <a:r>
+              <a:rPr lang="it-IT" dirty="0">
+                <a:solidFill>
+                  <a:schemeClr val="bg1"/>
+                </a:solidFill>
+              </a:rPr>
+              <a:t>Non abbiamo più i privilegi di flag16</a:t>
+            </a:r>
+          </a:p>
+        </p:txBody>
+      </p:sp>
+      <p:pic>
+        <p:nvPicPr>
+          <p:cNvPr id="14" name="Immagine 13" descr="Immagine che contiene testo, schermata, Carattere&#10;&#10;Il contenuto generato dall'IA potrebbe non essere corretto.">
+            <a:extLst>
+              <a:ext uri="{FF2B5EF4-FFF2-40B4-BE49-F238E27FC236}">
+                <a16:creationId xmlns:a16="http://schemas.microsoft.com/office/drawing/2014/main" id="{5C10372D-50A5-494D-DEE4-B4675ED721BF}"/>
+              </a:ext>
+            </a:extLst>
+          </p:cNvPr>
+          <p:cNvPicPr>
+            <a:picLocks noChangeAspect="1"/>
+          </p:cNvPicPr>
+          <p:nvPr/>
+        </p:nvPicPr>
+        <p:blipFill>
+          <a:blip r:embed="rId4">
+            <a:extLst>
+              <a:ext uri="{28A0092B-C50C-407E-A947-70E740481C1C}">
+                <a14:useLocalDpi xmlns:a14="http://schemas.microsoft.com/office/drawing/2010/main" val="0"/>
+              </a:ext>
+            </a:extLst>
+          </a:blip>
+          <a:stretch>
+            <a:fillRect/>
+          </a:stretch>
+        </p:blipFill>
+        <p:spPr>
+          <a:xfrm>
+            <a:off x="6539808" y="3300631"/>
+            <a:ext cx="5400732" cy="1013460"/>
+          </a:xfrm>
+          <a:prstGeom prst="rect">
+            <a:avLst/>
+          </a:prstGeom>
+        </p:spPr>
+      </p:pic>
+    </p:spTree>
+    <p:extLst>
+      <p:ext uri="{BB962C8B-B14F-4D97-AF65-F5344CB8AC3E}">
+        <p14:creationId xmlns:p14="http://schemas.microsoft.com/office/powerpoint/2010/main" val="3260943533"/>
+      </p:ext>
+    </p:extLst>
+  </p:cSld>
+  <p:clrMapOvr>
+    <a:masterClrMapping/>
+  </p:clrMapOvr>
+</p:sld>
+</file>
+
+<file path=ppt/slides/slide38.xml><?xml version="1.0" encoding="utf-8"?>
+<p:sld xmlns:a="http://schemas.openxmlformats.org/drawingml/2006/main" xmlns:r="http://schemas.openxmlformats.org/officeDocument/2006/relationships" xmlns:p="http://schemas.openxmlformats.org/presentationml/2006/main">
+  <p:cSld>
+    <p:bg>
+      <p:bgPr>
+        <a:gradFill>
+          <a:gsLst>
+            <a:gs pos="78000">
+              <a:schemeClr val="accent6">
+                <a:lumMod val="50000"/>
+              </a:schemeClr>
+            </a:gs>
+            <a:gs pos="35040">
+              <a:srgbClr val="020B11"/>
+            </a:gs>
+            <a:gs pos="11979">
+              <a:schemeClr val="accent4">
+                <a:lumMod val="50000"/>
+              </a:schemeClr>
+            </a:gs>
+            <a:gs pos="0">
+              <a:schemeClr val="accent4"/>
+            </a:gs>
+            <a:gs pos="99000">
+              <a:schemeClr val="tx2">
+                <a:lumMod val="50000"/>
+              </a:schemeClr>
+            </a:gs>
+          </a:gsLst>
+          <a:lin ang="7800000" scaled="0"/>
+        </a:gradFill>
+        <a:effectLst/>
+      </p:bgPr>
+    </p:bg>
+    <p:spTree>
+      <p:nvGrpSpPr>
+        <p:cNvPr id="1" name="">
+          <a:extLst>
+            <a:ext uri="{FF2B5EF4-FFF2-40B4-BE49-F238E27FC236}">
+              <a16:creationId xmlns:a16="http://schemas.microsoft.com/office/drawing/2014/main" id="{2B9C1B9E-AC3A-F08D-2427-46CB6D397C4C}"/>
+            </a:ext>
+          </a:extLst>
+        </p:cNvPr>
+        <p:cNvGrpSpPr/>
+        <p:nvPr/>
+      </p:nvGrpSpPr>
+      <p:grpSpPr>
+        <a:xfrm>
+          <a:off x="0" y="0"/>
+          <a:ext cx="0" cy="0"/>
+          <a:chOff x="0" y="0"/>
+          <a:chExt cx="0" cy="0"/>
+        </a:xfrm>
+      </p:grpSpPr>
+      <p:sp>
+        <p:nvSpPr>
+          <p:cNvPr id="24" name="Titolo 1">
+            <a:extLst>
+              <a:ext uri="{FF2B5EF4-FFF2-40B4-BE49-F238E27FC236}">
+                <a16:creationId xmlns:a16="http://schemas.microsoft.com/office/drawing/2014/main" id="{AD6D494E-02B4-F25D-4E64-DE35B22F4BCB}"/>
+              </a:ext>
+            </a:extLst>
+          </p:cNvPr>
+          <p:cNvSpPr>
+            <a:spLocks noGrp="1"/>
+          </p:cNvSpPr>
+          <p:nvPr>
+            <p:ph type="title"/>
+          </p:nvPr>
+        </p:nvSpPr>
+        <p:spPr>
+          <a:xfrm>
+            <a:off x="835831" y="173735"/>
+            <a:ext cx="4409514" cy="2203704"/>
+          </a:xfrm>
+        </p:spPr>
+        <p:txBody>
+          <a:bodyPr rtlCol="0"/>
+          <a:lstStyle>
+            <a:defPPr>
+              <a:defRPr lang="it-IT"/>
+            </a:defPPr>
+          </a:lstStyle>
+          <a:p>
+            <a:pPr rtl="0"/>
+            <a:r>
+              <a:rPr lang="it-IT" dirty="0"/>
+              <a:t>Mitigazione 2</a:t>
+            </a:r>
+          </a:p>
+        </p:txBody>
+      </p:sp>
+      <p:sp>
+        <p:nvSpPr>
+          <p:cNvPr id="2" name="CasellaDiTesto 1">
+            <a:extLst>
+              <a:ext uri="{FF2B5EF4-FFF2-40B4-BE49-F238E27FC236}">
+                <a16:creationId xmlns:a16="http://schemas.microsoft.com/office/drawing/2014/main" id="{D6E9725C-BF48-4DF2-CDF9-E2584392FCC0}"/>
+              </a:ext>
+            </a:extLst>
+          </p:cNvPr>
+          <p:cNvSpPr txBox="1"/>
+          <p:nvPr/>
+        </p:nvSpPr>
+        <p:spPr>
+          <a:xfrm>
+            <a:off x="835831" y="3236976"/>
+            <a:ext cx="3580721" cy="1754326"/>
+          </a:xfrm>
+          <a:prstGeom prst="rect">
+            <a:avLst/>
+          </a:prstGeom>
+          <a:noFill/>
+        </p:spPr>
+        <p:txBody>
+          <a:bodyPr wrap="square" rtlCol="0">
+            <a:spAutoFit/>
+          </a:bodyPr>
+          <a:lstStyle/>
+          <a:p>
+            <a:r>
+              <a:rPr lang="it-IT" dirty="0">
+                <a:solidFill>
+                  <a:schemeClr val="bg1"/>
+                </a:solidFill>
+              </a:rPr>
+              <a:t>Possiamo implementare nello script </a:t>
+            </a:r>
+            <a:r>
+              <a:rPr lang="it-IT" dirty="0" err="1">
+                <a:solidFill>
+                  <a:schemeClr val="bg1"/>
+                </a:solidFill>
+              </a:rPr>
+              <a:t>Perl</a:t>
+            </a:r>
+            <a:r>
+              <a:rPr lang="it-IT" dirty="0">
+                <a:solidFill>
+                  <a:schemeClr val="bg1"/>
+                </a:solidFill>
+              </a:rPr>
+              <a:t> un filtro dell'input basato su una </a:t>
+            </a:r>
+            <a:r>
+              <a:rPr lang="it-IT" dirty="0" err="1">
+                <a:solidFill>
+                  <a:schemeClr val="bg1"/>
+                </a:solidFill>
+              </a:rPr>
+              <a:t>blacklist</a:t>
+            </a:r>
+            <a:r>
+              <a:rPr lang="it-IT" dirty="0">
+                <a:solidFill>
+                  <a:schemeClr val="bg1"/>
+                </a:solidFill>
+              </a:rPr>
+              <a:t>:</a:t>
+            </a:r>
+            <a:br>
+              <a:rPr lang="it-IT" dirty="0">
+                <a:solidFill>
+                  <a:schemeClr val="bg1"/>
+                </a:solidFill>
+              </a:rPr>
+            </a:br>
+            <a:r>
+              <a:rPr lang="it-IT" dirty="0">
+                <a:solidFill>
+                  <a:schemeClr val="bg1"/>
+                </a:solidFill>
+              </a:rPr>
+              <a:t>se l'input non rispetta il formato previsto per un nome utente valido, viene scartato.</a:t>
+            </a:r>
+          </a:p>
+        </p:txBody>
+      </p:sp>
+    </p:spTree>
+    <p:extLst>
+      <p:ext uri="{BB962C8B-B14F-4D97-AF65-F5344CB8AC3E}">
+        <p14:creationId xmlns:p14="http://schemas.microsoft.com/office/powerpoint/2010/main" val="3280680063"/>
+      </p:ext>
+    </p:extLst>
+  </p:cSld>
+  <p:clrMapOvr>
+    <a:masterClrMapping/>
+  </p:clrMapOvr>
+</p:sld>
+</file>
+
+<file path=ppt/slides/slide39.xml><?xml version="1.0" encoding="utf-8"?>
+<p:sld xmlns:a="http://schemas.openxmlformats.org/drawingml/2006/main" xmlns:r="http://schemas.openxmlformats.org/officeDocument/2006/relationships" xmlns:p="http://schemas.openxmlformats.org/presentationml/2006/main">
+  <p:cSld>
+    <p:bg>
+      <p:bgPr>
+        <a:gradFill>
+          <a:gsLst>
+            <a:gs pos="78000">
+              <a:schemeClr val="accent6">
+                <a:lumMod val="50000"/>
+              </a:schemeClr>
+            </a:gs>
+            <a:gs pos="35040">
+              <a:srgbClr val="020B11"/>
+            </a:gs>
+            <a:gs pos="11979">
+              <a:schemeClr val="accent4">
+                <a:lumMod val="50000"/>
+              </a:schemeClr>
+            </a:gs>
+            <a:gs pos="0">
+              <a:schemeClr val="accent4"/>
+            </a:gs>
+            <a:gs pos="99000">
+              <a:schemeClr val="tx2">
+                <a:lumMod val="50000"/>
+              </a:schemeClr>
+            </a:gs>
+          </a:gsLst>
+          <a:lin ang="7800000" scaled="0"/>
+        </a:gradFill>
+        <a:effectLst/>
+      </p:bgPr>
+    </p:bg>
+    <p:spTree>
+      <p:nvGrpSpPr>
+        <p:cNvPr id="1" name="">
+          <a:extLst>
+            <a:ext uri="{FF2B5EF4-FFF2-40B4-BE49-F238E27FC236}">
+              <a16:creationId xmlns:a16="http://schemas.microsoft.com/office/drawing/2014/main" id="{91046C14-ED9A-F498-3755-35DD49411E01}"/>
+            </a:ext>
+          </a:extLst>
+        </p:cNvPr>
+        <p:cNvGrpSpPr/>
+        <p:nvPr/>
+      </p:nvGrpSpPr>
+      <p:grpSpPr>
+        <a:xfrm>
+          <a:off x="0" y="0"/>
+          <a:ext cx="0" cy="0"/>
+          <a:chOff x="0" y="0"/>
+          <a:chExt cx="0" cy="0"/>
+        </a:xfrm>
+      </p:grpSpPr>
+      <p:sp>
+        <p:nvSpPr>
+          <p:cNvPr id="24" name="Titolo 1">
+            <a:extLst>
+              <a:ext uri="{FF2B5EF4-FFF2-40B4-BE49-F238E27FC236}">
+                <a16:creationId xmlns:a16="http://schemas.microsoft.com/office/drawing/2014/main" id="{9A0DDFD1-EEF4-D361-54D9-8214AA296BAA}"/>
+              </a:ext>
+            </a:extLst>
+          </p:cNvPr>
+          <p:cNvSpPr>
+            <a:spLocks noGrp="1"/>
+          </p:cNvSpPr>
+          <p:nvPr>
+            <p:ph type="title"/>
+          </p:nvPr>
+        </p:nvSpPr>
+        <p:spPr>
+          <a:xfrm>
+            <a:off x="835831" y="173735"/>
+            <a:ext cx="4409514" cy="2203704"/>
+          </a:xfrm>
+        </p:spPr>
+        <p:txBody>
+          <a:bodyPr rtlCol="0"/>
+          <a:lstStyle>
+            <a:defPPr>
+              <a:defRPr lang="it-IT"/>
+            </a:defPPr>
+          </a:lstStyle>
+          <a:p>
+            <a:pPr rtl="0"/>
+            <a:r>
+              <a:rPr lang="it-IT" dirty="0"/>
+              <a:t>Mitigazione 2</a:t>
+            </a:r>
+          </a:p>
+        </p:txBody>
+      </p:sp>
+      <p:sp>
+        <p:nvSpPr>
+          <p:cNvPr id="2" name="CasellaDiTesto 1">
+            <a:extLst>
+              <a:ext uri="{FF2B5EF4-FFF2-40B4-BE49-F238E27FC236}">
+                <a16:creationId xmlns:a16="http://schemas.microsoft.com/office/drawing/2014/main" id="{9ABB282A-BA5B-A7C2-8563-EE10C01AD6AE}"/>
+              </a:ext>
+            </a:extLst>
+          </p:cNvPr>
+          <p:cNvSpPr txBox="1"/>
+          <p:nvPr/>
+        </p:nvSpPr>
+        <p:spPr>
+          <a:xfrm>
+            <a:off x="835831" y="3236976"/>
+            <a:ext cx="7685869" cy="1477328"/>
+          </a:xfrm>
+          <a:prstGeom prst="rect">
+            <a:avLst/>
+          </a:prstGeom>
+          <a:noFill/>
+        </p:spPr>
+        <p:txBody>
+          <a:bodyPr wrap="square" rtlCol="0">
+            <a:spAutoFit/>
+          </a:bodyPr>
+          <a:lstStyle/>
+          <a:p>
+            <a:r>
+              <a:rPr lang="it-IT" dirty="0">
+                <a:solidFill>
+                  <a:schemeClr val="bg1"/>
+                </a:solidFill>
+              </a:rPr>
+              <a:t>Funzionamento aggiornato di </a:t>
+            </a:r>
+            <a:r>
+              <a:rPr lang="it-IT" dirty="0" err="1">
+                <a:solidFill>
+                  <a:schemeClr val="bg1"/>
+                </a:solidFill>
+              </a:rPr>
+              <a:t>index.cgi</a:t>
+            </a:r>
+            <a:r>
+              <a:rPr lang="it-IT" dirty="0">
+                <a:solidFill>
+                  <a:schemeClr val="bg1"/>
+                </a:solidFill>
+              </a:rPr>
+              <a:t>:</a:t>
+            </a:r>
+          </a:p>
+          <a:p>
+            <a:pPr marL="342900" indent="-342900">
+              <a:buFont typeface="+mj-lt"/>
+              <a:buAutoNum type="arabicPeriod"/>
+            </a:pPr>
+            <a:r>
+              <a:rPr lang="it-IT" dirty="0">
+                <a:solidFill>
+                  <a:schemeClr val="bg1"/>
+                </a:solidFill>
+              </a:rPr>
+              <a:t>Memorizza il parametro Username in $username.</a:t>
+            </a:r>
+          </a:p>
+          <a:p>
+            <a:pPr marL="342900" indent="-342900">
+              <a:buFont typeface="+mj-lt"/>
+              <a:buAutoNum type="arabicPeriod"/>
+            </a:pPr>
+            <a:r>
+              <a:rPr lang="it-IT" dirty="0">
+                <a:solidFill>
+                  <a:schemeClr val="bg1"/>
+                </a:solidFill>
+              </a:rPr>
+              <a:t>Confronta $username con un'espressione regolare predefinita.</a:t>
+            </a:r>
+          </a:p>
+          <a:p>
+            <a:pPr marL="800100" lvl="1" indent="-342900">
+              <a:buFont typeface="+mj-lt"/>
+              <a:buAutoNum type="arabicPeriod"/>
+            </a:pPr>
+            <a:r>
+              <a:rPr lang="it-IT" dirty="0">
+                <a:solidFill>
+                  <a:schemeClr val="bg1"/>
+                </a:solidFill>
+              </a:rPr>
+              <a:t>Se il match è positivo → prosegue.</a:t>
+            </a:r>
+          </a:p>
+          <a:p>
+            <a:pPr marL="800100" lvl="1" indent="-342900">
+              <a:buFont typeface="+mj-lt"/>
+              <a:buAutoNum type="arabicPeriod"/>
+            </a:pPr>
+            <a:r>
+              <a:rPr lang="it-IT" dirty="0">
+                <a:solidFill>
+                  <a:schemeClr val="bg1"/>
+                </a:solidFill>
+              </a:rPr>
+              <a:t>Se il match fallisce → interrompe l'esecuzione.</a:t>
+            </a:r>
+          </a:p>
+        </p:txBody>
+      </p:sp>
+    </p:spTree>
+    <p:extLst>
+      <p:ext uri="{BB962C8B-B14F-4D97-AF65-F5344CB8AC3E}">
+        <p14:creationId xmlns:p14="http://schemas.microsoft.com/office/powerpoint/2010/main" val="2421277152"/>
       </p:ext>
     </p:extLst>
   </p:cSld>
@@ -39016,6 +44365,1121 @@
 </p:sld>
 </file>
 
+<file path=ppt/slides/slide40.xml><?xml version="1.0" encoding="utf-8"?>
+<p:sld xmlns:a="http://schemas.openxmlformats.org/drawingml/2006/main" xmlns:r="http://schemas.openxmlformats.org/officeDocument/2006/relationships" xmlns:p="http://schemas.openxmlformats.org/presentationml/2006/main">
+  <p:cSld>
+    <p:bg>
+      <p:bgPr>
+        <a:gradFill>
+          <a:gsLst>
+            <a:gs pos="78000">
+              <a:schemeClr val="accent6">
+                <a:lumMod val="50000"/>
+              </a:schemeClr>
+            </a:gs>
+            <a:gs pos="35040">
+              <a:srgbClr val="020B11"/>
+            </a:gs>
+            <a:gs pos="11979">
+              <a:schemeClr val="accent4">
+                <a:lumMod val="50000"/>
+              </a:schemeClr>
+            </a:gs>
+            <a:gs pos="0">
+              <a:schemeClr val="accent4"/>
+            </a:gs>
+            <a:gs pos="99000">
+              <a:schemeClr val="tx2">
+                <a:lumMod val="50000"/>
+              </a:schemeClr>
+            </a:gs>
+          </a:gsLst>
+          <a:lin ang="7800000" scaled="0"/>
+        </a:gradFill>
+        <a:effectLst/>
+      </p:bgPr>
+    </p:bg>
+    <p:spTree>
+      <p:nvGrpSpPr>
+        <p:cNvPr id="1" name="">
+          <a:extLst>
+            <a:ext uri="{FF2B5EF4-FFF2-40B4-BE49-F238E27FC236}">
+              <a16:creationId xmlns:a16="http://schemas.microsoft.com/office/drawing/2014/main" id="{FC950D0C-FAE7-466F-FA72-2103E6AC98B9}"/>
+            </a:ext>
+          </a:extLst>
+        </p:cNvPr>
+        <p:cNvGrpSpPr/>
+        <p:nvPr/>
+      </p:nvGrpSpPr>
+      <p:grpSpPr>
+        <a:xfrm>
+          <a:off x="0" y="0"/>
+          <a:ext cx="0" cy="0"/>
+          <a:chOff x="0" y="0"/>
+          <a:chExt cx="0" cy="0"/>
+        </a:xfrm>
+      </p:grpSpPr>
+      <p:sp>
+        <p:nvSpPr>
+          <p:cNvPr id="24" name="Titolo 1">
+            <a:extLst>
+              <a:ext uri="{FF2B5EF4-FFF2-40B4-BE49-F238E27FC236}">
+                <a16:creationId xmlns:a16="http://schemas.microsoft.com/office/drawing/2014/main" id="{0D57BE83-D1C7-9C34-A0BC-A6314A563CF2}"/>
+              </a:ext>
+            </a:extLst>
+          </p:cNvPr>
+          <p:cNvSpPr>
+            <a:spLocks noGrp="1"/>
+          </p:cNvSpPr>
+          <p:nvPr>
+            <p:ph type="title"/>
+          </p:nvPr>
+        </p:nvSpPr>
+        <p:spPr>
+          <a:xfrm>
+            <a:off x="835831" y="173735"/>
+            <a:ext cx="4409514" cy="2203704"/>
+          </a:xfrm>
+        </p:spPr>
+        <p:txBody>
+          <a:bodyPr rtlCol="0"/>
+          <a:lstStyle>
+            <a:defPPr>
+              <a:defRPr lang="it-IT"/>
+            </a:defPPr>
+          </a:lstStyle>
+          <a:p>
+            <a:pPr rtl="0"/>
+            <a:r>
+              <a:rPr lang="it-IT" dirty="0"/>
+              <a:t>Mitigazione 2</a:t>
+            </a:r>
+          </a:p>
+        </p:txBody>
+      </p:sp>
+      <p:pic>
+        <p:nvPicPr>
+          <p:cNvPr id="3" name="Immagine 2">
+            <a:extLst>
+              <a:ext uri="{FF2B5EF4-FFF2-40B4-BE49-F238E27FC236}">
+                <a16:creationId xmlns:a16="http://schemas.microsoft.com/office/drawing/2014/main" id="{5EF0D718-0619-BEC2-1AB0-64005E8B2761}"/>
+              </a:ext>
+            </a:extLst>
+          </p:cNvPr>
+          <p:cNvPicPr>
+            <a:picLocks noChangeAspect="1"/>
+          </p:cNvPicPr>
+          <p:nvPr/>
+        </p:nvPicPr>
+        <p:blipFill>
+          <a:blip r:embed="rId3"/>
+          <a:stretch>
+            <a:fillRect/>
+          </a:stretch>
+        </p:blipFill>
+        <p:spPr>
+          <a:xfrm>
+            <a:off x="3535512" y="3873500"/>
+            <a:ext cx="2560488" cy="480092"/>
+          </a:xfrm>
+          <a:prstGeom prst="rect">
+            <a:avLst/>
+          </a:prstGeom>
+        </p:spPr>
+      </p:pic>
+      <p:sp>
+        <p:nvSpPr>
+          <p:cNvPr id="4" name="CasellaDiTesto 3">
+            <a:extLst>
+              <a:ext uri="{FF2B5EF4-FFF2-40B4-BE49-F238E27FC236}">
+                <a16:creationId xmlns:a16="http://schemas.microsoft.com/office/drawing/2014/main" id="{D2E1F682-DD21-8F82-3BE7-F932682518AD}"/>
+              </a:ext>
+            </a:extLst>
+          </p:cNvPr>
+          <p:cNvSpPr txBox="1"/>
+          <p:nvPr/>
+        </p:nvSpPr>
+        <p:spPr>
+          <a:xfrm>
+            <a:off x="723900" y="4696492"/>
+            <a:ext cx="1587500" cy="369332"/>
+          </a:xfrm>
+          <a:prstGeom prst="rect">
+            <a:avLst/>
+          </a:prstGeom>
+          <a:noFill/>
+        </p:spPr>
+        <p:txBody>
+          <a:bodyPr wrap="square" rtlCol="0">
+            <a:spAutoFit/>
+          </a:bodyPr>
+          <a:lstStyle/>
+          <a:p>
+            <a:r>
+              <a:rPr lang="it-IT" dirty="0">
+                <a:solidFill>
+                  <a:schemeClr val="bg1"/>
+                </a:solidFill>
+              </a:rPr>
+              <a:t>Inizio Riga</a:t>
+            </a:r>
+          </a:p>
+        </p:txBody>
+      </p:sp>
+      <p:sp>
+        <p:nvSpPr>
+          <p:cNvPr id="5" name="CasellaDiTesto 4">
+            <a:extLst>
+              <a:ext uri="{FF2B5EF4-FFF2-40B4-BE49-F238E27FC236}">
+                <a16:creationId xmlns:a16="http://schemas.microsoft.com/office/drawing/2014/main" id="{5F249F9D-B57C-B6FA-A759-EDD1B2914332}"/>
+              </a:ext>
+            </a:extLst>
+          </p:cNvPr>
+          <p:cNvSpPr txBox="1"/>
+          <p:nvPr/>
+        </p:nvSpPr>
+        <p:spPr>
+          <a:xfrm>
+            <a:off x="2449662" y="5405154"/>
+            <a:ext cx="2171700" cy="369332"/>
+          </a:xfrm>
+          <a:prstGeom prst="rect">
+            <a:avLst/>
+          </a:prstGeom>
+          <a:noFill/>
+        </p:spPr>
+        <p:txBody>
+          <a:bodyPr wrap="square" rtlCol="0">
+            <a:spAutoFit/>
+          </a:bodyPr>
+          <a:lstStyle/>
+          <a:p>
+            <a:r>
+              <a:rPr lang="it-IT" dirty="0">
+                <a:solidFill>
+                  <a:schemeClr val="bg1"/>
+                </a:solidFill>
+              </a:rPr>
+              <a:t>Caratteri ammessi</a:t>
+            </a:r>
+          </a:p>
+        </p:txBody>
+      </p:sp>
+      <p:sp>
+        <p:nvSpPr>
+          <p:cNvPr id="6" name="CasellaDiTesto 5">
+            <a:extLst>
+              <a:ext uri="{FF2B5EF4-FFF2-40B4-BE49-F238E27FC236}">
+                <a16:creationId xmlns:a16="http://schemas.microsoft.com/office/drawing/2014/main" id="{953890B7-5E1E-2EA3-71B0-39B27CF55BC1}"/>
+              </a:ext>
+            </a:extLst>
+          </p:cNvPr>
+          <p:cNvSpPr txBox="1"/>
+          <p:nvPr/>
+        </p:nvSpPr>
+        <p:spPr>
+          <a:xfrm>
+            <a:off x="4940300" y="5405154"/>
+            <a:ext cx="2171700" cy="369332"/>
+          </a:xfrm>
+          <a:prstGeom prst="rect">
+            <a:avLst/>
+          </a:prstGeom>
+          <a:noFill/>
+        </p:spPr>
+        <p:txBody>
+          <a:bodyPr wrap="square" rtlCol="0">
+            <a:spAutoFit/>
+          </a:bodyPr>
+          <a:lstStyle/>
+          <a:p>
+            <a:r>
+              <a:rPr lang="it-IT" dirty="0">
+                <a:solidFill>
+                  <a:schemeClr val="bg1"/>
+                </a:solidFill>
+              </a:rPr>
+              <a:t>#caratteri min/max</a:t>
+            </a:r>
+          </a:p>
+        </p:txBody>
+      </p:sp>
+      <p:sp>
+        <p:nvSpPr>
+          <p:cNvPr id="7" name="CasellaDiTesto 6">
+            <a:extLst>
+              <a:ext uri="{FF2B5EF4-FFF2-40B4-BE49-F238E27FC236}">
+                <a16:creationId xmlns:a16="http://schemas.microsoft.com/office/drawing/2014/main" id="{F74DBEB9-D21A-4451-E4FD-6B3EF7C28322}"/>
+              </a:ext>
+            </a:extLst>
+          </p:cNvPr>
+          <p:cNvSpPr txBox="1"/>
+          <p:nvPr/>
+        </p:nvSpPr>
+        <p:spPr>
+          <a:xfrm>
+            <a:off x="7505700" y="4798092"/>
+            <a:ext cx="1333500" cy="369332"/>
+          </a:xfrm>
+          <a:prstGeom prst="rect">
+            <a:avLst/>
+          </a:prstGeom>
+          <a:noFill/>
+        </p:spPr>
+        <p:txBody>
+          <a:bodyPr wrap="square" rtlCol="0">
+            <a:spAutoFit/>
+          </a:bodyPr>
+          <a:lstStyle/>
+          <a:p>
+            <a:r>
+              <a:rPr lang="it-IT" dirty="0">
+                <a:solidFill>
+                  <a:schemeClr val="bg1"/>
+                </a:solidFill>
+              </a:rPr>
+              <a:t>Fine riga</a:t>
+            </a:r>
+          </a:p>
+        </p:txBody>
+      </p:sp>
+      <p:cxnSp>
+        <p:nvCxnSpPr>
+          <p:cNvPr id="9" name="Connettore 2 8">
+            <a:extLst>
+              <a:ext uri="{FF2B5EF4-FFF2-40B4-BE49-F238E27FC236}">
+                <a16:creationId xmlns:a16="http://schemas.microsoft.com/office/drawing/2014/main" id="{EA8A8045-0E27-B0CF-198D-160E3DD5DD20}"/>
+              </a:ext>
+            </a:extLst>
+          </p:cNvPr>
+          <p:cNvCxnSpPr/>
+          <p:nvPr/>
+        </p:nvCxnSpPr>
+        <p:spPr>
+          <a:xfrm flipV="1">
+            <a:off x="1866900" y="4226592"/>
+            <a:ext cx="1562100" cy="469900"/>
+          </a:xfrm>
+          <a:prstGeom prst="straightConnector1">
+            <a:avLst/>
+          </a:prstGeom>
+          <a:ln>
+            <a:tailEnd type="triangle"/>
+          </a:ln>
+        </p:spPr>
+        <p:style>
+          <a:lnRef idx="1">
+            <a:schemeClr val="accent1"/>
+          </a:lnRef>
+          <a:fillRef idx="0">
+            <a:schemeClr val="accent1"/>
+          </a:fillRef>
+          <a:effectRef idx="0">
+            <a:schemeClr val="accent1"/>
+          </a:effectRef>
+          <a:fontRef idx="minor">
+            <a:schemeClr val="tx1"/>
+          </a:fontRef>
+        </p:style>
+      </p:cxnSp>
+      <p:cxnSp>
+        <p:nvCxnSpPr>
+          <p:cNvPr id="11" name="Connettore 2 10">
+            <a:extLst>
+              <a:ext uri="{FF2B5EF4-FFF2-40B4-BE49-F238E27FC236}">
+                <a16:creationId xmlns:a16="http://schemas.microsoft.com/office/drawing/2014/main" id="{59F79FB5-8B23-15F4-33FF-C392920445C5}"/>
+              </a:ext>
+            </a:extLst>
+          </p:cNvPr>
+          <p:cNvCxnSpPr>
+            <a:stCxn id="5" idx="0"/>
+          </p:cNvCxnSpPr>
+          <p:nvPr/>
+        </p:nvCxnSpPr>
+        <p:spPr>
+          <a:xfrm flipV="1">
+            <a:off x="3535512" y="4353592"/>
+            <a:ext cx="668188" cy="1051562"/>
+          </a:xfrm>
+          <a:prstGeom prst="straightConnector1">
+            <a:avLst/>
+          </a:prstGeom>
+          <a:ln>
+            <a:tailEnd type="triangle"/>
+          </a:ln>
+        </p:spPr>
+        <p:style>
+          <a:lnRef idx="1">
+            <a:schemeClr val="accent1"/>
+          </a:lnRef>
+          <a:fillRef idx="0">
+            <a:schemeClr val="accent1"/>
+          </a:fillRef>
+          <a:effectRef idx="0">
+            <a:schemeClr val="accent1"/>
+          </a:effectRef>
+          <a:fontRef idx="minor">
+            <a:schemeClr val="tx1"/>
+          </a:fontRef>
+        </p:style>
+      </p:cxnSp>
+      <p:cxnSp>
+        <p:nvCxnSpPr>
+          <p:cNvPr id="13" name="Connettore 2 12">
+            <a:extLst>
+              <a:ext uri="{FF2B5EF4-FFF2-40B4-BE49-F238E27FC236}">
+                <a16:creationId xmlns:a16="http://schemas.microsoft.com/office/drawing/2014/main" id="{1C6F90C9-9A3F-2918-ADE1-2A3E26159F25}"/>
+              </a:ext>
+            </a:extLst>
+          </p:cNvPr>
+          <p:cNvCxnSpPr>
+            <a:stCxn id="6" idx="0"/>
+          </p:cNvCxnSpPr>
+          <p:nvPr/>
+        </p:nvCxnSpPr>
+        <p:spPr>
+          <a:xfrm flipH="1" flipV="1">
+            <a:off x="5537200" y="4353592"/>
+            <a:ext cx="488950" cy="1051562"/>
+          </a:xfrm>
+          <a:prstGeom prst="straightConnector1">
+            <a:avLst/>
+          </a:prstGeom>
+          <a:ln>
+            <a:tailEnd type="triangle"/>
+          </a:ln>
+        </p:spPr>
+        <p:style>
+          <a:lnRef idx="1">
+            <a:schemeClr val="accent1"/>
+          </a:lnRef>
+          <a:fillRef idx="0">
+            <a:schemeClr val="accent1"/>
+          </a:fillRef>
+          <a:effectRef idx="0">
+            <a:schemeClr val="accent1"/>
+          </a:effectRef>
+          <a:fontRef idx="minor">
+            <a:schemeClr val="tx1"/>
+          </a:fontRef>
+        </p:style>
+      </p:cxnSp>
+      <p:cxnSp>
+        <p:nvCxnSpPr>
+          <p:cNvPr id="15" name="Connettore 2 14">
+            <a:extLst>
+              <a:ext uri="{FF2B5EF4-FFF2-40B4-BE49-F238E27FC236}">
+                <a16:creationId xmlns:a16="http://schemas.microsoft.com/office/drawing/2014/main" id="{A485A76F-60EB-FDEB-1618-EA173FE4D53A}"/>
+              </a:ext>
+            </a:extLst>
+          </p:cNvPr>
+          <p:cNvCxnSpPr/>
+          <p:nvPr/>
+        </p:nvCxnSpPr>
+        <p:spPr>
+          <a:xfrm flipH="1" flipV="1">
+            <a:off x="6096000" y="4353592"/>
+            <a:ext cx="1778000" cy="444500"/>
+          </a:xfrm>
+          <a:prstGeom prst="straightConnector1">
+            <a:avLst/>
+          </a:prstGeom>
+          <a:ln>
+            <a:tailEnd type="triangle"/>
+          </a:ln>
+        </p:spPr>
+        <p:style>
+          <a:lnRef idx="1">
+            <a:schemeClr val="accent1"/>
+          </a:lnRef>
+          <a:fillRef idx="0">
+            <a:schemeClr val="accent1"/>
+          </a:fillRef>
+          <a:effectRef idx="0">
+            <a:schemeClr val="accent1"/>
+          </a:effectRef>
+          <a:fontRef idx="minor">
+            <a:schemeClr val="tx1"/>
+          </a:fontRef>
+        </p:style>
+      </p:cxnSp>
+      <p:sp>
+        <p:nvSpPr>
+          <p:cNvPr id="16" name="CasellaDiTesto 15">
+            <a:extLst>
+              <a:ext uri="{FF2B5EF4-FFF2-40B4-BE49-F238E27FC236}">
+                <a16:creationId xmlns:a16="http://schemas.microsoft.com/office/drawing/2014/main" id="{CF8061FB-C6A4-DC22-D5E5-E90DF48234BA}"/>
+              </a:ext>
+            </a:extLst>
+          </p:cNvPr>
+          <p:cNvSpPr txBox="1"/>
+          <p:nvPr/>
+        </p:nvSpPr>
+        <p:spPr>
+          <a:xfrm>
+            <a:off x="2449662" y="2890634"/>
+            <a:ext cx="5194300" cy="646331"/>
+          </a:xfrm>
+          <a:prstGeom prst="rect">
+            <a:avLst/>
+          </a:prstGeom>
+          <a:noFill/>
+        </p:spPr>
+        <p:txBody>
+          <a:bodyPr wrap="square" rtlCol="0">
+            <a:spAutoFit/>
+          </a:bodyPr>
+          <a:lstStyle/>
+          <a:p>
+            <a:r>
+              <a:rPr lang="it-IT" dirty="0">
+                <a:solidFill>
+                  <a:schemeClr val="bg1"/>
+                </a:solidFill>
+              </a:rPr>
+              <a:t>L'espressione regolare che abbiamo creato per il controllo degli username è la seguente:</a:t>
+            </a:r>
+          </a:p>
+        </p:txBody>
+      </p:sp>
+    </p:spTree>
+    <p:extLst>
+      <p:ext uri="{BB962C8B-B14F-4D97-AF65-F5344CB8AC3E}">
+        <p14:creationId xmlns:p14="http://schemas.microsoft.com/office/powerpoint/2010/main" val="331829360"/>
+      </p:ext>
+    </p:extLst>
+  </p:cSld>
+  <p:clrMapOvr>
+    <a:masterClrMapping/>
+  </p:clrMapOvr>
+</p:sld>
+</file>
+
+<file path=ppt/slides/slide41.xml><?xml version="1.0" encoding="utf-8"?>
+<p:sld xmlns:a="http://schemas.openxmlformats.org/drawingml/2006/main" xmlns:r="http://schemas.openxmlformats.org/officeDocument/2006/relationships" xmlns:p="http://schemas.openxmlformats.org/presentationml/2006/main">
+  <p:cSld>
+    <p:spTree>
+      <p:nvGrpSpPr>
+        <p:cNvPr id="1" name="">
+          <a:extLst>
+            <a:ext uri="{FF2B5EF4-FFF2-40B4-BE49-F238E27FC236}">
+              <a16:creationId xmlns:a16="http://schemas.microsoft.com/office/drawing/2014/main" id="{0DD5AF95-7E73-EB55-C49B-E53CF37BC0A2}"/>
+            </a:ext>
+          </a:extLst>
+        </p:cNvPr>
+        <p:cNvGrpSpPr/>
+        <p:nvPr/>
+      </p:nvGrpSpPr>
+      <p:grpSpPr>
+        <a:xfrm>
+          <a:off x="0" y="0"/>
+          <a:ext cx="0" cy="0"/>
+          <a:chOff x="0" y="0"/>
+          <a:chExt cx="0" cy="0"/>
+        </a:xfrm>
+      </p:grpSpPr>
+      <p:sp>
+        <p:nvSpPr>
+          <p:cNvPr id="24" name="Titolo 1">
+            <a:extLst>
+              <a:ext uri="{FF2B5EF4-FFF2-40B4-BE49-F238E27FC236}">
+                <a16:creationId xmlns:a16="http://schemas.microsoft.com/office/drawing/2014/main" id="{2649059C-E5F4-6ACC-AC09-92B91043EF50}"/>
+              </a:ext>
+            </a:extLst>
+          </p:cNvPr>
+          <p:cNvSpPr>
+            <a:spLocks noGrp="1"/>
+          </p:cNvSpPr>
+          <p:nvPr>
+            <p:ph type="title"/>
+          </p:nvPr>
+        </p:nvSpPr>
+        <p:spPr>
+          <a:xfrm>
+            <a:off x="733562" y="433906"/>
+            <a:ext cx="10515601" cy="1327464"/>
+          </a:xfrm>
+        </p:spPr>
+        <p:txBody>
+          <a:bodyPr vert="horz" lIns="91440" tIns="45720" rIns="91440" bIns="45720" rtlCol="0" anchor="b">
+            <a:normAutofit/>
+          </a:bodyPr>
+          <a:lstStyle>
+            <a:defPPr>
+              <a:defRPr lang="it-IT"/>
+            </a:defPPr>
+          </a:lstStyle>
+          <a:p>
+            <a:r>
+              <a:rPr lang="it-IT" kern="1200" cap="all" spc="0" baseline="0">
+                <a:latin typeface="+mj-lt"/>
+                <a:ea typeface="+mj-ea"/>
+                <a:cs typeface="Biome" panose="020B0503030204020804" pitchFamily="34" charset="0"/>
+              </a:rPr>
+              <a:t>Mitigazione 2</a:t>
+            </a:r>
+          </a:p>
+        </p:txBody>
+      </p:sp>
+      <p:pic>
+        <p:nvPicPr>
+          <p:cNvPr id="3" name="Google Shape;840;p67">
+            <a:extLst>
+              <a:ext uri="{FF2B5EF4-FFF2-40B4-BE49-F238E27FC236}">
+                <a16:creationId xmlns:a16="http://schemas.microsoft.com/office/drawing/2014/main" id="{37B4A4BE-C040-C747-B27F-4A5860C58B5E}"/>
+              </a:ext>
+            </a:extLst>
+          </p:cNvPr>
+          <p:cNvPicPr preferRelativeResize="0"/>
+          <p:nvPr/>
+        </p:nvPicPr>
+        <p:blipFill rotWithShape="1">
+          <a:blip r:embed="rId3"/>
+          <a:srcRect t="7355"/>
+          <a:stretch/>
+        </p:blipFill>
+        <p:spPr>
+          <a:xfrm>
+            <a:off x="1725811" y="2465535"/>
+            <a:ext cx="5480520" cy="3427265"/>
+          </a:xfrm>
+          <a:prstGeom prst="rect">
+            <a:avLst/>
+          </a:prstGeom>
+          <a:noFill/>
+          <a:ln>
+            <a:noFill/>
+          </a:ln>
+          <a:effectLst>
+            <a:outerShdw blurRad="457200" dist="238125" dir="5400000" algn="bl" rotWithShape="0">
+              <a:srgbClr val="000000">
+                <a:alpha val="49000"/>
+              </a:srgbClr>
+            </a:outerShdw>
+          </a:effectLst>
+        </p:spPr>
+      </p:pic>
+      <p:sp>
+        <p:nvSpPr>
+          <p:cNvPr id="2" name="CasellaDiTesto 1">
+            <a:extLst>
+              <a:ext uri="{FF2B5EF4-FFF2-40B4-BE49-F238E27FC236}">
+                <a16:creationId xmlns:a16="http://schemas.microsoft.com/office/drawing/2014/main" id="{F549ABA7-7617-5FF9-CEF0-7D5BDDD0CEDB}"/>
+              </a:ext>
+            </a:extLst>
+          </p:cNvPr>
+          <p:cNvSpPr txBox="1"/>
+          <p:nvPr/>
+        </p:nvSpPr>
+        <p:spPr>
+          <a:xfrm>
+            <a:off x="8392160" y="2465388"/>
+            <a:ext cx="2856865" cy="3427412"/>
+          </a:xfrm>
+          <a:prstGeom prst="rect">
+            <a:avLst/>
+          </a:prstGeom>
+        </p:spPr>
+        <p:txBody>
+          <a:bodyPr vert="horz" lIns="91440" tIns="45720" rIns="91440" bIns="45720" rtlCol="0">
+            <a:normAutofit/>
+          </a:bodyPr>
+          <a:lstStyle/>
+          <a:p>
+            <a:pPr lvl="0">
+              <a:lnSpc>
+                <a:spcPct val="120000"/>
+              </a:lnSpc>
+              <a:spcBef>
+                <a:spcPts val="1000"/>
+              </a:spcBef>
+              <a:spcAft>
+                <a:spcPts val="0"/>
+              </a:spcAft>
+            </a:pPr>
+            <a:r>
+              <a:rPr lang="it-IT" dirty="0">
+                <a:solidFill>
+                  <a:schemeClr val="bg1"/>
+                </a:solidFill>
+              </a:rPr>
+              <a:t>Script </a:t>
+            </a:r>
+            <a:r>
+              <a:rPr lang="it-IT" dirty="0" err="1">
+                <a:solidFill>
+                  <a:schemeClr val="bg1"/>
+                </a:solidFill>
+              </a:rPr>
+              <a:t>Perl</a:t>
+            </a:r>
+            <a:r>
+              <a:rPr lang="it-IT" dirty="0">
+                <a:solidFill>
+                  <a:schemeClr val="bg1"/>
+                </a:solidFill>
+              </a:rPr>
+              <a:t> </a:t>
+            </a:r>
+            <a:r>
+              <a:rPr lang="it-IT" dirty="0" err="1">
+                <a:solidFill>
+                  <a:schemeClr val="bg1"/>
+                </a:solidFill>
+              </a:rPr>
+              <a:t>index.cgi</a:t>
+            </a:r>
+            <a:r>
+              <a:rPr lang="it-IT" dirty="0">
+                <a:solidFill>
+                  <a:schemeClr val="bg1"/>
+                </a:solidFill>
+              </a:rPr>
+              <a:t> modificato</a:t>
+            </a:r>
+          </a:p>
+          <a:p>
+            <a:pPr lvl="0">
+              <a:lnSpc>
+                <a:spcPct val="120000"/>
+              </a:lnSpc>
+              <a:spcBef>
+                <a:spcPts val="1000"/>
+              </a:spcBef>
+              <a:spcAft>
+                <a:spcPts val="0"/>
+              </a:spcAft>
+            </a:pPr>
+            <a:endParaRPr lang="it-IT" dirty="0">
+              <a:solidFill>
+                <a:schemeClr val="bg1"/>
+              </a:solidFill>
+            </a:endParaRPr>
+          </a:p>
+          <a:p>
+            <a:pPr lvl="0">
+              <a:lnSpc>
+                <a:spcPct val="120000"/>
+              </a:lnSpc>
+              <a:spcBef>
+                <a:spcPts val="1000"/>
+              </a:spcBef>
+              <a:spcAft>
+                <a:spcPts val="0"/>
+              </a:spcAft>
+            </a:pPr>
+            <a:endParaRPr lang="it-IT" dirty="0">
+              <a:solidFill>
+                <a:schemeClr val="bg1"/>
+              </a:solidFill>
+            </a:endParaRPr>
+          </a:p>
+          <a:p>
+            <a:pPr lvl="0">
+              <a:lnSpc>
+                <a:spcPct val="120000"/>
+              </a:lnSpc>
+              <a:spcBef>
+                <a:spcPts val="1000"/>
+              </a:spcBef>
+              <a:spcAft>
+                <a:spcPts val="0"/>
+              </a:spcAft>
+            </a:pPr>
+            <a:endParaRPr lang="it-IT" dirty="0">
+              <a:solidFill>
+                <a:schemeClr val="bg1"/>
+              </a:solidFill>
+            </a:endParaRPr>
+          </a:p>
+        </p:txBody>
+      </p:sp>
+      <p:sp>
+        <p:nvSpPr>
+          <p:cNvPr id="31" name="Slide Number Placeholder 4">
+            <a:extLst>
+              <a:ext uri="{FF2B5EF4-FFF2-40B4-BE49-F238E27FC236}">
+                <a16:creationId xmlns:a16="http://schemas.microsoft.com/office/drawing/2014/main" id="{4F3827BE-CFFC-13C0-4669-C07A39DCA896}"/>
+              </a:ext>
+            </a:extLst>
+          </p:cNvPr>
+          <p:cNvSpPr>
+            <a:spLocks noGrp="1"/>
+          </p:cNvSpPr>
+          <p:nvPr>
+            <p:ph type="sldNum" sz="quarter" idx="12"/>
+          </p:nvPr>
+        </p:nvSpPr>
+        <p:spPr>
+          <a:xfrm>
+            <a:off x="9140971" y="6226198"/>
+            <a:ext cx="2743200" cy="365125"/>
+          </a:xfrm>
+        </p:spPr>
+        <p:txBody>
+          <a:bodyPr/>
+          <a:lstStyle/>
+          <a:p>
+            <a:pPr rtl="0">
+              <a:spcAft>
+                <a:spcPts val="600"/>
+              </a:spcAft>
+            </a:pPr>
+            <a:fld id="{FE024F78-56A6-7740-B68D-8D4D026EDF3F}" type="slidenum">
+              <a:rPr lang="it-IT" smtClean="0"/>
+              <a:pPr rtl="0">
+                <a:spcAft>
+                  <a:spcPts val="600"/>
+                </a:spcAft>
+              </a:pPr>
+              <a:t>41</a:t>
+            </a:fld>
+            <a:endParaRPr lang="it-IT"/>
+          </a:p>
+        </p:txBody>
+      </p:sp>
+    </p:spTree>
+    <p:extLst>
+      <p:ext uri="{BB962C8B-B14F-4D97-AF65-F5344CB8AC3E}">
+        <p14:creationId xmlns:p14="http://schemas.microsoft.com/office/powerpoint/2010/main" val="2631730190"/>
+      </p:ext>
+    </p:extLst>
+  </p:cSld>
+  <p:clrMapOvr>
+    <a:masterClrMapping/>
+  </p:clrMapOvr>
+</p:sld>
+</file>
+
+<file path=ppt/slides/slide42.xml><?xml version="1.0" encoding="utf-8"?>
+<p:sld xmlns:a="http://schemas.openxmlformats.org/drawingml/2006/main" xmlns:r="http://schemas.openxmlformats.org/officeDocument/2006/relationships" xmlns:p="http://schemas.openxmlformats.org/presentationml/2006/main">
+  <p:cSld>
+    <p:bg>
+      <p:bgPr>
+        <a:gradFill>
+          <a:gsLst>
+            <a:gs pos="78000">
+              <a:schemeClr val="accent6">
+                <a:lumMod val="50000"/>
+              </a:schemeClr>
+            </a:gs>
+            <a:gs pos="35040">
+              <a:srgbClr val="020B11"/>
+            </a:gs>
+            <a:gs pos="11979">
+              <a:schemeClr val="accent4">
+                <a:lumMod val="50000"/>
+              </a:schemeClr>
+            </a:gs>
+            <a:gs pos="0">
+              <a:schemeClr val="accent4"/>
+            </a:gs>
+            <a:gs pos="99000">
+              <a:schemeClr val="tx2">
+                <a:lumMod val="50000"/>
+              </a:schemeClr>
+            </a:gs>
+          </a:gsLst>
+          <a:lin ang="7800000" scaled="0"/>
+        </a:gradFill>
+        <a:effectLst/>
+      </p:bgPr>
+    </p:bg>
+    <p:spTree>
+      <p:nvGrpSpPr>
+        <p:cNvPr id="1" name="">
+          <a:extLst>
+            <a:ext uri="{FF2B5EF4-FFF2-40B4-BE49-F238E27FC236}">
+              <a16:creationId xmlns:a16="http://schemas.microsoft.com/office/drawing/2014/main" id="{C5D44E99-B9C4-8FF4-FEF3-10C5DC95C1B6}"/>
+            </a:ext>
+          </a:extLst>
+        </p:cNvPr>
+        <p:cNvGrpSpPr/>
+        <p:nvPr/>
+      </p:nvGrpSpPr>
+      <p:grpSpPr>
+        <a:xfrm>
+          <a:off x="0" y="0"/>
+          <a:ext cx="0" cy="0"/>
+          <a:chOff x="0" y="0"/>
+          <a:chExt cx="0" cy="0"/>
+        </a:xfrm>
+      </p:grpSpPr>
+      <p:sp>
+        <p:nvSpPr>
+          <p:cNvPr id="24" name="Titolo 1">
+            <a:extLst>
+              <a:ext uri="{FF2B5EF4-FFF2-40B4-BE49-F238E27FC236}">
+                <a16:creationId xmlns:a16="http://schemas.microsoft.com/office/drawing/2014/main" id="{A42A77F2-BBEC-D503-F85B-1DBD26D93CC1}"/>
+              </a:ext>
+            </a:extLst>
+          </p:cNvPr>
+          <p:cNvSpPr>
+            <a:spLocks noGrp="1"/>
+          </p:cNvSpPr>
+          <p:nvPr>
+            <p:ph type="title"/>
+          </p:nvPr>
+        </p:nvSpPr>
+        <p:spPr>
+          <a:xfrm>
+            <a:off x="835831" y="173735"/>
+            <a:ext cx="4409514" cy="2203704"/>
+          </a:xfrm>
+        </p:spPr>
+        <p:txBody>
+          <a:bodyPr rtlCol="0"/>
+          <a:lstStyle>
+            <a:defPPr>
+              <a:defRPr lang="it-IT"/>
+            </a:defPPr>
+          </a:lstStyle>
+          <a:p>
+            <a:pPr rtl="0"/>
+            <a:r>
+              <a:rPr lang="it-IT" dirty="0"/>
+              <a:t>Mitigazione 2</a:t>
+            </a:r>
+          </a:p>
+        </p:txBody>
+      </p:sp>
+      <p:sp>
+        <p:nvSpPr>
+          <p:cNvPr id="2" name="CasellaDiTesto 1">
+            <a:extLst>
+              <a:ext uri="{FF2B5EF4-FFF2-40B4-BE49-F238E27FC236}">
+                <a16:creationId xmlns:a16="http://schemas.microsoft.com/office/drawing/2014/main" id="{814D9589-498C-5ECD-37BE-718B34844245}"/>
+              </a:ext>
+            </a:extLst>
+          </p:cNvPr>
+          <p:cNvSpPr txBox="1"/>
+          <p:nvPr/>
+        </p:nvSpPr>
+        <p:spPr>
+          <a:xfrm>
+            <a:off x="835831" y="3236976"/>
+            <a:ext cx="7685869" cy="923330"/>
+          </a:xfrm>
+          <a:prstGeom prst="rect">
+            <a:avLst/>
+          </a:prstGeom>
+          <a:noFill/>
+        </p:spPr>
+        <p:txBody>
+          <a:bodyPr wrap="square" rtlCol="0">
+            <a:spAutoFit/>
+          </a:bodyPr>
+          <a:lstStyle/>
+          <a:p>
+            <a:r>
+              <a:rPr lang="it-IT" dirty="0">
+                <a:solidFill>
+                  <a:schemeClr val="bg1"/>
+                </a:solidFill>
+              </a:rPr>
+              <a:t>Dopo abbiamo ripetuto l'attacco contro il server Web appena avviato.</a:t>
+            </a:r>
+            <a:br>
+              <a:rPr lang="it-IT" dirty="0">
+                <a:solidFill>
+                  <a:schemeClr val="bg1"/>
+                </a:solidFill>
+              </a:rPr>
+            </a:br>
+            <a:r>
+              <a:rPr lang="it-IT" dirty="0">
+                <a:solidFill>
+                  <a:schemeClr val="bg1"/>
+                </a:solidFill>
+              </a:rPr>
+              <a:t>Questa volta, però, grazie al filtro sull'input, l'attacco non ha avuto effetto e nessun comando è stato eseguito.</a:t>
+            </a:r>
+          </a:p>
+        </p:txBody>
+      </p:sp>
+    </p:spTree>
+    <p:extLst>
+      <p:ext uri="{BB962C8B-B14F-4D97-AF65-F5344CB8AC3E}">
+        <p14:creationId xmlns:p14="http://schemas.microsoft.com/office/powerpoint/2010/main" val="70778565"/>
+      </p:ext>
+    </p:extLst>
+  </p:cSld>
+  <p:clrMapOvr>
+    <a:masterClrMapping/>
+  </p:clrMapOvr>
+</p:sld>
+</file>
+
+<file path=ppt/slides/slide43.xml><?xml version="1.0" encoding="utf-8"?>
+<p:sld xmlns:a="http://schemas.openxmlformats.org/drawingml/2006/main" xmlns:r="http://schemas.openxmlformats.org/officeDocument/2006/relationships" xmlns:p="http://schemas.openxmlformats.org/presentationml/2006/main">
+  <p:cSld>
+    <p:bg>
+      <p:bgPr>
+        <a:gradFill>
+          <a:gsLst>
+            <a:gs pos="78000">
+              <a:schemeClr val="accent6">
+                <a:lumMod val="50000"/>
+              </a:schemeClr>
+            </a:gs>
+            <a:gs pos="35040">
+              <a:srgbClr val="020B11"/>
+            </a:gs>
+            <a:gs pos="11979">
+              <a:schemeClr val="accent4">
+                <a:lumMod val="50000"/>
+              </a:schemeClr>
+            </a:gs>
+            <a:gs pos="0">
+              <a:schemeClr val="accent4"/>
+            </a:gs>
+            <a:gs pos="99000">
+              <a:schemeClr val="tx2">
+                <a:lumMod val="50000"/>
+              </a:schemeClr>
+            </a:gs>
+          </a:gsLst>
+          <a:lin ang="7800000" scaled="0"/>
+        </a:gradFill>
+        <a:effectLst/>
+      </p:bgPr>
+    </p:bg>
+    <p:spTree>
+      <p:nvGrpSpPr>
+        <p:cNvPr id="1" name="">
+          <a:extLst>
+            <a:ext uri="{FF2B5EF4-FFF2-40B4-BE49-F238E27FC236}">
+              <a16:creationId xmlns:a16="http://schemas.microsoft.com/office/drawing/2014/main" id="{365BF656-DA66-B24C-1F04-76293D19917B}"/>
+            </a:ext>
+          </a:extLst>
+        </p:cNvPr>
+        <p:cNvGrpSpPr/>
+        <p:nvPr/>
+      </p:nvGrpSpPr>
+      <p:grpSpPr>
+        <a:xfrm>
+          <a:off x="0" y="0"/>
+          <a:ext cx="0" cy="0"/>
+          <a:chOff x="0" y="0"/>
+          <a:chExt cx="0" cy="0"/>
+        </a:xfrm>
+      </p:grpSpPr>
+      <p:sp>
+        <p:nvSpPr>
+          <p:cNvPr id="24" name="Titolo 1">
+            <a:extLst>
+              <a:ext uri="{FF2B5EF4-FFF2-40B4-BE49-F238E27FC236}">
+                <a16:creationId xmlns:a16="http://schemas.microsoft.com/office/drawing/2014/main" id="{3F7466A4-C885-6726-BC68-E30A2DC07FC4}"/>
+              </a:ext>
+            </a:extLst>
+          </p:cNvPr>
+          <p:cNvSpPr>
+            <a:spLocks noGrp="1"/>
+          </p:cNvSpPr>
+          <p:nvPr>
+            <p:ph type="title"/>
+          </p:nvPr>
+        </p:nvSpPr>
+        <p:spPr>
+          <a:xfrm>
+            <a:off x="835830" y="173735"/>
+            <a:ext cx="7279469" cy="2203704"/>
+          </a:xfrm>
+        </p:spPr>
+        <p:txBody>
+          <a:bodyPr rtlCol="0"/>
+          <a:lstStyle>
+            <a:defPPr>
+              <a:defRPr lang="it-IT"/>
+            </a:defPPr>
+          </a:lstStyle>
+          <a:p>
+            <a:pPr rtl="0"/>
+            <a:r>
+              <a:rPr lang="it-IT" dirty="0"/>
+              <a:t>GRAZIE dell’attenzione</a:t>
+            </a:r>
+          </a:p>
+        </p:txBody>
+      </p:sp>
+      <p:sp>
+        <p:nvSpPr>
+          <p:cNvPr id="14" name="Segnaposto testo 2">
+            <a:extLst>
+              <a:ext uri="{FF2B5EF4-FFF2-40B4-BE49-F238E27FC236}">
+                <a16:creationId xmlns:a16="http://schemas.microsoft.com/office/drawing/2014/main" id="{B13BA3AE-F013-2875-B755-FD6FE3AC47F4}"/>
+              </a:ext>
+            </a:extLst>
+          </p:cNvPr>
+          <p:cNvSpPr>
+            <a:spLocks noGrp="1"/>
+          </p:cNvSpPr>
+          <p:nvPr>
+            <p:ph sz="quarter" idx="14"/>
+          </p:nvPr>
+        </p:nvSpPr>
+        <p:spPr>
+          <a:xfrm>
+            <a:off x="831850" y="3079119"/>
+            <a:ext cx="4413250" cy="2752725"/>
+          </a:xfrm>
+        </p:spPr>
+        <p:txBody>
+          <a:bodyPr rtlCol="0"/>
+          <a:lstStyle>
+            <a:defPPr>
+              <a:defRPr lang="it-IT"/>
+            </a:defPPr>
+          </a:lstStyle>
+          <a:p>
+            <a:pPr rtl="0"/>
+            <a:r>
+              <a:rPr lang="it-IT" dirty="0">
+                <a:solidFill>
+                  <a:schemeClr val="bg1"/>
+                </a:solidFill>
+                <a:latin typeface="+mj-lt"/>
+              </a:rPr>
+              <a:t>Pasquale Casillo La Montagna</a:t>
+            </a:r>
+          </a:p>
+          <a:p>
+            <a:pPr rtl="0"/>
+            <a:endParaRPr lang="it-IT" dirty="0">
+              <a:solidFill>
+                <a:schemeClr val="bg1"/>
+              </a:solidFill>
+              <a:latin typeface="+mj-lt"/>
+            </a:endParaRPr>
+          </a:p>
+          <a:p>
+            <a:pPr rtl="0"/>
+            <a:r>
+              <a:rPr lang="it-IT" dirty="0">
+                <a:solidFill>
+                  <a:schemeClr val="bg1"/>
+                </a:solidFill>
+                <a:latin typeface="+mj-lt"/>
+              </a:rPr>
+              <a:t>Giorgio Siniscalchi</a:t>
+            </a:r>
+            <a:endParaRPr lang="it-IT" dirty="0"/>
+          </a:p>
+        </p:txBody>
+      </p:sp>
+    </p:spTree>
+    <p:extLst>
+      <p:ext uri="{BB962C8B-B14F-4D97-AF65-F5344CB8AC3E}">
+        <p14:creationId xmlns:p14="http://schemas.microsoft.com/office/powerpoint/2010/main" val="1859048882"/>
+      </p:ext>
+    </p:extLst>
+  </p:cSld>
+  <p:clrMapOvr>
+    <a:masterClrMapping/>
+  </p:clrMapOvr>
+</p:sld>
+</file>
+
 <file path=ppt/slides/slide5.xml><?xml version="1.0" encoding="utf-8"?>
 <p:sld xmlns:a="http://schemas.openxmlformats.org/drawingml/2006/main" xmlns:r="http://schemas.openxmlformats.org/officeDocument/2006/relationships" xmlns:p="http://schemas.openxmlformats.org/presentationml/2006/main">
   <p:cSld>
@@ -39278,7 +45742,7 @@
                 <a:effectLst/>
                 <a:latin typeface="Arial" panose="020B0604020202020204" pitchFamily="34" charset="0"/>
               </a:rPr>
-              <a:t>flag16</a:t>
+              <a:t>flag02</a:t>
             </a:r>
           </a:p>
           <a:p>
@@ -39320,7 +45784,7 @@
                 <a:effectLst/>
                 <a:latin typeface="Arial" panose="020B0604020202020204" pitchFamily="34" charset="0"/>
               </a:rPr>
-              <a:t>flag16</a:t>
+              <a:t>flag02</a:t>
             </a:r>
             <a:r>
               <a:rPr kumimoji="0" lang="it-IT" altLang="it-IT" sz="1800" b="1" i="0" u="none" strike="noStrike" cap="none" normalizeH="0" baseline="0" dirty="0">
@@ -39672,7 +46136,7 @@
                 <a:effectLst/>
                 <a:latin typeface="Arial" panose="020B0604020202020204" pitchFamily="34" charset="0"/>
               </a:rPr>
-              <a:t>flag16</a:t>
+              <a:t>flag02</a:t>
             </a:r>
           </a:p>
           <a:p>
@@ -39714,7 +46178,7 @@
                 <a:effectLst/>
                 <a:latin typeface="Arial" panose="020B0604020202020204" pitchFamily="34" charset="0"/>
               </a:rPr>
-              <a:t>flag16</a:t>
+              <a:t>flag02</a:t>
             </a:r>
             <a:r>
               <a:rPr kumimoji="0" lang="it-IT" altLang="it-IT" sz="1800" b="1" i="0" u="none" strike="noStrike" cap="none" normalizeH="0" baseline="0" dirty="0">
@@ -42079,7 +48543,7 @@
                 </a:solidFill>
                 <a:latin typeface="Arial"/>
               </a:rPr>
-              <a:t>/home/level16</a:t>
+              <a:t>/home/level07</a:t>
             </a:r>
           </a:p>
           <a:p>
@@ -42101,7 +48565,7 @@
                 </a:solidFill>
                 <a:latin typeface="Arial"/>
               </a:rPr>
-              <a:t>/home/flag16</a:t>
+              <a:t>/home/flag07</a:t>
             </a:r>
           </a:p>
         </p:txBody>
@@ -42805,7 +49269,7 @@
           </a:lstStyle>
           <a:p>
             <a:r>
-              <a:rPr lang="it-IT" sz="1800" b="0" strike="noStrike" spc="-1" dirty="0">
+              <a:rPr lang="it-IT" sz="1800" b="0" strike="noStrike" spc="-1">
                 <a:solidFill>
                   <a:srgbClr val="FFFFFF"/>
                 </a:solidFill>
@@ -42816,7 +49280,7 @@
           </a:p>
           <a:p>
             <a:r>
-              <a:rPr lang="it-IT" sz="1800" b="0" strike="noStrike" spc="-1" dirty="0">
+              <a:rPr lang="it-IT" sz="1800" b="0" strike="noStrike" spc="-1">
                 <a:solidFill>
                   <a:srgbClr val="FFFFFF"/>
                 </a:solidFill>
@@ -42835,7 +49299,7 @@
               <a:buChar char=""/>
             </a:pPr>
             <a:r>
-              <a:rPr lang="it-IT" sz="1800" b="0" strike="noStrike" spc="-1" dirty="0" err="1">
+              <a:rPr lang="it-IT" sz="1800" b="0" strike="noStrike" spc="-1">
                 <a:solidFill>
                   <a:srgbClr val="FFFFFF"/>
                 </a:solidFill>
@@ -42843,12 +49307,6 @@
               </a:rPr>
               <a:t>index.cgi</a:t>
             </a:r>
-            <a:endParaRPr lang="it-IT" sz="1800" b="0" strike="noStrike" spc="-1" dirty="0">
-              <a:solidFill>
-                <a:srgbClr val="FFFFFF"/>
-              </a:solidFill>
-              <a:latin typeface="Arial"/>
-            </a:endParaRPr>
           </a:p>
           <a:p>
             <a:pPr marL="216000" indent="-216000">
@@ -42860,7 +49318,7 @@
               <a:buChar char=""/>
             </a:pPr>
             <a:r>
-              <a:rPr lang="it-IT" sz="1800" b="0" strike="noStrike" spc="-1" dirty="0" err="1">
+              <a:rPr lang="it-IT" sz="1800" b="0" strike="noStrike" spc="-1">
                 <a:solidFill>
                   <a:srgbClr val="FFFFFF"/>
                 </a:solidFill>
@@ -42868,12 +49326,6 @@
               </a:rPr>
               <a:t>thttpd.conf</a:t>
             </a:r>
-            <a:endParaRPr lang="it-IT" sz="1800" b="0" strike="noStrike" spc="-1" dirty="0">
-              <a:solidFill>
-                <a:srgbClr val="FFFFFF"/>
-              </a:solidFill>
-              <a:latin typeface="Arial"/>
-            </a:endParaRPr>
           </a:p>
         </p:txBody>
       </p:sp>

--- a/Presentazione Nebula16.pptx
+++ b/Presentazione Nebula16.pptx
@@ -3114,7 +3114,7 @@
           <a:p>
             <a:fld id="{239B8597-0BE9-4EC1-A089-7778E907C0F0}" type="datetimeFigureOut">
               <a:rPr lang="it-IT" smtClean="0"/>
-              <a:t>28/04/2025</a:t>
+              <a:t>09/05/2025</a:t>
             </a:fld>
             <a:endParaRPr lang="it-IT"/>
           </a:p>
@@ -10899,7 +10899,7 @@
           <a:p>
             <a:fld id="{A68DA405-31E9-44C3-A33B-013AC39763DD}" type="datetimeFigureOut">
               <a:rPr lang="it-IT" smtClean="0"/>
-              <a:t>28/04/2025</a:t>
+              <a:t>09/05/2025</a:t>
             </a:fld>
             <a:endParaRPr lang="it-IT"/>
           </a:p>
@@ -11097,7 +11097,7 @@
           <a:p>
             <a:fld id="{A68DA405-31E9-44C3-A33B-013AC39763DD}" type="datetimeFigureOut">
               <a:rPr lang="it-IT" smtClean="0"/>
-              <a:t>28/04/2025</a:t>
+              <a:t>09/05/2025</a:t>
             </a:fld>
             <a:endParaRPr lang="it-IT"/>
           </a:p>
@@ -11305,7 +11305,7 @@
           <a:p>
             <a:fld id="{A68DA405-31E9-44C3-A33B-013AC39763DD}" type="datetimeFigureOut">
               <a:rPr lang="it-IT" smtClean="0"/>
-              <a:t>28/04/2025</a:t>
+              <a:t>09/05/2025</a:t>
             </a:fld>
             <a:endParaRPr lang="it-IT"/>
           </a:p>
@@ -16154,7 +16154,7 @@
           <a:p>
             <a:fld id="{A68DA405-31E9-44C3-A33B-013AC39763DD}" type="datetimeFigureOut">
               <a:rPr lang="it-IT" smtClean="0"/>
-              <a:t>28/04/2025</a:t>
+              <a:t>09/05/2025</a:t>
             </a:fld>
             <a:endParaRPr lang="it-IT"/>
           </a:p>
@@ -19977,7 +19977,7 @@
           <a:p>
             <a:fld id="{A68DA405-31E9-44C3-A33B-013AC39763DD}" type="datetimeFigureOut">
               <a:rPr lang="it-IT" smtClean="0"/>
-              <a:t>28/04/2025</a:t>
+              <a:t>09/05/2025</a:t>
             </a:fld>
             <a:endParaRPr lang="it-IT"/>
           </a:p>
@@ -20242,7 +20242,7 @@
           <a:p>
             <a:fld id="{A68DA405-31E9-44C3-A33B-013AC39763DD}" type="datetimeFigureOut">
               <a:rPr lang="it-IT" smtClean="0"/>
-              <a:t>28/04/2025</a:t>
+              <a:t>09/05/2025</a:t>
             </a:fld>
             <a:endParaRPr lang="it-IT"/>
           </a:p>
@@ -20654,7 +20654,7 @@
           <a:p>
             <a:fld id="{A68DA405-31E9-44C3-A33B-013AC39763DD}" type="datetimeFigureOut">
               <a:rPr lang="it-IT" smtClean="0"/>
-              <a:t>28/04/2025</a:t>
+              <a:t>09/05/2025</a:t>
             </a:fld>
             <a:endParaRPr lang="it-IT"/>
           </a:p>
@@ -20795,7 +20795,7 @@
           <a:p>
             <a:fld id="{A68DA405-31E9-44C3-A33B-013AC39763DD}" type="datetimeFigureOut">
               <a:rPr lang="it-IT" smtClean="0"/>
-              <a:t>28/04/2025</a:t>
+              <a:t>09/05/2025</a:t>
             </a:fld>
             <a:endParaRPr lang="it-IT"/>
           </a:p>
@@ -20908,7 +20908,7 @@
           <a:p>
             <a:fld id="{A68DA405-31E9-44C3-A33B-013AC39763DD}" type="datetimeFigureOut">
               <a:rPr lang="it-IT" smtClean="0"/>
-              <a:t>28/04/2025</a:t>
+              <a:t>09/05/2025</a:t>
             </a:fld>
             <a:endParaRPr lang="it-IT"/>
           </a:p>
@@ -21219,7 +21219,7 @@
           <a:p>
             <a:fld id="{A68DA405-31E9-44C3-A33B-013AC39763DD}" type="datetimeFigureOut">
               <a:rPr lang="it-IT" smtClean="0"/>
-              <a:t>28/04/2025</a:t>
+              <a:t>09/05/2025</a:t>
             </a:fld>
             <a:endParaRPr lang="it-IT"/>
           </a:p>
@@ -21507,7 +21507,7 @@
           <a:p>
             <a:fld id="{A68DA405-31E9-44C3-A33B-013AC39763DD}" type="datetimeFigureOut">
               <a:rPr lang="it-IT" smtClean="0"/>
-              <a:t>28/04/2025</a:t>
+              <a:t>09/05/2025</a:t>
             </a:fld>
             <a:endParaRPr lang="it-IT"/>
           </a:p>
@@ -21748,7 +21748,7 @@
           <a:p>
             <a:fld id="{A68DA405-31E9-44C3-A33B-013AC39763DD}" type="datetimeFigureOut">
               <a:rPr lang="it-IT" smtClean="0"/>
-              <a:t>28/04/2025</a:t>
+              <a:t>09/05/2025</a:t>
             </a:fld>
             <a:endParaRPr lang="it-IT"/>
           </a:p>
@@ -23632,8 +23632,8 @@
         </p:nvSpPr>
         <p:spPr bwMode="auto">
           <a:xfrm>
-            <a:off x="233673" y="3557912"/>
-            <a:ext cx="5676523" cy="3416320"/>
+            <a:off x="233673" y="4250409"/>
+            <a:ext cx="5676523" cy="2031325"/>
           </a:xfrm>
           <a:prstGeom prst="rect">
             <a:avLst/>
@@ -23680,179 +23680,6 @@
             <a:spAutoFit/>
           </a:bodyPr>
           <a:lstStyle/>
-          <a:p>
-            <a:pPr marL="0" marR="0" lvl="0" indent="0" algn="l" defTabSz="914400" rtl="0" eaLnBrk="0" fontAlgn="base" latinLnBrk="0" hangingPunct="0">
-              <a:lnSpc>
-                <a:spcPct val="100000"/>
-              </a:lnSpc>
-              <a:spcBef>
-                <a:spcPct val="0"/>
-              </a:spcBef>
-              <a:spcAft>
-                <a:spcPct val="0"/>
-              </a:spcAft>
-              <a:buClrTx/>
-              <a:buSzTx/>
-              <a:buFontTx/>
-              <a:buNone/>
-              <a:tabLst/>
-            </a:pPr>
-            <a:r>
-              <a:rPr lang="it-IT" altLang="it-IT" dirty="0">
-                <a:solidFill>
-                  <a:schemeClr val="bg1"/>
-                </a:solidFill>
-                <a:latin typeface="Arial" panose="020B0604020202020204" pitchFamily="34" charset="0"/>
-              </a:rPr>
-              <a:t>E</a:t>
-            </a:r>
-            <a:r>
-              <a:rPr kumimoji="0" lang="it-IT" altLang="it-IT" b="0" i="0" u="none" strike="noStrike" cap="none" normalizeH="0" baseline="0" dirty="0">
-                <a:ln>
-                  <a:noFill/>
-                </a:ln>
-                <a:solidFill>
-                  <a:schemeClr val="bg1"/>
-                </a:solidFill>
-                <a:effectLst/>
-                <a:latin typeface="Arial" panose="020B0604020202020204" pitchFamily="34" charset="0"/>
-              </a:rPr>
-              <a:t>seguendo un comando di sistema </a:t>
-            </a:r>
-            <a:r>
-              <a:rPr kumimoji="0" lang="it-IT" altLang="it-IT" b="1" i="0" u="none" strike="noStrike" cap="none" normalizeH="0" baseline="0" dirty="0">
-                <a:ln>
-                  <a:noFill/>
-                </a:ln>
-                <a:solidFill>
-                  <a:schemeClr val="bg1"/>
-                </a:solidFill>
-                <a:effectLst/>
-                <a:latin typeface="Arial" panose="020B0604020202020204" pitchFamily="34" charset="0"/>
-              </a:rPr>
-              <a:t>(</a:t>
-            </a:r>
-            <a:r>
-              <a:rPr kumimoji="0" lang="it-IT" altLang="it-IT" b="1" i="0" u="none" strike="noStrike" cap="none" normalizeH="0" baseline="0" dirty="0" err="1">
-                <a:ln>
-                  <a:noFill/>
-                </a:ln>
-                <a:solidFill>
-                  <a:schemeClr val="bg1"/>
-                </a:solidFill>
-                <a:effectLst/>
-                <a:latin typeface="Arial Unicode MS"/>
-              </a:rPr>
-              <a:t>egrep</a:t>
-            </a:r>
-            <a:r>
-              <a:rPr kumimoji="0" lang="it-IT" altLang="it-IT" b="1" i="0" u="none" strike="noStrike" cap="none" normalizeH="0" baseline="0" dirty="0">
-                <a:ln>
-                  <a:noFill/>
-                </a:ln>
-                <a:solidFill>
-                  <a:schemeClr val="bg1"/>
-                </a:solidFill>
-                <a:effectLst/>
-              </a:rPr>
-              <a:t>)</a:t>
-            </a:r>
-            <a:r>
-              <a:rPr kumimoji="0" lang="it-IT" altLang="it-IT" b="0" i="0" u="none" strike="noStrike" cap="none" normalizeH="0" baseline="0" dirty="0">
-                <a:ln>
-                  <a:noFill/>
-                </a:ln>
-                <a:solidFill>
-                  <a:schemeClr val="bg1"/>
-                </a:solidFill>
-                <a:effectLst/>
-              </a:rPr>
-              <a:t> utilizzando direttamente il valore inserito dall’utente nel campo </a:t>
-            </a:r>
-            <a:r>
-              <a:rPr kumimoji="0" lang="it-IT" altLang="it-IT" b="0" i="0" u="none" strike="noStrike" cap="none" normalizeH="0" baseline="0" dirty="0">
-                <a:ln>
-                  <a:noFill/>
-                </a:ln>
-                <a:solidFill>
-                  <a:schemeClr val="bg1"/>
-                </a:solidFill>
-                <a:effectLst/>
-                <a:latin typeface="Arial Unicode MS"/>
-              </a:rPr>
-              <a:t>username</a:t>
-            </a:r>
-            <a:r>
-              <a:rPr lang="it-IT" altLang="it-IT" dirty="0">
-                <a:solidFill>
-                  <a:schemeClr val="bg1"/>
-                </a:solidFill>
-                <a:latin typeface="Arial Unicode MS"/>
-              </a:rPr>
-              <a:t> si potrebbe incorrere </a:t>
-            </a:r>
-            <a:r>
-              <a:rPr lang="it-IT" altLang="it-IT" dirty="0">
-                <a:solidFill>
-                  <a:schemeClr val="bg1"/>
-                </a:solidFill>
-                <a:latin typeface="Arial" panose="020B0604020202020204" pitchFamily="34" charset="0"/>
-              </a:rPr>
-              <a:t>i</a:t>
-            </a:r>
-            <a:r>
-              <a:rPr kumimoji="0" lang="it-IT" altLang="it-IT" b="0" i="0" u="none" strike="noStrike" cap="none" normalizeH="0" baseline="0" dirty="0">
-                <a:ln>
-                  <a:noFill/>
-                </a:ln>
-                <a:solidFill>
-                  <a:schemeClr val="bg1"/>
-                </a:solidFill>
-                <a:effectLst/>
-                <a:latin typeface="Arial" panose="020B0604020202020204" pitchFamily="34" charset="0"/>
-              </a:rPr>
-              <a:t>n un classico caso di </a:t>
-            </a:r>
-            <a:r>
-              <a:rPr kumimoji="0" lang="it-IT" altLang="it-IT" b="1" i="0" u="none" strike="noStrike" cap="none" normalizeH="0" baseline="0" dirty="0" err="1">
-                <a:ln>
-                  <a:noFill/>
-                </a:ln>
-                <a:solidFill>
-                  <a:schemeClr val="bg1"/>
-                </a:solidFill>
-                <a:effectLst/>
-                <a:latin typeface="Arial" panose="020B0604020202020204" pitchFamily="34" charset="0"/>
-              </a:rPr>
-              <a:t>Command</a:t>
-            </a:r>
-            <a:r>
-              <a:rPr kumimoji="0" lang="it-IT" altLang="it-IT" b="1" i="0" u="none" strike="noStrike" cap="none" normalizeH="0" baseline="0" dirty="0">
-                <a:ln>
-                  <a:noFill/>
-                </a:ln>
-                <a:solidFill>
-                  <a:schemeClr val="bg1"/>
-                </a:solidFill>
-                <a:effectLst/>
-                <a:latin typeface="Arial" panose="020B0604020202020204" pitchFamily="34" charset="0"/>
-              </a:rPr>
-              <a:t> Injection</a:t>
-            </a:r>
-            <a:r>
-              <a:rPr kumimoji="0" lang="it-IT" altLang="it-IT" b="0" i="0" u="none" strike="noStrike" cap="none" normalizeH="0" baseline="0" dirty="0">
-                <a:ln>
-                  <a:noFill/>
-                </a:ln>
-                <a:solidFill>
-                  <a:schemeClr val="bg1"/>
-                </a:solidFill>
-                <a:effectLst/>
-                <a:latin typeface="Arial" panose="020B0604020202020204" pitchFamily="34" charset="0"/>
-              </a:rPr>
-              <a:t>, permettendo potenzialmente di eseguire comandi arbitrari.</a:t>
-            </a:r>
-          </a:p>
           <a:p>
             <a:endParaRPr lang="it-IT" dirty="0">
               <a:solidFill>
@@ -28670,8 +28497,8 @@
         </p:nvSpPr>
         <p:spPr>
           <a:xfrm>
-            <a:off x="528083" y="2056686"/>
-            <a:ext cx="10668000" cy="4247317"/>
+            <a:off x="620374" y="2668304"/>
+            <a:ext cx="10668000" cy="2031325"/>
           </a:xfrm>
           <a:prstGeom prst="rect">
             <a:avLst/>
@@ -28685,12 +28512,16 @@
           <a:lstStyle/>
           <a:p>
             <a:r>
+              <a:rPr lang="it-IT" sz="1800" dirty="0"/>
+              <a:t>❌ </a:t>
+            </a:r>
+            <a:r>
               <a:rPr lang="it-IT" dirty="0">
                 <a:solidFill>
                   <a:schemeClr val="bg1"/>
                 </a:solidFill>
               </a:rPr>
-              <a:t>Eseguire localmente il file vulnerabile (/home/flag16/</a:t>
+              <a:t>La vulnerabilità di </a:t>
             </a:r>
             <a:r>
               <a:rPr lang="it-IT" dirty="0" err="1">
@@ -28706,7 +28537,23 @@
                   <a:schemeClr val="bg1"/>
                 </a:solidFill>
               </a:rPr>
-              <a:t>) come utente level16, nel tentativo di sfruttarne la vulnerabilità, risulta un approccio inefficace o non funzionante. </a:t>
+              <a:t> non può essere sfruttata localmente per ottenere i privilegi dell’utente </a:t>
+            </a:r>
+            <a:r>
+              <a:rPr lang="it-IT" i="1" dirty="0">
+                <a:solidFill>
+                  <a:schemeClr val="bg1"/>
+                </a:solidFill>
+              </a:rPr>
+              <a:t>flag16</a:t>
+            </a:r>
+            <a:r>
+              <a:rPr lang="it-IT" dirty="0">
+                <a:solidFill>
+                  <a:schemeClr val="bg1"/>
+                </a:solidFill>
+              </a:rPr>
+              <a:t>, poiché lo script non viene eseguito con i suoi permessi. </a:t>
             </a:r>
           </a:p>
           <a:p>
@@ -28717,48 +28564,6 @@
             </a:endParaRPr>
           </a:p>
           <a:p>
-            <a:r>
-              <a:rPr lang="it-IT" dirty="0">
-                <a:solidFill>
-                  <a:schemeClr val="bg1"/>
-                </a:solidFill>
-              </a:rPr>
-              <a:t>Inoltre, nonostante l’utente level16 abbia i permessi per leggere ed eseguire il file </a:t>
-            </a:r>
-            <a:r>
-              <a:rPr lang="it-IT" dirty="0" err="1">
-                <a:solidFill>
-                  <a:schemeClr val="bg1"/>
-                </a:solidFill>
-              </a:rPr>
-              <a:t>index.cgi</a:t>
-            </a:r>
-            <a:r>
-              <a:rPr lang="it-IT" dirty="0">
-                <a:solidFill>
-                  <a:schemeClr val="bg1"/>
-                </a:solidFill>
-              </a:rPr>
-              <a:t> e l’iniezione locale ha funzionato ciò è comunque una vittoria parziale in quanto </a:t>
-            </a:r>
-            <a:r>
-              <a:rPr lang="it-IT" dirty="0" err="1">
-                <a:solidFill>
-                  <a:schemeClr val="bg1"/>
-                </a:solidFill>
-              </a:rPr>
-              <a:t>index.cgi</a:t>
-            </a:r>
-            <a:r>
-              <a:rPr lang="it-IT" dirty="0">
-                <a:solidFill>
-                  <a:schemeClr val="bg1"/>
-                </a:solidFill>
-              </a:rPr>
-              <a:t> non ha i privilegi di esecuzione di flag16 (obiettivo della sfida).</a:t>
-            </a:r>
-          </a:p>
-          <a:p>
             <a:endParaRPr lang="it-IT" dirty="0">
               <a:solidFill>
                 <a:schemeClr val="bg1"/>
@@ -28772,32 +28577,31 @@
                   <a:schemeClr val="bg1"/>
                 </a:solidFill>
               </a:rPr>
-              <a:t>Deduciamo che quindi è necessario eseguire lo script con i privilegi di flag16.</a:t>
-            </a:r>
-          </a:p>
-          <a:p>
-            <a:endParaRPr lang="it-IT" dirty="0">
-              <a:solidFill>
-                <a:schemeClr val="bg1"/>
-              </a:solidFill>
-            </a:endParaRPr>
-          </a:p>
-          <a:p>
+              <a:t>💡 Sebbene l’iniezione locale funzioni, essa rappresenta solo una vittoria parziale. Per completare la sfida, è necessario trovare un server web che esegua </a:t>
+            </a:r>
+            <a:r>
+              <a:rPr lang="it-IT" dirty="0" err="1">
+                <a:solidFill>
+                  <a:schemeClr val="bg1"/>
+                </a:solidFill>
+              </a:rPr>
+              <a:t>index.cgi</a:t>
+            </a:r>
             <a:r>
               <a:rPr lang="it-IT" dirty="0">
                 <a:solidFill>
                   <a:schemeClr val="bg1"/>
                 </a:solidFill>
               </a:rPr>
-              <a:t>È possibile effettuare un'iniezione remota utilizzando lo stesso input dell'iniezione </a:t>
-            </a:r>
-            <a:r>
-              <a:rPr lang="it-IT" dirty="0" err="1">
-                <a:solidFill>
-                  <a:schemeClr val="bg1"/>
-                </a:solidFill>
-              </a:rPr>
-              <a:t>locale?Per</a:t>
+              <a:t> con privilegi SETUID di </a:t>
+            </a:r>
+            <a:r>
+              <a:rPr lang="it-IT" i="1" dirty="0">
+                <a:solidFill>
+                  <a:schemeClr val="bg1"/>
+                </a:solidFill>
+              </a:rPr>
+              <a:t>flag16</a:t>
             </a:r>
             <a:r>
               <a:rPr lang="it-IT" dirty="0">
@@ -28805,57 +28609,8 @@
                   <a:schemeClr val="bg1"/>
                 </a:solidFill>
               </a:rPr>
-              <a:t> farlo, è necessario individuare un server web che esegua lo script </a:t>
-            </a:r>
-            <a:r>
-              <a:rPr lang="it-IT" dirty="0" err="1">
-                <a:solidFill>
-                  <a:schemeClr val="bg1"/>
-                </a:solidFill>
-              </a:rPr>
-              <a:t>index.cgi</a:t>
-            </a:r>
-            <a:r>
-              <a:rPr lang="it-IT" dirty="0">
-                <a:solidFill>
-                  <a:schemeClr val="bg1"/>
-                </a:solidFill>
-              </a:rPr>
-              <a:t> con privilegi SETUID dell'utente flag16.</a:t>
-            </a:r>
-          </a:p>
-          <a:p>
-            <a:r>
-              <a:rPr lang="it-IT" dirty="0">
-                <a:solidFill>
-                  <a:schemeClr val="bg1"/>
-                </a:solidFill>
-              </a:rPr>
-              <a:t>Se un server del genere esiste, lo stesso input può essere sfruttato per eseguire /bin/</a:t>
-            </a:r>
-            <a:r>
-              <a:rPr lang="it-IT" dirty="0" err="1">
-                <a:solidFill>
-                  <a:schemeClr val="bg1"/>
-                </a:solidFill>
-              </a:rPr>
-              <a:t>getflag</a:t>
-            </a:r>
-            <a:r>
-              <a:rPr lang="it-IT" dirty="0">
-                <a:solidFill>
-                  <a:schemeClr val="bg1"/>
-                </a:solidFill>
-              </a:rPr>
-              <a:t> con i privilegi di flag16, permettendo così di superare la sfida.</a:t>
-            </a:r>
-          </a:p>
-          <a:p>
-            <a:endParaRPr lang="it-IT" dirty="0">
-              <a:solidFill>
-                <a:schemeClr val="bg1"/>
-              </a:solidFill>
-            </a:endParaRPr>
+              <a:t>, permettendo così di sfruttare la stessa iniezione in modo remoto e ottenere il flag.</a:t>
+            </a:r>
           </a:p>
         </p:txBody>
       </p:sp>
@@ -30637,8 +30392,8 @@
         </p:nvSpPr>
         <p:spPr>
           <a:xfrm>
-            <a:off x="620374" y="2224479"/>
-            <a:ext cx="10668000" cy="2862322"/>
+            <a:off x="762000" y="3096489"/>
+            <a:ext cx="10668000" cy="1200329"/>
           </a:xfrm>
           <a:prstGeom prst="rect">
             <a:avLst/>
@@ -30657,15 +30412,15 @@
                   <a:schemeClr val="bg1"/>
                 </a:solidFill>
               </a:rPr>
-              <a:t>L’analisi ha confermato la presenza di un server web in ascolto sulla porta TCP 1616, che rappresenta il </a:t>
-            </a:r>
-            <a:r>
-              <a:rPr lang="it-IT" b="1" dirty="0">
-                <a:solidFill>
-                  <a:schemeClr val="bg1"/>
-                </a:solidFill>
-              </a:rPr>
-              <a:t>punto di accesso remoto</a:t>
+              <a:t>🔍 È stato individuato un server web sulla porta TCP 1616, eseguito con i privilegi dell’utente </a:t>
+            </a:r>
+            <a:r>
+              <a:rPr lang="it-IT" i="1" dirty="0">
+                <a:solidFill>
+                  <a:schemeClr val="bg1"/>
+                </a:solidFill>
+              </a:rPr>
+              <a:t>flag16</a:t>
             </a:r>
             <a:r>
               <a:rPr lang="it-IT" dirty="0">
@@ -30673,7 +30428,7 @@
                   <a:schemeClr val="bg1"/>
                 </a:solidFill>
               </a:rPr>
-              <a:t>. </a:t>
+              <a:t> e con accesso all’intero file system. </a:t>
             </a:r>
           </a:p>
           <a:p>
@@ -30683,18 +30438,26 @@
                   <a:schemeClr val="bg1"/>
                 </a:solidFill>
               </a:rPr>
-              <a:t>Inoltre, il server ha visibilità sull’intero file system, compreso il file eseguibile </a:t>
-            </a:r>
-            <a:r>
-              <a:rPr lang="it-IT" b="1" dirty="0">
-                <a:solidFill>
-                  <a:schemeClr val="bg1"/>
-                </a:solidFill>
-              </a:rPr>
-              <a:t>/bin/</a:t>
-            </a:r>
-            <a:r>
-              <a:rPr lang="it-IT" b="1" dirty="0" err="1">
+              <a:t>Questo rende possibile sfruttare da remoto la vulnerabilità di </a:t>
+            </a:r>
+            <a:r>
+              <a:rPr lang="it-IT" dirty="0" err="1">
+                <a:solidFill>
+                  <a:schemeClr val="bg1"/>
+                </a:solidFill>
+              </a:rPr>
+              <a:t>index.cgi</a:t>
+            </a:r>
+            <a:r>
+              <a:rPr lang="it-IT" dirty="0">
+                <a:solidFill>
+                  <a:schemeClr val="bg1"/>
+                </a:solidFill>
+              </a:rPr>
+              <a:t>, rendendo l’iniezione remota la strategia più efficace per eseguire </a:t>
+            </a:r>
+            <a:r>
+              <a:rPr lang="it-IT" dirty="0" err="1">
                 <a:solidFill>
                   <a:schemeClr val="bg1"/>
                 </a:solidFill>
@@ -30707,105 +30470,7 @@
                   <a:schemeClr val="bg1"/>
                 </a:solidFill>
               </a:rPr>
-              <a:t>, e viene eseguito direttamente con i privilegi dell’utente </a:t>
-            </a:r>
-            <a:r>
-              <a:rPr lang="it-IT" b="1" dirty="0">
-                <a:solidFill>
-                  <a:schemeClr val="bg1"/>
-                </a:solidFill>
-              </a:rPr>
-              <a:t>flag16</a:t>
-            </a:r>
-            <a:r>
-              <a:rPr lang="it-IT" dirty="0">
-                <a:solidFill>
-                  <a:schemeClr val="bg1"/>
-                </a:solidFill>
-              </a:rPr>
-              <a:t>.</a:t>
-            </a:r>
-          </a:p>
-          <a:p>
-            <a:endParaRPr lang="it-IT" dirty="0">
-              <a:solidFill>
-                <a:schemeClr val="bg1"/>
-              </a:solidFill>
-            </a:endParaRPr>
-          </a:p>
-          <a:p>
-            <a:r>
-              <a:rPr lang="it-IT" dirty="0">
-                <a:solidFill>
-                  <a:schemeClr val="bg1"/>
-                </a:solidFill>
-              </a:rPr>
-              <a:t>Queste condizioni rendono possibile sfruttare </a:t>
-            </a:r>
-            <a:r>
-              <a:rPr lang="it-IT" b="1" dirty="0" err="1">
-                <a:solidFill>
-                  <a:schemeClr val="bg1"/>
-                </a:solidFill>
-              </a:rPr>
-              <a:t>index.cgi</a:t>
-            </a:r>
-            <a:r>
-              <a:rPr lang="it-IT" b="1" dirty="0">
-                <a:solidFill>
-                  <a:schemeClr val="bg1"/>
-                </a:solidFill>
-              </a:rPr>
-              <a:t> </a:t>
-            </a:r>
-            <a:r>
-              <a:rPr lang="it-IT" dirty="0">
-                <a:solidFill>
-                  <a:schemeClr val="bg1"/>
-                </a:solidFill>
-              </a:rPr>
-              <a:t>da remoto. </a:t>
-            </a:r>
-          </a:p>
-          <a:p>
-            <a:endParaRPr lang="it-IT" dirty="0">
-              <a:solidFill>
-                <a:schemeClr val="bg1"/>
-              </a:solidFill>
-            </a:endParaRPr>
-          </a:p>
-          <a:p>
-            <a:r>
-              <a:rPr lang="it-IT" dirty="0">
-                <a:solidFill>
-                  <a:schemeClr val="bg1"/>
-                </a:solidFill>
-              </a:rPr>
-              <a:t>Poiché l’esecuzione locale del file non garantisce i privilegi necessari, la strategia più promettente diventa quindi l’iniezione remota, tramite una richiesta mirata al server web, con l’obiettivo di eseguire </a:t>
-            </a:r>
-            <a:r>
-              <a:rPr lang="it-IT" b="1" dirty="0">
-                <a:solidFill>
-                  <a:schemeClr val="bg1"/>
-                </a:solidFill>
-              </a:rPr>
-              <a:t>/bin/</a:t>
-            </a:r>
-            <a:r>
-              <a:rPr lang="it-IT" b="1" dirty="0" err="1">
-                <a:solidFill>
-                  <a:schemeClr val="bg1"/>
-                </a:solidFill>
-              </a:rPr>
-              <a:t>getflag</a:t>
-            </a:r>
-            <a:r>
-              <a:rPr lang="it-IT" dirty="0">
-                <a:solidFill>
-                  <a:schemeClr val="bg1"/>
-                </a:solidFill>
-              </a:rPr>
-              <a:t> nel contesto privilegiato.</a:t>
+              <a:t> con i privilegi necessari.</a:t>
             </a:r>
           </a:p>
         </p:txBody>
@@ -31864,8 +31529,8 @@
         </p:nvSpPr>
         <p:spPr>
           <a:xfrm>
-            <a:off x="683933" y="2009418"/>
-            <a:ext cx="11455751" cy="1754326"/>
+            <a:off x="514375" y="1966824"/>
+            <a:ext cx="11455751" cy="1477328"/>
           </a:xfrm>
           <a:prstGeom prst="rect">
             <a:avLst/>
@@ -31914,43 +31579,23 @@
                   <a:schemeClr val="bg1"/>
                 </a:solidFill>
               </a:rPr>
-              <a:t>Quale porta e quale IP usare?</a:t>
-            </a:r>
-          </a:p>
-          <a:p>
+              <a:t>L’</a:t>
+            </a:r>
+            <a:r>
+              <a:rPr lang="it-IT" dirty="0" err="1">
+                <a:solidFill>
+                  <a:schemeClr val="bg1"/>
+                </a:solidFill>
+              </a:rPr>
+              <a:t>hostname</a:t>
+            </a:r>
             <a:r>
               <a:rPr lang="it-IT" dirty="0">
                 <a:solidFill>
                   <a:schemeClr val="bg1"/>
                 </a:solidFill>
               </a:rPr>
-              <a:t>L’</a:t>
-            </a:r>
-            <a:r>
-              <a:rPr lang="it-IT" dirty="0" err="1">
-                <a:solidFill>
-                  <a:schemeClr val="bg1"/>
-                </a:solidFill>
-              </a:rPr>
-              <a:t>hostname</a:t>
-            </a:r>
-            <a:r>
-              <a:rPr lang="it-IT" dirty="0">
-                <a:solidFill>
-                  <a:schemeClr val="bg1"/>
-                </a:solidFill>
-              </a:rPr>
-              <a:t> da usare è uno qualunque su cui ascolta il server</a:t>
-            </a:r>
-          </a:p>
-          <a:p>
-            <a:r>
-              <a:rPr lang="it-IT" dirty="0">
-                <a:solidFill>
-                  <a:schemeClr val="bg1"/>
-                </a:solidFill>
-              </a:rPr>
-              <a:t>Dal precedente output di </a:t>
+              <a:t> da usare è uno qualunque su cui ascolta il server poiché dal precedente output di </a:t>
             </a:r>
             <a:r>
               <a:rPr lang="it-IT" b="1" dirty="0" err="1">
@@ -32051,7 +31696,7 @@
         </p:blipFill>
         <p:spPr>
           <a:xfrm>
-            <a:off x="1506318" y="3763744"/>
+            <a:off x="1615319" y="3629144"/>
             <a:ext cx="7791379" cy="3094255"/>
           </a:xfrm>
           <a:prstGeom prst="rect">
@@ -38513,7 +38158,7 @@
 </file>
 
 <file path=ppt/slides/slide3.xml><?xml version="1.0" encoding="utf-8"?>
-<p:sld xmlns:a="http://schemas.openxmlformats.org/drawingml/2006/main" xmlns:r="http://schemas.openxmlformats.org/officeDocument/2006/relationships" xmlns:p="http://schemas.openxmlformats.org/presentationml/2006/main">
+<p:sld xmlns:a="http://schemas.openxmlformats.org/drawingml/2006/main" xmlns:r="http://schemas.openxmlformats.org/officeDocument/2006/relationships" xmlns:p="http://schemas.openxmlformats.org/presentationml/2006/main" show="0">
   <p:cSld>
     <p:spTree>
       <p:nvGrpSpPr>
@@ -45649,8 +45294,8 @@
         </p:nvSpPr>
         <p:spPr bwMode="auto">
           <a:xfrm>
-            <a:off x="1885950" y="2173723"/>
-            <a:ext cx="10153650" cy="2339102"/>
+            <a:off x="1885950" y="2734334"/>
+            <a:ext cx="10153650" cy="1508105"/>
           </a:xfrm>
           <a:prstGeom prst="rect">
             <a:avLst/>
@@ -45760,45 +45405,6 @@
               <a:buSzTx/>
               <a:tabLst/>
             </a:pPr>
-            <a:r>
-              <a:rPr kumimoji="0" lang="it-IT" altLang="it-IT" sz="1800" b="1" i="0" u="none" strike="noStrike" cap="none" normalizeH="0" baseline="0" dirty="0">
-                <a:ln>
-                  <a:noFill/>
-                </a:ln>
-                <a:solidFill>
-                  <a:schemeClr val="bg1"/>
-                </a:solidFill>
-                <a:effectLst/>
-                <a:latin typeface="Arial" panose="020B0604020202020204" pitchFamily="34" charset="0"/>
-              </a:rPr>
-              <a:t>A chi può essere richiesta la password dell’account </a:t>
-            </a:r>
-            <a:r>
-              <a:rPr kumimoji="0" lang="it-IT" altLang="it-IT" sz="1800" b="1" i="1" u="none" strike="noStrike" cap="none" normalizeH="0" baseline="0" dirty="0">
-                <a:ln>
-                  <a:noFill/>
-                </a:ln>
-                <a:solidFill>
-                  <a:schemeClr val="bg1"/>
-                </a:solidFill>
-                <a:effectLst/>
-                <a:latin typeface="Arial" panose="020B0604020202020204" pitchFamily="34" charset="0"/>
-              </a:rPr>
-              <a:t>flag02</a:t>
-            </a:r>
-            <a:r>
-              <a:rPr kumimoji="0" lang="it-IT" altLang="it-IT" sz="1800" b="1" i="0" u="none" strike="noStrike" cap="none" normalizeH="0" baseline="0" dirty="0">
-                <a:ln>
-                  <a:noFill/>
-                </a:ln>
-                <a:solidFill>
-                  <a:schemeClr val="bg1"/>
-                </a:solidFill>
-                <a:effectLst/>
-                <a:latin typeface="Arial" panose="020B0604020202020204" pitchFamily="34" charset="0"/>
-              </a:rPr>
-              <a:t>?</a:t>
-            </a:r>
             <a:br>
               <a:rPr kumimoji="0" lang="it-IT" altLang="it-IT" sz="1800" b="0" i="0" u="none" strike="noStrike" cap="none" normalizeH="0" baseline="0" dirty="0">
                 <a:ln>
@@ -45822,24 +45428,8 @@
                 <a:effectLst/>
                 <a:latin typeface="Arial" panose="020B0604020202020204" pitchFamily="34" charset="0"/>
               </a:rPr>
-              <a:t>La password potrebbe essere richiesta al legittimo proprietario.</a:t>
-            </a:r>
-          </a:p>
-          <a:p>
-            <a:pPr marL="0" marR="0" lvl="0" indent="0" algn="l" defTabSz="914400" rtl="0" eaLnBrk="0" fontAlgn="base" latinLnBrk="0" hangingPunct="0">
-              <a:lnSpc>
-                <a:spcPct val="100000"/>
-              </a:lnSpc>
-              <a:spcBef>
-                <a:spcPct val="0"/>
-              </a:spcBef>
-              <a:spcAft>
-                <a:spcPct val="0"/>
-              </a:spcAft>
-              <a:buClrTx/>
-              <a:buSzTx/>
-              <a:tabLst/>
-            </a:pPr>
+              <a:t>La password potrebbe essere richiesta al legittimo proprietario anche se quest’ultimo non</a:t>
+            </a:r>
             <a:r>
               <a:rPr kumimoji="0" lang="it-IT" altLang="it-IT" sz="1800" b="1" i="0" u="none" strike="noStrike" cap="none" normalizeH="0" baseline="0" dirty="0">
                 <a:ln>
@@ -45851,9 +45441,9 @@
                 <a:effectLst/>
                 <a:latin typeface="Arial" panose="020B0604020202020204" pitchFamily="34" charset="0"/>
               </a:rPr>
-              <a:t>Il legittimo proprietario è disposto a fornire la password?</a:t>
-            </a:r>
-            <a:br>
+              <a:t> è disposto a fornirla</a:t>
+            </a:r>
+            <a:r>
               <a:rPr kumimoji="0" lang="it-IT" altLang="it-IT" sz="1800" b="0" i="0" u="none" strike="noStrike" cap="none" normalizeH="0" baseline="0" dirty="0">
                 <a:ln>
                   <a:noFill/>
@@ -45864,73 +45454,7 @@
                 <a:effectLst/>
                 <a:latin typeface="Arial" panose="020B0604020202020204" pitchFamily="34" charset="0"/>
               </a:rPr>
-            </a:br>
-            <a:r>
-              <a:rPr kumimoji="0" lang="it-IT" altLang="it-IT" sz="1800" b="0" i="0" u="none" strike="noStrike" cap="none" normalizeH="0" baseline="0" dirty="0">
-                <a:ln>
-                  <a:noFill/>
-                </a:ln>
-                <a:solidFill>
-                  <a:schemeClr val="bg1"/>
-                </a:solidFill>
-                <a:effectLst/>
-                <a:latin typeface="Arial" panose="020B0604020202020204" pitchFamily="34" charset="0"/>
-              </a:rPr>
-              <a:t>No, non lo è. Se fosse disposto a farlo, la sfida perderebbe di significato.</a:t>
-            </a:r>
-          </a:p>
-          <a:p>
-            <a:pPr marL="0" marR="0" lvl="0" indent="0" algn="l" defTabSz="914400" rtl="0" eaLnBrk="0" fontAlgn="base" latinLnBrk="0" hangingPunct="0">
-              <a:lnSpc>
-                <a:spcPct val="100000"/>
-              </a:lnSpc>
-              <a:spcBef>
-                <a:spcPct val="0"/>
-              </a:spcBef>
-              <a:spcAft>
-                <a:spcPct val="0"/>
-              </a:spcAft>
-              <a:buClrTx/>
-              <a:buSzTx/>
-              <a:tabLst/>
-            </a:pPr>
-            <a:r>
-              <a:rPr kumimoji="0" lang="it-IT" altLang="it-IT" sz="1800" b="1" i="0" u="none" strike="noStrike" cap="none" normalizeH="0" baseline="0" dirty="0">
-                <a:ln>
-                  <a:noFill/>
-                </a:ln>
-                <a:solidFill>
-                  <a:schemeClr val="bg1"/>
-                </a:solidFill>
-                <a:effectLst/>
-                <a:latin typeface="Arial" panose="020B0604020202020204" pitchFamily="34" charset="0"/>
-              </a:rPr>
-              <a:t>Conclusione:</a:t>
-            </a:r>
-            <a:br>
-              <a:rPr kumimoji="0" lang="it-IT" altLang="it-IT" sz="1800" b="0" i="0" u="none" strike="noStrike" cap="none" normalizeH="0" baseline="0" dirty="0">
-                <a:ln>
-                  <a:noFill/>
-                </a:ln>
-                <a:solidFill>
-                  <a:schemeClr val="bg1"/>
-                </a:solidFill>
-                <a:effectLst/>
-                <a:latin typeface="Arial" panose="020B0604020202020204" pitchFamily="34" charset="0"/>
-              </a:rPr>
-            </a:br>
-            <a:r>
-              <a:rPr kumimoji="0" lang="it-IT" altLang="it-IT" sz="1800" b="0" i="0" u="none" strike="noStrike" cap="none" normalizeH="0" baseline="0" dirty="0">
-                <a:ln>
-                  <a:noFill/>
-                </a:ln>
-                <a:solidFill>
-                  <a:schemeClr val="bg1"/>
-                </a:solidFill>
-                <a:effectLst/>
-                <a:latin typeface="Arial" panose="020B0604020202020204" pitchFamily="34" charset="0"/>
-              </a:rPr>
-              <a:t>Richiedere la password per vie legittime non rappresenta un’opzione praticabile.</a:t>
+              <a:t>. Se fosse disposto a farlo, la sfida perderebbe di significato.</a:t>
             </a:r>
           </a:p>
           <a:p>
@@ -46043,8 +45567,8 @@
         </p:nvSpPr>
         <p:spPr bwMode="auto">
           <a:xfrm>
-            <a:off x="1885950" y="4518898"/>
-            <a:ext cx="10153650" cy="2339102"/>
+            <a:off x="1885950" y="4480266"/>
+            <a:ext cx="10153650" cy="1508105"/>
           </a:xfrm>
           <a:prstGeom prst="rect">
             <a:avLst/>
@@ -46154,70 +45678,16 @@
               <a:buSzTx/>
               <a:tabLst/>
             </a:pPr>
-            <a:r>
-              <a:rPr kumimoji="0" lang="it-IT" altLang="it-IT" sz="1800" b="1" i="0" u="none" strike="noStrike" cap="none" normalizeH="0" baseline="0" dirty="0">
-                <a:ln>
-                  <a:noFill/>
-                </a:ln>
-                <a:solidFill>
-                  <a:schemeClr val="bg1"/>
-                </a:solidFill>
-                <a:effectLst/>
-                <a:latin typeface="Arial" panose="020B0604020202020204" pitchFamily="34" charset="0"/>
-              </a:rPr>
-              <a:t>È possibile violare la password dell’account </a:t>
-            </a:r>
-            <a:r>
-              <a:rPr kumimoji="0" lang="it-IT" altLang="it-IT" sz="1800" b="1" i="1" u="none" strike="noStrike" cap="none" normalizeH="0" baseline="0" dirty="0">
-                <a:ln>
-                  <a:noFill/>
-                </a:ln>
-                <a:solidFill>
-                  <a:schemeClr val="bg1"/>
-                </a:solidFill>
-                <a:effectLst/>
-                <a:latin typeface="Arial" panose="020B0604020202020204" pitchFamily="34" charset="0"/>
-              </a:rPr>
-              <a:t>flag02</a:t>
-            </a:r>
-            <a:r>
-              <a:rPr kumimoji="0" lang="it-IT" altLang="it-IT" sz="1800" b="1" i="0" u="none" strike="noStrike" cap="none" normalizeH="0" baseline="0" dirty="0">
-                <a:ln>
-                  <a:noFill/>
-                </a:ln>
-                <a:solidFill>
-                  <a:schemeClr val="bg1"/>
-                </a:solidFill>
-                <a:effectLst/>
-                <a:latin typeface="Arial" panose="020B0604020202020204" pitchFamily="34" charset="0"/>
-              </a:rPr>
-              <a:t>?</a:t>
-            </a:r>
-            <a:br>
-              <a:rPr kumimoji="0" lang="it-IT" altLang="it-IT" sz="1800" b="0" i="0" u="none" strike="noStrike" cap="none" normalizeH="0" baseline="0" dirty="0">
-                <a:ln>
-                  <a:noFill/>
-                </a:ln>
-                <a:solidFill>
-                  <a:schemeClr val="bg1"/>
-                </a:solidFill>
-                <a:effectLst/>
-                <a:latin typeface="Arial" panose="020B0604020202020204" pitchFamily="34" charset="0"/>
-              </a:rPr>
-            </a:br>
-            <a:r>
-              <a:rPr kumimoji="0" lang="it-IT" altLang="it-IT" sz="1800" b="0" i="0" u="none" strike="noStrike" cap="none" normalizeH="0" baseline="0" dirty="0">
-                <a:ln>
-                  <a:noFill/>
-                </a:ln>
-                <a:solidFill>
-                  <a:schemeClr val="bg1"/>
-                </a:solidFill>
-                <a:effectLst/>
-                <a:latin typeface="Arial" panose="020B0604020202020204" pitchFamily="34" charset="0"/>
-              </a:rPr>
-              <a:t>Sebbene tecnicamente possibile, qualora la password sia sufficientemente robusta, riuscire a comprometterla risulta estremamente complesso.</a:t>
-            </a:r>
+            <a:endParaRPr kumimoji="0" lang="it-IT" altLang="it-IT" sz="1800" b="1" i="0" u="none" strike="noStrike" cap="none" normalizeH="0" baseline="0" dirty="0">
+              <a:ln>
+                <a:noFill/>
+              </a:ln>
+              <a:solidFill>
+                <a:schemeClr val="bg1"/>
+              </a:solidFill>
+              <a:effectLst/>
+              <a:latin typeface="Arial" panose="020B0604020202020204" pitchFamily="34" charset="0"/>
+            </a:endParaRPr>
           </a:p>
           <a:p>
             <a:pPr marL="0" marR="0" lvl="0" indent="0" algn="l" defTabSz="914400" rtl="0" eaLnBrk="0" fontAlgn="base" latinLnBrk="0" hangingPunct="0">
@@ -46245,7 +45715,29 @@
                 <a:effectLst/>
                 <a:latin typeface="Arial" panose="020B0604020202020204" pitchFamily="34" charset="0"/>
               </a:rPr>
-              <a:t>Conclusione:</a:t>
+              <a:t>Non è possibile violare la password dell’account </a:t>
+            </a:r>
+            <a:r>
+              <a:rPr kumimoji="0" lang="it-IT" altLang="it-IT" sz="1800" b="1" i="1" u="none" strike="noStrike" cap="none" normalizeH="0" baseline="0" dirty="0">
+                <a:ln>
+                  <a:noFill/>
+                </a:ln>
+                <a:solidFill>
+                  <a:schemeClr val="bg1"/>
+                </a:solidFill>
+                <a:effectLst/>
+                <a:latin typeface="Arial" panose="020B0604020202020204" pitchFamily="34" charset="0"/>
+              </a:rPr>
+              <a:t>flag02</a:t>
+            </a:r>
+            <a:r>
+              <a:rPr lang="it-IT" altLang="it-IT" b="1" dirty="0">
+                <a:solidFill>
+                  <a:schemeClr val="bg1"/>
+                </a:solidFill>
+                <a:latin typeface="Arial" panose="020B0604020202020204" pitchFamily="34" charset="0"/>
+              </a:rPr>
+              <a:t>.</a:t>
             </a:r>
             <a:br>
               <a:rPr kumimoji="0" lang="it-IT" altLang="it-IT" sz="1800" b="0" i="0" u="none" strike="noStrike" cap="none" normalizeH="0" baseline="0" dirty="0">
@@ -46270,36 +45762,8 @@
                 <a:effectLst/>
                 <a:latin typeface="Arial" panose="020B0604020202020204" pitchFamily="34" charset="0"/>
               </a:rPr>
-              <a:t>La violazione della password non costituisce una strada efficace o praticabile per accedere all’account.</a:t>
-            </a:r>
-          </a:p>
-          <a:p>
-            <a:pPr marL="0" marR="0" lvl="0" indent="0" algn="l" defTabSz="914400" rtl="0" eaLnBrk="0" fontAlgn="base" latinLnBrk="0" hangingPunct="0">
-              <a:lnSpc>
-                <a:spcPct val="100000"/>
-              </a:lnSpc>
-              <a:spcBef>
-                <a:spcPct val="0"/>
-              </a:spcBef>
-              <a:spcAft>
-                <a:spcPct val="0"/>
-              </a:spcAft>
-              <a:buClrTx/>
-              <a:buSzTx/>
-              <a:buFontTx/>
-              <a:buNone/>
-              <a:tabLst/>
-            </a:pPr>
-            <a:endParaRPr kumimoji="0" lang="it-IT" altLang="it-IT" sz="1800" b="0" i="0" u="none" strike="noStrike" cap="none" normalizeH="0" baseline="0" dirty="0">
-              <a:ln>
-                <a:noFill/>
-              </a:ln>
-              <a:solidFill>
-                <a:schemeClr val="bg1"/>
-              </a:solidFill>
-              <a:effectLst/>
-              <a:latin typeface="Arial" panose="020B0604020202020204" pitchFamily="34" charset="0"/>
-            </a:endParaRPr>
+              <a:t>Sebbene tecnicamente possibile, qualora la password sia sufficientemente robusta, riuscire a comprometterla risulta estremamente complesso.</a:t>
+            </a:r>
           </a:p>
         </p:txBody>
       </p:sp>

--- a/Presentazione Nebula16.pptx
+++ b/Presentazione Nebula16.pptx
@@ -3114,7 +3114,7 @@
           <a:p>
             <a:fld id="{239B8597-0BE9-4EC1-A089-7778E907C0F0}" type="datetimeFigureOut">
               <a:rPr lang="it-IT" smtClean="0"/>
-              <a:t>09/05/2025</a:t>
+              <a:t>10/05/2025</a:t>
             </a:fld>
             <a:endParaRPr lang="it-IT"/>
           </a:p>
@@ -10899,7 +10899,7 @@
           <a:p>
             <a:fld id="{A68DA405-31E9-44C3-A33B-013AC39763DD}" type="datetimeFigureOut">
               <a:rPr lang="it-IT" smtClean="0"/>
-              <a:t>09/05/2025</a:t>
+              <a:t>10/05/2025</a:t>
             </a:fld>
             <a:endParaRPr lang="it-IT"/>
           </a:p>
@@ -11097,7 +11097,7 @@
           <a:p>
             <a:fld id="{A68DA405-31E9-44C3-A33B-013AC39763DD}" type="datetimeFigureOut">
               <a:rPr lang="it-IT" smtClean="0"/>
-              <a:t>09/05/2025</a:t>
+              <a:t>10/05/2025</a:t>
             </a:fld>
             <a:endParaRPr lang="it-IT"/>
           </a:p>
@@ -11305,7 +11305,7 @@
           <a:p>
             <a:fld id="{A68DA405-31E9-44C3-A33B-013AC39763DD}" type="datetimeFigureOut">
               <a:rPr lang="it-IT" smtClean="0"/>
-              <a:t>09/05/2025</a:t>
+              <a:t>10/05/2025</a:t>
             </a:fld>
             <a:endParaRPr lang="it-IT"/>
           </a:p>
@@ -16154,7 +16154,7 @@
           <a:p>
             <a:fld id="{A68DA405-31E9-44C3-A33B-013AC39763DD}" type="datetimeFigureOut">
               <a:rPr lang="it-IT" smtClean="0"/>
-              <a:t>09/05/2025</a:t>
+              <a:t>10/05/2025</a:t>
             </a:fld>
             <a:endParaRPr lang="it-IT"/>
           </a:p>
@@ -19977,7 +19977,7 @@
           <a:p>
             <a:fld id="{A68DA405-31E9-44C3-A33B-013AC39763DD}" type="datetimeFigureOut">
               <a:rPr lang="it-IT" smtClean="0"/>
-              <a:t>09/05/2025</a:t>
+              <a:t>10/05/2025</a:t>
             </a:fld>
             <a:endParaRPr lang="it-IT"/>
           </a:p>
@@ -20242,7 +20242,7 @@
           <a:p>
             <a:fld id="{A68DA405-31E9-44C3-A33B-013AC39763DD}" type="datetimeFigureOut">
               <a:rPr lang="it-IT" smtClean="0"/>
-              <a:t>09/05/2025</a:t>
+              <a:t>10/05/2025</a:t>
             </a:fld>
             <a:endParaRPr lang="it-IT"/>
           </a:p>
@@ -20654,7 +20654,7 @@
           <a:p>
             <a:fld id="{A68DA405-31E9-44C3-A33B-013AC39763DD}" type="datetimeFigureOut">
               <a:rPr lang="it-IT" smtClean="0"/>
-              <a:t>09/05/2025</a:t>
+              <a:t>10/05/2025</a:t>
             </a:fld>
             <a:endParaRPr lang="it-IT"/>
           </a:p>
@@ -20795,7 +20795,7 @@
           <a:p>
             <a:fld id="{A68DA405-31E9-44C3-A33B-013AC39763DD}" type="datetimeFigureOut">
               <a:rPr lang="it-IT" smtClean="0"/>
-              <a:t>09/05/2025</a:t>
+              <a:t>10/05/2025</a:t>
             </a:fld>
             <a:endParaRPr lang="it-IT"/>
           </a:p>
@@ -20908,7 +20908,7 @@
           <a:p>
             <a:fld id="{A68DA405-31E9-44C3-A33B-013AC39763DD}" type="datetimeFigureOut">
               <a:rPr lang="it-IT" smtClean="0"/>
-              <a:t>09/05/2025</a:t>
+              <a:t>10/05/2025</a:t>
             </a:fld>
             <a:endParaRPr lang="it-IT"/>
           </a:p>
@@ -21219,7 +21219,7 @@
           <a:p>
             <a:fld id="{A68DA405-31E9-44C3-A33B-013AC39763DD}" type="datetimeFigureOut">
               <a:rPr lang="it-IT" smtClean="0"/>
-              <a:t>09/05/2025</a:t>
+              <a:t>10/05/2025</a:t>
             </a:fld>
             <a:endParaRPr lang="it-IT"/>
           </a:p>
@@ -21507,7 +21507,7 @@
           <a:p>
             <a:fld id="{A68DA405-31E9-44C3-A33B-013AC39763DD}" type="datetimeFigureOut">
               <a:rPr lang="it-IT" smtClean="0"/>
-              <a:t>09/05/2025</a:t>
+              <a:t>10/05/2025</a:t>
             </a:fld>
             <a:endParaRPr lang="it-IT"/>
           </a:p>
@@ -21748,7 +21748,7 @@
           <a:p>
             <a:fld id="{A68DA405-31E9-44C3-A33B-013AC39763DD}" type="datetimeFigureOut">
               <a:rPr lang="it-IT" smtClean="0"/>
-              <a:t>09/05/2025</a:t>
+              <a:t>10/05/2025</a:t>
             </a:fld>
             <a:endParaRPr lang="it-IT"/>
           </a:p>
@@ -26696,7 +26696,7 @@
                   <a:schemeClr val="bg1"/>
                 </a:solidFill>
               </a:rPr>
-              <a:t>Tentiamo nuovamente l’attacco digitando il comando /home/flag07/</a:t>
+              <a:t>Tentiamo nuovamente l’attacco digitando il comando /home/flag16/</a:t>
             </a:r>
             <a:r>
               <a:rPr lang="it-IT" dirty="0" err="1">
@@ -45387,7 +45387,7 @@
                 <a:effectLst/>
                 <a:latin typeface="Arial" panose="020B0604020202020204" pitchFamily="34" charset="0"/>
               </a:rPr>
-              <a:t>flag02</a:t>
+              <a:t>flag16</a:t>
             </a:r>
           </a:p>
           <a:p>
@@ -45660,7 +45660,7 @@
                 <a:effectLst/>
                 <a:latin typeface="Arial" panose="020B0604020202020204" pitchFamily="34" charset="0"/>
               </a:rPr>
-              <a:t>flag02</a:t>
+              <a:t>flag16</a:t>
             </a:r>
           </a:p>
           <a:p>
@@ -45728,7 +45728,7 @@
                 <a:effectLst/>
                 <a:latin typeface="Arial" panose="020B0604020202020204" pitchFamily="34" charset="0"/>
               </a:rPr>
-              <a:t>flag02</a:t>
+              <a:t>flag16</a:t>
             </a:r>
             <a:r>
               <a:rPr lang="it-IT" altLang="it-IT" b="1" dirty="0">
@@ -48007,7 +48007,7 @@
                 </a:solidFill>
                 <a:latin typeface="Arial"/>
               </a:rPr>
-              <a:t>/home/level07</a:t>
+              <a:t>/home/level16</a:t>
             </a:r>
           </a:p>
           <a:p>
@@ -48029,7 +48029,7 @@
                 </a:solidFill>
                 <a:latin typeface="Arial"/>
               </a:rPr>
-              <a:t>/home/flag07</a:t>
+              <a:t>/home/flag16</a:t>
             </a:r>
           </a:p>
         </p:txBody>
@@ -48733,7 +48733,7 @@
           </a:lstStyle>
           <a:p>
             <a:r>
-              <a:rPr lang="it-IT" sz="1800" b="0" strike="noStrike" spc="-1">
+              <a:rPr lang="it-IT" sz="1800" b="0" strike="noStrike" spc="-1" dirty="0">
                 <a:solidFill>
                   <a:srgbClr val="FFFFFF"/>
                 </a:solidFill>
@@ -48744,7 +48744,7 @@
           </a:p>
           <a:p>
             <a:r>
-              <a:rPr lang="it-IT" sz="1800" b="0" strike="noStrike" spc="-1">
+              <a:rPr lang="it-IT" sz="1800" b="0" strike="noStrike" spc="-1" dirty="0">
                 <a:solidFill>
                   <a:srgbClr val="FFFFFF"/>
                 </a:solidFill>
@@ -48763,7 +48763,7 @@
               <a:buChar char=""/>
             </a:pPr>
             <a:r>
-              <a:rPr lang="it-IT" sz="1800" b="0" strike="noStrike" spc="-1">
+              <a:rPr lang="it-IT" sz="1800" b="0" strike="noStrike" spc="-1" dirty="0" err="1">
                 <a:solidFill>
                   <a:srgbClr val="FFFFFF"/>
                 </a:solidFill>
@@ -48771,6 +48771,12 @@
               </a:rPr>
               <a:t>index.cgi</a:t>
             </a:r>
+            <a:endParaRPr lang="it-IT" sz="1800" b="0" strike="noStrike" spc="-1" dirty="0">
+              <a:solidFill>
+                <a:srgbClr val="FFFFFF"/>
+              </a:solidFill>
+              <a:latin typeface="Arial"/>
+            </a:endParaRPr>
           </a:p>
           <a:p>
             <a:pPr marL="216000" indent="-216000">
@@ -48782,7 +48788,7 @@
               <a:buChar char=""/>
             </a:pPr>
             <a:r>
-              <a:rPr lang="it-IT" sz="1800" b="0" strike="noStrike" spc="-1">
+              <a:rPr lang="it-IT" sz="1800" b="0" strike="noStrike" spc="-1" dirty="0" err="1">
                 <a:solidFill>
                   <a:srgbClr val="FFFFFF"/>
                 </a:solidFill>
@@ -48790,6 +48796,12 @@
               </a:rPr>
               <a:t>thttpd.conf</a:t>
             </a:r>
+            <a:endParaRPr lang="it-IT" sz="1800" b="0" strike="noStrike" spc="-1" dirty="0">
+              <a:solidFill>
+                <a:srgbClr val="FFFFFF"/>
+              </a:solidFill>
+              <a:latin typeface="Arial"/>
+            </a:endParaRPr>
           </a:p>
         </p:txBody>
       </p:sp>

--- a/Presentazione Nebula16.pptx
+++ b/Presentazione Nebula16.pptx
@@ -28965,7 +28965,7 @@
         </p:blipFill>
         <p:spPr>
           <a:xfrm>
-            <a:off x="180479" y="2369007"/>
+            <a:off x="5915976" y="1006491"/>
             <a:ext cx="5721682" cy="481026"/>
           </a:xfrm>
           <a:prstGeom prst="rect">
@@ -28973,12 +28973,157 @@
           </a:prstGeom>
         </p:spPr>
       </p:pic>
+      <p:sp>
+        <p:nvSpPr>
+          <p:cNvPr id="11" name="CasellaDiTesto 10">
+            <a:extLst>
+              <a:ext uri="{FF2B5EF4-FFF2-40B4-BE49-F238E27FC236}">
+                <a16:creationId xmlns:a16="http://schemas.microsoft.com/office/drawing/2014/main" id="{2B1D7A48-1CA4-490E-9ADC-0BA133784806}"/>
+              </a:ext>
+            </a:extLst>
+          </p:cNvPr>
+          <p:cNvSpPr txBox="1"/>
+          <p:nvPr/>
+        </p:nvSpPr>
+        <p:spPr>
+          <a:xfrm>
+            <a:off x="884777" y="5589346"/>
+            <a:ext cx="4395731" cy="1077218"/>
+          </a:xfrm>
+          <a:prstGeom prst="rect">
+            <a:avLst/>
+          </a:prstGeom>
+          <a:noFill/>
+        </p:spPr>
+        <p:txBody>
+          <a:bodyPr wrap="square" rtlCol="0">
+            <a:spAutoFit/>
+          </a:bodyPr>
+          <a:lstStyle/>
+          <a:p>
+            <a:pPr marL="285750" indent="-285750">
+              <a:buFont typeface="Arial" panose="020B0604020202020204" pitchFamily="34" charset="0"/>
+              <a:buChar char="•"/>
+            </a:pPr>
+            <a:r>
+              <a:rPr lang="it-IT" sz="1600" dirty="0">
+                <a:solidFill>
+                  <a:schemeClr val="bg1"/>
+                </a:solidFill>
+              </a:rPr>
+              <a:t>port = 1616: il server Web </a:t>
+            </a:r>
+            <a:r>
+              <a:rPr lang="it-IT" sz="1600" dirty="0" err="1">
+                <a:solidFill>
+                  <a:schemeClr val="bg1"/>
+                </a:solidFill>
+              </a:rPr>
+              <a:t>thttpd</a:t>
+            </a:r>
+            <a:r>
+              <a:rPr lang="it-IT" sz="1600" dirty="0">
+                <a:solidFill>
+                  <a:schemeClr val="bg1"/>
+                </a:solidFill>
+              </a:rPr>
+              <a:t> ascolta sulla porta 1616</a:t>
+            </a:r>
+          </a:p>
+          <a:p>
+            <a:pPr marL="285750" indent="-285750">
+              <a:buFont typeface="Arial" panose="020B0604020202020204" pitchFamily="34" charset="0"/>
+              <a:buChar char="•"/>
+            </a:pPr>
+            <a:r>
+              <a:rPr lang="it-IT" sz="1600" dirty="0">
+                <a:solidFill>
+                  <a:schemeClr val="bg1"/>
+                </a:solidFill>
+              </a:rPr>
+              <a:t>dir = /home/flag16: la directory radice del server Web è /home/flag16</a:t>
+            </a:r>
+          </a:p>
+        </p:txBody>
+      </p:sp>
+      <p:sp>
+        <p:nvSpPr>
+          <p:cNvPr id="5" name="CasellaDiTesto 4">
+            <a:extLst>
+              <a:ext uri="{FF2B5EF4-FFF2-40B4-BE49-F238E27FC236}">
+                <a16:creationId xmlns:a16="http://schemas.microsoft.com/office/drawing/2014/main" id="{ABC97DB7-349A-1911-A4A3-960A2074765A}"/>
+              </a:ext>
+            </a:extLst>
+          </p:cNvPr>
+          <p:cNvSpPr txBox="1"/>
+          <p:nvPr/>
+        </p:nvSpPr>
+        <p:spPr>
+          <a:xfrm>
+            <a:off x="180480" y="765495"/>
+            <a:ext cx="5721682" cy="1200329"/>
+          </a:xfrm>
+          <a:prstGeom prst="rect">
+            <a:avLst/>
+          </a:prstGeom>
+          <a:noFill/>
+        </p:spPr>
+        <p:txBody>
+          <a:bodyPr wrap="square">
+            <a:spAutoFit/>
+          </a:bodyPr>
+          <a:lstStyle/>
+          <a:p>
+            <a:r>
+              <a:rPr lang="it-IT" dirty="0">
+                <a:solidFill>
+                  <a:schemeClr val="bg1"/>
+                </a:solidFill>
+              </a:rPr>
+              <a:t>Analizzando il file </a:t>
+            </a:r>
+            <a:r>
+              <a:rPr lang="it-IT" dirty="0" err="1">
+                <a:solidFill>
+                  <a:schemeClr val="bg1"/>
+                </a:solidFill>
+              </a:rPr>
+              <a:t>thttpd.conf</a:t>
+            </a:r>
+            <a:r>
+              <a:rPr lang="it-IT" dirty="0">
+                <a:solidFill>
+                  <a:schemeClr val="bg1"/>
+                </a:solidFill>
+              </a:rPr>
+              <a:t> notiamo che è leggibile da tutti gli utenti e modificabile solo da root inoltre identifica il server Web con il quale viene eseguito </a:t>
+            </a:r>
+            <a:r>
+              <a:rPr lang="it-IT" dirty="0" err="1">
+                <a:solidFill>
+                  <a:schemeClr val="bg1"/>
+                </a:solidFill>
+              </a:rPr>
+              <a:t>index.cgi</a:t>
+            </a:r>
+            <a:r>
+              <a:rPr lang="it-IT" dirty="0">
+                <a:solidFill>
+                  <a:schemeClr val="bg1"/>
+                </a:solidFill>
+              </a:rPr>
+              <a:t>.</a:t>
+            </a:r>
+            <a:endParaRPr lang="it-IT" dirty="0"/>
+          </a:p>
+        </p:txBody>
+      </p:sp>
       <p:pic>
         <p:nvPicPr>
-          <p:cNvPr id="6" name="Immagine 5">
-            <a:extLst>
-              <a:ext uri="{FF2B5EF4-FFF2-40B4-BE49-F238E27FC236}">
-                <a16:creationId xmlns:a16="http://schemas.microsoft.com/office/drawing/2014/main" id="{EE92485A-D01B-265B-DEE1-E9C160B825AE}"/>
+          <p:cNvPr id="4" name="Immagine 3">
+            <a:extLst>
+              <a:ext uri="{FF2B5EF4-FFF2-40B4-BE49-F238E27FC236}">
+                <a16:creationId xmlns:a16="http://schemas.microsoft.com/office/drawing/2014/main" id="{21B196CE-DDC2-9B5B-0E7B-73C96BBCFDA1}"/>
               </a:ext>
             </a:extLst>
           </p:cNvPr>
@@ -28995,20 +29140,50 @@
         </p:blipFill>
         <p:spPr>
           <a:xfrm>
-            <a:off x="6564468" y="2150490"/>
-            <a:ext cx="5113422" cy="4195787"/>
+            <a:off x="1194781" y="2103875"/>
+            <a:ext cx="3645722" cy="3485471"/>
           </a:xfrm>
           <a:prstGeom prst="rect">
             <a:avLst/>
           </a:prstGeom>
         </p:spPr>
       </p:pic>
-      <p:sp>
-        <p:nvSpPr>
-          <p:cNvPr id="11" name="CasellaDiTesto 10">
-            <a:extLst>
-              <a:ext uri="{FF2B5EF4-FFF2-40B4-BE49-F238E27FC236}">
-                <a16:creationId xmlns:a16="http://schemas.microsoft.com/office/drawing/2014/main" id="{2B1D7A48-1CA4-490E-9ADC-0BA133784806}"/>
+      <p:pic>
+        <p:nvPicPr>
+          <p:cNvPr id="10" name="Immagine 9">
+            <a:extLst>
+              <a:ext uri="{FF2B5EF4-FFF2-40B4-BE49-F238E27FC236}">
+                <a16:creationId xmlns:a16="http://schemas.microsoft.com/office/drawing/2014/main" id="{DEC33F7A-67FA-7CB6-C4E0-4076E06FDA99}"/>
+              </a:ext>
+            </a:extLst>
+          </p:cNvPr>
+          <p:cNvPicPr>
+            <a:picLocks noChangeAspect="1"/>
+          </p:cNvPicPr>
+          <p:nvPr/>
+        </p:nvPicPr>
+        <p:blipFill>
+          <a:blip r:embed="rId5"/>
+          <a:stretch>
+            <a:fillRect/>
+          </a:stretch>
+        </p:blipFill>
+        <p:spPr>
+          <a:xfrm>
+            <a:off x="6694423" y="2103874"/>
+            <a:ext cx="3511321" cy="3485471"/>
+          </a:xfrm>
+          <a:prstGeom prst="rect">
+            <a:avLst/>
+          </a:prstGeom>
+        </p:spPr>
+      </p:pic>
+      <p:sp>
+        <p:nvSpPr>
+          <p:cNvPr id="12" name="CasellaDiTesto 11">
+            <a:extLst>
+              <a:ext uri="{FF2B5EF4-FFF2-40B4-BE49-F238E27FC236}">
+                <a16:creationId xmlns:a16="http://schemas.microsoft.com/office/drawing/2014/main" id="{791774BC-A364-3BAB-1826-7AC105DF674B}"/>
               </a:ext>
             </a:extLst>
           </p:cNvPr>
@@ -29017,8 +29192,8 @@
         </p:nvSpPr>
         <p:spPr>
           <a:xfrm>
-            <a:off x="514110" y="3253216"/>
-            <a:ext cx="5312532" cy="2585323"/>
+            <a:off x="6415531" y="5589346"/>
+            <a:ext cx="4800855" cy="1077218"/>
           </a:xfrm>
           <a:prstGeom prst="rect">
             <a:avLst/>
@@ -29036,28 +29211,36 @@
               <a:buChar char="•"/>
             </a:pPr>
             <a:r>
-              <a:rPr lang="it-IT" dirty="0">
-                <a:solidFill>
-                  <a:schemeClr val="bg1"/>
-                </a:solidFill>
-              </a:rPr>
-              <a:t>port = 1616: il server Web </a:t>
-            </a:r>
-            <a:r>
-              <a:rPr lang="it-IT" dirty="0" err="1">
-                <a:solidFill>
-                  <a:schemeClr val="bg1"/>
-                </a:solidFill>
-              </a:rPr>
-              <a:t>thttpd</a:t>
-            </a:r>
-            <a:r>
-              <a:rPr lang="it-IT" dirty="0">
-                <a:solidFill>
-                  <a:schemeClr val="bg1"/>
-                </a:solidFill>
-              </a:rPr>
-              <a:t> ascolta sulla porta 1616</a:t>
+              <a:rPr lang="it-IT" sz="1600" dirty="0" err="1">
+                <a:solidFill>
+                  <a:schemeClr val="bg1"/>
+                </a:solidFill>
+              </a:rPr>
+              <a:t>nochroot</a:t>
+            </a:r>
+            <a:r>
+              <a:rPr lang="it-IT" sz="1600" dirty="0">
+                <a:solidFill>
+                  <a:schemeClr val="bg1"/>
+                </a:solidFill>
+              </a:rPr>
+              <a:t>: il server Web “vede” l’intero file system </a:t>
+            </a:r>
+            <a:r>
+              <a:rPr lang="it-IT" sz="1600" dirty="0" err="1">
+                <a:solidFill>
+                  <a:schemeClr val="bg1"/>
+                </a:solidFill>
+              </a:rPr>
+              <a:t>dell’host</a:t>
+            </a:r>
+            <a:r>
+              <a:rPr lang="it-IT" sz="1600" dirty="0">
+                <a:solidFill>
+                  <a:schemeClr val="bg1"/>
+                </a:solidFill>
+              </a:rPr>
+              <a:t> </a:t>
             </a:r>
           </a:p>
           <a:p>
@@ -29066,184 +29249,13 @@
               <a:buChar char="•"/>
             </a:pPr>
             <a:r>
-              <a:rPr lang="it-IT" dirty="0">
-                <a:solidFill>
-                  <a:schemeClr val="bg1"/>
-                </a:solidFill>
-              </a:rPr>
-              <a:t>dir = /home/flag16: la directory radice del server Web è /home/flag16</a:t>
-            </a:r>
-          </a:p>
-          <a:p>
-            <a:pPr marL="285750" indent="-285750">
-              <a:buFont typeface="Arial" panose="020B0604020202020204" pitchFamily="34" charset="0"/>
-              <a:buChar char="•"/>
-            </a:pPr>
-            <a:r>
-              <a:rPr lang="it-IT" dirty="0" err="1">
-                <a:solidFill>
-                  <a:schemeClr val="bg1"/>
-                </a:solidFill>
-              </a:rPr>
-              <a:t>nochroot</a:t>
-            </a:r>
-            <a:r>
-              <a:rPr lang="it-IT" dirty="0">
-                <a:solidFill>
-                  <a:schemeClr val="bg1"/>
-                </a:solidFill>
-              </a:rPr>
-              <a:t>: il server Web “vede” l’intero file system </a:t>
-            </a:r>
-            <a:r>
-              <a:rPr lang="it-IT" dirty="0" err="1">
-                <a:solidFill>
-                  <a:schemeClr val="bg1"/>
-                </a:solidFill>
-              </a:rPr>
-              <a:t>dell’host</a:t>
-            </a:r>
-            <a:r>
-              <a:rPr lang="it-IT" dirty="0">
-                <a:solidFill>
-                  <a:schemeClr val="bg1"/>
-                </a:solidFill>
-              </a:rPr>
-              <a:t> </a:t>
-            </a:r>
-          </a:p>
-          <a:p>
-            <a:pPr marL="285750" indent="-285750">
-              <a:buFont typeface="Arial" panose="020B0604020202020204" pitchFamily="34" charset="0"/>
-              <a:buChar char="•"/>
-            </a:pPr>
-            <a:r>
-              <a:rPr lang="it-IT" dirty="0">
+              <a:rPr lang="it-IT" sz="1600" dirty="0">
                 <a:solidFill>
                   <a:schemeClr val="bg1"/>
                 </a:solidFill>
               </a:rPr>
               <a:t>user = flag16: il server Web esegue con i diritti dell’utente flag16</a:t>
             </a:r>
-          </a:p>
-          <a:p>
-            <a:pPr marL="285750" indent="-285750">
-              <a:buFont typeface="Arial" panose="020B0604020202020204" pitchFamily="34" charset="0"/>
-              <a:buChar char="•"/>
-            </a:pPr>
-            <a:endParaRPr lang="it-IT" dirty="0">
-              <a:solidFill>
-                <a:schemeClr val="bg1"/>
-              </a:solidFill>
-            </a:endParaRPr>
-          </a:p>
-        </p:txBody>
-      </p:sp>
-      <p:sp>
-        <p:nvSpPr>
-          <p:cNvPr id="5" name="CasellaDiTesto 4">
-            <a:extLst>
-              <a:ext uri="{FF2B5EF4-FFF2-40B4-BE49-F238E27FC236}">
-                <a16:creationId xmlns:a16="http://schemas.microsoft.com/office/drawing/2014/main" id="{ABC97DB7-349A-1911-A4A3-960A2074765A}"/>
-              </a:ext>
-            </a:extLst>
-          </p:cNvPr>
-          <p:cNvSpPr txBox="1"/>
-          <p:nvPr/>
-        </p:nvSpPr>
-        <p:spPr>
-          <a:xfrm>
-            <a:off x="180479" y="765495"/>
-            <a:ext cx="11831041" cy="1200329"/>
-          </a:xfrm>
-          <a:prstGeom prst="rect">
-            <a:avLst/>
-          </a:prstGeom>
-          <a:noFill/>
-        </p:spPr>
-        <p:txBody>
-          <a:bodyPr wrap="square">
-            <a:spAutoFit/>
-          </a:bodyPr>
-          <a:lstStyle/>
-          <a:p>
-            <a:r>
-              <a:rPr lang="it-IT" dirty="0">
-                <a:solidFill>
-                  <a:schemeClr val="bg1"/>
-                </a:solidFill>
-              </a:rPr>
-              <a:t>Per questo motivo, è utile analizzare il file di configurazione </a:t>
-            </a:r>
-            <a:r>
-              <a:rPr lang="it-IT" dirty="0" err="1">
-                <a:solidFill>
-                  <a:schemeClr val="bg1"/>
-                </a:solidFill>
-              </a:rPr>
-              <a:t>thttpd.conf</a:t>
-            </a:r>
-            <a:r>
-              <a:rPr lang="it-IT" dirty="0">
-                <a:solidFill>
-                  <a:schemeClr val="bg1"/>
-                </a:solidFill>
-              </a:rPr>
-              <a:t>, presente nella directory accessibile /home/flag16/.</a:t>
-            </a:r>
-          </a:p>
-          <a:p>
-            <a:r>
-              <a:rPr lang="it-IT" dirty="0">
-                <a:solidFill>
-                  <a:schemeClr val="bg1"/>
-                </a:solidFill>
-              </a:rPr>
-              <a:t>Il file </a:t>
-            </a:r>
-            <a:r>
-              <a:rPr lang="it-IT" dirty="0" err="1">
-                <a:solidFill>
-                  <a:schemeClr val="bg1"/>
-                </a:solidFill>
-              </a:rPr>
-              <a:t>thttpd.conf</a:t>
-            </a:r>
-            <a:r>
-              <a:rPr lang="it-IT" dirty="0">
-                <a:solidFill>
-                  <a:schemeClr val="bg1"/>
-                </a:solidFill>
-              </a:rPr>
-              <a:t> è leggibile da tutti gli utenti e modificabile solo da root </a:t>
-            </a:r>
-          </a:p>
-          <a:p>
-            <a:r>
-              <a:rPr lang="it-IT" dirty="0">
-                <a:solidFill>
-                  <a:schemeClr val="bg1"/>
-                </a:solidFill>
-              </a:rPr>
-              <a:t>Identifica il server Web con il quale viene eseguito </a:t>
-            </a:r>
-            <a:r>
-              <a:rPr lang="it-IT" dirty="0" err="1">
-                <a:solidFill>
-                  <a:schemeClr val="bg1"/>
-                </a:solidFill>
-              </a:rPr>
-              <a:t>index.cgi</a:t>
-            </a:r>
-            <a:r>
-              <a:rPr lang="it-IT" dirty="0">
-                <a:solidFill>
-                  <a:schemeClr val="bg1"/>
-                </a:solidFill>
-              </a:rPr>
-              <a:t>.</a:t>
-            </a:r>
-            <a:endParaRPr lang="it-IT" dirty="0"/>
           </a:p>
         </p:txBody>
       </p:sp>

--- a/Presentazione Nebula16.pptx
+++ b/Presentazione Nebula16.pptx
@@ -22681,6 +22681,24 @@
               <a:t>Giorgio Siniscalchi </a:t>
             </a:r>
             <a:r>
+              <a:rPr lang="it-IT" dirty="0" err="1">
+                <a:solidFill>
+                  <a:schemeClr val="bg1"/>
+                </a:solidFill>
+                <a:latin typeface="+mj-lt"/>
+              </a:rPr>
+              <a:t>mat</a:t>
+            </a:r>
+            <a:r>
+              <a:rPr lang="it-IT" dirty="0">
+                <a:solidFill>
+                  <a:schemeClr val="bg1"/>
+                </a:solidFill>
+                <a:latin typeface="+mj-lt"/>
+              </a:rPr>
+              <a:t>. </a:t>
+            </a:r>
+            <a:r>
               <a:rPr lang="it-IT" b="0" i="0" dirty="0">
                 <a:solidFill>
                   <a:schemeClr val="bg1"/>
@@ -37026,8 +37044,8 @@
         </p:nvSpPr>
         <p:spPr>
           <a:xfrm>
-            <a:off x="835831" y="3236976"/>
-            <a:ext cx="3580721" cy="1200329"/>
+            <a:off x="716437" y="2960016"/>
+            <a:ext cx="7268066" cy="1015663"/>
           </a:xfrm>
           <a:prstGeom prst="rect">
             <a:avLst/>
@@ -37040,8 +37058,12 @@
           </a:bodyPr>
           <a:lstStyle/>
           <a:p>
-            <a:r>
-              <a:rPr lang="it-IT" dirty="0">
+            <a:pPr marL="285750" indent="-285750">
+              <a:buFont typeface="Arial" panose="020B0604020202020204" pitchFamily="34" charset="0"/>
+              <a:buChar char="•"/>
+            </a:pPr>
+            <a:r>
+              <a:rPr lang="it-IT" sz="2000" dirty="0">
                 <a:solidFill>
                   <a:schemeClr val="bg1"/>
                 </a:solidFill>
@@ -37049,7 +37071,7 @@
               <a:t>Il Web server </a:t>
             </a:r>
             <a:r>
-              <a:rPr lang="it-IT" b="1" dirty="0" err="1">
+              <a:rPr lang="it-IT" sz="2000" b="1" dirty="0" err="1">
                 <a:solidFill>
                   <a:schemeClr val="bg1"/>
                 </a:solidFill>
@@ -37057,7 +37079,7 @@
               <a:t>thttpd</a:t>
             </a:r>
             <a:r>
-              <a:rPr lang="it-IT" dirty="0">
+              <a:rPr lang="it-IT" sz="2000" dirty="0">
                 <a:solidFill>
                   <a:schemeClr val="bg1"/>
                 </a:solidFill>
@@ -37065,7 +37087,7 @@
               <a:t> opera con privilegi di esecuzione superiori al necessario, utilizzando l'account "privilegiato" </a:t>
             </a:r>
             <a:r>
-              <a:rPr lang="it-IT" b="1" dirty="0">
+              <a:rPr lang="it-IT" sz="2000" b="1" dirty="0">
                 <a:solidFill>
                   <a:schemeClr val="bg1"/>
                 </a:solidFill>
@@ -37073,12 +37095,103 @@
               <a:t>flag16</a:t>
             </a:r>
             <a:r>
-              <a:rPr lang="it-IT" dirty="0">
+              <a:rPr lang="it-IT" sz="2000" dirty="0">
                 <a:solidFill>
                   <a:schemeClr val="bg1"/>
                 </a:solidFill>
               </a:rPr>
               <a:t>.</a:t>
+            </a:r>
+          </a:p>
+        </p:txBody>
+      </p:sp>
+      <p:sp>
+        <p:nvSpPr>
+          <p:cNvPr id="3" name="CasellaDiTesto 2">
+            <a:extLst>
+              <a:ext uri="{FF2B5EF4-FFF2-40B4-BE49-F238E27FC236}">
+                <a16:creationId xmlns:a16="http://schemas.microsoft.com/office/drawing/2014/main" id="{8FA1EF19-E072-3940-14C8-829F345E935A}"/>
+              </a:ext>
+            </a:extLst>
+          </p:cNvPr>
+          <p:cNvSpPr txBox="1"/>
+          <p:nvPr/>
+        </p:nvSpPr>
+        <p:spPr>
+          <a:xfrm>
+            <a:off x="716437" y="4188924"/>
+            <a:ext cx="7268066" cy="707886"/>
+          </a:xfrm>
+          <a:prstGeom prst="rect">
+            <a:avLst/>
+          </a:prstGeom>
+          <a:noFill/>
+        </p:spPr>
+        <p:txBody>
+          <a:bodyPr wrap="square" rtlCol="0">
+            <a:spAutoFit/>
+          </a:bodyPr>
+          <a:lstStyle/>
+          <a:p>
+            <a:pPr marL="285750" indent="-285750">
+              <a:buFont typeface="Arial" panose="020B0604020202020204" pitchFamily="34" charset="0"/>
+              <a:buChar char="•"/>
+            </a:pPr>
+            <a:r>
+              <a:rPr lang="it-IT" sz="2000" dirty="0">
+                <a:solidFill>
+                  <a:schemeClr val="bg1"/>
+                </a:solidFill>
+              </a:rPr>
+              <a:t>CWE di riferimento: CWE-250 </a:t>
+            </a:r>
+            <a:r>
+              <a:rPr lang="it-IT" sz="2000" dirty="0" err="1">
+                <a:solidFill>
+                  <a:schemeClr val="bg1"/>
+                </a:solidFill>
+              </a:rPr>
+              <a:t>Execution</a:t>
+            </a:r>
+            <a:r>
+              <a:rPr lang="it-IT" sz="2000" dirty="0">
+                <a:solidFill>
+                  <a:schemeClr val="bg1"/>
+                </a:solidFill>
+              </a:rPr>
+              <a:t> with </a:t>
+            </a:r>
+            <a:r>
+              <a:rPr lang="it-IT" sz="2000" dirty="0" err="1">
+                <a:solidFill>
+                  <a:schemeClr val="bg1"/>
+                </a:solidFill>
+              </a:rPr>
+              <a:t>Unnecessary</a:t>
+            </a:r>
+            <a:r>
+              <a:rPr lang="it-IT" sz="2000" dirty="0">
+                <a:solidFill>
+                  <a:schemeClr val="bg1"/>
+                </a:solidFill>
+              </a:rPr>
+              <a:t> </a:t>
+            </a:r>
+            <a:r>
+              <a:rPr lang="it-IT" sz="2000" dirty="0" err="1">
+                <a:solidFill>
+                  <a:schemeClr val="bg1"/>
+                </a:solidFill>
+              </a:rPr>
+              <a:t>Privileges</a:t>
+            </a:r>
+            <a:r>
+              <a:rPr lang="it-IT" sz="2000" dirty="0">
+                <a:solidFill>
+                  <a:schemeClr val="bg1"/>
+                </a:solidFill>
+              </a:rPr>
+              <a:t> https://cwe.mitre.org/data/definitions/250.html</a:t>
             </a:r>
           </a:p>
         </p:txBody>
@@ -38796,7 +38909,7 @@
         </p:nvSpPr>
         <p:spPr>
           <a:xfrm>
-            <a:off x="835831" y="3236976"/>
+            <a:off x="932721" y="3097697"/>
             <a:ext cx="3580721" cy="2585323"/>
           </a:xfrm>
           <a:prstGeom prst="rect">
@@ -38838,7 +38951,7 @@
                   </a:schemeClr>
                 </a:solidFill>
               </a:rPr>
-              <a:t> affinché venga eseguito con i privilegi di un utente con minori permessi, ad esempio level16 invece di flag16.Prima di procedere, verifichiamo che il file /home/flag16/</a:t>
+              <a:t> affinché venga eseguito con i privilegi di un utente con minori permessi, ad esempio level16 invece di flag16. Prima di procedere, verifichiamo che il file /home/flag16/</a:t>
             </a:r>
             <a:r>
               <a:rPr lang="it-IT" dirty="0" err="1">
@@ -38891,7 +39004,7 @@
         </p:blipFill>
         <p:spPr>
           <a:xfrm>
-            <a:off x="5245345" y="4633420"/>
+            <a:off x="5287734" y="3985468"/>
             <a:ext cx="5803900" cy="691035"/>
           </a:xfrm>
           <a:prstGeom prst="rect">
@@ -39018,8 +39131,8 @@
         </p:nvSpPr>
         <p:spPr>
           <a:xfrm>
-            <a:off x="835831" y="3236976"/>
-            <a:ext cx="4875158" cy="2308324"/>
+            <a:off x="355599" y="3220641"/>
+            <a:ext cx="5355389" cy="2862322"/>
           </a:xfrm>
           <a:prstGeom prst="rect">
             <a:avLst/>
@@ -39035,33 +39148,24 @@
             <a:pPr>
               <a:buNone/>
             </a:pPr>
-            <a:r>
-              <a:rPr lang="it-IT" dirty="0">
-                <a:solidFill>
-                  <a:schemeClr val="bg1"/>
-                </a:solidFill>
-              </a:rPr>
-              <a:t>Creiamo una nuova configurazione all'interno della home directory dell'utente </a:t>
-            </a:r>
-            <a:r>
-              <a:rPr lang="it-IT" b="1" dirty="0">
-                <a:solidFill>
-                  <a:schemeClr val="bg1"/>
-                </a:solidFill>
-              </a:rPr>
-              <a:t>level16</a:t>
-            </a:r>
-            <a:r>
-              <a:rPr lang="it-IT" dirty="0">
-                <a:solidFill>
-                  <a:schemeClr val="bg1"/>
-                </a:solidFill>
-              </a:rPr>
-              <a:t>:</a:t>
-            </a:r>
+            <a:endParaRPr lang="it-IT" dirty="0">
+              <a:solidFill>
+                <a:schemeClr val="bg1"/>
+              </a:solidFill>
+            </a:endParaRPr>
           </a:p>
           <a:p>
             <a:pPr>
+              <a:buNone/>
+            </a:pPr>
+            <a:endParaRPr lang="it-IT" dirty="0">
+              <a:solidFill>
+                <a:schemeClr val="bg1"/>
+              </a:solidFill>
+            </a:endParaRPr>
+          </a:p>
+          <a:p>
+            <a:pPr marL="285750" indent="-285750">
               <a:buFont typeface="Arial" panose="020B0604020202020204" pitchFamily="34" charset="0"/>
               <a:buChar char="•"/>
             </a:pPr>
@@ -39091,10 +39195,21 @@
             </a:r>
           </a:p>
           <a:p>
-            <a:pPr>
+            <a:pPr marL="285750" indent="-285750">
               <a:buFont typeface="Arial" panose="020B0604020202020204" pitchFamily="34" charset="0"/>
               <a:buChar char="•"/>
             </a:pPr>
+            <a:endParaRPr lang="it-IT" dirty="0">
+              <a:solidFill>
+                <a:schemeClr val="bg1"/>
+              </a:solidFill>
+            </a:endParaRPr>
+          </a:p>
+          <a:p>
+            <a:pPr marL="285750" indent="-285750">
+              <a:buFont typeface="Arial" panose="020B0604020202020204" pitchFamily="34" charset="0"/>
+              <a:buChar char="•"/>
+            </a:pPr>
             <a:r>
               <a:rPr lang="it-IT" dirty="0">
                 <a:solidFill>
@@ -39127,17 +39242,20 @@
               </a:rPr>
               <a:t>level16</a:t>
             </a:r>
-            <a:r>
-              <a:rPr lang="it-IT" dirty="0">
-                <a:solidFill>
-                  <a:schemeClr val="bg1"/>
-                </a:solidFill>
-              </a:rPr>
-              <a:t>.</a:t>
-            </a:r>
-          </a:p>
-          <a:p>
-            <a:pPr>
+          </a:p>
+          <a:p>
+            <a:pPr marL="285750" indent="-285750">
+              <a:buFont typeface="Arial" panose="020B0604020202020204" pitchFamily="34" charset="0"/>
+              <a:buChar char="•"/>
+            </a:pPr>
+            <a:endParaRPr lang="it-IT" b="1" dirty="0">
+              <a:solidFill>
+                <a:schemeClr val="bg1"/>
+              </a:solidFill>
+            </a:endParaRPr>
+          </a:p>
+          <a:p>
+            <a:pPr marL="285750" indent="-285750">
               <a:buFont typeface="Arial" panose="020B0604020202020204" pitchFamily="34" charset="0"/>
               <a:buChar char="•"/>
             </a:pPr>
@@ -39166,13 +39284,13 @@
         </p:nvCxnSpPr>
         <p:spPr>
           <a:xfrm>
-            <a:off x="5471160" y="3992880"/>
+            <a:off x="5341620" y="4002307"/>
             <a:ext cx="1508760" cy="0"/>
           </a:xfrm>
           <a:prstGeom prst="straightConnector1">
             <a:avLst/>
           </a:prstGeom>
-          <a:ln>
+          <a:ln w="28575">
             <a:solidFill>
               <a:schemeClr val="bg1"/>
             </a:solidFill>
@@ -39208,13 +39326,13 @@
         </p:nvCxnSpPr>
         <p:spPr>
           <a:xfrm>
-            <a:off x="5501640" y="4541520"/>
+            <a:off x="5586481" y="4833751"/>
             <a:ext cx="1508760" cy="0"/>
           </a:xfrm>
           <a:prstGeom prst="straightConnector1">
             <a:avLst/>
           </a:prstGeom>
-          <a:ln>
+          <a:ln w="28575">
             <a:solidFill>
               <a:schemeClr val="bg1"/>
             </a:solidFill>
@@ -39245,18 +39363,20 @@
               </a:ext>
             </a:extLst>
           </p:cNvPr>
-          <p:cNvCxnSpPr/>
+          <p:cNvCxnSpPr>
+            <a:cxnSpLocks/>
+          </p:cNvCxnSpPr>
           <p:nvPr/>
         </p:nvCxnSpPr>
         <p:spPr>
           <a:xfrm>
-            <a:off x="5710989" y="5257800"/>
-            <a:ext cx="1508760" cy="0"/>
+            <a:off x="5471160" y="5606592"/>
+            <a:ext cx="1853467" cy="0"/>
           </a:xfrm>
           <a:prstGeom prst="straightConnector1">
             <a:avLst/>
           </a:prstGeom>
-          <a:ln>
+          <a:ln w="28575">
             <a:solidFill>
               <a:schemeClr val="bg1"/>
             </a:solidFill>
@@ -39316,7 +39436,7 @@
               <a:buNone/>
             </a:pPr>
             <a:r>
-              <a:rPr lang="it-IT" sz="1800" dirty="0" err="1">
+              <a:rPr lang="it-IT" sz="1800" dirty="0">
                 <a:solidFill>
                   <a:srgbClr val="FFFFFF"/>
                 </a:solidFill>
@@ -39324,18 +39444,7 @@
                 <a:cs typeface="Roboto Condensed Light"/>
                 <a:sym typeface="Roboto Condensed Light"/>
               </a:rPr>
-              <a:t>user:nebula</a:t>
-            </a:r>
-            <a:r>
-              <a:rPr lang="it-IT" sz="1800" dirty="0">
-                <a:solidFill>
-                  <a:srgbClr val="FFFFFF"/>
-                </a:solidFill>
-                <a:ea typeface="Roboto Condensed Light"/>
-                <a:cs typeface="Roboto Condensed Light"/>
-                <a:sym typeface="Roboto Condensed Light"/>
-              </a:rPr>
-              <a:t> &amp; pass=nebula</a:t>
+              <a:t>User : nebula &amp; pass=nebula</a:t>
             </a:r>
           </a:p>
         </p:txBody>
@@ -39354,8 +39463,8 @@
         </p:nvSpPr>
         <p:spPr>
           <a:xfrm>
-            <a:off x="7010399" y="4323970"/>
-            <a:ext cx="4345769" cy="646331"/>
+            <a:off x="7142501" y="4599491"/>
+            <a:ext cx="5223632" cy="369332"/>
           </a:xfrm>
           <a:prstGeom prst="rect">
             <a:avLst/>
@@ -39427,7 +39536,7 @@
         </p:nvSpPr>
         <p:spPr>
           <a:xfrm>
-            <a:off x="7219749" y="5067300"/>
+            <a:off x="7445992" y="5277328"/>
             <a:ext cx="4616651" cy="923330"/>
           </a:xfrm>
           <a:prstGeom prst="rect">
@@ -39502,6 +39611,64 @@
                 <a:schemeClr val="bg1"/>
               </a:solidFill>
             </a:endParaRPr>
+          </a:p>
+        </p:txBody>
+      </p:sp>
+      <p:sp>
+        <p:nvSpPr>
+          <p:cNvPr id="3" name="CasellaDiTesto 2">
+            <a:extLst>
+              <a:ext uri="{FF2B5EF4-FFF2-40B4-BE49-F238E27FC236}">
+                <a16:creationId xmlns:a16="http://schemas.microsoft.com/office/drawing/2014/main" id="{9A706848-4049-C80B-7A2A-613FF2576CB1}"/>
+              </a:ext>
+            </a:extLst>
+          </p:cNvPr>
+          <p:cNvSpPr txBox="1"/>
+          <p:nvPr/>
+        </p:nvSpPr>
+        <p:spPr>
+          <a:xfrm>
+            <a:off x="1310326" y="2843725"/>
+            <a:ext cx="9104690" cy="369332"/>
+          </a:xfrm>
+          <a:prstGeom prst="rect">
+            <a:avLst/>
+          </a:prstGeom>
+          <a:noFill/>
+        </p:spPr>
+        <p:txBody>
+          <a:bodyPr wrap="square" rtlCol="0">
+            <a:spAutoFit/>
+          </a:bodyPr>
+          <a:lstStyle/>
+          <a:p>
+            <a:pPr>
+              <a:buNone/>
+            </a:pPr>
+            <a:r>
+              <a:rPr lang="it-IT" dirty="0">
+                <a:solidFill>
+                  <a:schemeClr val="bg1"/>
+                </a:solidFill>
+              </a:rPr>
+              <a:t>Creiamo una nuova configurazione all'interno della home directory dell'utente </a:t>
+            </a:r>
+            <a:r>
+              <a:rPr lang="it-IT" b="1" dirty="0">
+                <a:solidFill>
+                  <a:schemeClr val="bg1"/>
+                </a:solidFill>
+              </a:rPr>
+              <a:t>level16</a:t>
+            </a:r>
+            <a:r>
+              <a:rPr lang="it-IT" dirty="0">
+                <a:solidFill>
+                  <a:schemeClr val="bg1"/>
+                </a:solidFill>
+              </a:rPr>
+              <a:t>:</a:t>
+            </a:r>
           </a:p>
         </p:txBody>
       </p:sp>
@@ -39624,8 +39791,8 @@
         </p:nvSpPr>
         <p:spPr>
           <a:xfrm>
-            <a:off x="835831" y="3236976"/>
-            <a:ext cx="4875158" cy="2585323"/>
+            <a:off x="463256" y="2960911"/>
+            <a:ext cx="4993665" cy="3416320"/>
           </a:xfrm>
           <a:prstGeom prst="rect">
             <a:avLst/>
@@ -39688,6 +39855,17 @@
             <a:pPr>
               <a:buNone/>
             </a:pPr>
+            <a:endParaRPr lang="it-IT" dirty="0">
+              <a:solidFill>
+                <a:schemeClr val="bg1"/>
+              </a:solidFill>
+            </a:endParaRPr>
+          </a:p>
+          <a:p>
+            <a:pPr marL="285750" indent="-285750">
+              <a:buFont typeface="Arial" panose="020B0604020202020204" pitchFamily="34" charset="0"/>
+              <a:buChar char="•"/>
+            </a:pPr>
             <a:r>
               <a:rPr lang="it-IT" dirty="0">
                 <a:solidFill>
@@ -39698,8 +39876,9 @@
             </a:r>
           </a:p>
           <a:p>
-            <a:pPr>
-              <a:buNone/>
+            <a:pPr marL="285750" indent="-285750">
+              <a:buFont typeface="Arial" panose="020B0604020202020204" pitchFamily="34" charset="0"/>
+              <a:buChar char="•"/>
             </a:pPr>
             <a:endParaRPr lang="it-IT" dirty="0">
               <a:solidFill>
@@ -39708,8 +39887,9 @@
             </a:endParaRPr>
           </a:p>
           <a:p>
-            <a:pPr>
-              <a:buNone/>
+            <a:pPr marL="285750" indent="-285750">
+              <a:buFont typeface="Arial" panose="020B0604020202020204" pitchFamily="34" charset="0"/>
+              <a:buChar char="•"/>
             </a:pPr>
             <a:r>
               <a:rPr lang="it-IT" dirty="0">
@@ -39721,8 +39901,9 @@
             </a:r>
           </a:p>
           <a:p>
-            <a:pPr>
-              <a:buNone/>
+            <a:pPr marL="285750" indent="-285750">
+              <a:buFont typeface="Arial" panose="020B0604020202020204" pitchFamily="34" charset="0"/>
+              <a:buChar char="•"/>
             </a:pPr>
             <a:endParaRPr lang="it-IT" dirty="0">
               <a:solidFill>
@@ -39731,8 +39912,9 @@
             </a:endParaRPr>
           </a:p>
           <a:p>
-            <a:pPr>
-              <a:buNone/>
+            <a:pPr marL="285750" indent="-285750">
+              <a:buFont typeface="Arial" panose="020B0604020202020204" pitchFamily="34" charset="0"/>
+              <a:buChar char="•"/>
             </a:pPr>
             <a:r>
               <a:rPr lang="it-IT" dirty="0">
@@ -39761,13 +39943,13 @@
         </p:nvCxnSpPr>
         <p:spPr>
           <a:xfrm flipV="1">
-            <a:off x="5591075" y="825500"/>
-            <a:ext cx="830602" cy="2639624"/>
+            <a:off x="4732256" y="1480008"/>
+            <a:ext cx="1800519" cy="2611225"/>
           </a:xfrm>
           <a:prstGeom prst="straightConnector1">
             <a:avLst/>
           </a:prstGeom>
-          <a:ln>
+          <a:ln w="28575">
             <a:solidFill>
               <a:schemeClr val="bg1"/>
             </a:solidFill>
@@ -39805,13 +39987,13 @@
         </p:nvCxnSpPr>
         <p:spPr>
           <a:xfrm flipV="1">
-            <a:off x="5501639" y="1275587"/>
-            <a:ext cx="920038" cy="2935733"/>
+            <a:off x="4903832" y="1999137"/>
+            <a:ext cx="1628943" cy="3190421"/>
           </a:xfrm>
           <a:prstGeom prst="straightConnector1">
             <a:avLst/>
           </a:prstGeom>
-          <a:ln>
+          <a:ln w="28575">
             <a:solidFill>
               <a:schemeClr val="bg1"/>
             </a:solidFill>
@@ -39844,19 +40026,18 @@
           </p:cNvPr>
           <p:cNvCxnSpPr>
             <a:cxnSpLocks/>
-            <a:endCxn id="23" idx="1"/>
           </p:cNvCxnSpPr>
           <p:nvPr/>
         </p:nvCxnSpPr>
         <p:spPr>
           <a:xfrm flipV="1">
-            <a:off x="5140492" y="4959794"/>
-            <a:ext cx="2836057" cy="539306"/>
+            <a:off x="5363851" y="4858863"/>
+            <a:ext cx="1772240" cy="1098325"/>
           </a:xfrm>
           <a:prstGeom prst="straightConnector1">
             <a:avLst/>
           </a:prstGeom>
-          <a:ln>
+          <a:ln w="28575">
             <a:solidFill>
               <a:schemeClr val="bg1"/>
             </a:solidFill>
@@ -39900,14 +40081,13 @@
               </a:ext>
             </a:extLst>
           </a:blip>
-          <a:stretch>
-            <a:fillRect/>
-          </a:stretch>
+          <a:srcRect l="553" t="1990" r="-553" b="45537"/>
+          <a:stretch/>
         </p:blipFill>
         <p:spPr>
           <a:xfrm>
-            <a:off x="6421677" y="58055"/>
-            <a:ext cx="3237431" cy="3662012"/>
+            <a:off x="6704351" y="383161"/>
+            <a:ext cx="4409873" cy="2617476"/>
           </a:xfrm>
           <a:prstGeom prst="rect">
             <a:avLst/>
@@ -39936,14 +40116,13 @@
               </a:ext>
             </a:extLst>
           </a:blip>
-          <a:stretch>
-            <a:fillRect/>
-          </a:stretch>
+          <a:srcRect t="15764" b="27056"/>
+          <a:stretch/>
         </p:blipFill>
         <p:spPr>
           <a:xfrm>
-            <a:off x="7976549" y="3236976"/>
-            <a:ext cx="3810339" cy="3445635"/>
+            <a:off x="7343480" y="3384452"/>
+            <a:ext cx="4666767" cy="2413034"/>
           </a:xfrm>
           <a:prstGeom prst="rect">
             <a:avLst/>
@@ -40035,7 +40214,7 @@
         </p:nvSpPr>
         <p:spPr>
           <a:xfrm>
-            <a:off x="835831" y="173735"/>
+            <a:off x="896546" y="428281"/>
             <a:ext cx="4409514" cy="2203704"/>
           </a:xfrm>
         </p:spPr>
@@ -40049,7 +40228,7 @@
           <a:p>
             <a:pPr rtl="0"/>
             <a:r>
-              <a:rPr lang="it-IT" dirty="0"/>
+              <a:rPr lang="it-IT" sz="3600" dirty="0"/>
               <a:t>Mitigazione 1</a:t>
             </a:r>
           </a:p>
@@ -40069,8 +40248,8 @@
         </p:nvSpPr>
         <p:spPr>
           <a:xfrm>
-            <a:off x="721531" y="2713947"/>
-            <a:ext cx="4875158" cy="3970318"/>
+            <a:off x="502023" y="2790419"/>
+            <a:ext cx="4875158" cy="3170099"/>
           </a:xfrm>
           <a:prstGeom prst="rect">
             <a:avLst/>
@@ -40083,17 +40262,18 @@
           </a:bodyPr>
           <a:lstStyle/>
           <a:p>
-            <a:pPr marL="0" lvl="0" indent="0" algn="ctr" rtl="0">
+            <a:pPr marL="342900" lvl="0" indent="-342900" rtl="0">
               <a:spcBef>
                 <a:spcPts val="0"/>
               </a:spcBef>
               <a:spcAft>
                 <a:spcPts val="0"/>
               </a:spcAft>
-              <a:buNone/>
+              <a:buFont typeface="Arial" panose="020B0604020202020204" pitchFamily="34" charset="0"/>
+              <a:buChar char="•"/>
             </a:pPr>
             <a:r>
-              <a:rPr lang="it-IT" sz="1800" dirty="0">
+              <a:rPr lang="it-IT" sz="2000" dirty="0">
                 <a:solidFill>
                   <a:srgbClr val="FFFFFF"/>
                 </a:solidFill>
@@ -40104,7 +40284,7 @@
               <a:t>Copiamo /home/flag16/</a:t>
             </a:r>
             <a:r>
-              <a:rPr lang="it-IT" sz="1800" dirty="0" err="1">
+              <a:rPr lang="it-IT" sz="2000" dirty="0" err="1">
                 <a:solidFill>
                   <a:srgbClr val="FFFFFF"/>
                 </a:solidFill>
@@ -40115,7 +40295,7 @@
               <a:t>index.cgi</a:t>
             </a:r>
             <a:r>
-              <a:rPr lang="it-IT" sz="1800" dirty="0">
+              <a:rPr lang="it-IT" sz="2000" dirty="0">
                 <a:solidFill>
                   <a:srgbClr val="FFFFFF"/>
                 </a:solidFill>
@@ -40123,20 +40303,21 @@
                 <a:cs typeface="Roboto Condensed Light"/>
                 <a:sym typeface="Roboto Condensed Light"/>
               </a:rPr>
-              <a:t> nella home directory di level16:</a:t>
-            </a:r>
-          </a:p>
-          <a:p>
-            <a:pPr marL="0" lvl="0" indent="0" algn="ctr" rtl="0">
+              <a:t> nella home directory di level16</a:t>
+            </a:r>
+          </a:p>
+          <a:p>
+            <a:pPr marL="342900" lvl="0" indent="-342900" rtl="0">
               <a:spcBef>
                 <a:spcPts val="0"/>
               </a:spcBef>
               <a:spcAft>
                 <a:spcPts val="0"/>
               </a:spcAft>
-              <a:buNone/>
+              <a:buFont typeface="Arial" panose="020B0604020202020204" pitchFamily="34" charset="0"/>
+              <a:buChar char="•"/>
             </a:pPr>
-            <a:endParaRPr lang="it-IT" sz="1800" dirty="0">
+            <a:endParaRPr lang="it-IT" sz="2000" dirty="0">
               <a:solidFill>
                 <a:srgbClr val="FFFFFF"/>
               </a:solidFill>
@@ -40146,16 +40327,17 @@
             </a:endParaRPr>
           </a:p>
           <a:p>
-            <a:pPr marL="0" lvl="0" indent="0" algn="ctr" rtl="0">
+            <a:pPr marL="342900" lvl="0" indent="-342900" rtl="0">
               <a:spcBef>
                 <a:spcPts val="0"/>
               </a:spcBef>
               <a:spcAft>
                 <a:spcPts val="0"/>
               </a:spcAft>
-              <a:buNone/>
+              <a:buFont typeface="Arial" panose="020B0604020202020204" pitchFamily="34" charset="0"/>
+              <a:buChar char="•"/>
             </a:pPr>
-            <a:endParaRPr lang="it-IT" sz="1800" dirty="0">
+            <a:endParaRPr lang="it-IT" sz="2000" dirty="0">
               <a:solidFill>
                 <a:srgbClr val="FFFFFF"/>
               </a:solidFill>
@@ -40165,16 +40347,38 @@
             </a:endParaRPr>
           </a:p>
           <a:p>
-            <a:pPr marL="0" lvl="0" indent="0" algn="ctr" rtl="0">
+            <a:pPr marL="342900" lvl="0" indent="-342900" rtl="0">
               <a:spcBef>
                 <a:spcPts val="0"/>
               </a:spcBef>
               <a:spcAft>
                 <a:spcPts val="0"/>
               </a:spcAft>
-              <a:buNone/>
+              <a:buFont typeface="Arial" panose="020B0604020202020204" pitchFamily="34" charset="0"/>
+              <a:buChar char="•"/>
             </a:pPr>
-            <a:endParaRPr lang="it-IT" sz="1800" dirty="0">
+            <a:r>
+              <a:rPr lang="it-IT" sz="2000" dirty="0">
+                <a:solidFill>
+                  <a:srgbClr val="FFFFFF"/>
+                </a:solidFill>
+                <a:ea typeface="Roboto Condensed Light"/>
+                <a:cs typeface="Roboto Condensed Light"/>
+                <a:sym typeface="Roboto Condensed Light"/>
+              </a:rPr>
+              <a:t> Aggiorniamo i permessi dello script </a:t>
+            </a:r>
+          </a:p>
+          <a:p>
+            <a:pPr lvl="0" rtl="0">
+              <a:spcBef>
+                <a:spcPts val="0"/>
+              </a:spcBef>
+              <a:spcAft>
+                <a:spcPts val="0"/>
+              </a:spcAft>
+            </a:pPr>
+            <a:endParaRPr lang="it-IT" sz="2000" dirty="0">
               <a:solidFill>
                 <a:srgbClr val="FFFFFF"/>
               </a:solidFill>
@@ -40184,16 +40388,17 @@
             </a:endParaRPr>
           </a:p>
           <a:p>
-            <a:pPr marL="0" lvl="0" indent="0" algn="ctr" rtl="0">
+            <a:pPr marL="342900" lvl="0" indent="-342900" rtl="0">
               <a:spcBef>
                 <a:spcPts val="0"/>
               </a:spcBef>
               <a:spcAft>
                 <a:spcPts val="0"/>
               </a:spcAft>
-              <a:buNone/>
+              <a:buFont typeface="Arial" panose="020B0604020202020204" pitchFamily="34" charset="0"/>
+              <a:buChar char="•"/>
             </a:pPr>
-            <a:endParaRPr lang="it-IT" sz="1800" dirty="0">
+            <a:endParaRPr lang="it-IT" sz="2000" dirty="0">
               <a:solidFill>
                 <a:srgbClr val="FFFFFF"/>
               </a:solidFill>
@@ -40203,38 +40408,17 @@
             </a:endParaRPr>
           </a:p>
           <a:p>
-            <a:pPr marL="0" lvl="0" indent="0" algn="ctr" rtl="0">
+            <a:pPr marL="342900" lvl="0" indent="-342900" rtl="0">
               <a:spcBef>
                 <a:spcPts val="0"/>
               </a:spcBef>
               <a:spcAft>
                 <a:spcPts val="0"/>
               </a:spcAft>
-              <a:buNone/>
+              <a:buFont typeface="Arial" panose="020B0604020202020204" pitchFamily="34" charset="0"/>
+              <a:buChar char="•"/>
             </a:pPr>
-            <a:r>
-              <a:rPr lang="it-IT" sz="1800" dirty="0">
-                <a:solidFill>
-                  <a:srgbClr val="FFFFFF"/>
-                </a:solidFill>
-                <a:ea typeface="Roboto Condensed Light"/>
-                <a:cs typeface="Roboto Condensed Light"/>
-                <a:sym typeface="Roboto Condensed Light"/>
-              </a:rPr>
-              <a:t> Aggiorniamo i permessi dello script </a:t>
-            </a:r>
-          </a:p>
-          <a:p>
-            <a:pPr marL="0" lvl="0" indent="0" algn="ctr" rtl="0">
-              <a:spcBef>
-                <a:spcPts val="0"/>
-              </a:spcBef>
-              <a:spcAft>
-                <a:spcPts val="0"/>
-              </a:spcAft>
-              <a:buNone/>
-            </a:pPr>
-            <a:endParaRPr lang="it-IT" sz="1800" dirty="0">
+            <a:endParaRPr lang="it-IT" sz="2000" dirty="0">
               <a:solidFill>
                 <a:srgbClr val="FFFFFF"/>
               </a:solidFill>
@@ -40244,93 +40428,18 @@
             </a:endParaRPr>
           </a:p>
           <a:p>
-            <a:pPr marL="0" lvl="0" indent="0" algn="ctr" rtl="0">
+            <a:pPr marL="342900" lvl="0" indent="-342900" rtl="0">
               <a:spcBef>
                 <a:spcPts val="0"/>
               </a:spcBef>
               <a:spcAft>
                 <a:spcPts val="0"/>
               </a:spcAft>
-              <a:buNone/>
+              <a:buFont typeface="Arial" panose="020B0604020202020204" pitchFamily="34" charset="0"/>
+              <a:buChar char="•"/>
             </a:pPr>
-            <a:endParaRPr lang="it-IT" sz="1800" dirty="0">
-              <a:solidFill>
-                <a:srgbClr val="FFFFFF"/>
-              </a:solidFill>
-              <a:ea typeface="Roboto Condensed Light"/>
-              <a:cs typeface="Roboto Condensed Light"/>
-              <a:sym typeface="Roboto Condensed Light"/>
-            </a:endParaRPr>
-          </a:p>
-          <a:p>
-            <a:pPr marL="0" lvl="0" indent="0" algn="ctr" rtl="0">
-              <a:spcBef>
-                <a:spcPts val="0"/>
-              </a:spcBef>
-              <a:spcAft>
-                <a:spcPts val="0"/>
-              </a:spcAft>
-              <a:buNone/>
-            </a:pPr>
-            <a:endParaRPr lang="it-IT" sz="1800" dirty="0">
-              <a:solidFill>
-                <a:srgbClr val="FFFFFF"/>
-              </a:solidFill>
-              <a:ea typeface="Roboto Condensed Light"/>
-              <a:cs typeface="Roboto Condensed Light"/>
-              <a:sym typeface="Roboto Condensed Light"/>
-            </a:endParaRPr>
-          </a:p>
-          <a:p>
-            <a:pPr marL="0" lvl="0" indent="0" algn="ctr" rtl="0">
-              <a:spcBef>
-                <a:spcPts val="0"/>
-              </a:spcBef>
-              <a:spcAft>
-                <a:spcPts val="0"/>
-              </a:spcAft>
-              <a:buNone/>
-            </a:pPr>
-            <a:endParaRPr lang="it-IT" sz="1800" dirty="0">
-              <a:solidFill>
-                <a:srgbClr val="FFFFFF"/>
-              </a:solidFill>
-              <a:ea typeface="Roboto Condensed Light"/>
-              <a:cs typeface="Roboto Condensed Light"/>
-              <a:sym typeface="Roboto Condensed Light"/>
-            </a:endParaRPr>
-          </a:p>
-          <a:p>
-            <a:pPr marL="0" lvl="0" indent="0" algn="ctr" rtl="0">
-              <a:spcBef>
-                <a:spcPts val="0"/>
-              </a:spcBef>
-              <a:spcAft>
-                <a:spcPts val="0"/>
-              </a:spcAft>
-              <a:buNone/>
-            </a:pPr>
-            <a:endParaRPr lang="it-IT" sz="1800" dirty="0">
-              <a:solidFill>
-                <a:srgbClr val="FFFFFF"/>
-              </a:solidFill>
-              <a:ea typeface="Roboto Condensed Light"/>
-              <a:cs typeface="Roboto Condensed Light"/>
-              <a:sym typeface="Roboto Condensed Light"/>
-            </a:endParaRPr>
-          </a:p>
-          <a:p>
-            <a:pPr marL="0" lvl="0" indent="0" algn="ctr" rtl="0">
-              <a:spcBef>
-                <a:spcPts val="0"/>
-              </a:spcBef>
-              <a:spcAft>
-                <a:spcPts val="0"/>
-              </a:spcAft>
-              <a:buNone/>
-            </a:pPr>
-            <a:r>
-              <a:rPr lang="it-IT" sz="1800" dirty="0">
+            <a:r>
+              <a:rPr lang="it-IT" sz="2000" dirty="0">
                 <a:solidFill>
                   <a:srgbClr val="FFFFFF"/>
                 </a:solidFill>
@@ -40341,7 +40450,7 @@
               <a:t>Eseguiamo manualmente una nuova istanza del server Web </a:t>
             </a:r>
             <a:r>
-              <a:rPr lang="it-IT" sz="1800" dirty="0" err="1">
+              <a:rPr lang="it-IT" sz="2000" dirty="0" err="1">
                 <a:solidFill>
                   <a:srgbClr val="FFFFFF"/>
                 </a:solidFill>
@@ -40352,7 +40461,7 @@
               <a:t>thttpd</a:t>
             </a:r>
             <a:r>
-              <a:rPr lang="it-IT" sz="1800" dirty="0">
+              <a:rPr lang="it-IT" sz="2000" dirty="0">
                 <a:solidFill>
                   <a:srgbClr val="FFFFFF"/>
                 </a:solidFill>
@@ -40385,7 +40494,7 @@
           <a:prstGeom prst="straightConnector1">
             <a:avLst/>
           </a:prstGeom>
-          <a:ln>
+          <a:ln w="28575">
             <a:solidFill>
               <a:schemeClr val="bg1"/>
             </a:solidFill>
@@ -40421,13 +40530,13 @@
         </p:nvCxnSpPr>
         <p:spPr>
           <a:xfrm>
-            <a:off x="5245345" y="4508636"/>
+            <a:off x="5113370" y="4263539"/>
             <a:ext cx="1508760" cy="0"/>
           </a:xfrm>
           <a:prstGeom prst="straightConnector1">
             <a:avLst/>
           </a:prstGeom>
-          <a:ln>
+          <a:ln w="28575">
             <a:solidFill>
               <a:schemeClr val="bg1"/>
             </a:solidFill>
@@ -40463,13 +40572,13 @@
         </p:nvCxnSpPr>
         <p:spPr>
           <a:xfrm>
-            <a:off x="5513114" y="6159500"/>
+            <a:off x="5245345" y="5650452"/>
             <a:ext cx="1508760" cy="0"/>
           </a:xfrm>
           <a:prstGeom prst="straightConnector1">
             <a:avLst/>
           </a:prstGeom>
-          <a:ln>
+          <a:ln w="28575">
             <a:solidFill>
               <a:schemeClr val="bg1"/>
             </a:solidFill>
@@ -40505,8 +40614,8 @@
         </p:nvSpPr>
         <p:spPr>
           <a:xfrm>
-            <a:off x="6814820" y="2790419"/>
-            <a:ext cx="3435096" cy="646331"/>
+            <a:off x="7021874" y="2721114"/>
+            <a:ext cx="4345768" cy="707886"/>
           </a:xfrm>
           <a:prstGeom prst="rect">
             <a:avLst/>
@@ -40529,7 +40638,7 @@
               <a:buNone/>
             </a:pPr>
             <a:r>
-              <a:rPr lang="en-US" sz="1800" dirty="0">
+              <a:rPr lang="en-US" sz="2000" dirty="0">
                 <a:solidFill>
                   <a:schemeClr val="bg1"/>
                 </a:solidFill>
@@ -40540,7 +40649,7 @@
               <a:t>cp /home/flag16/</a:t>
             </a:r>
             <a:r>
-              <a:rPr lang="en-US" sz="1800" dirty="0" err="1">
+              <a:rPr lang="en-US" sz="2000" dirty="0" err="1">
                 <a:solidFill>
                   <a:schemeClr val="bg1"/>
                 </a:solidFill>
@@ -40551,7 +40660,7 @@
               <a:t>index.cgi</a:t>
             </a:r>
             <a:r>
-              <a:rPr lang="en-US" sz="1800" dirty="0">
+              <a:rPr lang="en-US" sz="2000" dirty="0">
                 <a:solidFill>
                   <a:schemeClr val="bg1"/>
                 </a:solidFill>
@@ -40578,8 +40687,8 @@
         </p:nvSpPr>
         <p:spPr>
           <a:xfrm>
-            <a:off x="6754105" y="4185470"/>
-            <a:ext cx="4345769" cy="923330"/>
+            <a:off x="6622130" y="3926122"/>
+            <a:ext cx="5913748" cy="707886"/>
           </a:xfrm>
           <a:prstGeom prst="rect">
             <a:avLst/>
@@ -40602,7 +40711,7 @@
               <a:buNone/>
             </a:pPr>
             <a:r>
-              <a:rPr lang="en-US" sz="1800" dirty="0" err="1">
+              <a:rPr lang="en-US" sz="2000" dirty="0" err="1">
                 <a:ln>
                   <a:solidFill>
                     <a:schemeClr val="bg1"/>
@@ -40618,7 +40727,7 @@
               <a:t>chown</a:t>
             </a:r>
             <a:r>
-              <a:rPr lang="en-US" sz="1800" dirty="0">
+              <a:rPr lang="en-US" sz="2000" dirty="0">
                 <a:ln>
                   <a:solidFill>
                     <a:schemeClr val="bg1"/>
@@ -40634,7 +40743,7 @@
               <a:t> level16:level16 /home/level16/</a:t>
             </a:r>
             <a:r>
-              <a:rPr lang="en-US" sz="1800" dirty="0" err="1">
+              <a:rPr lang="en-US" sz="2000" dirty="0" err="1">
                 <a:ln>
                   <a:solidFill>
                     <a:schemeClr val="bg1"/>
@@ -40650,7 +40759,7 @@
               <a:t>index.cgi</a:t>
             </a:r>
             <a:r>
-              <a:rPr lang="en-US" sz="1800" dirty="0">
+              <a:rPr lang="en-US" sz="2000" dirty="0">
                 <a:ln>
                   <a:solidFill>
                     <a:schemeClr val="bg1"/>
@@ -40666,7 +40775,7 @@
               <a:t> </a:t>
             </a:r>
             <a:r>
-              <a:rPr lang="en-US" sz="1800" dirty="0" err="1">
+              <a:rPr lang="en-US" sz="2000" dirty="0" err="1">
                 <a:ln>
                   <a:solidFill>
                     <a:schemeClr val="bg1"/>
@@ -40682,7 +40791,7 @@
               <a:t>chmod</a:t>
             </a:r>
             <a:r>
-              <a:rPr lang="en-US" sz="1800" dirty="0">
+              <a:rPr lang="en-US" sz="2000" dirty="0">
                 <a:ln>
                   <a:solidFill>
                     <a:schemeClr val="bg1"/>
@@ -40698,7 +40807,7 @@
               <a:t> 0755 /home/level16/</a:t>
             </a:r>
             <a:r>
-              <a:rPr lang="en-US" sz="1800" dirty="0" err="1">
+              <a:rPr lang="en-US" sz="2000" dirty="0" err="1">
                 <a:ln>
                   <a:solidFill>
                     <a:schemeClr val="bg1"/>
@@ -40714,7 +40823,7 @@
               <a:t>index.cgi</a:t>
             </a:r>
             <a:r>
-              <a:rPr lang="en-US" sz="1800" dirty="0">
+              <a:rPr lang="en-US" sz="2000" dirty="0">
                 <a:ln>
                   <a:solidFill>
                     <a:schemeClr val="bg1"/>
@@ -40746,8 +40855,8 @@
         </p:nvSpPr>
         <p:spPr>
           <a:xfrm>
-            <a:off x="6618663" y="5974834"/>
-            <a:ext cx="4616651" cy="369332"/>
+            <a:off x="6543938" y="5450397"/>
+            <a:ext cx="4616651" cy="400110"/>
           </a:xfrm>
           <a:prstGeom prst="rect">
             <a:avLst/>
@@ -40770,7 +40879,7 @@
               <a:buNone/>
             </a:pPr>
             <a:r>
-              <a:rPr lang="it-IT" sz="1800" dirty="0" err="1">
+              <a:rPr lang="it-IT" sz="2000" dirty="0" err="1">
                 <a:solidFill>
                   <a:schemeClr val="bg1"/>
                 </a:solidFill>
@@ -40781,7 +40890,7 @@
               <a:t>thttpd</a:t>
             </a:r>
             <a:r>
-              <a:rPr lang="it-IT" sz="1800" dirty="0">
+              <a:rPr lang="it-IT" sz="2000" dirty="0">
                 <a:solidFill>
                   <a:schemeClr val="bg1"/>
                 </a:solidFill>
@@ -40792,7 +40901,7 @@
               <a:t> –C /home/level16/</a:t>
             </a:r>
             <a:r>
-              <a:rPr lang="it-IT" sz="1800" dirty="0" err="1">
+              <a:rPr lang="it-IT" sz="2000" dirty="0" err="1">
                 <a:solidFill>
                   <a:schemeClr val="bg1"/>
                 </a:solidFill>
@@ -40802,7 +40911,7 @@
               </a:rPr>
               <a:t>thttpd.conf</a:t>
             </a:r>
-            <a:endParaRPr lang="it-IT" sz="1800" dirty="0">
+            <a:endParaRPr lang="it-IT" sz="2000" dirty="0">
               <a:solidFill>
                 <a:schemeClr val="bg1"/>
               </a:solidFill>
@@ -40918,51 +41027,21 @@
           </a:p>
         </p:txBody>
       </p:sp>
-      <p:pic>
-        <p:nvPicPr>
-          <p:cNvPr id="3" name="Immagine 2">
-            <a:extLst>
-              <a:ext uri="{FF2B5EF4-FFF2-40B4-BE49-F238E27FC236}">
-                <a16:creationId xmlns:a16="http://schemas.microsoft.com/office/drawing/2014/main" id="{DF4ED494-7474-0B67-0991-1AC12E294068}"/>
-              </a:ext>
-            </a:extLst>
-          </p:cNvPr>
-          <p:cNvPicPr>
-            <a:picLocks noChangeAspect="1"/>
-          </p:cNvPicPr>
+      <p:sp>
+        <p:nvSpPr>
+          <p:cNvPr id="4" name="CasellaDiTesto 3">
+            <a:extLst>
+              <a:ext uri="{FF2B5EF4-FFF2-40B4-BE49-F238E27FC236}">
+                <a16:creationId xmlns:a16="http://schemas.microsoft.com/office/drawing/2014/main" id="{85AD9FF4-D54B-1492-FC27-AEF06FB4B2BB}"/>
+              </a:ext>
+            </a:extLst>
+          </p:cNvPr>
+          <p:cNvSpPr txBox="1"/>
           <p:nvPr/>
-        </p:nvPicPr>
-        <p:blipFill>
-          <a:blip r:embed="rId3"/>
-          <a:stretch>
-            <a:fillRect/>
-          </a:stretch>
-        </p:blipFill>
+        </p:nvSpPr>
         <p:spPr>
           <a:xfrm>
-            <a:off x="353231" y="3632200"/>
-            <a:ext cx="5919729" cy="1072989"/>
-          </a:xfrm>
-          <a:prstGeom prst="rect">
-            <a:avLst/>
-          </a:prstGeom>
-        </p:spPr>
-      </p:pic>
-      <p:sp>
-        <p:nvSpPr>
-          <p:cNvPr id="4" name="CasellaDiTesto 3">
-            <a:extLst>
-              <a:ext uri="{FF2B5EF4-FFF2-40B4-BE49-F238E27FC236}">
-                <a16:creationId xmlns:a16="http://schemas.microsoft.com/office/drawing/2014/main" id="{85AD9FF4-D54B-1492-FC27-AEF06FB4B2BB}"/>
-              </a:ext>
-            </a:extLst>
-          </p:cNvPr>
-          <p:cNvSpPr txBox="1"/>
-          <p:nvPr/>
-        </p:nvSpPr>
-        <p:spPr>
-          <a:xfrm>
-            <a:off x="353231" y="3022600"/>
+            <a:off x="5907254" y="2799205"/>
             <a:ext cx="4536269" cy="369332"/>
           </a:xfrm>
           <a:prstGeom prst="rect">
@@ -41001,8 +41080,8 @@
         </p:nvSpPr>
         <p:spPr>
           <a:xfrm>
-            <a:off x="7023100" y="2654300"/>
-            <a:ext cx="3733800" cy="646331"/>
+            <a:off x="236131" y="5597648"/>
+            <a:ext cx="2705493" cy="646331"/>
           </a:xfrm>
           <a:prstGeom prst="rect">
             <a:avLst/>
@@ -41041,7 +41120,7 @@
           <p:nvPr/>
         </p:nvPicPr>
         <p:blipFill>
-          <a:blip r:embed="rId4">
+          <a:blip r:embed="rId3">
             <a:extLst>
               <a:ext uri="{28A0092B-C50C-407E-A947-70E740481C1C}">
                 <a14:useLocalDpi xmlns:a14="http://schemas.microsoft.com/office/drawing/2010/main" val="0"/>
@@ -41054,14 +41133,102 @@
         </p:blipFill>
         <p:spPr>
           <a:xfrm>
-            <a:off x="6539808" y="3300631"/>
-            <a:ext cx="5400732" cy="1013460"/>
+            <a:off x="2121008" y="3429000"/>
+            <a:ext cx="8610492" cy="1615779"/>
           </a:xfrm>
           <a:prstGeom prst="rect">
             <a:avLst/>
           </a:prstGeom>
         </p:spPr>
       </p:pic>
+      <p:cxnSp>
+        <p:nvCxnSpPr>
+          <p:cNvPr id="2" name="Connettore 2 1">
+            <a:extLst>
+              <a:ext uri="{FF2B5EF4-FFF2-40B4-BE49-F238E27FC236}">
+                <a16:creationId xmlns:a16="http://schemas.microsoft.com/office/drawing/2014/main" id="{D4E5DB17-FA5C-A929-DC8A-3718DE496D43}"/>
+              </a:ext>
+            </a:extLst>
+          </p:cNvPr>
+          <p:cNvCxnSpPr>
+            <a:cxnSpLocks/>
+          </p:cNvCxnSpPr>
+          <p:nvPr/>
+        </p:nvCxnSpPr>
+        <p:spPr>
+          <a:xfrm flipH="1">
+            <a:off x="4698589" y="3009900"/>
+            <a:ext cx="1156111" cy="380775"/>
+          </a:xfrm>
+          <a:prstGeom prst="straightConnector1">
+            <a:avLst/>
+          </a:prstGeom>
+          <a:ln w="28575">
+            <a:solidFill>
+              <a:schemeClr val="bg1"/>
+            </a:solidFill>
+            <a:tailEnd type="triangle"/>
+          </a:ln>
+        </p:spPr>
+        <p:style>
+          <a:lnRef idx="1">
+            <a:schemeClr val="accent1"/>
+          </a:lnRef>
+          <a:fillRef idx="0">
+            <a:schemeClr val="accent1"/>
+          </a:fillRef>
+          <a:effectRef idx="0">
+            <a:schemeClr val="accent1"/>
+          </a:effectRef>
+          <a:fontRef idx="minor">
+            <a:schemeClr val="tx1"/>
+          </a:fontRef>
+        </p:style>
+      </p:cxnSp>
+      <p:cxnSp>
+        <p:nvCxnSpPr>
+          <p:cNvPr id="6" name="Connettore 2 5">
+            <a:extLst>
+              <a:ext uri="{FF2B5EF4-FFF2-40B4-BE49-F238E27FC236}">
+                <a16:creationId xmlns:a16="http://schemas.microsoft.com/office/drawing/2014/main" id="{DA4F236A-0A93-5573-034D-73D0C016F775}"/>
+              </a:ext>
+            </a:extLst>
+          </p:cNvPr>
+          <p:cNvCxnSpPr>
+            <a:cxnSpLocks/>
+          </p:cNvCxnSpPr>
+          <p:nvPr/>
+        </p:nvCxnSpPr>
+        <p:spPr>
+          <a:xfrm flipV="1">
+            <a:off x="2516957" y="5149850"/>
+            <a:ext cx="683443" cy="675915"/>
+          </a:xfrm>
+          <a:prstGeom prst="straightConnector1">
+            <a:avLst/>
+          </a:prstGeom>
+          <a:ln w="28575">
+            <a:solidFill>
+              <a:schemeClr val="bg1"/>
+            </a:solidFill>
+            <a:tailEnd type="triangle"/>
+          </a:ln>
+        </p:spPr>
+        <p:style>
+          <a:lnRef idx="1">
+            <a:schemeClr val="accent1"/>
+          </a:lnRef>
+          <a:fillRef idx="0">
+            <a:schemeClr val="accent1"/>
+          </a:fillRef>
+          <a:effectRef idx="0">
+            <a:schemeClr val="accent1"/>
+          </a:effectRef>
+          <a:fontRef idx="minor">
+            <a:schemeClr val="tx1"/>
+          </a:fontRef>
+        </p:style>
+      </p:cxnSp>
     </p:spTree>
     <p:extLst>
       <p:ext uri="{BB962C8B-B14F-4D97-AF65-F5344CB8AC3E}">
@@ -41182,7 +41349,7 @@
         <p:spPr>
           <a:xfrm>
             <a:off x="835831" y="3236976"/>
-            <a:ext cx="3580721" cy="1754326"/>
+            <a:ext cx="7158099" cy="2554545"/>
           </a:xfrm>
           <a:prstGeom prst="rect">
             <a:avLst/>
@@ -41195,8 +41362,12 @@
           </a:bodyPr>
           <a:lstStyle/>
           <a:p>
-            <a:r>
-              <a:rPr lang="it-IT" dirty="0">
+            <a:pPr marL="285750" indent="-285750">
+              <a:buFont typeface="Arial" panose="020B0604020202020204" pitchFamily="34" charset="0"/>
+              <a:buChar char="•"/>
+            </a:pPr>
+            <a:r>
+              <a:rPr lang="it-IT" sz="2000" dirty="0">
                 <a:solidFill>
                   <a:schemeClr val="bg1">
                     <a:lumMod val="95000"/>
@@ -41205,6 +41376,54 @@
               </a:rPr>
               <a:t>Qualora un'applicazione Web che esegue comandi non neutralizzi adeguatamente i "caratteri speciali", un attaccante può iniettare nuovi caratteri concatenandoli ai precedenti.</a:t>
             </a:r>
+          </a:p>
+          <a:p>
+            <a:pPr marL="285750" indent="-285750">
+              <a:buFont typeface="Arial" panose="020B0604020202020204" pitchFamily="34" charset="0"/>
+              <a:buChar char="•"/>
+            </a:pPr>
+            <a:endParaRPr lang="it-IT" sz="2000" dirty="0">
+              <a:solidFill>
+                <a:schemeClr val="bg1">
+                  <a:lumMod val="95000"/>
+                </a:schemeClr>
+              </a:solidFill>
+            </a:endParaRPr>
+          </a:p>
+          <a:p>
+            <a:pPr marL="285750" indent="-285750">
+              <a:buFont typeface="Arial" panose="020B0604020202020204" pitchFamily="34" charset="0"/>
+              <a:buChar char="•"/>
+            </a:pPr>
+            <a:r>
+              <a:rPr lang="en-US" sz="2000" dirty="0">
+                <a:solidFill>
+                  <a:schemeClr val="bg1"/>
+                </a:solidFill>
+              </a:rPr>
+              <a:t>CWE di </a:t>
+            </a:r>
+            <a:r>
+              <a:rPr lang="en-US" sz="2000" dirty="0" err="1">
+                <a:solidFill>
+                  <a:schemeClr val="bg1"/>
+                </a:solidFill>
+              </a:rPr>
+              <a:t>riferimento</a:t>
+            </a:r>
+            <a:r>
+              <a:rPr lang="en-US" sz="2000" dirty="0">
+                <a:solidFill>
+                  <a:schemeClr val="bg1"/>
+                </a:solidFill>
+              </a:rPr>
+              <a:t>: CWE-78 Improper Neutralization of Special Elements used in an OS Command (’OS Command Injection’) https://cwe.mitre.org/data/definitions/78.html</a:t>
+            </a:r>
+            <a:endParaRPr lang="it-IT" sz="2000" dirty="0">
+              <a:solidFill>
+                <a:schemeClr val="bg1"/>
+              </a:solidFill>
+            </a:endParaRPr>
           </a:p>
         </p:txBody>
       </p:sp>
@@ -41328,7 +41547,7 @@
         <p:spPr>
           <a:xfrm>
             <a:off x="835831" y="3236976"/>
-            <a:ext cx="3580721" cy="1754326"/>
+            <a:ext cx="6762173" cy="1323439"/>
           </a:xfrm>
           <a:prstGeom prst="rect">
             <a:avLst/>
@@ -41342,7 +41561,7 @@
           <a:lstStyle/>
           <a:p>
             <a:r>
-              <a:rPr lang="it-IT" dirty="0">
+              <a:rPr lang="it-IT" sz="2000" dirty="0">
                 <a:solidFill>
                   <a:schemeClr val="bg1"/>
                 </a:solidFill>
@@ -41350,7 +41569,7 @@
               <a:t>Possiamo implementare nello script </a:t>
             </a:r>
             <a:r>
-              <a:rPr lang="it-IT" dirty="0" err="1">
+              <a:rPr lang="it-IT" sz="2000" dirty="0" err="1">
                 <a:solidFill>
                   <a:schemeClr val="bg1"/>
                 </a:solidFill>
@@ -41358,7 +41577,7 @@
               <a:t>Perl</a:t>
             </a:r>
             <a:r>
-              <a:rPr lang="it-IT" dirty="0">
+              <a:rPr lang="it-IT" sz="2000" dirty="0">
                 <a:solidFill>
                   <a:schemeClr val="bg1"/>
                 </a:solidFill>
@@ -41366,7 +41585,7 @@
               <a:t> un filtro dell'input basato su una </a:t>
             </a:r>
             <a:r>
-              <a:rPr lang="it-IT" dirty="0" err="1">
+              <a:rPr lang="it-IT" sz="2000" dirty="0" err="1">
                 <a:solidFill>
                   <a:schemeClr val="bg1"/>
                 </a:solidFill>
@@ -41374,22 +41593,21 @@
               <a:t>blacklist</a:t>
             </a:r>
             <a:r>
-              <a:rPr lang="it-IT" dirty="0">
+              <a:rPr lang="it-IT" sz="2000" dirty="0">
                 <a:solidFill>
                   <a:schemeClr val="bg1"/>
                 </a:solidFill>
               </a:rPr>
               <a:t>:</a:t>
             </a:r>
-            <a:br>
-              <a:rPr lang="it-IT" dirty="0">
-                <a:solidFill>
-                  <a:schemeClr val="bg1"/>
-                </a:solidFill>
-              </a:rPr>
-            </a:br>
-            <a:r>
-              <a:rPr lang="it-IT" dirty="0">
+          </a:p>
+          <a:p>
+            <a:pPr marL="342900" indent="-342900">
+              <a:buFont typeface="Arial" panose="020B0604020202020204" pitchFamily="34" charset="0"/>
+              <a:buChar char="•"/>
+            </a:pPr>
+            <a:r>
+              <a:rPr lang="it-IT" sz="2000" dirty="0">
                 <a:solidFill>
                   <a:schemeClr val="bg1"/>
                 </a:solidFill>
@@ -41519,7 +41737,7 @@
         <p:spPr>
           <a:xfrm>
             <a:off x="835831" y="3236976"/>
-            <a:ext cx="7685869" cy="1477328"/>
+            <a:ext cx="7685869" cy="1631216"/>
           </a:xfrm>
           <a:prstGeom prst="rect">
             <a:avLst/>
@@ -41533,7 +41751,7 @@
           <a:lstStyle/>
           <a:p>
             <a:r>
-              <a:rPr lang="it-IT" dirty="0">
+              <a:rPr lang="it-IT" sz="2000" dirty="0">
                 <a:solidFill>
                   <a:schemeClr val="bg1"/>
                 </a:solidFill>
@@ -41541,7 +41759,7 @@
               <a:t>Funzionamento aggiornato di </a:t>
             </a:r>
             <a:r>
-              <a:rPr lang="it-IT" dirty="0" err="1">
+              <a:rPr lang="it-IT" sz="2000" dirty="0" err="1">
                 <a:solidFill>
                   <a:schemeClr val="bg1"/>
                 </a:solidFill>
@@ -41549,7 +41767,7 @@
               <a:t>index.cgi</a:t>
             </a:r>
             <a:r>
-              <a:rPr lang="it-IT" dirty="0">
+              <a:rPr lang="it-IT" sz="2000" dirty="0">
                 <a:solidFill>
                   <a:schemeClr val="bg1"/>
                 </a:solidFill>
@@ -41563,7 +41781,7 @@
               <a:buAutoNum type="arabicPeriod"/>
             </a:pPr>
             <a:r>
-              <a:rPr lang="it-IT" dirty="0">
+              <a:rPr lang="it-IT" sz="2000" dirty="0">
                 <a:solidFill>
                   <a:schemeClr val="bg1"/>
                 </a:solidFill>
@@ -41577,7 +41795,7 @@
               <a:buAutoNum type="arabicPeriod"/>
             </a:pPr>
             <a:r>
-              <a:rPr lang="it-IT" dirty="0">
+              <a:rPr lang="it-IT" sz="2000" dirty="0">
                 <a:solidFill>
                   <a:schemeClr val="bg1"/>
                 </a:solidFill>
@@ -41591,7 +41809,7 @@
               <a:buAutoNum type="arabicPeriod"/>
             </a:pPr>
             <a:r>
-              <a:rPr lang="it-IT" dirty="0">
+              <a:rPr lang="it-IT" sz="2000" dirty="0">
                 <a:solidFill>
                   <a:schemeClr val="bg1"/>
                 </a:solidFill>
@@ -41605,7 +41823,7 @@
               <a:buAutoNum type="arabicPeriod"/>
             </a:pPr>
             <a:r>
-              <a:rPr lang="it-IT" dirty="0">
+              <a:rPr lang="it-IT" sz="2000" dirty="0">
                 <a:solidFill>
                   <a:schemeClr val="bg1"/>
                 </a:solidFill>
@@ -41720,12 +41938,207 @@
           </a:p>
         </p:txBody>
       </p:sp>
+      <p:sp>
+        <p:nvSpPr>
+          <p:cNvPr id="4" name="CasellaDiTesto 3">
+            <a:extLst>
+              <a:ext uri="{FF2B5EF4-FFF2-40B4-BE49-F238E27FC236}">
+                <a16:creationId xmlns:a16="http://schemas.microsoft.com/office/drawing/2014/main" id="{D2E1F682-DD21-8F82-3BE7-F932682518AD}"/>
+              </a:ext>
+            </a:extLst>
+          </p:cNvPr>
+          <p:cNvSpPr txBox="1"/>
+          <p:nvPr/>
+        </p:nvSpPr>
+        <p:spPr>
+          <a:xfrm>
+            <a:off x="723899" y="4696492"/>
+            <a:ext cx="2171601" cy="400110"/>
+          </a:xfrm>
+          <a:prstGeom prst="rect">
+            <a:avLst/>
+          </a:prstGeom>
+          <a:noFill/>
+        </p:spPr>
+        <p:txBody>
+          <a:bodyPr wrap="square" rtlCol="0">
+            <a:spAutoFit/>
+          </a:bodyPr>
+          <a:lstStyle/>
+          <a:p>
+            <a:r>
+              <a:rPr lang="it-IT" sz="2000" dirty="0">
+                <a:solidFill>
+                  <a:schemeClr val="bg1"/>
+                </a:solidFill>
+              </a:rPr>
+              <a:t>Inizio Riga</a:t>
+            </a:r>
+          </a:p>
+        </p:txBody>
+      </p:sp>
+      <p:sp>
+        <p:nvSpPr>
+          <p:cNvPr id="5" name="CasellaDiTesto 4">
+            <a:extLst>
+              <a:ext uri="{FF2B5EF4-FFF2-40B4-BE49-F238E27FC236}">
+                <a16:creationId xmlns:a16="http://schemas.microsoft.com/office/drawing/2014/main" id="{5F249F9D-B57C-B6FA-A759-EDD1B2914332}"/>
+              </a:ext>
+            </a:extLst>
+          </p:cNvPr>
+          <p:cNvSpPr txBox="1"/>
+          <p:nvPr/>
+        </p:nvSpPr>
+        <p:spPr>
+          <a:xfrm>
+            <a:off x="2449662" y="5405154"/>
+            <a:ext cx="2970750" cy="400110"/>
+          </a:xfrm>
+          <a:prstGeom prst="rect">
+            <a:avLst/>
+          </a:prstGeom>
+          <a:noFill/>
+        </p:spPr>
+        <p:txBody>
+          <a:bodyPr wrap="square" rtlCol="0">
+            <a:spAutoFit/>
+          </a:bodyPr>
+          <a:lstStyle/>
+          <a:p>
+            <a:r>
+              <a:rPr lang="it-IT" sz="2000" dirty="0">
+                <a:solidFill>
+                  <a:schemeClr val="bg1"/>
+                </a:solidFill>
+              </a:rPr>
+              <a:t>Caratteri ammessi</a:t>
+            </a:r>
+          </a:p>
+        </p:txBody>
+      </p:sp>
+      <p:sp>
+        <p:nvSpPr>
+          <p:cNvPr id="6" name="CasellaDiTesto 5">
+            <a:extLst>
+              <a:ext uri="{FF2B5EF4-FFF2-40B4-BE49-F238E27FC236}">
+                <a16:creationId xmlns:a16="http://schemas.microsoft.com/office/drawing/2014/main" id="{953890B7-5E1E-2EA3-71B0-39B27CF55BC1}"/>
+              </a:ext>
+            </a:extLst>
+          </p:cNvPr>
+          <p:cNvSpPr txBox="1"/>
+          <p:nvPr/>
+        </p:nvSpPr>
+        <p:spPr>
+          <a:xfrm>
+            <a:off x="5106887" y="5405154"/>
+            <a:ext cx="2970750" cy="400110"/>
+          </a:xfrm>
+          <a:prstGeom prst="rect">
+            <a:avLst/>
+          </a:prstGeom>
+          <a:noFill/>
+        </p:spPr>
+        <p:txBody>
+          <a:bodyPr wrap="square" rtlCol="0">
+            <a:spAutoFit/>
+          </a:bodyPr>
+          <a:lstStyle/>
+          <a:p>
+            <a:r>
+              <a:rPr lang="it-IT" sz="2000" dirty="0">
+                <a:solidFill>
+                  <a:schemeClr val="bg1"/>
+                </a:solidFill>
+              </a:rPr>
+              <a:t>#caratteri min/max</a:t>
+            </a:r>
+          </a:p>
+        </p:txBody>
+      </p:sp>
+      <p:sp>
+        <p:nvSpPr>
+          <p:cNvPr id="7" name="CasellaDiTesto 6">
+            <a:extLst>
+              <a:ext uri="{FF2B5EF4-FFF2-40B4-BE49-F238E27FC236}">
+                <a16:creationId xmlns:a16="http://schemas.microsoft.com/office/drawing/2014/main" id="{F74DBEB9-D21A-4451-E4FD-6B3EF7C28322}"/>
+              </a:ext>
+            </a:extLst>
+          </p:cNvPr>
+          <p:cNvSpPr txBox="1"/>
+          <p:nvPr/>
+        </p:nvSpPr>
+        <p:spPr>
+          <a:xfrm>
+            <a:off x="7505699" y="4798092"/>
+            <a:ext cx="1824145" cy="400110"/>
+          </a:xfrm>
+          <a:prstGeom prst="rect">
+            <a:avLst/>
+          </a:prstGeom>
+          <a:noFill/>
+        </p:spPr>
+        <p:txBody>
+          <a:bodyPr wrap="square" rtlCol="0">
+            <a:spAutoFit/>
+          </a:bodyPr>
+          <a:lstStyle/>
+          <a:p>
+            <a:r>
+              <a:rPr lang="it-IT" sz="2000" dirty="0">
+                <a:solidFill>
+                  <a:schemeClr val="bg1"/>
+                </a:solidFill>
+              </a:rPr>
+              <a:t>Fine riga</a:t>
+            </a:r>
+          </a:p>
+        </p:txBody>
+      </p:sp>
+      <p:sp>
+        <p:nvSpPr>
+          <p:cNvPr id="16" name="CasellaDiTesto 15">
+            <a:extLst>
+              <a:ext uri="{FF2B5EF4-FFF2-40B4-BE49-F238E27FC236}">
+                <a16:creationId xmlns:a16="http://schemas.microsoft.com/office/drawing/2014/main" id="{CF8061FB-C6A4-DC22-D5E5-E90DF48234BA}"/>
+              </a:ext>
+            </a:extLst>
+          </p:cNvPr>
+          <p:cNvSpPr txBox="1"/>
+          <p:nvPr/>
+        </p:nvSpPr>
+        <p:spPr>
+          <a:xfrm>
+            <a:off x="1154981" y="3086101"/>
+            <a:ext cx="13326910" cy="400110"/>
+          </a:xfrm>
+          <a:prstGeom prst="rect">
+            <a:avLst/>
+          </a:prstGeom>
+          <a:noFill/>
+        </p:spPr>
+        <p:txBody>
+          <a:bodyPr wrap="square" rtlCol="0">
+            <a:spAutoFit/>
+          </a:bodyPr>
+          <a:lstStyle/>
+          <a:p>
+            <a:r>
+              <a:rPr lang="it-IT" sz="2000" dirty="0">
+                <a:solidFill>
+                  <a:schemeClr val="bg1"/>
+                </a:solidFill>
+              </a:rPr>
+              <a:t>L'espressione regolare che abbiamo creato per il controllo degli username è la seguente:</a:t>
+            </a:r>
+          </a:p>
+        </p:txBody>
+      </p:sp>
       <p:pic>
         <p:nvPicPr>
-          <p:cNvPr id="3" name="Immagine 2">
-            <a:extLst>
-              <a:ext uri="{FF2B5EF4-FFF2-40B4-BE49-F238E27FC236}">
-                <a16:creationId xmlns:a16="http://schemas.microsoft.com/office/drawing/2014/main" id="{5EF0D718-0619-BEC2-1AB0-64005E8B2761}"/>
+          <p:cNvPr id="12" name="Immagine 11">
+            <a:extLst>
+              <a:ext uri="{FF2B5EF4-FFF2-40B4-BE49-F238E27FC236}">
+                <a16:creationId xmlns:a16="http://schemas.microsoft.com/office/drawing/2014/main" id="{35D4EC8C-C31D-96E6-B130-4A3354361ABD}"/>
               </a:ext>
             </a:extLst>
           </p:cNvPr>
@@ -41742,191 +42155,40 @@
         </p:blipFill>
         <p:spPr>
           <a:xfrm>
-            <a:off x="3535512" y="3873500"/>
-            <a:ext cx="2560488" cy="480092"/>
+            <a:off x="3107784" y="3761103"/>
+            <a:ext cx="3877216" cy="476316"/>
           </a:xfrm>
           <a:prstGeom prst="rect">
             <a:avLst/>
           </a:prstGeom>
         </p:spPr>
       </p:pic>
-      <p:sp>
-        <p:nvSpPr>
-          <p:cNvPr id="4" name="CasellaDiTesto 3">
-            <a:extLst>
-              <a:ext uri="{FF2B5EF4-FFF2-40B4-BE49-F238E27FC236}">
-                <a16:creationId xmlns:a16="http://schemas.microsoft.com/office/drawing/2014/main" id="{D2E1F682-DD21-8F82-3BE7-F932682518AD}"/>
-              </a:ext>
-            </a:extLst>
-          </p:cNvPr>
-          <p:cNvSpPr txBox="1"/>
-          <p:nvPr/>
-        </p:nvSpPr>
-        <p:spPr>
-          <a:xfrm>
-            <a:off x="723900" y="4696492"/>
-            <a:ext cx="1587500" cy="369332"/>
-          </a:xfrm>
-          <a:prstGeom prst="rect">
-            <a:avLst/>
-          </a:prstGeom>
-          <a:noFill/>
-        </p:spPr>
-        <p:txBody>
-          <a:bodyPr wrap="square" rtlCol="0">
-            <a:spAutoFit/>
-          </a:bodyPr>
-          <a:lstStyle/>
-          <a:p>
-            <a:r>
-              <a:rPr lang="it-IT" dirty="0">
-                <a:solidFill>
-                  <a:schemeClr val="bg1"/>
-                </a:solidFill>
-              </a:rPr>
-              <a:t>Inizio Riga</a:t>
-            </a:r>
-          </a:p>
-        </p:txBody>
-      </p:sp>
-      <p:sp>
-        <p:nvSpPr>
-          <p:cNvPr id="5" name="CasellaDiTesto 4">
-            <a:extLst>
-              <a:ext uri="{FF2B5EF4-FFF2-40B4-BE49-F238E27FC236}">
-                <a16:creationId xmlns:a16="http://schemas.microsoft.com/office/drawing/2014/main" id="{5F249F9D-B57C-B6FA-A759-EDD1B2914332}"/>
-              </a:ext>
-            </a:extLst>
-          </p:cNvPr>
-          <p:cNvSpPr txBox="1"/>
-          <p:nvPr/>
-        </p:nvSpPr>
-        <p:spPr>
-          <a:xfrm>
-            <a:off x="2449662" y="5405154"/>
-            <a:ext cx="2171700" cy="369332"/>
-          </a:xfrm>
-          <a:prstGeom prst="rect">
-            <a:avLst/>
-          </a:prstGeom>
-          <a:noFill/>
-        </p:spPr>
-        <p:txBody>
-          <a:bodyPr wrap="square" rtlCol="0">
-            <a:spAutoFit/>
-          </a:bodyPr>
-          <a:lstStyle/>
-          <a:p>
-            <a:r>
-              <a:rPr lang="it-IT" dirty="0">
-                <a:solidFill>
-                  <a:schemeClr val="bg1"/>
-                </a:solidFill>
-              </a:rPr>
-              <a:t>Caratteri ammessi</a:t>
-            </a:r>
-          </a:p>
-        </p:txBody>
-      </p:sp>
-      <p:sp>
-        <p:nvSpPr>
-          <p:cNvPr id="6" name="CasellaDiTesto 5">
-            <a:extLst>
-              <a:ext uri="{FF2B5EF4-FFF2-40B4-BE49-F238E27FC236}">
-                <a16:creationId xmlns:a16="http://schemas.microsoft.com/office/drawing/2014/main" id="{953890B7-5E1E-2EA3-71B0-39B27CF55BC1}"/>
-              </a:ext>
-            </a:extLst>
-          </p:cNvPr>
-          <p:cNvSpPr txBox="1"/>
-          <p:nvPr/>
-        </p:nvSpPr>
-        <p:spPr>
-          <a:xfrm>
-            <a:off x="4940300" y="5405154"/>
-            <a:ext cx="2171700" cy="369332"/>
-          </a:xfrm>
-          <a:prstGeom prst="rect">
-            <a:avLst/>
-          </a:prstGeom>
-          <a:noFill/>
-        </p:spPr>
-        <p:txBody>
-          <a:bodyPr wrap="square" rtlCol="0">
-            <a:spAutoFit/>
-          </a:bodyPr>
-          <a:lstStyle/>
-          <a:p>
-            <a:r>
-              <a:rPr lang="it-IT" dirty="0">
-                <a:solidFill>
-                  <a:schemeClr val="bg1"/>
-                </a:solidFill>
-              </a:rPr>
-              <a:t>#caratteri min/max</a:t>
-            </a:r>
-          </a:p>
-        </p:txBody>
-      </p:sp>
-      <p:sp>
-        <p:nvSpPr>
-          <p:cNvPr id="7" name="CasellaDiTesto 6">
-            <a:extLst>
-              <a:ext uri="{FF2B5EF4-FFF2-40B4-BE49-F238E27FC236}">
-                <a16:creationId xmlns:a16="http://schemas.microsoft.com/office/drawing/2014/main" id="{F74DBEB9-D21A-4451-E4FD-6B3EF7C28322}"/>
-              </a:ext>
-            </a:extLst>
-          </p:cNvPr>
-          <p:cNvSpPr txBox="1"/>
-          <p:nvPr/>
-        </p:nvSpPr>
-        <p:spPr>
-          <a:xfrm>
-            <a:off x="7505700" y="4798092"/>
-            <a:ext cx="1333500" cy="369332"/>
-          </a:xfrm>
-          <a:prstGeom prst="rect">
-            <a:avLst/>
-          </a:prstGeom>
-          <a:noFill/>
-        </p:spPr>
-        <p:txBody>
-          <a:bodyPr wrap="square" rtlCol="0">
-            <a:spAutoFit/>
-          </a:bodyPr>
-          <a:lstStyle/>
-          <a:p>
-            <a:r>
-              <a:rPr lang="it-IT" dirty="0">
-                <a:solidFill>
-                  <a:schemeClr val="bg1"/>
-                </a:solidFill>
-              </a:rPr>
-              <a:t>Fine riga</a:t>
-            </a:r>
-          </a:p>
-        </p:txBody>
-      </p:sp>
       <p:cxnSp>
         <p:nvCxnSpPr>
-          <p:cNvPr id="9" name="Connettore 2 8">
-            <a:extLst>
-              <a:ext uri="{FF2B5EF4-FFF2-40B4-BE49-F238E27FC236}">
-                <a16:creationId xmlns:a16="http://schemas.microsoft.com/office/drawing/2014/main" id="{EA8A8045-0E27-B0CF-198D-160E3DD5DD20}"/>
-              </a:ext>
-            </a:extLst>
-          </p:cNvPr>
-          <p:cNvCxnSpPr/>
+          <p:cNvPr id="14" name="Connettore 2 13">
+            <a:extLst>
+              <a:ext uri="{FF2B5EF4-FFF2-40B4-BE49-F238E27FC236}">
+                <a16:creationId xmlns:a16="http://schemas.microsoft.com/office/drawing/2014/main" id="{DC4AD63F-1648-9F62-100F-D2A8BBEF29FC}"/>
+              </a:ext>
+            </a:extLst>
+          </p:cNvPr>
+          <p:cNvCxnSpPr>
+            <a:cxnSpLocks/>
+          </p:cNvCxnSpPr>
           <p:nvPr/>
         </p:nvCxnSpPr>
         <p:spPr>
           <a:xfrm flipV="1">
-            <a:off x="1866900" y="4226592"/>
-            <a:ext cx="1562100" cy="469900"/>
+            <a:off x="1976037" y="4217405"/>
+            <a:ext cx="1064551" cy="603882"/>
           </a:xfrm>
           <a:prstGeom prst="straightConnector1">
             <a:avLst/>
           </a:prstGeom>
-          <a:ln>
+          <a:ln w="28575">
+            <a:solidFill>
+              <a:schemeClr val="bg1"/>
+            </a:solidFill>
             <a:tailEnd type="triangle"/>
           </a:ln>
         </p:spPr>
@@ -41947,27 +42209,30 @@
       </p:cxnSp>
       <p:cxnSp>
         <p:nvCxnSpPr>
-          <p:cNvPr id="11" name="Connettore 2 10">
-            <a:extLst>
-              <a:ext uri="{FF2B5EF4-FFF2-40B4-BE49-F238E27FC236}">
-                <a16:creationId xmlns:a16="http://schemas.microsoft.com/office/drawing/2014/main" id="{59F79FB5-8B23-15F4-33FF-C392920445C5}"/>
+          <p:cNvPr id="17" name="Connettore 2 16">
+            <a:extLst>
+              <a:ext uri="{FF2B5EF4-FFF2-40B4-BE49-F238E27FC236}">
+                <a16:creationId xmlns:a16="http://schemas.microsoft.com/office/drawing/2014/main" id="{E8BB3EDE-82AB-5E12-1349-A76CD95533A5}"/>
               </a:ext>
             </a:extLst>
           </p:cNvPr>
           <p:cNvCxnSpPr>
-            <a:stCxn id="5" idx="0"/>
+            <a:cxnSpLocks/>
           </p:cNvCxnSpPr>
           <p:nvPr/>
         </p:nvCxnSpPr>
         <p:spPr>
           <a:xfrm flipV="1">
-            <a:off x="3535512" y="4353592"/>
-            <a:ext cx="668188" cy="1051562"/>
+            <a:off x="3478749" y="4394349"/>
+            <a:ext cx="775476" cy="987832"/>
           </a:xfrm>
           <a:prstGeom prst="straightConnector1">
             <a:avLst/>
           </a:prstGeom>
-          <a:ln>
+          <a:ln w="28575">
+            <a:solidFill>
+              <a:schemeClr val="bg1"/>
+            </a:solidFill>
             <a:tailEnd type="triangle"/>
           </a:ln>
         </p:spPr>
@@ -41988,27 +42253,30 @@
       </p:cxnSp>
       <p:cxnSp>
         <p:nvCxnSpPr>
-          <p:cNvPr id="13" name="Connettore 2 12">
-            <a:extLst>
-              <a:ext uri="{FF2B5EF4-FFF2-40B4-BE49-F238E27FC236}">
-                <a16:creationId xmlns:a16="http://schemas.microsoft.com/office/drawing/2014/main" id="{1C6F90C9-9A3F-2918-ADE1-2A3E26159F25}"/>
+          <p:cNvPr id="19" name="Connettore 2 18">
+            <a:extLst>
+              <a:ext uri="{FF2B5EF4-FFF2-40B4-BE49-F238E27FC236}">
+                <a16:creationId xmlns:a16="http://schemas.microsoft.com/office/drawing/2014/main" id="{CB92671F-5829-910C-8A27-F74643E4A660}"/>
               </a:ext>
             </a:extLst>
           </p:cNvPr>
           <p:cNvCxnSpPr>
-            <a:stCxn id="6" idx="0"/>
+            <a:cxnSpLocks/>
           </p:cNvCxnSpPr>
           <p:nvPr/>
         </p:nvCxnSpPr>
         <p:spPr>
-          <a:xfrm flipH="1" flipV="1">
-            <a:off x="5537200" y="4353592"/>
-            <a:ext cx="488950" cy="1051562"/>
+          <a:xfrm flipV="1">
+            <a:off x="5563724" y="4394349"/>
+            <a:ext cx="532276" cy="1002318"/>
           </a:xfrm>
           <a:prstGeom prst="straightConnector1">
             <a:avLst/>
           </a:prstGeom>
-          <a:ln>
+          <a:ln w="28575">
+            <a:solidFill>
+              <a:schemeClr val="bg1"/>
+            </a:solidFill>
             <a:tailEnd type="triangle"/>
           </a:ln>
         </p:spPr>
@@ -42029,25 +42297,30 @@
       </p:cxnSp>
       <p:cxnSp>
         <p:nvCxnSpPr>
-          <p:cNvPr id="15" name="Connettore 2 14">
-            <a:extLst>
-              <a:ext uri="{FF2B5EF4-FFF2-40B4-BE49-F238E27FC236}">
-                <a16:creationId xmlns:a16="http://schemas.microsoft.com/office/drawing/2014/main" id="{A485A76F-60EB-FDEB-1618-EA173FE4D53A}"/>
-              </a:ext>
-            </a:extLst>
-          </p:cNvPr>
-          <p:cNvCxnSpPr/>
+          <p:cNvPr id="22" name="Connettore 2 21">
+            <a:extLst>
+              <a:ext uri="{FF2B5EF4-FFF2-40B4-BE49-F238E27FC236}">
+                <a16:creationId xmlns:a16="http://schemas.microsoft.com/office/drawing/2014/main" id="{2B85087C-60B4-218C-8407-E39BAC100D9B}"/>
+              </a:ext>
+            </a:extLst>
+          </p:cNvPr>
+          <p:cNvCxnSpPr>
+            <a:cxnSpLocks/>
+          </p:cNvCxnSpPr>
           <p:nvPr/>
         </p:nvCxnSpPr>
         <p:spPr>
           <a:xfrm flipH="1" flipV="1">
-            <a:off x="6096000" y="4353592"/>
-            <a:ext cx="1778000" cy="444500"/>
+            <a:off x="7204288" y="4194873"/>
+            <a:ext cx="733489" cy="459073"/>
           </a:xfrm>
           <a:prstGeom prst="straightConnector1">
             <a:avLst/>
           </a:prstGeom>
-          <a:ln>
+          <a:ln w="28575">
+            <a:solidFill>
+              <a:schemeClr val="bg1"/>
+            </a:solidFill>
             <a:tailEnd type="triangle"/>
           </a:ln>
         </p:spPr>
@@ -42066,45 +42339,6 @@
           </a:fontRef>
         </p:style>
       </p:cxnSp>
-      <p:sp>
-        <p:nvSpPr>
-          <p:cNvPr id="16" name="CasellaDiTesto 15">
-            <a:extLst>
-              <a:ext uri="{FF2B5EF4-FFF2-40B4-BE49-F238E27FC236}">
-                <a16:creationId xmlns:a16="http://schemas.microsoft.com/office/drawing/2014/main" id="{CF8061FB-C6A4-DC22-D5E5-E90DF48234BA}"/>
-              </a:ext>
-            </a:extLst>
-          </p:cNvPr>
-          <p:cNvSpPr txBox="1"/>
-          <p:nvPr/>
-        </p:nvSpPr>
-        <p:spPr>
-          <a:xfrm>
-            <a:off x="2449662" y="2890634"/>
-            <a:ext cx="5194300" cy="646331"/>
-          </a:xfrm>
-          <a:prstGeom prst="rect">
-            <a:avLst/>
-          </a:prstGeom>
-          <a:noFill/>
-        </p:spPr>
-        <p:txBody>
-          <a:bodyPr wrap="square" rtlCol="0">
-            <a:spAutoFit/>
-          </a:bodyPr>
-          <a:lstStyle/>
-          <a:p>
-            <a:r>
-              <a:rPr lang="it-IT" dirty="0">
-                <a:solidFill>
-                  <a:schemeClr val="bg1"/>
-                </a:solidFill>
-              </a:rPr>
-              <a:t>L'espressione regolare che abbiamo creato per il controllo degli username è la seguente:</a:t>
-            </a:r>
-          </a:p>
-        </p:txBody>
-      </p:sp>
     </p:spTree>
     <p:extLst>
       <p:ext uri="{BB962C8B-B14F-4D97-AF65-F5344CB8AC3E}">
@@ -42184,60 +42418,22 @@
           </a:p>
         </p:txBody>
       </p:sp>
-      <p:pic>
-        <p:nvPicPr>
-          <p:cNvPr id="3" name="Google Shape;840;p67">
-            <a:extLst>
-              <a:ext uri="{FF2B5EF4-FFF2-40B4-BE49-F238E27FC236}">
-                <a16:creationId xmlns:a16="http://schemas.microsoft.com/office/drawing/2014/main" id="{37B4A4BE-C040-C747-B27F-4A5860C58B5E}"/>
-              </a:ext>
-            </a:extLst>
-          </p:cNvPr>
-          <p:cNvPicPr preferRelativeResize="0"/>
+      <p:sp>
+        <p:nvSpPr>
+          <p:cNvPr id="2" name="CasellaDiTesto 1">
+            <a:extLst>
+              <a:ext uri="{FF2B5EF4-FFF2-40B4-BE49-F238E27FC236}">
+                <a16:creationId xmlns:a16="http://schemas.microsoft.com/office/drawing/2014/main" id="{F549ABA7-7617-5FF9-CEF0-7D5BDDD0CEDB}"/>
+              </a:ext>
+            </a:extLst>
+          </p:cNvPr>
+          <p:cNvSpPr txBox="1"/>
           <p:nvPr/>
-        </p:nvPicPr>
-        <p:blipFill rotWithShape="1">
-          <a:blip r:embed="rId3"/>
-          <a:srcRect t="7355"/>
-          <a:stretch/>
-        </p:blipFill>
+        </p:nvSpPr>
         <p:spPr>
           <a:xfrm>
-            <a:off x="1725811" y="2465535"/>
-            <a:ext cx="5480520" cy="3427265"/>
-          </a:xfrm>
-          <a:prstGeom prst="rect">
-            <a:avLst/>
-          </a:prstGeom>
-          <a:noFill/>
-          <a:ln>
-            <a:noFill/>
-          </a:ln>
-          <a:effectLst>
-            <a:outerShdw blurRad="457200" dist="238125" dir="5400000" algn="bl" rotWithShape="0">
-              <a:srgbClr val="000000">
-                <a:alpha val="49000"/>
-              </a:srgbClr>
-            </a:outerShdw>
-          </a:effectLst>
-        </p:spPr>
-      </p:pic>
-      <p:sp>
-        <p:nvSpPr>
-          <p:cNvPr id="2" name="CasellaDiTesto 1">
-            <a:extLst>
-              <a:ext uri="{FF2B5EF4-FFF2-40B4-BE49-F238E27FC236}">
-                <a16:creationId xmlns:a16="http://schemas.microsoft.com/office/drawing/2014/main" id="{F549ABA7-7617-5FF9-CEF0-7D5BDDD0CEDB}"/>
-              </a:ext>
-            </a:extLst>
-          </p:cNvPr>
-          <p:cNvSpPr txBox="1"/>
-          <p:nvPr/>
-        </p:nvSpPr>
-        <p:spPr>
-          <a:xfrm>
-            <a:off x="8392160" y="2465388"/>
-            <a:ext cx="2856865" cy="3427412"/>
+            <a:off x="6747510" y="3833775"/>
+            <a:ext cx="3990340" cy="1170025"/>
           </a:xfrm>
           <a:prstGeom prst="rect">
             <a:avLst/>
@@ -42248,6 +42444,59 @@
             <a:normAutofit/>
           </a:bodyPr>
           <a:lstStyle/>
+          <a:p>
+            <a:pPr lvl="0" algn="just">
+              <a:lnSpc>
+                <a:spcPct val="120000"/>
+              </a:lnSpc>
+              <a:spcBef>
+                <a:spcPts val="1000"/>
+              </a:spcBef>
+              <a:spcAft>
+                <a:spcPts val="0"/>
+              </a:spcAft>
+            </a:pPr>
+            <a:r>
+              <a:rPr lang="it-IT" sz="2000" dirty="0">
+                <a:solidFill>
+                  <a:schemeClr val="bg1"/>
+                </a:solidFill>
+              </a:rPr>
+              <a:t>Script </a:t>
+            </a:r>
+            <a:r>
+              <a:rPr lang="it-IT" sz="2000" dirty="0" err="1">
+                <a:solidFill>
+                  <a:schemeClr val="bg1"/>
+                </a:solidFill>
+              </a:rPr>
+              <a:t>Perl</a:t>
+            </a:r>
+            <a:r>
+              <a:rPr lang="it-IT" sz="2000" dirty="0">
+                <a:solidFill>
+                  <a:schemeClr val="bg1"/>
+                </a:solidFill>
+              </a:rPr>
+              <a:t> </a:t>
+            </a:r>
+            <a:r>
+              <a:rPr lang="it-IT" sz="2000" dirty="0" err="1">
+                <a:solidFill>
+                  <a:schemeClr val="bg1"/>
+                </a:solidFill>
+              </a:rPr>
+              <a:t>index.cgi</a:t>
+            </a:r>
+            <a:r>
+              <a:rPr lang="it-IT" sz="2000" dirty="0">
+                <a:solidFill>
+                  <a:schemeClr val="bg1"/>
+                </a:solidFill>
+              </a:rPr>
+              <a:t> modificato</a:t>
+            </a:r>
+          </a:p>
           <a:p>
             <a:pPr lvl="0">
               <a:lnSpc>
@@ -42260,46 +42509,11 @@
                 <a:spcPts val="0"/>
               </a:spcAft>
             </a:pPr>
-            <a:r>
-              <a:rPr lang="it-IT" dirty="0">
-                <a:solidFill>
-                  <a:schemeClr val="bg1"/>
-                </a:solidFill>
-              </a:rPr>
-              <a:t>Script </a:t>
-            </a:r>
-            <a:r>
-              <a:rPr lang="it-IT" dirty="0" err="1">
-                <a:solidFill>
-                  <a:schemeClr val="bg1"/>
-                </a:solidFill>
-              </a:rPr>
-              <a:t>Perl</a:t>
-            </a:r>
-            <a:r>
-              <a:rPr lang="it-IT" dirty="0">
-                <a:solidFill>
-                  <a:schemeClr val="bg1"/>
-                </a:solidFill>
-              </a:rPr>
-              <a:t> </a:t>
-            </a:r>
-            <a:r>
-              <a:rPr lang="it-IT" dirty="0" err="1">
-                <a:solidFill>
-                  <a:schemeClr val="bg1"/>
-                </a:solidFill>
-              </a:rPr>
-              <a:t>index.cgi</a:t>
-            </a:r>
-            <a:r>
-              <a:rPr lang="it-IT" dirty="0">
-                <a:solidFill>
-                  <a:schemeClr val="bg1"/>
-                </a:solidFill>
-              </a:rPr>
-              <a:t> modificato</a:t>
-            </a:r>
+            <a:endParaRPr lang="it-IT" sz="2000" dirty="0">
+              <a:solidFill>
+                <a:schemeClr val="bg1"/>
+              </a:solidFill>
+            </a:endParaRPr>
           </a:p>
           <a:p>
             <a:pPr lvl="0">
@@ -42313,7 +42527,7 @@
                 <a:spcPts val="0"/>
               </a:spcAft>
             </a:pPr>
-            <a:endParaRPr lang="it-IT" dirty="0">
+            <a:endParaRPr lang="it-IT" sz="2000" dirty="0">
               <a:solidFill>
                 <a:schemeClr val="bg1"/>
               </a:solidFill>
@@ -42331,25 +42545,7 @@
                 <a:spcPts val="0"/>
               </a:spcAft>
             </a:pPr>
-            <a:endParaRPr lang="it-IT" dirty="0">
-              <a:solidFill>
-                <a:schemeClr val="bg1"/>
-              </a:solidFill>
-            </a:endParaRPr>
-          </a:p>
-          <a:p>
-            <a:pPr lvl="0">
-              <a:lnSpc>
-                <a:spcPct val="120000"/>
-              </a:lnSpc>
-              <a:spcBef>
-                <a:spcPts val="1000"/>
-              </a:spcBef>
-              <a:spcAft>
-                <a:spcPts val="0"/>
-              </a:spcAft>
-            </a:pPr>
-            <a:endParaRPr lang="it-IT" dirty="0">
+            <a:endParaRPr lang="it-IT" sz="2000" dirty="0">
               <a:solidFill>
                 <a:schemeClr val="bg1"/>
               </a:solidFill>
@@ -42401,6 +42597,36 @@
           </a:p>
         </p:txBody>
       </p:sp>
+      <p:pic>
+        <p:nvPicPr>
+          <p:cNvPr id="5" name="Immagine 4">
+            <a:extLst>
+              <a:ext uri="{FF2B5EF4-FFF2-40B4-BE49-F238E27FC236}">
+                <a16:creationId xmlns:a16="http://schemas.microsoft.com/office/drawing/2014/main" id="{91599B48-C658-EDCB-A444-C0A71173E765}"/>
+              </a:ext>
+            </a:extLst>
+          </p:cNvPr>
+          <p:cNvPicPr>
+            <a:picLocks noChangeAspect="1"/>
+          </p:cNvPicPr>
+          <p:nvPr/>
+        </p:nvPicPr>
+        <p:blipFill>
+          <a:blip r:embed="rId3"/>
+          <a:stretch>
+            <a:fillRect/>
+          </a:stretch>
+        </p:blipFill>
+        <p:spPr>
+          <a:xfrm>
+            <a:off x="1733550" y="2134422"/>
+            <a:ext cx="3776627" cy="4723578"/>
+          </a:xfrm>
+          <a:prstGeom prst="rect">
+            <a:avLst/>
+          </a:prstGeom>
+        </p:spPr>
+      </p:pic>
     </p:spTree>
     <p:extLst>
       <p:ext uri="{BB962C8B-B14F-4D97-AF65-F5344CB8AC3E}">
@@ -43176,7 +43402,7 @@
         <p:spPr>
           <a:xfrm>
             <a:off x="835831" y="3236976"/>
-            <a:ext cx="7685869" cy="923330"/>
+            <a:ext cx="7685869" cy="1015663"/>
           </a:xfrm>
           <a:prstGeom prst="rect">
             <a:avLst/>
@@ -43190,22 +43416,22 @@
           <a:lstStyle/>
           <a:p>
             <a:r>
-              <a:rPr lang="it-IT" dirty="0">
-                <a:solidFill>
-                  <a:schemeClr val="bg1"/>
-                </a:solidFill>
-              </a:rPr>
-              <a:t>Dopo abbiamo ripetuto l'attacco contro il server Web appena avviato.</a:t>
+              <a:rPr lang="it-IT" sz="2000" dirty="0">
+                <a:solidFill>
+                  <a:schemeClr val="bg1"/>
+                </a:solidFill>
+              </a:rPr>
+              <a:t>Abbiamo ripetuto l'attacco contro il server Web appena avviato.</a:t>
             </a:r>
             <a:br>
-              <a:rPr lang="it-IT" dirty="0">
+              <a:rPr lang="it-IT" sz="2000" dirty="0">
                 <a:solidFill>
                   <a:schemeClr val="bg1"/>
                 </a:solidFill>
               </a:rPr>
             </a:br>
             <a:r>
-              <a:rPr lang="it-IT" dirty="0">
+              <a:rPr lang="it-IT" sz="2000" dirty="0">
                 <a:solidFill>
                   <a:schemeClr val="bg1"/>
                 </a:solidFill>

--- a/Presentazione Nebula16.pptx
+++ b/Presentazione Nebula16.pptx
@@ -3112,7 +3112,7 @@
           <a:p>
             <a:fld id="{239B8597-0BE9-4EC1-A089-7778E907C0F0}" type="datetimeFigureOut">
               <a:rPr lang="it-IT" smtClean="0"/>
-              <a:t>11/05/2025</a:t>
+              <a:t>12/05/2025</a:t>
             </a:fld>
             <a:endParaRPr lang="it-IT"/>
           </a:p>
@@ -10567,7 +10567,7 @@
           <a:p>
             <a:fld id="{A68DA405-31E9-44C3-A33B-013AC39763DD}" type="datetimeFigureOut">
               <a:rPr lang="it-IT" smtClean="0"/>
-              <a:t>11/05/2025</a:t>
+              <a:t>12/05/2025</a:t>
             </a:fld>
             <a:endParaRPr lang="it-IT"/>
           </a:p>
@@ -10765,7 +10765,7 @@
           <a:p>
             <a:fld id="{A68DA405-31E9-44C3-A33B-013AC39763DD}" type="datetimeFigureOut">
               <a:rPr lang="it-IT" smtClean="0"/>
-              <a:t>11/05/2025</a:t>
+              <a:t>12/05/2025</a:t>
             </a:fld>
             <a:endParaRPr lang="it-IT"/>
           </a:p>
@@ -10973,7 +10973,7 @@
           <a:p>
             <a:fld id="{A68DA405-31E9-44C3-A33B-013AC39763DD}" type="datetimeFigureOut">
               <a:rPr lang="it-IT" smtClean="0"/>
-              <a:t>11/05/2025</a:t>
+              <a:t>12/05/2025</a:t>
             </a:fld>
             <a:endParaRPr lang="it-IT"/>
           </a:p>
@@ -15822,7 +15822,7 @@
           <a:p>
             <a:fld id="{A68DA405-31E9-44C3-A33B-013AC39763DD}" type="datetimeFigureOut">
               <a:rPr lang="it-IT" smtClean="0"/>
-              <a:t>11/05/2025</a:t>
+              <a:t>12/05/2025</a:t>
             </a:fld>
             <a:endParaRPr lang="it-IT"/>
           </a:p>
@@ -19645,7 +19645,7 @@
           <a:p>
             <a:fld id="{A68DA405-31E9-44C3-A33B-013AC39763DD}" type="datetimeFigureOut">
               <a:rPr lang="it-IT" smtClean="0"/>
-              <a:t>11/05/2025</a:t>
+              <a:t>12/05/2025</a:t>
             </a:fld>
             <a:endParaRPr lang="it-IT"/>
           </a:p>
@@ -19910,7 +19910,7 @@
           <a:p>
             <a:fld id="{A68DA405-31E9-44C3-A33B-013AC39763DD}" type="datetimeFigureOut">
               <a:rPr lang="it-IT" smtClean="0"/>
-              <a:t>11/05/2025</a:t>
+              <a:t>12/05/2025</a:t>
             </a:fld>
             <a:endParaRPr lang="it-IT"/>
           </a:p>
@@ -20322,7 +20322,7 @@
           <a:p>
             <a:fld id="{A68DA405-31E9-44C3-A33B-013AC39763DD}" type="datetimeFigureOut">
               <a:rPr lang="it-IT" smtClean="0"/>
-              <a:t>11/05/2025</a:t>
+              <a:t>12/05/2025</a:t>
             </a:fld>
             <a:endParaRPr lang="it-IT"/>
           </a:p>
@@ -20463,7 +20463,7 @@
           <a:p>
             <a:fld id="{A68DA405-31E9-44C3-A33B-013AC39763DD}" type="datetimeFigureOut">
               <a:rPr lang="it-IT" smtClean="0"/>
-              <a:t>11/05/2025</a:t>
+              <a:t>12/05/2025</a:t>
             </a:fld>
             <a:endParaRPr lang="it-IT"/>
           </a:p>
@@ -20576,7 +20576,7 @@
           <a:p>
             <a:fld id="{A68DA405-31E9-44C3-A33B-013AC39763DD}" type="datetimeFigureOut">
               <a:rPr lang="it-IT" smtClean="0"/>
-              <a:t>11/05/2025</a:t>
+              <a:t>12/05/2025</a:t>
             </a:fld>
             <a:endParaRPr lang="it-IT"/>
           </a:p>
@@ -20887,7 +20887,7 @@
           <a:p>
             <a:fld id="{A68DA405-31E9-44C3-A33B-013AC39763DD}" type="datetimeFigureOut">
               <a:rPr lang="it-IT" smtClean="0"/>
-              <a:t>11/05/2025</a:t>
+              <a:t>12/05/2025</a:t>
             </a:fld>
             <a:endParaRPr lang="it-IT"/>
           </a:p>
@@ -21175,7 +21175,7 @@
           <a:p>
             <a:fld id="{A68DA405-31E9-44C3-A33B-013AC39763DD}" type="datetimeFigureOut">
               <a:rPr lang="it-IT" smtClean="0"/>
-              <a:t>11/05/2025</a:t>
+              <a:t>12/05/2025</a:t>
             </a:fld>
             <a:endParaRPr lang="it-IT"/>
           </a:p>
@@ -21416,7 +21416,7 @@
           <a:p>
             <a:fld id="{A68DA405-31E9-44C3-A33B-013AC39763DD}" type="datetimeFigureOut">
               <a:rPr lang="it-IT" smtClean="0"/>
-              <a:t>11/05/2025</a:t>
+              <a:t>12/05/2025</a:t>
             </a:fld>
             <a:endParaRPr lang="it-IT"/>
           </a:p>
